--- a/기획/메인 기획서.pptx
+++ b/기획/메인 기획서.pptx
@@ -5,17 +5,18 @@
     <p:sldMasterId id="2147483673" r:id="rId1"/>
   </p:sldMasterIdLst>
   <p:notesMasterIdLst>
-    <p:notesMasterId r:id="rId10"/>
+    <p:notesMasterId r:id="rId11"/>
   </p:notesMasterIdLst>
   <p:sldIdLst>
     <p:sldId id="278" r:id="rId2"/>
     <p:sldId id="279" r:id="rId3"/>
     <p:sldId id="285" r:id="rId4"/>
     <p:sldId id="287" r:id="rId5"/>
-    <p:sldId id="288" r:id="rId6"/>
-    <p:sldId id="289" r:id="rId7"/>
-    <p:sldId id="290" r:id="rId8"/>
-    <p:sldId id="291" r:id="rId9"/>
+    <p:sldId id="292" r:id="rId6"/>
+    <p:sldId id="288" r:id="rId7"/>
+    <p:sldId id="293" r:id="rId8"/>
+    <p:sldId id="290" r:id="rId9"/>
+    <p:sldId id="291" r:id="rId10"/>
   </p:sldIdLst>
   <p:sldSz cx="12192000" cy="6858000"/>
   <p:notesSz cx="6858000" cy="9144000"/>
@@ -247,7 +248,7 @@
           <a:p>
             <a:fld id="{C60A41CB-61FA-4019-A4B0-427C8889D692}" type="datetimeFigureOut">
               <a:rPr lang="ko-KR" altLang="en-US" smtClean="0"/>
-              <a:t>2023-10-31</a:t>
+              <a:t>2023-11-01</a:t>
             </a:fld>
             <a:endParaRPr lang="ko-KR" altLang="en-US"/>
           </a:p>
@@ -661,7 +662,7 @@
           <a:p>
             <a:fld id="{3E575BB6-E5B3-4504-A1BD-6017DEED7613}" type="datetime1">
               <a:rPr lang="ko-KR" altLang="en-US" smtClean="0"/>
-              <a:t>2023-10-31</a:t>
+              <a:t>2023-11-01</a:t>
             </a:fld>
             <a:endParaRPr lang="ko-KR" altLang="en-US"/>
           </a:p>
@@ -949,7 +950,7 @@
           <a:p>
             <a:fld id="{48DFB8A8-7915-45BD-AD65-C3D084B22E9B}" type="datetime1">
               <a:rPr lang="ko-KR" altLang="en-US" smtClean="0"/>
-              <a:t>2023-10-31</a:t>
+              <a:t>2023-11-01</a:t>
             </a:fld>
             <a:endParaRPr lang="ko-KR" altLang="en-US"/>
           </a:p>
@@ -1147,7 +1148,7 @@
           <a:p>
             <a:fld id="{27AED4DE-6637-4B3C-91FE-F05CE44CBBFD}" type="datetime1">
               <a:rPr lang="ko-KR" altLang="en-US" smtClean="0"/>
-              <a:t>2023-10-31</a:t>
+              <a:t>2023-11-01</a:t>
             </a:fld>
             <a:endParaRPr lang="ko-KR" altLang="en-US"/>
           </a:p>
@@ -1355,7 +1356,7 @@
           <a:p>
             <a:fld id="{4AF7FE54-5D5F-4A3A-8B3F-4829D71391E0}" type="datetime1">
               <a:rPr lang="ko-KR" altLang="en-US" smtClean="0"/>
-              <a:t>2023-10-31</a:t>
+              <a:t>2023-11-01</a:t>
             </a:fld>
             <a:endParaRPr lang="ko-KR" altLang="en-US"/>
           </a:p>
@@ -1553,7 +1554,7 @@
           <a:p>
             <a:fld id="{75673C36-7E72-4192-A2B9-B4AB936290B5}" type="datetime1">
               <a:rPr lang="ko-KR" altLang="en-US" smtClean="0"/>
-              <a:t>2023-10-31</a:t>
+              <a:t>2023-11-01</a:t>
             </a:fld>
             <a:endParaRPr lang="ko-KR" altLang="en-US"/>
           </a:p>
@@ -1828,7 +1829,7 @@
           <a:p>
             <a:fld id="{C81D6C71-6BD3-43E4-97BA-B0DE4EA31951}" type="datetime1">
               <a:rPr lang="ko-KR" altLang="en-US" smtClean="0"/>
-              <a:t>2023-10-31</a:t>
+              <a:t>2023-11-01</a:t>
             </a:fld>
             <a:endParaRPr lang="ko-KR" altLang="en-US"/>
           </a:p>
@@ -2093,7 +2094,7 @@
           <a:p>
             <a:fld id="{04CD0557-08E3-40B5-9A90-AC12974B8819}" type="datetime1">
               <a:rPr lang="ko-KR" altLang="en-US" smtClean="0"/>
-              <a:t>2023-10-31</a:t>
+              <a:t>2023-11-01</a:t>
             </a:fld>
             <a:endParaRPr lang="ko-KR" altLang="en-US"/>
           </a:p>
@@ -2505,7 +2506,7 @@
           <a:p>
             <a:fld id="{D629B70C-30BC-4061-A360-A2ED2C2B536C}" type="datetime1">
               <a:rPr lang="ko-KR" altLang="en-US" smtClean="0"/>
-              <a:t>2023-10-31</a:t>
+              <a:t>2023-11-01</a:t>
             </a:fld>
             <a:endParaRPr lang="ko-KR" altLang="en-US"/>
           </a:p>
@@ -2646,7 +2647,7 @@
           <a:p>
             <a:fld id="{DEBCEC54-258E-41DB-A8CB-301AB5466904}" type="datetime1">
               <a:rPr lang="ko-KR" altLang="en-US" smtClean="0"/>
-              <a:t>2023-10-31</a:t>
+              <a:t>2023-11-01</a:t>
             </a:fld>
             <a:endParaRPr lang="ko-KR" altLang="en-US"/>
           </a:p>
@@ -2759,7 +2760,7 @@
           <a:p>
             <a:fld id="{CD0EBA57-5240-4A25-A388-5D04FF3A03DC}" type="datetime1">
               <a:rPr lang="ko-KR" altLang="en-US" smtClean="0"/>
-              <a:t>2023-10-31</a:t>
+              <a:t>2023-11-01</a:t>
             </a:fld>
             <a:endParaRPr lang="ko-KR" altLang="en-US"/>
           </a:p>
@@ -3019,7 +3020,7 @@
           <a:p>
             <a:fld id="{11391D84-4E24-498E-8117-9332CC137479}" type="datetime1">
               <a:rPr lang="ko-KR" altLang="en-US" smtClean="0"/>
-              <a:t>2023-10-31</a:t>
+              <a:t>2023-11-01</a:t>
             </a:fld>
             <a:endParaRPr lang="ko-KR" altLang="en-US"/>
           </a:p>
@@ -3330,7 +3331,7 @@
           <a:p>
             <a:fld id="{A9169B5D-494E-405E-B1DB-7DB63C2661E0}" type="datetime1">
               <a:rPr lang="ko-KR" altLang="en-US" smtClean="0"/>
-              <a:t>2023-10-31</a:t>
+              <a:t>2023-11-01</a:t>
             </a:fld>
             <a:endParaRPr lang="ko-KR" altLang="en-US"/>
           </a:p>
@@ -3571,7 +3572,7 @@
           <a:p>
             <a:fld id="{CDA0B6B0-6457-4CCD-80FB-28D37649507F}" type="datetime1">
               <a:rPr lang="ko-KR" altLang="en-US" smtClean="0"/>
-              <a:t>2023-10-31</a:t>
+              <a:t>2023-11-01</a:t>
             </a:fld>
             <a:endParaRPr lang="ko-KR" altLang="en-US"/>
           </a:p>
@@ -4784,7 +4785,7 @@
           <p:nvPr>
             <p:extLst>
               <p:ext uri="{D42A27DB-BD31-4B8C-83A1-F6EECF244321}">
-                <p14:modId xmlns:p14="http://schemas.microsoft.com/office/powerpoint/2010/main" val="1495432839"/>
+                <p14:modId xmlns:p14="http://schemas.microsoft.com/office/powerpoint/2010/main" val="2506092864"/>
               </p:ext>
             </p:extLst>
           </p:nvPr>
@@ -5132,7 +5133,34 @@
                           <a:ea typeface="맑은 고딕" charset="0"/>
                           <a:hlinkClick r:id="rId6" action="ppaction://hlinksldjump"/>
                         </a:rPr>
-                        <a:t>세계관 확립</a:t>
+                        <a:t>세계관</a:t>
+                      </a:r>
+                      <a:r>
+                        <a:rPr lang="ko-KR" altLang="en-US" sz="1800" b="0" i="0" kern="1200" dirty="0">
+                          <a:solidFill>
+                            <a:schemeClr val="tx1">
+                              <a:lumMod val="65000"/>
+                              <a:lumOff val="35000"/>
+                            </a:schemeClr>
+                          </a:solidFill>
+                          <a:latin typeface="맑은 고딕" charset="0"/>
+                          <a:ea typeface="맑은 고딕" charset="0"/>
+                        </a:rPr>
+                        <a:t> </a:t>
+                      </a:r>
+                      <a:r>
+                        <a:rPr lang="ko-KR" altLang="en-US" sz="1800" b="0" i="0" kern="1200" dirty="0">
+                          <a:solidFill>
+                            <a:schemeClr val="tx1">
+                              <a:lumMod val="65000"/>
+                              <a:lumOff val="35000"/>
+                            </a:schemeClr>
+                          </a:solidFill>
+                          <a:latin typeface="맑은 고딕" charset="0"/>
+                          <a:ea typeface="맑은 고딕" charset="0"/>
+                          <a:hlinkClick r:id="rId7" action="ppaction://hlinksldjump"/>
+                        </a:rPr>
+                        <a:t>확립</a:t>
                       </a:r>
                       <a:endParaRPr lang="ko-KR" altLang="en-US" sz="1800" b="0" i="0" kern="1200" dirty="0">
                         <a:solidFill>
@@ -5196,7 +5224,7 @@
                           </a:solidFill>
                           <a:latin typeface="맑은 고딕" charset="0"/>
                           <a:ea typeface="맑은 고딕" charset="0"/>
-                          <a:hlinkClick r:id="rId7" action="ppaction://hlinksldjump"/>
+                          <a:hlinkClick r:id="rId8" action="ppaction://hlinksldjump"/>
                         </a:rPr>
                         <a:t>유료화 모델</a:t>
                       </a:r>
@@ -5300,7 +5328,7 @@
           <p:nvPr>
             <p:extLst>
               <p:ext uri="{D42A27DB-BD31-4B8C-83A1-F6EECF244321}">
-                <p14:modId xmlns:p14="http://schemas.microsoft.com/office/powerpoint/2010/main" val="1463370034"/>
+                <p14:modId xmlns:p14="http://schemas.microsoft.com/office/powerpoint/2010/main" val="3865781443"/>
               </p:ext>
             </p:extLst>
           </p:nvPr>
@@ -5491,7 +5519,29 @@
                           <a:ea typeface="맑은 고딕" charset="0"/>
                           <a:cs typeface="Times New Roman" charset="0"/>
                         </a:rPr>
-                        <a:t> 작성되는 방향성, 세계관, 시스템 등의 기준을 정하여 기획이 기준을 벗어나는 것을 막고 기획의 내용을 정확히 하기 위해 작성 되었다</a:t>
+                        <a:t> 작성되는 방향성, 세계관, 시스템 등의 기준을 정하여 </a:t>
+                      </a:r>
+                      <a:r>
+                        <a:rPr lang="ko-KR" altLang="en-US" sz="1800" dirty="0">
+                          <a:solidFill>
+                            <a:schemeClr val="tx1"/>
+                          </a:solidFill>
+                          <a:latin typeface="맑은 고딕" charset="0"/>
+                          <a:ea typeface="맑은 고딕" charset="0"/>
+                          <a:cs typeface="Times New Roman" charset="0"/>
+                        </a:rPr>
+                        <a:t>개발하려는 게임의 방향성이</a:t>
+                      </a:r>
+                      <a:r>
+                        <a:rPr lang="ko-KR" altLang="ko-KR" sz="1800" dirty="0">
+                          <a:solidFill>
+                            <a:schemeClr val="tx1"/>
+                          </a:solidFill>
+                          <a:latin typeface="맑은 고딕" charset="0"/>
+                          <a:ea typeface="맑은 고딕" charset="0"/>
+                          <a:cs typeface="Times New Roman" charset="0"/>
+                        </a:rPr>
+                        <a:t> 기준을 벗어나는 것을 막고 기획의 내용을 정확히 하기 위해 작성 되었다</a:t>
                       </a:r>
                       <a:r>
                         <a:rPr lang="ko-KR" altLang="ko-KR" sz="1800" dirty="0">
@@ -5672,14 +5722,14 @@
           <p:nvPr>
             <p:extLst>
               <p:ext uri="{D42A27DB-BD31-4B8C-83A1-F6EECF244321}">
-                <p14:modId xmlns:p14="http://schemas.microsoft.com/office/powerpoint/2010/main" val="2537687109"/>
+                <p14:modId xmlns:p14="http://schemas.microsoft.com/office/powerpoint/2010/main" val="1558795538"/>
               </p:ext>
             </p:extLst>
           </p:nvPr>
         </p:nvGraphicFramePr>
         <p:xfrm>
-          <a:off x="1294728" y="2254935"/>
-          <a:ext cx="9602543" cy="2348129"/>
+          <a:off x="1294728" y="2050661"/>
+          <a:ext cx="9602543" cy="2756677"/>
         </p:xfrm>
         <a:graphic>
           <a:graphicData uri="http://schemas.openxmlformats.org/drawingml/2006/table">
@@ -5703,7 +5753,7 @@
                   </a:extLst>
                 </a:gridCol>
               </a:tblGrid>
-              <a:tr h="335447">
+              <a:tr h="393811">
                 <a:tc>
                   <a:txBody>
                     <a:bodyPr/>
@@ -5786,7 +5836,7 @@
                   </a:ext>
                 </a:extLst>
               </a:tr>
-              <a:tr h="335447">
+              <a:tr h="393811">
                 <a:tc>
                   <a:txBody>
                     <a:bodyPr/>
@@ -5803,7 +5853,7 @@
                         <a:buNone/>
                       </a:pPr>
                       <a:r>
-                        <a:rPr lang="ko-KR" sz="2000" kern="1200">
+                        <a:rPr lang="ko-KR" sz="2000" kern="1200" dirty="0">
                           <a:solidFill>
                             <a:srgbClr val="000000"/>
                           </a:solidFill>
@@ -5813,7 +5863,7 @@
                         </a:rPr>
                         <a:t>제목</a:t>
                       </a:r>
-                      <a:endParaRPr lang="ko-KR" altLang="en-US" sz="2000" kern="1200">
+                      <a:endParaRPr lang="ko-KR" altLang="en-US" sz="2000" kern="1200" dirty="0">
                         <a:solidFill>
                           <a:srgbClr val="000000"/>
                         </a:solidFill>
@@ -5823,7 +5873,7 @@
                       </a:endParaRPr>
                     </a:p>
                   </a:txBody>
-                  <a:tcPr marL="68580" marR="68580" marT="0" marB="0"/>
+                  <a:tcPr marL="68580" marR="68580" marT="0" marB="0" anchor="ctr"/>
                 </a:tc>
                 <a:tc>
                   <a:txBody>
@@ -5861,7 +5911,7 @@
                       </a:endParaRPr>
                     </a:p>
                   </a:txBody>
-                  <a:tcPr marL="68580" marR="68580" marT="0" marB="0"/>
+                  <a:tcPr marL="68580" marR="68580" marT="0" marB="0" anchor="ctr"/>
                 </a:tc>
                 <a:extLst>
                   <a:ext uri="{0D108BD9-81ED-4DB2-BD59-A6C34878D82A}">
@@ -5869,7 +5919,7 @@
                   </a:ext>
                 </a:extLst>
               </a:tr>
-              <a:tr h="335447">
+              <a:tr h="393811">
                 <a:tc>
                   <a:txBody>
                     <a:bodyPr/>
@@ -5886,7 +5936,7 @@
                         <a:buNone/>
                       </a:pPr>
                       <a:r>
-                        <a:rPr lang="ko-KR" sz="2000" kern="1200">
+                        <a:rPr lang="ko-KR" sz="2000" kern="1200" dirty="0">
                           <a:solidFill>
                             <a:srgbClr val="000000"/>
                           </a:solidFill>
@@ -5896,7 +5946,7 @@
                         </a:rPr>
                         <a:t>부제목</a:t>
                       </a:r>
-                      <a:endParaRPr lang="ko-KR" altLang="en-US" sz="2000" kern="1200">
+                      <a:endParaRPr lang="ko-KR" altLang="en-US" sz="2000" kern="1200" dirty="0">
                         <a:solidFill>
                           <a:srgbClr val="000000"/>
                         </a:solidFill>
@@ -5906,7 +5956,7 @@
                       </a:endParaRPr>
                     </a:p>
                   </a:txBody>
-                  <a:tcPr marL="68580" marR="68580" marT="0" marB="0"/>
+                  <a:tcPr marL="68580" marR="68580" marT="0" marB="0" anchor="ctr"/>
                 </a:tc>
                 <a:tc>
                   <a:txBody>
@@ -5944,7 +5994,7 @@
                       </a:endParaRPr>
                     </a:p>
                   </a:txBody>
-                  <a:tcPr marL="68580" marR="68580" marT="0" marB="0"/>
+                  <a:tcPr marL="68580" marR="68580" marT="0" marB="0" anchor="ctr"/>
                 </a:tc>
                 <a:extLst>
                   <a:ext uri="{0D108BD9-81ED-4DB2-BD59-A6C34878D82A}">
@@ -5952,7 +6002,7 @@
                   </a:ext>
                 </a:extLst>
               </a:tr>
-              <a:tr h="335447">
+              <a:tr h="393811">
                 <a:tc>
                   <a:txBody>
                     <a:bodyPr/>
@@ -5989,7 +6039,7 @@
                       </a:endParaRPr>
                     </a:p>
                   </a:txBody>
-                  <a:tcPr marL="68580" marR="68580" marT="0" marB="0"/>
+                  <a:tcPr marL="68580" marR="68580" marT="0" marB="0" anchor="ctr"/>
                 </a:tc>
                 <a:tc>
                   <a:txBody>
@@ -6007,7 +6057,7 @@
                         <a:buNone/>
                       </a:pPr>
                       <a:r>
-                        <a:rPr lang="ko-KR" sz="2000" kern="1200">
+                        <a:rPr lang="ko-KR" sz="2000" kern="1200" dirty="0">
                           <a:solidFill>
                             <a:srgbClr val="000000"/>
                           </a:solidFill>
@@ -6018,7 +6068,7 @@
                         <a:t>헌팅 액션</a:t>
                       </a:r>
                       <a:r>
-                        <a:rPr lang="en-US" sz="2000" kern="1200">
+                        <a:rPr lang="en-US" sz="2000" kern="1200" dirty="0">
                           <a:solidFill>
                             <a:srgbClr val="000000"/>
                           </a:solidFill>
@@ -6028,7 +6078,7 @@
                         </a:rPr>
                         <a:t> RPG</a:t>
                       </a:r>
-                      <a:endParaRPr lang="ko-KR" altLang="en-US" sz="2000" kern="1200">
+                      <a:endParaRPr lang="ko-KR" altLang="en-US" sz="2000" kern="1200" dirty="0">
                         <a:solidFill>
                           <a:srgbClr val="000000"/>
                         </a:solidFill>
@@ -6038,7 +6088,7 @@
                       </a:endParaRPr>
                     </a:p>
                   </a:txBody>
-                  <a:tcPr marL="68580" marR="68580" marT="0" marB="0"/>
+                  <a:tcPr marL="68580" marR="68580" marT="0" marB="0" anchor="ctr"/>
                 </a:tc>
                 <a:extLst>
                   <a:ext uri="{0D108BD9-81ED-4DB2-BD59-A6C34878D82A}">
@@ -6046,7 +6096,7 @@
                   </a:ext>
                 </a:extLst>
               </a:tr>
-              <a:tr h="335447">
+              <a:tr h="393811">
                 <a:tc>
                   <a:txBody>
                     <a:bodyPr/>
@@ -6083,7 +6133,7 @@
                       </a:endParaRPr>
                     </a:p>
                   </a:txBody>
-                  <a:tcPr marL="68580" marR="68580" marT="0" marB="0"/>
+                  <a:tcPr marL="68580" marR="68580" marT="0" marB="0" anchor="ctr"/>
                 </a:tc>
                 <a:tc>
                   <a:txBody>
@@ -6121,7 +6171,7 @@
                       </a:endParaRPr>
                     </a:p>
                   </a:txBody>
-                  <a:tcPr marL="68580" marR="68580" marT="0" marB="0"/>
+                  <a:tcPr marL="68580" marR="68580" marT="0" marB="0" anchor="ctr"/>
                 </a:tc>
                 <a:extLst>
                   <a:ext uri="{0D108BD9-81ED-4DB2-BD59-A6C34878D82A}">
@@ -6129,7 +6179,7 @@
                   </a:ext>
                 </a:extLst>
               </a:tr>
-              <a:tr h="335447">
+              <a:tr h="393811">
                 <a:tc>
                   <a:txBody>
                     <a:bodyPr/>
@@ -6166,7 +6216,7 @@
                       </a:endParaRPr>
                     </a:p>
                   </a:txBody>
-                  <a:tcPr marL="68580" marR="68580" marT="0" marB="0"/>
+                  <a:tcPr marL="68580" marR="68580" marT="0" marB="0" anchor="ctr"/>
                 </a:tc>
                 <a:tc>
                   <a:txBody>
@@ -6184,7 +6234,7 @@
                         <a:buNone/>
                       </a:pPr>
                       <a:r>
-                        <a:rPr lang="ko-KR" sz="2000" kern="1200">
+                        <a:rPr lang="ko-KR" sz="2000" kern="1200" dirty="0">
                           <a:solidFill>
                             <a:srgbClr val="000000"/>
                           </a:solidFill>
@@ -6195,7 +6245,7 @@
                         <a:t>동양 판타지</a:t>
                       </a:r>
                       <a:r>
-                        <a:rPr lang="en-US" sz="2000" kern="1200">
+                        <a:rPr lang="en-US" sz="2000" kern="1200" dirty="0">
                           <a:solidFill>
                             <a:srgbClr val="000000"/>
                           </a:solidFill>
@@ -6206,7 +6256,7 @@
                         <a:t>, </a:t>
                       </a:r>
                       <a:r>
-                        <a:rPr lang="ko-KR" sz="2000" kern="1200">
+                        <a:rPr lang="ko-KR" sz="2000" kern="1200" dirty="0">
                           <a:solidFill>
                             <a:srgbClr val="000000"/>
                           </a:solidFill>
@@ -6217,7 +6267,7 @@
                         <a:t>보스 레이드</a:t>
                       </a:r>
                       <a:r>
-                        <a:rPr lang="en-US" sz="2000" kern="1200">
+                        <a:rPr lang="en-US" sz="2000" kern="1200" dirty="0">
                           <a:solidFill>
                             <a:srgbClr val="000000"/>
                           </a:solidFill>
@@ -6228,7 +6278,7 @@
                         <a:t>, </a:t>
                       </a:r>
                       <a:r>
-                        <a:rPr lang="ko-KR" sz="2000" kern="1200">
+                        <a:rPr lang="ko-KR" sz="2000" kern="1200" dirty="0">
                           <a:solidFill>
                             <a:srgbClr val="000000"/>
                           </a:solidFill>
@@ -6239,7 +6289,7 @@
                         <a:t>개별 스토리 라인</a:t>
                       </a:r>
                       <a:r>
-                        <a:rPr lang="en-US" sz="2000" kern="1200">
+                        <a:rPr lang="en-US" sz="2000" kern="1200" dirty="0">
                           <a:solidFill>
                             <a:srgbClr val="000000"/>
                           </a:solidFill>
@@ -6250,7 +6300,7 @@
                         <a:t>, </a:t>
                       </a:r>
                       <a:r>
-                        <a:rPr lang="ko-KR" sz="2000" kern="1200">
+                        <a:rPr lang="ko-KR" sz="2000" kern="1200" dirty="0">
                           <a:solidFill>
                             <a:srgbClr val="000000"/>
                           </a:solidFill>
@@ -6260,7 +6310,7 @@
                         </a:rPr>
                         <a:t>멀티 플레이</a:t>
                       </a:r>
-                      <a:endParaRPr lang="ko-KR" altLang="en-US" sz="2000" kern="1200">
+                      <a:endParaRPr lang="ko-KR" altLang="en-US" sz="2000" kern="1200" dirty="0">
                         <a:solidFill>
                           <a:srgbClr val="000000"/>
                         </a:solidFill>
@@ -6270,7 +6320,7 @@
                       </a:endParaRPr>
                     </a:p>
                   </a:txBody>
-                  <a:tcPr marL="68580" marR="68580" marT="0" marB="0"/>
+                  <a:tcPr marL="68580" marR="68580" marT="0" marB="0" anchor="ctr"/>
                 </a:tc>
                 <a:extLst>
                   <a:ext uri="{0D108BD9-81ED-4DB2-BD59-A6C34878D82A}">
@@ -6278,7 +6328,7 @@
                   </a:ext>
                 </a:extLst>
               </a:tr>
-              <a:tr h="335447">
+              <a:tr h="393811">
                 <a:tc>
                   <a:txBody>
                     <a:bodyPr/>
@@ -6315,7 +6365,7 @@
                       </a:endParaRPr>
                     </a:p>
                   </a:txBody>
-                  <a:tcPr marL="68580" marR="68580" marT="0" marB="0"/>
+                  <a:tcPr marL="68580" marR="68580" marT="0" marB="0" anchor="ctr"/>
                 </a:tc>
                 <a:tc>
                   <a:txBody>
@@ -6353,7 +6403,7 @@
                       </a:endParaRPr>
                     </a:p>
                   </a:txBody>
-                  <a:tcPr marL="68580" marR="68580" marT="0" marB="0"/>
+                  <a:tcPr marL="68580" marR="68580" marT="0" marB="0" anchor="ctr"/>
                 </a:tc>
                 <a:extLst>
                   <a:ext uri="{0D108BD9-81ED-4DB2-BD59-A6C34878D82A}">
@@ -6411,7 +6461,18 @@
           <a:lstStyle/>
           <a:p>
             <a:pPr algn="ctr"/>
-            <a:endParaRPr lang="ko-KR" altLang="en-US"/>
+            <a:endParaRPr lang="en-US" altLang="ko-KR" sz="800" dirty="0"/>
+          </a:p>
+          <a:p>
+            <a:pPr algn="ctr"/>
+            <a:endParaRPr lang="en-US" altLang="ko-KR" sz="800" dirty="0"/>
+          </a:p>
+          <a:p>
+            <a:pPr algn="ctr"/>
+            <a:r>
+              <a:rPr lang="ko-KR" altLang="en-US" sz="800" dirty="0"/>
+              <a:t>문서 개요</a:t>
+            </a:r>
           </a:p>
         </p:txBody>
       </p:sp>
@@ -6441,45 +6502,6 @@
               <a:t>3</a:t>
             </a:fld>
             <a:endParaRPr lang="ko-KR" altLang="en-US"/>
-          </a:p>
-        </p:txBody>
-      </p:sp>
-      <p:sp>
-        <p:nvSpPr>
-          <p:cNvPr id="8" name="TextBox 7">
-            <a:extLst>
-              <a:ext uri="{FF2B5EF4-FFF2-40B4-BE49-F238E27FC236}">
-                <a16:creationId xmlns:a16="http://schemas.microsoft.com/office/drawing/2014/main" id="{9B7E9951-487D-4B71-BC8D-B0D65D9E00E7}"/>
-              </a:ext>
-            </a:extLst>
-          </p:cNvPr>
-          <p:cNvSpPr txBox="1"/>
-          <p:nvPr/>
-        </p:nvSpPr>
-        <p:spPr>
-          <a:xfrm>
-            <a:off x="11353800" y="6637336"/>
-            <a:ext cx="646113" cy="215444"/>
-          </a:xfrm>
-          <a:prstGeom prst="rect">
-            <a:avLst/>
-          </a:prstGeom>
-          <a:noFill/>
-        </p:spPr>
-        <p:txBody>
-          <a:bodyPr wrap="square" rtlCol="0">
-            <a:spAutoFit/>
-          </a:bodyPr>
-          <a:lstStyle/>
-          <a:p>
-            <a:r>
-              <a:rPr lang="ko-KR" altLang="en-US" sz="800" dirty="0">
-                <a:solidFill>
-                  <a:schemeClr val="bg1"/>
-                </a:solidFill>
-              </a:rPr>
-              <a:t>문서 개요</a:t>
-            </a:r>
           </a:p>
         </p:txBody>
       </p:sp>
@@ -6607,14 +6629,14 @@
           <p:nvPr>
             <p:extLst>
               <p:ext uri="{D42A27DB-BD31-4B8C-83A1-F6EECF244321}">
-                <p14:modId xmlns:p14="http://schemas.microsoft.com/office/powerpoint/2010/main" val="2390470008"/>
+                <p14:modId xmlns:p14="http://schemas.microsoft.com/office/powerpoint/2010/main" val="3798587139"/>
               </p:ext>
             </p:extLst>
           </p:nvPr>
         </p:nvGraphicFramePr>
         <p:xfrm>
-          <a:off x="203200" y="2168738"/>
-          <a:ext cx="11796713" cy="2776220"/>
+          <a:off x="192088" y="2592724"/>
+          <a:ext cx="11796713" cy="3496088"/>
         </p:xfrm>
         <a:graphic>
           <a:graphicData uri="http://schemas.openxmlformats.org/drawingml/2006/table">
@@ -6645,7 +6667,7 @@
                   </a:extLst>
                 </a:gridCol>
               </a:tblGrid>
-              <a:tr h="370840">
+              <a:tr h="439458">
                 <a:tc gridSpan="3">
                   <a:txBody>
                     <a:bodyPr/>
@@ -6702,18 +6724,18 @@
                   </a:ext>
                 </a:extLst>
               </a:tr>
-              <a:tr h="370840">
+              <a:tr h="439458">
                 <a:tc>
                   <a:txBody>
                     <a:bodyPr/>
                     <a:lstStyle/>
                     <a:p>
-                      <a:pPr marL="0" lvl="1" indent="0" latinLnBrk="0" hangingPunct="1">
+                      <a:pPr marL="0" lvl="1" indent="0" algn="ctr" latinLnBrk="0" hangingPunct="1">
                         <a:buFontTx/>
                         <a:buNone/>
                       </a:pPr>
                       <a:r>
-                        <a:rPr lang="ko-KR" sz="1800" b="0" i="0" kern="1200">
+                        <a:rPr lang="ko-KR" sz="1800" b="0" i="0" kern="1200" dirty="0">
                           <a:solidFill>
                             <a:schemeClr val="dk1"/>
                           </a:solidFill>
@@ -6722,7 +6744,7 @@
                         </a:rPr>
                         <a:t>단계</a:t>
                       </a:r>
-                      <a:endParaRPr lang="ko-KR" altLang="en-US" sz="1800" b="0" i="0" kern="1200">
+                      <a:endParaRPr lang="ko-KR" altLang="en-US" sz="1800" b="0" i="0" kern="1200" dirty="0">
                         <a:solidFill>
                           <a:schemeClr val="dk1"/>
                         </a:solidFill>
@@ -6738,12 +6760,12 @@
                     <a:bodyPr/>
                     <a:lstStyle/>
                     <a:p>
-                      <a:pPr marL="0" lvl="1" indent="0" latinLnBrk="0" hangingPunct="1">
+                      <a:pPr marL="0" lvl="1" indent="0" algn="ctr" latinLnBrk="0" hangingPunct="1">
                         <a:buFontTx/>
                         <a:buNone/>
                       </a:pPr>
                       <a:r>
-                        <a:rPr sz="1800" b="0" i="0" kern="1200">
+                        <a:rPr sz="1800" b="0" i="0" kern="1200" dirty="0">
                           <a:solidFill>
                             <a:schemeClr val="dk1"/>
                           </a:solidFill>
@@ -6753,7 +6775,7 @@
                         <a:t>설</a:t>
                       </a:r>
                       <a:r>
-                        <a:rPr lang="ko-KR" sz="1800" b="0" i="0" kern="1200">
+                        <a:rPr lang="ko-KR" sz="1800" b="0" i="0" kern="1200" dirty="0">
                           <a:solidFill>
                             <a:schemeClr val="dk1"/>
                           </a:solidFill>
@@ -6762,7 +6784,7 @@
                         </a:rPr>
                         <a:t>명</a:t>
                       </a:r>
-                      <a:endParaRPr lang="ko-KR" altLang="en-US" sz="1800" b="0" i="0" kern="1200">
+                      <a:endParaRPr lang="ko-KR" altLang="en-US" sz="1800" b="0" i="0" kern="1200" dirty="0">
                         <a:solidFill>
                           <a:schemeClr val="dk1"/>
                         </a:solidFill>
@@ -6778,12 +6800,12 @@
                     <a:bodyPr/>
                     <a:lstStyle/>
                     <a:p>
-                      <a:pPr marL="0" lvl="1" indent="0" latinLnBrk="0" hangingPunct="1">
+                      <a:pPr marL="0" lvl="1" indent="0" algn="ctr" latinLnBrk="0" hangingPunct="1">
                         <a:buFontTx/>
                         <a:buNone/>
                       </a:pPr>
                       <a:r>
-                        <a:rPr sz="1800" b="0" i="0" kern="1200">
+                        <a:rPr sz="1800" b="0" i="0" kern="1200" dirty="0">
                           <a:solidFill>
                             <a:schemeClr val="dk1"/>
                           </a:solidFill>
@@ -6793,7 +6815,7 @@
                         <a:t>게</a:t>
                       </a:r>
                       <a:r>
-                        <a:rPr lang="ko-KR" sz="1800" b="0" i="0" kern="1200">
+                        <a:rPr lang="ko-KR" sz="1800" b="0" i="0" kern="1200" dirty="0">
                           <a:solidFill>
                             <a:schemeClr val="dk1"/>
                           </a:solidFill>
@@ -6802,7 +6824,7 @@
                         </a:rPr>
                         <a:t>임 요소</a:t>
                       </a:r>
-                      <a:endParaRPr lang="ko-KR" altLang="en-US" sz="1800" b="0" i="0" kern="1200">
+                      <a:endParaRPr lang="ko-KR" altLang="en-US" sz="1800" b="0" i="0" kern="1200" dirty="0">
                         <a:solidFill>
                           <a:schemeClr val="dk1"/>
                         </a:solidFill>
@@ -6819,7 +6841,7 @@
                   </a:ext>
                 </a:extLst>
               </a:tr>
-              <a:tr h="370840">
+              <a:tr h="439458">
                 <a:tc>
                   <a:txBody>
                     <a:bodyPr/>
@@ -6851,7 +6873,7 @@
                       </a:r>
                     </a:p>
                   </a:txBody>
-                  <a:tcPr marL="90170" marR="90170" marT="46990" marB="46990"/>
+                  <a:tcPr marL="90170" marR="90170" marT="46990" marB="46990" anchor="ctr"/>
                 </a:tc>
                 <a:tc>
                   <a:txBody>
@@ -6881,7 +6903,7 @@
                       </a:endParaRPr>
                     </a:p>
                   </a:txBody>
-                  <a:tcPr marL="90170" marR="90170" marT="46990" marB="46990"/>
+                  <a:tcPr marL="90170" marR="90170" marT="46990" marB="46990" anchor="ctr"/>
                 </a:tc>
                 <a:tc>
                   <a:txBody>
@@ -6921,7 +6943,7 @@
                       </a:endParaRPr>
                     </a:p>
                   </a:txBody>
-                  <a:tcPr marL="90170" marR="90170" marT="46990" marB="46990"/>
+                  <a:tcPr marL="90170" marR="90170" marT="46990" marB="46990" anchor="ctr"/>
                 </a:tc>
                 <a:extLst>
                   <a:ext uri="{0D108BD9-81ED-4DB2-BD59-A6C34878D82A}">
@@ -6929,7 +6951,7 @@
                   </a:ext>
                 </a:extLst>
               </a:tr>
-              <a:tr h="647700">
+              <a:tr h="767547">
                 <a:tc>
                   <a:txBody>
                     <a:bodyPr/>
@@ -6951,7 +6973,7 @@
                       </a:r>
                     </a:p>
                   </a:txBody>
-                  <a:tcPr marL="90170" marR="90170" marT="46990" marB="46990"/>
+                  <a:tcPr marL="90170" marR="90170" marT="46990" marB="46990" anchor="ctr"/>
                 </a:tc>
                 <a:tc>
                   <a:txBody>
@@ -6970,11 +6992,11 @@
                           <a:latin typeface="맑은 고딕" charset="0"/>
                           <a:ea typeface="맑은 고딕" charset="0"/>
                         </a:rPr>
-                        <a:t>메인 스토리 진행하여 클리어 하는 단계</a:t>
+                        <a:t>메인 스토리 클리어 하는 단계</a:t>
                       </a:r>
                     </a:p>
                   </a:txBody>
-                  <a:tcPr marL="90170" marR="90170" marT="46990" marB="46990"/>
+                  <a:tcPr marL="90170" marR="90170" marT="46990" marB="46990" anchor="ctr"/>
                 </a:tc>
                 <a:tc>
                   <a:txBody>
@@ -7077,7 +7099,7 @@
                       </a:r>
                     </a:p>
                   </a:txBody>
-                  <a:tcPr marL="90170" marR="90170" marT="46990" marB="46990"/>
+                  <a:tcPr marL="90170" marR="90170" marT="46990" marB="46990" anchor="ctr"/>
                 </a:tc>
                 <a:extLst>
                   <a:ext uri="{0D108BD9-81ED-4DB2-BD59-A6C34878D82A}">
@@ -7085,7 +7107,7 @@
                   </a:ext>
                 </a:extLst>
               </a:tr>
-              <a:tr h="647700">
+              <a:tr h="767547">
                 <a:tc>
                   <a:txBody>
                     <a:bodyPr/>
@@ -7107,7 +7129,7 @@
                       </a:r>
                     </a:p>
                   </a:txBody>
-                  <a:tcPr marL="90170" marR="90170" marT="46990" marB="46990"/>
+                  <a:tcPr marL="90170" marR="90170" marT="46990" marB="46990" anchor="ctr"/>
                 </a:tc>
                 <a:tc>
                   <a:txBody>
@@ -7126,54 +7148,11 @@
                           <a:latin typeface="맑은 고딕" charset="0"/>
                           <a:ea typeface="맑은 고딕" charset="0"/>
                         </a:rPr>
-                        <a:t>캐릭터 추가 육성</a:t>
-                      </a:r>
-                      <a:r>
-                        <a:rPr lang="en-US" altLang="ko-KR" sz="1800" b="0" i="0" kern="1200" dirty="0">
-                          <a:solidFill>
-                            <a:schemeClr val="dk1"/>
-                          </a:solidFill>
-                          <a:latin typeface="맑은 고딕" charset="0"/>
-                          <a:ea typeface="맑은 고딕" charset="0"/>
-                        </a:rPr>
-                        <a:t>, </a:t>
-                      </a:r>
-                      <a:r>
-                        <a:rPr lang="ko-KR" altLang="en-US" sz="1800" b="0" i="0" kern="1200" dirty="0">
-                          <a:solidFill>
-                            <a:schemeClr val="dk1"/>
-                          </a:solidFill>
-                          <a:latin typeface="맑은 고딕" charset="0"/>
-                          <a:ea typeface="맑은 고딕" charset="0"/>
-                        </a:rPr>
-                        <a:t>스펙 강화</a:t>
-                      </a:r>
-                      <a:endParaRPr lang="en-US" altLang="ko-KR" sz="1800" b="0" i="0" kern="1200" dirty="0">
-                        <a:solidFill>
-                          <a:schemeClr val="dk1"/>
-                        </a:solidFill>
-                        <a:latin typeface="맑은 고딕" charset="0"/>
-                        <a:ea typeface="맑은 고딕" charset="0"/>
-                      </a:endParaRPr>
-                    </a:p>
-                    <a:p>
-                      <a:pPr marL="0" lvl="1" indent="0" latinLnBrk="0" hangingPunct="1">
-                        <a:buFontTx/>
-                        <a:buNone/>
-                      </a:pPr>
-                      <a:r>
-                        <a:rPr lang="ko-KR" altLang="en-US" sz="1800" b="0" i="0" kern="1200" dirty="0">
-                          <a:solidFill>
-                            <a:schemeClr val="dk1"/>
-                          </a:solidFill>
-                          <a:latin typeface="맑은 고딕" charset="0"/>
-                          <a:ea typeface="맑은 고딕" charset="0"/>
-                        </a:rPr>
-                        <a:t>엔드 컨텐츠 준비 단계</a:t>
+                        <a:t>서브 스토리를 클리어하고 성장하는 단계</a:t>
                       </a:r>
                     </a:p>
                   </a:txBody>
-                  <a:tcPr marL="90170" marR="90170" marT="46990" marB="46990"/>
+                  <a:tcPr marL="90170" marR="90170" marT="46990" marB="46990" anchor="ctr"/>
                 </a:tc>
                 <a:tc>
                   <a:txBody>
@@ -7296,7 +7275,7 @@
                       </a:r>
                     </a:p>
                   </a:txBody>
-                  <a:tcPr marL="90170" marR="90170" marT="46990" marB="46990"/>
+                  <a:tcPr marL="90170" marR="90170" marT="46990" marB="46990" anchor="ctr"/>
                 </a:tc>
                 <a:extLst>
                   <a:ext uri="{0D108BD9-81ED-4DB2-BD59-A6C34878D82A}">
@@ -7304,7 +7283,7 @@
                   </a:ext>
                 </a:extLst>
               </a:tr>
-              <a:tr h="363569">
+              <a:tr h="436448">
                 <a:tc>
                   <a:txBody>
                     <a:bodyPr/>
@@ -7326,7 +7305,7 @@
                       </a:r>
                     </a:p>
                   </a:txBody>
-                  <a:tcPr marL="90170" marR="90170" marT="46990" marB="46990"/>
+                  <a:tcPr marL="90170" marR="90170" marT="46990" marB="46990" anchor="ctr"/>
                 </a:tc>
                 <a:tc>
                   <a:txBody>
@@ -7345,28 +7324,11 @@
                           <a:latin typeface="맑은 고딕" charset="0"/>
                           <a:ea typeface="맑은 고딕" charset="0"/>
                         </a:rPr>
-                        <a:t>캐릭터 육성 </a:t>
-                      </a:r>
-                      <a:r>
-                        <a:rPr lang="ko-KR" sz="1800" b="0" i="0" kern="1200" dirty="0">
-                          <a:solidFill>
-                            <a:schemeClr val="dk1"/>
-                          </a:solidFill>
-                          <a:latin typeface="맑은 고딕" charset="0"/>
-                          <a:ea typeface="맑은 고딕" charset="0"/>
-                        </a:rPr>
-                        <a:t>후 무한 컨텐츠</a:t>
-                      </a:r>
-                      <a:endParaRPr lang="ko-KR" altLang="en-US" sz="1800" b="0" i="0" kern="1200" dirty="0">
-                        <a:solidFill>
-                          <a:schemeClr val="dk1"/>
-                        </a:solidFill>
-                        <a:latin typeface="맑은 고딕" charset="0"/>
-                        <a:ea typeface="맑은 고딕" charset="0"/>
-                      </a:endParaRPr>
+                        <a:t>캐릭터의 성장을 끝내고 스토리의 후일담을 보는 단계</a:t>
+                      </a:r>
                     </a:p>
                   </a:txBody>
-                  <a:tcPr marL="90170" marR="90170" marT="46990" marB="46990"/>
+                  <a:tcPr marL="90170" marR="90170" marT="46990" marB="46990" anchor="ctr"/>
                 </a:tc>
                 <a:tc>
                   <a:txBody>
@@ -7466,7 +7428,7 @@
                       </a:endParaRPr>
                     </a:p>
                   </a:txBody>
-                  <a:tcPr marL="90170" marR="90170" marT="46990" marB="46990"/>
+                  <a:tcPr marL="90170" marR="90170" marT="46990" marB="46990" anchor="ctr"/>
                 </a:tc>
                 <a:extLst>
                   <a:ext uri="{0D108BD9-81ED-4DB2-BD59-A6C34878D82A}">
@@ -7507,13 +7469,333 @@
           </a:p>
         </p:txBody>
       </p:sp>
+      <p:graphicFrame>
+        <p:nvGraphicFramePr>
+          <p:cNvPr id="9" name="표 4">
+            <a:extLst>
+              <a:ext uri="{FF2B5EF4-FFF2-40B4-BE49-F238E27FC236}">
+                <a16:creationId xmlns:a16="http://schemas.microsoft.com/office/drawing/2014/main" id="{B674D7E4-5404-4D5F-A611-F7D07A9484D6}"/>
+              </a:ext>
+            </a:extLst>
+          </p:cNvPr>
+          <p:cNvGraphicFramePr>
+            <a:graphicFrameLocks noGrp="1"/>
+          </p:cNvGraphicFramePr>
+          <p:nvPr>
+            <p:extLst>
+              <p:ext uri="{D42A27DB-BD31-4B8C-83A1-F6EECF244321}">
+                <p14:modId xmlns:p14="http://schemas.microsoft.com/office/powerpoint/2010/main" val="2799126960"/>
+              </p:ext>
+            </p:extLst>
+          </p:nvPr>
+        </p:nvGraphicFramePr>
+        <p:xfrm>
+          <a:off x="203199" y="1064148"/>
+          <a:ext cx="11796714" cy="1419225"/>
+        </p:xfrm>
+        <a:graphic>
+          <a:graphicData uri="http://schemas.openxmlformats.org/drawingml/2006/table">
+            <a:tbl>
+              <a:tblPr firstRow="1" bandRow="1">
+                <a:tableStyleId>{5C22544A-7EE6-4342-B048-85BDC9FD1C3A}</a:tableStyleId>
+              </a:tblPr>
+              <a:tblGrid>
+                <a:gridCol w="1950916">
+                  <a:extLst>
+                    <a:ext uri="{9D8B030D-6E8A-4147-A177-3AD203B41FA5}">
+                      <a16:colId xmlns:a16="http://schemas.microsoft.com/office/drawing/2014/main" val="2038893415"/>
+                    </a:ext>
+                  </a:extLst>
+                </a:gridCol>
+                <a:gridCol w="9845798">
+                  <a:extLst>
+                    <a:ext uri="{9D8B030D-6E8A-4147-A177-3AD203B41FA5}">
+                      <a16:colId xmlns:a16="http://schemas.microsoft.com/office/drawing/2014/main" val="3963870604"/>
+                    </a:ext>
+                  </a:extLst>
+                </a:gridCol>
+              </a:tblGrid>
+              <a:tr h="473075">
+                <a:tc gridSpan="2">
+                  <a:txBody>
+                    <a:bodyPr/>
+                    <a:lstStyle/>
+                    <a:p>
+                      <a:pPr marL="0" marR="0" lvl="0" indent="0" algn="l" defTabSz="914400" rtl="0" eaLnBrk="1" fontAlgn="auto" latinLnBrk="1" hangingPunct="1">
+                        <a:lnSpc>
+                          <a:spcPct val="100000"/>
+                        </a:lnSpc>
+                        <a:spcBef>
+                          <a:spcPts val="0"/>
+                        </a:spcBef>
+                        <a:spcAft>
+                          <a:spcPts val="0"/>
+                        </a:spcAft>
+                        <a:buClrTx/>
+                        <a:buSzTx/>
+                        <a:buFontTx/>
+                        <a:buNone/>
+                        <a:tabLst/>
+                        <a:defRPr/>
+                      </a:pPr>
+                      <a:r>
+                        <a:rPr lang="ko-KR" altLang="en-US" sz="1800" b="1" i="0" kern="1200" dirty="0">
+                          <a:solidFill>
+                            <a:schemeClr val="lt1"/>
+                          </a:solidFill>
+                          <a:latin typeface="맑은 고딕" charset="0"/>
+                          <a:ea typeface="맑은 고딕" charset="0"/>
+                        </a:rPr>
+                        <a:t>게임이 추구하는 게임의 목적과 목표</a:t>
+                      </a:r>
+                    </a:p>
+                  </a:txBody>
+                  <a:tcPr/>
+                </a:tc>
+                <a:tc hMerge="1">
+                  <a:txBody>
+                    <a:bodyPr/>
+                    <a:lstStyle/>
+                    <a:p>
+                      <a:pPr latinLnBrk="1"/>
+                      <a:endParaRPr lang="ko-KR" altLang="en-US" dirty="0"/>
+                    </a:p>
+                  </a:txBody>
+                  <a:tcPr/>
+                </a:tc>
+                <a:extLst>
+                  <a:ext uri="{0D108BD9-81ED-4DB2-BD59-A6C34878D82A}">
+                    <a16:rowId xmlns:a16="http://schemas.microsoft.com/office/drawing/2014/main" val="2937064235"/>
+                  </a:ext>
+                </a:extLst>
+              </a:tr>
+              <a:tr h="473075">
+                <a:tc>
+                  <a:txBody>
+                    <a:bodyPr/>
+                    <a:lstStyle/>
+                    <a:p>
+                      <a:pPr marL="0" marR="0" lvl="0" indent="0" algn="l" defTabSz="914400" rtl="0" eaLnBrk="1" fontAlgn="auto" latinLnBrk="1" hangingPunct="1">
+                        <a:lnSpc>
+                          <a:spcPct val="100000"/>
+                        </a:lnSpc>
+                        <a:spcBef>
+                          <a:spcPts val="0"/>
+                        </a:spcBef>
+                        <a:spcAft>
+                          <a:spcPts val="0"/>
+                        </a:spcAft>
+                        <a:buClrTx/>
+                        <a:buSzTx/>
+                        <a:buFontTx/>
+                        <a:buNone/>
+                        <a:tabLst/>
+                        <a:defRPr/>
+                      </a:pPr>
+                      <a:r>
+                        <a:rPr lang="ko-KR" altLang="en-US" sz="1800" b="0" i="0" kern="1200" dirty="0">
+                          <a:solidFill>
+                            <a:schemeClr val="dk1"/>
+                          </a:solidFill>
+                          <a:latin typeface="맑은 고딕" charset="0"/>
+                          <a:ea typeface="맑은 고딕" charset="0"/>
+                        </a:rPr>
+                        <a:t>게임</a:t>
+                      </a:r>
+                      <a:r>
+                        <a:rPr lang="ko-KR" altLang="ko-KR" sz="1800" b="0" i="0" kern="1200" dirty="0">
+                          <a:solidFill>
+                            <a:schemeClr val="dk1"/>
+                          </a:solidFill>
+                          <a:latin typeface="맑은 고딕" charset="0"/>
+                          <a:ea typeface="맑은 고딕" charset="0"/>
+                        </a:rPr>
+                        <a:t> 최종목적</a:t>
+                      </a:r>
+                      <a:endParaRPr lang="ko-KR" altLang="en-US" sz="1800" b="0" i="0" kern="1200" dirty="0">
+                        <a:solidFill>
+                          <a:schemeClr val="dk1"/>
+                        </a:solidFill>
+                        <a:latin typeface="맑은 고딕" charset="0"/>
+                        <a:ea typeface="맑은 고딕" charset="0"/>
+                      </a:endParaRPr>
+                    </a:p>
+                  </a:txBody>
+                  <a:tcPr/>
+                </a:tc>
+                <a:tc>
+                  <a:txBody>
+                    <a:bodyPr/>
+                    <a:lstStyle/>
+                    <a:p>
+                      <a:pPr marL="0" marR="0" lvl="0" indent="0" algn="l" defTabSz="914400" rtl="0" eaLnBrk="1" fontAlgn="auto" latinLnBrk="1" hangingPunct="1">
+                        <a:lnSpc>
+                          <a:spcPct val="100000"/>
+                        </a:lnSpc>
+                        <a:spcBef>
+                          <a:spcPts val="0"/>
+                        </a:spcBef>
+                        <a:spcAft>
+                          <a:spcPts val="0"/>
+                        </a:spcAft>
+                        <a:buClrTx/>
+                        <a:buSzTx/>
+                        <a:buFontTx/>
+                        <a:buNone/>
+                        <a:tabLst/>
+                        <a:defRPr/>
+                      </a:pPr>
+                      <a:r>
+                        <a:rPr lang="ko-KR" altLang="ko-KR" sz="1600" b="0" i="0" kern="1200" dirty="0">
+                          <a:solidFill>
+                            <a:schemeClr val="tx1"/>
+                          </a:solidFill>
+                          <a:latin typeface="맑은 고딕" charset="0"/>
+                          <a:ea typeface="맑은 고딕" charset="0"/>
+                        </a:rPr>
+                        <a:t>현재 세계 각지에 괴물들이 창궐한 이유를 찾고 사건의 주동자를 쓰</a:t>
+                      </a:r>
+                      <a:r>
+                        <a:rPr lang="ko-KR" altLang="en-US" sz="1600" b="0" i="0" kern="1200" dirty="0">
+                          <a:solidFill>
+                            <a:schemeClr val="tx1"/>
+                          </a:solidFill>
+                          <a:latin typeface="맑은 고딕" charset="0"/>
+                          <a:ea typeface="맑은 고딕" charset="0"/>
+                        </a:rPr>
+                        <a:t>러트</a:t>
+                      </a:r>
+                      <a:r>
+                        <a:rPr lang="ko-KR" altLang="ko-KR" sz="1600" b="0" i="0" kern="1200" dirty="0">
+                          <a:solidFill>
+                            <a:schemeClr val="tx1"/>
+                          </a:solidFill>
+                          <a:latin typeface="맑은 고딕" charset="0"/>
+                          <a:ea typeface="맑은 고딕" charset="0"/>
+                        </a:rPr>
+                        <a:t>려 세상의 평화를 찾는 것.</a:t>
+                      </a:r>
+                      <a:endParaRPr lang="ko-KR" altLang="en-US" sz="1600" b="0" i="0" kern="1200" dirty="0">
+                        <a:solidFill>
+                          <a:schemeClr val="tx1"/>
+                        </a:solidFill>
+                        <a:latin typeface="맑은 고딕" charset="0"/>
+                        <a:ea typeface="맑은 고딕" charset="0"/>
+                      </a:endParaRPr>
+                    </a:p>
+                  </a:txBody>
+                  <a:tcPr/>
+                </a:tc>
+                <a:extLst>
+                  <a:ext uri="{0D108BD9-81ED-4DB2-BD59-A6C34878D82A}">
+                    <a16:rowId xmlns:a16="http://schemas.microsoft.com/office/drawing/2014/main" val="3637884482"/>
+                  </a:ext>
+                </a:extLst>
+              </a:tr>
+              <a:tr h="473075">
+                <a:tc>
+                  <a:txBody>
+                    <a:bodyPr/>
+                    <a:lstStyle/>
+                    <a:p>
+                      <a:pPr marL="0" marR="0" lvl="0" indent="0" algn="l" defTabSz="914400" rtl="0" eaLnBrk="1" fontAlgn="auto" latinLnBrk="1" hangingPunct="1">
+                        <a:lnSpc>
+                          <a:spcPct val="100000"/>
+                        </a:lnSpc>
+                        <a:spcBef>
+                          <a:spcPts val="0"/>
+                        </a:spcBef>
+                        <a:spcAft>
+                          <a:spcPts val="0"/>
+                        </a:spcAft>
+                        <a:buClrTx/>
+                        <a:buSzTx/>
+                        <a:buFontTx/>
+                        <a:buNone/>
+                        <a:tabLst/>
+                        <a:defRPr/>
+                      </a:pPr>
+                      <a:r>
+                        <a:rPr lang="ko-KR" altLang="ko-KR" sz="1800" b="0" i="0" kern="1200" dirty="0">
+                          <a:solidFill>
+                            <a:schemeClr val="dk1"/>
+                          </a:solidFill>
+                          <a:latin typeface="맑은 고딕" charset="0"/>
+                          <a:ea typeface="맑은 고딕" charset="0"/>
+                        </a:rPr>
+                        <a:t>플레이어의 목표</a:t>
+                      </a:r>
+                      <a:endParaRPr lang="ko-KR" altLang="en-US" sz="1800" b="0" i="0" kern="1200" dirty="0">
+                        <a:solidFill>
+                          <a:schemeClr val="dk1"/>
+                        </a:solidFill>
+                        <a:latin typeface="맑은 고딕" charset="0"/>
+                        <a:ea typeface="맑은 고딕" charset="0"/>
+                      </a:endParaRPr>
+                    </a:p>
+                  </a:txBody>
+                  <a:tcPr/>
+                </a:tc>
+                <a:tc>
+                  <a:txBody>
+                    <a:bodyPr/>
+                    <a:lstStyle/>
+                    <a:p>
+                      <a:pPr marL="0" marR="0" lvl="0" indent="0" algn="l" defTabSz="914400" rtl="0" eaLnBrk="1" fontAlgn="auto" latinLnBrk="1" hangingPunct="1">
+                        <a:lnSpc>
+                          <a:spcPct val="100000"/>
+                        </a:lnSpc>
+                        <a:spcBef>
+                          <a:spcPts val="0"/>
+                        </a:spcBef>
+                        <a:spcAft>
+                          <a:spcPts val="0"/>
+                        </a:spcAft>
+                        <a:buClrTx/>
+                        <a:buSzTx/>
+                        <a:buFontTx/>
+                        <a:buNone/>
+                        <a:tabLst/>
+                        <a:defRPr/>
+                      </a:pPr>
+                      <a:r>
+                        <a:rPr lang="ko-KR" altLang="ko-KR" sz="1600" b="0" i="0" kern="1200" dirty="0">
+                          <a:solidFill>
+                            <a:schemeClr val="dk1"/>
+                          </a:solidFill>
+                          <a:latin typeface="맑은 고딕" charset="0"/>
+                          <a:ea typeface="맑은 고딕" charset="0"/>
+                        </a:rPr>
+                        <a:t>게임내에 존재하는 모든 보스의 공략과 모든 지역의 스토리를 클리어 하는 것.</a:t>
+                      </a:r>
+                      <a:endParaRPr lang="ko-KR" altLang="en-US" sz="1600" b="0" i="0" kern="1200" dirty="0">
+                        <a:solidFill>
+                          <a:schemeClr val="dk1"/>
+                        </a:solidFill>
+                        <a:latin typeface="맑은 고딕" charset="0"/>
+                        <a:ea typeface="맑은 고딕" charset="0"/>
+                      </a:endParaRPr>
+                    </a:p>
+                  </a:txBody>
+                  <a:tcPr/>
+                </a:tc>
+                <a:extLst>
+                  <a:ext uri="{0D108BD9-81ED-4DB2-BD59-A6C34878D82A}">
+                    <a16:rowId xmlns:a16="http://schemas.microsoft.com/office/drawing/2014/main" val="2202011368"/>
+                  </a:ext>
+                </a:extLst>
+              </a:tr>
+            </a:tbl>
+          </a:graphicData>
+        </a:graphic>
+      </p:graphicFrame>
       <p:sp>
         <p:nvSpPr>
-          <p:cNvPr id="15" name="실행 단추: 문서 14">
+          <p:cNvPr id="10" name="실행 단추: 문서 9">
             <a:hlinkClick r:id="rId2" action="ppaction://hlinksldjump" highlightClick="1"/>
             <a:extLst>
               <a:ext uri="{FF2B5EF4-FFF2-40B4-BE49-F238E27FC236}">
-                <a16:creationId xmlns:a16="http://schemas.microsoft.com/office/drawing/2014/main" id="{7C033612-26AF-4C1F-87FC-33714441CA1E}"/>
+                <a16:creationId xmlns:a16="http://schemas.microsoft.com/office/drawing/2014/main" id="{F8283366-45B0-4C2A-B4BD-ACACB2970B55}"/>
               </a:ext>
             </a:extLst>
           </p:cNvPr>
@@ -7553,369 +7835,21 @@
           <a:lstStyle/>
           <a:p>
             <a:pPr algn="ctr"/>
-            <a:endParaRPr lang="ko-KR" altLang="en-US"/>
+            <a:endParaRPr lang="en-US" altLang="ko-KR" sz="800" dirty="0"/>
+          </a:p>
+          <a:p>
+            <a:pPr algn="ctr"/>
+            <a:endParaRPr lang="en-US" altLang="ko-KR" sz="800" dirty="0"/>
+          </a:p>
+          <a:p>
+            <a:pPr algn="ctr"/>
+            <a:r>
+              <a:rPr lang="ko-KR" altLang="en-US" sz="800" dirty="0"/>
+              <a:t>문서 개요</a:t>
+            </a:r>
           </a:p>
         </p:txBody>
       </p:sp>
-      <p:sp>
-        <p:nvSpPr>
-          <p:cNvPr id="16" name="TextBox 15">
-            <a:extLst>
-              <a:ext uri="{FF2B5EF4-FFF2-40B4-BE49-F238E27FC236}">
-                <a16:creationId xmlns:a16="http://schemas.microsoft.com/office/drawing/2014/main" id="{D85BF65C-757B-4BDA-9F54-A14CCA7FBCDB}"/>
-              </a:ext>
-            </a:extLst>
-          </p:cNvPr>
-          <p:cNvSpPr txBox="1"/>
-          <p:nvPr/>
-        </p:nvSpPr>
-        <p:spPr>
-          <a:xfrm>
-            <a:off x="11353800" y="6637336"/>
-            <a:ext cx="646113" cy="215444"/>
-          </a:xfrm>
-          <a:prstGeom prst="rect">
-            <a:avLst/>
-          </a:prstGeom>
-          <a:noFill/>
-        </p:spPr>
-        <p:txBody>
-          <a:bodyPr wrap="square" rtlCol="0">
-            <a:spAutoFit/>
-          </a:bodyPr>
-          <a:lstStyle/>
-          <a:p>
-            <a:r>
-              <a:rPr lang="ko-KR" altLang="en-US" sz="800" dirty="0">
-                <a:solidFill>
-                  <a:schemeClr val="bg1"/>
-                </a:solidFill>
-              </a:rPr>
-              <a:t>문서 개요</a:t>
-            </a:r>
-          </a:p>
-        </p:txBody>
-      </p:sp>
-      <p:graphicFrame>
-        <p:nvGraphicFramePr>
-          <p:cNvPr id="9" name="표 4">
-            <a:extLst>
-              <a:ext uri="{FF2B5EF4-FFF2-40B4-BE49-F238E27FC236}">
-                <a16:creationId xmlns:a16="http://schemas.microsoft.com/office/drawing/2014/main" id="{B674D7E4-5404-4D5F-A611-F7D07A9484D6}"/>
-              </a:ext>
-            </a:extLst>
-          </p:cNvPr>
-          <p:cNvGraphicFramePr>
-            <a:graphicFrameLocks noGrp="1"/>
-          </p:cNvGraphicFramePr>
-          <p:nvPr>
-            <p:extLst>
-              <p:ext uri="{D42A27DB-BD31-4B8C-83A1-F6EECF244321}">
-                <p14:modId xmlns:p14="http://schemas.microsoft.com/office/powerpoint/2010/main" val="3294048530"/>
-              </p:ext>
-            </p:extLst>
-          </p:nvPr>
-        </p:nvGraphicFramePr>
-        <p:xfrm>
-          <a:off x="192086" y="981075"/>
-          <a:ext cx="11796714" cy="1112520"/>
-        </p:xfrm>
-        <a:graphic>
-          <a:graphicData uri="http://schemas.openxmlformats.org/drawingml/2006/table">
-            <a:tbl>
-              <a:tblPr firstRow="1" bandRow="1">
-                <a:tableStyleId>{5C22544A-7EE6-4342-B048-85BDC9FD1C3A}</a:tableStyleId>
-              </a:tblPr>
-              <a:tblGrid>
-                <a:gridCol w="1950916">
-                  <a:extLst>
-                    <a:ext uri="{9D8B030D-6E8A-4147-A177-3AD203B41FA5}">
-                      <a16:colId xmlns:a16="http://schemas.microsoft.com/office/drawing/2014/main" val="2038893415"/>
-                    </a:ext>
-                  </a:extLst>
-                </a:gridCol>
-                <a:gridCol w="9845798">
-                  <a:extLst>
-                    <a:ext uri="{9D8B030D-6E8A-4147-A177-3AD203B41FA5}">
-                      <a16:colId xmlns:a16="http://schemas.microsoft.com/office/drawing/2014/main" val="3963870604"/>
-                    </a:ext>
-                  </a:extLst>
-                </a:gridCol>
-              </a:tblGrid>
-              <a:tr h="370840">
-                <a:tc gridSpan="2">
-                  <a:txBody>
-                    <a:bodyPr/>
-                    <a:lstStyle/>
-                    <a:p>
-                      <a:pPr marL="0" marR="0" lvl="0" indent="0" algn="l" defTabSz="914400" rtl="0" eaLnBrk="1" fontAlgn="auto" latinLnBrk="1" hangingPunct="1">
-                        <a:lnSpc>
-                          <a:spcPct val="100000"/>
-                        </a:lnSpc>
-                        <a:spcBef>
-                          <a:spcPts val="0"/>
-                        </a:spcBef>
-                        <a:spcAft>
-                          <a:spcPts val="0"/>
-                        </a:spcAft>
-                        <a:buClrTx/>
-                        <a:buSzTx/>
-                        <a:buFontTx/>
-                        <a:buNone/>
-                        <a:tabLst/>
-                        <a:defRPr/>
-                      </a:pPr>
-                      <a:r>
-                        <a:rPr lang="ko-KR" altLang="en-US" sz="1800" b="1" i="0" kern="1200" dirty="0">
-                          <a:solidFill>
-                            <a:schemeClr val="lt1"/>
-                          </a:solidFill>
-                          <a:latin typeface="맑은 고딕" charset="0"/>
-                          <a:ea typeface="맑은 고딕" charset="0"/>
-                        </a:rPr>
-                        <a:t>게임이 추구하는 게임의 목적과 목표</a:t>
-                      </a:r>
-                    </a:p>
-                  </a:txBody>
-                  <a:tcPr/>
-                </a:tc>
-                <a:tc hMerge="1">
-                  <a:txBody>
-                    <a:bodyPr/>
-                    <a:lstStyle/>
-                    <a:p>
-                      <a:pPr latinLnBrk="1"/>
-                      <a:endParaRPr lang="ko-KR" altLang="en-US" dirty="0"/>
-                    </a:p>
-                  </a:txBody>
-                  <a:tcPr/>
-                </a:tc>
-                <a:extLst>
-                  <a:ext uri="{0D108BD9-81ED-4DB2-BD59-A6C34878D82A}">
-                    <a16:rowId xmlns:a16="http://schemas.microsoft.com/office/drawing/2014/main" val="2937064235"/>
-                  </a:ext>
-                </a:extLst>
-              </a:tr>
-              <a:tr h="370840">
-                <a:tc>
-                  <a:txBody>
-                    <a:bodyPr/>
-                    <a:lstStyle/>
-                    <a:p>
-                      <a:pPr marL="0" marR="0" lvl="0" indent="0" algn="l" defTabSz="914400" rtl="0" eaLnBrk="1" fontAlgn="auto" latinLnBrk="1" hangingPunct="1">
-                        <a:lnSpc>
-                          <a:spcPct val="100000"/>
-                        </a:lnSpc>
-                        <a:spcBef>
-                          <a:spcPts val="0"/>
-                        </a:spcBef>
-                        <a:spcAft>
-                          <a:spcPts val="0"/>
-                        </a:spcAft>
-                        <a:buClrTx/>
-                        <a:buSzTx/>
-                        <a:buFontTx/>
-                        <a:buNone/>
-                        <a:tabLst/>
-                        <a:defRPr/>
-                      </a:pPr>
-                      <a:r>
-                        <a:rPr lang="ko-KR" altLang="en-US" sz="1800" b="0" i="0" kern="1200" dirty="0">
-                          <a:solidFill>
-                            <a:schemeClr val="dk1"/>
-                          </a:solidFill>
-                          <a:latin typeface="맑은 고딕" charset="0"/>
-                          <a:ea typeface="맑은 고딕" charset="0"/>
-                        </a:rPr>
-                        <a:t>게임</a:t>
-                      </a:r>
-                      <a:r>
-                        <a:rPr lang="ko-KR" altLang="ko-KR" sz="1800" b="0" i="0" kern="1200" dirty="0">
-                          <a:solidFill>
-                            <a:schemeClr val="dk1"/>
-                          </a:solidFill>
-                          <a:latin typeface="맑은 고딕" charset="0"/>
-                          <a:ea typeface="맑은 고딕" charset="0"/>
-                        </a:rPr>
-                        <a:t> 최종목적</a:t>
-                      </a:r>
-                      <a:endParaRPr lang="ko-KR" altLang="en-US" sz="1800" b="0" i="0" kern="1200" dirty="0">
-                        <a:solidFill>
-                          <a:schemeClr val="dk1"/>
-                        </a:solidFill>
-                        <a:latin typeface="맑은 고딕" charset="0"/>
-                        <a:ea typeface="맑은 고딕" charset="0"/>
-                      </a:endParaRPr>
-                    </a:p>
-                  </a:txBody>
-                  <a:tcPr/>
-                </a:tc>
-                <a:tc>
-                  <a:txBody>
-                    <a:bodyPr/>
-                    <a:lstStyle/>
-                    <a:p>
-                      <a:pPr marL="0" marR="0" lvl="0" indent="0" algn="l" defTabSz="914400" rtl="0" eaLnBrk="1" fontAlgn="auto" latinLnBrk="1" hangingPunct="1">
-                        <a:lnSpc>
-                          <a:spcPct val="100000"/>
-                        </a:lnSpc>
-                        <a:spcBef>
-                          <a:spcPts val="0"/>
-                        </a:spcBef>
-                        <a:spcAft>
-                          <a:spcPts val="0"/>
-                        </a:spcAft>
-                        <a:buClrTx/>
-                        <a:buSzTx/>
-                        <a:buFontTx/>
-                        <a:buNone/>
-                        <a:tabLst/>
-                        <a:defRPr/>
-                      </a:pPr>
-                      <a:r>
-                        <a:rPr lang="ko-KR" altLang="ko-KR" sz="1600" b="0" i="0" kern="1200" dirty="0">
-                          <a:solidFill>
-                            <a:schemeClr val="tx1"/>
-                          </a:solidFill>
-                          <a:latin typeface="맑은 고딕" charset="0"/>
-                          <a:ea typeface="맑은 고딕" charset="0"/>
-                        </a:rPr>
-                        <a:t>현재 세계 각지에 괴물들이 창궐한 이유를 찾고 사건의 주동자를 </a:t>
-                      </a:r>
-                      <a:r>
-                        <a:rPr lang="ko-KR" altLang="ko-KR" sz="1600" b="0" i="0" kern="1200" dirty="0" err="1">
-                          <a:solidFill>
-                            <a:schemeClr val="tx1"/>
-                          </a:solidFill>
-                          <a:latin typeface="맑은 고딕" charset="0"/>
-                          <a:ea typeface="맑은 고딕" charset="0"/>
-                        </a:rPr>
-                        <a:t>쓰려트려</a:t>
-                      </a:r>
-                      <a:r>
-                        <a:rPr lang="ko-KR" altLang="ko-KR" sz="1600" b="0" i="0" kern="1200" dirty="0">
-                          <a:solidFill>
-                            <a:schemeClr val="tx1"/>
-                          </a:solidFill>
-                          <a:latin typeface="맑은 고딕" charset="0"/>
-                          <a:ea typeface="맑은 고딕" charset="0"/>
-                        </a:rPr>
-                        <a:t> 세상의 평화를 찾는 것.</a:t>
-                      </a:r>
-                      <a:endParaRPr lang="ko-KR" altLang="en-US" sz="1600" b="0" i="0" kern="1200" dirty="0">
-                        <a:solidFill>
-                          <a:schemeClr val="tx1"/>
-                        </a:solidFill>
-                        <a:latin typeface="맑은 고딕" charset="0"/>
-                        <a:ea typeface="맑은 고딕" charset="0"/>
-                      </a:endParaRPr>
-                    </a:p>
-                  </a:txBody>
-                  <a:tcPr/>
-                </a:tc>
-                <a:extLst>
-                  <a:ext uri="{0D108BD9-81ED-4DB2-BD59-A6C34878D82A}">
-                    <a16:rowId xmlns:a16="http://schemas.microsoft.com/office/drawing/2014/main" val="3637884482"/>
-                  </a:ext>
-                </a:extLst>
-              </a:tr>
-              <a:tr h="370840">
-                <a:tc>
-                  <a:txBody>
-                    <a:bodyPr/>
-                    <a:lstStyle/>
-                    <a:p>
-                      <a:pPr marL="0" marR="0" lvl="0" indent="0" algn="l" defTabSz="914400" rtl="0" eaLnBrk="1" fontAlgn="auto" latinLnBrk="1" hangingPunct="1">
-                        <a:lnSpc>
-                          <a:spcPct val="100000"/>
-                        </a:lnSpc>
-                        <a:spcBef>
-                          <a:spcPts val="0"/>
-                        </a:spcBef>
-                        <a:spcAft>
-                          <a:spcPts val="0"/>
-                        </a:spcAft>
-                        <a:buClrTx/>
-                        <a:buSzTx/>
-                        <a:buFontTx/>
-                        <a:buNone/>
-                        <a:tabLst/>
-                        <a:defRPr/>
-                      </a:pPr>
-                      <a:r>
-                        <a:rPr lang="ko-KR" altLang="ko-KR" sz="1800" b="0" i="0" kern="1200" dirty="0">
-                          <a:solidFill>
-                            <a:schemeClr val="dk1"/>
-                          </a:solidFill>
-                          <a:latin typeface="맑은 고딕" charset="0"/>
-                          <a:ea typeface="맑은 고딕" charset="0"/>
-                        </a:rPr>
-                        <a:t>플레이어의 목표</a:t>
-                      </a:r>
-                      <a:endParaRPr lang="ko-KR" altLang="en-US" sz="1800" b="0" i="0" kern="1200" dirty="0">
-                        <a:solidFill>
-                          <a:schemeClr val="dk1"/>
-                        </a:solidFill>
-                        <a:latin typeface="맑은 고딕" charset="0"/>
-                        <a:ea typeface="맑은 고딕" charset="0"/>
-                      </a:endParaRPr>
-                    </a:p>
-                  </a:txBody>
-                  <a:tcPr/>
-                </a:tc>
-                <a:tc>
-                  <a:txBody>
-                    <a:bodyPr/>
-                    <a:lstStyle/>
-                    <a:p>
-                      <a:pPr marL="0" marR="0" lvl="0" indent="0" algn="l" defTabSz="914400" rtl="0" eaLnBrk="1" fontAlgn="auto" latinLnBrk="1" hangingPunct="1">
-                        <a:lnSpc>
-                          <a:spcPct val="100000"/>
-                        </a:lnSpc>
-                        <a:spcBef>
-                          <a:spcPts val="0"/>
-                        </a:spcBef>
-                        <a:spcAft>
-                          <a:spcPts val="0"/>
-                        </a:spcAft>
-                        <a:buClrTx/>
-                        <a:buSzTx/>
-                        <a:buFontTx/>
-                        <a:buNone/>
-                        <a:tabLst/>
-                        <a:defRPr/>
-                      </a:pPr>
-                      <a:r>
-                        <a:rPr lang="ko-KR" altLang="ko-KR" sz="1600" b="0" i="0" kern="1200" dirty="0">
-                          <a:solidFill>
-                            <a:schemeClr val="dk1"/>
-                          </a:solidFill>
-                          <a:latin typeface="맑은 고딕" charset="0"/>
-                          <a:ea typeface="맑은 고딕" charset="0"/>
-                        </a:rPr>
-                        <a:t>게임내에 존재하는 모든 보스의 공략과 모든 지역의 스토리를 클리어 하는 것.</a:t>
-                      </a:r>
-                      <a:endParaRPr lang="ko-KR" altLang="en-US" sz="1600" b="0" i="0" kern="1200" dirty="0">
-                        <a:solidFill>
-                          <a:schemeClr val="dk1"/>
-                        </a:solidFill>
-                        <a:latin typeface="맑은 고딕" charset="0"/>
-                        <a:ea typeface="맑은 고딕" charset="0"/>
-                      </a:endParaRPr>
-                    </a:p>
-                  </a:txBody>
-                  <a:tcPr/>
-                </a:tc>
-                <a:extLst>
-                  <a:ext uri="{0D108BD9-81ED-4DB2-BD59-A6C34878D82A}">
-                    <a16:rowId xmlns:a16="http://schemas.microsoft.com/office/drawing/2014/main" val="2202011368"/>
-                  </a:ext>
-                </a:extLst>
-              </a:tr>
-            </a:tbl>
-          </a:graphicData>
-        </a:graphic>
-      </p:graphicFrame>
     </p:spTree>
   </p:cSld>
   <p:clrMapOvr>
@@ -8023,55 +7957,26 @@
               </a:rPr>
               <a:t>4.세계관 확립</a:t>
             </a:r>
-          </a:p>
-        </p:txBody>
-      </p:sp>
-      <p:sp>
-        <p:nvSpPr>
-          <p:cNvPr id="12" name="Rect 0"/>
-          <p:cNvSpPr txBox="1">
-            <a:spLocks/>
-          </p:cNvSpPr>
-          <p:nvPr/>
-        </p:nvSpPr>
-        <p:spPr>
-          <a:xfrm>
-            <a:off x="192088" y="981075"/>
-            <a:ext cx="11807825" cy="364972"/>
-          </a:xfrm>
-          <a:prstGeom prst="rect">
-            <a:avLst/>
-          </a:prstGeom>
-          <a:noFill/>
-        </p:spPr>
-        <p:txBody>
-          <a:bodyPr vert="horz" wrap="square" lIns="91440" tIns="45720" rIns="91440" bIns="45720" numCol="1" anchor="t">
-            <a:spAutoFit/>
-          </a:bodyPr>
-          <a:lstStyle/>
-          <a:p>
-            <a:pPr marL="0" indent="0" algn="just" latinLnBrk="1">
-              <a:lnSpc>
-                <a:spcPct val="107000"/>
-              </a:lnSpc>
-              <a:spcAft>
-                <a:spcPts val="800"/>
-              </a:spcAft>
-              <a:buFontTx/>
-              <a:buNone/>
-            </a:pPr>
             <a:r>
-              <a:rPr lang="ko-KR" altLang="ko-KR" sz="1800" dirty="0">
-                <a:latin typeface="맑은 고딕" charset="0"/>
-                <a:ea typeface="맑은 고딕" charset="0"/>
-                <a:cs typeface="Times New Roman" charset="0"/>
+              <a:rPr lang="en-US" altLang="ko-KR" sz="3600" b="1" dirty="0">
+                <a:solidFill>
+                  <a:schemeClr val="accent1">
+                    <a:lumMod val="50000"/>
+                  </a:schemeClr>
+                </a:solidFill>
+                <a:latin typeface="나눔스퀘어 ExtraBold" charset="0"/>
+                <a:ea typeface="나눔스퀘어 ExtraBold" charset="0"/>
               </a:rPr>
-              <a:t>텍스트</a:t>
+              <a:t>-1</a:t>
             </a:r>
-            <a:endParaRPr lang="ko-KR" altLang="en-US" sz="1800" dirty="0">
-              <a:latin typeface="맑은 고딕" charset="0"/>
-              <a:ea typeface="맑은 고딕" charset="0"/>
-              <a:cs typeface="Times New Roman" charset="0"/>
+            <a:endParaRPr lang="ko-KR" altLang="en-US" sz="3600" b="1" dirty="0">
+              <a:solidFill>
+                <a:schemeClr val="accent1">
+                  <a:lumMod val="50000"/>
+                </a:schemeClr>
+              </a:solidFill>
+              <a:latin typeface="나눔스퀘어 ExtraBold" charset="0"/>
+              <a:ea typeface="나눔스퀘어 ExtraBold" charset="0"/>
             </a:endParaRPr>
           </a:p>
         </p:txBody>
@@ -8107,11 +8012,11 @@
       </p:sp>
       <p:sp>
         <p:nvSpPr>
-          <p:cNvPr id="13" name="실행 단추: 문서 12">
+          <p:cNvPr id="12" name="실행 단추: 문서 11">
             <a:hlinkClick r:id="rId2" action="ppaction://hlinksldjump" highlightClick="1"/>
             <a:extLst>
               <a:ext uri="{FF2B5EF4-FFF2-40B4-BE49-F238E27FC236}">
-                <a16:creationId xmlns:a16="http://schemas.microsoft.com/office/drawing/2014/main" id="{0FF9BFAB-34F4-4F66-87FE-67CE6DA5DE36}"/>
+                <a16:creationId xmlns:a16="http://schemas.microsoft.com/office/drawing/2014/main" id="{7AD477DD-8631-4C5B-BC0A-0418748584E9}"/>
               </a:ext>
             </a:extLst>
           </p:cNvPr>
@@ -8151,50 +8056,603 @@
           <a:lstStyle/>
           <a:p>
             <a:pPr algn="ctr"/>
-            <a:endParaRPr lang="ko-KR" altLang="en-US"/>
+            <a:endParaRPr lang="en-US" altLang="ko-KR" sz="800" dirty="0"/>
+          </a:p>
+          <a:p>
+            <a:pPr algn="ctr"/>
+            <a:endParaRPr lang="en-US" altLang="ko-KR" sz="800" dirty="0"/>
+          </a:p>
+          <a:p>
+            <a:pPr algn="ctr"/>
+            <a:r>
+              <a:rPr lang="ko-KR" altLang="en-US" sz="800" dirty="0"/>
+              <a:t>문서 개요</a:t>
+            </a:r>
           </a:p>
         </p:txBody>
       </p:sp>
-      <p:sp>
-        <p:nvSpPr>
-          <p:cNvPr id="14" name="TextBox 13">
+      <p:graphicFrame>
+        <p:nvGraphicFramePr>
+          <p:cNvPr id="14" name="표 4">
             <a:extLst>
               <a:ext uri="{FF2B5EF4-FFF2-40B4-BE49-F238E27FC236}">
-                <a16:creationId xmlns:a16="http://schemas.microsoft.com/office/drawing/2014/main" id="{BAF59ED5-A3FF-4073-BDD6-D44A96DDCC44}"/>
+                <a16:creationId xmlns:a16="http://schemas.microsoft.com/office/drawing/2014/main" id="{6470C45B-A901-4F87-A022-5E51A58CF0F8}"/>
               </a:ext>
             </a:extLst>
           </p:cNvPr>
-          <p:cNvSpPr txBox="1"/>
+          <p:cNvGraphicFramePr>
+            <a:graphicFrameLocks noGrp="1"/>
+          </p:cNvGraphicFramePr>
+          <p:nvPr>
+            <p:extLst>
+              <p:ext uri="{D42A27DB-BD31-4B8C-83A1-F6EECF244321}">
+                <p14:modId xmlns:p14="http://schemas.microsoft.com/office/powerpoint/2010/main" val="4280119827"/>
+              </p:ext>
+            </p:extLst>
+          </p:nvPr>
+        </p:nvGraphicFramePr>
+        <p:xfrm>
+          <a:off x="192088" y="1075308"/>
+          <a:ext cx="6824174" cy="3696783"/>
+        </p:xfrm>
+        <a:graphic>
+          <a:graphicData uri="http://schemas.openxmlformats.org/drawingml/2006/table">
+            <a:tbl>
+              <a:tblPr firstRow="1" bandRow="1">
+                <a:tableStyleId>{5C22544A-7EE6-4342-B048-85BDC9FD1C3A}</a:tableStyleId>
+              </a:tblPr>
+              <a:tblGrid>
+                <a:gridCol w="889366">
+                  <a:extLst>
+                    <a:ext uri="{9D8B030D-6E8A-4147-A177-3AD203B41FA5}">
+                      <a16:colId xmlns:a16="http://schemas.microsoft.com/office/drawing/2014/main" val="3960585485"/>
+                    </a:ext>
+                  </a:extLst>
+                </a:gridCol>
+                <a:gridCol w="5934808">
+                  <a:extLst>
+                    <a:ext uri="{9D8B030D-6E8A-4147-A177-3AD203B41FA5}">
+                      <a16:colId xmlns:a16="http://schemas.microsoft.com/office/drawing/2014/main" val="3506115744"/>
+                    </a:ext>
+                  </a:extLst>
+                </a:gridCol>
+              </a:tblGrid>
+              <a:tr h="454459">
+                <a:tc gridSpan="2">
+                  <a:txBody>
+                    <a:bodyPr/>
+                    <a:lstStyle/>
+                    <a:p>
+                      <a:pPr latinLnBrk="1"/>
+                      <a:r>
+                        <a:rPr lang="ko-KR" altLang="en-US" dirty="0"/>
+                        <a:t>세계관</a:t>
+                      </a:r>
+                    </a:p>
+                  </a:txBody>
+                  <a:tcPr/>
+                </a:tc>
+                <a:tc hMerge="1">
+                  <a:txBody>
+                    <a:bodyPr/>
+                    <a:lstStyle/>
+                    <a:p>
+                      <a:pPr latinLnBrk="1"/>
+                      <a:endParaRPr lang="ko-KR" altLang="en-US" dirty="0"/>
+                    </a:p>
+                  </a:txBody>
+                  <a:tcPr/>
+                </a:tc>
+                <a:extLst>
+                  <a:ext uri="{0D108BD9-81ED-4DB2-BD59-A6C34878D82A}">
+                    <a16:rowId xmlns:a16="http://schemas.microsoft.com/office/drawing/2014/main" val="4207271768"/>
+                  </a:ext>
+                </a:extLst>
+              </a:tr>
+              <a:tr h="454459">
+                <a:tc>
+                  <a:txBody>
+                    <a:bodyPr/>
+                    <a:lstStyle/>
+                    <a:p>
+                      <a:pPr algn="ctr" latinLnBrk="1"/>
+                      <a:r>
+                        <a:rPr lang="ko-KR" altLang="en-US" dirty="0"/>
+                        <a:t>시기</a:t>
+                      </a:r>
+                    </a:p>
+                  </a:txBody>
+                  <a:tcPr anchor="ctr"/>
+                </a:tc>
+                <a:tc>
+                  <a:txBody>
+                    <a:bodyPr/>
+                    <a:lstStyle/>
+                    <a:p>
+                      <a:pPr latinLnBrk="1"/>
+                      <a:r>
+                        <a:rPr lang="ko-KR" altLang="en-US" dirty="0"/>
+                        <a:t>정파와 </a:t>
+                      </a:r>
+                      <a:r>
+                        <a:rPr lang="ko-KR" altLang="en-US" dirty="0" err="1"/>
+                        <a:t>사파의</a:t>
+                      </a:r>
+                      <a:r>
+                        <a:rPr lang="ko-KR" altLang="en-US" dirty="0"/>
+                        <a:t> 전쟁이 끝나고 약 </a:t>
+                      </a:r>
+                      <a:r>
+                        <a:rPr lang="en-US" altLang="ko-KR" dirty="0"/>
+                        <a:t>1</a:t>
+                      </a:r>
+                      <a:r>
+                        <a:rPr lang="ko-KR" altLang="en-US" dirty="0"/>
+                        <a:t>년 뒤</a:t>
+                      </a:r>
+                    </a:p>
+                  </a:txBody>
+                  <a:tcPr anchor="ctr"/>
+                </a:tc>
+                <a:extLst>
+                  <a:ext uri="{0D108BD9-81ED-4DB2-BD59-A6C34878D82A}">
+                    <a16:rowId xmlns:a16="http://schemas.microsoft.com/office/drawing/2014/main" val="1125263149"/>
+                  </a:ext>
+                </a:extLst>
+              </a:tr>
+              <a:tr h="784408">
+                <a:tc>
+                  <a:txBody>
+                    <a:bodyPr/>
+                    <a:lstStyle/>
+                    <a:p>
+                      <a:pPr algn="ctr" latinLnBrk="1"/>
+                      <a:r>
+                        <a:rPr lang="ko-KR" altLang="en-US" dirty="0"/>
+                        <a:t>공간적 배경</a:t>
+                      </a:r>
+                    </a:p>
+                  </a:txBody>
+                  <a:tcPr anchor="ctr"/>
+                </a:tc>
+                <a:tc>
+                  <a:txBody>
+                    <a:bodyPr/>
+                    <a:lstStyle/>
+                    <a:p>
+                      <a:pPr latinLnBrk="1"/>
+                      <a:r>
+                        <a:rPr lang="ko-KR" altLang="en-US" dirty="0"/>
+                        <a:t>원령</a:t>
+                      </a:r>
+                      <a:r>
+                        <a:rPr lang="en-US" altLang="ko-KR" dirty="0"/>
+                        <a:t>, </a:t>
+                      </a:r>
+                      <a:r>
+                        <a:rPr lang="ko-KR" altLang="en-US" dirty="0"/>
+                        <a:t>요괴</a:t>
+                      </a:r>
+                      <a:r>
+                        <a:rPr lang="en-US" altLang="ko-KR" dirty="0"/>
+                        <a:t>, </a:t>
+                      </a:r>
+                      <a:r>
+                        <a:rPr lang="ko-KR" altLang="en-US" dirty="0"/>
+                        <a:t>요물 같은 괴물이 있고 무협과 술법이 있는 대륙에 동쪽 끝 반도의 작은 나라</a:t>
+                      </a:r>
+                    </a:p>
+                  </a:txBody>
+                  <a:tcPr anchor="ctr"/>
+                </a:tc>
+                <a:extLst>
+                  <a:ext uri="{0D108BD9-81ED-4DB2-BD59-A6C34878D82A}">
+                    <a16:rowId xmlns:a16="http://schemas.microsoft.com/office/drawing/2014/main" val="2259910941"/>
+                  </a:ext>
+                </a:extLst>
+              </a:tr>
+              <a:tr h="454459">
+                <a:tc>
+                  <a:txBody>
+                    <a:bodyPr/>
+                    <a:lstStyle/>
+                    <a:p>
+                      <a:pPr algn="ctr" latinLnBrk="1"/>
+                      <a:r>
+                        <a:rPr lang="ko-KR" altLang="en-US" dirty="0"/>
+                        <a:t>주인공</a:t>
+                      </a:r>
+                      <a:r>
+                        <a:rPr lang="en-US" altLang="ko-KR" dirty="0"/>
+                        <a:t>(PC)</a:t>
+                      </a:r>
+                      <a:endParaRPr lang="ko-KR" altLang="en-US" dirty="0"/>
+                    </a:p>
+                  </a:txBody>
+                  <a:tcPr anchor="ctr"/>
+                </a:tc>
+                <a:tc>
+                  <a:txBody>
+                    <a:bodyPr/>
+                    <a:lstStyle/>
+                    <a:p>
+                      <a:pPr latinLnBrk="1"/>
+                      <a:r>
+                        <a:rPr lang="ko-KR" altLang="en-US" dirty="0"/>
+                        <a:t>괴물의 습격으로 인해 가족과 친구를 잃은 방랑자</a:t>
+                      </a:r>
+                    </a:p>
+                  </a:txBody>
+                  <a:tcPr anchor="ctr"/>
+                </a:tc>
+                <a:extLst>
+                  <a:ext uri="{0D108BD9-81ED-4DB2-BD59-A6C34878D82A}">
+                    <a16:rowId xmlns:a16="http://schemas.microsoft.com/office/drawing/2014/main" val="3553194382"/>
+                  </a:ext>
+                </a:extLst>
+              </a:tr>
+              <a:tr h="454459">
+                <a:tc>
+                  <a:txBody>
+                    <a:bodyPr/>
+                    <a:lstStyle/>
+                    <a:p>
+                      <a:pPr algn="ctr" latinLnBrk="1"/>
+                      <a:r>
+                        <a:rPr lang="ko-KR" altLang="en-US" dirty="0"/>
+                        <a:t>목적</a:t>
+                      </a:r>
+                    </a:p>
+                  </a:txBody>
+                  <a:tcPr anchor="ctr"/>
+                </a:tc>
+                <a:tc>
+                  <a:txBody>
+                    <a:bodyPr/>
+                    <a:lstStyle/>
+                    <a:p>
+                      <a:pPr latinLnBrk="1"/>
+                      <a:r>
+                        <a:rPr lang="ko-KR" altLang="en-US" dirty="0"/>
+                        <a:t>사람들을 습격하는 괴물들을 처단하기 위해</a:t>
+                      </a:r>
+                    </a:p>
+                  </a:txBody>
+                  <a:tcPr anchor="ctr"/>
+                </a:tc>
+                <a:extLst>
+                  <a:ext uri="{0D108BD9-81ED-4DB2-BD59-A6C34878D82A}">
+                    <a16:rowId xmlns:a16="http://schemas.microsoft.com/office/drawing/2014/main" val="3037847655"/>
+                  </a:ext>
+                </a:extLst>
+              </a:tr>
+              <a:tr h="454459">
+                <a:tc>
+                  <a:txBody>
+                    <a:bodyPr/>
+                    <a:lstStyle/>
+                    <a:p>
+                      <a:pPr algn="ctr" latinLnBrk="1"/>
+                      <a:r>
+                        <a:rPr lang="ko-KR" altLang="en-US" dirty="0"/>
+                        <a:t>방법</a:t>
+                      </a:r>
+                      <a:endParaRPr lang="en-US" altLang="ko-KR" dirty="0"/>
+                    </a:p>
+                  </a:txBody>
+                  <a:tcPr anchor="ctr"/>
+                </a:tc>
+                <a:tc>
+                  <a:txBody>
+                    <a:bodyPr/>
+                    <a:lstStyle/>
+                    <a:p>
+                      <a:pPr latinLnBrk="1"/>
+                      <a:r>
+                        <a:rPr lang="ko-KR" altLang="en-US" dirty="0"/>
+                        <a:t>토벌단에 들어가고 전국을 돌아다니며 익힌 기술들로</a:t>
+                      </a:r>
+                    </a:p>
+                  </a:txBody>
+                  <a:tcPr anchor="ctr"/>
+                </a:tc>
+                <a:extLst>
+                  <a:ext uri="{0D108BD9-81ED-4DB2-BD59-A6C34878D82A}">
+                    <a16:rowId xmlns:a16="http://schemas.microsoft.com/office/drawing/2014/main" val="268204496"/>
+                  </a:ext>
+                </a:extLst>
+              </a:tr>
+              <a:tr h="454459">
+                <a:tc>
+                  <a:txBody>
+                    <a:bodyPr/>
+                    <a:lstStyle/>
+                    <a:p>
+                      <a:pPr algn="ctr" latinLnBrk="1"/>
+                      <a:r>
+                        <a:rPr lang="ko-KR" altLang="en-US" dirty="0"/>
+                        <a:t>이유</a:t>
+                      </a:r>
+                      <a:endParaRPr lang="en-US" altLang="ko-KR" dirty="0"/>
+                    </a:p>
+                  </a:txBody>
+                  <a:tcPr anchor="ctr"/>
+                </a:tc>
+                <a:tc>
+                  <a:txBody>
+                    <a:bodyPr/>
+                    <a:lstStyle/>
+                    <a:p>
+                      <a:pPr latinLnBrk="1"/>
+                      <a:r>
+                        <a:rPr lang="ko-KR" altLang="en-US" dirty="0"/>
+                        <a:t>자신과 같은 피해자가 더 이상 늘어나지 않게 하기 위해</a:t>
+                      </a:r>
+                    </a:p>
+                  </a:txBody>
+                  <a:tcPr anchor="ctr"/>
+                </a:tc>
+                <a:extLst>
+                  <a:ext uri="{0D108BD9-81ED-4DB2-BD59-A6C34878D82A}">
+                    <a16:rowId xmlns:a16="http://schemas.microsoft.com/office/drawing/2014/main" val="3684599445"/>
+                  </a:ext>
+                </a:extLst>
+              </a:tr>
+            </a:tbl>
+          </a:graphicData>
+        </a:graphic>
+      </p:graphicFrame>
+      <p:pic>
+        <p:nvPicPr>
+          <p:cNvPr id="15" name="WordPictureWatermark18">
+            <a:extLst>
+              <a:ext uri="{FF2B5EF4-FFF2-40B4-BE49-F238E27FC236}">
+                <a16:creationId xmlns:a16="http://schemas.microsoft.com/office/drawing/2014/main" id="{8167FB20-2499-4E30-B31C-40A425E2EE81}"/>
+              </a:ext>
+            </a:extLst>
+          </p:cNvPr>
+          <p:cNvPicPr>
+            <a:picLocks noChangeAspect="1" noChangeArrowheads="1"/>
+          </p:cNvPicPr>
           <p:nvPr/>
-        </p:nvSpPr>
-        <p:spPr>
+        </p:nvPicPr>
+        <p:blipFill>
+          <a:blip r:embed="rId3">
+            <a:extLst>
+              <a:ext uri="{28A0092B-C50C-407E-A947-70E740481C1C}">
+                <a14:useLocalDpi xmlns:a14="http://schemas.microsoft.com/office/drawing/2010/main" val="0"/>
+              </a:ext>
+            </a:extLst>
+          </a:blip>
+          <a:srcRect/>
+          <a:stretch>
+            <a:fillRect/>
+          </a:stretch>
+        </p:blipFill>
+        <p:spPr bwMode="auto">
           <a:xfrm>
-            <a:off x="11353800" y="6637336"/>
-            <a:ext cx="646113" cy="215444"/>
+            <a:off x="7208350" y="1452503"/>
+            <a:ext cx="4791562" cy="2568303"/>
           </a:xfrm>
           <a:prstGeom prst="rect">
             <a:avLst/>
           </a:prstGeom>
-          <a:noFill/>
+          <a:solidFill>
+            <a:srgbClr val="FFFFFF"/>
+          </a:solidFill>
+          <a:ln>
+            <a:noFill/>
+          </a:ln>
+          <a:extLst>
+            <a:ext uri="{91240B29-F687-4F45-9708-019B960494DF}">
+              <a14:hiddenLine xmlns:a14="http://schemas.microsoft.com/office/drawing/2010/main" w="9525">
+                <a:solidFill>
+                  <a:srgbClr val="000000"/>
+                </a:solidFill>
+                <a:miter lim="800000"/>
+                <a:headEnd/>
+                <a:tailEnd/>
+              </a14:hiddenLine>
+            </a:ext>
+          </a:extLst>
         </p:spPr>
-        <p:txBody>
-          <a:bodyPr wrap="square" rtlCol="0">
-            <a:spAutoFit/>
-          </a:bodyPr>
-          <a:lstStyle/>
-          <a:p>
-            <a:r>
-              <a:rPr lang="ko-KR" altLang="en-US" sz="800" dirty="0">
-                <a:solidFill>
-                  <a:schemeClr val="bg1"/>
-                </a:solidFill>
-              </a:rPr>
-              <a:t>문서 개요</a:t>
-            </a:r>
-          </a:p>
-        </p:txBody>
-      </p:sp>
+      </p:pic>
+      <p:graphicFrame>
+        <p:nvGraphicFramePr>
+          <p:cNvPr id="16" name="표 4">
+            <a:extLst>
+              <a:ext uri="{FF2B5EF4-FFF2-40B4-BE49-F238E27FC236}">
+                <a16:creationId xmlns:a16="http://schemas.microsoft.com/office/drawing/2014/main" id="{DB97CCC1-EE74-4F6C-A0E7-60221E42F83B}"/>
+              </a:ext>
+            </a:extLst>
+          </p:cNvPr>
+          <p:cNvGraphicFramePr>
+            <a:graphicFrameLocks noGrp="1"/>
+          </p:cNvGraphicFramePr>
+          <p:nvPr>
+            <p:extLst>
+              <p:ext uri="{D42A27DB-BD31-4B8C-83A1-F6EECF244321}">
+                <p14:modId xmlns:p14="http://schemas.microsoft.com/office/powerpoint/2010/main" val="2368623852"/>
+              </p:ext>
+            </p:extLst>
+          </p:nvPr>
+        </p:nvGraphicFramePr>
+        <p:xfrm>
+          <a:off x="192088" y="4872674"/>
+          <a:ext cx="11807825" cy="1193800"/>
+        </p:xfrm>
+        <a:graphic>
+          <a:graphicData uri="http://schemas.openxmlformats.org/drawingml/2006/table">
+            <a:tbl>
+              <a:tblPr firstRow="1" bandRow="1">
+                <a:tableStyleId>{5C22544A-7EE6-4342-B048-85BDC9FD1C3A}</a:tableStyleId>
+              </a:tblPr>
+              <a:tblGrid>
+                <a:gridCol w="11807825">
+                  <a:extLst>
+                    <a:ext uri="{9D8B030D-6E8A-4147-A177-3AD203B41FA5}">
+                      <a16:colId xmlns:a16="http://schemas.microsoft.com/office/drawing/2014/main" val="4084172700"/>
+                    </a:ext>
+                  </a:extLst>
+                </a:gridCol>
+              </a:tblGrid>
+              <a:tr h="370840">
+                <a:tc>
+                  <a:txBody>
+                    <a:bodyPr/>
+                    <a:lstStyle/>
+                    <a:p>
+                      <a:pPr latinLnBrk="1"/>
+                      <a:r>
+                        <a:rPr lang="ko-KR" altLang="en-US" dirty="0"/>
+                        <a:t>무림</a:t>
+                      </a:r>
+                    </a:p>
+                  </a:txBody>
+                  <a:tcPr/>
+                </a:tc>
+                <a:extLst>
+                  <a:ext uri="{0D108BD9-81ED-4DB2-BD59-A6C34878D82A}">
+                    <a16:rowId xmlns:a16="http://schemas.microsoft.com/office/drawing/2014/main" val="704871238"/>
+                  </a:ext>
+                </a:extLst>
+              </a:tr>
+              <a:tr h="370840">
+                <a:tc>
+                  <a:txBody>
+                    <a:bodyPr/>
+                    <a:lstStyle/>
+                    <a:p>
+                      <a:pPr marL="0" marR="0" lvl="0" indent="0" algn="l" defTabSz="914400" rtl="0" eaLnBrk="1" fontAlgn="auto" latinLnBrk="1" hangingPunct="1">
+                        <a:lnSpc>
+                          <a:spcPct val="100000"/>
+                        </a:lnSpc>
+                        <a:spcBef>
+                          <a:spcPts val="0"/>
+                        </a:spcBef>
+                        <a:spcAft>
+                          <a:spcPts val="0"/>
+                        </a:spcAft>
+                        <a:buClrTx/>
+                        <a:buSzTx/>
+                        <a:buFontTx/>
+                        <a:buNone/>
+                        <a:tabLst/>
+                        <a:defRPr/>
+                      </a:pPr>
+                      <a:r>
+                        <a:rPr lang="ko-KR" altLang="ko-KR" sz="1600" dirty="0">
+                          <a:latin typeface="맑은 고딕" charset="0"/>
+                          <a:ea typeface="맑은 고딕" charset="0"/>
+                          <a:cs typeface="Times New Roman" charset="0"/>
+                        </a:rPr>
+                        <a:t>무림계에 정파는 협을 중요시하여  올바른 길을 중요시 하고 </a:t>
+                      </a:r>
+                      <a:r>
+                        <a:rPr lang="ko-KR" altLang="ko-KR" sz="1600" dirty="0" err="1">
+                          <a:latin typeface="맑은 고딕" charset="0"/>
+                          <a:ea typeface="맑은 고딕" charset="0"/>
+                          <a:cs typeface="Times New Roman" charset="0"/>
+                        </a:rPr>
+                        <a:t>사파는</a:t>
+                      </a:r>
+                      <a:r>
+                        <a:rPr lang="ko-KR" altLang="ko-KR" sz="1600" dirty="0">
+                          <a:latin typeface="맑은 고딕" charset="0"/>
+                          <a:ea typeface="맑은 고딕" charset="0"/>
+                          <a:cs typeface="Times New Roman" charset="0"/>
+                        </a:rPr>
+                        <a:t> 무를 중요시하여 수단을 가리지 않기에 서로</a:t>
+                      </a:r>
+                      <a:r>
+                        <a:rPr lang="en-US" altLang="ko-KR" sz="1600" dirty="0">
+                          <a:latin typeface="맑은 고딕" charset="0"/>
+                          <a:ea typeface="맑은 고딕" charset="0"/>
+                          <a:cs typeface="Times New Roman" charset="0"/>
+                        </a:rPr>
+                        <a:t> </a:t>
+                      </a:r>
+                      <a:r>
+                        <a:rPr lang="ko-KR" altLang="ko-KR" sz="1600" dirty="0">
+                          <a:latin typeface="맑은 고딕" charset="0"/>
+                          <a:ea typeface="맑은 고딕" charset="0"/>
+                          <a:cs typeface="Times New Roman" charset="0"/>
+                        </a:rPr>
+                        <a:t>간의 대립은 언제나 존재해 왔다. 크고 작은 충돌은 언제나 있었지만 얼마전 정체 모를 세력의 개입으로 정파와 </a:t>
+                      </a:r>
+                      <a:r>
+                        <a:rPr lang="ko-KR" altLang="ko-KR" sz="1600" dirty="0" err="1">
+                          <a:latin typeface="맑은 고딕" charset="0"/>
+                          <a:ea typeface="맑은 고딕" charset="0"/>
+                          <a:cs typeface="Times New Roman" charset="0"/>
+                        </a:rPr>
+                        <a:t>사파</a:t>
+                      </a:r>
+                      <a:r>
+                        <a:rPr lang="en-US" altLang="ko-KR" sz="1600" dirty="0">
+                          <a:latin typeface="맑은 고딕" charset="0"/>
+                          <a:ea typeface="맑은 고딕" charset="0"/>
+                          <a:cs typeface="Times New Roman" charset="0"/>
+                        </a:rPr>
+                        <a:t> </a:t>
+                      </a:r>
+                      <a:r>
+                        <a:rPr lang="ko-KR" altLang="ko-KR" sz="1600" dirty="0">
+                          <a:latin typeface="맑은 고딕" charset="0"/>
+                          <a:ea typeface="맑은 고딕" charset="0"/>
+                          <a:cs typeface="Times New Roman" charset="0"/>
+                        </a:rPr>
+                        <a:t>간에 큰 전쟁이 일어나고 무림 세력 자체가 크게 축소 되었다.</a:t>
+                      </a:r>
+                      <a:r>
+                        <a:rPr lang="en-US" altLang="ko-KR" sz="1600" dirty="0">
+                          <a:latin typeface="맑은 고딕" charset="0"/>
+                          <a:ea typeface="맑은 고딕" charset="0"/>
+                          <a:cs typeface="Times New Roman" charset="0"/>
+                        </a:rPr>
+                        <a:t> </a:t>
+                      </a:r>
+                      <a:r>
+                        <a:rPr lang="ko-KR" altLang="en-US" sz="1600" dirty="0">
+                          <a:latin typeface="맑은 고딕" charset="0"/>
+                          <a:ea typeface="맑은 고딕" charset="0"/>
+                          <a:cs typeface="Times New Roman" charset="0"/>
+                        </a:rPr>
+                        <a:t>또한 도사들은 본래에도 숫자 자체가 많지 않아 큰 도움은 되지 못하고 있다</a:t>
+                      </a:r>
+                      <a:r>
+                        <a:rPr lang="en-US" altLang="ko-KR" sz="1600" dirty="0">
+                          <a:latin typeface="맑은 고딕" charset="0"/>
+                          <a:ea typeface="맑은 고딕" charset="0"/>
+                          <a:cs typeface="Times New Roman" charset="0"/>
+                        </a:rPr>
+                        <a:t>.</a:t>
+                      </a:r>
+                      <a:endParaRPr lang="ko-KR" altLang="en-US" sz="1600" dirty="0">
+                        <a:latin typeface="맑은 고딕" charset="0"/>
+                        <a:ea typeface="맑은 고딕" charset="0"/>
+                        <a:cs typeface="Times New Roman" charset="0"/>
+                      </a:endParaRPr>
+                    </a:p>
+                  </a:txBody>
+                  <a:tcPr/>
+                </a:tc>
+                <a:extLst>
+                  <a:ext uri="{0D108BD9-81ED-4DB2-BD59-A6C34878D82A}">
+                    <a16:rowId xmlns:a16="http://schemas.microsoft.com/office/drawing/2014/main" val="728689"/>
+                  </a:ext>
+                </a:extLst>
+              </a:tr>
+            </a:tbl>
+          </a:graphicData>
+        </a:graphic>
+      </p:graphicFrame>
     </p:spTree>
+    <p:extLst>
+      <p:ext uri="{BB962C8B-B14F-4D97-AF65-F5344CB8AC3E}">
+        <p14:creationId xmlns:p14="http://schemas.microsoft.com/office/powerpoint/2010/main" val="948734723"/>
+      </p:ext>
+    </p:extLst>
   </p:cSld>
   <p:clrMapOvr>
     <a:masterClrMapping/>
@@ -8271,7 +8729,7 @@
         </p:nvSpPr>
         <p:spPr>
           <a:xfrm flipH="1">
-            <a:off x="192088" y="328979"/>
+            <a:off x="192088" y="329565"/>
             <a:ext cx="3764915" cy="645795"/>
           </a:xfrm>
           <a:prstGeom prst="rect">
@@ -8299,68 +8757,68 @@
                 <a:latin typeface="나눔스퀘어 ExtraBold" charset="0"/>
                 <a:ea typeface="나눔스퀘어 ExtraBold" charset="0"/>
               </a:rPr>
-              <a:t>5.컨텐츠 정립</a:t>
+              <a:t>4.세계관 확립</a:t>
             </a:r>
+            <a:r>
+              <a:rPr lang="en-US" altLang="ko-KR" sz="3600" b="1" dirty="0">
+                <a:solidFill>
+                  <a:schemeClr val="accent1">
+                    <a:lumMod val="50000"/>
+                  </a:schemeClr>
+                </a:solidFill>
+                <a:latin typeface="나눔스퀘어 ExtraBold" charset="0"/>
+                <a:ea typeface="나눔스퀘어 ExtraBold" charset="0"/>
+              </a:rPr>
+              <a:t>-2</a:t>
+            </a:r>
+            <a:endParaRPr lang="ko-KR" altLang="en-US" sz="3600" b="1" dirty="0">
+              <a:solidFill>
+                <a:schemeClr val="accent1">
+                  <a:lumMod val="50000"/>
+                </a:schemeClr>
+              </a:solidFill>
+              <a:latin typeface="나눔스퀘어 ExtraBold" charset="0"/>
+              <a:ea typeface="나눔스퀘어 ExtraBold" charset="0"/>
+            </a:endParaRPr>
           </a:p>
         </p:txBody>
       </p:sp>
       <p:sp>
         <p:nvSpPr>
-          <p:cNvPr id="7" name="텍스트 상자 26"/>
-          <p:cNvSpPr txBox="1">
-            <a:spLocks/>
+          <p:cNvPr id="2" name="슬라이드 번호 개체 틀 1">
+            <a:extLst>
+              <a:ext uri="{FF2B5EF4-FFF2-40B4-BE49-F238E27FC236}">
+                <a16:creationId xmlns:a16="http://schemas.microsoft.com/office/drawing/2014/main" id="{1BB7C789-F395-4291-9A2D-44F126A98C91}"/>
+              </a:ext>
+            </a:extLst>
+          </p:cNvPr>
+          <p:cNvSpPr>
+            <a:spLocks noGrp="1"/>
           </p:cNvSpPr>
-          <p:nvPr/>
+          <p:nvPr>
+            <p:ph type="sldNum" sz="quarter" idx="12"/>
+          </p:nvPr>
         </p:nvSpPr>
-        <p:spPr>
-          <a:xfrm>
-            <a:off x="192088" y="981075"/>
-            <a:ext cx="11807825" cy="364972"/>
-          </a:xfrm>
-          <a:prstGeom prst="rect">
-            <a:avLst/>
-          </a:prstGeom>
-          <a:noFill/>
-        </p:spPr>
+        <p:spPr/>
         <p:txBody>
-          <a:bodyPr vert="horz" wrap="square" lIns="91440" tIns="45720" rIns="91440" bIns="45720" numCol="1" anchor="t">
-            <a:spAutoFit/>
-          </a:bodyPr>
+          <a:bodyPr/>
           <a:lstStyle/>
           <a:p>
-            <a:pPr marL="0" indent="0" algn="just" latinLnBrk="1">
-              <a:lnSpc>
-                <a:spcPct val="107000"/>
-              </a:lnSpc>
-              <a:spcAft>
-                <a:spcPts val="800"/>
-              </a:spcAft>
-              <a:buFontTx/>
-              <a:buNone/>
-            </a:pPr>
-            <a:r>
-              <a:rPr lang="ko-KR" altLang="ko-KR" sz="1800">
-                <a:latin typeface="맑은 고딕" charset="0"/>
-                <a:ea typeface="맑은 고딕" charset="0"/>
-                <a:cs typeface="Times New Roman" charset="0"/>
-              </a:rPr>
-              <a:t>텍스트</a:t>
-            </a:r>
-            <a:endParaRPr lang="ko-KR" altLang="en-US" sz="1800">
-              <a:latin typeface="맑은 고딕" charset="0"/>
-              <a:ea typeface="맑은 고딕" charset="0"/>
-              <a:cs typeface="Times New Roman" charset="0"/>
-            </a:endParaRPr>
+            <a:fld id="{E887A479-1FB4-4076-82AD-4520E3445CF4}" type="slidenum">
+              <a:rPr lang="ko-KR" altLang="en-US" smtClean="0"/>
+              <a:t>6</a:t>
+            </a:fld>
+            <a:endParaRPr lang="ko-KR" altLang="en-US"/>
           </a:p>
         </p:txBody>
       </p:sp>
       <p:sp>
         <p:nvSpPr>
-          <p:cNvPr id="11" name="실행 단추: 문서 10">
+          <p:cNvPr id="9" name="실행 단추: 문서 8">
             <a:hlinkClick r:id="rId2" action="ppaction://hlinksldjump" highlightClick="1"/>
             <a:extLst>
               <a:ext uri="{FF2B5EF4-FFF2-40B4-BE49-F238E27FC236}">
-                <a16:creationId xmlns:a16="http://schemas.microsoft.com/office/drawing/2014/main" id="{FED772B7-D225-42F3-95A6-F04F4D67F388}"/>
+                <a16:creationId xmlns:a16="http://schemas.microsoft.com/office/drawing/2014/main" id="{4FB19F12-2FA3-4F14-879B-508FBBABE946}"/>
               </a:ext>
             </a:extLst>
           </p:cNvPr>
@@ -8400,49 +8858,643 @@
           <a:lstStyle/>
           <a:p>
             <a:pPr algn="ctr"/>
-            <a:endParaRPr lang="ko-KR" altLang="en-US"/>
+            <a:endParaRPr lang="en-US" altLang="ko-KR" sz="800" dirty="0"/>
+          </a:p>
+          <a:p>
+            <a:pPr algn="ctr"/>
+            <a:endParaRPr lang="en-US" altLang="ko-KR" sz="800" dirty="0"/>
+          </a:p>
+          <a:p>
+            <a:pPr algn="ctr"/>
+            <a:r>
+              <a:rPr lang="ko-KR" altLang="en-US" sz="800" dirty="0"/>
+              <a:t>문서 개요</a:t>
+            </a:r>
           </a:p>
         </p:txBody>
       </p:sp>
-      <p:sp>
-        <p:nvSpPr>
-          <p:cNvPr id="12" name="TextBox 11">
+      <p:graphicFrame>
+        <p:nvGraphicFramePr>
+          <p:cNvPr id="7" name="표 4">
             <a:extLst>
               <a:ext uri="{FF2B5EF4-FFF2-40B4-BE49-F238E27FC236}">
-                <a16:creationId xmlns:a16="http://schemas.microsoft.com/office/drawing/2014/main" id="{D93BDEEF-A58F-4F13-850A-CF3A62CDA455}"/>
+                <a16:creationId xmlns:a16="http://schemas.microsoft.com/office/drawing/2014/main" id="{DEBCF9A7-33D5-43D0-A300-BFDE2C4CF074}"/>
               </a:ext>
             </a:extLst>
           </p:cNvPr>
-          <p:cNvSpPr txBox="1"/>
-          <p:nvPr/>
-        </p:nvSpPr>
-        <p:spPr>
-          <a:xfrm>
-            <a:off x="11353800" y="6637336"/>
-            <a:ext cx="646113" cy="215444"/>
-          </a:xfrm>
-          <a:prstGeom prst="rect">
-            <a:avLst/>
-          </a:prstGeom>
-          <a:noFill/>
-        </p:spPr>
-        <p:txBody>
-          <a:bodyPr wrap="square" rtlCol="0">
-            <a:spAutoFit/>
-          </a:bodyPr>
-          <a:lstStyle/>
-          <a:p>
-            <a:r>
-              <a:rPr lang="ko-KR" altLang="en-US" sz="800" dirty="0">
-                <a:solidFill>
-                  <a:schemeClr val="bg1"/>
-                </a:solidFill>
-              </a:rPr>
-              <a:t>문서 개요</a:t>
-            </a:r>
-          </a:p>
-        </p:txBody>
-      </p:sp>
+          <p:cNvGraphicFramePr>
+            <a:graphicFrameLocks noGrp="1"/>
+          </p:cNvGraphicFramePr>
+          <p:nvPr>
+            <p:extLst>
+              <p:ext uri="{D42A27DB-BD31-4B8C-83A1-F6EECF244321}">
+                <p14:modId xmlns:p14="http://schemas.microsoft.com/office/powerpoint/2010/main" val="3348023871"/>
+              </p:ext>
+            </p:extLst>
+          </p:nvPr>
+        </p:nvGraphicFramePr>
+        <p:xfrm>
+          <a:off x="192087" y="2671529"/>
+          <a:ext cx="11807825" cy="3684185"/>
+        </p:xfrm>
+        <a:graphic>
+          <a:graphicData uri="http://schemas.openxmlformats.org/drawingml/2006/table">
+            <a:tbl>
+              <a:tblPr firstRow="1" bandRow="1">
+                <a:tableStyleId>{5C22544A-7EE6-4342-B048-85BDC9FD1C3A}</a:tableStyleId>
+              </a:tblPr>
+              <a:tblGrid>
+                <a:gridCol w="11807825">
+                  <a:extLst>
+                    <a:ext uri="{9D8B030D-6E8A-4147-A177-3AD203B41FA5}">
+                      <a16:colId xmlns:a16="http://schemas.microsoft.com/office/drawing/2014/main" val="4084172700"/>
+                    </a:ext>
+                  </a:extLst>
+                </a:gridCol>
+              </a:tblGrid>
+              <a:tr h="383957">
+                <a:tc>
+                  <a:txBody>
+                    <a:bodyPr/>
+                    <a:lstStyle/>
+                    <a:p>
+                      <a:pPr latinLnBrk="1"/>
+                      <a:r>
+                        <a:rPr lang="ko-KR" altLang="en-US" dirty="0"/>
+                        <a:t>시놉시스</a:t>
+                      </a:r>
+                    </a:p>
+                  </a:txBody>
+                  <a:tcPr/>
+                </a:tc>
+                <a:extLst>
+                  <a:ext uri="{0D108BD9-81ED-4DB2-BD59-A6C34878D82A}">
+                    <a16:rowId xmlns:a16="http://schemas.microsoft.com/office/drawing/2014/main" val="704871238"/>
+                  </a:ext>
+                </a:extLst>
+              </a:tr>
+              <a:tr h="3300228">
+                <a:tc>
+                  <a:txBody>
+                    <a:bodyPr/>
+                    <a:lstStyle/>
+                    <a:p>
+                      <a:pPr marL="0" indent="0" algn="just" latinLnBrk="1">
+                        <a:lnSpc>
+                          <a:spcPct val="107000"/>
+                        </a:lnSpc>
+                        <a:spcAft>
+                          <a:spcPts val="800"/>
+                        </a:spcAft>
+                        <a:buFontTx/>
+                        <a:buNone/>
+                      </a:pPr>
+                      <a:r>
+                        <a:rPr lang="ko-KR" altLang="en-US" sz="1600" dirty="0">
+                          <a:latin typeface="맑은 고딕" charset="0"/>
+                          <a:ea typeface="맑은 고딕" charset="0"/>
+                          <a:cs typeface="Times New Roman" charset="0"/>
+                        </a:rPr>
+                        <a:t>예로부터 괴물들로 인한 사건은 끝이 없었지만</a:t>
+                      </a:r>
+                      <a:r>
+                        <a:rPr lang="en-US" altLang="ko-KR" sz="1600" dirty="0">
+                          <a:latin typeface="맑은 고딕" charset="0"/>
+                          <a:ea typeface="맑은 고딕" charset="0"/>
+                          <a:cs typeface="Times New Roman" charset="0"/>
+                        </a:rPr>
+                        <a:t> </a:t>
+                      </a:r>
+                      <a:r>
+                        <a:rPr lang="ko-KR" altLang="en-US" sz="1600" dirty="0">
+                          <a:latin typeface="맑은 고딕" charset="0"/>
+                          <a:ea typeface="맑은 고딕" charset="0"/>
+                          <a:cs typeface="Times New Roman" charset="0"/>
+                        </a:rPr>
+                        <a:t>무림세력과 국가 그리고 소수의 사냥꾼들의 힘으로 해결이 가능한 수준이었다</a:t>
+                      </a:r>
+                      <a:r>
+                        <a:rPr lang="en-US" altLang="ko-KR" sz="1600" dirty="0">
+                          <a:latin typeface="맑은 고딕" charset="0"/>
+                          <a:ea typeface="맑은 고딕" charset="0"/>
+                          <a:cs typeface="Times New Roman" charset="0"/>
+                        </a:rPr>
+                        <a:t>. </a:t>
+                      </a:r>
+                      <a:r>
+                        <a:rPr lang="ko-KR" altLang="en-US" sz="1600" dirty="0">
+                          <a:latin typeface="맑은 고딕" charset="0"/>
+                          <a:ea typeface="맑은 고딕" charset="0"/>
+                          <a:cs typeface="Times New Roman" charset="0"/>
+                        </a:rPr>
+                        <a:t>하지만 약 </a:t>
+                      </a:r>
+                      <a:r>
+                        <a:rPr lang="en-US" altLang="ko-KR" sz="1600" dirty="0">
+                          <a:latin typeface="맑은 고딕" charset="0"/>
+                          <a:ea typeface="맑은 고딕" charset="0"/>
+                          <a:cs typeface="Times New Roman" charset="0"/>
+                        </a:rPr>
+                        <a:t>1</a:t>
+                      </a:r>
+                      <a:r>
+                        <a:rPr lang="ko-KR" altLang="en-US" sz="1600" dirty="0">
+                          <a:latin typeface="맑은 고딕" charset="0"/>
+                          <a:ea typeface="맑은 고딕" charset="0"/>
+                          <a:cs typeface="Times New Roman" charset="0"/>
+                        </a:rPr>
+                        <a:t>년 전 대륙에서 큰 사건이 일어났다</a:t>
+                      </a:r>
+                      <a:r>
+                        <a:rPr lang="en-US" altLang="ko-KR" sz="1600" dirty="0">
+                          <a:latin typeface="맑은 고딕" charset="0"/>
+                          <a:ea typeface="맑은 고딕" charset="0"/>
+                          <a:cs typeface="Times New Roman" charset="0"/>
+                        </a:rPr>
+                        <a:t>. </a:t>
+                      </a:r>
+                      <a:r>
+                        <a:rPr lang="ko-KR" altLang="en-US" sz="1600" dirty="0">
+                          <a:latin typeface="맑은 고딕" charset="0"/>
+                          <a:ea typeface="맑은 고딕" charset="0"/>
+                          <a:cs typeface="Times New Roman" charset="0"/>
+                        </a:rPr>
+                        <a:t>달기라 불리는 요괴가 황제를 홀리고 제국의 뒤 흔들어 파멸로 이끌었고 결국 제국을 자신의 손에 넣게 된 것이다</a:t>
+                      </a:r>
+                      <a:r>
+                        <a:rPr lang="en-US" altLang="ko-KR" sz="1600" dirty="0">
+                          <a:latin typeface="맑은 고딕" charset="0"/>
+                          <a:ea typeface="맑은 고딕" charset="0"/>
+                          <a:cs typeface="Times New Roman" charset="0"/>
+                        </a:rPr>
+                        <a:t>. </a:t>
+                      </a:r>
+                    </a:p>
+                    <a:p>
+                      <a:pPr marL="0" indent="0" algn="just" latinLnBrk="1">
+                        <a:lnSpc>
+                          <a:spcPct val="107000"/>
+                        </a:lnSpc>
+                        <a:spcAft>
+                          <a:spcPts val="800"/>
+                        </a:spcAft>
+                        <a:buFontTx/>
+                        <a:buNone/>
+                      </a:pPr>
+                      <a:r>
+                        <a:rPr lang="ko-KR" altLang="en-US" sz="1600" dirty="0">
+                          <a:latin typeface="맑은 고딕" charset="0"/>
+                          <a:ea typeface="맑은 고딕" charset="0"/>
+                          <a:cs typeface="Times New Roman" charset="0"/>
+                        </a:rPr>
+                        <a:t>하지만 제국을 자신의 손에 넣었음에도 달기는 만족하지 못하였고 세상을 모두 자신의 손에 넣기 위해 제국 주변의 나라들에 혼란을 일으키고 침략하여 자신의 손에 넣었다</a:t>
+                      </a:r>
+                      <a:r>
+                        <a:rPr lang="en-US" altLang="ko-KR" sz="1600" dirty="0">
+                          <a:latin typeface="맑은 고딕" charset="0"/>
+                          <a:ea typeface="맑은 고딕" charset="0"/>
+                          <a:cs typeface="Times New Roman" charset="0"/>
+                        </a:rPr>
+                        <a:t>. </a:t>
+                      </a:r>
+                      <a:r>
+                        <a:rPr lang="ko-KR" altLang="en-US" sz="1600" dirty="0">
+                          <a:latin typeface="맑은 고딕" charset="0"/>
+                          <a:ea typeface="맑은 고딕" charset="0"/>
+                          <a:cs typeface="Times New Roman" charset="0"/>
+                        </a:rPr>
+                        <a:t>반도의 나라 또한 달기의 수작으로 인하여 정파와 </a:t>
+                      </a:r>
+                      <a:r>
+                        <a:rPr lang="ko-KR" altLang="en-US" sz="1600" dirty="0" err="1">
+                          <a:latin typeface="맑은 고딕" charset="0"/>
+                          <a:ea typeface="맑은 고딕" charset="0"/>
+                          <a:cs typeface="Times New Roman" charset="0"/>
+                        </a:rPr>
+                        <a:t>사파</a:t>
+                      </a:r>
+                      <a:r>
+                        <a:rPr lang="ko-KR" altLang="en-US" sz="1600" dirty="0">
+                          <a:latin typeface="맑은 고딕" charset="0"/>
+                          <a:ea typeface="맑은 고딕" charset="0"/>
+                          <a:cs typeface="Times New Roman" charset="0"/>
+                        </a:rPr>
+                        <a:t> 간의 큰 마찰이 일어났고 그로인한 전쟁으로 인해 세력이 약화되고 제국의 군대를 이용하여 반도의 군대를 국경에 잡아 두었다</a:t>
+                      </a:r>
+                      <a:r>
+                        <a:rPr lang="en-US" altLang="ko-KR" sz="1600" dirty="0">
+                          <a:latin typeface="맑은 고딕" charset="0"/>
+                          <a:ea typeface="맑은 고딕" charset="0"/>
+                          <a:cs typeface="Times New Roman" charset="0"/>
+                        </a:rPr>
+                        <a:t>. </a:t>
+                      </a:r>
+                      <a:r>
+                        <a:rPr lang="ko-KR" altLang="en-US" sz="1600" dirty="0">
+                          <a:latin typeface="맑은 고딕" charset="0"/>
+                          <a:ea typeface="맑은 고딕" charset="0"/>
+                          <a:cs typeface="Times New Roman" charset="0"/>
+                        </a:rPr>
+                        <a:t>괴물들을 견제할 세력이 약해지자 지맥을 수 많은 괴물들이 미쳐 날뛰게 만들어 반도를 약화 시키고 있었다</a:t>
+                      </a:r>
+                      <a:r>
+                        <a:rPr lang="en-US" altLang="ko-KR" sz="1600" dirty="0">
+                          <a:latin typeface="맑은 고딕" charset="0"/>
+                          <a:ea typeface="맑은 고딕" charset="0"/>
+                          <a:cs typeface="Times New Roman" charset="0"/>
+                        </a:rPr>
+                        <a:t>.</a:t>
+                      </a:r>
+                    </a:p>
+                    <a:p>
+                      <a:pPr algn="just">
+                        <a:lnSpc>
+                          <a:spcPct val="107000"/>
+                        </a:lnSpc>
+                        <a:spcAft>
+                          <a:spcPts val="800"/>
+                        </a:spcAft>
+                      </a:pPr>
+                      <a:r>
+                        <a:rPr lang="ko-KR" altLang="ko-KR" sz="1600" dirty="0">
+                          <a:latin typeface="맑은 고딕" charset="0"/>
+                          <a:ea typeface="맑은 고딕" charset="0"/>
+                          <a:cs typeface="Times New Roman" charset="0"/>
+                        </a:rPr>
+                        <a:t>무림</a:t>
+                      </a:r>
+                      <a:r>
+                        <a:rPr lang="ko-KR" altLang="en-US" sz="1600" dirty="0">
+                          <a:latin typeface="맑은 고딕" charset="0"/>
+                          <a:ea typeface="맑은 고딕" charset="0"/>
+                          <a:cs typeface="Times New Roman" charset="0"/>
+                        </a:rPr>
+                        <a:t>내에 정사 대전</a:t>
+                      </a:r>
+                      <a:r>
+                        <a:rPr lang="ko-KR" altLang="ko-KR" sz="1600" dirty="0">
+                          <a:latin typeface="맑은 고딕" charset="0"/>
+                          <a:ea typeface="맑은 고딕" charset="0"/>
+                          <a:cs typeface="Times New Roman" charset="0"/>
+                        </a:rPr>
+                        <a:t>으로 양쪽 세력이 크게 감소</a:t>
+                      </a:r>
+                      <a:r>
+                        <a:rPr lang="ko-KR" altLang="en-US" sz="1600" dirty="0">
+                          <a:latin typeface="맑은 고딕" charset="0"/>
+                          <a:ea typeface="맑은 고딕" charset="0"/>
+                          <a:cs typeface="Times New Roman" charset="0"/>
+                        </a:rPr>
+                        <a:t>하고 약 </a:t>
+                      </a:r>
+                      <a:r>
+                        <a:rPr lang="en-US" altLang="ko-KR" sz="1600" dirty="0">
+                          <a:latin typeface="맑은 고딕" charset="0"/>
+                          <a:ea typeface="맑은 고딕" charset="0"/>
+                          <a:cs typeface="Times New Roman" charset="0"/>
+                        </a:rPr>
+                        <a:t>1</a:t>
+                      </a:r>
+                      <a:r>
+                        <a:rPr lang="ko-KR" altLang="en-US" sz="1600" dirty="0">
+                          <a:latin typeface="맑은 고딕" charset="0"/>
+                          <a:ea typeface="맑은 고딕" charset="0"/>
+                          <a:cs typeface="Times New Roman" charset="0"/>
+                        </a:rPr>
+                        <a:t>년 뒤</a:t>
+                      </a:r>
+                      <a:r>
+                        <a:rPr lang="en-US" altLang="ko-KR" sz="1600" dirty="0">
+                          <a:latin typeface="맑은 고딕" charset="0"/>
+                          <a:ea typeface="맑은 고딕" charset="0"/>
+                          <a:cs typeface="Times New Roman" charset="0"/>
+                        </a:rPr>
+                        <a:t>, </a:t>
+                      </a:r>
+                      <a:r>
+                        <a:rPr lang="ko-KR" altLang="en-US" sz="1600" dirty="0">
+                          <a:latin typeface="맑은 고딕" charset="0"/>
+                          <a:ea typeface="맑은 고딕" charset="0"/>
+                          <a:cs typeface="Times New Roman" charset="0"/>
+                        </a:rPr>
+                        <a:t>갑자기 늘어난 </a:t>
+                      </a:r>
+                      <a:r>
+                        <a:rPr lang="ko-KR" altLang="ko-KR" sz="1600" dirty="0">
+                          <a:latin typeface="맑은 고딕" charset="0"/>
+                          <a:ea typeface="맑은 고딕" charset="0"/>
+                          <a:cs typeface="Times New Roman" charset="0"/>
+                        </a:rPr>
+                        <a:t>괴물</a:t>
+                      </a:r>
+                      <a:r>
+                        <a:rPr lang="ko-KR" altLang="en-US" sz="1600" dirty="0">
+                          <a:latin typeface="맑은 고딕" charset="0"/>
+                          <a:ea typeface="맑은 고딕" charset="0"/>
+                          <a:cs typeface="Times New Roman" charset="0"/>
+                        </a:rPr>
+                        <a:t>들이 마을을</a:t>
+                      </a:r>
+                      <a:r>
+                        <a:rPr lang="ko-KR" altLang="ko-KR" sz="1600" dirty="0">
+                          <a:latin typeface="맑은 고딕" charset="0"/>
+                          <a:ea typeface="맑은 고딕" charset="0"/>
+                          <a:cs typeface="Times New Roman" charset="0"/>
+                        </a:rPr>
+                        <a:t> 습격</a:t>
+                      </a:r>
+                      <a:r>
+                        <a:rPr lang="ko-KR" altLang="en-US" sz="1600" dirty="0">
+                          <a:latin typeface="맑은 고딕" charset="0"/>
+                          <a:ea typeface="맑은 고딕" charset="0"/>
+                          <a:cs typeface="Times New Roman" charset="0"/>
+                        </a:rPr>
+                        <a:t>하여</a:t>
+                      </a:r>
+                      <a:r>
+                        <a:rPr lang="ko-KR" altLang="ko-KR" sz="1600" dirty="0">
+                          <a:latin typeface="맑은 고딕" charset="0"/>
+                          <a:ea typeface="맑은 고딕" charset="0"/>
+                          <a:cs typeface="Times New Roman" charset="0"/>
+                        </a:rPr>
+                        <a:t> 가족과 친구들을 잃</a:t>
+                      </a:r>
+                      <a:r>
+                        <a:rPr lang="ko-KR" altLang="en-US" sz="1600" dirty="0">
+                          <a:latin typeface="맑은 고딕" charset="0"/>
+                          <a:ea typeface="맑은 고딕" charset="0"/>
+                          <a:cs typeface="Times New Roman" charset="0"/>
+                        </a:rPr>
+                        <a:t>고 괴물들에게 복수하기 위해 괴물들을 </a:t>
+                      </a:r>
+                      <a:r>
+                        <a:rPr lang="ko-KR" altLang="ko-KR" sz="1600" dirty="0">
+                          <a:latin typeface="맑은 고딕" charset="0"/>
+                          <a:ea typeface="맑은 고딕" charset="0"/>
+                          <a:cs typeface="Times New Roman" charset="0"/>
+                        </a:rPr>
+                        <a:t>사냥</a:t>
+                      </a:r>
+                      <a:r>
+                        <a:rPr lang="ko-KR" altLang="en-US" sz="1600" dirty="0">
+                          <a:latin typeface="맑은 고딕" charset="0"/>
+                          <a:ea typeface="맑은 고딕" charset="0"/>
+                          <a:cs typeface="Times New Roman" charset="0"/>
+                        </a:rPr>
+                        <a:t>하는 사냥꾼이 된</a:t>
+                      </a:r>
+                      <a:r>
+                        <a:rPr lang="ko-KR" altLang="ko-KR" sz="1600" dirty="0">
+                          <a:latin typeface="맑은 고딕" charset="0"/>
+                          <a:ea typeface="맑은 고딕" charset="0"/>
+                          <a:cs typeface="Times New Roman" charset="0"/>
+                        </a:rPr>
+                        <a:t> 방랑자</a:t>
+                      </a:r>
+                      <a:r>
+                        <a:rPr lang="ko-KR" altLang="en-US" sz="1600" dirty="0">
+                          <a:latin typeface="맑은 고딕" charset="0"/>
+                          <a:ea typeface="맑은 고딕" charset="0"/>
+                          <a:cs typeface="Times New Roman" charset="0"/>
+                        </a:rPr>
+                        <a:t>가 토벌단에 들어가 전국을 돌아 다니며 괴물로 인한 </a:t>
+                      </a:r>
+                      <a:r>
+                        <a:rPr lang="ko-KR" altLang="ko-KR" sz="1600" dirty="0">
+                          <a:latin typeface="맑은 고딕" charset="0"/>
+                          <a:ea typeface="맑은 고딕" charset="0"/>
+                          <a:cs typeface="Times New Roman" charset="0"/>
+                        </a:rPr>
+                        <a:t>사건, 사고</a:t>
+                      </a:r>
+                      <a:r>
+                        <a:rPr lang="ko-KR" altLang="en-US" sz="1600" dirty="0">
+                          <a:latin typeface="맑은 고딕" charset="0"/>
+                          <a:ea typeface="맑은 고딕" charset="0"/>
+                          <a:cs typeface="Times New Roman" charset="0"/>
+                        </a:rPr>
+                        <a:t>들을 해결하며 모든 사건의 배후에 어떠한 세력이 있다는 것을 눈치채고 추적 끝에 모든 사건의 흑막 달기를 처단하여 대륙에 평화를 가져온다</a:t>
+                      </a:r>
+                      <a:r>
+                        <a:rPr lang="en-US" altLang="ko-KR" sz="1600" dirty="0">
+                          <a:latin typeface="맑은 고딕" charset="0"/>
+                          <a:ea typeface="맑은 고딕" charset="0"/>
+                          <a:cs typeface="Times New Roman" charset="0"/>
+                        </a:rPr>
+                        <a:t>.</a:t>
+                      </a:r>
+                      <a:endParaRPr lang="ko-KR" altLang="en-US" sz="1600" dirty="0">
+                        <a:latin typeface="맑은 고딕" charset="0"/>
+                        <a:ea typeface="맑은 고딕" charset="0"/>
+                        <a:cs typeface="Times New Roman" charset="0"/>
+                      </a:endParaRPr>
+                    </a:p>
+                  </a:txBody>
+                  <a:tcPr/>
+                </a:tc>
+                <a:extLst>
+                  <a:ext uri="{0D108BD9-81ED-4DB2-BD59-A6C34878D82A}">
+                    <a16:rowId xmlns:a16="http://schemas.microsoft.com/office/drawing/2014/main" val="728689"/>
+                  </a:ext>
+                </a:extLst>
+              </a:tr>
+            </a:tbl>
+          </a:graphicData>
+        </a:graphic>
+      </p:graphicFrame>
+      <p:graphicFrame>
+        <p:nvGraphicFramePr>
+          <p:cNvPr id="10" name="표 4">
+            <a:extLst>
+              <a:ext uri="{FF2B5EF4-FFF2-40B4-BE49-F238E27FC236}">
+                <a16:creationId xmlns:a16="http://schemas.microsoft.com/office/drawing/2014/main" id="{44D703D4-3D1A-4089-9FE4-E65A48A7414E}"/>
+              </a:ext>
+            </a:extLst>
+          </p:cNvPr>
+          <p:cNvGraphicFramePr>
+            <a:graphicFrameLocks noGrp="1"/>
+          </p:cNvGraphicFramePr>
+          <p:nvPr>
+            <p:extLst>
+              <p:ext uri="{D42A27DB-BD31-4B8C-83A1-F6EECF244321}">
+                <p14:modId xmlns:p14="http://schemas.microsoft.com/office/powerpoint/2010/main" val="1496227250"/>
+              </p:ext>
+            </p:extLst>
+          </p:nvPr>
+        </p:nvGraphicFramePr>
+        <p:xfrm>
+          <a:off x="192088" y="1070268"/>
+          <a:ext cx="11807825" cy="1548507"/>
+        </p:xfrm>
+        <a:graphic>
+          <a:graphicData uri="http://schemas.openxmlformats.org/drawingml/2006/table">
+            <a:tbl>
+              <a:tblPr firstRow="1" bandRow="1">
+                <a:tableStyleId>{5C22544A-7EE6-4342-B048-85BDC9FD1C3A}</a:tableStyleId>
+              </a:tblPr>
+              <a:tblGrid>
+                <a:gridCol w="11807825">
+                  <a:extLst>
+                    <a:ext uri="{9D8B030D-6E8A-4147-A177-3AD203B41FA5}">
+                      <a16:colId xmlns:a16="http://schemas.microsoft.com/office/drawing/2014/main" val="4084172700"/>
+                    </a:ext>
+                  </a:extLst>
+                </a:gridCol>
+              </a:tblGrid>
+              <a:tr h="399438">
+                <a:tc>
+                  <a:txBody>
+                    <a:bodyPr/>
+                    <a:lstStyle/>
+                    <a:p>
+                      <a:pPr latinLnBrk="1"/>
+                      <a:r>
+                        <a:rPr lang="ko-KR" altLang="en-US" dirty="0" err="1"/>
+                        <a:t>토벌단</a:t>
+                      </a:r>
+                      <a:endParaRPr lang="ko-KR" altLang="en-US" dirty="0"/>
+                    </a:p>
+                  </a:txBody>
+                  <a:tcPr/>
+                </a:tc>
+                <a:extLst>
+                  <a:ext uri="{0D108BD9-81ED-4DB2-BD59-A6C34878D82A}">
+                    <a16:rowId xmlns:a16="http://schemas.microsoft.com/office/drawing/2014/main" val="704871238"/>
+                  </a:ext>
+                </a:extLst>
+              </a:tr>
+              <a:tr h="1149069">
+                <a:tc>
+                  <a:txBody>
+                    <a:bodyPr/>
+                    <a:lstStyle/>
+                    <a:p>
+                      <a:pPr marL="0" marR="0" lvl="0" indent="0" algn="l" defTabSz="914400" rtl="0" eaLnBrk="1" fontAlgn="auto" latinLnBrk="1" hangingPunct="1">
+                        <a:lnSpc>
+                          <a:spcPct val="100000"/>
+                        </a:lnSpc>
+                        <a:spcBef>
+                          <a:spcPts val="0"/>
+                        </a:spcBef>
+                        <a:spcAft>
+                          <a:spcPts val="0"/>
+                        </a:spcAft>
+                        <a:buClrTx/>
+                        <a:buSzTx/>
+                        <a:buFontTx/>
+                        <a:buNone/>
+                        <a:tabLst/>
+                        <a:defRPr/>
+                      </a:pPr>
+                      <a:r>
+                        <a:rPr lang="ko-KR" altLang="en-US" sz="1600" dirty="0">
+                          <a:latin typeface="맑은 고딕" charset="0"/>
+                          <a:ea typeface="맑은 고딕" charset="0"/>
+                        </a:rPr>
+                        <a:t>현재 </a:t>
+                      </a:r>
+                      <a:r>
+                        <a:rPr lang="ko-KR" altLang="ko-KR" sz="1600" dirty="0">
+                          <a:latin typeface="맑은 고딕" charset="0"/>
+                          <a:ea typeface="맑은 고딕" charset="0"/>
+                        </a:rPr>
+                        <a:t>무림 세력</a:t>
+                      </a:r>
+                      <a:r>
+                        <a:rPr lang="ko-KR" altLang="en-US" sz="1600" dirty="0">
+                          <a:latin typeface="맑은 고딕" charset="0"/>
+                          <a:ea typeface="맑은 고딕" charset="0"/>
+                        </a:rPr>
+                        <a:t>은 전쟁으로 세력이 크게</a:t>
+                      </a:r>
+                      <a:r>
+                        <a:rPr lang="ko-KR" altLang="ko-KR" sz="1600" dirty="0">
+                          <a:latin typeface="맑은 고딕" charset="0"/>
+                          <a:ea typeface="맑은 고딕" charset="0"/>
+                        </a:rPr>
+                        <a:t> 약화</a:t>
+                      </a:r>
+                      <a:r>
+                        <a:rPr lang="ko-KR" altLang="en-US" sz="1600" dirty="0">
+                          <a:latin typeface="맑은 고딕" charset="0"/>
+                          <a:ea typeface="맑은 고딕" charset="0"/>
+                        </a:rPr>
+                        <a:t>되어 괴물을 상대할 여력이 없고 군대는 이웃 나라에서 반란이 일어나 국경에 많은 병력을 집중하여 괴물 토벌에 많은 수의 병사를 배치할 수 없는 상황이다</a:t>
+                      </a:r>
+                      <a:r>
+                        <a:rPr lang="en-US" altLang="ko-KR" sz="1600" dirty="0">
+                          <a:latin typeface="맑은 고딕" charset="0"/>
+                          <a:ea typeface="맑은 고딕" charset="0"/>
+                        </a:rPr>
+                        <a:t>.</a:t>
+                      </a:r>
+                      <a:r>
+                        <a:rPr lang="ko-KR" altLang="en-US" sz="1600" dirty="0">
+                          <a:latin typeface="맑은 고딕" charset="0"/>
+                          <a:ea typeface="맑은 고딕" charset="0"/>
+                          <a:cs typeface="Times New Roman" charset="0"/>
+                        </a:rPr>
+                        <a:t>괴물들을 처리하던 가장 큰 </a:t>
+                      </a:r>
+                      <a:r>
+                        <a:rPr lang="en-US" altLang="ko-KR" sz="1600" dirty="0">
+                          <a:latin typeface="맑은 고딕" charset="0"/>
+                          <a:ea typeface="맑은 고딕" charset="0"/>
+                          <a:cs typeface="Times New Roman" charset="0"/>
+                        </a:rPr>
+                        <a:t>2</a:t>
+                      </a:r>
+                      <a:r>
+                        <a:rPr lang="ko-KR" altLang="en-US" sz="1600" dirty="0">
+                          <a:latin typeface="맑은 고딕" charset="0"/>
+                          <a:ea typeface="맑은 고딕" charset="0"/>
+                          <a:cs typeface="Times New Roman" charset="0"/>
+                        </a:rPr>
+                        <a:t>개의 세력들의 개입이 없어져 현재 나라에 괴물들이 창궐하여 전국 곳곳에서 괴물들로 인한 사건</a:t>
+                      </a:r>
+                      <a:r>
+                        <a:rPr lang="en-US" altLang="ko-KR" sz="1600" dirty="0">
+                          <a:latin typeface="맑은 고딕" charset="0"/>
+                          <a:ea typeface="맑은 고딕" charset="0"/>
+                          <a:cs typeface="Times New Roman" charset="0"/>
+                        </a:rPr>
+                        <a:t>, </a:t>
+                      </a:r>
+                      <a:r>
+                        <a:rPr lang="ko-KR" altLang="en-US" sz="1600" dirty="0">
+                          <a:latin typeface="맑은 고딕" charset="0"/>
+                          <a:ea typeface="맑은 고딕" charset="0"/>
+                          <a:cs typeface="Times New Roman" charset="0"/>
+                        </a:rPr>
+                        <a:t>사고의 숫자가 크게 늘어나 백성들과 일부 무림 세력들이 힘을 모아 괴물들을 상대하기 위한 사냥꾼 단체 토벌단을 만들었다</a:t>
+                      </a:r>
+                      <a:r>
+                        <a:rPr lang="en-US" altLang="ko-KR" sz="1600" dirty="0">
+                          <a:latin typeface="맑은 고딕" charset="0"/>
+                          <a:ea typeface="맑은 고딕" charset="0"/>
+                          <a:cs typeface="Times New Roman" charset="0"/>
+                        </a:rPr>
+                        <a:t>.</a:t>
+                      </a:r>
+                      <a:endParaRPr lang="ko-KR" altLang="en-US" sz="1600" dirty="0">
+                        <a:latin typeface="맑은 고딕" charset="0"/>
+                        <a:ea typeface="맑은 고딕" charset="0"/>
+                        <a:cs typeface="Times New Roman" charset="0"/>
+                      </a:endParaRPr>
+                    </a:p>
+                  </a:txBody>
+                  <a:tcPr/>
+                </a:tc>
+                <a:extLst>
+                  <a:ext uri="{0D108BD9-81ED-4DB2-BD59-A6C34878D82A}">
+                    <a16:rowId xmlns:a16="http://schemas.microsoft.com/office/drawing/2014/main" val="728689"/>
+                  </a:ext>
+                </a:extLst>
+              </a:tr>
+            </a:tbl>
+          </a:graphicData>
+        </a:graphic>
+      </p:graphicFrame>
     </p:spTree>
   </p:cSld>
   <p:clrMapOvr>
@@ -8539,7 +9591,7 @@
               <a:buNone/>
             </a:pPr>
             <a:r>
-              <a:rPr lang="ko-KR" altLang="en-US" sz="3600" b="1">
+              <a:rPr lang="en-US" altLang="ko-KR" sz="3600" b="1" dirty="0">
                 <a:solidFill>
                   <a:schemeClr val="accent1">
                     <a:lumMod val="50000"/>
@@ -8548,7 +9600,19 @@
                 <a:latin typeface="나눔스퀘어 ExtraBold" charset="0"/>
                 <a:ea typeface="나눔스퀘어 ExtraBold" charset="0"/>
               </a:rPr>
-              <a:t>6.시스템 정립</a:t>
+              <a:t>5</a:t>
+            </a:r>
+            <a:r>
+              <a:rPr lang="ko-KR" altLang="en-US" sz="3600" b="1" dirty="0">
+                <a:solidFill>
+                  <a:schemeClr val="accent1">
+                    <a:lumMod val="50000"/>
+                  </a:schemeClr>
+                </a:solidFill>
+                <a:latin typeface="나눔스퀘어 ExtraBold" charset="0"/>
+                <a:ea typeface="나눔스퀘어 ExtraBold" charset="0"/>
+              </a:rPr>
+              <a:t>.컨텐츠 정립</a:t>
             </a:r>
           </a:p>
         </p:txBody>
@@ -8634,11 +9698,11 @@
       </p:sp>
       <p:sp>
         <p:nvSpPr>
-          <p:cNvPr id="11" name="실행 단추: 문서 10">
+          <p:cNvPr id="8" name="실행 단추: 문서 7">
             <a:hlinkClick r:id="rId2" action="ppaction://hlinksldjump" highlightClick="1"/>
             <a:extLst>
               <a:ext uri="{FF2B5EF4-FFF2-40B4-BE49-F238E27FC236}">
-                <a16:creationId xmlns:a16="http://schemas.microsoft.com/office/drawing/2014/main" id="{941A732E-0533-4074-A3A3-B82EDAD517CB}"/>
+                <a16:creationId xmlns:a16="http://schemas.microsoft.com/office/drawing/2014/main" id="{E79EFE45-9EDC-4459-B815-4422F9B6F4AD}"/>
               </a:ext>
             </a:extLst>
           </p:cNvPr>
@@ -8678,50 +9742,27 @@
           <a:lstStyle/>
           <a:p>
             <a:pPr algn="ctr"/>
-            <a:endParaRPr lang="ko-KR" altLang="en-US"/>
-          </a:p>
-        </p:txBody>
-      </p:sp>
-      <p:sp>
-        <p:nvSpPr>
-          <p:cNvPr id="12" name="TextBox 11">
-            <a:extLst>
-              <a:ext uri="{FF2B5EF4-FFF2-40B4-BE49-F238E27FC236}">
-                <a16:creationId xmlns:a16="http://schemas.microsoft.com/office/drawing/2014/main" id="{9B48C64C-4899-41BC-A1AF-BA9864261140}"/>
-              </a:ext>
-            </a:extLst>
-          </p:cNvPr>
-          <p:cNvSpPr txBox="1"/>
-          <p:nvPr/>
-        </p:nvSpPr>
-        <p:spPr>
-          <a:xfrm>
-            <a:off x="11353800" y="6637336"/>
-            <a:ext cx="646113" cy="215444"/>
-          </a:xfrm>
-          <a:prstGeom prst="rect">
-            <a:avLst/>
-          </a:prstGeom>
-          <a:noFill/>
-        </p:spPr>
-        <p:txBody>
-          <a:bodyPr wrap="square" rtlCol="0">
-            <a:spAutoFit/>
-          </a:bodyPr>
-          <a:lstStyle/>
-          <a:p>
+            <a:endParaRPr lang="en-US" altLang="ko-KR" sz="800" dirty="0"/>
+          </a:p>
+          <a:p>
+            <a:pPr algn="ctr"/>
+            <a:endParaRPr lang="en-US" altLang="ko-KR" sz="800" dirty="0"/>
+          </a:p>
+          <a:p>
+            <a:pPr algn="ctr"/>
             <a:r>
-              <a:rPr lang="ko-KR" altLang="en-US" sz="800" dirty="0">
-                <a:solidFill>
-                  <a:schemeClr val="bg1"/>
-                </a:solidFill>
-              </a:rPr>
+              <a:rPr lang="ko-KR" altLang="en-US" sz="800" dirty="0"/>
               <a:t>문서 개요</a:t>
             </a:r>
           </a:p>
         </p:txBody>
       </p:sp>
     </p:spTree>
+    <p:extLst>
+      <p:ext uri="{BB962C8B-B14F-4D97-AF65-F5344CB8AC3E}">
+        <p14:creationId xmlns:p14="http://schemas.microsoft.com/office/powerpoint/2010/main" val="2276641823"/>
+      </p:ext>
+    </p:extLst>
   </p:cSld>
   <p:clrMapOvr>
     <a:masterClrMapping/>
@@ -8798,7 +9839,7 @@
         </p:nvSpPr>
         <p:spPr>
           <a:xfrm flipH="1">
-            <a:off x="192088" y="305679"/>
+            <a:off x="192088" y="335280"/>
             <a:ext cx="3764915" cy="645795"/>
           </a:xfrm>
           <a:prstGeom prst="rect">
@@ -8817,7 +9858,7 @@
               <a:buNone/>
             </a:pPr>
             <a:r>
-              <a:rPr lang="ko-KR" altLang="en-US" sz="3600" b="1" dirty="0">
+              <a:rPr lang="ko-KR" altLang="en-US" sz="3600" b="1">
                 <a:solidFill>
                   <a:schemeClr val="accent1">
                     <a:lumMod val="50000"/>
@@ -8826,14 +9867,14 @@
                 <a:latin typeface="나눔스퀘어 ExtraBold" charset="0"/>
                 <a:ea typeface="나눔스퀘어 ExtraBold" charset="0"/>
               </a:rPr>
-              <a:t>7.유료화 모델</a:t>
+              <a:t>6.시스템 정립</a:t>
             </a:r>
           </a:p>
         </p:txBody>
       </p:sp>
       <p:sp>
         <p:nvSpPr>
-          <p:cNvPr id="7" name="텍스트 상자 28"/>
+          <p:cNvPr id="7" name="텍스트 상자 27"/>
           <p:cNvSpPr txBox="1">
             <a:spLocks/>
           </p:cNvSpPr>
@@ -8841,8 +9882,8 @@
         </p:nvSpPr>
         <p:spPr>
           <a:xfrm>
-            <a:off x="192088" y="981075"/>
-            <a:ext cx="11807825" cy="364972"/>
+            <a:off x="312420" y="981075"/>
+            <a:ext cx="11687493" cy="364972"/>
           </a:xfrm>
           <a:prstGeom prst="rect">
             <a:avLst/>
@@ -8886,7 +9927,7 @@
           <p:cNvPr id="2" name="슬라이드 번호 개체 틀 1">
             <a:extLst>
               <a:ext uri="{FF2B5EF4-FFF2-40B4-BE49-F238E27FC236}">
-                <a16:creationId xmlns:a16="http://schemas.microsoft.com/office/drawing/2014/main" id="{31DCF911-0AE4-4745-B7E1-08FF6AABF44F}"/>
+                <a16:creationId xmlns:a16="http://schemas.microsoft.com/office/drawing/2014/main" id="{12097A5C-65DA-42A1-9F6D-09DE0D179DE5}"/>
               </a:ext>
             </a:extLst>
           </p:cNvPr>
@@ -8912,11 +9953,11 @@
       </p:sp>
       <p:sp>
         <p:nvSpPr>
-          <p:cNvPr id="11" name="실행 단추: 문서 10">
+          <p:cNvPr id="8" name="실행 단추: 문서 7">
             <a:hlinkClick r:id="rId2" action="ppaction://hlinksldjump" highlightClick="1"/>
             <a:extLst>
               <a:ext uri="{FF2B5EF4-FFF2-40B4-BE49-F238E27FC236}">
-                <a16:creationId xmlns:a16="http://schemas.microsoft.com/office/drawing/2014/main" id="{D22265AE-D597-4C27-8130-EBED6E94F753}"/>
+                <a16:creationId xmlns:a16="http://schemas.microsoft.com/office/drawing/2014/main" id="{B5112F00-038E-45A9-9EF4-2253F2E230F8}"/>
               </a:ext>
             </a:extLst>
           </p:cNvPr>
@@ -8956,26 +9997,100 @@
           <a:lstStyle/>
           <a:p>
             <a:pPr algn="ctr"/>
-            <a:endParaRPr lang="ko-KR" altLang="en-US"/>
+            <a:endParaRPr lang="en-US" altLang="ko-KR" sz="800" dirty="0"/>
+          </a:p>
+          <a:p>
+            <a:pPr algn="ctr"/>
+            <a:endParaRPr lang="en-US" altLang="ko-KR" sz="800" dirty="0"/>
+          </a:p>
+          <a:p>
+            <a:pPr algn="ctr"/>
+            <a:r>
+              <a:rPr lang="ko-KR" altLang="en-US" sz="800" dirty="0"/>
+              <a:t>문서 개요</a:t>
+            </a:r>
           </a:p>
         </p:txBody>
       </p:sp>
+    </p:spTree>
+  </p:cSld>
+  <p:clrMapOvr>
+    <a:masterClrMapping/>
+  </p:clrMapOvr>
+  <mc:AlternateContent xmlns:mc="http://schemas.openxmlformats.org/markup-compatibility/2006" xmlns:p159="http://schemas.microsoft.com/office/powerpoint/2015/09/main">
+    <mc:Choice Requires="p159">
+      <p:transition xmlns:p14="http://schemas.microsoft.com/office/powerpoint/2010/main" spd="slow" p14:dur="2000">
+        <p159:morph option="byObject"/>
+      </p:transition>
+    </mc:Choice>
+    <mc:Fallback xmlns="">
+      <p:transition spd="slow">
+        <p:fade/>
+      </p:transition>
+    </mc:Fallback>
+  </mc:AlternateContent>
+</p:sld>
+</file>
+
+<file path=ppt/slides/slide9.xml><?xml version="1.0" encoding="utf-8"?>
+<p:sld xmlns:a="http://schemas.openxmlformats.org/drawingml/2006/main" xmlns:r="http://schemas.openxmlformats.org/officeDocument/2006/relationships" xmlns:p="http://schemas.openxmlformats.org/presentationml/2006/main">
+  <p:cSld>
+    <p:spTree>
+      <p:nvGrpSpPr>
+        <p:cNvPr id="1" name=""/>
+        <p:cNvGrpSpPr/>
+        <p:nvPr/>
+      </p:nvGrpSpPr>
+      <p:grpSpPr>
+        <a:xfrm>
+          <a:off x="0" y="0"/>
+          <a:ext cx="0" cy="0"/>
+          <a:chOff x="0" y="0"/>
+          <a:chExt cx="0" cy="0"/>
+        </a:xfrm>
+      </p:grpSpPr>
+      <p:cxnSp>
+        <p:nvCxnSpPr>
+          <p:cNvPr id="4" name="Rect 0"/>
+          <p:cNvCxnSpPr/>
+          <p:nvPr/>
+        </p:nvCxnSpPr>
+        <p:spPr>
+          <a:xfrm>
+            <a:off x="0" y="975360"/>
+            <a:ext cx="12192635" cy="635"/>
+          </a:xfrm>
+          <a:prstGeom prst="line">
+            <a:avLst/>
+          </a:prstGeom>
+        </p:spPr>
+        <p:style>
+          <a:lnRef idx="1">
+            <a:schemeClr val="accent1"/>
+          </a:lnRef>
+          <a:fillRef idx="0">
+            <a:schemeClr val="accent1"/>
+          </a:fillRef>
+          <a:effectRef idx="0">
+            <a:schemeClr val="accent1"/>
+          </a:effectRef>
+          <a:fontRef idx="minor">
+            <a:schemeClr val="tx1"/>
+          </a:fontRef>
+        </p:style>
+      </p:cxnSp>
       <p:sp>
         <p:nvSpPr>
-          <p:cNvPr id="12" name="TextBox 11">
-            <a:extLst>
-              <a:ext uri="{FF2B5EF4-FFF2-40B4-BE49-F238E27FC236}">
-                <a16:creationId xmlns:a16="http://schemas.microsoft.com/office/drawing/2014/main" id="{42982CE4-A621-403C-8C04-912F9FA87386}"/>
-              </a:ext>
-            </a:extLst>
-          </p:cNvPr>
-          <p:cNvSpPr txBox="1"/>
+          <p:cNvPr id="6" name="Rect 0"/>
+          <p:cNvSpPr txBox="1">
+            <a:spLocks/>
+          </p:cNvSpPr>
           <p:nvPr/>
         </p:nvSpPr>
         <p:spPr>
-          <a:xfrm>
-            <a:off x="11353800" y="6637336"/>
-            <a:ext cx="646113" cy="215444"/>
+          <a:xfrm flipH="1">
+            <a:off x="192088" y="305679"/>
+            <a:ext cx="3764915" cy="645795"/>
           </a:xfrm>
           <a:prstGeom prst="rect">
             <a:avLst/>
@@ -8983,17 +10098,165 @@
           <a:noFill/>
         </p:spPr>
         <p:txBody>
-          <a:bodyPr wrap="square" rtlCol="0">
+          <a:bodyPr vert="horz" wrap="square" lIns="91440" tIns="45720" rIns="91440" bIns="45720" numCol="1" anchor="t">
             <a:spAutoFit/>
           </a:bodyPr>
           <a:lstStyle/>
           <a:p>
+            <a:pPr marL="0" indent="0" latinLnBrk="0">
+              <a:buFontTx/>
+              <a:buNone/>
+            </a:pPr>
             <a:r>
-              <a:rPr lang="ko-KR" altLang="en-US" sz="800" dirty="0">
+              <a:rPr lang="ko-KR" altLang="en-US" sz="3600" b="1" dirty="0">
                 <a:solidFill>
-                  <a:schemeClr val="bg1"/>
+                  <a:schemeClr val="accent1">
+                    <a:lumMod val="50000"/>
+                  </a:schemeClr>
                 </a:solidFill>
+                <a:latin typeface="나눔스퀘어 ExtraBold" charset="0"/>
+                <a:ea typeface="나눔스퀘어 ExtraBold" charset="0"/>
               </a:rPr>
+              <a:t>7.유료화 모델</a:t>
+            </a:r>
+          </a:p>
+        </p:txBody>
+      </p:sp>
+      <p:sp>
+        <p:nvSpPr>
+          <p:cNvPr id="7" name="텍스트 상자 28"/>
+          <p:cNvSpPr txBox="1">
+            <a:spLocks/>
+          </p:cNvSpPr>
+          <p:nvPr/>
+        </p:nvSpPr>
+        <p:spPr>
+          <a:xfrm>
+            <a:off x="192088" y="981075"/>
+            <a:ext cx="11807825" cy="364972"/>
+          </a:xfrm>
+          <a:prstGeom prst="rect">
+            <a:avLst/>
+          </a:prstGeom>
+          <a:noFill/>
+        </p:spPr>
+        <p:txBody>
+          <a:bodyPr vert="horz" wrap="square" lIns="91440" tIns="45720" rIns="91440" bIns="45720" numCol="1" anchor="t">
+            <a:spAutoFit/>
+          </a:bodyPr>
+          <a:lstStyle/>
+          <a:p>
+            <a:pPr marL="0" indent="0" algn="just" latinLnBrk="1">
+              <a:lnSpc>
+                <a:spcPct val="107000"/>
+              </a:lnSpc>
+              <a:spcAft>
+                <a:spcPts val="800"/>
+              </a:spcAft>
+              <a:buFontTx/>
+              <a:buNone/>
+            </a:pPr>
+            <a:r>
+              <a:rPr lang="ko-KR" altLang="ko-KR" sz="1800">
+                <a:latin typeface="맑은 고딕" charset="0"/>
+                <a:ea typeface="맑은 고딕" charset="0"/>
+                <a:cs typeface="Times New Roman" charset="0"/>
+              </a:rPr>
+              <a:t>텍스트</a:t>
+            </a:r>
+            <a:endParaRPr lang="ko-KR" altLang="en-US" sz="1800">
+              <a:latin typeface="맑은 고딕" charset="0"/>
+              <a:ea typeface="맑은 고딕" charset="0"/>
+              <a:cs typeface="Times New Roman" charset="0"/>
+            </a:endParaRPr>
+          </a:p>
+        </p:txBody>
+      </p:sp>
+      <p:sp>
+        <p:nvSpPr>
+          <p:cNvPr id="2" name="슬라이드 번호 개체 틀 1">
+            <a:extLst>
+              <a:ext uri="{FF2B5EF4-FFF2-40B4-BE49-F238E27FC236}">
+                <a16:creationId xmlns:a16="http://schemas.microsoft.com/office/drawing/2014/main" id="{31DCF911-0AE4-4745-B7E1-08FF6AABF44F}"/>
+              </a:ext>
+            </a:extLst>
+          </p:cNvPr>
+          <p:cNvSpPr>
+            <a:spLocks noGrp="1"/>
+          </p:cNvSpPr>
+          <p:nvPr>
+            <p:ph type="sldNum" sz="quarter" idx="12"/>
+          </p:nvPr>
+        </p:nvSpPr>
+        <p:spPr/>
+        <p:txBody>
+          <a:bodyPr/>
+          <a:lstStyle/>
+          <a:p>
+            <a:fld id="{E887A479-1FB4-4076-82AD-4520E3445CF4}" type="slidenum">
+              <a:rPr lang="ko-KR" altLang="en-US" smtClean="0"/>
+              <a:t>9</a:t>
+            </a:fld>
+            <a:endParaRPr lang="ko-KR" altLang="en-US"/>
+          </a:p>
+        </p:txBody>
+      </p:sp>
+      <p:sp>
+        <p:nvSpPr>
+          <p:cNvPr id="8" name="실행 단추: 문서 7">
+            <a:hlinkClick r:id="rId2" action="ppaction://hlinksldjump" highlightClick="1"/>
+            <a:extLst>
+              <a:ext uri="{FF2B5EF4-FFF2-40B4-BE49-F238E27FC236}">
+                <a16:creationId xmlns:a16="http://schemas.microsoft.com/office/drawing/2014/main" id="{8D35763B-1845-4045-83E3-3478275AE03A}"/>
+              </a:ext>
+            </a:extLst>
+          </p:cNvPr>
+          <p:cNvSpPr/>
+          <p:nvPr/>
+        </p:nvSpPr>
+        <p:spPr>
+          <a:xfrm>
+            <a:off x="11353800" y="6416674"/>
+            <a:ext cx="646113" cy="441325"/>
+          </a:xfrm>
+          <a:prstGeom prst="actionButtonDocument">
+            <a:avLst/>
+          </a:prstGeom>
+          <a:ln>
+            <a:noFill/>
+          </a:ln>
+        </p:spPr>
+        <p:style>
+          <a:lnRef idx="2">
+            <a:schemeClr val="accent1">
+              <a:shade val="50000"/>
+            </a:schemeClr>
+          </a:lnRef>
+          <a:fillRef idx="1">
+            <a:schemeClr val="accent1"/>
+          </a:fillRef>
+          <a:effectRef idx="0">
+            <a:schemeClr val="accent1"/>
+          </a:effectRef>
+          <a:fontRef idx="minor">
+            <a:schemeClr val="lt1"/>
+          </a:fontRef>
+        </p:style>
+        <p:txBody>
+          <a:bodyPr rtlCol="0" anchor="ctr"/>
+          <a:lstStyle/>
+          <a:p>
+            <a:pPr algn="ctr"/>
+            <a:endParaRPr lang="en-US" altLang="ko-KR" sz="800" dirty="0"/>
+          </a:p>
+          <a:p>
+            <a:pPr algn="ctr"/>
+            <a:endParaRPr lang="en-US" altLang="ko-KR" sz="800" dirty="0"/>
+          </a:p>
+          <a:p>
+            <a:pPr algn="ctr"/>
+            <a:r>
+              <a:rPr lang="ko-KR" altLang="en-US" sz="800" dirty="0"/>
               <a:t>문서 개요</a:t>
             </a:r>
           </a:p>

--- a/기획/메인 기획서.pptx
+++ b/기획/메인 기획서.pptx
@@ -1,22 +1,22 @@
 
 <file path=ppt/presentation.xml><?xml version="1.0" encoding="utf-8"?>
-<p:presentation xmlns:a="http://schemas.openxmlformats.org/drawingml/2006/main" xmlns:r="http://schemas.openxmlformats.org/officeDocument/2006/relationships" xmlns:p="http://schemas.openxmlformats.org/presentationml/2006/main" showSpecialPlsOnTitleSld="0" saveSubsetFonts="1">
+<p:presentation xmlns:a="http://schemas.openxmlformats.org/drawingml/2006/main" xmlns:r="http://schemas.openxmlformats.org/officeDocument/2006/relationships" xmlns:p="http://schemas.openxmlformats.org/presentationml/2006/main" xmlns:p14="http://schemas.microsoft.com/office/powerpoint/2010/main" showSpecialPlsOnTitleSld="0" saveSubsetFonts="1">
   <p:sldMasterIdLst>
-    <p:sldMasterId id="2147483673" r:id="rId1"/>
+    <p:sldMasterId id="2147483678" r:id="rId14"/>
   </p:sldMasterIdLst>
   <p:notesMasterIdLst>
-    <p:notesMasterId r:id="rId11"/>
+    <p:notesMasterId r:id="rId16"/>
   </p:notesMasterIdLst>
   <p:sldIdLst>
-    <p:sldId id="278" r:id="rId2"/>
-    <p:sldId id="279" r:id="rId3"/>
-    <p:sldId id="285" r:id="rId4"/>
-    <p:sldId id="287" r:id="rId5"/>
-    <p:sldId id="292" r:id="rId6"/>
-    <p:sldId id="288" r:id="rId7"/>
-    <p:sldId id="293" r:id="rId8"/>
-    <p:sldId id="290" r:id="rId9"/>
-    <p:sldId id="291" r:id="rId10"/>
+    <p:sldId id="278" r:id="rId18"/>
+    <p:sldId id="279" r:id="rId19"/>
+    <p:sldId id="285" r:id="rId20"/>
+    <p:sldId id="287" r:id="rId21"/>
+    <p:sldId id="292" r:id="rId22"/>
+    <p:sldId id="288" r:id="rId23"/>
+    <p:sldId id="293" r:id="rId24"/>
+    <p:sldId id="290" r:id="rId25"/>
+    <p:sldId id="291" r:id="rId26"/>
   </p:sldIdLst>
   <p:sldSz cx="12192000" cy="6858000"/>
   <p:notesSz cx="6858000" cy="9144000"/>
@@ -118,32 +118,42 @@
   <p:extLst>
     <p:ext uri="{EFAFB233-063F-42B5-8137-9DF3F51BA10A}">
       <p15:sldGuideLst xmlns:p15="http://schemas.microsoft.com/office/powerpoint/2012/main">
-        <p15:guide id="1" orient="horz" pos="2160" userDrawn="1">
+        <p15:guide id="1" orient="horz" pos="2157" userDrawn="1">
           <p15:clr>
             <a:srgbClr val="A4A3A4"/>
           </p15:clr>
         </p15:guide>
-        <p15:guide id="2" pos="3840" userDrawn="1">
+        <p15:guide id="2" pos="3837" userDrawn="1">
           <p15:clr>
             <a:srgbClr val="A4A3A4"/>
           </p15:clr>
         </p15:guide>
-        <p15:guide id="3" pos="121" userDrawn="1">
+        <p15:guide id="3" pos="118" userDrawn="1">
           <p15:clr>
             <a:srgbClr val="A4A3A4"/>
           </p15:clr>
         </p15:guide>
-        <p15:guide id="4" orient="horz" pos="618" userDrawn="1">
+        <p15:guide id="4" orient="horz" pos="615" userDrawn="1">
           <p15:clr>
             <a:srgbClr val="A4A3A4"/>
           </p15:clr>
         </p15:guide>
-        <p15:guide id="5" pos="7559" userDrawn="1">
+        <p15:guide id="5" pos="7556" userDrawn="1">
           <p15:clr>
             <a:srgbClr val="A4A3A4"/>
           </p15:clr>
         </p15:guide>
-        <p15:guide id="6" orient="horz" pos="4042" userDrawn="1">
+        <p15:guide id="6" orient="horz" pos="4039" userDrawn="1">
+          <p15:clr>
+            <a:srgbClr val="A4A3A4"/>
+          </p15:clr>
+        </p15:guide>
+        <p15:guide id="6" pos="3837" userDrawn="1">
+          <p15:clr>
+            <a:srgbClr val="A4A3A4"/>
+          </p15:clr>
+        </p15:guide>
+        <p15:guide id="7" pos="7556" userDrawn="1">
           <p15:clr>
             <a:srgbClr val="A4A3A4"/>
           </p15:clr>
@@ -152,18 +162,6 @@
     </p:ext>
   </p:extLst>
 </p:presentation>
-</file>
-
-<file path=ppt/commentAuthors.xml><?xml version="1.0" encoding="utf-8"?>
-<p:cmAuthorLst xmlns:a="http://schemas.openxmlformats.org/drawingml/2006/main" xmlns:r="http://schemas.openxmlformats.org/officeDocument/2006/relationships" xmlns:p="http://schemas.openxmlformats.org/presentationml/2006/main">
-  <p:cmAuthor id="1" name="User" initials="U" lastIdx="2" clrIdx="0">
-    <p:extLst>
-      <p:ext uri="{19B8F6BF-5375-455C-9EA6-DF929625EA0E}">
-        <p15:presenceInfo xmlns:p15="http://schemas.microsoft.com/office/powerpoint/2012/main" userId="User" providerId="None"/>
-      </p:ext>
-    </p:extLst>
-  </p:cmAuthor>
-</p:cmAuthorLst>
 </file>
 
 <file path=ppt/notesMasters/notesMaster1.xml><?xml version="1.0" encoding="utf-8"?>
@@ -6531,7 +6529,7 @@
 </file>
 
 <file path=ppt/slides/slide4.xml><?xml version="1.0" encoding="utf-8"?>
-<p:sld xmlns:a="http://schemas.openxmlformats.org/drawingml/2006/main" xmlns:r="http://schemas.openxmlformats.org/officeDocument/2006/relationships" xmlns:p="http://schemas.openxmlformats.org/presentationml/2006/main">
+<p:sld xmlns:a="http://schemas.openxmlformats.org/drawingml/2006/main" xmlns:r="http://schemas.openxmlformats.org/officeDocument/2006/relationships" xmlns:p="http://schemas.openxmlformats.org/presentationml/2006/main" xmlns:p14="http://schemas.microsoft.com/office/powerpoint/2010/main">
   <p:cSld>
     <p:spTree>
       <p:nvGrpSpPr>
@@ -6587,7 +6585,7 @@
         </p:nvSpPr>
         <p:spPr>
           <a:xfrm flipH="1">
-            <a:off x="203200" y="381952"/>
+            <a:off x="203200" y="381635"/>
             <a:ext cx="3764915" cy="645795"/>
           </a:xfrm>
           <a:prstGeom prst="rect">
@@ -6626,17 +6624,11 @@
           <p:cNvGraphicFramePr>
             <a:graphicFrameLocks noGrp="1"/>
           </p:cNvGraphicFramePr>
-          <p:nvPr>
-            <p:extLst>
-              <p:ext uri="{D42A27DB-BD31-4B8C-83A1-F6EECF244321}">
-                <p14:modId xmlns:p14="http://schemas.microsoft.com/office/powerpoint/2010/main" val="3798587139"/>
-              </p:ext>
-            </p:extLst>
-          </p:nvPr>
+          <p:nvPr/>
         </p:nvGraphicFramePr>
         <p:xfrm>
-          <a:off x="192088" y="2592724"/>
-          <a:ext cx="11796713" cy="3496088"/>
+          <a:off x="192405" y="2592705"/>
+          <a:ext cx="11796395" cy="3501390"/>
         </p:xfrm>
         <a:graphic>
           <a:graphicData uri="http://schemas.openxmlformats.org/drawingml/2006/table">
@@ -6645,49 +6637,51 @@
                 <a:tableStyleId>{5C22544A-7EE6-4342-B048-85BDC9FD1C3A}</a:tableStyleId>
               </a:tblPr>
               <a:tblGrid>
-                <a:gridCol w="986220">
-                  <a:extLst>
-                    <a:ext uri="{9D8B030D-6E8A-4147-A177-3AD203B41FA5}">
-                      <a16:colId xmlns:a16="http://schemas.microsoft.com/office/drawing/2014/main" val="20000"/>
-                    </a:ext>
-                  </a:extLst>
-                </a:gridCol>
-                <a:gridCol w="3177821">
-                  <a:extLst>
-                    <a:ext uri="{9D8B030D-6E8A-4147-A177-3AD203B41FA5}">
-                      <a16:colId xmlns:a16="http://schemas.microsoft.com/office/drawing/2014/main" val="20001"/>
-                    </a:ext>
-                  </a:extLst>
-                </a:gridCol>
-                <a:gridCol w="7632672">
-                  <a:extLst>
-                    <a:ext uri="{9D8B030D-6E8A-4147-A177-3AD203B41FA5}">
-                      <a16:colId xmlns:a16="http://schemas.microsoft.com/office/drawing/2014/main" val="20002"/>
-                    </a:ext>
-                  </a:extLst>
-                </a:gridCol>
+                <a:gridCol w="986155"/>
+                <a:gridCol w="3177540"/>
+                <a:gridCol w="7632700"/>
               </a:tblGrid>
-              <a:tr h="439458">
+              <a:tr h="439420">
                 <a:tc gridSpan="3">
                   <a:txBody>
                     <a:bodyPr/>
                     <a:lstStyle/>
                     <a:p>
-                      <a:pPr marL="0" lvl="1" indent="0" latinLnBrk="0" hangingPunct="1">
+                      <a:pPr marL="0" indent="0" latinLnBrk="0" hangingPunct="1" lvl="1">
                         <a:buFontTx/>
                         <a:buNone/>
                       </a:pPr>
                       <a:r>
-                        <a:rPr lang="ko-KR" sz="1800" b="1" i="0" kern="1200" dirty="0">
+                        <a:rPr lang="ko-KR" sz="1800" kern="1200" i="0" b="1">
                           <a:solidFill>
                             <a:schemeClr val="lt1"/>
                           </a:solidFill>
                           <a:latin typeface="맑은 고딕" charset="0"/>
                           <a:ea typeface="맑은 고딕" charset="0"/>
                         </a:rPr>
-                        <a:t>단계별 방향성</a:t>
-                      </a:r>
-                      <a:endParaRPr lang="ko-KR" altLang="en-US" sz="1800" b="1" i="0" kern="1200" dirty="0">
+                        <a:t>단계별</a:t>
+                      </a:r>
+                      <a:r>
+                        <a:rPr lang="ko-KR" sz="1800" kern="1200" i="0" b="1">
+                          <a:solidFill>
+                            <a:schemeClr val="lt1"/>
+                          </a:solidFill>
+                          <a:latin typeface="맑은 고딕" charset="0"/>
+                          <a:ea typeface="맑은 고딕" charset="0"/>
+                        </a:rPr>
+                        <a:t> </a:t>
+                      </a:r>
+                      <a:r>
+                        <a:rPr lang="ko-KR" sz="1800" kern="1200" i="0" b="1">
+                          <a:solidFill>
+                            <a:schemeClr val="lt1"/>
+                          </a:solidFill>
+                          <a:latin typeface="맑은 고딕" charset="0"/>
+                          <a:ea typeface="맑은 고딕" charset="0"/>
+                        </a:rPr>
+                        <a:t>방향성</a:t>
+                      </a:r>
+                      <a:endParaRPr lang="ko-KR" altLang="en-US" sz="1800" kern="1200" i="0" b="1">
                         <a:solidFill>
                           <a:schemeClr val="lt1"/>
                         </a:solidFill>
@@ -6696,46 +6690,41 @@
                       </a:endParaRPr>
                     </a:p>
                   </a:txBody>
-                  <a:tcPr marL="90170" marR="90170" marT="46990" marB="46990"/>
+                  <a:tcPr marL="90170" marR="90170" marT="46990" marB="46990" anchor="t"/>
                 </a:tc>
                 <a:tc hMerge="1">
                   <a:txBody>
                     <a:bodyPr/>
                     <a:lstStyle/>
                     <a:p>
+                      <a:pPr/>
                       <a:endParaRPr lang="ko-KR" altLang="en-US" kern="1200"/>
                     </a:p>
                   </a:txBody>
-                  <a:tcPr/>
                 </a:tc>
                 <a:tc hMerge="1">
                   <a:txBody>
                     <a:bodyPr/>
                     <a:lstStyle/>
                     <a:p>
+                      <a:pPr/>
                       <a:endParaRPr lang="ko-KR" altLang="en-US" kern="1200"/>
                     </a:p>
                   </a:txBody>
-                  <a:tcPr/>
                 </a:tc>
-                <a:extLst>
-                  <a:ext uri="{0D108BD9-81ED-4DB2-BD59-A6C34878D82A}">
-                    <a16:rowId xmlns:a16="http://schemas.microsoft.com/office/drawing/2014/main" val="10000"/>
-                  </a:ext>
-                </a:extLst>
               </a:tr>
-              <a:tr h="439458">
+              <a:tr h="439420">
                 <a:tc>
                   <a:txBody>
                     <a:bodyPr/>
                     <a:lstStyle/>
                     <a:p>
-                      <a:pPr marL="0" lvl="1" indent="0" algn="ctr" latinLnBrk="0" hangingPunct="1">
+                      <a:pPr marL="0" indent="0" algn="ctr" latinLnBrk="0" hangingPunct="1" lvl="1">
                         <a:buFontTx/>
                         <a:buNone/>
                       </a:pPr>
                       <a:r>
-                        <a:rPr lang="ko-KR" sz="1800" b="0" i="0" kern="1200" dirty="0">
+                        <a:rPr lang="ko-KR" sz="1800" kern="1200" i="0" b="0">
                           <a:solidFill>
                             <a:schemeClr val="dk1"/>
                           </a:solidFill>
@@ -6744,7 +6733,7 @@
                         </a:rPr>
                         <a:t>단계</a:t>
                       </a:r>
-                      <a:endParaRPr lang="ko-KR" altLang="en-US" sz="1800" b="0" i="0" kern="1200" dirty="0">
+                      <a:endParaRPr lang="ko-KR" altLang="en-US" sz="1800" kern="1200" i="0" b="0">
                         <a:solidFill>
                           <a:schemeClr val="dk1"/>
                         </a:solidFill>
@@ -6753,19 +6742,19 @@
                       </a:endParaRPr>
                     </a:p>
                   </a:txBody>
-                  <a:tcPr marL="90170" marR="90170" marT="46990" marB="46990"/>
+                  <a:tcPr marL="90170" marR="90170" marT="46990" marB="46990" anchor="t"/>
                 </a:tc>
                 <a:tc>
                   <a:txBody>
                     <a:bodyPr/>
                     <a:lstStyle/>
                     <a:p>
-                      <a:pPr marL="0" lvl="1" indent="0" algn="ctr" latinLnBrk="0" hangingPunct="1">
+                      <a:pPr marL="0" indent="0" algn="ctr" latinLnBrk="0" hangingPunct="1" lvl="1">
                         <a:buFontTx/>
                         <a:buNone/>
                       </a:pPr>
                       <a:r>
-                        <a:rPr sz="1800" b="0" i="0" kern="1200" dirty="0">
+                        <a:rPr sz="1800" kern="1200" i="0" b="0">
                           <a:solidFill>
                             <a:schemeClr val="dk1"/>
                           </a:solidFill>
@@ -6775,7 +6764,7 @@
                         <a:t>설</a:t>
                       </a:r>
                       <a:r>
-                        <a:rPr lang="ko-KR" sz="1800" b="0" i="0" kern="1200" dirty="0">
+                        <a:rPr lang="ko-KR" sz="1800" kern="1200" i="0" b="0">
                           <a:solidFill>
                             <a:schemeClr val="dk1"/>
                           </a:solidFill>
@@ -6784,7 +6773,7 @@
                         </a:rPr>
                         <a:t>명</a:t>
                       </a:r>
-                      <a:endParaRPr lang="ko-KR" altLang="en-US" sz="1800" b="0" i="0" kern="1200" dirty="0">
+                      <a:endParaRPr lang="ko-KR" altLang="en-US" sz="1800" kern="1200" i="0" b="0">
                         <a:solidFill>
                           <a:schemeClr val="dk1"/>
                         </a:solidFill>
@@ -6793,19 +6782,19 @@
                       </a:endParaRPr>
                     </a:p>
                   </a:txBody>
-                  <a:tcPr marL="90170" marR="90170" marT="46990" marB="46990"/>
+                  <a:tcPr marL="90170" marR="90170" marT="46990" marB="46990" anchor="t"/>
                 </a:tc>
                 <a:tc>
                   <a:txBody>
                     <a:bodyPr/>
                     <a:lstStyle/>
                     <a:p>
-                      <a:pPr marL="0" lvl="1" indent="0" algn="ctr" latinLnBrk="0" hangingPunct="1">
+                      <a:pPr marL="0" indent="0" algn="ctr" latinLnBrk="0" hangingPunct="1" lvl="1">
                         <a:buFontTx/>
                         <a:buNone/>
                       </a:pPr>
                       <a:r>
-                        <a:rPr sz="1800" b="0" i="0" kern="1200" dirty="0">
+                        <a:rPr sz="1800" kern="1200" i="0" b="0">
                           <a:solidFill>
                             <a:schemeClr val="dk1"/>
                           </a:solidFill>
@@ -6815,7 +6804,7 @@
                         <a:t>게</a:t>
                       </a:r>
                       <a:r>
-                        <a:rPr lang="ko-KR" sz="1800" b="0" i="0" kern="1200" dirty="0">
+                        <a:rPr lang="ko-KR" sz="1800" kern="1200" i="0" b="0">
                           <a:solidFill>
                             <a:schemeClr val="dk1"/>
                           </a:solidFill>
@@ -6824,7 +6813,7 @@
                         </a:rPr>
                         <a:t>임 요소</a:t>
                       </a:r>
-                      <a:endParaRPr lang="ko-KR" altLang="en-US" sz="1800" b="0" i="0" kern="1200" dirty="0">
+                      <a:endParaRPr lang="ko-KR" altLang="en-US" sz="1800" kern="1200" i="0" b="0">
                         <a:solidFill>
                           <a:schemeClr val="dk1"/>
                         </a:solidFill>
@@ -6833,26 +6822,21 @@
                       </a:endParaRPr>
                     </a:p>
                   </a:txBody>
-                  <a:tcPr marL="90170" marR="90170" marT="46990" marB="46990"/>
+                  <a:tcPr marL="90170" marR="90170" marT="46990" marB="46990" anchor="t"/>
                 </a:tc>
-                <a:extLst>
-                  <a:ext uri="{0D108BD9-81ED-4DB2-BD59-A6C34878D82A}">
-                    <a16:rowId xmlns:a16="http://schemas.microsoft.com/office/drawing/2014/main" val="10001"/>
-                  </a:ext>
-                </a:extLst>
               </a:tr>
-              <a:tr h="439458">
+              <a:tr h="439420">
                 <a:tc>
                   <a:txBody>
                     <a:bodyPr/>
                     <a:lstStyle/>
                     <a:p>
-                      <a:pPr marL="0" lvl="1" indent="0" latinLnBrk="0" hangingPunct="1">
+                      <a:pPr marL="0" indent="0" latinLnBrk="0" hangingPunct="1" lvl="1">
                         <a:buFontTx/>
                         <a:buNone/>
                       </a:pPr>
                       <a:r>
-                        <a:rPr lang="ko-KR" sz="1800" b="0" i="0" kern="1200" dirty="0">
+                        <a:rPr lang="ko-KR" sz="1800" kern="1200" i="0" b="0">
                           <a:solidFill>
                             <a:schemeClr val="dk1"/>
                           </a:solidFill>
@@ -6862,7 +6846,7 @@
                         <a:t>초</a:t>
                       </a:r>
                       <a:r>
-                        <a:rPr lang="ko-KR" altLang="en-US" sz="1800" b="0" i="0" kern="1200" dirty="0">
+                        <a:rPr lang="ko-KR" altLang="en-US" sz="1800" kern="1200" i="0" b="0">
                           <a:solidFill>
                             <a:schemeClr val="dk1"/>
                           </a:solidFill>
@@ -6871,30 +6855,7 @@
                         </a:rPr>
                         <a:t>반</a:t>
                       </a:r>
-                    </a:p>
-                  </a:txBody>
-                  <a:tcPr marL="90170" marR="90170" marT="46990" marB="46990" anchor="ctr"/>
-                </a:tc>
-                <a:tc>
-                  <a:txBody>
-                    <a:bodyPr/>
-                    <a:lstStyle/>
-                    <a:p>
-                      <a:pPr marL="0" lvl="1" indent="0" latinLnBrk="0" hangingPunct="1">
-                        <a:buFontTx/>
-                        <a:buNone/>
-                      </a:pPr>
-                      <a:r>
-                        <a:rPr lang="ko-KR" sz="1800" b="0" i="0" kern="1200" dirty="0">
-                          <a:solidFill>
-                            <a:schemeClr val="dk1"/>
-                          </a:solidFill>
-                          <a:latin typeface="맑은 고딕" charset="0"/>
-                          <a:ea typeface="맑은 고딕" charset="0"/>
-                        </a:rPr>
-                        <a:t>캐릭터 생성 및 조작법 숙지</a:t>
-                      </a:r>
-                      <a:endParaRPr lang="ko-KR" altLang="en-US" sz="1800" b="0" i="0" kern="1200" dirty="0">
+                      <a:endParaRPr lang="ko-KR" altLang="en-US" sz="1800" kern="1200" i="0" b="0">
                         <a:solidFill>
                           <a:schemeClr val="dk1"/>
                         </a:solidFill>
@@ -6910,31 +6871,21 @@
                     <a:bodyPr/>
                     <a:lstStyle/>
                     <a:p>
-                      <a:pPr marL="0" lvl="1" indent="0" latinLnBrk="0" hangingPunct="1">
+                      <a:pPr marL="0" indent="0" latinLnBrk="0" hangingPunct="1" lvl="1">
                         <a:buFontTx/>
                         <a:buNone/>
                       </a:pPr>
                       <a:r>
-                        <a:rPr sz="1800" b="0" i="0" kern="1200" dirty="0" err="1">
+                        <a:rPr lang="ko-KR" sz="1800" kern="1200" i="0" b="0">
                           <a:solidFill>
                             <a:schemeClr val="dk1"/>
                           </a:solidFill>
                           <a:latin typeface="맑은 고딕" charset="0"/>
                           <a:ea typeface="맑은 고딕" charset="0"/>
                         </a:rPr>
-                        <a:t>캐릭</a:t>
-                      </a:r>
-                      <a:r>
-                        <a:rPr lang="ko-KR" sz="1800" b="0" i="0" kern="1200" dirty="0">
-                          <a:solidFill>
-                            <a:schemeClr val="dk1"/>
-                          </a:solidFill>
-                          <a:latin typeface="맑은 고딕" charset="0"/>
-                          <a:ea typeface="맑은 고딕" charset="0"/>
-                        </a:rPr>
-                        <a:t>터 생성, 튜토리얼</a:t>
-                      </a:r>
-                      <a:endParaRPr lang="ko-KR" altLang="en-US" sz="1800" b="0" i="0" kern="1200" dirty="0">
+                        <a:t>캐릭터 생성 및 조작법 숙지</a:t>
+                      </a:r>
+                      <a:endParaRPr lang="ko-KR" altLang="en-US" sz="1800" kern="1200" i="0" b="0">
                         <a:solidFill>
                           <a:schemeClr val="dk1"/>
                         </a:solidFill>
@@ -6945,481 +6896,36 @@
                   </a:txBody>
                   <a:tcPr marL="90170" marR="90170" marT="46990" marB="46990" anchor="ctr"/>
                 </a:tc>
-                <a:extLst>
-                  <a:ext uri="{0D108BD9-81ED-4DB2-BD59-A6C34878D82A}">
-                    <a16:rowId xmlns:a16="http://schemas.microsoft.com/office/drawing/2014/main" val="10002"/>
-                  </a:ext>
-                </a:extLst>
-              </a:tr>
-              <a:tr h="767547">
                 <a:tc>
                   <a:txBody>
                     <a:bodyPr/>
                     <a:lstStyle/>
                     <a:p>
-                      <a:pPr marL="0" lvl="1" indent="0" latinLnBrk="0" hangingPunct="1">
+                      <a:pPr marL="0" indent="0" latinLnBrk="0" hangingPunct="1" lvl="1">
                         <a:buFontTx/>
                         <a:buNone/>
                       </a:pPr>
                       <a:r>
-                        <a:rPr lang="ko-KR" altLang="en-US" sz="1800" b="0" i="0" kern="1200" dirty="0">
+                        <a:rPr sz="1800" kern="1200" i="0" b="0">
                           <a:solidFill>
                             <a:schemeClr val="dk1"/>
                           </a:solidFill>
                           <a:latin typeface="맑은 고딕" charset="0"/>
                           <a:ea typeface="맑은 고딕" charset="0"/>
                         </a:rPr>
-                        <a:t>중반</a:t>
-                      </a:r>
-                    </a:p>
-                  </a:txBody>
-                  <a:tcPr marL="90170" marR="90170" marT="46990" marB="46990" anchor="ctr"/>
-                </a:tc>
-                <a:tc>
-                  <a:txBody>
-                    <a:bodyPr/>
-                    <a:lstStyle/>
-                    <a:p>
-                      <a:pPr marL="0" lvl="1" indent="0" latinLnBrk="0" hangingPunct="1">
-                        <a:buFontTx/>
-                        <a:buNone/>
-                      </a:pPr>
-                      <a:r>
-                        <a:rPr lang="ko-KR" altLang="en-US" sz="1800" b="0" i="0" kern="1200" dirty="0">
+                        <a:t>캐릭</a:t>
+                      </a:r>
+                      <a:r>
+                        <a:rPr lang="ko-KR" sz="1800" kern="1200" i="0" b="0">
                           <a:solidFill>
                             <a:schemeClr val="dk1"/>
                           </a:solidFill>
                           <a:latin typeface="맑은 고딕" charset="0"/>
                           <a:ea typeface="맑은 고딕" charset="0"/>
                         </a:rPr>
-                        <a:t>메인 스토리 클리어 하는 단계</a:t>
-                      </a:r>
-                    </a:p>
-                  </a:txBody>
-                  <a:tcPr marL="90170" marR="90170" marT="46990" marB="46990" anchor="ctr"/>
-                </a:tc>
-                <a:tc>
-                  <a:txBody>
-                    <a:bodyPr/>
-                    <a:lstStyle/>
-                    <a:p>
-                      <a:pPr marL="0" lvl="1" indent="0" latinLnBrk="0" hangingPunct="1">
-                        <a:buFontTx/>
-                        <a:buNone/>
-                      </a:pPr>
-                      <a:r>
-                        <a:rPr lang="ko-KR" sz="1800" b="0" i="0" kern="1200" dirty="0">
-                          <a:solidFill>
-                            <a:schemeClr val="dk1"/>
-                          </a:solidFill>
-                          <a:latin typeface="맑은 고딕" charset="0"/>
-                          <a:ea typeface="맑은 고딕" charset="0"/>
-                        </a:rPr>
-                        <a:t>메인 스토리, 일반 몬스터, 보스 몬스터, 맵, 일반 던전,</a:t>
-                      </a:r>
-                      <a:r>
-                        <a:rPr lang="en-US" altLang="ko-KR" sz="1800" b="0" i="0" kern="1200" dirty="0">
-                          <a:solidFill>
-                            <a:schemeClr val="dk1"/>
-                          </a:solidFill>
-                          <a:latin typeface="맑은 고딕" charset="0"/>
-                          <a:ea typeface="맑은 고딕" charset="0"/>
-                        </a:rPr>
-                        <a:t> </a:t>
-                      </a:r>
-                      <a:r>
-                        <a:rPr lang="ko-KR" altLang="en-US" sz="1800" b="0" i="0" kern="1200" dirty="0">
-                          <a:solidFill>
-                            <a:schemeClr val="dk1"/>
-                          </a:solidFill>
-                          <a:latin typeface="맑은 고딕" charset="0"/>
-                          <a:ea typeface="맑은 고딕" charset="0"/>
-                        </a:rPr>
-                        <a:t>장비 아이템</a:t>
-                      </a:r>
-                      <a:r>
-                        <a:rPr lang="en-US" altLang="ko-KR" sz="1800" b="0" i="0" kern="1200" dirty="0">
-                          <a:solidFill>
-                            <a:schemeClr val="dk1"/>
-                          </a:solidFill>
-                          <a:latin typeface="맑은 고딕" charset="0"/>
-                          <a:ea typeface="맑은 고딕" charset="0"/>
-                        </a:rPr>
-                        <a:t>, </a:t>
-                      </a:r>
-                      <a:r>
-                        <a:rPr lang="ko-KR" altLang="en-US" sz="1800" b="0" i="0" kern="1200" dirty="0">
-                          <a:solidFill>
-                            <a:schemeClr val="dk1"/>
-                          </a:solidFill>
-                          <a:latin typeface="맑은 고딕" charset="0"/>
-                          <a:ea typeface="맑은 고딕" charset="0"/>
-                        </a:rPr>
-                        <a:t>소비 아이템</a:t>
-                      </a:r>
-                      <a:r>
-                        <a:rPr lang="en-US" altLang="ko-KR" sz="1800" b="0" i="0" kern="1200" dirty="0">
-                          <a:solidFill>
-                            <a:schemeClr val="dk1"/>
-                          </a:solidFill>
-                          <a:latin typeface="맑은 고딕" charset="0"/>
-                          <a:ea typeface="맑은 고딕" charset="0"/>
-                        </a:rPr>
-                        <a:t>, </a:t>
-                      </a:r>
-                      <a:r>
-                        <a:rPr lang="ko-KR" altLang="en-US" sz="1800" b="0" i="0" kern="1200" dirty="0">
-                          <a:solidFill>
-                            <a:schemeClr val="dk1"/>
-                          </a:solidFill>
-                          <a:latin typeface="맑은 고딕" charset="0"/>
-                          <a:ea typeface="맑은 고딕" charset="0"/>
-                        </a:rPr>
-                        <a:t>재료 아이템</a:t>
-                      </a:r>
-                      <a:r>
-                        <a:rPr lang="en-US" altLang="ko-KR" sz="1800" b="0" i="0" kern="1200" dirty="0">
-                          <a:solidFill>
-                            <a:schemeClr val="dk1"/>
-                          </a:solidFill>
-                          <a:latin typeface="맑은 고딕" charset="0"/>
-                          <a:ea typeface="맑은 고딕" charset="0"/>
-                        </a:rPr>
-                        <a:t>, </a:t>
-                      </a:r>
-                      <a:r>
-                        <a:rPr lang="ko-KR" altLang="en-US" sz="1800" b="0" i="0" kern="1200" dirty="0">
-                          <a:solidFill>
-                            <a:schemeClr val="dk1"/>
-                          </a:solidFill>
-                          <a:latin typeface="맑은 고딕" charset="0"/>
-                          <a:ea typeface="맑은 고딕" charset="0"/>
-                        </a:rPr>
-                        <a:t>기타 아이템</a:t>
-                      </a:r>
-                    </a:p>
-                  </a:txBody>
-                  <a:tcPr marL="90170" marR="90170" marT="46990" marB="46990" anchor="ctr"/>
-                </a:tc>
-                <a:extLst>
-                  <a:ext uri="{0D108BD9-81ED-4DB2-BD59-A6C34878D82A}">
-                    <a16:rowId xmlns:a16="http://schemas.microsoft.com/office/drawing/2014/main" val="10003"/>
-                  </a:ext>
-                </a:extLst>
-              </a:tr>
-              <a:tr h="767547">
-                <a:tc>
-                  <a:txBody>
-                    <a:bodyPr/>
-                    <a:lstStyle/>
-                    <a:p>
-                      <a:pPr marL="0" lvl="1" indent="0" latinLnBrk="0" hangingPunct="1">
-                        <a:buFontTx/>
-                        <a:buNone/>
-                      </a:pPr>
-                      <a:r>
-                        <a:rPr lang="ko-KR" altLang="en-US" sz="1800" b="0" i="0" kern="1200" dirty="0">
-                          <a:solidFill>
-                            <a:schemeClr val="dk1"/>
-                          </a:solidFill>
-                          <a:latin typeface="맑은 고딕" charset="0"/>
-                          <a:ea typeface="맑은 고딕" charset="0"/>
-                        </a:rPr>
-                        <a:t>후반</a:t>
-                      </a:r>
-                    </a:p>
-                  </a:txBody>
-                  <a:tcPr marL="90170" marR="90170" marT="46990" marB="46990" anchor="ctr"/>
-                </a:tc>
-                <a:tc>
-                  <a:txBody>
-                    <a:bodyPr/>
-                    <a:lstStyle/>
-                    <a:p>
-                      <a:pPr marL="0" lvl="1" indent="0" latinLnBrk="0" hangingPunct="1">
-                        <a:buFontTx/>
-                        <a:buNone/>
-                      </a:pPr>
-                      <a:r>
-                        <a:rPr lang="ko-KR" altLang="en-US" sz="1800" b="0" i="0" kern="1200" dirty="0">
-                          <a:solidFill>
-                            <a:schemeClr val="dk1"/>
-                          </a:solidFill>
-                          <a:latin typeface="맑은 고딕" charset="0"/>
-                          <a:ea typeface="맑은 고딕" charset="0"/>
-                        </a:rPr>
-                        <a:t>서브 스토리를 클리어하고 성장하는 단계</a:t>
-                      </a:r>
-                    </a:p>
-                  </a:txBody>
-                  <a:tcPr marL="90170" marR="90170" marT="46990" marB="46990" anchor="ctr"/>
-                </a:tc>
-                <a:tc>
-                  <a:txBody>
-                    <a:bodyPr/>
-                    <a:lstStyle/>
-                    <a:p>
-                      <a:pPr marL="0" lvl="1" indent="0" latinLnBrk="0" hangingPunct="1">
-                        <a:buFontTx/>
-                        <a:buNone/>
-                      </a:pPr>
-                      <a:r>
-                        <a:rPr lang="ko-KR" altLang="ko-KR" sz="1800" b="0" i="0" kern="1200" dirty="0">
-                          <a:solidFill>
-                            <a:schemeClr val="dk1"/>
-                          </a:solidFill>
-                          <a:latin typeface="맑은 고딕" charset="0"/>
-                          <a:ea typeface="맑은 고딕" charset="0"/>
-                        </a:rPr>
-                        <a:t>서브 스토리, </a:t>
-                      </a:r>
-                      <a:r>
-                        <a:rPr lang="ko-KR" altLang="en-US" sz="1800" b="0" i="0" kern="1200" dirty="0">
-                          <a:solidFill>
-                            <a:schemeClr val="dk1"/>
-                          </a:solidFill>
-                          <a:latin typeface="맑은 고딕" charset="0"/>
-                          <a:ea typeface="맑은 고딕" charset="0"/>
-                        </a:rPr>
-                        <a:t>제작</a:t>
-                      </a:r>
-                      <a:r>
-                        <a:rPr lang="en-US" altLang="ko-KR" sz="1800" b="0" i="0" kern="1200" dirty="0">
-                          <a:solidFill>
-                            <a:schemeClr val="dk1"/>
-                          </a:solidFill>
-                          <a:latin typeface="맑은 고딕" charset="0"/>
-                          <a:ea typeface="맑은 고딕" charset="0"/>
-                        </a:rPr>
-                        <a:t>, </a:t>
-                      </a:r>
-                      <a:r>
-                        <a:rPr lang="ko-KR" altLang="en-US" sz="1800" b="0" i="0" kern="1200" dirty="0">
-                          <a:solidFill>
-                            <a:schemeClr val="dk1"/>
-                          </a:solidFill>
-                          <a:latin typeface="맑은 고딕" charset="0"/>
-                          <a:ea typeface="맑은 고딕" charset="0"/>
-                        </a:rPr>
-                        <a:t>영약</a:t>
-                      </a:r>
-                      <a:r>
-                        <a:rPr lang="en-US" altLang="ko-KR" sz="1800" b="0" i="0" kern="1200" dirty="0">
-                          <a:solidFill>
-                            <a:schemeClr val="dk1"/>
-                          </a:solidFill>
-                          <a:latin typeface="맑은 고딕" charset="0"/>
-                          <a:ea typeface="맑은 고딕" charset="0"/>
-                        </a:rPr>
-                        <a:t>, </a:t>
-                      </a:r>
-                      <a:r>
-                        <a:rPr lang="ko-KR" altLang="en-US" sz="1800" b="0" i="0" kern="1200" dirty="0">
-                          <a:solidFill>
-                            <a:schemeClr val="dk1"/>
-                          </a:solidFill>
-                          <a:latin typeface="맑은 고딕" charset="0"/>
-                          <a:ea typeface="맑은 고딕" charset="0"/>
-                        </a:rPr>
-                        <a:t>강화</a:t>
-                      </a:r>
-                      <a:r>
-                        <a:rPr lang="en-US" altLang="ko-KR" sz="1800" b="0" i="0" kern="1200" dirty="0">
-                          <a:solidFill>
-                            <a:schemeClr val="dk1"/>
-                          </a:solidFill>
-                          <a:latin typeface="맑은 고딕" charset="0"/>
-                          <a:ea typeface="맑은 고딕" charset="0"/>
-                        </a:rPr>
-                        <a:t>, </a:t>
-                      </a:r>
-                      <a:r>
-                        <a:rPr lang="ko-KR" altLang="en-US" sz="1800" b="0" i="0" kern="1200" dirty="0">
-                          <a:solidFill>
-                            <a:schemeClr val="dk1"/>
-                          </a:solidFill>
-                          <a:latin typeface="맑은 고딕" charset="0"/>
-                          <a:ea typeface="맑은 고딕" charset="0"/>
-                        </a:rPr>
-                        <a:t>수련</a:t>
-                      </a:r>
-                      <a:r>
-                        <a:rPr lang="en-US" altLang="ko-KR" sz="1800" b="0" i="0" kern="1200" dirty="0">
-                          <a:solidFill>
-                            <a:schemeClr val="dk1"/>
-                          </a:solidFill>
-                          <a:latin typeface="맑은 고딕" charset="0"/>
-                          <a:ea typeface="맑은 고딕" charset="0"/>
-                        </a:rPr>
-                        <a:t>, </a:t>
-                      </a:r>
-                      <a:r>
-                        <a:rPr lang="ko-KR" altLang="en-US" sz="1800" b="0" i="0" kern="1200" dirty="0" err="1">
-                          <a:solidFill>
-                            <a:schemeClr val="dk1"/>
-                          </a:solidFill>
-                          <a:latin typeface="맑은 고딕" charset="0"/>
-                          <a:ea typeface="맑은 고딕" charset="0"/>
-                        </a:rPr>
-                        <a:t>다회차</a:t>
-                      </a:r>
-                      <a:r>
-                        <a:rPr lang="ko-KR" altLang="en-US" sz="1800" b="0" i="0" kern="1200" dirty="0">
-                          <a:solidFill>
-                            <a:schemeClr val="dk1"/>
-                          </a:solidFill>
-                          <a:latin typeface="맑은 고딕" charset="0"/>
-                          <a:ea typeface="맑은 고딕" charset="0"/>
-                        </a:rPr>
-                        <a:t> 플레이</a:t>
-                      </a:r>
-                    </a:p>
-                  </a:txBody>
-                  <a:tcPr marL="90170" marR="90170" marT="46990" marB="46990" anchor="ctr"/>
-                </a:tc>
-                <a:extLst>
-                  <a:ext uri="{0D108BD9-81ED-4DB2-BD59-A6C34878D82A}">
-                    <a16:rowId xmlns:a16="http://schemas.microsoft.com/office/drawing/2014/main" val="3359281156"/>
-                  </a:ext>
-                </a:extLst>
-              </a:tr>
-              <a:tr h="436448">
-                <a:tc>
-                  <a:txBody>
-                    <a:bodyPr/>
-                    <a:lstStyle/>
-                    <a:p>
-                      <a:pPr marL="0" lvl="1" indent="0" latinLnBrk="0" hangingPunct="1">
-                        <a:buFontTx/>
-                        <a:buNone/>
-                      </a:pPr>
-                      <a:r>
-                        <a:rPr lang="ko-KR" altLang="en-US" sz="1800" b="0" i="0" kern="1200" dirty="0">
-                          <a:solidFill>
-                            <a:schemeClr val="dk1"/>
-                          </a:solidFill>
-                          <a:latin typeface="맑은 고딕" charset="0"/>
-                          <a:ea typeface="맑은 고딕" charset="0"/>
-                        </a:rPr>
-                        <a:t>후일담</a:t>
-                      </a:r>
-                    </a:p>
-                  </a:txBody>
-                  <a:tcPr marL="90170" marR="90170" marT="46990" marB="46990" anchor="ctr"/>
-                </a:tc>
-                <a:tc>
-                  <a:txBody>
-                    <a:bodyPr/>
-                    <a:lstStyle/>
-                    <a:p>
-                      <a:pPr marL="0" lvl="1" indent="0" latinLnBrk="0" hangingPunct="1">
-                        <a:buFontTx/>
-                        <a:buNone/>
-                      </a:pPr>
-                      <a:r>
-                        <a:rPr lang="ko-KR" altLang="en-US" sz="1800" b="0" i="0" kern="1200" dirty="0">
-                          <a:solidFill>
-                            <a:schemeClr val="dk1"/>
-                          </a:solidFill>
-                          <a:latin typeface="맑은 고딕" charset="0"/>
-                          <a:ea typeface="맑은 고딕" charset="0"/>
-                        </a:rPr>
-                        <a:t>캐릭터의 성장을 끝내고 스토리의 후일담을 보는 단계</a:t>
-                      </a:r>
-                    </a:p>
-                  </a:txBody>
-                  <a:tcPr marL="90170" marR="90170" marT="46990" marB="46990" anchor="ctr"/>
-                </a:tc>
-                <a:tc>
-                  <a:txBody>
-                    <a:bodyPr/>
-                    <a:lstStyle/>
-                    <a:p>
-                      <a:pPr marL="0" lvl="1" indent="0" latinLnBrk="0" hangingPunct="1">
-                        <a:buFontTx/>
-                        <a:buNone/>
-                      </a:pPr>
-                      <a:r>
-                        <a:rPr lang="ko-KR" altLang="en-US" sz="1800" b="0" i="0" kern="1200" dirty="0" err="1">
-                          <a:solidFill>
-                            <a:schemeClr val="dk1"/>
-                          </a:solidFill>
-                          <a:latin typeface="맑은 고딕" charset="0"/>
-                          <a:ea typeface="맑은 고딕" charset="0"/>
-                        </a:rPr>
-                        <a:t>히든</a:t>
-                      </a:r>
-                      <a:r>
-                        <a:rPr lang="ko-KR" altLang="en-US" sz="1800" b="0" i="0" kern="1200" dirty="0">
-                          <a:solidFill>
-                            <a:schemeClr val="dk1"/>
-                          </a:solidFill>
-                          <a:latin typeface="맑은 고딕" charset="0"/>
-                          <a:ea typeface="맑은 고딕" charset="0"/>
-                        </a:rPr>
-                        <a:t> 스토리</a:t>
-                      </a:r>
-                      <a:r>
-                        <a:rPr lang="en-US" altLang="ko-KR" sz="1800" b="0" i="0" kern="1200" dirty="0">
-                          <a:solidFill>
-                            <a:schemeClr val="dk1"/>
-                          </a:solidFill>
-                          <a:latin typeface="맑은 고딕" charset="0"/>
-                          <a:ea typeface="맑은 고딕" charset="0"/>
-                        </a:rPr>
-                        <a:t>, </a:t>
-                      </a:r>
-                      <a:r>
-                        <a:rPr lang="ko-KR" sz="1800" b="0" i="0" kern="1200" dirty="0">
-                          <a:solidFill>
-                            <a:schemeClr val="dk1"/>
-                          </a:solidFill>
-                          <a:latin typeface="맑은 고딕" charset="0"/>
-                          <a:ea typeface="맑은 고딕" charset="0"/>
-                        </a:rPr>
-                        <a:t>강화 보스, 멀티 플레이, </a:t>
-                      </a:r>
-                      <a:r>
-                        <a:rPr lang="ko-KR" sz="1800" b="0" i="0" kern="1200" dirty="0" err="1">
-                          <a:solidFill>
-                            <a:schemeClr val="dk1"/>
-                          </a:solidFill>
-                          <a:latin typeface="맑은 고딕" charset="0"/>
-                          <a:ea typeface="맑은 고딕" charset="0"/>
-                        </a:rPr>
-                        <a:t>Pvp</a:t>
-                      </a:r>
-                      <a:r>
-                        <a:rPr lang="ko-KR" sz="1800" b="0" i="0" kern="1200" dirty="0">
-                          <a:solidFill>
-                            <a:schemeClr val="dk1"/>
-                          </a:solidFill>
-                          <a:latin typeface="맑은 고딕" charset="0"/>
-                          <a:ea typeface="맑은 고딕" charset="0"/>
-                        </a:rPr>
-                        <a:t>, 도장 깨기, </a:t>
-                      </a:r>
-                      <a:r>
-                        <a:rPr lang="ko-KR" sz="1800" b="0" i="0" kern="1200" dirty="0" err="1">
-                          <a:solidFill>
-                            <a:schemeClr val="dk1"/>
-                          </a:solidFill>
-                          <a:latin typeface="맑은 고딕" charset="0"/>
-                          <a:ea typeface="맑은 고딕" charset="0"/>
-                        </a:rPr>
-                        <a:t>비무</a:t>
-                      </a:r>
-                      <a:r>
-                        <a:rPr lang="ko-KR" sz="1800" b="0" i="0" kern="1200" dirty="0">
-                          <a:solidFill>
-                            <a:schemeClr val="dk1"/>
-                          </a:solidFill>
-                          <a:latin typeface="맑은 고딕" charset="0"/>
-                          <a:ea typeface="맑은 고딕" charset="0"/>
-                        </a:rPr>
-                        <a:t>, 무도회, 업적</a:t>
-                      </a:r>
-                      <a:endParaRPr lang="ko-KR" altLang="en-US" sz="1800" b="0" i="0" kern="1200" dirty="0">
+                        <a:t>터 생성, 튜토리얼</a:t>
+                      </a:r>
+                      <a:endParaRPr lang="ko-KR" altLang="en-US" sz="1800" kern="1200" i="0" b="0">
                         <a:solidFill>
                           <a:schemeClr val="dk1"/>
                         </a:solidFill>
@@ -7430,11 +6936,532 @@
                   </a:txBody>
                   <a:tcPr marL="90170" marR="90170" marT="46990" marB="46990" anchor="ctr"/>
                 </a:tc>
-                <a:extLst>
-                  <a:ext uri="{0D108BD9-81ED-4DB2-BD59-A6C34878D82A}">
-                    <a16:rowId xmlns:a16="http://schemas.microsoft.com/office/drawing/2014/main" val="10004"/>
-                  </a:ext>
-                </a:extLst>
+              </a:tr>
+              <a:tr h="767715">
+                <a:tc>
+                  <a:txBody>
+                    <a:bodyPr/>
+                    <a:lstStyle/>
+                    <a:p>
+                      <a:pPr marL="0" indent="0" latinLnBrk="0" hangingPunct="1" lvl="1">
+                        <a:buFontTx/>
+                        <a:buNone/>
+                      </a:pPr>
+                      <a:r>
+                        <a:rPr lang="ko-KR" altLang="en-US" sz="1800" kern="1200" i="0" b="0">
+                          <a:solidFill>
+                            <a:schemeClr val="dk1"/>
+                          </a:solidFill>
+                          <a:latin typeface="맑은 고딕" charset="0"/>
+                          <a:ea typeface="맑은 고딕" charset="0"/>
+                        </a:rPr>
+                        <a:t>중반</a:t>
+                      </a:r>
+                      <a:endParaRPr lang="ko-KR" altLang="en-US" sz="1800" kern="1200" i="0" b="0">
+                        <a:solidFill>
+                          <a:schemeClr val="dk1"/>
+                        </a:solidFill>
+                        <a:latin typeface="맑은 고딕" charset="0"/>
+                        <a:ea typeface="맑은 고딕" charset="0"/>
+                      </a:endParaRPr>
+                    </a:p>
+                  </a:txBody>
+                  <a:tcPr marL="90170" marR="90170" marT="46990" marB="46990" anchor="ctr"/>
+                </a:tc>
+                <a:tc>
+                  <a:txBody>
+                    <a:bodyPr/>
+                    <a:lstStyle/>
+                    <a:p>
+                      <a:pPr marL="0" indent="0" latinLnBrk="0" hangingPunct="1" lvl="1">
+                        <a:buFontTx/>
+                        <a:buNone/>
+                      </a:pPr>
+                      <a:r>
+                        <a:rPr lang="ko-KR" altLang="en-US" sz="1800" kern="1200" i="0" b="0">
+                          <a:solidFill>
+                            <a:schemeClr val="dk1"/>
+                          </a:solidFill>
+                          <a:latin typeface="맑은 고딕" charset="0"/>
+                          <a:ea typeface="맑은 고딕" charset="0"/>
+                        </a:rPr>
+                        <a:t>메인 스토리 클리어 하는 단계</a:t>
+                      </a:r>
+                      <a:endParaRPr lang="ko-KR" altLang="en-US" sz="1800" kern="1200" i="0" b="0">
+                        <a:solidFill>
+                          <a:schemeClr val="dk1"/>
+                        </a:solidFill>
+                        <a:latin typeface="맑은 고딕" charset="0"/>
+                        <a:ea typeface="맑은 고딕" charset="0"/>
+                      </a:endParaRPr>
+                    </a:p>
+                  </a:txBody>
+                  <a:tcPr marL="90170" marR="90170" marT="46990" marB="46990" anchor="ctr"/>
+                </a:tc>
+                <a:tc>
+                  <a:txBody>
+                    <a:bodyPr/>
+                    <a:lstStyle/>
+                    <a:p>
+                      <a:pPr marL="0" indent="0" latinLnBrk="0" hangingPunct="1" lvl="1">
+                        <a:buFontTx/>
+                        <a:buNone/>
+                      </a:pPr>
+                      <a:r>
+                        <a:rPr lang="ko-KR" sz="1800" kern="1200" i="0" b="0">
+                          <a:solidFill>
+                            <a:schemeClr val="dk1"/>
+                          </a:solidFill>
+                          <a:latin typeface="맑은 고딕" charset="0"/>
+                          <a:ea typeface="맑은 고딕" charset="0"/>
+                        </a:rPr>
+                        <a:t>메인 스토리, 일반 몬스터, 보스 몬스터, 맵, 일반 던전,</a:t>
+                      </a:r>
+                      <a:r>
+                        <a:rPr lang="en-US" altLang="ko-KR" sz="1800" kern="1200" i="0" b="0">
+                          <a:solidFill>
+                            <a:schemeClr val="dk1"/>
+                          </a:solidFill>
+                          <a:latin typeface="맑은 고딕" charset="0"/>
+                          <a:ea typeface="맑은 고딕" charset="0"/>
+                        </a:rPr>
+                        <a:t> </a:t>
+                      </a:r>
+                      <a:r>
+                        <a:rPr lang="ko-KR" altLang="en-US" sz="1800" kern="1200" i="0" b="0">
+                          <a:solidFill>
+                            <a:schemeClr val="dk1"/>
+                          </a:solidFill>
+                          <a:latin typeface="맑은 고딕" charset="0"/>
+                          <a:ea typeface="맑은 고딕" charset="0"/>
+                        </a:rPr>
+                        <a:t>장비 아이템</a:t>
+                      </a:r>
+                      <a:r>
+                        <a:rPr lang="en-US" altLang="ko-KR" sz="1800" kern="1200" i="0" b="0">
+                          <a:solidFill>
+                            <a:schemeClr val="dk1"/>
+                          </a:solidFill>
+                          <a:latin typeface="맑은 고딕" charset="0"/>
+                          <a:ea typeface="맑은 고딕" charset="0"/>
+                        </a:rPr>
+                        <a:t>, </a:t>
+                      </a:r>
+                      <a:r>
+                        <a:rPr lang="ko-KR" altLang="en-US" sz="1800" kern="1200" i="0" b="0">
+                          <a:solidFill>
+                            <a:schemeClr val="dk1"/>
+                          </a:solidFill>
+                          <a:latin typeface="맑은 고딕" charset="0"/>
+                          <a:ea typeface="맑은 고딕" charset="0"/>
+                        </a:rPr>
+                        <a:t>소비 아이템</a:t>
+                      </a:r>
+                      <a:r>
+                        <a:rPr lang="en-US" altLang="ko-KR" sz="1800" kern="1200" i="0" b="0">
+                          <a:solidFill>
+                            <a:schemeClr val="dk1"/>
+                          </a:solidFill>
+                          <a:latin typeface="맑은 고딕" charset="0"/>
+                          <a:ea typeface="맑은 고딕" charset="0"/>
+                        </a:rPr>
+                        <a:t>, </a:t>
+                      </a:r>
+                      <a:r>
+                        <a:rPr lang="ko-KR" altLang="en-US" sz="1800" kern="1200" i="0" b="0">
+                          <a:solidFill>
+                            <a:schemeClr val="dk1"/>
+                          </a:solidFill>
+                          <a:latin typeface="맑은 고딕" charset="0"/>
+                          <a:ea typeface="맑은 고딕" charset="0"/>
+                        </a:rPr>
+                        <a:t>재료 아이템</a:t>
+                      </a:r>
+                      <a:r>
+                        <a:rPr lang="en-US" altLang="ko-KR" sz="1800" kern="1200" i="0" b="0">
+                          <a:solidFill>
+                            <a:schemeClr val="dk1"/>
+                          </a:solidFill>
+                          <a:latin typeface="맑은 고딕" charset="0"/>
+                          <a:ea typeface="맑은 고딕" charset="0"/>
+                        </a:rPr>
+                        <a:t>, </a:t>
+                      </a:r>
+                      <a:r>
+                        <a:rPr lang="ko-KR" altLang="en-US" sz="1800" kern="1200" i="0" b="0">
+                          <a:solidFill>
+                            <a:schemeClr val="dk1"/>
+                          </a:solidFill>
+                          <a:latin typeface="맑은 고딕" charset="0"/>
+                          <a:ea typeface="맑은 고딕" charset="0"/>
+                        </a:rPr>
+                        <a:t>기타 아이템</a:t>
+                      </a:r>
+                      <a:endParaRPr lang="ko-KR" altLang="en-US" sz="1800" kern="1200" i="0" b="0">
+                        <a:solidFill>
+                          <a:schemeClr val="dk1"/>
+                        </a:solidFill>
+                        <a:latin typeface="맑은 고딕" charset="0"/>
+                        <a:ea typeface="맑은 고딕" charset="0"/>
+                      </a:endParaRPr>
+                    </a:p>
+                  </a:txBody>
+                  <a:tcPr marL="90170" marR="90170" marT="46990" marB="46990" anchor="ctr"/>
+                </a:tc>
+              </a:tr>
+              <a:tr h="767715">
+                <a:tc>
+                  <a:txBody>
+                    <a:bodyPr/>
+                    <a:lstStyle/>
+                    <a:p>
+                      <a:pPr marL="0" indent="0" latinLnBrk="0" hangingPunct="1" lvl="1">
+                        <a:buFontTx/>
+                        <a:buNone/>
+                      </a:pPr>
+                      <a:r>
+                        <a:rPr lang="ko-KR" altLang="en-US" sz="1800" kern="1200" i="0" b="0">
+                          <a:solidFill>
+                            <a:schemeClr val="dk1"/>
+                          </a:solidFill>
+                          <a:latin typeface="맑은 고딕" charset="0"/>
+                          <a:ea typeface="맑은 고딕" charset="0"/>
+                        </a:rPr>
+                        <a:t>후반</a:t>
+                      </a:r>
+                      <a:endParaRPr lang="ko-KR" altLang="en-US" sz="1800" kern="1200" i="0" b="0">
+                        <a:solidFill>
+                          <a:schemeClr val="dk1"/>
+                        </a:solidFill>
+                        <a:latin typeface="맑은 고딕" charset="0"/>
+                        <a:ea typeface="맑은 고딕" charset="0"/>
+                      </a:endParaRPr>
+                    </a:p>
+                  </a:txBody>
+                  <a:tcPr marL="90170" marR="90170" marT="46990" marB="46990" anchor="ctr"/>
+                </a:tc>
+                <a:tc>
+                  <a:txBody>
+                    <a:bodyPr/>
+                    <a:lstStyle/>
+                    <a:p>
+                      <a:pPr marL="0" indent="0" latinLnBrk="0" hangingPunct="1" lvl="1">
+                        <a:buFontTx/>
+                        <a:buNone/>
+                      </a:pPr>
+                      <a:r>
+                        <a:rPr lang="ko-KR" altLang="en-US" sz="1800" kern="1200" i="0" b="0">
+                          <a:solidFill>
+                            <a:schemeClr val="dk1"/>
+                          </a:solidFill>
+                          <a:latin typeface="맑은 고딕" charset="0"/>
+                          <a:ea typeface="맑은 고딕" charset="0"/>
+                        </a:rPr>
+                        <a:t>서브 스토리를 클리어하고 성장하는 단계</a:t>
+                      </a:r>
+                      <a:endParaRPr lang="ko-KR" altLang="en-US" sz="1800" kern="1200" i="0" b="0">
+                        <a:solidFill>
+                          <a:schemeClr val="dk1"/>
+                        </a:solidFill>
+                        <a:latin typeface="맑은 고딕" charset="0"/>
+                        <a:ea typeface="맑은 고딕" charset="0"/>
+                      </a:endParaRPr>
+                    </a:p>
+                  </a:txBody>
+                  <a:tcPr marL="90170" marR="90170" marT="46990" marB="46990" anchor="ctr"/>
+                </a:tc>
+                <a:tc>
+                  <a:txBody>
+                    <a:bodyPr/>
+                    <a:lstStyle/>
+                    <a:p>
+                      <a:pPr marL="0" indent="0" latinLnBrk="0" hangingPunct="1" lvl="1">
+                        <a:buFontTx/>
+                        <a:buNone/>
+                      </a:pPr>
+                      <a:r>
+                        <a:rPr lang="ko-KR" altLang="ko-KR" sz="1800" kern="1200" i="0" b="0">
+                          <a:solidFill>
+                            <a:schemeClr val="dk1"/>
+                          </a:solidFill>
+                          <a:latin typeface="맑은 고딕" charset="0"/>
+                          <a:ea typeface="맑은 고딕" charset="0"/>
+                        </a:rPr>
+                        <a:t>서브</a:t>
+                      </a:r>
+                      <a:r>
+                        <a:rPr lang="ko-KR" altLang="ko-KR" sz="1800" kern="1200" i="0" b="0">
+                          <a:solidFill>
+                            <a:schemeClr val="dk1"/>
+                          </a:solidFill>
+                          <a:latin typeface="맑은 고딕" charset="0"/>
+                          <a:ea typeface="맑은 고딕" charset="0"/>
+                        </a:rPr>
+                        <a:t> </a:t>
+                      </a:r>
+                      <a:r>
+                        <a:rPr lang="ko-KR" altLang="ko-KR" sz="1800" kern="1200" i="0" b="0">
+                          <a:solidFill>
+                            <a:schemeClr val="dk1"/>
+                          </a:solidFill>
+                          <a:latin typeface="맑은 고딕" charset="0"/>
+                          <a:ea typeface="맑은 고딕" charset="0"/>
+                        </a:rPr>
+                        <a:t>스토리,</a:t>
+                      </a:r>
+                      <a:r>
+                        <a:rPr lang="ko-KR" altLang="ko-KR" sz="1800" kern="1200" i="0" b="0">
+                          <a:solidFill>
+                            <a:schemeClr val="dk1"/>
+                          </a:solidFill>
+                          <a:latin typeface="맑은 고딕" charset="0"/>
+                          <a:ea typeface="맑은 고딕" charset="0"/>
+                        </a:rPr>
+                        <a:t> </a:t>
+                      </a:r>
+                      <a:r>
+                        <a:rPr lang="ko-KR" altLang="en-US" sz="1800" kern="1200" i="0" b="0">
+                          <a:solidFill>
+                            <a:schemeClr val="dk1"/>
+                          </a:solidFill>
+                          <a:latin typeface="맑은 고딕" charset="0"/>
+                          <a:ea typeface="맑은 고딕" charset="0"/>
+                        </a:rPr>
+                        <a:t>제작</a:t>
+                      </a:r>
+                      <a:r>
+                        <a:rPr lang="en-US" altLang="ko-KR" sz="1800" kern="1200" i="0" b="0">
+                          <a:solidFill>
+                            <a:schemeClr val="dk1"/>
+                          </a:solidFill>
+                          <a:latin typeface="맑은 고딕" charset="0"/>
+                          <a:ea typeface="맑은 고딕" charset="0"/>
+                        </a:rPr>
+                        <a:t>, </a:t>
+                      </a:r>
+                      <a:r>
+                        <a:rPr lang="ko-KR" altLang="en-US" sz="1800" kern="1200" i="0" b="0">
+                          <a:solidFill>
+                            <a:schemeClr val="dk1"/>
+                          </a:solidFill>
+                          <a:latin typeface="맑은 고딕" charset="0"/>
+                          <a:ea typeface="맑은 고딕" charset="0"/>
+                        </a:rPr>
+                        <a:t>영약</a:t>
+                      </a:r>
+                      <a:r>
+                        <a:rPr lang="en-US" altLang="ko-KR" sz="1800" kern="1200" i="0" b="0">
+                          <a:solidFill>
+                            <a:schemeClr val="dk1"/>
+                          </a:solidFill>
+                          <a:latin typeface="맑은 고딕" charset="0"/>
+                          <a:ea typeface="맑은 고딕" charset="0"/>
+                        </a:rPr>
+                        <a:t>, </a:t>
+                      </a:r>
+                      <a:r>
+                        <a:rPr lang="ko-KR" altLang="en-US" sz="1800" kern="1200" i="0" b="0">
+                          <a:solidFill>
+                            <a:schemeClr val="dk1"/>
+                          </a:solidFill>
+                          <a:latin typeface="맑은 고딕" charset="0"/>
+                          <a:ea typeface="맑은 고딕" charset="0"/>
+                        </a:rPr>
+                        <a:t>강화</a:t>
+                      </a:r>
+                      <a:r>
+                        <a:rPr lang="en-US" altLang="ko-KR" sz="1800" kern="1200" i="0" b="0">
+                          <a:solidFill>
+                            <a:schemeClr val="dk1"/>
+                          </a:solidFill>
+                          <a:latin typeface="맑은 고딕" charset="0"/>
+                          <a:ea typeface="맑은 고딕" charset="0"/>
+                        </a:rPr>
+                        <a:t>, </a:t>
+                      </a:r>
+                      <a:r>
+                        <a:rPr lang="ko-KR" altLang="en-US" sz="1800" kern="1200" i="0" b="0">
+                          <a:solidFill>
+                            <a:schemeClr val="dk1"/>
+                          </a:solidFill>
+                          <a:latin typeface="맑은 고딕" charset="0"/>
+                          <a:ea typeface="맑은 고딕" charset="0"/>
+                        </a:rPr>
+                        <a:t>수련</a:t>
+                      </a:r>
+                      <a:r>
+                        <a:rPr lang="en-US" altLang="ko-KR" sz="1800" kern="1200" i="0" b="0">
+                          <a:solidFill>
+                            <a:schemeClr val="dk1"/>
+                          </a:solidFill>
+                          <a:latin typeface="맑은 고딕" charset="0"/>
+                          <a:ea typeface="맑은 고딕" charset="0"/>
+                        </a:rPr>
+                        <a:t>, </a:t>
+                      </a:r>
+                      <a:r>
+                        <a:rPr lang="ko-KR" altLang="en-US" sz="1800" kern="1200" i="0" b="0">
+                          <a:solidFill>
+                            <a:schemeClr val="dk1"/>
+                          </a:solidFill>
+                          <a:latin typeface="맑은 고딕" charset="0"/>
+                          <a:ea typeface="맑은 고딕" charset="0"/>
+                        </a:rPr>
+                        <a:t>다회차 플레이</a:t>
+                      </a:r>
+                      <a:endParaRPr lang="ko-KR" altLang="en-US" sz="1800" kern="1200" i="0" b="0">
+                        <a:solidFill>
+                          <a:schemeClr val="dk1"/>
+                        </a:solidFill>
+                        <a:latin typeface="맑은 고딕" charset="0"/>
+                        <a:ea typeface="맑은 고딕" charset="0"/>
+                      </a:endParaRPr>
+                    </a:p>
+                  </a:txBody>
+                  <a:tcPr marL="90170" marR="90170" marT="46990" marB="46990" anchor="ctr"/>
+                </a:tc>
+              </a:tr>
+              <a:tr h="647700">
+                <a:tc>
+                  <a:txBody>
+                    <a:bodyPr/>
+                    <a:lstStyle/>
+                    <a:p>
+                      <a:pPr marL="0" indent="0" latinLnBrk="0" hangingPunct="1" lvl="1">
+                        <a:buFontTx/>
+                        <a:buNone/>
+                      </a:pPr>
+                      <a:r>
+                        <a:rPr lang="ko-KR" altLang="en-US" sz="1800" kern="1200" i="0" b="0">
+                          <a:solidFill>
+                            <a:schemeClr val="dk1"/>
+                          </a:solidFill>
+                          <a:latin typeface="맑은 고딕" charset="0"/>
+                          <a:ea typeface="맑은 고딕" charset="0"/>
+                        </a:rPr>
+                        <a:t>후일담</a:t>
+                      </a:r>
+                      <a:endParaRPr lang="ko-KR" altLang="en-US" sz="1800" kern="1200" i="0" b="0">
+                        <a:solidFill>
+                          <a:schemeClr val="dk1"/>
+                        </a:solidFill>
+                        <a:latin typeface="맑은 고딕" charset="0"/>
+                        <a:ea typeface="맑은 고딕" charset="0"/>
+                      </a:endParaRPr>
+                    </a:p>
+                  </a:txBody>
+                  <a:tcPr marL="90170" marR="90170" marT="46990" marB="46990" anchor="ctr"/>
+                </a:tc>
+                <a:tc>
+                  <a:txBody>
+                    <a:bodyPr/>
+                    <a:lstStyle/>
+                    <a:p>
+                      <a:pPr marL="0" indent="0" latinLnBrk="0" hangingPunct="1" lvl="1">
+                        <a:buFontTx/>
+                        <a:buNone/>
+                      </a:pPr>
+                      <a:r>
+                        <a:rPr lang="ko-KR" altLang="en-US" sz="1800" kern="1200" i="0" b="0">
+                          <a:solidFill>
+                            <a:schemeClr val="dk1"/>
+                          </a:solidFill>
+                          <a:latin typeface="맑은 고딕" charset="0"/>
+                          <a:ea typeface="맑은 고딕" charset="0"/>
+                        </a:rPr>
+                        <a:t>캐릭터의 성장을 끝내고 스토리의 후일담을 보는 단계</a:t>
+                      </a:r>
+                      <a:endParaRPr lang="ko-KR" altLang="en-US" sz="1800" kern="1200" i="0" b="0">
+                        <a:solidFill>
+                          <a:schemeClr val="dk1"/>
+                        </a:solidFill>
+                        <a:latin typeface="맑은 고딕" charset="0"/>
+                        <a:ea typeface="맑은 고딕" charset="0"/>
+                      </a:endParaRPr>
+                    </a:p>
+                  </a:txBody>
+                  <a:tcPr marL="90170" marR="90170" marT="46990" marB="46990" anchor="ctr"/>
+                </a:tc>
+                <a:tc>
+                  <a:txBody>
+                    <a:bodyPr/>
+                    <a:lstStyle/>
+                    <a:p>
+                      <a:pPr marL="0" indent="0" latinLnBrk="0" hangingPunct="1" lvl="1">
+                        <a:buFontTx/>
+                        <a:buNone/>
+                      </a:pPr>
+                      <a:r>
+                        <a:rPr lang="ko-KR" altLang="en-US" sz="1800" kern="1200" i="0" b="0">
+                          <a:solidFill>
+                            <a:schemeClr val="dk1"/>
+                          </a:solidFill>
+                          <a:latin typeface="맑은 고딕" charset="0"/>
+                          <a:ea typeface="맑은 고딕" charset="0"/>
+                        </a:rPr>
+                        <a:t>히든 스토리</a:t>
+                      </a:r>
+                      <a:r>
+                        <a:rPr lang="en-US" altLang="ko-KR" sz="1800" kern="1200" i="0" b="0">
+                          <a:solidFill>
+                            <a:schemeClr val="dk1"/>
+                          </a:solidFill>
+                          <a:latin typeface="맑은 고딕" charset="0"/>
+                          <a:ea typeface="맑은 고딕" charset="0"/>
+                        </a:rPr>
+                        <a:t>, </a:t>
+                      </a:r>
+                      <a:r>
+                        <a:rPr lang="ko-KR" altLang="ko-KR" sz="1800" kern="1200" i="0" b="0">
+                          <a:solidFill>
+                            <a:schemeClr val="dk1"/>
+                          </a:solidFill>
+                          <a:latin typeface="맑은 고딕" charset="0"/>
+                          <a:ea typeface="맑은 고딕" charset="0"/>
+                        </a:rPr>
+                        <a:t>강화 </a:t>
+                      </a:r>
+                      <a:r>
+                        <a:rPr lang="ko-KR" sz="1800" kern="1200" i="0" b="0">
+                          <a:solidFill>
+                            <a:schemeClr val="dk1"/>
+                          </a:solidFill>
+                          <a:latin typeface="맑은 고딕" charset="0"/>
+                          <a:ea typeface="맑은 고딕" charset="0"/>
+                        </a:rPr>
+                        <a:t>보스</a:t>
+                      </a:r>
+                      <a:r>
+                        <a:rPr lang="ko-KR" sz="1800" kern="1200" i="0" b="0">
+                          <a:solidFill>
+                            <a:schemeClr val="dk1"/>
+                          </a:solidFill>
+                          <a:latin typeface="맑은 고딕" charset="0"/>
+                          <a:ea typeface="맑은 고딕" charset="0"/>
+                        </a:rPr>
+                        <a:t> 레이드</a:t>
+                      </a:r>
+                      <a:r>
+                        <a:rPr lang="ko-KR" sz="1800" kern="1200" i="0" b="0">
+                          <a:solidFill>
+                            <a:schemeClr val="dk1"/>
+                          </a:solidFill>
+                          <a:latin typeface="맑은 고딕" charset="0"/>
+                          <a:ea typeface="맑은 고딕" charset="0"/>
+                        </a:rPr>
+                        <a:t>, 멀티 플레이, Pvp, 도장 깨기, 비무, 무도회, 업적</a:t>
+                      </a:r>
+                      <a:endParaRPr lang="ko-KR" altLang="en-US" sz="1800" kern="1200" i="0" b="0">
+                        <a:solidFill>
+                          <a:schemeClr val="dk1"/>
+                        </a:solidFill>
+                        <a:latin typeface="맑은 고딕" charset="0"/>
+                        <a:ea typeface="맑은 고딕" charset="0"/>
+                      </a:endParaRPr>
+                    </a:p>
+                  </a:txBody>
+                  <a:tcPr marL="90170" marR="90170" marT="46990" marB="46990" anchor="ctr"/>
+                </a:tc>
               </a:tr>
             </a:tbl>
           </a:graphicData>
@@ -7456,7 +7483,12 @@
             <p:ph type="sldNum" sz="quarter" idx="12"/>
           </p:nvPr>
         </p:nvSpPr>
-        <p:spPr/>
+        <p:spPr>
+          <a:xfrm>
+            <a:off x="8610600" y="6356350"/>
+            <a:ext cx="2743835" cy="365760"/>
+          </a:xfrm>
+        </p:spPr>
         <p:txBody>
           <a:bodyPr/>
           <a:lstStyle/>
@@ -7792,7 +7824,7 @@
       <p:sp>
         <p:nvSpPr>
           <p:cNvPr id="10" name="실행 단추: 문서 9">
-            <a:hlinkClick r:id="rId2" action="ppaction://hlinksldjump" highlightClick="1"/>
+            <a:hlinkClick r:id="rId3" action="ppaction://hlinksldjump"/>
             <a:extLst>
               <a:ext uri="{FF2B5EF4-FFF2-40B4-BE49-F238E27FC236}">
                 <a16:creationId xmlns:a16="http://schemas.microsoft.com/office/drawing/2014/main" id="{F8283366-45B0-4C2A-B4BD-ACACB2970B55}"/>
@@ -7804,8 +7836,8 @@
         </p:nvSpPr>
         <p:spPr>
           <a:xfrm>
-            <a:off x="11353800" y="6416674"/>
-            <a:ext cx="646113" cy="441325"/>
+            <a:off x="11353800" y="6416675"/>
+            <a:ext cx="646430" cy="441325"/>
           </a:xfrm>
           <a:prstGeom prst="actionButtonDocument">
             <a:avLst/>
@@ -7855,18 +7887,25 @@
   <p:clrMapOvr>
     <a:masterClrMapping/>
   </p:clrMapOvr>
-  <mc:AlternateContent xmlns:mc="http://schemas.openxmlformats.org/markup-compatibility/2006" xmlns:p159="http://schemas.microsoft.com/office/powerpoint/2015/09/main">
-    <mc:Choice Requires="p159">
+  <mc:AlternateContent xmlns:mc="http://schemas.openxmlformats.org/markup-compatibility/2006">
+    <mc:Choice xmlns:p159="http://schemas.microsoft.com/office/powerpoint/2015/09/main" Requires="p159">
       <p:transition xmlns:p14="http://schemas.microsoft.com/office/powerpoint/2010/main" spd="slow" p14:dur="2000">
         <p159:morph option="byObject"/>
       </p:transition>
     </mc:Choice>
-    <mc:Fallback xmlns="" xmlns:p14="http://schemas.microsoft.com/office/powerpoint/2010/main">
+    <mc:Fallback>
       <p:transition spd="slow">
         <p:fade/>
       </p:transition>
     </mc:Fallback>
   </mc:AlternateContent>
+  <p:timing>
+    <p:tnLst>
+      <p:par>
+        <p:cTn id="1" dur="indefinite" restart="never" nodeType="tmRoot"/>
+      </p:par>
+    </p:tnLst>
+  </p:timing>
 </p:sld>
 </file>
 
@@ -9516,7 +9555,7 @@
 </file>
 
 <file path=ppt/slides/slide7.xml><?xml version="1.0" encoding="utf-8"?>
-<p:sld xmlns:a="http://schemas.openxmlformats.org/drawingml/2006/main" xmlns:r="http://schemas.openxmlformats.org/officeDocument/2006/relationships" xmlns:p="http://schemas.openxmlformats.org/presentationml/2006/main">
+<p:sld xmlns:a="http://schemas.openxmlformats.org/drawingml/2006/main" xmlns:r="http://schemas.openxmlformats.org/officeDocument/2006/relationships" xmlns:p="http://schemas.openxmlformats.org/presentationml/2006/main" xmlns:p14="http://schemas.microsoft.com/office/powerpoint/2010/main">
   <p:cSld>
     <p:spTree>
       <p:nvGrpSpPr>
@@ -9572,8 +9611,8 @@
         </p:nvSpPr>
         <p:spPr>
           <a:xfrm flipH="1">
-            <a:off x="192088" y="335280"/>
-            <a:ext cx="3764915" cy="645795"/>
+            <a:off x="192405" y="335280"/>
+            <a:ext cx="3765550" cy="645795"/>
           </a:xfrm>
           <a:prstGeom prst="rect">
             <a:avLst/>
@@ -9581,7 +9620,7 @@
           <a:noFill/>
         </p:spPr>
         <p:txBody>
-          <a:bodyPr vert="horz" wrap="square" lIns="91440" tIns="45720" rIns="91440" bIns="45720" numCol="1" anchor="t">
+          <a:bodyPr wrap="square" lIns="91440" tIns="45720" rIns="91440" bIns="45720" numCol="1" vert="horz" anchor="t">
             <a:spAutoFit/>
           </a:bodyPr>
           <a:lstStyle/>
@@ -9591,7 +9630,7 @@
               <a:buNone/>
             </a:pPr>
             <a:r>
-              <a:rPr lang="en-US" altLang="ko-KR" sz="3600" b="1" dirty="0">
+              <a:rPr lang="en-US" altLang="ko-KR" sz="3600" b="1">
                 <a:solidFill>
                   <a:schemeClr val="accent1">
                     <a:lumMod val="50000"/>
@@ -9603,7 +9642,7 @@
               <a:t>5</a:t>
             </a:r>
             <a:r>
-              <a:rPr lang="ko-KR" altLang="en-US" sz="3600" b="1" dirty="0">
+              <a:rPr lang="ko-KR" altLang="en-US" sz="3600" b="1">
                 <a:solidFill>
                   <a:schemeClr val="accent1">
                     <a:lumMod val="50000"/>
@@ -9612,57 +9651,16 @@
                 <a:latin typeface="나눔스퀘어 ExtraBold" charset="0"/>
                 <a:ea typeface="나눔스퀘어 ExtraBold" charset="0"/>
               </a:rPr>
-              <a:t>.컨텐츠 정립</a:t>
+              <a:t>.</a:t>
             </a:r>
-          </a:p>
-        </p:txBody>
-      </p:sp>
-      <p:sp>
-        <p:nvSpPr>
-          <p:cNvPr id="7" name="텍스트 상자 27"/>
-          <p:cNvSpPr txBox="1">
-            <a:spLocks/>
-          </p:cNvSpPr>
-          <p:nvPr/>
-        </p:nvSpPr>
-        <p:spPr>
-          <a:xfrm>
-            <a:off x="312420" y="981075"/>
-            <a:ext cx="11687493" cy="364972"/>
-          </a:xfrm>
-          <a:prstGeom prst="rect">
-            <a:avLst/>
-          </a:prstGeom>
-          <a:noFill/>
-        </p:spPr>
-        <p:txBody>
-          <a:bodyPr vert="horz" wrap="square" lIns="91440" tIns="45720" rIns="91440" bIns="45720" numCol="1" anchor="t">
-            <a:spAutoFit/>
-          </a:bodyPr>
-          <a:lstStyle/>
-          <a:p>
-            <a:pPr marL="0" indent="0" algn="just" latinLnBrk="1">
-              <a:lnSpc>
-                <a:spcPct val="107000"/>
-              </a:lnSpc>
-              <a:spcAft>
-                <a:spcPts val="800"/>
-              </a:spcAft>
-              <a:buFontTx/>
-              <a:buNone/>
-            </a:pPr>
-            <a:r>
-              <a:rPr lang="ko-KR" altLang="ko-KR" sz="1800">
-                <a:latin typeface="맑은 고딕" charset="0"/>
-                <a:ea typeface="맑은 고딕" charset="0"/>
-                <a:cs typeface="Times New Roman" charset="0"/>
-              </a:rPr>
-              <a:t>텍스트</a:t>
-            </a:r>
-            <a:endParaRPr lang="ko-KR" altLang="en-US" sz="1800">
-              <a:latin typeface="맑은 고딕" charset="0"/>
-              <a:ea typeface="맑은 고딕" charset="0"/>
-              <a:cs typeface="Times New Roman" charset="0"/>
+            <a:endParaRPr lang="ko-KR" altLang="en-US" sz="3600" b="1">
+              <a:solidFill>
+                <a:schemeClr val="accent1">
+                  <a:lumMod val="50000"/>
+                </a:schemeClr>
+              </a:solidFill>
+              <a:latin typeface="나눔스퀘어 ExtraBold" charset="0"/>
+              <a:ea typeface="나눔스퀘어 ExtraBold" charset="0"/>
             </a:endParaRPr>
           </a:p>
         </p:txBody>
@@ -9683,7 +9681,12 @@
             <p:ph type="sldNum" sz="quarter" idx="12"/>
           </p:nvPr>
         </p:nvSpPr>
-        <p:spPr/>
+        <p:spPr>
+          <a:xfrm>
+            <a:off x="8610600" y="6356350"/>
+            <a:ext cx="2743835" cy="365760"/>
+          </a:xfrm>
+        </p:spPr>
         <p:txBody>
           <a:bodyPr/>
           <a:lstStyle/>
@@ -9699,7 +9702,7 @@
       <p:sp>
         <p:nvSpPr>
           <p:cNvPr id="8" name="실행 단추: 문서 7">
-            <a:hlinkClick r:id="rId2" action="ppaction://hlinksldjump" highlightClick="1"/>
+            <a:hlinkClick r:id="rId5" action="ppaction://hlinksldjump"/>
             <a:extLst>
               <a:ext uri="{FF2B5EF4-FFF2-40B4-BE49-F238E27FC236}">
                 <a16:creationId xmlns:a16="http://schemas.microsoft.com/office/drawing/2014/main" id="{E79EFE45-9EDC-4459-B815-4422F9B6F4AD}"/>
@@ -9711,8 +9714,8 @@
         </p:nvSpPr>
         <p:spPr>
           <a:xfrm>
-            <a:off x="11353800" y="6416674"/>
-            <a:ext cx="646113" cy="441325"/>
+            <a:off x="11353800" y="6416675"/>
+            <a:ext cx="646430" cy="441325"/>
           </a:xfrm>
           <a:prstGeom prst="actionButtonDocument">
             <a:avLst/>
@@ -9757,6 +9760,794 @@
           </a:p>
         </p:txBody>
       </p:sp>
+      <p:graphicFrame>
+        <p:nvGraphicFramePr>
+          <p:cNvPr id="9" name="표 4"/>
+          <p:cNvGraphicFramePr>
+            <a:graphicFrameLocks noGrp="1"/>
+          </p:cNvGraphicFramePr>
+          <p:nvPr/>
+        </p:nvGraphicFramePr>
+        <p:xfrm>
+          <a:off x="183515" y="1056005"/>
+          <a:ext cx="11849100" cy="1112520"/>
+        </p:xfrm>
+        <a:graphic>
+          <a:graphicData uri="http://schemas.openxmlformats.org/drawingml/2006/table">
+            <a:tbl>
+              <a:tblPr firstRow="1" bandRow="1">
+                <a:tableStyleId>{5C22544A-7EE6-4342-B048-85BDC9FD1C3A}</a:tableStyleId>
+              </a:tblPr>
+              <a:tblGrid>
+                <a:gridCol w="1154430"/>
+                <a:gridCol w="10694670"/>
+              </a:tblGrid>
+              <a:tr h="370840">
+                <a:tc gridSpan="2">
+                  <a:txBody>
+                    <a:bodyPr/>
+                    <a:lstStyle/>
+                    <a:p>
+                      <a:pPr marL="0" indent="0" latinLnBrk="0" hangingPunct="1" lvl="1">
+                        <a:buFontTx/>
+                        <a:buNone/>
+                      </a:pPr>
+                      <a:r>
+                        <a:rPr lang="ko-KR" altLang="en-US" sz="1800" kern="1200" i="0" b="1">
+                          <a:solidFill>
+                            <a:schemeClr val="lt1"/>
+                          </a:solidFill>
+                          <a:latin typeface="맑은 고딕" charset="0"/>
+                          <a:ea typeface="맑은 고딕" charset="0"/>
+                        </a:rPr>
+                        <a:t>초반</a:t>
+                      </a:r>
+                      <a:endParaRPr lang="ko-KR" altLang="en-US" sz="1800" kern="1200" i="0" b="1">
+                        <a:solidFill>
+                          <a:schemeClr val="lt1"/>
+                        </a:solidFill>
+                        <a:latin typeface="맑은 고딕" charset="0"/>
+                        <a:ea typeface="맑은 고딕" charset="0"/>
+                      </a:endParaRPr>
+                    </a:p>
+                  </a:txBody>
+                  <a:tcPr marL="90170" marR="90170" marT="46990" marB="46990" anchor="t"/>
+                </a:tc>
+                <a:tc hMerge="1">
+                  <a:txBody>
+                    <a:bodyPr/>
+                    <a:lstStyle/>
+                    <a:p>
+                      <a:pPr/>
+                      <a:endParaRPr lang="ko-KR" altLang="en-US" kern="1200"/>
+                    </a:p>
+                  </a:txBody>
+                </a:tc>
+              </a:tr>
+              <a:tr h="370840">
+                <a:tc>
+                  <a:txBody>
+                    <a:bodyPr/>
+                    <a:lstStyle/>
+                    <a:p>
+                      <a:pPr marL="0" indent="0" latinLnBrk="0" hangingPunct="1" lvl="1">
+                        <a:buFontTx/>
+                        <a:buNone/>
+                      </a:pPr>
+                      <a:r>
+                        <a:rPr lang="ko-KR" altLang="en-US" sz="1800" kern="1200" i="0" b="0">
+                          <a:solidFill>
+                            <a:schemeClr val="dk1"/>
+                          </a:solidFill>
+                          <a:latin typeface="맑은 고딕" charset="0"/>
+                          <a:ea typeface="맑은 고딕" charset="0"/>
+                        </a:rPr>
+                        <a:t>컨텐츠</a:t>
+                      </a:r>
+                      <a:endParaRPr lang="ko-KR" altLang="en-US" sz="1800" kern="1200" i="0" b="0">
+                        <a:solidFill>
+                          <a:schemeClr val="dk1"/>
+                        </a:solidFill>
+                        <a:latin typeface="맑은 고딕" charset="0"/>
+                        <a:ea typeface="맑은 고딕" charset="0"/>
+                      </a:endParaRPr>
+                    </a:p>
+                  </a:txBody>
+                  <a:tcPr marL="90170" marR="90170" marT="46990" marB="46990" anchor="t"/>
+                </a:tc>
+                <a:tc>
+                  <a:txBody>
+                    <a:bodyPr/>
+                    <a:lstStyle/>
+                    <a:p>
+                      <a:pPr marL="0" indent="0" latinLnBrk="0" hangingPunct="1" lvl="1">
+                        <a:buFontTx/>
+                        <a:buNone/>
+                      </a:pPr>
+                      <a:r>
+                        <a:rPr lang="ko-KR" altLang="en-US" sz="1800" kern="1200" i="0" b="0">
+                          <a:solidFill>
+                            <a:schemeClr val="dk1"/>
+                          </a:solidFill>
+                          <a:latin typeface="맑은 고딕" charset="0"/>
+                          <a:ea typeface="맑은 고딕" charset="0"/>
+                        </a:rPr>
+                        <a:t>캐릭터 생성</a:t>
+                      </a:r>
+                      <a:endParaRPr lang="ko-KR" altLang="en-US" sz="1800" kern="1200" i="0" b="0">
+                        <a:solidFill>
+                          <a:schemeClr val="dk1"/>
+                        </a:solidFill>
+                        <a:latin typeface="맑은 고딕" charset="0"/>
+                        <a:ea typeface="맑은 고딕" charset="0"/>
+                      </a:endParaRPr>
+                    </a:p>
+                  </a:txBody>
+                  <a:tcPr marL="90170" marR="90170" marT="46990" marB="46990" anchor="t"/>
+                </a:tc>
+              </a:tr>
+              <a:tr h="370840">
+                <a:tc>
+                  <a:txBody>
+                    <a:bodyPr/>
+                    <a:lstStyle/>
+                    <a:p>
+                      <a:pPr marL="0" indent="0" latinLnBrk="0" hangingPunct="1" lvl="1">
+                        <a:buFontTx/>
+                        <a:buNone/>
+                      </a:pPr>
+                      <a:r>
+                        <a:rPr lang="ko-KR" altLang="en-US" sz="1800" kern="1200" i="0" b="0">
+                          <a:solidFill>
+                            <a:schemeClr val="dk1"/>
+                          </a:solidFill>
+                          <a:latin typeface="맑은 고딕" charset="0"/>
+                          <a:ea typeface="맑은 고딕" charset="0"/>
+                        </a:rPr>
+                        <a:t>시스템</a:t>
+                      </a:r>
+                      <a:endParaRPr lang="ko-KR" altLang="en-US" sz="1800" kern="1200" i="0" b="0">
+                        <a:solidFill>
+                          <a:schemeClr val="dk1"/>
+                        </a:solidFill>
+                        <a:latin typeface="맑은 고딕" charset="0"/>
+                        <a:ea typeface="맑은 고딕" charset="0"/>
+                      </a:endParaRPr>
+                    </a:p>
+                  </a:txBody>
+                  <a:tcPr marL="90170" marR="90170" marT="46990" marB="46990" anchor="t"/>
+                </a:tc>
+                <a:tc>
+                  <a:txBody>
+                    <a:bodyPr/>
+                    <a:lstStyle/>
+                    <a:p>
+                      <a:pPr marL="0" indent="0" latinLnBrk="0" hangingPunct="1" lvl="1">
+                        <a:buFontTx/>
+                        <a:buNone/>
+                      </a:pPr>
+                      <a:r>
+                        <a:rPr lang="ko-KR" altLang="en-US" sz="1800" kern="1200" i="0" b="0">
+                          <a:solidFill>
+                            <a:schemeClr val="dk1"/>
+                          </a:solidFill>
+                          <a:latin typeface="맑은 고딕" charset="0"/>
+                          <a:ea typeface="맑은 고딕" charset="0"/>
+                        </a:rPr>
+                        <a:t>튜토리얼</a:t>
+                      </a:r>
+                      <a:endParaRPr lang="ko-KR" altLang="en-US" sz="1800" kern="1200" i="0" b="0">
+                        <a:solidFill>
+                          <a:schemeClr val="dk1"/>
+                        </a:solidFill>
+                        <a:latin typeface="맑은 고딕" charset="0"/>
+                        <a:ea typeface="맑은 고딕" charset="0"/>
+                      </a:endParaRPr>
+                    </a:p>
+                  </a:txBody>
+                  <a:tcPr marL="90170" marR="90170" marT="46990" marB="46990" anchor="t"/>
+                </a:tc>
+              </a:tr>
+            </a:tbl>
+          </a:graphicData>
+        </a:graphic>
+      </p:graphicFrame>
+      <p:graphicFrame>
+        <p:nvGraphicFramePr>
+          <p:cNvPr id="10" name="표 3"/>
+          <p:cNvGraphicFramePr>
+            <a:graphicFrameLocks noGrp="1"/>
+          </p:cNvGraphicFramePr>
+          <p:nvPr/>
+        </p:nvGraphicFramePr>
+        <p:xfrm>
+          <a:off x="194310" y="2234565"/>
+          <a:ext cx="11849100" cy="1112520"/>
+        </p:xfrm>
+        <a:graphic>
+          <a:graphicData uri="http://schemas.openxmlformats.org/drawingml/2006/table">
+            <a:tbl>
+              <a:tblPr firstRow="1" bandRow="1">
+                <a:tableStyleId>{5C22544A-7EE6-4342-B048-85BDC9FD1C3A}</a:tableStyleId>
+              </a:tblPr>
+              <a:tblGrid>
+                <a:gridCol w="1154430"/>
+                <a:gridCol w="10694670"/>
+              </a:tblGrid>
+              <a:tr h="370840">
+                <a:tc gridSpan="2">
+                  <a:txBody>
+                    <a:bodyPr/>
+                    <a:lstStyle/>
+                    <a:p>
+                      <a:pPr marL="0" indent="0" latinLnBrk="0" hangingPunct="1" lvl="1">
+                        <a:buFontTx/>
+                        <a:buNone/>
+                      </a:pPr>
+                      <a:r>
+                        <a:rPr lang="ko-KR" altLang="en-US" sz="1800" kern="1200" i="0" b="1">
+                          <a:solidFill>
+                            <a:schemeClr val="lt1"/>
+                          </a:solidFill>
+                          <a:latin typeface="맑은 고딕" charset="0"/>
+                          <a:ea typeface="맑은 고딕" charset="0"/>
+                        </a:rPr>
+                        <a:t>중반</a:t>
+                      </a:r>
+                      <a:endParaRPr lang="ko-KR" altLang="en-US" sz="1800" kern="1200" i="0" b="1">
+                        <a:solidFill>
+                          <a:schemeClr val="lt1"/>
+                        </a:solidFill>
+                        <a:latin typeface="맑은 고딕" charset="0"/>
+                        <a:ea typeface="맑은 고딕" charset="0"/>
+                      </a:endParaRPr>
+                    </a:p>
+                  </a:txBody>
+                  <a:tcPr marL="90170" marR="90170" marT="46990" marB="46990" anchor="t"/>
+                </a:tc>
+                <a:tc hMerge="1">
+                  <a:txBody>
+                    <a:bodyPr/>
+                    <a:lstStyle/>
+                    <a:p>
+                      <a:pPr/>
+                      <a:endParaRPr lang="ko-KR" altLang="en-US" kern="1200"/>
+                    </a:p>
+                  </a:txBody>
+                </a:tc>
+              </a:tr>
+              <a:tr h="370840">
+                <a:tc>
+                  <a:txBody>
+                    <a:bodyPr/>
+                    <a:lstStyle/>
+                    <a:p>
+                      <a:pPr marL="0" indent="0" latinLnBrk="0" hangingPunct="1" lvl="1">
+                        <a:buFontTx/>
+                        <a:buNone/>
+                      </a:pPr>
+                      <a:r>
+                        <a:rPr lang="ko-KR" altLang="en-US" sz="1800" kern="1200" i="0" b="0">
+                          <a:solidFill>
+                            <a:schemeClr val="dk1"/>
+                          </a:solidFill>
+                          <a:latin typeface="맑은 고딕" charset="0"/>
+                          <a:ea typeface="맑은 고딕" charset="0"/>
+                        </a:rPr>
+                        <a:t>컨텐츠</a:t>
+                      </a:r>
+                      <a:endParaRPr lang="ko-KR" altLang="en-US" sz="1800" kern="1200" i="0" b="0">
+                        <a:solidFill>
+                          <a:schemeClr val="dk1"/>
+                        </a:solidFill>
+                        <a:latin typeface="맑은 고딕" charset="0"/>
+                        <a:ea typeface="맑은 고딕" charset="0"/>
+                      </a:endParaRPr>
+                    </a:p>
+                  </a:txBody>
+                  <a:tcPr marL="90170" marR="90170" marT="46990" marB="46990" anchor="t"/>
+                </a:tc>
+                <a:tc>
+                  <a:txBody>
+                    <a:bodyPr/>
+                    <a:lstStyle/>
+                    <a:p>
+                      <a:pPr marL="0" indent="0" latinLnBrk="0" hangingPunct="1" lvl="1">
+                        <a:buFontTx/>
+                        <a:buNone/>
+                      </a:pPr>
+                      <a:r>
+                        <a:rPr lang="ko-KR" altLang="en-US" sz="1800" kern="1200" i="0" b="0">
+                          <a:solidFill>
+                            <a:schemeClr val="dk1"/>
+                          </a:solidFill>
+                          <a:latin typeface="맑은 고딕" charset="0"/>
+                          <a:ea typeface="맑은 고딕" charset="0"/>
+                        </a:rPr>
+                        <a:t>메인 스토리, 몬스터, 맵, 던전</a:t>
+                      </a:r>
+                      <a:endParaRPr lang="ko-KR" altLang="en-US" sz="1800" kern="1200" i="0" b="0">
+                        <a:solidFill>
+                          <a:schemeClr val="dk1"/>
+                        </a:solidFill>
+                        <a:latin typeface="맑은 고딕" charset="0"/>
+                        <a:ea typeface="맑은 고딕" charset="0"/>
+                      </a:endParaRPr>
+                    </a:p>
+                  </a:txBody>
+                  <a:tcPr marL="90170" marR="90170" marT="46990" marB="46990" anchor="t"/>
+                </a:tc>
+              </a:tr>
+              <a:tr h="370840">
+                <a:tc>
+                  <a:txBody>
+                    <a:bodyPr/>
+                    <a:lstStyle/>
+                    <a:p>
+                      <a:pPr marL="0" indent="0" latinLnBrk="0" hangingPunct="1" lvl="1">
+                        <a:buFontTx/>
+                        <a:buNone/>
+                      </a:pPr>
+                      <a:r>
+                        <a:rPr lang="ko-KR" altLang="en-US" sz="1800" kern="1200" i="0" b="0">
+                          <a:solidFill>
+                            <a:schemeClr val="dk1"/>
+                          </a:solidFill>
+                          <a:latin typeface="맑은 고딕" charset="0"/>
+                          <a:ea typeface="맑은 고딕" charset="0"/>
+                        </a:rPr>
+                        <a:t>시스템</a:t>
+                      </a:r>
+                      <a:endParaRPr lang="ko-KR" altLang="en-US" sz="1800" kern="1200" i="0" b="0">
+                        <a:solidFill>
+                          <a:schemeClr val="dk1"/>
+                        </a:solidFill>
+                        <a:latin typeface="맑은 고딕" charset="0"/>
+                        <a:ea typeface="맑은 고딕" charset="0"/>
+                      </a:endParaRPr>
+                    </a:p>
+                  </a:txBody>
+                  <a:tcPr marL="90170" marR="90170" marT="46990" marB="46990" anchor="t"/>
+                </a:tc>
+                <a:tc>
+                  <a:txBody>
+                    <a:bodyPr/>
+                    <a:lstStyle/>
+                    <a:p>
+                      <a:pPr marL="0" indent="0" latinLnBrk="0" hangingPunct="1" lvl="1">
+                        <a:buFontTx/>
+                        <a:buNone/>
+                      </a:pPr>
+                      <a:r>
+                        <a:rPr lang="ko-KR" altLang="en-US" sz="1800" kern="1200" i="0" b="0">
+                          <a:solidFill>
+                            <a:schemeClr val="dk1"/>
+                          </a:solidFill>
+                          <a:latin typeface="맑은 고딕" charset="0"/>
+                          <a:ea typeface="맑은 고딕" charset="0"/>
+                        </a:rPr>
+                        <a:t>아이템</a:t>
+                      </a:r>
+                      <a:endParaRPr lang="ko-KR" altLang="en-US" sz="1800" kern="1200" i="0" b="0">
+                        <a:solidFill>
+                          <a:schemeClr val="dk1"/>
+                        </a:solidFill>
+                        <a:latin typeface="맑은 고딕" charset="0"/>
+                        <a:ea typeface="맑은 고딕" charset="0"/>
+                      </a:endParaRPr>
+                    </a:p>
+                  </a:txBody>
+                  <a:tcPr marL="90170" marR="90170" marT="46990" marB="46990" anchor="t"/>
+                </a:tc>
+              </a:tr>
+            </a:tbl>
+          </a:graphicData>
+        </a:graphic>
+      </p:graphicFrame>
+      <p:graphicFrame>
+        <p:nvGraphicFramePr>
+          <p:cNvPr id="11" name="표 4"/>
+          <p:cNvGraphicFramePr>
+            <a:graphicFrameLocks noGrp="1"/>
+          </p:cNvGraphicFramePr>
+          <p:nvPr/>
+        </p:nvGraphicFramePr>
+        <p:xfrm>
+          <a:off x="194310" y="3445510"/>
+          <a:ext cx="11849100" cy="1112520"/>
+        </p:xfrm>
+        <a:graphic>
+          <a:graphicData uri="http://schemas.openxmlformats.org/drawingml/2006/table">
+            <a:tbl>
+              <a:tblPr firstRow="1" bandRow="1">
+                <a:tableStyleId>{5C22544A-7EE6-4342-B048-85BDC9FD1C3A}</a:tableStyleId>
+              </a:tblPr>
+              <a:tblGrid>
+                <a:gridCol w="1154430"/>
+                <a:gridCol w="10694670"/>
+              </a:tblGrid>
+              <a:tr h="370840">
+                <a:tc gridSpan="2">
+                  <a:txBody>
+                    <a:bodyPr/>
+                    <a:lstStyle/>
+                    <a:p>
+                      <a:pPr marL="0" indent="0" latinLnBrk="0" hangingPunct="1" lvl="1">
+                        <a:buFontTx/>
+                        <a:buNone/>
+                      </a:pPr>
+                      <a:r>
+                        <a:rPr lang="ko-KR" altLang="en-US" sz="1800" kern="1200" i="0" b="1">
+                          <a:solidFill>
+                            <a:schemeClr val="lt1"/>
+                          </a:solidFill>
+                          <a:latin typeface="맑은 고딕" charset="0"/>
+                          <a:ea typeface="맑은 고딕" charset="0"/>
+                        </a:rPr>
+                        <a:t>후반</a:t>
+                      </a:r>
+                      <a:endParaRPr lang="ko-KR" altLang="en-US" sz="1800" kern="1200" i="0" b="1">
+                        <a:solidFill>
+                          <a:schemeClr val="lt1"/>
+                        </a:solidFill>
+                        <a:latin typeface="맑은 고딕" charset="0"/>
+                        <a:ea typeface="맑은 고딕" charset="0"/>
+                      </a:endParaRPr>
+                    </a:p>
+                  </a:txBody>
+                  <a:tcPr marL="90170" marR="90170" marT="46990" marB="46990" anchor="t"/>
+                </a:tc>
+                <a:tc hMerge="1">
+                  <a:txBody>
+                    <a:bodyPr/>
+                    <a:lstStyle/>
+                    <a:p>
+                      <a:pPr/>
+                      <a:endParaRPr lang="ko-KR" altLang="en-US" kern="1200"/>
+                    </a:p>
+                  </a:txBody>
+                </a:tc>
+              </a:tr>
+              <a:tr h="370840">
+                <a:tc>
+                  <a:txBody>
+                    <a:bodyPr/>
+                    <a:lstStyle/>
+                    <a:p>
+                      <a:pPr marL="0" indent="0" latinLnBrk="0" hangingPunct="1" lvl="1">
+                        <a:buFontTx/>
+                        <a:buNone/>
+                      </a:pPr>
+                      <a:r>
+                        <a:rPr lang="ko-KR" altLang="en-US" sz="1800" kern="1200" i="0" b="0">
+                          <a:solidFill>
+                            <a:schemeClr val="dk1"/>
+                          </a:solidFill>
+                          <a:latin typeface="맑은 고딕" charset="0"/>
+                          <a:ea typeface="맑은 고딕" charset="0"/>
+                        </a:rPr>
+                        <a:t>컨텐츠</a:t>
+                      </a:r>
+                      <a:endParaRPr lang="ko-KR" altLang="en-US" sz="1800" kern="1200" i="0" b="0">
+                        <a:solidFill>
+                          <a:schemeClr val="dk1"/>
+                        </a:solidFill>
+                        <a:latin typeface="맑은 고딕" charset="0"/>
+                        <a:ea typeface="맑은 고딕" charset="0"/>
+                      </a:endParaRPr>
+                    </a:p>
+                  </a:txBody>
+                  <a:tcPr marL="90170" marR="90170" marT="46990" marB="46990" anchor="t"/>
+                </a:tc>
+                <a:tc>
+                  <a:txBody>
+                    <a:bodyPr/>
+                    <a:lstStyle/>
+                    <a:p>
+                      <a:pPr marL="0" indent="0" latinLnBrk="0" hangingPunct="1" lvl="1">
+                        <a:buFontTx/>
+                        <a:buNone/>
+                      </a:pPr>
+                      <a:r>
+                        <a:rPr lang="ko-KR" altLang="en-US" sz="1800" kern="1200" i="0" b="0">
+                          <a:solidFill>
+                            <a:schemeClr val="dk1"/>
+                          </a:solidFill>
+                          <a:latin typeface="맑은 고딕" charset="0"/>
+                          <a:ea typeface="맑은 고딕" charset="0"/>
+                        </a:rPr>
+                        <a:t>서브 스토리, 제작, 영양, 강화, 수련</a:t>
+                      </a:r>
+                      <a:endParaRPr lang="ko-KR" altLang="en-US" sz="1800" kern="1200" i="0" b="0">
+                        <a:solidFill>
+                          <a:schemeClr val="dk1"/>
+                        </a:solidFill>
+                        <a:latin typeface="맑은 고딕" charset="0"/>
+                        <a:ea typeface="맑은 고딕" charset="0"/>
+                      </a:endParaRPr>
+                    </a:p>
+                  </a:txBody>
+                  <a:tcPr marL="90170" marR="90170" marT="46990" marB="46990" anchor="t"/>
+                </a:tc>
+              </a:tr>
+              <a:tr h="370840">
+                <a:tc>
+                  <a:txBody>
+                    <a:bodyPr/>
+                    <a:lstStyle/>
+                    <a:p>
+                      <a:pPr marL="0" indent="0" latinLnBrk="0" hangingPunct="1" lvl="1">
+                        <a:buFontTx/>
+                        <a:buNone/>
+                      </a:pPr>
+                      <a:r>
+                        <a:rPr lang="ko-KR" altLang="en-US" sz="1800" kern="1200" i="0" b="0">
+                          <a:solidFill>
+                            <a:schemeClr val="dk1"/>
+                          </a:solidFill>
+                          <a:latin typeface="맑은 고딕" charset="0"/>
+                          <a:ea typeface="맑은 고딕" charset="0"/>
+                        </a:rPr>
+                        <a:t>시스템</a:t>
+                      </a:r>
+                      <a:endParaRPr lang="ko-KR" altLang="en-US" sz="1800" kern="1200" i="0" b="0">
+                        <a:solidFill>
+                          <a:schemeClr val="dk1"/>
+                        </a:solidFill>
+                        <a:latin typeface="맑은 고딕" charset="0"/>
+                        <a:ea typeface="맑은 고딕" charset="0"/>
+                      </a:endParaRPr>
+                    </a:p>
+                  </a:txBody>
+                  <a:tcPr marL="90170" marR="90170" marT="46990" marB="46990" anchor="t"/>
+                </a:tc>
+                <a:tc>
+                  <a:txBody>
+                    <a:bodyPr/>
+                    <a:lstStyle/>
+                    <a:p>
+                      <a:pPr marL="0" indent="0" latinLnBrk="0" hangingPunct="1" lvl="1">
+                        <a:buFontTx/>
+                        <a:buNone/>
+                      </a:pPr>
+                      <a:r>
+                        <a:rPr lang="ko-KR" altLang="en-US" sz="1800" kern="1200" i="0" b="0">
+                          <a:solidFill>
+                            <a:schemeClr val="dk1"/>
+                          </a:solidFill>
+                          <a:latin typeface="맑은 고딕" charset="0"/>
+                          <a:ea typeface="맑은 고딕" charset="0"/>
+                        </a:rPr>
+                        <a:t>다회차 플레이</a:t>
+                      </a:r>
+                      <a:endParaRPr lang="ko-KR" altLang="en-US" sz="1800" kern="1200" i="0" b="0">
+                        <a:solidFill>
+                          <a:schemeClr val="dk1"/>
+                        </a:solidFill>
+                        <a:latin typeface="맑은 고딕" charset="0"/>
+                        <a:ea typeface="맑은 고딕" charset="0"/>
+                      </a:endParaRPr>
+                    </a:p>
+                  </a:txBody>
+                  <a:tcPr marL="90170" marR="90170" marT="46990" marB="46990" anchor="t"/>
+                </a:tc>
+              </a:tr>
+            </a:tbl>
+          </a:graphicData>
+        </a:graphic>
+      </p:graphicFrame>
+      <p:graphicFrame>
+        <p:nvGraphicFramePr>
+          <p:cNvPr id="12" name="표 5"/>
+          <p:cNvGraphicFramePr>
+            <a:graphicFrameLocks noGrp="1"/>
+          </p:cNvGraphicFramePr>
+          <p:nvPr/>
+        </p:nvGraphicFramePr>
+        <p:xfrm>
+          <a:off x="194310" y="4666615"/>
+          <a:ext cx="11849100" cy="1112520"/>
+        </p:xfrm>
+        <a:graphic>
+          <a:graphicData uri="http://schemas.openxmlformats.org/drawingml/2006/table">
+            <a:tbl>
+              <a:tblPr firstRow="1" bandRow="1">
+                <a:tableStyleId>{5C22544A-7EE6-4342-B048-85BDC9FD1C3A}</a:tableStyleId>
+              </a:tblPr>
+              <a:tblGrid>
+                <a:gridCol w="1154430"/>
+                <a:gridCol w="10694670"/>
+              </a:tblGrid>
+              <a:tr h="370840">
+                <a:tc gridSpan="2">
+                  <a:txBody>
+                    <a:bodyPr/>
+                    <a:lstStyle/>
+                    <a:p>
+                      <a:pPr marL="0" indent="0" latinLnBrk="0" hangingPunct="1" lvl="1">
+                        <a:buFontTx/>
+                        <a:buNone/>
+                      </a:pPr>
+                      <a:r>
+                        <a:rPr lang="ko-KR" altLang="en-US" sz="1800" kern="1200" i="0" b="1">
+                          <a:solidFill>
+                            <a:schemeClr val="lt1"/>
+                          </a:solidFill>
+                          <a:latin typeface="맑은 고딕" charset="0"/>
+                          <a:ea typeface="맑은 고딕" charset="0"/>
+                        </a:rPr>
+                        <a:t>후일담</a:t>
+                      </a:r>
+                      <a:endParaRPr lang="ko-KR" altLang="en-US" sz="1800" kern="1200" i="0" b="1">
+                        <a:solidFill>
+                          <a:schemeClr val="lt1"/>
+                        </a:solidFill>
+                        <a:latin typeface="맑은 고딕" charset="0"/>
+                        <a:ea typeface="맑은 고딕" charset="0"/>
+                      </a:endParaRPr>
+                    </a:p>
+                  </a:txBody>
+                  <a:tcPr marL="90170" marR="90170" marT="46990" marB="46990" anchor="t"/>
+                </a:tc>
+                <a:tc hMerge="1">
+                  <a:txBody>
+                    <a:bodyPr/>
+                    <a:lstStyle/>
+                    <a:p>
+                      <a:pPr/>
+                      <a:endParaRPr lang="ko-KR" altLang="en-US" kern="1200"/>
+                    </a:p>
+                  </a:txBody>
+                </a:tc>
+              </a:tr>
+              <a:tr h="370840">
+                <a:tc>
+                  <a:txBody>
+                    <a:bodyPr/>
+                    <a:lstStyle/>
+                    <a:p>
+                      <a:pPr marL="0" indent="0" latinLnBrk="0" hangingPunct="1" lvl="1">
+                        <a:buFontTx/>
+                        <a:buNone/>
+                      </a:pPr>
+                      <a:r>
+                        <a:rPr lang="ko-KR" altLang="en-US" sz="1800" kern="1200" i="0" b="0">
+                          <a:solidFill>
+                            <a:schemeClr val="dk1"/>
+                          </a:solidFill>
+                          <a:latin typeface="맑은 고딕" charset="0"/>
+                          <a:ea typeface="맑은 고딕" charset="0"/>
+                        </a:rPr>
+                        <a:t>컨텐츠</a:t>
+                      </a:r>
+                      <a:endParaRPr lang="ko-KR" altLang="en-US" sz="1800" kern="1200" i="0" b="0">
+                        <a:solidFill>
+                          <a:schemeClr val="dk1"/>
+                        </a:solidFill>
+                        <a:latin typeface="맑은 고딕" charset="0"/>
+                        <a:ea typeface="맑은 고딕" charset="0"/>
+                      </a:endParaRPr>
+                    </a:p>
+                  </a:txBody>
+                  <a:tcPr marL="90170" marR="90170" marT="46990" marB="46990" anchor="t"/>
+                </a:tc>
+                <a:tc>
+                  <a:txBody>
+                    <a:bodyPr/>
+                    <a:lstStyle/>
+                    <a:p>
+                      <a:pPr marL="0" indent="0" latinLnBrk="0" hangingPunct="1" lvl="1">
+                        <a:buFontTx/>
+                        <a:buNone/>
+                      </a:pPr>
+                      <a:r>
+                        <a:rPr lang="ko-KR" altLang="en-US" sz="1800" kern="1200" i="0" b="0">
+                          <a:solidFill>
+                            <a:schemeClr val="dk1"/>
+                          </a:solidFill>
+                          <a:latin typeface="맑은 고딕" charset="0"/>
+                          <a:ea typeface="맑은 고딕" charset="0"/>
+                        </a:rPr>
+                        <a:t>히든 스토리</a:t>
+                      </a:r>
+                      <a:r>
+                        <a:rPr lang="en-US" altLang="ko-KR" sz="1800" kern="1200" i="0" b="0">
+                          <a:solidFill>
+                            <a:schemeClr val="dk1"/>
+                          </a:solidFill>
+                          <a:latin typeface="맑은 고딕" charset="0"/>
+                          <a:ea typeface="맑은 고딕" charset="0"/>
+                        </a:rPr>
+                        <a:t>, </a:t>
+                      </a:r>
+                      <a:r>
+                        <a:rPr lang="ko-KR" sz="1800" kern="1200" i="0" b="0">
+                          <a:solidFill>
+                            <a:schemeClr val="dk1"/>
+                          </a:solidFill>
+                          <a:latin typeface="맑은 고딕" charset="0"/>
+                          <a:ea typeface="맑은 고딕" charset="0"/>
+                        </a:rPr>
+                        <a:t>강화 보스, 멀티 플레이, Pvp, 도장 깨기, 비무, 무도회</a:t>
+                      </a:r>
+                      <a:endParaRPr lang="ko-KR" altLang="en-US" sz="1800" kern="1200" i="0" b="0">
+                        <a:solidFill>
+                          <a:schemeClr val="dk1"/>
+                        </a:solidFill>
+                        <a:latin typeface="맑은 고딕" charset="0"/>
+                        <a:ea typeface="맑은 고딕" charset="0"/>
+                      </a:endParaRPr>
+                    </a:p>
+                  </a:txBody>
+                  <a:tcPr marL="90170" marR="90170" marT="46990" marB="46990" anchor="t"/>
+                </a:tc>
+              </a:tr>
+              <a:tr h="370840">
+                <a:tc>
+                  <a:txBody>
+                    <a:bodyPr/>
+                    <a:lstStyle/>
+                    <a:p>
+                      <a:pPr marL="0" indent="0" latinLnBrk="0" hangingPunct="1" lvl="1">
+                        <a:buFontTx/>
+                        <a:buNone/>
+                      </a:pPr>
+                      <a:r>
+                        <a:rPr lang="ko-KR" altLang="en-US" sz="1800" kern="1200" i="0" b="0">
+                          <a:solidFill>
+                            <a:schemeClr val="dk1"/>
+                          </a:solidFill>
+                          <a:latin typeface="맑은 고딕" charset="0"/>
+                          <a:ea typeface="맑은 고딕" charset="0"/>
+                        </a:rPr>
+                        <a:t>시스템</a:t>
+                      </a:r>
+                      <a:endParaRPr lang="ko-KR" altLang="en-US" sz="1800" kern="1200" i="0" b="0">
+                        <a:solidFill>
+                          <a:schemeClr val="dk1"/>
+                        </a:solidFill>
+                        <a:latin typeface="맑은 고딕" charset="0"/>
+                        <a:ea typeface="맑은 고딕" charset="0"/>
+                      </a:endParaRPr>
+                    </a:p>
+                  </a:txBody>
+                  <a:tcPr marL="90170" marR="90170" marT="46990" marB="46990" anchor="t"/>
+                </a:tc>
+                <a:tc>
+                  <a:txBody>
+                    <a:bodyPr/>
+                    <a:lstStyle/>
+                    <a:p>
+                      <a:pPr marL="0" indent="0" latinLnBrk="0" hangingPunct="1" lvl="1">
+                        <a:buFontTx/>
+                        <a:buNone/>
+                      </a:pPr>
+                      <a:r>
+                        <a:rPr lang="ko-KR" sz="1800" kern="1200" i="0" b="0">
+                          <a:solidFill>
+                            <a:schemeClr val="dk1"/>
+                          </a:solidFill>
+                          <a:latin typeface="맑은 고딕" charset="0"/>
+                          <a:ea typeface="맑은 고딕" charset="0"/>
+                        </a:rPr>
+                        <a:t>업적</a:t>
+                      </a:r>
+                      <a:endParaRPr lang="ko-KR" altLang="en-US" sz="1800" kern="1200" i="0" b="0">
+                        <a:solidFill>
+                          <a:schemeClr val="dk1"/>
+                        </a:solidFill>
+                        <a:latin typeface="맑은 고딕" charset="0"/>
+                        <a:ea typeface="맑은 고딕" charset="0"/>
+                      </a:endParaRPr>
+                    </a:p>
+                  </a:txBody>
+                  <a:tcPr marL="90170" marR="90170" marT="46990" marB="46990" anchor="t"/>
+                </a:tc>
+              </a:tr>
+            </a:tbl>
+          </a:graphicData>
+        </a:graphic>
+      </p:graphicFrame>
     </p:spTree>
     <p:extLst>
       <p:ext uri="{BB962C8B-B14F-4D97-AF65-F5344CB8AC3E}">
@@ -9767,23 +10558,30 @@
   <p:clrMapOvr>
     <a:masterClrMapping/>
   </p:clrMapOvr>
-  <mc:AlternateContent xmlns:mc="http://schemas.openxmlformats.org/markup-compatibility/2006" xmlns:p159="http://schemas.microsoft.com/office/powerpoint/2015/09/main">
-    <mc:Choice Requires="p159">
+  <mc:AlternateContent xmlns:mc="http://schemas.openxmlformats.org/markup-compatibility/2006">
+    <mc:Choice xmlns:p159="http://schemas.microsoft.com/office/powerpoint/2015/09/main" Requires="p159">
       <p:transition xmlns:p14="http://schemas.microsoft.com/office/powerpoint/2010/main" spd="slow" p14:dur="2000">
         <p159:morph option="byObject"/>
       </p:transition>
     </mc:Choice>
-    <mc:Fallback xmlns="">
+    <mc:Fallback>
       <p:transition spd="slow">
         <p:fade/>
       </p:transition>
     </mc:Fallback>
   </mc:AlternateContent>
+  <p:timing>
+    <p:tnLst>
+      <p:par>
+        <p:cTn id="1" dur="indefinite" restart="never" nodeType="tmRoot"/>
+      </p:par>
+    </p:tnLst>
+  </p:timing>
 </p:sld>
 </file>
 
 <file path=ppt/slides/slide8.xml><?xml version="1.0" encoding="utf-8"?>
-<p:sld xmlns:a="http://schemas.openxmlformats.org/drawingml/2006/main" xmlns:r="http://schemas.openxmlformats.org/officeDocument/2006/relationships" xmlns:p="http://schemas.openxmlformats.org/presentationml/2006/main">
+<p:sld xmlns:a="http://schemas.openxmlformats.org/drawingml/2006/main" xmlns:r="http://schemas.openxmlformats.org/officeDocument/2006/relationships" xmlns:p="http://schemas.openxmlformats.org/presentationml/2006/main" xmlns:p14="http://schemas.microsoft.com/office/powerpoint/2010/main">
   <p:cSld>
     <p:spTree>
       <p:nvGrpSpPr>
@@ -9839,8 +10637,8 @@
         </p:nvSpPr>
         <p:spPr>
           <a:xfrm flipH="1">
-            <a:off x="192088" y="335280"/>
-            <a:ext cx="3764915" cy="645795"/>
+            <a:off x="192405" y="335280"/>
+            <a:ext cx="3765550" cy="645795"/>
           </a:xfrm>
           <a:prstGeom prst="rect">
             <a:avLst/>
@@ -9848,7 +10646,7 @@
           <a:noFill/>
         </p:spPr>
         <p:txBody>
-          <a:bodyPr vert="horz" wrap="square" lIns="91440" tIns="45720" rIns="91440" bIns="45720" numCol="1" anchor="t">
+          <a:bodyPr wrap="square" lIns="91440" tIns="45720" rIns="91440" bIns="45720" numCol="1" vert="horz" anchor="t">
             <a:spAutoFit/>
           </a:bodyPr>
           <a:lstStyle/>
@@ -9867,8 +10665,17 @@
                 <a:latin typeface="나눔스퀘어 ExtraBold" charset="0"/>
                 <a:ea typeface="나눔스퀘어 ExtraBold" charset="0"/>
               </a:rPr>
-              <a:t>6.시스템 정립</a:t>
+              <a:t>6.</a:t>
             </a:r>
+            <a:endParaRPr lang="ko-KR" altLang="en-US" sz="3600" b="1">
+              <a:solidFill>
+                <a:schemeClr val="accent1">
+                  <a:lumMod val="50000"/>
+                </a:schemeClr>
+              </a:solidFill>
+              <a:latin typeface="나눔스퀘어 ExtraBold" charset="0"/>
+              <a:ea typeface="나눔스퀘어 ExtraBold" charset="0"/>
+            </a:endParaRPr>
           </a:p>
         </p:txBody>
       </p:sp>
@@ -9883,7 +10690,7 @@
         <p:spPr>
           <a:xfrm>
             <a:off x="312420" y="981075"/>
-            <a:ext cx="11687493" cy="364972"/>
+            <a:ext cx="11687810" cy="365125"/>
           </a:xfrm>
           <a:prstGeom prst="rect">
             <a:avLst/>
@@ -9938,7 +10745,12 @@
             <p:ph type="sldNum" sz="quarter" idx="12"/>
           </p:nvPr>
         </p:nvSpPr>
-        <p:spPr/>
+        <p:spPr>
+          <a:xfrm>
+            <a:off x="8610600" y="6356350"/>
+            <a:ext cx="2743835" cy="365760"/>
+          </a:xfrm>
+        </p:spPr>
         <p:txBody>
           <a:bodyPr/>
           <a:lstStyle/>
@@ -9954,7 +10766,7 @@
       <p:sp>
         <p:nvSpPr>
           <p:cNvPr id="8" name="실행 단추: 문서 7">
-            <a:hlinkClick r:id="rId2" action="ppaction://hlinksldjump" highlightClick="1"/>
+            <a:hlinkClick r:id="rId5" action="ppaction://hlinksldjump"/>
             <a:extLst>
               <a:ext uri="{FF2B5EF4-FFF2-40B4-BE49-F238E27FC236}">
                 <a16:creationId xmlns:a16="http://schemas.microsoft.com/office/drawing/2014/main" id="{B5112F00-038E-45A9-9EF4-2253F2E230F8}"/>
@@ -9966,8 +10778,8 @@
         </p:nvSpPr>
         <p:spPr>
           <a:xfrm>
-            <a:off x="11353800" y="6416674"/>
-            <a:ext cx="646113" cy="441325"/>
+            <a:off x="11353800" y="6416675"/>
+            <a:ext cx="646430" cy="441325"/>
           </a:xfrm>
           <a:prstGeom prst="actionButtonDocument">
             <a:avLst/>
@@ -10017,18 +10829,25 @@
   <p:clrMapOvr>
     <a:masterClrMapping/>
   </p:clrMapOvr>
-  <mc:AlternateContent xmlns:mc="http://schemas.openxmlformats.org/markup-compatibility/2006" xmlns:p159="http://schemas.microsoft.com/office/powerpoint/2015/09/main">
-    <mc:Choice Requires="p159">
+  <mc:AlternateContent xmlns:mc="http://schemas.openxmlformats.org/markup-compatibility/2006">
+    <mc:Choice xmlns:p159="http://schemas.microsoft.com/office/powerpoint/2015/09/main" Requires="p159">
       <p:transition xmlns:p14="http://schemas.microsoft.com/office/powerpoint/2010/main" spd="slow" p14:dur="2000">
         <p159:morph option="byObject"/>
       </p:transition>
     </mc:Choice>
-    <mc:Fallback xmlns="">
+    <mc:Fallback>
       <p:transition spd="slow">
         <p:fade/>
       </p:transition>
     </mc:Fallback>
   </mc:AlternateContent>
+  <p:timing>
+    <p:tnLst>
+      <p:par>
+        <p:cTn id="1" dur="indefinite" restart="never" nodeType="tmRoot"/>
+      </p:par>
+    </p:tnLst>
+  </p:timing>
 </p:sld>
 </file>
 

--- a/기획/메인 기획서.pptx
+++ b/기획/메인 기획서.pptx
@@ -1,22 +1,23 @@
 
 <file path=ppt/presentation.xml><?xml version="1.0" encoding="utf-8"?>
-<p:presentation xmlns:a="http://schemas.openxmlformats.org/drawingml/2006/main" xmlns:r="http://schemas.openxmlformats.org/officeDocument/2006/relationships" xmlns:p="http://schemas.openxmlformats.org/presentationml/2006/main" xmlns:p14="http://schemas.microsoft.com/office/powerpoint/2010/main" showSpecialPlsOnTitleSld="0" saveSubsetFonts="1">
+<p:presentation xmlns:a="http://schemas.openxmlformats.org/drawingml/2006/main" xmlns:r="http://schemas.openxmlformats.org/officeDocument/2006/relationships" xmlns:p="http://schemas.openxmlformats.org/presentationml/2006/main" showSpecialPlsOnTitleSld="0" saveSubsetFonts="1">
   <p:sldMasterIdLst>
-    <p:sldMasterId id="2147483678" r:id="rId14"/>
+    <p:sldMasterId id="2147483678" r:id="rId1"/>
   </p:sldMasterIdLst>
   <p:notesMasterIdLst>
-    <p:notesMasterId r:id="rId16"/>
+    <p:notesMasterId r:id="rId12"/>
   </p:notesMasterIdLst>
   <p:sldIdLst>
-    <p:sldId id="278" r:id="rId18"/>
-    <p:sldId id="279" r:id="rId19"/>
-    <p:sldId id="285" r:id="rId20"/>
-    <p:sldId id="287" r:id="rId21"/>
-    <p:sldId id="292" r:id="rId22"/>
-    <p:sldId id="288" r:id="rId23"/>
-    <p:sldId id="293" r:id="rId24"/>
-    <p:sldId id="290" r:id="rId25"/>
-    <p:sldId id="291" r:id="rId26"/>
+    <p:sldId id="278" r:id="rId2"/>
+    <p:sldId id="294" r:id="rId3"/>
+    <p:sldId id="279" r:id="rId4"/>
+    <p:sldId id="285" r:id="rId5"/>
+    <p:sldId id="287" r:id="rId6"/>
+    <p:sldId id="292" r:id="rId7"/>
+    <p:sldId id="288" r:id="rId8"/>
+    <p:sldId id="293" r:id="rId9"/>
+    <p:sldId id="290" r:id="rId10"/>
+    <p:sldId id="291" r:id="rId11"/>
   </p:sldIdLst>
   <p:sldSz cx="12192000" cy="6858000"/>
   <p:notesSz cx="6858000" cy="9144000"/>
@@ -118,7 +119,7 @@
   <p:extLst>
     <p:ext uri="{EFAFB233-063F-42B5-8137-9DF3F51BA10A}">
       <p15:sldGuideLst xmlns:p15="http://schemas.microsoft.com/office/powerpoint/2012/main">
-        <p15:guide id="1" orient="horz" pos="2157" userDrawn="1">
+        <p15:guide id="1" orient="horz" pos="2160" userDrawn="1">
           <p15:clr>
             <a:srgbClr val="A4A3A4"/>
           </p15:clr>
@@ -138,22 +139,12 @@
             <a:srgbClr val="A4A3A4"/>
           </p15:clr>
         </p15:guide>
-        <p15:guide id="5" pos="7556" userDrawn="1">
+        <p15:guide id="5" pos="7559" userDrawn="1">
           <p15:clr>
             <a:srgbClr val="A4A3A4"/>
           </p15:clr>
         </p15:guide>
-        <p15:guide id="6" orient="horz" pos="4039" userDrawn="1">
-          <p15:clr>
-            <a:srgbClr val="A4A3A4"/>
-          </p15:clr>
-        </p15:guide>
-        <p15:guide id="6" pos="3837" userDrawn="1">
-          <p15:clr>
-            <a:srgbClr val="A4A3A4"/>
-          </p15:clr>
-        </p15:guide>
-        <p15:guide id="7" pos="7556" userDrawn="1">
+        <p15:guide id="6" orient="horz" pos="4042" userDrawn="1">
           <p15:clr>
             <a:srgbClr val="A4A3A4"/>
           </p15:clr>
@@ -246,7 +237,7 @@
           <a:p>
             <a:fld id="{C60A41CB-61FA-4019-A4B0-427C8889D692}" type="datetimeFigureOut">
               <a:rPr lang="ko-KR" altLang="en-US" smtClean="0"/>
-              <a:t>2023-11-01</a:t>
+              <a:t>2023-11-02</a:t>
             </a:fld>
             <a:endParaRPr lang="ko-KR" altLang="en-US"/>
           </a:p>
@@ -660,7 +651,7 @@
           <a:p>
             <a:fld id="{3E575BB6-E5B3-4504-A1BD-6017DEED7613}" type="datetime1">
               <a:rPr lang="ko-KR" altLang="en-US" smtClean="0"/>
-              <a:t>2023-11-01</a:t>
+              <a:t>2023-11-02</a:t>
             </a:fld>
             <a:endParaRPr lang="ko-KR" altLang="en-US"/>
           </a:p>
@@ -948,7 +939,7 @@
           <a:p>
             <a:fld id="{48DFB8A8-7915-45BD-AD65-C3D084B22E9B}" type="datetime1">
               <a:rPr lang="ko-KR" altLang="en-US" smtClean="0"/>
-              <a:t>2023-11-01</a:t>
+              <a:t>2023-11-02</a:t>
             </a:fld>
             <a:endParaRPr lang="ko-KR" altLang="en-US"/>
           </a:p>
@@ -1146,7 +1137,7 @@
           <a:p>
             <a:fld id="{27AED4DE-6637-4B3C-91FE-F05CE44CBBFD}" type="datetime1">
               <a:rPr lang="ko-KR" altLang="en-US" smtClean="0"/>
-              <a:t>2023-11-01</a:t>
+              <a:t>2023-11-02</a:t>
             </a:fld>
             <a:endParaRPr lang="ko-KR" altLang="en-US"/>
           </a:p>
@@ -1354,7 +1345,7 @@
           <a:p>
             <a:fld id="{4AF7FE54-5D5F-4A3A-8B3F-4829D71391E0}" type="datetime1">
               <a:rPr lang="ko-KR" altLang="en-US" smtClean="0"/>
-              <a:t>2023-11-01</a:t>
+              <a:t>2023-11-02</a:t>
             </a:fld>
             <a:endParaRPr lang="ko-KR" altLang="en-US"/>
           </a:p>
@@ -1552,7 +1543,7 @@
           <a:p>
             <a:fld id="{75673C36-7E72-4192-A2B9-B4AB936290B5}" type="datetime1">
               <a:rPr lang="ko-KR" altLang="en-US" smtClean="0"/>
-              <a:t>2023-11-01</a:t>
+              <a:t>2023-11-02</a:t>
             </a:fld>
             <a:endParaRPr lang="ko-KR" altLang="en-US"/>
           </a:p>
@@ -1827,7 +1818,7 @@
           <a:p>
             <a:fld id="{C81D6C71-6BD3-43E4-97BA-B0DE4EA31951}" type="datetime1">
               <a:rPr lang="ko-KR" altLang="en-US" smtClean="0"/>
-              <a:t>2023-11-01</a:t>
+              <a:t>2023-11-02</a:t>
             </a:fld>
             <a:endParaRPr lang="ko-KR" altLang="en-US"/>
           </a:p>
@@ -2092,7 +2083,7 @@
           <a:p>
             <a:fld id="{04CD0557-08E3-40B5-9A90-AC12974B8819}" type="datetime1">
               <a:rPr lang="ko-KR" altLang="en-US" smtClean="0"/>
-              <a:t>2023-11-01</a:t>
+              <a:t>2023-11-02</a:t>
             </a:fld>
             <a:endParaRPr lang="ko-KR" altLang="en-US"/>
           </a:p>
@@ -2504,7 +2495,7 @@
           <a:p>
             <a:fld id="{D629B70C-30BC-4061-A360-A2ED2C2B536C}" type="datetime1">
               <a:rPr lang="ko-KR" altLang="en-US" smtClean="0"/>
-              <a:t>2023-11-01</a:t>
+              <a:t>2023-11-02</a:t>
             </a:fld>
             <a:endParaRPr lang="ko-KR" altLang="en-US"/>
           </a:p>
@@ -2645,7 +2636,7 @@
           <a:p>
             <a:fld id="{DEBCEC54-258E-41DB-A8CB-301AB5466904}" type="datetime1">
               <a:rPr lang="ko-KR" altLang="en-US" smtClean="0"/>
-              <a:t>2023-11-01</a:t>
+              <a:t>2023-11-02</a:t>
             </a:fld>
             <a:endParaRPr lang="ko-KR" altLang="en-US"/>
           </a:p>
@@ -2758,7 +2749,7 @@
           <a:p>
             <a:fld id="{CD0EBA57-5240-4A25-A388-5D04FF3A03DC}" type="datetime1">
               <a:rPr lang="ko-KR" altLang="en-US" smtClean="0"/>
-              <a:t>2023-11-01</a:t>
+              <a:t>2023-11-02</a:t>
             </a:fld>
             <a:endParaRPr lang="ko-KR" altLang="en-US"/>
           </a:p>
@@ -3018,7 +3009,7 @@
           <a:p>
             <a:fld id="{11391D84-4E24-498E-8117-9332CC137479}" type="datetime1">
               <a:rPr lang="ko-KR" altLang="en-US" smtClean="0"/>
-              <a:t>2023-11-01</a:t>
+              <a:t>2023-11-02</a:t>
             </a:fld>
             <a:endParaRPr lang="ko-KR" altLang="en-US"/>
           </a:p>
@@ -3329,7 +3320,7 @@
           <a:p>
             <a:fld id="{A9169B5D-494E-405E-B1DB-7DB63C2661E0}" type="datetime1">
               <a:rPr lang="ko-KR" altLang="en-US" smtClean="0"/>
-              <a:t>2023-11-01</a:t>
+              <a:t>2023-11-02</a:t>
             </a:fld>
             <a:endParaRPr lang="ko-KR" altLang="en-US"/>
           </a:p>
@@ -3570,7 +3561,7 @@
           <a:p>
             <a:fld id="{CDA0B6B0-6457-4CCD-80FB-28D37649507F}" type="datetime1">
               <a:rPr lang="ko-KR" altLang="en-US" smtClean="0"/>
-              <a:t>2023-11-01</a:t>
+              <a:t>2023-11-02</a:t>
             </a:fld>
             <a:endParaRPr lang="ko-KR" altLang="en-US"/>
           </a:p>
@@ -4152,7 +4143,257 @@
         <p159:morph option="byObject"/>
       </p:transition>
     </mc:Choice>
-    <mc:Fallback xmlns="" xmlns:p14="http://schemas.microsoft.com/office/powerpoint/2010/main">
+    <mc:Fallback xmlns:p14="http://schemas.microsoft.com/office/powerpoint/2010/main" xmlns="">
+      <p:transition spd="slow">
+        <p:fade/>
+      </p:transition>
+    </mc:Fallback>
+  </mc:AlternateContent>
+</p:sld>
+</file>
+
+<file path=ppt/slides/slide10.xml><?xml version="1.0" encoding="utf-8"?>
+<p:sld xmlns:a="http://schemas.openxmlformats.org/drawingml/2006/main" xmlns:r="http://schemas.openxmlformats.org/officeDocument/2006/relationships" xmlns:p="http://schemas.openxmlformats.org/presentationml/2006/main">
+  <p:cSld>
+    <p:spTree>
+      <p:nvGrpSpPr>
+        <p:cNvPr id="1" name=""/>
+        <p:cNvGrpSpPr/>
+        <p:nvPr/>
+      </p:nvGrpSpPr>
+      <p:grpSpPr>
+        <a:xfrm>
+          <a:off x="0" y="0"/>
+          <a:ext cx="0" cy="0"/>
+          <a:chOff x="0" y="0"/>
+          <a:chExt cx="0" cy="0"/>
+        </a:xfrm>
+      </p:grpSpPr>
+      <p:cxnSp>
+        <p:nvCxnSpPr>
+          <p:cNvPr id="4" name="Rect 0"/>
+          <p:cNvCxnSpPr/>
+          <p:nvPr/>
+        </p:nvCxnSpPr>
+        <p:spPr>
+          <a:xfrm>
+            <a:off x="0" y="975360"/>
+            <a:ext cx="12192635" cy="635"/>
+          </a:xfrm>
+          <a:prstGeom prst="line">
+            <a:avLst/>
+          </a:prstGeom>
+        </p:spPr>
+        <p:style>
+          <a:lnRef idx="1">
+            <a:schemeClr val="accent1"/>
+          </a:lnRef>
+          <a:fillRef idx="0">
+            <a:schemeClr val="accent1"/>
+          </a:fillRef>
+          <a:effectRef idx="0">
+            <a:schemeClr val="accent1"/>
+          </a:effectRef>
+          <a:fontRef idx="minor">
+            <a:schemeClr val="tx1"/>
+          </a:fontRef>
+        </p:style>
+      </p:cxnSp>
+      <p:sp>
+        <p:nvSpPr>
+          <p:cNvPr id="6" name="Rect 0"/>
+          <p:cNvSpPr txBox="1">
+            <a:spLocks/>
+          </p:cNvSpPr>
+          <p:nvPr/>
+        </p:nvSpPr>
+        <p:spPr>
+          <a:xfrm flipH="1">
+            <a:off x="192088" y="305679"/>
+            <a:ext cx="3764915" cy="645795"/>
+          </a:xfrm>
+          <a:prstGeom prst="rect">
+            <a:avLst/>
+          </a:prstGeom>
+          <a:noFill/>
+        </p:spPr>
+        <p:txBody>
+          <a:bodyPr vert="horz" wrap="square" lIns="91440" tIns="45720" rIns="91440" bIns="45720" numCol="1" anchor="t">
+            <a:spAutoFit/>
+          </a:bodyPr>
+          <a:lstStyle/>
+          <a:p>
+            <a:pPr marL="0" indent="0" latinLnBrk="0">
+              <a:buFontTx/>
+              <a:buNone/>
+            </a:pPr>
+            <a:r>
+              <a:rPr lang="ko-KR" altLang="en-US" sz="3600" b="1" dirty="0">
+                <a:solidFill>
+                  <a:schemeClr val="accent1">
+                    <a:lumMod val="50000"/>
+                  </a:schemeClr>
+                </a:solidFill>
+                <a:latin typeface="나눔스퀘어 ExtraBold" charset="0"/>
+                <a:ea typeface="나눔스퀘어 ExtraBold" charset="0"/>
+              </a:rPr>
+              <a:t>7.유료화 모델</a:t>
+            </a:r>
+          </a:p>
+        </p:txBody>
+      </p:sp>
+      <p:sp>
+        <p:nvSpPr>
+          <p:cNvPr id="7" name="텍스트 상자 28"/>
+          <p:cNvSpPr txBox="1">
+            <a:spLocks/>
+          </p:cNvSpPr>
+          <p:nvPr/>
+        </p:nvSpPr>
+        <p:spPr>
+          <a:xfrm>
+            <a:off x="192088" y="981075"/>
+            <a:ext cx="11807825" cy="364972"/>
+          </a:xfrm>
+          <a:prstGeom prst="rect">
+            <a:avLst/>
+          </a:prstGeom>
+          <a:noFill/>
+        </p:spPr>
+        <p:txBody>
+          <a:bodyPr vert="horz" wrap="square" lIns="91440" tIns="45720" rIns="91440" bIns="45720" numCol="1" anchor="t">
+            <a:spAutoFit/>
+          </a:bodyPr>
+          <a:lstStyle/>
+          <a:p>
+            <a:pPr marL="0" indent="0" algn="just" latinLnBrk="1">
+              <a:lnSpc>
+                <a:spcPct val="107000"/>
+              </a:lnSpc>
+              <a:spcAft>
+                <a:spcPts val="800"/>
+              </a:spcAft>
+              <a:buFontTx/>
+              <a:buNone/>
+            </a:pPr>
+            <a:r>
+              <a:rPr lang="ko-KR" altLang="ko-KR" sz="1800">
+                <a:latin typeface="맑은 고딕" charset="0"/>
+                <a:ea typeface="맑은 고딕" charset="0"/>
+                <a:cs typeface="Times New Roman" charset="0"/>
+              </a:rPr>
+              <a:t>텍스트</a:t>
+            </a:r>
+            <a:endParaRPr lang="ko-KR" altLang="en-US" sz="1800">
+              <a:latin typeface="맑은 고딕" charset="0"/>
+              <a:ea typeface="맑은 고딕" charset="0"/>
+              <a:cs typeface="Times New Roman" charset="0"/>
+            </a:endParaRPr>
+          </a:p>
+        </p:txBody>
+      </p:sp>
+      <p:sp>
+        <p:nvSpPr>
+          <p:cNvPr id="2" name="슬라이드 번호 개체 틀 1">
+            <a:extLst>
+              <a:ext uri="{FF2B5EF4-FFF2-40B4-BE49-F238E27FC236}">
+                <a16:creationId xmlns:a16="http://schemas.microsoft.com/office/drawing/2014/main" id="{31DCF911-0AE4-4745-B7E1-08FF6AABF44F}"/>
+              </a:ext>
+            </a:extLst>
+          </p:cNvPr>
+          <p:cNvSpPr>
+            <a:spLocks noGrp="1"/>
+          </p:cNvSpPr>
+          <p:nvPr>
+            <p:ph type="sldNum" sz="quarter" idx="12"/>
+          </p:nvPr>
+        </p:nvSpPr>
+        <p:spPr/>
+        <p:txBody>
+          <a:bodyPr/>
+          <a:lstStyle/>
+          <a:p>
+            <a:fld id="{E887A479-1FB4-4076-82AD-4520E3445CF4}" type="slidenum">
+              <a:rPr lang="ko-KR" altLang="en-US" smtClean="0"/>
+              <a:t>10</a:t>
+            </a:fld>
+            <a:endParaRPr lang="ko-KR" altLang="en-US"/>
+          </a:p>
+        </p:txBody>
+      </p:sp>
+      <p:sp>
+        <p:nvSpPr>
+          <p:cNvPr id="8" name="실행 단추: 문서 7">
+            <a:hlinkClick r:id="rId2" action="ppaction://hlinksldjump" highlightClick="1"/>
+            <a:extLst>
+              <a:ext uri="{FF2B5EF4-FFF2-40B4-BE49-F238E27FC236}">
+                <a16:creationId xmlns:a16="http://schemas.microsoft.com/office/drawing/2014/main" id="{8D35763B-1845-4045-83E3-3478275AE03A}"/>
+              </a:ext>
+            </a:extLst>
+          </p:cNvPr>
+          <p:cNvSpPr/>
+          <p:nvPr/>
+        </p:nvSpPr>
+        <p:spPr>
+          <a:xfrm>
+            <a:off x="11353800" y="6416674"/>
+            <a:ext cx="646113" cy="441325"/>
+          </a:xfrm>
+          <a:prstGeom prst="actionButtonDocument">
+            <a:avLst/>
+          </a:prstGeom>
+          <a:ln>
+            <a:noFill/>
+          </a:ln>
+        </p:spPr>
+        <p:style>
+          <a:lnRef idx="2">
+            <a:schemeClr val="accent1">
+              <a:shade val="50000"/>
+            </a:schemeClr>
+          </a:lnRef>
+          <a:fillRef idx="1">
+            <a:schemeClr val="accent1"/>
+          </a:fillRef>
+          <a:effectRef idx="0">
+            <a:schemeClr val="accent1"/>
+          </a:effectRef>
+          <a:fontRef idx="minor">
+            <a:schemeClr val="lt1"/>
+          </a:fontRef>
+        </p:style>
+        <p:txBody>
+          <a:bodyPr rtlCol="0" anchor="ctr"/>
+          <a:lstStyle/>
+          <a:p>
+            <a:pPr algn="ctr"/>
+            <a:endParaRPr lang="en-US" altLang="ko-KR" sz="800" dirty="0"/>
+          </a:p>
+          <a:p>
+            <a:pPr algn="ctr"/>
+            <a:endParaRPr lang="en-US" altLang="ko-KR" sz="800" dirty="0"/>
+          </a:p>
+          <a:p>
+            <a:pPr algn="ctr"/>
+            <a:r>
+              <a:rPr lang="ko-KR" altLang="en-US" sz="800" dirty="0"/>
+              <a:t>문서 개요</a:t>
+            </a:r>
+          </a:p>
+        </p:txBody>
+      </p:sp>
+    </p:spTree>
+  </p:cSld>
+  <p:clrMapOvr>
+    <a:masterClrMapping/>
+  </p:clrMapOvr>
+  <mc:AlternateContent xmlns:mc="http://schemas.openxmlformats.org/markup-compatibility/2006" xmlns:p159="http://schemas.microsoft.com/office/powerpoint/2015/09/main">
+    <mc:Choice Requires="p159">
+      <p:transition xmlns:p14="http://schemas.microsoft.com/office/powerpoint/2010/main" spd="slow" p14:dur="2000">
+        <p159:morph option="byObject"/>
+      </p:transition>
+    </mc:Choice>
+    <mc:Fallback xmlns="">
       <p:transition spd="slow">
         <p:fade/>
       </p:transition>
@@ -4162,6 +4403,579 @@
 </file>
 
 <file path=ppt/slides/slide2.xml><?xml version="1.0" encoding="utf-8"?>
+<p:sld xmlns:a="http://schemas.openxmlformats.org/drawingml/2006/main" xmlns:r="http://schemas.openxmlformats.org/officeDocument/2006/relationships" xmlns:p="http://schemas.openxmlformats.org/presentationml/2006/main">
+  <p:cSld>
+    <p:spTree>
+      <p:nvGrpSpPr>
+        <p:cNvPr id="1" name=""/>
+        <p:cNvGrpSpPr/>
+        <p:nvPr/>
+      </p:nvGrpSpPr>
+      <p:grpSpPr>
+        <a:xfrm>
+          <a:off x="0" y="0"/>
+          <a:ext cx="0" cy="0"/>
+          <a:chOff x="0" y="0"/>
+          <a:chExt cx="0" cy="0"/>
+        </a:xfrm>
+      </p:grpSpPr>
+      <p:sp>
+        <p:nvSpPr>
+          <p:cNvPr id="2" name="슬라이드 번호 개체 틀 1">
+            <a:extLst>
+              <a:ext uri="{FF2B5EF4-FFF2-40B4-BE49-F238E27FC236}">
+                <a16:creationId xmlns:a16="http://schemas.microsoft.com/office/drawing/2014/main" id="{C4EA2F0E-001B-4B87-BC46-0D019BD9EEF2}"/>
+              </a:ext>
+            </a:extLst>
+          </p:cNvPr>
+          <p:cNvSpPr>
+            <a:spLocks noGrp="1"/>
+          </p:cNvSpPr>
+          <p:nvPr>
+            <p:ph type="sldNum" sz="quarter" idx="12"/>
+          </p:nvPr>
+        </p:nvSpPr>
+        <p:spPr/>
+        <p:txBody>
+          <a:bodyPr/>
+          <a:lstStyle/>
+          <a:p>
+            <a:fld id="{E887A479-1FB4-4076-82AD-4520E3445CF4}" type="slidenum">
+              <a:rPr lang="ko-KR" altLang="en-US" smtClean="0"/>
+              <a:t>2</a:t>
+            </a:fld>
+            <a:endParaRPr lang="ko-KR" altLang="en-US"/>
+          </a:p>
+        </p:txBody>
+      </p:sp>
+      <p:graphicFrame>
+        <p:nvGraphicFramePr>
+          <p:cNvPr id="3" name="표 23">
+            <a:extLst>
+              <a:ext uri="{FF2B5EF4-FFF2-40B4-BE49-F238E27FC236}">
+                <a16:creationId xmlns:a16="http://schemas.microsoft.com/office/drawing/2014/main" id="{EBE03048-EDB2-4E54-80ED-0BF33459EB88}"/>
+              </a:ext>
+            </a:extLst>
+          </p:cNvPr>
+          <p:cNvGraphicFramePr>
+            <a:graphicFrameLocks noGrp="1"/>
+          </p:cNvGraphicFramePr>
+          <p:nvPr>
+            <p:extLst>
+              <p:ext uri="{D42A27DB-BD31-4B8C-83A1-F6EECF244321}">
+                <p14:modId xmlns:p14="http://schemas.microsoft.com/office/powerpoint/2010/main" val="3408803924"/>
+              </p:ext>
+            </p:extLst>
+          </p:nvPr>
+        </p:nvGraphicFramePr>
+        <p:xfrm>
+          <a:off x="192088" y="5304155"/>
+          <a:ext cx="3148330" cy="1112520"/>
+        </p:xfrm>
+        <a:graphic>
+          <a:graphicData uri="http://schemas.openxmlformats.org/drawingml/2006/table">
+            <a:tbl>
+              <a:tblPr firstRow="1" bandRow="1">
+                <a:tableStyleId>{5C22544A-7EE6-4342-B048-85BDC9FD1C3A}</a:tableStyleId>
+              </a:tblPr>
+              <a:tblGrid>
+                <a:gridCol w="1574165">
+                  <a:extLst>
+                    <a:ext uri="{9D8B030D-6E8A-4147-A177-3AD203B41FA5}">
+                      <a16:colId xmlns:a16="http://schemas.microsoft.com/office/drawing/2014/main" val="20000"/>
+                    </a:ext>
+                  </a:extLst>
+                </a:gridCol>
+                <a:gridCol w="1574165">
+                  <a:extLst>
+                    <a:ext uri="{9D8B030D-6E8A-4147-A177-3AD203B41FA5}">
+                      <a16:colId xmlns:a16="http://schemas.microsoft.com/office/drawing/2014/main" val="20001"/>
+                    </a:ext>
+                  </a:extLst>
+                </a:gridCol>
+              </a:tblGrid>
+              <a:tr h="370840">
+                <a:tc>
+                  <a:txBody>
+                    <a:bodyPr/>
+                    <a:lstStyle/>
+                    <a:p>
+                      <a:pPr marL="0" indent="0" hangingPunct="1"/>
+                      <a:r>
+                        <a:rPr sz="1800" b="0" i="0" kern="1200" dirty="0">
+                          <a:solidFill>
+                            <a:schemeClr val="tx1">
+                              <a:lumMod val="65000"/>
+                              <a:lumOff val="35000"/>
+                            </a:schemeClr>
+                          </a:solidFill>
+                          <a:latin typeface="맑은 고딕" charset="0"/>
+                          <a:ea typeface="맑은 고딕" charset="0"/>
+                          <a:hlinkClick r:id="rId2" action="ppaction://hlinksldjump"/>
+                        </a:rPr>
+                        <a:t>게</a:t>
+                      </a:r>
+                      <a:r>
+                        <a:rPr lang="ko-KR" sz="1800" b="0" i="0" kern="1200" dirty="0">
+                          <a:solidFill>
+                            <a:schemeClr val="tx1">
+                              <a:lumMod val="65000"/>
+                              <a:lumOff val="35000"/>
+                            </a:schemeClr>
+                          </a:solidFill>
+                          <a:latin typeface="맑은 고딕" charset="0"/>
+                          <a:ea typeface="맑은 고딕" charset="0"/>
+                          <a:hlinkClick r:id="rId2" action="ppaction://hlinksldjump"/>
+                        </a:rPr>
+                        <a:t>임 개요</a:t>
+                      </a:r>
+                      <a:endParaRPr lang="ko-KR" altLang="en-US" sz="1800" b="0" i="0" kern="1200" dirty="0">
+                        <a:solidFill>
+                          <a:schemeClr val="tx1">
+                            <a:lumMod val="65000"/>
+                            <a:lumOff val="35000"/>
+                          </a:schemeClr>
+                        </a:solidFill>
+                        <a:latin typeface="맑은 고딕" charset="0"/>
+                        <a:ea typeface="맑은 고딕" charset="0"/>
+                      </a:endParaRPr>
+                    </a:p>
+                  </a:txBody>
+                  <a:tcPr marL="90170" marR="90170" marT="46990" marB="46990">
+                    <a:lnL w="12700" cap="flat" cmpd="sng" algn="ctr">
+                      <a:noFill/>
+                      <a:prstDash/>
+                      <a:round/>
+                      <a:headEnd type="none" w="med" len="med"/>
+                      <a:tailEnd type="none" w="med" len="med"/>
+                    </a:lnL>
+                    <a:lnR w="12700" cap="flat" cmpd="sng" algn="ctr">
+                      <a:noFill/>
+                      <a:prstDash/>
+                      <a:round/>
+                      <a:headEnd type="none" w="med" len="med"/>
+                      <a:tailEnd type="none" w="med" len="med"/>
+                    </a:lnR>
+                    <a:lnT w="12700" cap="flat" cmpd="sng" algn="ctr">
+                      <a:noFill/>
+                      <a:prstDash/>
+                      <a:round/>
+                      <a:headEnd type="none" w="med" len="med"/>
+                      <a:tailEnd type="none" w="med" len="med"/>
+                    </a:lnT>
+                    <a:lnB w="12700" cap="flat" cmpd="sng" algn="ctr">
+                      <a:noFill/>
+                      <a:prstDash/>
+                      <a:round/>
+                      <a:headEnd type="none" w="med" len="med"/>
+                      <a:tailEnd type="none" w="med" len="med"/>
+                    </a:lnB>
+                    <a:solidFill>
+                      <a:schemeClr val="accent6">
+                        <a:lumMod val="40000"/>
+                        <a:lumOff val="60000"/>
+                      </a:schemeClr>
+                    </a:solidFill>
+                  </a:tcPr>
+                </a:tc>
+                <a:tc>
+                  <a:txBody>
+                    <a:bodyPr/>
+                    <a:lstStyle/>
+                    <a:p>
+                      <a:pPr marL="0" indent="0" hangingPunct="1"/>
+                      <a:r>
+                        <a:rPr lang="ko-KR" altLang="en-US" sz="1800" b="0" i="0" kern="1200" dirty="0">
+                          <a:solidFill>
+                            <a:schemeClr val="tx1">
+                              <a:lumMod val="65000"/>
+                              <a:lumOff val="35000"/>
+                            </a:schemeClr>
+                          </a:solidFill>
+                          <a:latin typeface="맑은 고딕" charset="0"/>
+                          <a:ea typeface="맑은 고딕" charset="0"/>
+                          <a:hlinkClick r:id="rId3" action="ppaction://hlinksldjump"/>
+                        </a:rPr>
+                        <a:t>컨텐츠 정립</a:t>
+                      </a:r>
+                      <a:endParaRPr lang="ko-KR" altLang="en-US" sz="1800" b="0" i="0" kern="1200" dirty="0">
+                        <a:solidFill>
+                          <a:schemeClr val="tx1">
+                            <a:lumMod val="65000"/>
+                            <a:lumOff val="35000"/>
+                          </a:schemeClr>
+                        </a:solidFill>
+                        <a:latin typeface="맑은 고딕" charset="0"/>
+                        <a:ea typeface="맑은 고딕" charset="0"/>
+                      </a:endParaRPr>
+                    </a:p>
+                  </a:txBody>
+                  <a:tcPr marL="90170" marR="90170" marT="46990" marB="46990">
+                    <a:lnL w="12700" cap="flat" cmpd="sng" algn="ctr">
+                      <a:noFill/>
+                      <a:prstDash/>
+                      <a:round/>
+                      <a:headEnd type="none" w="med" len="med"/>
+                      <a:tailEnd type="none" w="med" len="med"/>
+                    </a:lnL>
+                    <a:lnR w="12700" cap="flat" cmpd="sng" algn="ctr">
+                      <a:noFill/>
+                      <a:prstDash/>
+                      <a:round/>
+                      <a:headEnd type="none" w="med" len="med"/>
+                      <a:tailEnd type="none" w="med" len="med"/>
+                    </a:lnR>
+                    <a:lnT w="12700" cap="flat" cmpd="sng" algn="ctr">
+                      <a:noFill/>
+                      <a:prstDash/>
+                      <a:round/>
+                      <a:headEnd type="none" w="med" len="med"/>
+                      <a:tailEnd type="none" w="med" len="med"/>
+                    </a:lnT>
+                    <a:lnB w="12700" cap="flat" cmpd="sng" algn="ctr">
+                      <a:noFill/>
+                      <a:prstDash/>
+                      <a:round/>
+                      <a:headEnd type="none" w="med" len="med"/>
+                      <a:tailEnd type="none" w="med" len="med"/>
+                    </a:lnB>
+                    <a:solidFill>
+                      <a:srgbClr val="DFE8F4"/>
+                    </a:solidFill>
+                  </a:tcPr>
+                </a:tc>
+                <a:extLst>
+                  <a:ext uri="{0D108BD9-81ED-4DB2-BD59-A6C34878D82A}">
+                    <a16:rowId xmlns:a16="http://schemas.microsoft.com/office/drawing/2014/main" val="10000"/>
+                  </a:ext>
+                </a:extLst>
+              </a:tr>
+              <a:tr h="370840">
+                <a:tc>
+                  <a:txBody>
+                    <a:bodyPr/>
+                    <a:lstStyle/>
+                    <a:p>
+                      <a:pPr marL="0" indent="0" hangingPunct="1"/>
+                      <a:r>
+                        <a:rPr lang="ko-KR" altLang="en-US" sz="1800" b="0" i="0" kern="1200" dirty="0">
+                          <a:solidFill>
+                            <a:schemeClr val="tx1">
+                              <a:lumMod val="65000"/>
+                              <a:lumOff val="35000"/>
+                            </a:schemeClr>
+                          </a:solidFill>
+                          <a:latin typeface="맑은 고딕" charset="0"/>
+                          <a:ea typeface="맑은 고딕" charset="0"/>
+                          <a:hlinkClick r:id="rId4" action="ppaction://hlinksldjump"/>
+                        </a:rPr>
+                        <a:t>방향성 정립</a:t>
+                      </a:r>
+                      <a:endParaRPr lang="ko-KR" altLang="en-US" sz="1800" b="0" i="0" kern="1200" dirty="0">
+                        <a:solidFill>
+                          <a:schemeClr val="tx1">
+                            <a:lumMod val="65000"/>
+                            <a:lumOff val="35000"/>
+                          </a:schemeClr>
+                        </a:solidFill>
+                        <a:latin typeface="맑은 고딕" charset="0"/>
+                        <a:ea typeface="맑은 고딕" charset="0"/>
+                      </a:endParaRPr>
+                    </a:p>
+                  </a:txBody>
+                  <a:tcPr marL="90170" marR="90170" marT="46990" marB="46990">
+                    <a:lnL w="12700" cap="flat" cmpd="sng" algn="ctr">
+                      <a:noFill/>
+                      <a:prstDash/>
+                      <a:round/>
+                      <a:headEnd type="none" w="med" len="med"/>
+                      <a:tailEnd type="none" w="med" len="med"/>
+                    </a:lnL>
+                    <a:lnR w="12700" cap="flat" cmpd="sng" algn="ctr">
+                      <a:noFill/>
+                      <a:prstDash/>
+                      <a:round/>
+                      <a:headEnd type="none" w="med" len="med"/>
+                      <a:tailEnd type="none" w="med" len="med"/>
+                    </a:lnR>
+                    <a:lnT w="12700" cap="flat" cmpd="sng" algn="ctr">
+                      <a:noFill/>
+                      <a:prstDash/>
+                      <a:round/>
+                      <a:headEnd type="none" w="med" len="med"/>
+                      <a:tailEnd type="none" w="med" len="med"/>
+                    </a:lnT>
+                    <a:lnB w="12700" cap="flat" cmpd="sng" algn="ctr">
+                      <a:noFill/>
+                      <a:prstDash/>
+                      <a:round/>
+                      <a:headEnd type="none" w="med" len="med"/>
+                      <a:tailEnd type="none" w="med" len="med"/>
+                    </a:lnB>
+                    <a:solidFill>
+                      <a:schemeClr val="accent6">
+                        <a:lumMod val="20000"/>
+                        <a:lumOff val="80000"/>
+                      </a:schemeClr>
+                    </a:solidFill>
+                  </a:tcPr>
+                </a:tc>
+                <a:tc>
+                  <a:txBody>
+                    <a:bodyPr/>
+                    <a:lstStyle/>
+                    <a:p>
+                      <a:pPr marL="0" indent="0" hangingPunct="1"/>
+                      <a:r>
+                        <a:rPr lang="ko-KR" altLang="en-US" sz="1800" b="0" i="0" kern="1200" dirty="0">
+                          <a:solidFill>
+                            <a:schemeClr val="tx1">
+                              <a:lumMod val="65000"/>
+                              <a:lumOff val="35000"/>
+                            </a:schemeClr>
+                          </a:solidFill>
+                          <a:latin typeface="맑은 고딕" charset="0"/>
+                          <a:ea typeface="맑은 고딕" charset="0"/>
+                          <a:hlinkClick r:id="rId5" action="ppaction://hlinksldjump"/>
+                        </a:rPr>
+                        <a:t>시스템 정립</a:t>
+                      </a:r>
+                      <a:endParaRPr lang="ko-KR" altLang="en-US" sz="1800" b="0" i="0" kern="1200" dirty="0">
+                        <a:solidFill>
+                          <a:schemeClr val="tx1">
+                            <a:lumMod val="65000"/>
+                            <a:lumOff val="35000"/>
+                          </a:schemeClr>
+                        </a:solidFill>
+                        <a:latin typeface="맑은 고딕" charset="0"/>
+                        <a:ea typeface="맑은 고딕" charset="0"/>
+                      </a:endParaRPr>
+                    </a:p>
+                  </a:txBody>
+                  <a:tcPr marL="90170" marR="90170" marT="46990" marB="46990">
+                    <a:lnL w="12700" cap="flat" cmpd="sng" algn="ctr">
+                      <a:noFill/>
+                      <a:prstDash/>
+                      <a:round/>
+                      <a:headEnd type="none" w="med" len="med"/>
+                      <a:tailEnd type="none" w="med" len="med"/>
+                    </a:lnL>
+                    <a:lnR w="12700" cap="flat" cmpd="sng" algn="ctr">
+                      <a:noFill/>
+                      <a:prstDash/>
+                      <a:round/>
+                      <a:headEnd type="none" w="med" len="med"/>
+                      <a:tailEnd type="none" w="med" len="med"/>
+                    </a:lnR>
+                    <a:lnT w="12700" cap="flat" cmpd="sng" algn="ctr">
+                      <a:noFill/>
+                      <a:prstDash/>
+                      <a:round/>
+                      <a:headEnd type="none" w="med" len="med"/>
+                      <a:tailEnd type="none" w="med" len="med"/>
+                    </a:lnT>
+                    <a:lnB w="12700" cap="flat" cmpd="sng" algn="ctr">
+                      <a:noFill/>
+                      <a:prstDash/>
+                      <a:round/>
+                      <a:headEnd type="none" w="med" len="med"/>
+                      <a:tailEnd type="none" w="med" len="med"/>
+                    </a:lnB>
+                    <a:solidFill>
+                      <a:srgbClr val="BFD0E9"/>
+                    </a:solidFill>
+                  </a:tcPr>
+                </a:tc>
+                <a:extLst>
+                  <a:ext uri="{0D108BD9-81ED-4DB2-BD59-A6C34878D82A}">
+                    <a16:rowId xmlns:a16="http://schemas.microsoft.com/office/drawing/2014/main" val="10001"/>
+                  </a:ext>
+                </a:extLst>
+              </a:tr>
+              <a:tr h="370840">
+                <a:tc>
+                  <a:txBody>
+                    <a:bodyPr/>
+                    <a:lstStyle/>
+                    <a:p>
+                      <a:pPr marL="0" indent="0" hangingPunct="1"/>
+                      <a:r>
+                        <a:rPr lang="ko-KR" altLang="en-US" sz="1800" b="0" i="0" kern="1200" dirty="0">
+                          <a:solidFill>
+                            <a:schemeClr val="tx1">
+                              <a:lumMod val="65000"/>
+                              <a:lumOff val="35000"/>
+                            </a:schemeClr>
+                          </a:solidFill>
+                          <a:latin typeface="맑은 고딕" charset="0"/>
+                          <a:ea typeface="맑은 고딕" charset="0"/>
+                          <a:hlinkClick r:id="rId6" action="ppaction://hlinksldjump"/>
+                        </a:rPr>
+                        <a:t>세계관</a:t>
+                      </a:r>
+                      <a:r>
+                        <a:rPr lang="ko-KR" altLang="en-US" sz="1800" b="0" i="0" kern="1200" dirty="0">
+                          <a:solidFill>
+                            <a:schemeClr val="tx1">
+                              <a:lumMod val="65000"/>
+                              <a:lumOff val="35000"/>
+                            </a:schemeClr>
+                          </a:solidFill>
+                          <a:latin typeface="맑은 고딕" charset="0"/>
+                          <a:ea typeface="맑은 고딕" charset="0"/>
+                        </a:rPr>
+                        <a:t> </a:t>
+                      </a:r>
+                      <a:r>
+                        <a:rPr lang="ko-KR" altLang="en-US" sz="1800" b="0" i="0" kern="1200" dirty="0">
+                          <a:solidFill>
+                            <a:schemeClr val="tx1">
+                              <a:lumMod val="65000"/>
+                              <a:lumOff val="35000"/>
+                            </a:schemeClr>
+                          </a:solidFill>
+                          <a:latin typeface="맑은 고딕" charset="0"/>
+                          <a:ea typeface="맑은 고딕" charset="0"/>
+                          <a:hlinkClick r:id="rId7" action="ppaction://hlinksldjump"/>
+                        </a:rPr>
+                        <a:t>확립</a:t>
+                      </a:r>
+                      <a:endParaRPr lang="ko-KR" altLang="en-US" sz="1800" b="0" i="0" kern="1200" dirty="0">
+                        <a:solidFill>
+                          <a:schemeClr val="tx1">
+                            <a:lumMod val="65000"/>
+                            <a:lumOff val="35000"/>
+                          </a:schemeClr>
+                        </a:solidFill>
+                        <a:latin typeface="맑은 고딕" charset="0"/>
+                        <a:ea typeface="맑은 고딕" charset="0"/>
+                      </a:endParaRPr>
+                    </a:p>
+                  </a:txBody>
+                  <a:tcPr marL="90170" marR="90170" marT="46990" marB="46990">
+                    <a:lnL w="12700" cap="flat" cmpd="sng" algn="ctr">
+                      <a:noFill/>
+                      <a:prstDash/>
+                      <a:round/>
+                      <a:headEnd type="none" w="med" len="med"/>
+                      <a:tailEnd type="none" w="med" len="med"/>
+                    </a:lnL>
+                    <a:lnR w="12700" cap="flat" cmpd="sng" algn="ctr">
+                      <a:noFill/>
+                      <a:prstDash/>
+                      <a:round/>
+                      <a:headEnd type="none" w="med" len="med"/>
+                      <a:tailEnd type="none" w="med" len="med"/>
+                    </a:lnR>
+                    <a:lnT w="12700" cap="flat" cmpd="sng" algn="ctr">
+                      <a:noFill/>
+                      <a:prstDash/>
+                      <a:round/>
+                      <a:headEnd type="none" w="med" len="med"/>
+                      <a:tailEnd type="none" w="med" len="med"/>
+                    </a:lnT>
+                    <a:lnB w="12700" cap="flat" cmpd="sng" algn="ctr">
+                      <a:noFill/>
+                      <a:prstDash/>
+                      <a:round/>
+                      <a:headEnd type="none" w="med" len="med"/>
+                      <a:tailEnd type="none" w="med" len="med"/>
+                    </a:lnB>
+                    <a:solidFill>
+                      <a:srgbClr val="BFD0E9"/>
+                    </a:solidFill>
+                  </a:tcPr>
+                </a:tc>
+                <a:tc>
+                  <a:txBody>
+                    <a:bodyPr/>
+                    <a:lstStyle/>
+                    <a:p>
+                      <a:pPr marL="0" indent="0" hangingPunct="1"/>
+                      <a:r>
+                        <a:rPr lang="ko-KR" altLang="en-US" sz="1800" b="0" i="0" kern="1200" dirty="0">
+                          <a:solidFill>
+                            <a:schemeClr val="tx1">
+                              <a:lumMod val="65000"/>
+                              <a:lumOff val="35000"/>
+                            </a:schemeClr>
+                          </a:solidFill>
+                          <a:latin typeface="맑은 고딕" charset="0"/>
+                          <a:ea typeface="맑은 고딕" charset="0"/>
+                          <a:hlinkClick r:id="rId8" action="ppaction://hlinksldjump"/>
+                        </a:rPr>
+                        <a:t>유료화 모델</a:t>
+                      </a:r>
+                      <a:endParaRPr lang="ko-KR" altLang="en-US" sz="1800" b="0" i="0" kern="1200" dirty="0">
+                        <a:solidFill>
+                          <a:schemeClr val="tx1">
+                            <a:lumMod val="65000"/>
+                            <a:lumOff val="35000"/>
+                          </a:schemeClr>
+                        </a:solidFill>
+                        <a:latin typeface="맑은 고딕" charset="0"/>
+                        <a:ea typeface="맑은 고딕" charset="0"/>
+                      </a:endParaRPr>
+                    </a:p>
+                  </a:txBody>
+                  <a:tcPr marL="90170" marR="90170" marT="46990" marB="46990">
+                    <a:lnL w="12700" cap="flat" cmpd="sng" algn="ctr">
+                      <a:noFill/>
+                      <a:prstDash/>
+                      <a:round/>
+                      <a:headEnd type="none" w="med" len="med"/>
+                      <a:tailEnd type="none" w="med" len="med"/>
+                    </a:lnL>
+                    <a:lnR w="12700" cap="flat" cmpd="sng" algn="ctr">
+                      <a:noFill/>
+                      <a:prstDash/>
+                      <a:round/>
+                      <a:headEnd type="none" w="med" len="med"/>
+                      <a:tailEnd type="none" w="med" len="med"/>
+                    </a:lnR>
+                    <a:lnT w="12700" cap="flat" cmpd="sng" algn="ctr">
+                      <a:noFill/>
+                      <a:prstDash/>
+                      <a:round/>
+                      <a:headEnd type="none" w="med" len="med"/>
+                      <a:tailEnd type="none" w="med" len="med"/>
+                    </a:lnT>
+                    <a:lnB w="12700" cap="flat" cmpd="sng" algn="ctr">
+                      <a:noFill/>
+                      <a:prstDash/>
+                      <a:round/>
+                      <a:headEnd type="none" w="med" len="med"/>
+                      <a:tailEnd type="none" w="med" len="med"/>
+                    </a:lnB>
+                    <a:solidFill>
+                      <a:srgbClr val="DFE8F4"/>
+                    </a:solidFill>
+                  </a:tcPr>
+                </a:tc>
+                <a:extLst>
+                  <a:ext uri="{0D108BD9-81ED-4DB2-BD59-A6C34878D82A}">
+                    <a16:rowId xmlns:a16="http://schemas.microsoft.com/office/drawing/2014/main" val="10002"/>
+                  </a:ext>
+                </a:extLst>
+              </a:tr>
+            </a:tbl>
+          </a:graphicData>
+        </a:graphic>
+      </p:graphicFrame>
+    </p:spTree>
+    <p:extLst>
+      <p:ext uri="{BB962C8B-B14F-4D97-AF65-F5344CB8AC3E}">
+        <p14:creationId xmlns:p14="http://schemas.microsoft.com/office/powerpoint/2010/main" val="145948081"/>
+      </p:ext>
+    </p:extLst>
+  </p:cSld>
+  <p:clrMapOvr>
+    <a:masterClrMapping/>
+  </p:clrMapOvr>
+</p:sld>
+</file>
+
+<file path=ppt/slides/slide3.xml><?xml version="1.0" encoding="utf-8"?>
 <p:sld xmlns:a="http://schemas.openxmlformats.org/drawingml/2006/main" xmlns:r="http://schemas.openxmlformats.org/officeDocument/2006/relationships" xmlns:p="http://schemas.openxmlformats.org/presentationml/2006/main">
   <p:cSld>
     <p:spTree>
@@ -4774,514 +5588,6 @@
           </p:style>
         </p:cxnSp>
       </p:grpSp>
-      <p:graphicFrame>
-        <p:nvGraphicFramePr>
-          <p:cNvPr id="39" name="표 23"/>
-          <p:cNvGraphicFramePr>
-            <a:graphicFrameLocks noGrp="1"/>
-          </p:cNvGraphicFramePr>
-          <p:nvPr>
-            <p:extLst>
-              <p:ext uri="{D42A27DB-BD31-4B8C-83A1-F6EECF244321}">
-                <p14:modId xmlns:p14="http://schemas.microsoft.com/office/powerpoint/2010/main" val="2506092864"/>
-              </p:ext>
-            </p:extLst>
-          </p:nvPr>
-        </p:nvGraphicFramePr>
-        <p:xfrm>
-          <a:off x="192088" y="5304155"/>
-          <a:ext cx="3148330" cy="1112520"/>
-        </p:xfrm>
-        <a:graphic>
-          <a:graphicData uri="http://schemas.openxmlformats.org/drawingml/2006/table">
-            <a:tbl>
-              <a:tblPr firstRow="1" bandRow="1">
-                <a:tableStyleId>{5C22544A-7EE6-4342-B048-85BDC9FD1C3A}</a:tableStyleId>
-              </a:tblPr>
-              <a:tblGrid>
-                <a:gridCol w="1574165">
-                  <a:extLst>
-                    <a:ext uri="{9D8B030D-6E8A-4147-A177-3AD203B41FA5}">
-                      <a16:colId xmlns:a16="http://schemas.microsoft.com/office/drawing/2014/main" val="20000"/>
-                    </a:ext>
-                  </a:extLst>
-                </a:gridCol>
-                <a:gridCol w="1574165">
-                  <a:extLst>
-                    <a:ext uri="{9D8B030D-6E8A-4147-A177-3AD203B41FA5}">
-                      <a16:colId xmlns:a16="http://schemas.microsoft.com/office/drawing/2014/main" val="20001"/>
-                    </a:ext>
-                  </a:extLst>
-                </a:gridCol>
-              </a:tblGrid>
-              <a:tr h="370840">
-                <a:tc>
-                  <a:txBody>
-                    <a:bodyPr/>
-                    <a:lstStyle/>
-                    <a:p>
-                      <a:pPr marL="0" indent="0" hangingPunct="1"/>
-                      <a:r>
-                        <a:rPr sz="1800" b="0" i="0" kern="1200" dirty="0">
-                          <a:solidFill>
-                            <a:schemeClr val="tx1">
-                              <a:lumMod val="65000"/>
-                              <a:lumOff val="35000"/>
-                            </a:schemeClr>
-                          </a:solidFill>
-                          <a:latin typeface="맑은 고딕" charset="0"/>
-                          <a:ea typeface="맑은 고딕" charset="0"/>
-                          <a:hlinkClick r:id="rId2" action="ppaction://hlinksldjump"/>
-                        </a:rPr>
-                        <a:t>게</a:t>
-                      </a:r>
-                      <a:r>
-                        <a:rPr lang="ko-KR" sz="1800" b="0" i="0" kern="1200" dirty="0">
-                          <a:solidFill>
-                            <a:schemeClr val="tx1">
-                              <a:lumMod val="65000"/>
-                              <a:lumOff val="35000"/>
-                            </a:schemeClr>
-                          </a:solidFill>
-                          <a:latin typeface="맑은 고딕" charset="0"/>
-                          <a:ea typeface="맑은 고딕" charset="0"/>
-                          <a:hlinkClick r:id="rId2" action="ppaction://hlinksldjump"/>
-                        </a:rPr>
-                        <a:t>임 개요</a:t>
-                      </a:r>
-                      <a:endParaRPr lang="ko-KR" altLang="en-US" sz="1800" b="0" i="0" kern="1200" dirty="0">
-                        <a:solidFill>
-                          <a:schemeClr val="tx1">
-                            <a:lumMod val="65000"/>
-                            <a:lumOff val="35000"/>
-                          </a:schemeClr>
-                        </a:solidFill>
-                        <a:latin typeface="맑은 고딕" charset="0"/>
-                        <a:ea typeface="맑은 고딕" charset="0"/>
-                      </a:endParaRPr>
-                    </a:p>
-                  </a:txBody>
-                  <a:tcPr marL="90170" marR="90170" marT="46990" marB="46990">
-                    <a:lnL w="12700" cap="flat" cmpd="sng" algn="ctr">
-                      <a:noFill/>
-                      <a:prstDash/>
-                      <a:round/>
-                      <a:headEnd type="none" w="med" len="med"/>
-                      <a:tailEnd type="none" w="med" len="med"/>
-                    </a:lnL>
-                    <a:lnR w="12700" cap="flat" cmpd="sng" algn="ctr">
-                      <a:noFill/>
-                      <a:prstDash/>
-                      <a:round/>
-                      <a:headEnd type="none" w="med" len="med"/>
-                      <a:tailEnd type="none" w="med" len="med"/>
-                    </a:lnR>
-                    <a:lnT w="12700" cap="flat" cmpd="sng" algn="ctr">
-                      <a:noFill/>
-                      <a:prstDash/>
-                      <a:round/>
-                      <a:headEnd type="none" w="med" len="med"/>
-                      <a:tailEnd type="none" w="med" len="med"/>
-                    </a:lnT>
-                    <a:lnB w="12700" cap="flat" cmpd="sng" algn="ctr">
-                      <a:noFill/>
-                      <a:prstDash/>
-                      <a:round/>
-                      <a:headEnd type="none" w="med" len="med"/>
-                      <a:tailEnd type="none" w="med" len="med"/>
-                    </a:lnB>
-                    <a:solidFill>
-                      <a:schemeClr val="accent6">
-                        <a:lumMod val="40000"/>
-                        <a:lumOff val="60000"/>
-                      </a:schemeClr>
-                    </a:solidFill>
-                  </a:tcPr>
-                </a:tc>
-                <a:tc>
-                  <a:txBody>
-                    <a:bodyPr/>
-                    <a:lstStyle/>
-                    <a:p>
-                      <a:pPr marL="0" indent="0" hangingPunct="1"/>
-                      <a:r>
-                        <a:rPr lang="ko-KR" altLang="en-US" sz="1800" b="0" i="0" kern="1200" dirty="0">
-                          <a:solidFill>
-                            <a:schemeClr val="tx1">
-                              <a:lumMod val="65000"/>
-                              <a:lumOff val="35000"/>
-                            </a:schemeClr>
-                          </a:solidFill>
-                          <a:latin typeface="맑은 고딕" charset="0"/>
-                          <a:ea typeface="맑은 고딕" charset="0"/>
-                          <a:hlinkClick r:id="rId3" action="ppaction://hlinksldjump"/>
-                        </a:rPr>
-                        <a:t>컨텐츠 정립</a:t>
-                      </a:r>
-                      <a:endParaRPr lang="ko-KR" altLang="en-US" sz="1800" b="0" i="0" kern="1200" dirty="0">
-                        <a:solidFill>
-                          <a:schemeClr val="tx1">
-                            <a:lumMod val="65000"/>
-                            <a:lumOff val="35000"/>
-                          </a:schemeClr>
-                        </a:solidFill>
-                        <a:latin typeface="맑은 고딕" charset="0"/>
-                        <a:ea typeface="맑은 고딕" charset="0"/>
-                      </a:endParaRPr>
-                    </a:p>
-                  </a:txBody>
-                  <a:tcPr marL="90170" marR="90170" marT="46990" marB="46990">
-                    <a:lnL w="12700" cap="flat" cmpd="sng" algn="ctr">
-                      <a:noFill/>
-                      <a:prstDash/>
-                      <a:round/>
-                      <a:headEnd type="none" w="med" len="med"/>
-                      <a:tailEnd type="none" w="med" len="med"/>
-                    </a:lnL>
-                    <a:lnR w="12700" cap="flat" cmpd="sng" algn="ctr">
-                      <a:noFill/>
-                      <a:prstDash/>
-                      <a:round/>
-                      <a:headEnd type="none" w="med" len="med"/>
-                      <a:tailEnd type="none" w="med" len="med"/>
-                    </a:lnR>
-                    <a:lnT w="12700" cap="flat" cmpd="sng" algn="ctr">
-                      <a:noFill/>
-                      <a:prstDash/>
-                      <a:round/>
-                      <a:headEnd type="none" w="med" len="med"/>
-                      <a:tailEnd type="none" w="med" len="med"/>
-                    </a:lnT>
-                    <a:lnB w="12700" cap="flat" cmpd="sng" algn="ctr">
-                      <a:noFill/>
-                      <a:prstDash/>
-                      <a:round/>
-                      <a:headEnd type="none" w="med" len="med"/>
-                      <a:tailEnd type="none" w="med" len="med"/>
-                    </a:lnB>
-                    <a:solidFill>
-                      <a:srgbClr val="DFE8F4"/>
-                    </a:solidFill>
-                  </a:tcPr>
-                </a:tc>
-                <a:extLst>
-                  <a:ext uri="{0D108BD9-81ED-4DB2-BD59-A6C34878D82A}">
-                    <a16:rowId xmlns:a16="http://schemas.microsoft.com/office/drawing/2014/main" val="10000"/>
-                  </a:ext>
-                </a:extLst>
-              </a:tr>
-              <a:tr h="370840">
-                <a:tc>
-                  <a:txBody>
-                    <a:bodyPr/>
-                    <a:lstStyle/>
-                    <a:p>
-                      <a:pPr marL="0" indent="0" hangingPunct="1"/>
-                      <a:r>
-                        <a:rPr lang="ko-KR" altLang="en-US" sz="1800" b="0" i="0" kern="1200" dirty="0">
-                          <a:solidFill>
-                            <a:schemeClr val="tx1">
-                              <a:lumMod val="65000"/>
-                              <a:lumOff val="35000"/>
-                            </a:schemeClr>
-                          </a:solidFill>
-                          <a:latin typeface="맑은 고딕" charset="0"/>
-                          <a:ea typeface="맑은 고딕" charset="0"/>
-                          <a:hlinkClick r:id="rId4" action="ppaction://hlinksldjump"/>
-                        </a:rPr>
-                        <a:t>방향성 정립</a:t>
-                      </a:r>
-                      <a:endParaRPr lang="ko-KR" altLang="en-US" sz="1800" b="0" i="0" kern="1200" dirty="0">
-                        <a:solidFill>
-                          <a:schemeClr val="tx1">
-                            <a:lumMod val="65000"/>
-                            <a:lumOff val="35000"/>
-                          </a:schemeClr>
-                        </a:solidFill>
-                        <a:latin typeface="맑은 고딕" charset="0"/>
-                        <a:ea typeface="맑은 고딕" charset="0"/>
-                      </a:endParaRPr>
-                    </a:p>
-                  </a:txBody>
-                  <a:tcPr marL="90170" marR="90170" marT="46990" marB="46990">
-                    <a:lnL w="12700" cap="flat" cmpd="sng" algn="ctr">
-                      <a:noFill/>
-                      <a:prstDash/>
-                      <a:round/>
-                      <a:headEnd type="none" w="med" len="med"/>
-                      <a:tailEnd type="none" w="med" len="med"/>
-                    </a:lnL>
-                    <a:lnR w="12700" cap="flat" cmpd="sng" algn="ctr">
-                      <a:noFill/>
-                      <a:prstDash/>
-                      <a:round/>
-                      <a:headEnd type="none" w="med" len="med"/>
-                      <a:tailEnd type="none" w="med" len="med"/>
-                    </a:lnR>
-                    <a:lnT w="12700" cap="flat" cmpd="sng" algn="ctr">
-                      <a:noFill/>
-                      <a:prstDash/>
-                      <a:round/>
-                      <a:headEnd type="none" w="med" len="med"/>
-                      <a:tailEnd type="none" w="med" len="med"/>
-                    </a:lnT>
-                    <a:lnB w="12700" cap="flat" cmpd="sng" algn="ctr">
-                      <a:noFill/>
-                      <a:prstDash/>
-                      <a:round/>
-                      <a:headEnd type="none" w="med" len="med"/>
-                      <a:tailEnd type="none" w="med" len="med"/>
-                    </a:lnB>
-                    <a:solidFill>
-                      <a:schemeClr val="accent6">
-                        <a:lumMod val="20000"/>
-                        <a:lumOff val="80000"/>
-                      </a:schemeClr>
-                    </a:solidFill>
-                  </a:tcPr>
-                </a:tc>
-                <a:tc>
-                  <a:txBody>
-                    <a:bodyPr/>
-                    <a:lstStyle/>
-                    <a:p>
-                      <a:pPr marL="0" indent="0" hangingPunct="1"/>
-                      <a:r>
-                        <a:rPr lang="ko-KR" altLang="en-US" sz="1800" b="0" i="0" kern="1200" dirty="0">
-                          <a:solidFill>
-                            <a:schemeClr val="tx1">
-                              <a:lumMod val="65000"/>
-                              <a:lumOff val="35000"/>
-                            </a:schemeClr>
-                          </a:solidFill>
-                          <a:latin typeface="맑은 고딕" charset="0"/>
-                          <a:ea typeface="맑은 고딕" charset="0"/>
-                          <a:hlinkClick r:id="rId5" action="ppaction://hlinksldjump"/>
-                        </a:rPr>
-                        <a:t>시스템 정립</a:t>
-                      </a:r>
-                      <a:endParaRPr lang="ko-KR" altLang="en-US" sz="1800" b="0" i="0" kern="1200" dirty="0">
-                        <a:solidFill>
-                          <a:schemeClr val="tx1">
-                            <a:lumMod val="65000"/>
-                            <a:lumOff val="35000"/>
-                          </a:schemeClr>
-                        </a:solidFill>
-                        <a:latin typeface="맑은 고딕" charset="0"/>
-                        <a:ea typeface="맑은 고딕" charset="0"/>
-                      </a:endParaRPr>
-                    </a:p>
-                  </a:txBody>
-                  <a:tcPr marL="90170" marR="90170" marT="46990" marB="46990">
-                    <a:lnL w="12700" cap="flat" cmpd="sng" algn="ctr">
-                      <a:noFill/>
-                      <a:prstDash/>
-                      <a:round/>
-                      <a:headEnd type="none" w="med" len="med"/>
-                      <a:tailEnd type="none" w="med" len="med"/>
-                    </a:lnL>
-                    <a:lnR w="12700" cap="flat" cmpd="sng" algn="ctr">
-                      <a:noFill/>
-                      <a:prstDash/>
-                      <a:round/>
-                      <a:headEnd type="none" w="med" len="med"/>
-                      <a:tailEnd type="none" w="med" len="med"/>
-                    </a:lnR>
-                    <a:lnT w="12700" cap="flat" cmpd="sng" algn="ctr">
-                      <a:noFill/>
-                      <a:prstDash/>
-                      <a:round/>
-                      <a:headEnd type="none" w="med" len="med"/>
-                      <a:tailEnd type="none" w="med" len="med"/>
-                    </a:lnT>
-                    <a:lnB w="12700" cap="flat" cmpd="sng" algn="ctr">
-                      <a:noFill/>
-                      <a:prstDash/>
-                      <a:round/>
-                      <a:headEnd type="none" w="med" len="med"/>
-                      <a:tailEnd type="none" w="med" len="med"/>
-                    </a:lnB>
-                    <a:solidFill>
-                      <a:srgbClr val="BFD0E9"/>
-                    </a:solidFill>
-                  </a:tcPr>
-                </a:tc>
-                <a:extLst>
-                  <a:ext uri="{0D108BD9-81ED-4DB2-BD59-A6C34878D82A}">
-                    <a16:rowId xmlns:a16="http://schemas.microsoft.com/office/drawing/2014/main" val="10001"/>
-                  </a:ext>
-                </a:extLst>
-              </a:tr>
-              <a:tr h="370840">
-                <a:tc>
-                  <a:txBody>
-                    <a:bodyPr/>
-                    <a:lstStyle/>
-                    <a:p>
-                      <a:pPr marL="0" indent="0" hangingPunct="1"/>
-                      <a:r>
-                        <a:rPr lang="ko-KR" altLang="en-US" sz="1800" b="0" i="0" kern="1200" dirty="0">
-                          <a:solidFill>
-                            <a:schemeClr val="tx1">
-                              <a:lumMod val="65000"/>
-                              <a:lumOff val="35000"/>
-                            </a:schemeClr>
-                          </a:solidFill>
-                          <a:latin typeface="맑은 고딕" charset="0"/>
-                          <a:ea typeface="맑은 고딕" charset="0"/>
-                          <a:hlinkClick r:id="rId6" action="ppaction://hlinksldjump"/>
-                        </a:rPr>
-                        <a:t>세계관</a:t>
-                      </a:r>
-                      <a:r>
-                        <a:rPr lang="ko-KR" altLang="en-US" sz="1800" b="0" i="0" kern="1200" dirty="0">
-                          <a:solidFill>
-                            <a:schemeClr val="tx1">
-                              <a:lumMod val="65000"/>
-                              <a:lumOff val="35000"/>
-                            </a:schemeClr>
-                          </a:solidFill>
-                          <a:latin typeface="맑은 고딕" charset="0"/>
-                          <a:ea typeface="맑은 고딕" charset="0"/>
-                        </a:rPr>
-                        <a:t> </a:t>
-                      </a:r>
-                      <a:r>
-                        <a:rPr lang="ko-KR" altLang="en-US" sz="1800" b="0" i="0" kern="1200" dirty="0">
-                          <a:solidFill>
-                            <a:schemeClr val="tx1">
-                              <a:lumMod val="65000"/>
-                              <a:lumOff val="35000"/>
-                            </a:schemeClr>
-                          </a:solidFill>
-                          <a:latin typeface="맑은 고딕" charset="0"/>
-                          <a:ea typeface="맑은 고딕" charset="0"/>
-                          <a:hlinkClick r:id="rId7" action="ppaction://hlinksldjump"/>
-                        </a:rPr>
-                        <a:t>확립</a:t>
-                      </a:r>
-                      <a:endParaRPr lang="ko-KR" altLang="en-US" sz="1800" b="0" i="0" kern="1200" dirty="0">
-                        <a:solidFill>
-                          <a:schemeClr val="tx1">
-                            <a:lumMod val="65000"/>
-                            <a:lumOff val="35000"/>
-                          </a:schemeClr>
-                        </a:solidFill>
-                        <a:latin typeface="맑은 고딕" charset="0"/>
-                        <a:ea typeface="맑은 고딕" charset="0"/>
-                      </a:endParaRPr>
-                    </a:p>
-                  </a:txBody>
-                  <a:tcPr marL="90170" marR="90170" marT="46990" marB="46990">
-                    <a:lnL w="12700" cap="flat" cmpd="sng" algn="ctr">
-                      <a:noFill/>
-                      <a:prstDash/>
-                      <a:round/>
-                      <a:headEnd type="none" w="med" len="med"/>
-                      <a:tailEnd type="none" w="med" len="med"/>
-                    </a:lnL>
-                    <a:lnR w="12700" cap="flat" cmpd="sng" algn="ctr">
-                      <a:noFill/>
-                      <a:prstDash/>
-                      <a:round/>
-                      <a:headEnd type="none" w="med" len="med"/>
-                      <a:tailEnd type="none" w="med" len="med"/>
-                    </a:lnR>
-                    <a:lnT w="12700" cap="flat" cmpd="sng" algn="ctr">
-                      <a:noFill/>
-                      <a:prstDash/>
-                      <a:round/>
-                      <a:headEnd type="none" w="med" len="med"/>
-                      <a:tailEnd type="none" w="med" len="med"/>
-                    </a:lnT>
-                    <a:lnB w="12700" cap="flat" cmpd="sng" algn="ctr">
-                      <a:noFill/>
-                      <a:prstDash/>
-                      <a:round/>
-                      <a:headEnd type="none" w="med" len="med"/>
-                      <a:tailEnd type="none" w="med" len="med"/>
-                    </a:lnB>
-                    <a:solidFill>
-                      <a:srgbClr val="BFD0E9"/>
-                    </a:solidFill>
-                  </a:tcPr>
-                </a:tc>
-                <a:tc>
-                  <a:txBody>
-                    <a:bodyPr/>
-                    <a:lstStyle/>
-                    <a:p>
-                      <a:pPr marL="0" indent="0" hangingPunct="1"/>
-                      <a:r>
-                        <a:rPr lang="ko-KR" altLang="en-US" sz="1800" b="0" i="0" kern="1200" dirty="0">
-                          <a:solidFill>
-                            <a:schemeClr val="tx1">
-                              <a:lumMod val="65000"/>
-                              <a:lumOff val="35000"/>
-                            </a:schemeClr>
-                          </a:solidFill>
-                          <a:latin typeface="맑은 고딕" charset="0"/>
-                          <a:ea typeface="맑은 고딕" charset="0"/>
-                          <a:hlinkClick r:id="rId8" action="ppaction://hlinksldjump"/>
-                        </a:rPr>
-                        <a:t>유료화 모델</a:t>
-                      </a:r>
-                      <a:endParaRPr lang="ko-KR" altLang="en-US" sz="1800" b="0" i="0" kern="1200" dirty="0">
-                        <a:solidFill>
-                          <a:schemeClr val="tx1">
-                            <a:lumMod val="65000"/>
-                            <a:lumOff val="35000"/>
-                          </a:schemeClr>
-                        </a:solidFill>
-                        <a:latin typeface="맑은 고딕" charset="0"/>
-                        <a:ea typeface="맑은 고딕" charset="0"/>
-                      </a:endParaRPr>
-                    </a:p>
-                  </a:txBody>
-                  <a:tcPr marL="90170" marR="90170" marT="46990" marB="46990">
-                    <a:lnL w="12700" cap="flat" cmpd="sng" algn="ctr">
-                      <a:noFill/>
-                      <a:prstDash/>
-                      <a:round/>
-                      <a:headEnd type="none" w="med" len="med"/>
-                      <a:tailEnd type="none" w="med" len="med"/>
-                    </a:lnL>
-                    <a:lnR w="12700" cap="flat" cmpd="sng" algn="ctr">
-                      <a:noFill/>
-                      <a:prstDash/>
-                      <a:round/>
-                      <a:headEnd type="none" w="med" len="med"/>
-                      <a:tailEnd type="none" w="med" len="med"/>
-                    </a:lnR>
-                    <a:lnT w="12700" cap="flat" cmpd="sng" algn="ctr">
-                      <a:noFill/>
-                      <a:prstDash/>
-                      <a:round/>
-                      <a:headEnd type="none" w="med" len="med"/>
-                      <a:tailEnd type="none" w="med" len="med"/>
-                    </a:lnT>
-                    <a:lnB w="12700" cap="flat" cmpd="sng" algn="ctr">
-                      <a:noFill/>
-                      <a:prstDash/>
-                      <a:round/>
-                      <a:headEnd type="none" w="med" len="med"/>
-                      <a:tailEnd type="none" w="med" len="med"/>
-                    </a:lnB>
-                    <a:solidFill>
-                      <a:srgbClr val="DFE8F4"/>
-                    </a:solidFill>
-                  </a:tcPr>
-                </a:tc>
-                <a:extLst>
-                  <a:ext uri="{0D108BD9-81ED-4DB2-BD59-A6C34878D82A}">
-                    <a16:rowId xmlns:a16="http://schemas.microsoft.com/office/drawing/2014/main" val="10002"/>
-                  </a:ext>
-                </a:extLst>
-              </a:tr>
-            </a:tbl>
-          </a:graphicData>
-        </a:graphic>
-      </p:graphicFrame>
       <p:sp>
         <p:nvSpPr>
           <p:cNvPr id="4" name="슬라이드 번호 개체 틀 3">
@@ -5305,7 +5611,7 @@
           <a:p>
             <a:fld id="{E887A479-1FB4-4076-82AD-4520E3445CF4}" type="slidenum">
               <a:rPr lang="ko-KR" altLang="en-US" smtClean="0"/>
-              <a:t>2</a:t>
+              <a:t>3</a:t>
             </a:fld>
             <a:endParaRPr lang="ko-KR" altLang="en-US"/>
           </a:p>
@@ -5326,14 +5632,14 @@
           <p:nvPr>
             <p:extLst>
               <p:ext uri="{D42A27DB-BD31-4B8C-83A1-F6EECF244321}">
-                <p14:modId xmlns:p14="http://schemas.microsoft.com/office/powerpoint/2010/main" val="3865781443"/>
+                <p14:modId xmlns:p14="http://schemas.microsoft.com/office/powerpoint/2010/main" val="1820931911"/>
               </p:ext>
             </p:extLst>
           </p:nvPr>
         </p:nvGraphicFramePr>
         <p:xfrm>
-          <a:off x="192087" y="1757187"/>
-          <a:ext cx="11807825" cy="1559560"/>
+          <a:off x="926855" y="2247829"/>
+          <a:ext cx="10328765" cy="1902976"/>
         </p:xfrm>
         <a:graphic>
           <a:graphicData uri="http://schemas.openxmlformats.org/drawingml/2006/table">
@@ -5342,7 +5648,7 @@
                 <a:tableStyleId>{5C22544A-7EE6-4342-B048-85BDC9FD1C3A}</a:tableStyleId>
               </a:tblPr>
               <a:tblGrid>
-                <a:gridCol w="11807825">
+                <a:gridCol w="10328765">
                   <a:extLst>
                     <a:ext uri="{9D8B030D-6E8A-4147-A177-3AD203B41FA5}">
                       <a16:colId xmlns:a16="http://schemas.microsoft.com/office/drawing/2014/main" val="1566406447"/>
@@ -5350,7 +5656,7 @@
                   </a:extLst>
                 </a:gridCol>
               </a:tblGrid>
-              <a:tr h="370840">
+              <a:tr h="384812">
                 <a:tc>
                   <a:txBody>
                     <a:bodyPr/>
@@ -5376,7 +5682,7 @@
                   </a:ext>
                 </a:extLst>
               </a:tr>
-              <a:tr h="370840">
+              <a:tr h="1518164">
                 <a:tc>
                   <a:txBody>
                     <a:bodyPr/>
@@ -5590,7 +5896,7 @@
         <p159:morph option="byObject"/>
       </p:transition>
     </mc:Choice>
-    <mc:Fallback xmlns="" xmlns:p14="http://schemas.microsoft.com/office/powerpoint/2010/main">
+    <mc:Fallback xmlns:p14="http://schemas.microsoft.com/office/powerpoint/2010/main" xmlns="">
       <p:transition spd="slow">
         <p:fade/>
       </p:transition>
@@ -5599,7 +5905,7 @@
 </p:sld>
 </file>
 
-<file path=ppt/slides/slide3.xml><?xml version="1.0" encoding="utf-8"?>
+<file path=ppt/slides/slide4.xml><?xml version="1.0" encoding="utf-8"?>
 <p:sld xmlns:a="http://schemas.openxmlformats.org/drawingml/2006/main" xmlns:r="http://schemas.openxmlformats.org/officeDocument/2006/relationships" xmlns:p="http://schemas.openxmlformats.org/presentationml/2006/main">
   <p:cSld>
     <p:spTree>
@@ -6497,7 +6803,7 @@
           <a:p>
             <a:fld id="{E887A479-1FB4-4076-82AD-4520E3445CF4}" type="slidenum">
               <a:rPr lang="ko-KR" altLang="en-US" smtClean="0"/>
-              <a:t>3</a:t>
+              <a:t>4</a:t>
             </a:fld>
             <a:endParaRPr lang="ko-KR" altLang="en-US"/>
           </a:p>
@@ -6519,7 +6825,7 @@
         <p159:morph option="byObject"/>
       </p:transition>
     </mc:Choice>
-    <mc:Fallback xmlns="" xmlns:p14="http://schemas.microsoft.com/office/powerpoint/2010/main">
+    <mc:Fallback xmlns:p14="http://schemas.microsoft.com/office/powerpoint/2010/main" xmlns="">
       <p:transition spd="slow">
         <p:fade/>
       </p:transition>
@@ -6528,8 +6834,8 @@
 </p:sld>
 </file>
 
-<file path=ppt/slides/slide4.xml><?xml version="1.0" encoding="utf-8"?>
-<p:sld xmlns:a="http://schemas.openxmlformats.org/drawingml/2006/main" xmlns:r="http://schemas.openxmlformats.org/officeDocument/2006/relationships" xmlns:p="http://schemas.openxmlformats.org/presentationml/2006/main" xmlns:p14="http://schemas.microsoft.com/office/powerpoint/2010/main">
+<file path=ppt/slides/slide5.xml><?xml version="1.0" encoding="utf-8"?>
+<p:sld xmlns:a="http://schemas.openxmlformats.org/drawingml/2006/main" xmlns:r="http://schemas.openxmlformats.org/officeDocument/2006/relationships" xmlns:p="http://schemas.openxmlformats.org/presentationml/2006/main">
   <p:cSld>
     <p:spTree>
       <p:nvGrpSpPr>
@@ -6624,7 +6930,13 @@
           <p:cNvGraphicFramePr>
             <a:graphicFrameLocks noGrp="1"/>
           </p:cNvGraphicFramePr>
-          <p:nvPr/>
+          <p:nvPr>
+            <p:extLst>
+              <p:ext uri="{D42A27DB-BD31-4B8C-83A1-F6EECF244321}">
+                <p14:modId xmlns:p14="http://schemas.microsoft.com/office/powerpoint/2010/main" val="3234137271"/>
+              </p:ext>
+            </p:extLst>
+          </p:nvPr>
         </p:nvGraphicFramePr>
         <p:xfrm>
           <a:off x="192405" y="2592705"/>
@@ -6637,9 +6949,27 @@
                 <a:tableStyleId>{5C22544A-7EE6-4342-B048-85BDC9FD1C3A}</a:tableStyleId>
               </a:tblPr>
               <a:tblGrid>
-                <a:gridCol w="986155"/>
-                <a:gridCol w="3177540"/>
-                <a:gridCol w="7632700"/>
+                <a:gridCol w="986155">
+                  <a:extLst>
+                    <a:ext uri="{9D8B030D-6E8A-4147-A177-3AD203B41FA5}">
+                      <a16:colId xmlns:a16="http://schemas.microsoft.com/office/drawing/2014/main" val="20000"/>
+                    </a:ext>
+                  </a:extLst>
+                </a:gridCol>
+                <a:gridCol w="3177540">
+                  <a:extLst>
+                    <a:ext uri="{9D8B030D-6E8A-4147-A177-3AD203B41FA5}">
+                      <a16:colId xmlns:a16="http://schemas.microsoft.com/office/drawing/2014/main" val="20001"/>
+                    </a:ext>
+                  </a:extLst>
+                </a:gridCol>
+                <a:gridCol w="7632700">
+                  <a:extLst>
+                    <a:ext uri="{9D8B030D-6E8A-4147-A177-3AD203B41FA5}">
+                      <a16:colId xmlns:a16="http://schemas.microsoft.com/office/drawing/2014/main" val="20002"/>
+                    </a:ext>
+                  </a:extLst>
+                </a:gridCol>
               </a:tblGrid>
               <a:tr h="439420">
                 <a:tc gridSpan="3">
@@ -6647,41 +6977,21 @@
                     <a:bodyPr/>
                     <a:lstStyle/>
                     <a:p>
-                      <a:pPr marL="0" indent="0" latinLnBrk="0" hangingPunct="1" lvl="1">
+                      <a:pPr marL="0" lvl="1" indent="0" latinLnBrk="0" hangingPunct="1">
                         <a:buFontTx/>
                         <a:buNone/>
                       </a:pPr>
                       <a:r>
-                        <a:rPr lang="ko-KR" sz="1800" kern="1200" i="0" b="1">
+                        <a:rPr lang="ko-KR" sz="1800" b="1" i="0" kern="1200">
                           <a:solidFill>
                             <a:schemeClr val="lt1"/>
                           </a:solidFill>
                           <a:latin typeface="맑은 고딕" charset="0"/>
                           <a:ea typeface="맑은 고딕" charset="0"/>
                         </a:rPr>
-                        <a:t>단계별</a:t>
-                      </a:r>
-                      <a:r>
-                        <a:rPr lang="ko-KR" sz="1800" kern="1200" i="0" b="1">
-                          <a:solidFill>
-                            <a:schemeClr val="lt1"/>
-                          </a:solidFill>
-                          <a:latin typeface="맑은 고딕" charset="0"/>
-                          <a:ea typeface="맑은 고딕" charset="0"/>
-                        </a:rPr>
-                        <a:t> </a:t>
-                      </a:r>
-                      <a:r>
-                        <a:rPr lang="ko-KR" sz="1800" kern="1200" i="0" b="1">
-                          <a:solidFill>
-                            <a:schemeClr val="lt1"/>
-                          </a:solidFill>
-                          <a:latin typeface="맑은 고딕" charset="0"/>
-                          <a:ea typeface="맑은 고딕" charset="0"/>
-                        </a:rPr>
-                        <a:t>방향성</a:t>
-                      </a:r>
-                      <a:endParaRPr lang="ko-KR" altLang="en-US" sz="1800" kern="1200" i="0" b="1">
+                        <a:t>단계별 방향성</a:t>
+                      </a:r>
+                      <a:endParaRPr lang="ko-KR" altLang="en-US" sz="1800" b="1" i="0" kern="1200">
                         <a:solidFill>
                           <a:schemeClr val="lt1"/>
                         </a:solidFill>
@@ -6690,28 +7000,33 @@
                       </a:endParaRPr>
                     </a:p>
                   </a:txBody>
-                  <a:tcPr marL="90170" marR="90170" marT="46990" marB="46990" anchor="t"/>
+                  <a:tcPr marL="90170" marR="90170" marT="46990" marB="46990"/>
                 </a:tc>
                 <a:tc hMerge="1">
                   <a:txBody>
                     <a:bodyPr/>
                     <a:lstStyle/>
                     <a:p>
-                      <a:pPr/>
                       <a:endParaRPr lang="ko-KR" altLang="en-US" kern="1200"/>
                     </a:p>
                   </a:txBody>
+                  <a:tcPr/>
                 </a:tc>
                 <a:tc hMerge="1">
                   <a:txBody>
                     <a:bodyPr/>
                     <a:lstStyle/>
                     <a:p>
-                      <a:pPr/>
                       <a:endParaRPr lang="ko-KR" altLang="en-US" kern="1200"/>
                     </a:p>
                   </a:txBody>
+                  <a:tcPr/>
                 </a:tc>
+                <a:extLst>
+                  <a:ext uri="{0D108BD9-81ED-4DB2-BD59-A6C34878D82A}">
+                    <a16:rowId xmlns:a16="http://schemas.microsoft.com/office/drawing/2014/main" val="10000"/>
+                  </a:ext>
+                </a:extLst>
               </a:tr>
               <a:tr h="439420">
                 <a:tc>
@@ -6719,12 +7034,12 @@
                     <a:bodyPr/>
                     <a:lstStyle/>
                     <a:p>
-                      <a:pPr marL="0" indent="0" algn="ctr" latinLnBrk="0" hangingPunct="1" lvl="1">
+                      <a:pPr marL="0" lvl="1" indent="0" algn="ctr" latinLnBrk="0" hangingPunct="1">
                         <a:buFontTx/>
                         <a:buNone/>
                       </a:pPr>
                       <a:r>
-                        <a:rPr lang="ko-KR" sz="1800" kern="1200" i="0" b="0">
+                        <a:rPr lang="ko-KR" sz="1800" b="0" i="0" kern="1200">
                           <a:solidFill>
                             <a:schemeClr val="dk1"/>
                           </a:solidFill>
@@ -6733,7 +7048,7 @@
                         </a:rPr>
                         <a:t>단계</a:t>
                       </a:r>
-                      <a:endParaRPr lang="ko-KR" altLang="en-US" sz="1800" kern="1200" i="0" b="0">
+                      <a:endParaRPr lang="ko-KR" altLang="en-US" sz="1800" b="0" i="0" kern="1200">
                         <a:solidFill>
                           <a:schemeClr val="dk1"/>
                         </a:solidFill>
@@ -6742,19 +7057,19 @@
                       </a:endParaRPr>
                     </a:p>
                   </a:txBody>
-                  <a:tcPr marL="90170" marR="90170" marT="46990" marB="46990" anchor="t"/>
+                  <a:tcPr marL="90170" marR="90170" marT="46990" marB="46990"/>
                 </a:tc>
                 <a:tc>
                   <a:txBody>
                     <a:bodyPr/>
                     <a:lstStyle/>
                     <a:p>
-                      <a:pPr marL="0" indent="0" algn="ctr" latinLnBrk="0" hangingPunct="1" lvl="1">
+                      <a:pPr marL="0" lvl="1" indent="0" algn="ctr" latinLnBrk="0" hangingPunct="1">
                         <a:buFontTx/>
                         <a:buNone/>
                       </a:pPr>
                       <a:r>
-                        <a:rPr sz="1800" kern="1200" i="0" b="0">
+                        <a:rPr sz="1800" b="0" i="0" kern="1200">
                           <a:solidFill>
                             <a:schemeClr val="dk1"/>
                           </a:solidFill>
@@ -6764,7 +7079,7 @@
                         <a:t>설</a:t>
                       </a:r>
                       <a:r>
-                        <a:rPr lang="ko-KR" sz="1800" kern="1200" i="0" b="0">
+                        <a:rPr lang="ko-KR" sz="1800" b="0" i="0" kern="1200">
                           <a:solidFill>
                             <a:schemeClr val="dk1"/>
                           </a:solidFill>
@@ -6773,7 +7088,7 @@
                         </a:rPr>
                         <a:t>명</a:t>
                       </a:r>
-                      <a:endParaRPr lang="ko-KR" altLang="en-US" sz="1800" kern="1200" i="0" b="0">
+                      <a:endParaRPr lang="ko-KR" altLang="en-US" sz="1800" b="0" i="0" kern="1200">
                         <a:solidFill>
                           <a:schemeClr val="dk1"/>
                         </a:solidFill>
@@ -6782,19 +7097,19 @@
                       </a:endParaRPr>
                     </a:p>
                   </a:txBody>
-                  <a:tcPr marL="90170" marR="90170" marT="46990" marB="46990" anchor="t"/>
+                  <a:tcPr marL="90170" marR="90170" marT="46990" marB="46990"/>
                 </a:tc>
                 <a:tc>
                   <a:txBody>
                     <a:bodyPr/>
                     <a:lstStyle/>
                     <a:p>
-                      <a:pPr marL="0" indent="0" algn="ctr" latinLnBrk="0" hangingPunct="1" lvl="1">
+                      <a:pPr marL="0" lvl="1" indent="0" algn="ctr" latinLnBrk="0" hangingPunct="1">
                         <a:buFontTx/>
                         <a:buNone/>
                       </a:pPr>
                       <a:r>
-                        <a:rPr sz="1800" kern="1200" i="0" b="0">
+                        <a:rPr sz="1800" b="0" i="0" kern="1200">
                           <a:solidFill>
                             <a:schemeClr val="dk1"/>
                           </a:solidFill>
@@ -6804,7 +7119,7 @@
                         <a:t>게</a:t>
                       </a:r>
                       <a:r>
-                        <a:rPr lang="ko-KR" sz="1800" kern="1200" i="0" b="0">
+                        <a:rPr lang="ko-KR" sz="1800" b="0" i="0" kern="1200">
                           <a:solidFill>
                             <a:schemeClr val="dk1"/>
                           </a:solidFill>
@@ -6813,7 +7128,7 @@
                         </a:rPr>
                         <a:t>임 요소</a:t>
                       </a:r>
-                      <a:endParaRPr lang="ko-KR" altLang="en-US" sz="1800" kern="1200" i="0" b="0">
+                      <a:endParaRPr lang="ko-KR" altLang="en-US" sz="1800" b="0" i="0" kern="1200">
                         <a:solidFill>
                           <a:schemeClr val="dk1"/>
                         </a:solidFill>
@@ -6822,8 +7137,13 @@
                       </a:endParaRPr>
                     </a:p>
                   </a:txBody>
-                  <a:tcPr marL="90170" marR="90170" marT="46990" marB="46990" anchor="t"/>
+                  <a:tcPr marL="90170" marR="90170" marT="46990" marB="46990"/>
                 </a:tc>
+                <a:extLst>
+                  <a:ext uri="{0D108BD9-81ED-4DB2-BD59-A6C34878D82A}">
+                    <a16:rowId xmlns:a16="http://schemas.microsoft.com/office/drawing/2014/main" val="10001"/>
+                  </a:ext>
+                </a:extLst>
               </a:tr>
               <a:tr h="439420">
                 <a:tc>
@@ -6831,12 +7151,12 @@
                     <a:bodyPr/>
                     <a:lstStyle/>
                     <a:p>
-                      <a:pPr marL="0" indent="0" latinLnBrk="0" hangingPunct="1" lvl="1">
+                      <a:pPr marL="0" lvl="1" indent="0" latinLnBrk="0" hangingPunct="1">
                         <a:buFontTx/>
                         <a:buNone/>
                       </a:pPr>
                       <a:r>
-                        <a:rPr lang="ko-KR" sz="1800" kern="1200" i="0" b="0">
+                        <a:rPr lang="ko-KR" sz="1800" b="0" i="0" kern="1200">
                           <a:solidFill>
                             <a:schemeClr val="dk1"/>
                           </a:solidFill>
@@ -6846,7 +7166,7 @@
                         <a:t>초</a:t>
                       </a:r>
                       <a:r>
-                        <a:rPr lang="ko-KR" altLang="en-US" sz="1800" kern="1200" i="0" b="0">
+                        <a:rPr lang="ko-KR" altLang="en-US" sz="1800" b="0" i="0" kern="1200">
                           <a:solidFill>
                             <a:schemeClr val="dk1"/>
                           </a:solidFill>
@@ -6855,7 +7175,30 @@
                         </a:rPr>
                         <a:t>반</a:t>
                       </a:r>
-                      <a:endParaRPr lang="ko-KR" altLang="en-US" sz="1800" kern="1200" i="0" b="0">
+                    </a:p>
+                  </a:txBody>
+                  <a:tcPr marL="90170" marR="90170" marT="46990" marB="46990" anchor="ctr"/>
+                </a:tc>
+                <a:tc>
+                  <a:txBody>
+                    <a:bodyPr/>
+                    <a:lstStyle/>
+                    <a:p>
+                      <a:pPr marL="0" lvl="1" indent="0" latinLnBrk="0" hangingPunct="1">
+                        <a:buFontTx/>
+                        <a:buNone/>
+                      </a:pPr>
+                      <a:r>
+                        <a:rPr lang="ko-KR" sz="1800" b="0" i="0" kern="1200">
+                          <a:solidFill>
+                            <a:schemeClr val="dk1"/>
+                          </a:solidFill>
+                          <a:latin typeface="맑은 고딕" charset="0"/>
+                          <a:ea typeface="맑은 고딕" charset="0"/>
+                        </a:rPr>
+                        <a:t>캐릭터 생성 및 조작법 숙지</a:t>
+                      </a:r>
+                      <a:endParaRPr lang="ko-KR" altLang="en-US" sz="1800" b="0" i="0" kern="1200">
                         <a:solidFill>
                           <a:schemeClr val="dk1"/>
                         </a:solidFill>
@@ -6871,21 +7214,31 @@
                     <a:bodyPr/>
                     <a:lstStyle/>
                     <a:p>
-                      <a:pPr marL="0" indent="0" latinLnBrk="0" hangingPunct="1" lvl="1">
+                      <a:pPr marL="0" lvl="1" indent="0" latinLnBrk="0" hangingPunct="1">
                         <a:buFontTx/>
                         <a:buNone/>
                       </a:pPr>
                       <a:r>
-                        <a:rPr lang="ko-KR" sz="1800" kern="1200" i="0" b="0">
+                        <a:rPr sz="1800" b="0" i="0" kern="1200" dirty="0" err="1">
                           <a:solidFill>
                             <a:schemeClr val="dk1"/>
                           </a:solidFill>
                           <a:latin typeface="맑은 고딕" charset="0"/>
                           <a:ea typeface="맑은 고딕" charset="0"/>
                         </a:rPr>
-                        <a:t>캐릭터 생성 및 조작법 숙지</a:t>
-                      </a:r>
-                      <a:endParaRPr lang="ko-KR" altLang="en-US" sz="1800" kern="1200" i="0" b="0">
+                        <a:t>캐릭</a:t>
+                      </a:r>
+                      <a:r>
+                        <a:rPr lang="ko-KR" sz="1800" b="0" i="0" kern="1200" dirty="0">
+                          <a:solidFill>
+                            <a:schemeClr val="dk1"/>
+                          </a:solidFill>
+                          <a:latin typeface="맑은 고딕" charset="0"/>
+                          <a:ea typeface="맑은 고딕" charset="0"/>
+                        </a:rPr>
+                        <a:t>터 생성, 튜토리얼</a:t>
+                      </a:r>
+                      <a:endParaRPr lang="ko-KR" altLang="en-US" sz="1800" b="0" i="0" kern="1200" dirty="0">
                         <a:solidFill>
                           <a:schemeClr val="dk1"/>
                         </a:solidFill>
@@ -6896,36 +7249,441 @@
                   </a:txBody>
                   <a:tcPr marL="90170" marR="90170" marT="46990" marB="46990" anchor="ctr"/>
                 </a:tc>
+                <a:extLst>
+                  <a:ext uri="{0D108BD9-81ED-4DB2-BD59-A6C34878D82A}">
+                    <a16:rowId xmlns:a16="http://schemas.microsoft.com/office/drawing/2014/main" val="10002"/>
+                  </a:ext>
+                </a:extLst>
+              </a:tr>
+              <a:tr h="767715">
                 <a:tc>
                   <a:txBody>
                     <a:bodyPr/>
                     <a:lstStyle/>
                     <a:p>
-                      <a:pPr marL="0" indent="0" latinLnBrk="0" hangingPunct="1" lvl="1">
+                      <a:pPr marL="0" lvl="1" indent="0" latinLnBrk="0" hangingPunct="1">
                         <a:buFontTx/>
                         <a:buNone/>
                       </a:pPr>
                       <a:r>
-                        <a:rPr sz="1800" kern="1200" i="0" b="0">
+                        <a:rPr lang="ko-KR" altLang="en-US" sz="1800" b="0" i="0" kern="1200">
                           <a:solidFill>
                             <a:schemeClr val="dk1"/>
                           </a:solidFill>
                           <a:latin typeface="맑은 고딕" charset="0"/>
                           <a:ea typeface="맑은 고딕" charset="0"/>
                         </a:rPr>
-                        <a:t>캐릭</a:t>
-                      </a:r>
-                      <a:r>
-                        <a:rPr lang="ko-KR" sz="1800" kern="1200" i="0" b="0">
+                        <a:t>중반</a:t>
+                      </a:r>
+                    </a:p>
+                  </a:txBody>
+                  <a:tcPr marL="90170" marR="90170" marT="46990" marB="46990" anchor="ctr"/>
+                </a:tc>
+                <a:tc>
+                  <a:txBody>
+                    <a:bodyPr/>
+                    <a:lstStyle/>
+                    <a:p>
+                      <a:pPr marL="0" lvl="1" indent="0" latinLnBrk="0" hangingPunct="1">
+                        <a:buFontTx/>
+                        <a:buNone/>
+                      </a:pPr>
+                      <a:r>
+                        <a:rPr lang="ko-KR" altLang="en-US" sz="1800" b="0" i="0" kern="1200">
                           <a:solidFill>
                             <a:schemeClr val="dk1"/>
                           </a:solidFill>
                           <a:latin typeface="맑은 고딕" charset="0"/>
                           <a:ea typeface="맑은 고딕" charset="0"/>
                         </a:rPr>
-                        <a:t>터 생성, 튜토리얼</a:t>
-                      </a:r>
-                      <a:endParaRPr lang="ko-KR" altLang="en-US" sz="1800" kern="1200" i="0" b="0">
+                        <a:t>메인 스토리 클리어 하는 단계</a:t>
+                      </a:r>
+                    </a:p>
+                  </a:txBody>
+                  <a:tcPr marL="90170" marR="90170" marT="46990" marB="46990" anchor="ctr"/>
+                </a:tc>
+                <a:tc>
+                  <a:txBody>
+                    <a:bodyPr/>
+                    <a:lstStyle/>
+                    <a:p>
+                      <a:pPr marL="0" lvl="1" indent="0" latinLnBrk="0" hangingPunct="1">
+                        <a:buFontTx/>
+                        <a:buNone/>
+                      </a:pPr>
+                      <a:r>
+                        <a:rPr lang="ko-KR" sz="1800" b="0" i="0" kern="1200" dirty="0">
+                          <a:solidFill>
+                            <a:schemeClr val="dk1"/>
+                          </a:solidFill>
+                          <a:latin typeface="맑은 고딕" charset="0"/>
+                          <a:ea typeface="맑은 고딕" charset="0"/>
+                        </a:rPr>
+                        <a:t>메인 스토리, 일반 몬스터, 보스 몬스터, 맵, 일반 던전,</a:t>
+                      </a:r>
+                      <a:r>
+                        <a:rPr lang="en-US" altLang="ko-KR" sz="1800" b="0" i="0" kern="1200" dirty="0">
+                          <a:solidFill>
+                            <a:schemeClr val="dk1"/>
+                          </a:solidFill>
+                          <a:latin typeface="맑은 고딕" charset="0"/>
+                          <a:ea typeface="맑은 고딕" charset="0"/>
+                        </a:rPr>
+                        <a:t> </a:t>
+                      </a:r>
+                      <a:r>
+                        <a:rPr lang="ko-KR" altLang="en-US" sz="1800" b="0" i="0" kern="1200" dirty="0">
+                          <a:solidFill>
+                            <a:schemeClr val="dk1"/>
+                          </a:solidFill>
+                          <a:latin typeface="맑은 고딕" charset="0"/>
+                          <a:ea typeface="맑은 고딕" charset="0"/>
+                        </a:rPr>
+                        <a:t>아이템</a:t>
+                      </a:r>
+                      <a:r>
+                        <a:rPr lang="en-US" altLang="ko-KR" sz="1800" b="0" i="0" kern="1200" dirty="0">
+                          <a:solidFill>
+                            <a:schemeClr val="dk1"/>
+                          </a:solidFill>
+                          <a:latin typeface="맑은 고딕" charset="0"/>
+                          <a:ea typeface="맑은 고딕" charset="0"/>
+                        </a:rPr>
+                        <a:t>, </a:t>
+                      </a:r>
+                      <a:r>
+                        <a:rPr lang="ko-KR" altLang="en-US" sz="1800" b="0" i="0" kern="1200" dirty="0">
+                          <a:solidFill>
+                            <a:schemeClr val="dk1"/>
+                          </a:solidFill>
+                          <a:latin typeface="맑은 고딕" charset="0"/>
+                          <a:ea typeface="맑은 고딕" charset="0"/>
+                        </a:rPr>
+                        <a:t>스킬</a:t>
+                      </a:r>
+                    </a:p>
+                  </a:txBody>
+                  <a:tcPr marL="90170" marR="90170" marT="46990" marB="46990" anchor="ctr"/>
+                </a:tc>
+                <a:extLst>
+                  <a:ext uri="{0D108BD9-81ED-4DB2-BD59-A6C34878D82A}">
+                    <a16:rowId xmlns:a16="http://schemas.microsoft.com/office/drawing/2014/main" val="10003"/>
+                  </a:ext>
+                </a:extLst>
+              </a:tr>
+              <a:tr h="767715">
+                <a:tc>
+                  <a:txBody>
+                    <a:bodyPr/>
+                    <a:lstStyle/>
+                    <a:p>
+                      <a:pPr marL="0" lvl="1" indent="0" latinLnBrk="0" hangingPunct="1">
+                        <a:buFontTx/>
+                        <a:buNone/>
+                      </a:pPr>
+                      <a:r>
+                        <a:rPr lang="ko-KR" altLang="en-US" sz="1800" b="0" i="0" kern="1200">
+                          <a:solidFill>
+                            <a:schemeClr val="dk1"/>
+                          </a:solidFill>
+                          <a:latin typeface="맑은 고딕" charset="0"/>
+                          <a:ea typeface="맑은 고딕" charset="0"/>
+                        </a:rPr>
+                        <a:t>후반</a:t>
+                      </a:r>
+                    </a:p>
+                  </a:txBody>
+                  <a:tcPr marL="90170" marR="90170" marT="46990" marB="46990" anchor="ctr"/>
+                </a:tc>
+                <a:tc>
+                  <a:txBody>
+                    <a:bodyPr/>
+                    <a:lstStyle/>
+                    <a:p>
+                      <a:pPr marL="0" lvl="1" indent="0" latinLnBrk="0" hangingPunct="1">
+                        <a:buFontTx/>
+                        <a:buNone/>
+                      </a:pPr>
+                      <a:r>
+                        <a:rPr lang="ko-KR" altLang="en-US" sz="1800" b="0" i="0" kern="1200">
+                          <a:solidFill>
+                            <a:schemeClr val="dk1"/>
+                          </a:solidFill>
+                          <a:latin typeface="맑은 고딕" charset="0"/>
+                          <a:ea typeface="맑은 고딕" charset="0"/>
+                        </a:rPr>
+                        <a:t>서브 스토리를 클리어하고 성장하는 단계</a:t>
+                      </a:r>
+                    </a:p>
+                  </a:txBody>
+                  <a:tcPr marL="90170" marR="90170" marT="46990" marB="46990" anchor="ctr"/>
+                </a:tc>
+                <a:tc>
+                  <a:txBody>
+                    <a:bodyPr/>
+                    <a:lstStyle/>
+                    <a:p>
+                      <a:pPr marL="0" lvl="1" indent="0" latinLnBrk="0" hangingPunct="1">
+                        <a:buFontTx/>
+                        <a:buNone/>
+                      </a:pPr>
+                      <a:r>
+                        <a:rPr lang="ko-KR" altLang="ko-KR" sz="1800" b="0" i="0" kern="1200">
+                          <a:solidFill>
+                            <a:schemeClr val="dk1"/>
+                          </a:solidFill>
+                          <a:latin typeface="맑은 고딕" charset="0"/>
+                          <a:ea typeface="맑은 고딕" charset="0"/>
+                        </a:rPr>
+                        <a:t>서브 스토리, </a:t>
+                      </a:r>
+                      <a:r>
+                        <a:rPr lang="ko-KR" altLang="en-US" sz="1800" b="0" i="0" kern="1200">
+                          <a:solidFill>
+                            <a:schemeClr val="dk1"/>
+                          </a:solidFill>
+                          <a:latin typeface="맑은 고딕" charset="0"/>
+                          <a:ea typeface="맑은 고딕" charset="0"/>
+                        </a:rPr>
+                        <a:t>제작</a:t>
+                      </a:r>
+                      <a:r>
+                        <a:rPr lang="en-US" altLang="ko-KR" sz="1800" b="0" i="0" kern="1200">
+                          <a:solidFill>
+                            <a:schemeClr val="dk1"/>
+                          </a:solidFill>
+                          <a:latin typeface="맑은 고딕" charset="0"/>
+                          <a:ea typeface="맑은 고딕" charset="0"/>
+                        </a:rPr>
+                        <a:t>, </a:t>
+                      </a:r>
+                      <a:r>
+                        <a:rPr lang="ko-KR" altLang="en-US" sz="1800" b="0" i="0" kern="1200">
+                          <a:solidFill>
+                            <a:schemeClr val="dk1"/>
+                          </a:solidFill>
+                          <a:latin typeface="맑은 고딕" charset="0"/>
+                          <a:ea typeface="맑은 고딕" charset="0"/>
+                        </a:rPr>
+                        <a:t>영약</a:t>
+                      </a:r>
+                      <a:r>
+                        <a:rPr lang="en-US" altLang="ko-KR" sz="1800" b="0" i="0" kern="1200">
+                          <a:solidFill>
+                            <a:schemeClr val="dk1"/>
+                          </a:solidFill>
+                          <a:latin typeface="맑은 고딕" charset="0"/>
+                          <a:ea typeface="맑은 고딕" charset="0"/>
+                        </a:rPr>
+                        <a:t>, </a:t>
+                      </a:r>
+                      <a:r>
+                        <a:rPr lang="ko-KR" altLang="en-US" sz="1800" b="0" i="0" kern="1200">
+                          <a:solidFill>
+                            <a:schemeClr val="dk1"/>
+                          </a:solidFill>
+                          <a:latin typeface="맑은 고딕" charset="0"/>
+                          <a:ea typeface="맑은 고딕" charset="0"/>
+                        </a:rPr>
+                        <a:t>강화</a:t>
+                      </a:r>
+                      <a:r>
+                        <a:rPr lang="en-US" altLang="ko-KR" sz="1800" b="0" i="0" kern="1200">
+                          <a:solidFill>
+                            <a:schemeClr val="dk1"/>
+                          </a:solidFill>
+                          <a:latin typeface="맑은 고딕" charset="0"/>
+                          <a:ea typeface="맑은 고딕" charset="0"/>
+                        </a:rPr>
+                        <a:t>, </a:t>
+                      </a:r>
+                      <a:r>
+                        <a:rPr lang="ko-KR" altLang="en-US" sz="1800" b="0" i="0" kern="1200">
+                          <a:solidFill>
+                            <a:schemeClr val="dk1"/>
+                          </a:solidFill>
+                          <a:latin typeface="맑은 고딕" charset="0"/>
+                          <a:ea typeface="맑은 고딕" charset="0"/>
+                        </a:rPr>
+                        <a:t>수련</a:t>
+                      </a:r>
+                      <a:r>
+                        <a:rPr lang="en-US" altLang="ko-KR" sz="1800" b="0" i="0" kern="1200">
+                          <a:solidFill>
+                            <a:schemeClr val="dk1"/>
+                          </a:solidFill>
+                          <a:latin typeface="맑은 고딕" charset="0"/>
+                          <a:ea typeface="맑은 고딕" charset="0"/>
+                        </a:rPr>
+                        <a:t>, </a:t>
+                      </a:r>
+                      <a:r>
+                        <a:rPr lang="ko-KR" altLang="en-US" sz="1800" b="0" i="0" kern="1200">
+                          <a:solidFill>
+                            <a:schemeClr val="dk1"/>
+                          </a:solidFill>
+                          <a:latin typeface="맑은 고딕" charset="0"/>
+                          <a:ea typeface="맑은 고딕" charset="0"/>
+                        </a:rPr>
+                        <a:t>다회차 플레이</a:t>
+                      </a:r>
+                    </a:p>
+                  </a:txBody>
+                  <a:tcPr marL="90170" marR="90170" marT="46990" marB="46990" anchor="ctr"/>
+                </a:tc>
+                <a:extLst>
+                  <a:ext uri="{0D108BD9-81ED-4DB2-BD59-A6C34878D82A}">
+                    <a16:rowId xmlns:a16="http://schemas.microsoft.com/office/drawing/2014/main" val="10004"/>
+                  </a:ext>
+                </a:extLst>
+              </a:tr>
+              <a:tr h="647700">
+                <a:tc>
+                  <a:txBody>
+                    <a:bodyPr/>
+                    <a:lstStyle/>
+                    <a:p>
+                      <a:pPr marL="0" lvl="1" indent="0" latinLnBrk="0" hangingPunct="1">
+                        <a:buFontTx/>
+                        <a:buNone/>
+                      </a:pPr>
+                      <a:r>
+                        <a:rPr lang="ko-KR" altLang="en-US" sz="1800" b="0" i="0" kern="1200">
+                          <a:solidFill>
+                            <a:schemeClr val="dk1"/>
+                          </a:solidFill>
+                          <a:latin typeface="맑은 고딕" charset="0"/>
+                          <a:ea typeface="맑은 고딕" charset="0"/>
+                        </a:rPr>
+                        <a:t>후일담</a:t>
+                      </a:r>
+                    </a:p>
+                  </a:txBody>
+                  <a:tcPr marL="90170" marR="90170" marT="46990" marB="46990" anchor="ctr"/>
+                </a:tc>
+                <a:tc>
+                  <a:txBody>
+                    <a:bodyPr/>
+                    <a:lstStyle/>
+                    <a:p>
+                      <a:pPr marL="0" lvl="1" indent="0" latinLnBrk="0" hangingPunct="1">
+                        <a:buFontTx/>
+                        <a:buNone/>
+                      </a:pPr>
+                      <a:r>
+                        <a:rPr lang="ko-KR" altLang="en-US" sz="1800" b="0" i="0" kern="1200">
+                          <a:solidFill>
+                            <a:schemeClr val="dk1"/>
+                          </a:solidFill>
+                          <a:latin typeface="맑은 고딕" charset="0"/>
+                          <a:ea typeface="맑은 고딕" charset="0"/>
+                        </a:rPr>
+                        <a:t>캐릭터의 성장을 끝내고 스토리의 후일담을 보는 단계</a:t>
+                      </a:r>
+                    </a:p>
+                  </a:txBody>
+                  <a:tcPr marL="90170" marR="90170" marT="46990" marB="46990" anchor="ctr"/>
+                </a:tc>
+                <a:tc>
+                  <a:txBody>
+                    <a:bodyPr/>
+                    <a:lstStyle/>
+                    <a:p>
+                      <a:pPr marL="0" lvl="1" indent="0" latinLnBrk="0" hangingPunct="1">
+                        <a:buFontTx/>
+                        <a:buNone/>
+                      </a:pPr>
+                      <a:r>
+                        <a:rPr lang="ko-KR" altLang="en-US" sz="1800" b="0" i="0" kern="1200" dirty="0" err="1">
+                          <a:solidFill>
+                            <a:schemeClr val="dk1"/>
+                          </a:solidFill>
+                          <a:latin typeface="맑은 고딕" charset="0"/>
+                          <a:ea typeface="맑은 고딕" charset="0"/>
+                        </a:rPr>
+                        <a:t>히든</a:t>
+                      </a:r>
+                      <a:r>
+                        <a:rPr lang="ko-KR" altLang="en-US" sz="1800" b="0" i="0" kern="1200" dirty="0">
+                          <a:solidFill>
+                            <a:schemeClr val="dk1"/>
+                          </a:solidFill>
+                          <a:latin typeface="맑은 고딕" charset="0"/>
+                          <a:ea typeface="맑은 고딕" charset="0"/>
+                        </a:rPr>
+                        <a:t> 스토리</a:t>
+                      </a:r>
+                      <a:r>
+                        <a:rPr lang="en-US" altLang="ko-KR" sz="1800" b="0" i="0" kern="1200" dirty="0">
+                          <a:solidFill>
+                            <a:schemeClr val="dk1"/>
+                          </a:solidFill>
+                          <a:latin typeface="맑은 고딕" charset="0"/>
+                          <a:ea typeface="맑은 고딕" charset="0"/>
+                        </a:rPr>
+                        <a:t>, </a:t>
+                      </a:r>
+                      <a:r>
+                        <a:rPr lang="ko-KR" altLang="ko-KR" sz="1800" b="0" i="0" kern="1200" dirty="0">
+                          <a:solidFill>
+                            <a:schemeClr val="dk1"/>
+                          </a:solidFill>
+                          <a:latin typeface="맑은 고딕" charset="0"/>
+                          <a:ea typeface="맑은 고딕" charset="0"/>
+                        </a:rPr>
+                        <a:t>강화 </a:t>
+                      </a:r>
+                      <a:r>
+                        <a:rPr lang="ko-KR" sz="1800" b="0" i="0" kern="1200" dirty="0">
+                          <a:solidFill>
+                            <a:schemeClr val="dk1"/>
+                          </a:solidFill>
+                          <a:latin typeface="맑은 고딕" charset="0"/>
+                          <a:ea typeface="맑은 고딕" charset="0"/>
+                        </a:rPr>
+                        <a:t>보스 레이드, 멀티 플레이, </a:t>
+                      </a:r>
+                      <a:r>
+                        <a:rPr lang="ko-KR" sz="1800" b="0" i="0" kern="1200" dirty="0" err="1">
+                          <a:solidFill>
+                            <a:schemeClr val="dk1"/>
+                          </a:solidFill>
+                          <a:latin typeface="맑은 고딕" charset="0"/>
+                          <a:ea typeface="맑은 고딕" charset="0"/>
+                        </a:rPr>
+                        <a:t>Pvp</a:t>
+                      </a:r>
+                      <a:r>
+                        <a:rPr lang="ko-KR" sz="1800" b="0" i="0" kern="1200" dirty="0">
+                          <a:solidFill>
+                            <a:schemeClr val="dk1"/>
+                          </a:solidFill>
+                          <a:latin typeface="맑은 고딕" charset="0"/>
+                          <a:ea typeface="맑은 고딕" charset="0"/>
+                        </a:rPr>
+                        <a:t>, 도장 깨기, </a:t>
+                      </a:r>
+                      <a:r>
+                        <a:rPr lang="ko-KR" sz="1800" b="0" i="0" kern="1200" dirty="0" err="1">
+                          <a:solidFill>
+                            <a:schemeClr val="dk1"/>
+                          </a:solidFill>
+                          <a:latin typeface="맑은 고딕" charset="0"/>
+                          <a:ea typeface="맑은 고딕" charset="0"/>
+                        </a:rPr>
+                        <a:t>비무</a:t>
+                      </a:r>
+                      <a:r>
+                        <a:rPr lang="ko-KR" sz="1800" b="0" i="0" kern="1200" dirty="0">
+                          <a:solidFill>
+                            <a:schemeClr val="dk1"/>
+                          </a:solidFill>
+                          <a:latin typeface="맑은 고딕" charset="0"/>
+                          <a:ea typeface="맑은 고딕" charset="0"/>
+                        </a:rPr>
+                        <a:t>, 무도회, 업적</a:t>
+                      </a:r>
+                      <a:endParaRPr lang="ko-KR" altLang="en-US" sz="1800" b="0" i="0" kern="1200" dirty="0">
                         <a:solidFill>
                           <a:schemeClr val="dk1"/>
                         </a:solidFill>
@@ -6936,532 +7694,11 @@
                   </a:txBody>
                   <a:tcPr marL="90170" marR="90170" marT="46990" marB="46990" anchor="ctr"/>
                 </a:tc>
-              </a:tr>
-              <a:tr h="767715">
-                <a:tc>
-                  <a:txBody>
-                    <a:bodyPr/>
-                    <a:lstStyle/>
-                    <a:p>
-                      <a:pPr marL="0" indent="0" latinLnBrk="0" hangingPunct="1" lvl="1">
-                        <a:buFontTx/>
-                        <a:buNone/>
-                      </a:pPr>
-                      <a:r>
-                        <a:rPr lang="ko-KR" altLang="en-US" sz="1800" kern="1200" i="0" b="0">
-                          <a:solidFill>
-                            <a:schemeClr val="dk1"/>
-                          </a:solidFill>
-                          <a:latin typeface="맑은 고딕" charset="0"/>
-                          <a:ea typeface="맑은 고딕" charset="0"/>
-                        </a:rPr>
-                        <a:t>중반</a:t>
-                      </a:r>
-                      <a:endParaRPr lang="ko-KR" altLang="en-US" sz="1800" kern="1200" i="0" b="0">
-                        <a:solidFill>
-                          <a:schemeClr val="dk1"/>
-                        </a:solidFill>
-                        <a:latin typeface="맑은 고딕" charset="0"/>
-                        <a:ea typeface="맑은 고딕" charset="0"/>
-                      </a:endParaRPr>
-                    </a:p>
-                  </a:txBody>
-                  <a:tcPr marL="90170" marR="90170" marT="46990" marB="46990" anchor="ctr"/>
-                </a:tc>
-                <a:tc>
-                  <a:txBody>
-                    <a:bodyPr/>
-                    <a:lstStyle/>
-                    <a:p>
-                      <a:pPr marL="0" indent="0" latinLnBrk="0" hangingPunct="1" lvl="1">
-                        <a:buFontTx/>
-                        <a:buNone/>
-                      </a:pPr>
-                      <a:r>
-                        <a:rPr lang="ko-KR" altLang="en-US" sz="1800" kern="1200" i="0" b="0">
-                          <a:solidFill>
-                            <a:schemeClr val="dk1"/>
-                          </a:solidFill>
-                          <a:latin typeface="맑은 고딕" charset="0"/>
-                          <a:ea typeface="맑은 고딕" charset="0"/>
-                        </a:rPr>
-                        <a:t>메인 스토리 클리어 하는 단계</a:t>
-                      </a:r>
-                      <a:endParaRPr lang="ko-KR" altLang="en-US" sz="1800" kern="1200" i="0" b="0">
-                        <a:solidFill>
-                          <a:schemeClr val="dk1"/>
-                        </a:solidFill>
-                        <a:latin typeface="맑은 고딕" charset="0"/>
-                        <a:ea typeface="맑은 고딕" charset="0"/>
-                      </a:endParaRPr>
-                    </a:p>
-                  </a:txBody>
-                  <a:tcPr marL="90170" marR="90170" marT="46990" marB="46990" anchor="ctr"/>
-                </a:tc>
-                <a:tc>
-                  <a:txBody>
-                    <a:bodyPr/>
-                    <a:lstStyle/>
-                    <a:p>
-                      <a:pPr marL="0" indent="0" latinLnBrk="0" hangingPunct="1" lvl="1">
-                        <a:buFontTx/>
-                        <a:buNone/>
-                      </a:pPr>
-                      <a:r>
-                        <a:rPr lang="ko-KR" sz="1800" kern="1200" i="0" b="0">
-                          <a:solidFill>
-                            <a:schemeClr val="dk1"/>
-                          </a:solidFill>
-                          <a:latin typeface="맑은 고딕" charset="0"/>
-                          <a:ea typeface="맑은 고딕" charset="0"/>
-                        </a:rPr>
-                        <a:t>메인 스토리, 일반 몬스터, 보스 몬스터, 맵, 일반 던전,</a:t>
-                      </a:r>
-                      <a:r>
-                        <a:rPr lang="en-US" altLang="ko-KR" sz="1800" kern="1200" i="0" b="0">
-                          <a:solidFill>
-                            <a:schemeClr val="dk1"/>
-                          </a:solidFill>
-                          <a:latin typeface="맑은 고딕" charset="0"/>
-                          <a:ea typeface="맑은 고딕" charset="0"/>
-                        </a:rPr>
-                        <a:t> </a:t>
-                      </a:r>
-                      <a:r>
-                        <a:rPr lang="ko-KR" altLang="en-US" sz="1800" kern="1200" i="0" b="0">
-                          <a:solidFill>
-                            <a:schemeClr val="dk1"/>
-                          </a:solidFill>
-                          <a:latin typeface="맑은 고딕" charset="0"/>
-                          <a:ea typeface="맑은 고딕" charset="0"/>
-                        </a:rPr>
-                        <a:t>장비 아이템</a:t>
-                      </a:r>
-                      <a:r>
-                        <a:rPr lang="en-US" altLang="ko-KR" sz="1800" kern="1200" i="0" b="0">
-                          <a:solidFill>
-                            <a:schemeClr val="dk1"/>
-                          </a:solidFill>
-                          <a:latin typeface="맑은 고딕" charset="0"/>
-                          <a:ea typeface="맑은 고딕" charset="0"/>
-                        </a:rPr>
-                        <a:t>, </a:t>
-                      </a:r>
-                      <a:r>
-                        <a:rPr lang="ko-KR" altLang="en-US" sz="1800" kern="1200" i="0" b="0">
-                          <a:solidFill>
-                            <a:schemeClr val="dk1"/>
-                          </a:solidFill>
-                          <a:latin typeface="맑은 고딕" charset="0"/>
-                          <a:ea typeface="맑은 고딕" charset="0"/>
-                        </a:rPr>
-                        <a:t>소비 아이템</a:t>
-                      </a:r>
-                      <a:r>
-                        <a:rPr lang="en-US" altLang="ko-KR" sz="1800" kern="1200" i="0" b="0">
-                          <a:solidFill>
-                            <a:schemeClr val="dk1"/>
-                          </a:solidFill>
-                          <a:latin typeface="맑은 고딕" charset="0"/>
-                          <a:ea typeface="맑은 고딕" charset="0"/>
-                        </a:rPr>
-                        <a:t>, </a:t>
-                      </a:r>
-                      <a:r>
-                        <a:rPr lang="ko-KR" altLang="en-US" sz="1800" kern="1200" i="0" b="0">
-                          <a:solidFill>
-                            <a:schemeClr val="dk1"/>
-                          </a:solidFill>
-                          <a:latin typeface="맑은 고딕" charset="0"/>
-                          <a:ea typeface="맑은 고딕" charset="0"/>
-                        </a:rPr>
-                        <a:t>재료 아이템</a:t>
-                      </a:r>
-                      <a:r>
-                        <a:rPr lang="en-US" altLang="ko-KR" sz="1800" kern="1200" i="0" b="0">
-                          <a:solidFill>
-                            <a:schemeClr val="dk1"/>
-                          </a:solidFill>
-                          <a:latin typeface="맑은 고딕" charset="0"/>
-                          <a:ea typeface="맑은 고딕" charset="0"/>
-                        </a:rPr>
-                        <a:t>, </a:t>
-                      </a:r>
-                      <a:r>
-                        <a:rPr lang="ko-KR" altLang="en-US" sz="1800" kern="1200" i="0" b="0">
-                          <a:solidFill>
-                            <a:schemeClr val="dk1"/>
-                          </a:solidFill>
-                          <a:latin typeface="맑은 고딕" charset="0"/>
-                          <a:ea typeface="맑은 고딕" charset="0"/>
-                        </a:rPr>
-                        <a:t>기타 아이템</a:t>
-                      </a:r>
-                      <a:endParaRPr lang="ko-KR" altLang="en-US" sz="1800" kern="1200" i="0" b="0">
-                        <a:solidFill>
-                          <a:schemeClr val="dk1"/>
-                        </a:solidFill>
-                        <a:latin typeface="맑은 고딕" charset="0"/>
-                        <a:ea typeface="맑은 고딕" charset="0"/>
-                      </a:endParaRPr>
-                    </a:p>
-                  </a:txBody>
-                  <a:tcPr marL="90170" marR="90170" marT="46990" marB="46990" anchor="ctr"/>
-                </a:tc>
-              </a:tr>
-              <a:tr h="767715">
-                <a:tc>
-                  <a:txBody>
-                    <a:bodyPr/>
-                    <a:lstStyle/>
-                    <a:p>
-                      <a:pPr marL="0" indent="0" latinLnBrk="0" hangingPunct="1" lvl="1">
-                        <a:buFontTx/>
-                        <a:buNone/>
-                      </a:pPr>
-                      <a:r>
-                        <a:rPr lang="ko-KR" altLang="en-US" sz="1800" kern="1200" i="0" b="0">
-                          <a:solidFill>
-                            <a:schemeClr val="dk1"/>
-                          </a:solidFill>
-                          <a:latin typeface="맑은 고딕" charset="0"/>
-                          <a:ea typeface="맑은 고딕" charset="0"/>
-                        </a:rPr>
-                        <a:t>후반</a:t>
-                      </a:r>
-                      <a:endParaRPr lang="ko-KR" altLang="en-US" sz="1800" kern="1200" i="0" b="0">
-                        <a:solidFill>
-                          <a:schemeClr val="dk1"/>
-                        </a:solidFill>
-                        <a:latin typeface="맑은 고딕" charset="0"/>
-                        <a:ea typeface="맑은 고딕" charset="0"/>
-                      </a:endParaRPr>
-                    </a:p>
-                  </a:txBody>
-                  <a:tcPr marL="90170" marR="90170" marT="46990" marB="46990" anchor="ctr"/>
-                </a:tc>
-                <a:tc>
-                  <a:txBody>
-                    <a:bodyPr/>
-                    <a:lstStyle/>
-                    <a:p>
-                      <a:pPr marL="0" indent="0" latinLnBrk="0" hangingPunct="1" lvl="1">
-                        <a:buFontTx/>
-                        <a:buNone/>
-                      </a:pPr>
-                      <a:r>
-                        <a:rPr lang="ko-KR" altLang="en-US" sz="1800" kern="1200" i="0" b="0">
-                          <a:solidFill>
-                            <a:schemeClr val="dk1"/>
-                          </a:solidFill>
-                          <a:latin typeface="맑은 고딕" charset="0"/>
-                          <a:ea typeface="맑은 고딕" charset="0"/>
-                        </a:rPr>
-                        <a:t>서브 스토리를 클리어하고 성장하는 단계</a:t>
-                      </a:r>
-                      <a:endParaRPr lang="ko-KR" altLang="en-US" sz="1800" kern="1200" i="0" b="0">
-                        <a:solidFill>
-                          <a:schemeClr val="dk1"/>
-                        </a:solidFill>
-                        <a:latin typeface="맑은 고딕" charset="0"/>
-                        <a:ea typeface="맑은 고딕" charset="0"/>
-                      </a:endParaRPr>
-                    </a:p>
-                  </a:txBody>
-                  <a:tcPr marL="90170" marR="90170" marT="46990" marB="46990" anchor="ctr"/>
-                </a:tc>
-                <a:tc>
-                  <a:txBody>
-                    <a:bodyPr/>
-                    <a:lstStyle/>
-                    <a:p>
-                      <a:pPr marL="0" indent="0" latinLnBrk="0" hangingPunct="1" lvl="1">
-                        <a:buFontTx/>
-                        <a:buNone/>
-                      </a:pPr>
-                      <a:r>
-                        <a:rPr lang="ko-KR" altLang="ko-KR" sz="1800" kern="1200" i="0" b="0">
-                          <a:solidFill>
-                            <a:schemeClr val="dk1"/>
-                          </a:solidFill>
-                          <a:latin typeface="맑은 고딕" charset="0"/>
-                          <a:ea typeface="맑은 고딕" charset="0"/>
-                        </a:rPr>
-                        <a:t>서브</a:t>
-                      </a:r>
-                      <a:r>
-                        <a:rPr lang="ko-KR" altLang="ko-KR" sz="1800" kern="1200" i="0" b="0">
-                          <a:solidFill>
-                            <a:schemeClr val="dk1"/>
-                          </a:solidFill>
-                          <a:latin typeface="맑은 고딕" charset="0"/>
-                          <a:ea typeface="맑은 고딕" charset="0"/>
-                        </a:rPr>
-                        <a:t> </a:t>
-                      </a:r>
-                      <a:r>
-                        <a:rPr lang="ko-KR" altLang="ko-KR" sz="1800" kern="1200" i="0" b="0">
-                          <a:solidFill>
-                            <a:schemeClr val="dk1"/>
-                          </a:solidFill>
-                          <a:latin typeface="맑은 고딕" charset="0"/>
-                          <a:ea typeface="맑은 고딕" charset="0"/>
-                        </a:rPr>
-                        <a:t>스토리,</a:t>
-                      </a:r>
-                      <a:r>
-                        <a:rPr lang="ko-KR" altLang="ko-KR" sz="1800" kern="1200" i="0" b="0">
-                          <a:solidFill>
-                            <a:schemeClr val="dk1"/>
-                          </a:solidFill>
-                          <a:latin typeface="맑은 고딕" charset="0"/>
-                          <a:ea typeface="맑은 고딕" charset="0"/>
-                        </a:rPr>
-                        <a:t> </a:t>
-                      </a:r>
-                      <a:r>
-                        <a:rPr lang="ko-KR" altLang="en-US" sz="1800" kern="1200" i="0" b="0">
-                          <a:solidFill>
-                            <a:schemeClr val="dk1"/>
-                          </a:solidFill>
-                          <a:latin typeface="맑은 고딕" charset="0"/>
-                          <a:ea typeface="맑은 고딕" charset="0"/>
-                        </a:rPr>
-                        <a:t>제작</a:t>
-                      </a:r>
-                      <a:r>
-                        <a:rPr lang="en-US" altLang="ko-KR" sz="1800" kern="1200" i="0" b="0">
-                          <a:solidFill>
-                            <a:schemeClr val="dk1"/>
-                          </a:solidFill>
-                          <a:latin typeface="맑은 고딕" charset="0"/>
-                          <a:ea typeface="맑은 고딕" charset="0"/>
-                        </a:rPr>
-                        <a:t>, </a:t>
-                      </a:r>
-                      <a:r>
-                        <a:rPr lang="ko-KR" altLang="en-US" sz="1800" kern="1200" i="0" b="0">
-                          <a:solidFill>
-                            <a:schemeClr val="dk1"/>
-                          </a:solidFill>
-                          <a:latin typeface="맑은 고딕" charset="0"/>
-                          <a:ea typeface="맑은 고딕" charset="0"/>
-                        </a:rPr>
-                        <a:t>영약</a:t>
-                      </a:r>
-                      <a:r>
-                        <a:rPr lang="en-US" altLang="ko-KR" sz="1800" kern="1200" i="0" b="0">
-                          <a:solidFill>
-                            <a:schemeClr val="dk1"/>
-                          </a:solidFill>
-                          <a:latin typeface="맑은 고딕" charset="0"/>
-                          <a:ea typeface="맑은 고딕" charset="0"/>
-                        </a:rPr>
-                        <a:t>, </a:t>
-                      </a:r>
-                      <a:r>
-                        <a:rPr lang="ko-KR" altLang="en-US" sz="1800" kern="1200" i="0" b="0">
-                          <a:solidFill>
-                            <a:schemeClr val="dk1"/>
-                          </a:solidFill>
-                          <a:latin typeface="맑은 고딕" charset="0"/>
-                          <a:ea typeface="맑은 고딕" charset="0"/>
-                        </a:rPr>
-                        <a:t>강화</a:t>
-                      </a:r>
-                      <a:r>
-                        <a:rPr lang="en-US" altLang="ko-KR" sz="1800" kern="1200" i="0" b="0">
-                          <a:solidFill>
-                            <a:schemeClr val="dk1"/>
-                          </a:solidFill>
-                          <a:latin typeface="맑은 고딕" charset="0"/>
-                          <a:ea typeface="맑은 고딕" charset="0"/>
-                        </a:rPr>
-                        <a:t>, </a:t>
-                      </a:r>
-                      <a:r>
-                        <a:rPr lang="ko-KR" altLang="en-US" sz="1800" kern="1200" i="0" b="0">
-                          <a:solidFill>
-                            <a:schemeClr val="dk1"/>
-                          </a:solidFill>
-                          <a:latin typeface="맑은 고딕" charset="0"/>
-                          <a:ea typeface="맑은 고딕" charset="0"/>
-                        </a:rPr>
-                        <a:t>수련</a:t>
-                      </a:r>
-                      <a:r>
-                        <a:rPr lang="en-US" altLang="ko-KR" sz="1800" kern="1200" i="0" b="0">
-                          <a:solidFill>
-                            <a:schemeClr val="dk1"/>
-                          </a:solidFill>
-                          <a:latin typeface="맑은 고딕" charset="0"/>
-                          <a:ea typeface="맑은 고딕" charset="0"/>
-                        </a:rPr>
-                        <a:t>, </a:t>
-                      </a:r>
-                      <a:r>
-                        <a:rPr lang="ko-KR" altLang="en-US" sz="1800" kern="1200" i="0" b="0">
-                          <a:solidFill>
-                            <a:schemeClr val="dk1"/>
-                          </a:solidFill>
-                          <a:latin typeface="맑은 고딕" charset="0"/>
-                          <a:ea typeface="맑은 고딕" charset="0"/>
-                        </a:rPr>
-                        <a:t>다회차 플레이</a:t>
-                      </a:r>
-                      <a:endParaRPr lang="ko-KR" altLang="en-US" sz="1800" kern="1200" i="0" b="0">
-                        <a:solidFill>
-                          <a:schemeClr val="dk1"/>
-                        </a:solidFill>
-                        <a:latin typeface="맑은 고딕" charset="0"/>
-                        <a:ea typeface="맑은 고딕" charset="0"/>
-                      </a:endParaRPr>
-                    </a:p>
-                  </a:txBody>
-                  <a:tcPr marL="90170" marR="90170" marT="46990" marB="46990" anchor="ctr"/>
-                </a:tc>
-              </a:tr>
-              <a:tr h="647700">
-                <a:tc>
-                  <a:txBody>
-                    <a:bodyPr/>
-                    <a:lstStyle/>
-                    <a:p>
-                      <a:pPr marL="0" indent="0" latinLnBrk="0" hangingPunct="1" lvl="1">
-                        <a:buFontTx/>
-                        <a:buNone/>
-                      </a:pPr>
-                      <a:r>
-                        <a:rPr lang="ko-KR" altLang="en-US" sz="1800" kern="1200" i="0" b="0">
-                          <a:solidFill>
-                            <a:schemeClr val="dk1"/>
-                          </a:solidFill>
-                          <a:latin typeface="맑은 고딕" charset="0"/>
-                          <a:ea typeface="맑은 고딕" charset="0"/>
-                        </a:rPr>
-                        <a:t>후일담</a:t>
-                      </a:r>
-                      <a:endParaRPr lang="ko-KR" altLang="en-US" sz="1800" kern="1200" i="0" b="0">
-                        <a:solidFill>
-                          <a:schemeClr val="dk1"/>
-                        </a:solidFill>
-                        <a:latin typeface="맑은 고딕" charset="0"/>
-                        <a:ea typeface="맑은 고딕" charset="0"/>
-                      </a:endParaRPr>
-                    </a:p>
-                  </a:txBody>
-                  <a:tcPr marL="90170" marR="90170" marT="46990" marB="46990" anchor="ctr"/>
-                </a:tc>
-                <a:tc>
-                  <a:txBody>
-                    <a:bodyPr/>
-                    <a:lstStyle/>
-                    <a:p>
-                      <a:pPr marL="0" indent="0" latinLnBrk="0" hangingPunct="1" lvl="1">
-                        <a:buFontTx/>
-                        <a:buNone/>
-                      </a:pPr>
-                      <a:r>
-                        <a:rPr lang="ko-KR" altLang="en-US" sz="1800" kern="1200" i="0" b="0">
-                          <a:solidFill>
-                            <a:schemeClr val="dk1"/>
-                          </a:solidFill>
-                          <a:latin typeface="맑은 고딕" charset="0"/>
-                          <a:ea typeface="맑은 고딕" charset="0"/>
-                        </a:rPr>
-                        <a:t>캐릭터의 성장을 끝내고 스토리의 후일담을 보는 단계</a:t>
-                      </a:r>
-                      <a:endParaRPr lang="ko-KR" altLang="en-US" sz="1800" kern="1200" i="0" b="0">
-                        <a:solidFill>
-                          <a:schemeClr val="dk1"/>
-                        </a:solidFill>
-                        <a:latin typeface="맑은 고딕" charset="0"/>
-                        <a:ea typeface="맑은 고딕" charset="0"/>
-                      </a:endParaRPr>
-                    </a:p>
-                  </a:txBody>
-                  <a:tcPr marL="90170" marR="90170" marT="46990" marB="46990" anchor="ctr"/>
-                </a:tc>
-                <a:tc>
-                  <a:txBody>
-                    <a:bodyPr/>
-                    <a:lstStyle/>
-                    <a:p>
-                      <a:pPr marL="0" indent="0" latinLnBrk="0" hangingPunct="1" lvl="1">
-                        <a:buFontTx/>
-                        <a:buNone/>
-                      </a:pPr>
-                      <a:r>
-                        <a:rPr lang="ko-KR" altLang="en-US" sz="1800" kern="1200" i="0" b="0">
-                          <a:solidFill>
-                            <a:schemeClr val="dk1"/>
-                          </a:solidFill>
-                          <a:latin typeface="맑은 고딕" charset="0"/>
-                          <a:ea typeface="맑은 고딕" charset="0"/>
-                        </a:rPr>
-                        <a:t>히든 스토리</a:t>
-                      </a:r>
-                      <a:r>
-                        <a:rPr lang="en-US" altLang="ko-KR" sz="1800" kern="1200" i="0" b="0">
-                          <a:solidFill>
-                            <a:schemeClr val="dk1"/>
-                          </a:solidFill>
-                          <a:latin typeface="맑은 고딕" charset="0"/>
-                          <a:ea typeface="맑은 고딕" charset="0"/>
-                        </a:rPr>
-                        <a:t>, </a:t>
-                      </a:r>
-                      <a:r>
-                        <a:rPr lang="ko-KR" altLang="ko-KR" sz="1800" kern="1200" i="0" b="0">
-                          <a:solidFill>
-                            <a:schemeClr val="dk1"/>
-                          </a:solidFill>
-                          <a:latin typeface="맑은 고딕" charset="0"/>
-                          <a:ea typeface="맑은 고딕" charset="0"/>
-                        </a:rPr>
-                        <a:t>강화 </a:t>
-                      </a:r>
-                      <a:r>
-                        <a:rPr lang="ko-KR" sz="1800" kern="1200" i="0" b="0">
-                          <a:solidFill>
-                            <a:schemeClr val="dk1"/>
-                          </a:solidFill>
-                          <a:latin typeface="맑은 고딕" charset="0"/>
-                          <a:ea typeface="맑은 고딕" charset="0"/>
-                        </a:rPr>
-                        <a:t>보스</a:t>
-                      </a:r>
-                      <a:r>
-                        <a:rPr lang="ko-KR" sz="1800" kern="1200" i="0" b="0">
-                          <a:solidFill>
-                            <a:schemeClr val="dk1"/>
-                          </a:solidFill>
-                          <a:latin typeface="맑은 고딕" charset="0"/>
-                          <a:ea typeface="맑은 고딕" charset="0"/>
-                        </a:rPr>
-                        <a:t> 레이드</a:t>
-                      </a:r>
-                      <a:r>
-                        <a:rPr lang="ko-KR" sz="1800" kern="1200" i="0" b="0">
-                          <a:solidFill>
-                            <a:schemeClr val="dk1"/>
-                          </a:solidFill>
-                          <a:latin typeface="맑은 고딕" charset="0"/>
-                          <a:ea typeface="맑은 고딕" charset="0"/>
-                        </a:rPr>
-                        <a:t>, 멀티 플레이, Pvp, 도장 깨기, 비무, 무도회, 업적</a:t>
-                      </a:r>
-                      <a:endParaRPr lang="ko-KR" altLang="en-US" sz="1800" kern="1200" i="0" b="0">
-                        <a:solidFill>
-                          <a:schemeClr val="dk1"/>
-                        </a:solidFill>
-                        <a:latin typeface="맑은 고딕" charset="0"/>
-                        <a:ea typeface="맑은 고딕" charset="0"/>
-                      </a:endParaRPr>
-                    </a:p>
-                  </a:txBody>
-                  <a:tcPr marL="90170" marR="90170" marT="46990" marB="46990" anchor="ctr"/>
-                </a:tc>
+                <a:extLst>
+                  <a:ext uri="{0D108BD9-81ED-4DB2-BD59-A6C34878D82A}">
+                    <a16:rowId xmlns:a16="http://schemas.microsoft.com/office/drawing/2014/main" val="10005"/>
+                  </a:ext>
+                </a:extLst>
               </a:tr>
             </a:tbl>
           </a:graphicData>
@@ -7495,7 +7732,7 @@
           <a:p>
             <a:fld id="{E887A479-1FB4-4076-82AD-4520E3445CF4}" type="slidenum">
               <a:rPr lang="ko-KR" altLang="en-US" smtClean="0"/>
-              <a:t>4</a:t>
+              <a:t>5</a:t>
             </a:fld>
             <a:endParaRPr lang="ko-KR" altLang="en-US"/>
           </a:p>
@@ -7824,7 +8061,7 @@
       <p:sp>
         <p:nvSpPr>
           <p:cNvPr id="10" name="실행 단추: 문서 9">
-            <a:hlinkClick r:id="rId3" action="ppaction://hlinksldjump"/>
+            <a:hlinkClick r:id="rId2" action="ppaction://hlinksldjump"/>
             <a:extLst>
               <a:ext uri="{FF2B5EF4-FFF2-40B4-BE49-F238E27FC236}">
                 <a16:creationId xmlns:a16="http://schemas.microsoft.com/office/drawing/2014/main" id="{F8283366-45B0-4C2A-B4BD-ACACB2970B55}"/>
@@ -7887,822 +8124,13 @@
   <p:clrMapOvr>
     <a:masterClrMapping/>
   </p:clrMapOvr>
-  <mc:AlternateContent xmlns:mc="http://schemas.openxmlformats.org/markup-compatibility/2006">
-    <mc:Choice xmlns:p159="http://schemas.microsoft.com/office/powerpoint/2015/09/main" Requires="p159">
-      <p:transition xmlns:p14="http://schemas.microsoft.com/office/powerpoint/2010/main" spd="slow" p14:dur="2000">
-        <p159:morph option="byObject"/>
-      </p:transition>
-    </mc:Choice>
-    <mc:Fallback>
-      <p:transition spd="slow">
-        <p:fade/>
-      </p:transition>
-    </mc:Fallback>
-  </mc:AlternateContent>
-  <p:timing>
-    <p:tnLst>
-      <p:par>
-        <p:cTn id="1" dur="indefinite" restart="never" nodeType="tmRoot"/>
-      </p:par>
-    </p:tnLst>
-  </p:timing>
-</p:sld>
-</file>
-
-<file path=ppt/slides/slide5.xml><?xml version="1.0" encoding="utf-8"?>
-<p:sld xmlns:a="http://schemas.openxmlformats.org/drawingml/2006/main" xmlns:r="http://schemas.openxmlformats.org/officeDocument/2006/relationships" xmlns:p="http://schemas.openxmlformats.org/presentationml/2006/main">
-  <p:cSld>
-    <p:spTree>
-      <p:nvGrpSpPr>
-        <p:cNvPr id="1" name=""/>
-        <p:cNvGrpSpPr/>
-        <p:nvPr/>
-      </p:nvGrpSpPr>
-      <p:grpSpPr>
-        <a:xfrm>
-          <a:off x="0" y="0"/>
-          <a:ext cx="0" cy="0"/>
-          <a:chOff x="0" y="0"/>
-          <a:chExt cx="0" cy="0"/>
-        </a:xfrm>
-      </p:grpSpPr>
-      <p:cxnSp>
-        <p:nvCxnSpPr>
-          <p:cNvPr id="4" name="Rect 0"/>
-          <p:cNvCxnSpPr/>
-          <p:nvPr/>
-        </p:nvCxnSpPr>
-        <p:spPr>
-          <a:xfrm>
-            <a:off x="0" y="975360"/>
-            <a:ext cx="12192635" cy="635"/>
-          </a:xfrm>
-          <a:prstGeom prst="line">
-            <a:avLst/>
-          </a:prstGeom>
-        </p:spPr>
-        <p:style>
-          <a:lnRef idx="1">
-            <a:schemeClr val="accent1"/>
-          </a:lnRef>
-          <a:fillRef idx="0">
-            <a:schemeClr val="accent1"/>
-          </a:fillRef>
-          <a:effectRef idx="0">
-            <a:schemeClr val="accent1"/>
-          </a:effectRef>
-          <a:fontRef idx="minor">
-            <a:schemeClr val="tx1"/>
-          </a:fontRef>
-        </p:style>
-      </p:cxnSp>
-      <p:sp>
-        <p:nvSpPr>
-          <p:cNvPr id="6" name="Rect 0"/>
-          <p:cNvSpPr txBox="1">
-            <a:spLocks/>
-          </p:cNvSpPr>
-          <p:nvPr/>
-        </p:nvSpPr>
-        <p:spPr>
-          <a:xfrm flipH="1">
-            <a:off x="192088" y="329565"/>
-            <a:ext cx="3764915" cy="645795"/>
-          </a:xfrm>
-          <a:prstGeom prst="rect">
-            <a:avLst/>
-          </a:prstGeom>
-          <a:noFill/>
-        </p:spPr>
-        <p:txBody>
-          <a:bodyPr vert="horz" wrap="square" lIns="91440" tIns="45720" rIns="91440" bIns="45720" numCol="1" anchor="t">
-            <a:spAutoFit/>
-          </a:bodyPr>
-          <a:lstStyle/>
-          <a:p>
-            <a:pPr marL="0" indent="0" latinLnBrk="0">
-              <a:buFontTx/>
-              <a:buNone/>
-            </a:pPr>
-            <a:r>
-              <a:rPr lang="ko-KR" altLang="en-US" sz="3600" b="1" dirty="0">
-                <a:solidFill>
-                  <a:schemeClr val="accent1">
-                    <a:lumMod val="50000"/>
-                  </a:schemeClr>
-                </a:solidFill>
-                <a:latin typeface="나눔스퀘어 ExtraBold" charset="0"/>
-                <a:ea typeface="나눔스퀘어 ExtraBold" charset="0"/>
-              </a:rPr>
-              <a:t>4.세계관 확립</a:t>
-            </a:r>
-            <a:r>
-              <a:rPr lang="en-US" altLang="ko-KR" sz="3600" b="1" dirty="0">
-                <a:solidFill>
-                  <a:schemeClr val="accent1">
-                    <a:lumMod val="50000"/>
-                  </a:schemeClr>
-                </a:solidFill>
-                <a:latin typeface="나눔스퀘어 ExtraBold" charset="0"/>
-                <a:ea typeface="나눔스퀘어 ExtraBold" charset="0"/>
-              </a:rPr>
-              <a:t>-1</a:t>
-            </a:r>
-            <a:endParaRPr lang="ko-KR" altLang="en-US" sz="3600" b="1" dirty="0">
-              <a:solidFill>
-                <a:schemeClr val="accent1">
-                  <a:lumMod val="50000"/>
-                </a:schemeClr>
-              </a:solidFill>
-              <a:latin typeface="나눔스퀘어 ExtraBold" charset="0"/>
-              <a:ea typeface="나눔스퀘어 ExtraBold" charset="0"/>
-            </a:endParaRPr>
-          </a:p>
-        </p:txBody>
-      </p:sp>
-      <p:sp>
-        <p:nvSpPr>
-          <p:cNvPr id="2" name="슬라이드 번호 개체 틀 1">
-            <a:extLst>
-              <a:ext uri="{FF2B5EF4-FFF2-40B4-BE49-F238E27FC236}">
-                <a16:creationId xmlns:a16="http://schemas.microsoft.com/office/drawing/2014/main" id="{1BB7C789-F395-4291-9A2D-44F126A98C91}"/>
-              </a:ext>
-            </a:extLst>
-          </p:cNvPr>
-          <p:cNvSpPr>
-            <a:spLocks noGrp="1"/>
-          </p:cNvSpPr>
-          <p:nvPr>
-            <p:ph type="sldNum" sz="quarter" idx="12"/>
-          </p:nvPr>
-        </p:nvSpPr>
-        <p:spPr/>
-        <p:txBody>
-          <a:bodyPr/>
-          <a:lstStyle/>
-          <a:p>
-            <a:fld id="{E887A479-1FB4-4076-82AD-4520E3445CF4}" type="slidenum">
-              <a:rPr lang="ko-KR" altLang="en-US" smtClean="0"/>
-              <a:t>5</a:t>
-            </a:fld>
-            <a:endParaRPr lang="ko-KR" altLang="en-US"/>
-          </a:p>
-        </p:txBody>
-      </p:sp>
-      <p:sp>
-        <p:nvSpPr>
-          <p:cNvPr id="12" name="실행 단추: 문서 11">
-            <a:hlinkClick r:id="rId2" action="ppaction://hlinksldjump" highlightClick="1"/>
-            <a:extLst>
-              <a:ext uri="{FF2B5EF4-FFF2-40B4-BE49-F238E27FC236}">
-                <a16:creationId xmlns:a16="http://schemas.microsoft.com/office/drawing/2014/main" id="{7AD477DD-8631-4C5B-BC0A-0418748584E9}"/>
-              </a:ext>
-            </a:extLst>
-          </p:cNvPr>
-          <p:cNvSpPr/>
-          <p:nvPr/>
-        </p:nvSpPr>
-        <p:spPr>
-          <a:xfrm>
-            <a:off x="11353800" y="6416674"/>
-            <a:ext cx="646113" cy="441325"/>
-          </a:xfrm>
-          <a:prstGeom prst="actionButtonDocument">
-            <a:avLst/>
-          </a:prstGeom>
-          <a:ln>
-            <a:noFill/>
-          </a:ln>
-        </p:spPr>
-        <p:style>
-          <a:lnRef idx="2">
-            <a:schemeClr val="accent1">
-              <a:shade val="50000"/>
-            </a:schemeClr>
-          </a:lnRef>
-          <a:fillRef idx="1">
-            <a:schemeClr val="accent1"/>
-          </a:fillRef>
-          <a:effectRef idx="0">
-            <a:schemeClr val="accent1"/>
-          </a:effectRef>
-          <a:fontRef idx="minor">
-            <a:schemeClr val="lt1"/>
-          </a:fontRef>
-        </p:style>
-        <p:txBody>
-          <a:bodyPr rtlCol="0" anchor="ctr"/>
-          <a:lstStyle/>
-          <a:p>
-            <a:pPr algn="ctr"/>
-            <a:endParaRPr lang="en-US" altLang="ko-KR" sz="800" dirty="0"/>
-          </a:p>
-          <a:p>
-            <a:pPr algn="ctr"/>
-            <a:endParaRPr lang="en-US" altLang="ko-KR" sz="800" dirty="0"/>
-          </a:p>
-          <a:p>
-            <a:pPr algn="ctr"/>
-            <a:r>
-              <a:rPr lang="ko-KR" altLang="en-US" sz="800" dirty="0"/>
-              <a:t>문서 개요</a:t>
-            </a:r>
-          </a:p>
-        </p:txBody>
-      </p:sp>
-      <p:graphicFrame>
-        <p:nvGraphicFramePr>
-          <p:cNvPr id="14" name="표 4">
-            <a:extLst>
-              <a:ext uri="{FF2B5EF4-FFF2-40B4-BE49-F238E27FC236}">
-                <a16:creationId xmlns:a16="http://schemas.microsoft.com/office/drawing/2014/main" id="{6470C45B-A901-4F87-A022-5E51A58CF0F8}"/>
-              </a:ext>
-            </a:extLst>
-          </p:cNvPr>
-          <p:cNvGraphicFramePr>
-            <a:graphicFrameLocks noGrp="1"/>
-          </p:cNvGraphicFramePr>
-          <p:nvPr>
-            <p:extLst>
-              <p:ext uri="{D42A27DB-BD31-4B8C-83A1-F6EECF244321}">
-                <p14:modId xmlns:p14="http://schemas.microsoft.com/office/powerpoint/2010/main" val="4280119827"/>
-              </p:ext>
-            </p:extLst>
-          </p:nvPr>
-        </p:nvGraphicFramePr>
-        <p:xfrm>
-          <a:off x="192088" y="1075308"/>
-          <a:ext cx="6824174" cy="3696783"/>
-        </p:xfrm>
-        <a:graphic>
-          <a:graphicData uri="http://schemas.openxmlformats.org/drawingml/2006/table">
-            <a:tbl>
-              <a:tblPr firstRow="1" bandRow="1">
-                <a:tableStyleId>{5C22544A-7EE6-4342-B048-85BDC9FD1C3A}</a:tableStyleId>
-              </a:tblPr>
-              <a:tblGrid>
-                <a:gridCol w="889366">
-                  <a:extLst>
-                    <a:ext uri="{9D8B030D-6E8A-4147-A177-3AD203B41FA5}">
-                      <a16:colId xmlns:a16="http://schemas.microsoft.com/office/drawing/2014/main" val="3960585485"/>
-                    </a:ext>
-                  </a:extLst>
-                </a:gridCol>
-                <a:gridCol w="5934808">
-                  <a:extLst>
-                    <a:ext uri="{9D8B030D-6E8A-4147-A177-3AD203B41FA5}">
-                      <a16:colId xmlns:a16="http://schemas.microsoft.com/office/drawing/2014/main" val="3506115744"/>
-                    </a:ext>
-                  </a:extLst>
-                </a:gridCol>
-              </a:tblGrid>
-              <a:tr h="454459">
-                <a:tc gridSpan="2">
-                  <a:txBody>
-                    <a:bodyPr/>
-                    <a:lstStyle/>
-                    <a:p>
-                      <a:pPr latinLnBrk="1"/>
-                      <a:r>
-                        <a:rPr lang="ko-KR" altLang="en-US" dirty="0"/>
-                        <a:t>세계관</a:t>
-                      </a:r>
-                    </a:p>
-                  </a:txBody>
-                  <a:tcPr/>
-                </a:tc>
-                <a:tc hMerge="1">
-                  <a:txBody>
-                    <a:bodyPr/>
-                    <a:lstStyle/>
-                    <a:p>
-                      <a:pPr latinLnBrk="1"/>
-                      <a:endParaRPr lang="ko-KR" altLang="en-US" dirty="0"/>
-                    </a:p>
-                  </a:txBody>
-                  <a:tcPr/>
-                </a:tc>
-                <a:extLst>
-                  <a:ext uri="{0D108BD9-81ED-4DB2-BD59-A6C34878D82A}">
-                    <a16:rowId xmlns:a16="http://schemas.microsoft.com/office/drawing/2014/main" val="4207271768"/>
-                  </a:ext>
-                </a:extLst>
-              </a:tr>
-              <a:tr h="454459">
-                <a:tc>
-                  <a:txBody>
-                    <a:bodyPr/>
-                    <a:lstStyle/>
-                    <a:p>
-                      <a:pPr algn="ctr" latinLnBrk="1"/>
-                      <a:r>
-                        <a:rPr lang="ko-KR" altLang="en-US" dirty="0"/>
-                        <a:t>시기</a:t>
-                      </a:r>
-                    </a:p>
-                  </a:txBody>
-                  <a:tcPr anchor="ctr"/>
-                </a:tc>
-                <a:tc>
-                  <a:txBody>
-                    <a:bodyPr/>
-                    <a:lstStyle/>
-                    <a:p>
-                      <a:pPr latinLnBrk="1"/>
-                      <a:r>
-                        <a:rPr lang="ko-KR" altLang="en-US" dirty="0"/>
-                        <a:t>정파와 </a:t>
-                      </a:r>
-                      <a:r>
-                        <a:rPr lang="ko-KR" altLang="en-US" dirty="0" err="1"/>
-                        <a:t>사파의</a:t>
-                      </a:r>
-                      <a:r>
-                        <a:rPr lang="ko-KR" altLang="en-US" dirty="0"/>
-                        <a:t> 전쟁이 끝나고 약 </a:t>
-                      </a:r>
-                      <a:r>
-                        <a:rPr lang="en-US" altLang="ko-KR" dirty="0"/>
-                        <a:t>1</a:t>
-                      </a:r>
-                      <a:r>
-                        <a:rPr lang="ko-KR" altLang="en-US" dirty="0"/>
-                        <a:t>년 뒤</a:t>
-                      </a:r>
-                    </a:p>
-                  </a:txBody>
-                  <a:tcPr anchor="ctr"/>
-                </a:tc>
-                <a:extLst>
-                  <a:ext uri="{0D108BD9-81ED-4DB2-BD59-A6C34878D82A}">
-                    <a16:rowId xmlns:a16="http://schemas.microsoft.com/office/drawing/2014/main" val="1125263149"/>
-                  </a:ext>
-                </a:extLst>
-              </a:tr>
-              <a:tr h="784408">
-                <a:tc>
-                  <a:txBody>
-                    <a:bodyPr/>
-                    <a:lstStyle/>
-                    <a:p>
-                      <a:pPr algn="ctr" latinLnBrk="1"/>
-                      <a:r>
-                        <a:rPr lang="ko-KR" altLang="en-US" dirty="0"/>
-                        <a:t>공간적 배경</a:t>
-                      </a:r>
-                    </a:p>
-                  </a:txBody>
-                  <a:tcPr anchor="ctr"/>
-                </a:tc>
-                <a:tc>
-                  <a:txBody>
-                    <a:bodyPr/>
-                    <a:lstStyle/>
-                    <a:p>
-                      <a:pPr latinLnBrk="1"/>
-                      <a:r>
-                        <a:rPr lang="ko-KR" altLang="en-US" dirty="0"/>
-                        <a:t>원령</a:t>
-                      </a:r>
-                      <a:r>
-                        <a:rPr lang="en-US" altLang="ko-KR" dirty="0"/>
-                        <a:t>, </a:t>
-                      </a:r>
-                      <a:r>
-                        <a:rPr lang="ko-KR" altLang="en-US" dirty="0"/>
-                        <a:t>요괴</a:t>
-                      </a:r>
-                      <a:r>
-                        <a:rPr lang="en-US" altLang="ko-KR" dirty="0"/>
-                        <a:t>, </a:t>
-                      </a:r>
-                      <a:r>
-                        <a:rPr lang="ko-KR" altLang="en-US" dirty="0"/>
-                        <a:t>요물 같은 괴물이 있고 무협과 술법이 있는 대륙에 동쪽 끝 반도의 작은 나라</a:t>
-                      </a:r>
-                    </a:p>
-                  </a:txBody>
-                  <a:tcPr anchor="ctr"/>
-                </a:tc>
-                <a:extLst>
-                  <a:ext uri="{0D108BD9-81ED-4DB2-BD59-A6C34878D82A}">
-                    <a16:rowId xmlns:a16="http://schemas.microsoft.com/office/drawing/2014/main" val="2259910941"/>
-                  </a:ext>
-                </a:extLst>
-              </a:tr>
-              <a:tr h="454459">
-                <a:tc>
-                  <a:txBody>
-                    <a:bodyPr/>
-                    <a:lstStyle/>
-                    <a:p>
-                      <a:pPr algn="ctr" latinLnBrk="1"/>
-                      <a:r>
-                        <a:rPr lang="ko-KR" altLang="en-US" dirty="0"/>
-                        <a:t>주인공</a:t>
-                      </a:r>
-                      <a:r>
-                        <a:rPr lang="en-US" altLang="ko-KR" dirty="0"/>
-                        <a:t>(PC)</a:t>
-                      </a:r>
-                      <a:endParaRPr lang="ko-KR" altLang="en-US" dirty="0"/>
-                    </a:p>
-                  </a:txBody>
-                  <a:tcPr anchor="ctr"/>
-                </a:tc>
-                <a:tc>
-                  <a:txBody>
-                    <a:bodyPr/>
-                    <a:lstStyle/>
-                    <a:p>
-                      <a:pPr latinLnBrk="1"/>
-                      <a:r>
-                        <a:rPr lang="ko-KR" altLang="en-US" dirty="0"/>
-                        <a:t>괴물의 습격으로 인해 가족과 친구를 잃은 방랑자</a:t>
-                      </a:r>
-                    </a:p>
-                  </a:txBody>
-                  <a:tcPr anchor="ctr"/>
-                </a:tc>
-                <a:extLst>
-                  <a:ext uri="{0D108BD9-81ED-4DB2-BD59-A6C34878D82A}">
-                    <a16:rowId xmlns:a16="http://schemas.microsoft.com/office/drawing/2014/main" val="3553194382"/>
-                  </a:ext>
-                </a:extLst>
-              </a:tr>
-              <a:tr h="454459">
-                <a:tc>
-                  <a:txBody>
-                    <a:bodyPr/>
-                    <a:lstStyle/>
-                    <a:p>
-                      <a:pPr algn="ctr" latinLnBrk="1"/>
-                      <a:r>
-                        <a:rPr lang="ko-KR" altLang="en-US" dirty="0"/>
-                        <a:t>목적</a:t>
-                      </a:r>
-                    </a:p>
-                  </a:txBody>
-                  <a:tcPr anchor="ctr"/>
-                </a:tc>
-                <a:tc>
-                  <a:txBody>
-                    <a:bodyPr/>
-                    <a:lstStyle/>
-                    <a:p>
-                      <a:pPr latinLnBrk="1"/>
-                      <a:r>
-                        <a:rPr lang="ko-KR" altLang="en-US" dirty="0"/>
-                        <a:t>사람들을 습격하는 괴물들을 처단하기 위해</a:t>
-                      </a:r>
-                    </a:p>
-                  </a:txBody>
-                  <a:tcPr anchor="ctr"/>
-                </a:tc>
-                <a:extLst>
-                  <a:ext uri="{0D108BD9-81ED-4DB2-BD59-A6C34878D82A}">
-                    <a16:rowId xmlns:a16="http://schemas.microsoft.com/office/drawing/2014/main" val="3037847655"/>
-                  </a:ext>
-                </a:extLst>
-              </a:tr>
-              <a:tr h="454459">
-                <a:tc>
-                  <a:txBody>
-                    <a:bodyPr/>
-                    <a:lstStyle/>
-                    <a:p>
-                      <a:pPr algn="ctr" latinLnBrk="1"/>
-                      <a:r>
-                        <a:rPr lang="ko-KR" altLang="en-US" dirty="0"/>
-                        <a:t>방법</a:t>
-                      </a:r>
-                      <a:endParaRPr lang="en-US" altLang="ko-KR" dirty="0"/>
-                    </a:p>
-                  </a:txBody>
-                  <a:tcPr anchor="ctr"/>
-                </a:tc>
-                <a:tc>
-                  <a:txBody>
-                    <a:bodyPr/>
-                    <a:lstStyle/>
-                    <a:p>
-                      <a:pPr latinLnBrk="1"/>
-                      <a:r>
-                        <a:rPr lang="ko-KR" altLang="en-US" dirty="0"/>
-                        <a:t>토벌단에 들어가고 전국을 돌아다니며 익힌 기술들로</a:t>
-                      </a:r>
-                    </a:p>
-                  </a:txBody>
-                  <a:tcPr anchor="ctr"/>
-                </a:tc>
-                <a:extLst>
-                  <a:ext uri="{0D108BD9-81ED-4DB2-BD59-A6C34878D82A}">
-                    <a16:rowId xmlns:a16="http://schemas.microsoft.com/office/drawing/2014/main" val="268204496"/>
-                  </a:ext>
-                </a:extLst>
-              </a:tr>
-              <a:tr h="454459">
-                <a:tc>
-                  <a:txBody>
-                    <a:bodyPr/>
-                    <a:lstStyle/>
-                    <a:p>
-                      <a:pPr algn="ctr" latinLnBrk="1"/>
-                      <a:r>
-                        <a:rPr lang="ko-KR" altLang="en-US" dirty="0"/>
-                        <a:t>이유</a:t>
-                      </a:r>
-                      <a:endParaRPr lang="en-US" altLang="ko-KR" dirty="0"/>
-                    </a:p>
-                  </a:txBody>
-                  <a:tcPr anchor="ctr"/>
-                </a:tc>
-                <a:tc>
-                  <a:txBody>
-                    <a:bodyPr/>
-                    <a:lstStyle/>
-                    <a:p>
-                      <a:pPr latinLnBrk="1"/>
-                      <a:r>
-                        <a:rPr lang="ko-KR" altLang="en-US" dirty="0"/>
-                        <a:t>자신과 같은 피해자가 더 이상 늘어나지 않게 하기 위해</a:t>
-                      </a:r>
-                    </a:p>
-                  </a:txBody>
-                  <a:tcPr anchor="ctr"/>
-                </a:tc>
-                <a:extLst>
-                  <a:ext uri="{0D108BD9-81ED-4DB2-BD59-A6C34878D82A}">
-                    <a16:rowId xmlns:a16="http://schemas.microsoft.com/office/drawing/2014/main" val="3684599445"/>
-                  </a:ext>
-                </a:extLst>
-              </a:tr>
-            </a:tbl>
-          </a:graphicData>
-        </a:graphic>
-      </p:graphicFrame>
-      <p:pic>
-        <p:nvPicPr>
-          <p:cNvPr id="15" name="WordPictureWatermark18">
-            <a:extLst>
-              <a:ext uri="{FF2B5EF4-FFF2-40B4-BE49-F238E27FC236}">
-                <a16:creationId xmlns:a16="http://schemas.microsoft.com/office/drawing/2014/main" id="{8167FB20-2499-4E30-B31C-40A425E2EE81}"/>
-              </a:ext>
-            </a:extLst>
-          </p:cNvPr>
-          <p:cNvPicPr>
-            <a:picLocks noChangeAspect="1" noChangeArrowheads="1"/>
-          </p:cNvPicPr>
-          <p:nvPr/>
-        </p:nvPicPr>
-        <p:blipFill>
-          <a:blip r:embed="rId3">
-            <a:extLst>
-              <a:ext uri="{28A0092B-C50C-407E-A947-70E740481C1C}">
-                <a14:useLocalDpi xmlns:a14="http://schemas.microsoft.com/office/drawing/2010/main" val="0"/>
-              </a:ext>
-            </a:extLst>
-          </a:blip>
-          <a:srcRect/>
-          <a:stretch>
-            <a:fillRect/>
-          </a:stretch>
-        </p:blipFill>
-        <p:spPr bwMode="auto">
-          <a:xfrm>
-            <a:off x="7208350" y="1452503"/>
-            <a:ext cx="4791562" cy="2568303"/>
-          </a:xfrm>
-          <a:prstGeom prst="rect">
-            <a:avLst/>
-          </a:prstGeom>
-          <a:solidFill>
-            <a:srgbClr val="FFFFFF"/>
-          </a:solidFill>
-          <a:ln>
-            <a:noFill/>
-          </a:ln>
-          <a:extLst>
-            <a:ext uri="{91240B29-F687-4F45-9708-019B960494DF}">
-              <a14:hiddenLine xmlns:a14="http://schemas.microsoft.com/office/drawing/2010/main" w="9525">
-                <a:solidFill>
-                  <a:srgbClr val="000000"/>
-                </a:solidFill>
-                <a:miter lim="800000"/>
-                <a:headEnd/>
-                <a:tailEnd/>
-              </a14:hiddenLine>
-            </a:ext>
-          </a:extLst>
-        </p:spPr>
-      </p:pic>
-      <p:graphicFrame>
-        <p:nvGraphicFramePr>
-          <p:cNvPr id="16" name="표 4">
-            <a:extLst>
-              <a:ext uri="{FF2B5EF4-FFF2-40B4-BE49-F238E27FC236}">
-                <a16:creationId xmlns:a16="http://schemas.microsoft.com/office/drawing/2014/main" id="{DB97CCC1-EE74-4F6C-A0E7-60221E42F83B}"/>
-              </a:ext>
-            </a:extLst>
-          </p:cNvPr>
-          <p:cNvGraphicFramePr>
-            <a:graphicFrameLocks noGrp="1"/>
-          </p:cNvGraphicFramePr>
-          <p:nvPr>
-            <p:extLst>
-              <p:ext uri="{D42A27DB-BD31-4B8C-83A1-F6EECF244321}">
-                <p14:modId xmlns:p14="http://schemas.microsoft.com/office/powerpoint/2010/main" val="2368623852"/>
-              </p:ext>
-            </p:extLst>
-          </p:nvPr>
-        </p:nvGraphicFramePr>
-        <p:xfrm>
-          <a:off x="192088" y="4872674"/>
-          <a:ext cx="11807825" cy="1193800"/>
-        </p:xfrm>
-        <a:graphic>
-          <a:graphicData uri="http://schemas.openxmlformats.org/drawingml/2006/table">
-            <a:tbl>
-              <a:tblPr firstRow="1" bandRow="1">
-                <a:tableStyleId>{5C22544A-7EE6-4342-B048-85BDC9FD1C3A}</a:tableStyleId>
-              </a:tblPr>
-              <a:tblGrid>
-                <a:gridCol w="11807825">
-                  <a:extLst>
-                    <a:ext uri="{9D8B030D-6E8A-4147-A177-3AD203B41FA5}">
-                      <a16:colId xmlns:a16="http://schemas.microsoft.com/office/drawing/2014/main" val="4084172700"/>
-                    </a:ext>
-                  </a:extLst>
-                </a:gridCol>
-              </a:tblGrid>
-              <a:tr h="370840">
-                <a:tc>
-                  <a:txBody>
-                    <a:bodyPr/>
-                    <a:lstStyle/>
-                    <a:p>
-                      <a:pPr latinLnBrk="1"/>
-                      <a:r>
-                        <a:rPr lang="ko-KR" altLang="en-US" dirty="0"/>
-                        <a:t>무림</a:t>
-                      </a:r>
-                    </a:p>
-                  </a:txBody>
-                  <a:tcPr/>
-                </a:tc>
-                <a:extLst>
-                  <a:ext uri="{0D108BD9-81ED-4DB2-BD59-A6C34878D82A}">
-                    <a16:rowId xmlns:a16="http://schemas.microsoft.com/office/drawing/2014/main" val="704871238"/>
-                  </a:ext>
-                </a:extLst>
-              </a:tr>
-              <a:tr h="370840">
-                <a:tc>
-                  <a:txBody>
-                    <a:bodyPr/>
-                    <a:lstStyle/>
-                    <a:p>
-                      <a:pPr marL="0" marR="0" lvl="0" indent="0" algn="l" defTabSz="914400" rtl="0" eaLnBrk="1" fontAlgn="auto" latinLnBrk="1" hangingPunct="1">
-                        <a:lnSpc>
-                          <a:spcPct val="100000"/>
-                        </a:lnSpc>
-                        <a:spcBef>
-                          <a:spcPts val="0"/>
-                        </a:spcBef>
-                        <a:spcAft>
-                          <a:spcPts val="0"/>
-                        </a:spcAft>
-                        <a:buClrTx/>
-                        <a:buSzTx/>
-                        <a:buFontTx/>
-                        <a:buNone/>
-                        <a:tabLst/>
-                        <a:defRPr/>
-                      </a:pPr>
-                      <a:r>
-                        <a:rPr lang="ko-KR" altLang="ko-KR" sz="1600" dirty="0">
-                          <a:latin typeface="맑은 고딕" charset="0"/>
-                          <a:ea typeface="맑은 고딕" charset="0"/>
-                          <a:cs typeface="Times New Roman" charset="0"/>
-                        </a:rPr>
-                        <a:t>무림계에 정파는 협을 중요시하여  올바른 길을 중요시 하고 </a:t>
-                      </a:r>
-                      <a:r>
-                        <a:rPr lang="ko-KR" altLang="ko-KR" sz="1600" dirty="0" err="1">
-                          <a:latin typeface="맑은 고딕" charset="0"/>
-                          <a:ea typeface="맑은 고딕" charset="0"/>
-                          <a:cs typeface="Times New Roman" charset="0"/>
-                        </a:rPr>
-                        <a:t>사파는</a:t>
-                      </a:r>
-                      <a:r>
-                        <a:rPr lang="ko-KR" altLang="ko-KR" sz="1600" dirty="0">
-                          <a:latin typeface="맑은 고딕" charset="0"/>
-                          <a:ea typeface="맑은 고딕" charset="0"/>
-                          <a:cs typeface="Times New Roman" charset="0"/>
-                        </a:rPr>
-                        <a:t> 무를 중요시하여 수단을 가리지 않기에 서로</a:t>
-                      </a:r>
-                      <a:r>
-                        <a:rPr lang="en-US" altLang="ko-KR" sz="1600" dirty="0">
-                          <a:latin typeface="맑은 고딕" charset="0"/>
-                          <a:ea typeface="맑은 고딕" charset="0"/>
-                          <a:cs typeface="Times New Roman" charset="0"/>
-                        </a:rPr>
-                        <a:t> </a:t>
-                      </a:r>
-                      <a:r>
-                        <a:rPr lang="ko-KR" altLang="ko-KR" sz="1600" dirty="0">
-                          <a:latin typeface="맑은 고딕" charset="0"/>
-                          <a:ea typeface="맑은 고딕" charset="0"/>
-                          <a:cs typeface="Times New Roman" charset="0"/>
-                        </a:rPr>
-                        <a:t>간의 대립은 언제나 존재해 왔다. 크고 작은 충돌은 언제나 있었지만 얼마전 정체 모를 세력의 개입으로 정파와 </a:t>
-                      </a:r>
-                      <a:r>
-                        <a:rPr lang="ko-KR" altLang="ko-KR" sz="1600" dirty="0" err="1">
-                          <a:latin typeface="맑은 고딕" charset="0"/>
-                          <a:ea typeface="맑은 고딕" charset="0"/>
-                          <a:cs typeface="Times New Roman" charset="0"/>
-                        </a:rPr>
-                        <a:t>사파</a:t>
-                      </a:r>
-                      <a:r>
-                        <a:rPr lang="en-US" altLang="ko-KR" sz="1600" dirty="0">
-                          <a:latin typeface="맑은 고딕" charset="0"/>
-                          <a:ea typeface="맑은 고딕" charset="0"/>
-                          <a:cs typeface="Times New Roman" charset="0"/>
-                        </a:rPr>
-                        <a:t> </a:t>
-                      </a:r>
-                      <a:r>
-                        <a:rPr lang="ko-KR" altLang="ko-KR" sz="1600" dirty="0">
-                          <a:latin typeface="맑은 고딕" charset="0"/>
-                          <a:ea typeface="맑은 고딕" charset="0"/>
-                          <a:cs typeface="Times New Roman" charset="0"/>
-                        </a:rPr>
-                        <a:t>간에 큰 전쟁이 일어나고 무림 세력 자체가 크게 축소 되었다.</a:t>
-                      </a:r>
-                      <a:r>
-                        <a:rPr lang="en-US" altLang="ko-KR" sz="1600" dirty="0">
-                          <a:latin typeface="맑은 고딕" charset="0"/>
-                          <a:ea typeface="맑은 고딕" charset="0"/>
-                          <a:cs typeface="Times New Roman" charset="0"/>
-                        </a:rPr>
-                        <a:t> </a:t>
-                      </a:r>
-                      <a:r>
-                        <a:rPr lang="ko-KR" altLang="en-US" sz="1600" dirty="0">
-                          <a:latin typeface="맑은 고딕" charset="0"/>
-                          <a:ea typeface="맑은 고딕" charset="0"/>
-                          <a:cs typeface="Times New Roman" charset="0"/>
-                        </a:rPr>
-                        <a:t>또한 도사들은 본래에도 숫자 자체가 많지 않아 큰 도움은 되지 못하고 있다</a:t>
-                      </a:r>
-                      <a:r>
-                        <a:rPr lang="en-US" altLang="ko-KR" sz="1600" dirty="0">
-                          <a:latin typeface="맑은 고딕" charset="0"/>
-                          <a:ea typeface="맑은 고딕" charset="0"/>
-                          <a:cs typeface="Times New Roman" charset="0"/>
-                        </a:rPr>
-                        <a:t>.</a:t>
-                      </a:r>
-                      <a:endParaRPr lang="ko-KR" altLang="en-US" sz="1600" dirty="0">
-                        <a:latin typeface="맑은 고딕" charset="0"/>
-                        <a:ea typeface="맑은 고딕" charset="0"/>
-                        <a:cs typeface="Times New Roman" charset="0"/>
-                      </a:endParaRPr>
-                    </a:p>
-                  </a:txBody>
-                  <a:tcPr/>
-                </a:tc>
-                <a:extLst>
-                  <a:ext uri="{0D108BD9-81ED-4DB2-BD59-A6C34878D82A}">
-                    <a16:rowId xmlns:a16="http://schemas.microsoft.com/office/drawing/2014/main" val="728689"/>
-                  </a:ext>
-                </a:extLst>
-              </a:tr>
-            </a:tbl>
-          </a:graphicData>
-        </a:graphic>
-      </p:graphicFrame>
-    </p:spTree>
-    <p:extLst>
-      <p:ext uri="{BB962C8B-B14F-4D97-AF65-F5344CB8AC3E}">
-        <p14:creationId xmlns:p14="http://schemas.microsoft.com/office/powerpoint/2010/main" val="948734723"/>
-      </p:ext>
-    </p:extLst>
-  </p:cSld>
-  <p:clrMapOvr>
-    <a:masterClrMapping/>
-  </p:clrMapOvr>
   <mc:AlternateContent xmlns:mc="http://schemas.openxmlformats.org/markup-compatibility/2006" xmlns:p159="http://schemas.microsoft.com/office/powerpoint/2015/09/main">
     <mc:Choice Requires="p159">
       <p:transition xmlns:p14="http://schemas.microsoft.com/office/powerpoint/2010/main" spd="slow" p14:dur="2000">
         <p159:morph option="byObject"/>
       </p:transition>
     </mc:Choice>
-    <mc:Fallback xmlns="">
+    <mc:Fallback xmlns:p14="http://schemas.microsoft.com/office/powerpoint/2010/main" xmlns="">
       <p:transition spd="slow">
         <p:fade/>
       </p:transition>
@@ -8808,7 +8236,7 @@
                 <a:latin typeface="나눔스퀘어 ExtraBold" charset="0"/>
                 <a:ea typeface="나눔스퀘어 ExtraBold" charset="0"/>
               </a:rPr>
-              <a:t>-2</a:t>
+              <a:t>-1</a:t>
             </a:r>
             <a:endParaRPr lang="ko-KR" altLang="en-US" sz="3600" b="1" dirty="0">
               <a:solidFill>
@@ -8846,6 +8274,854 @@
             <a:fld id="{E887A479-1FB4-4076-82AD-4520E3445CF4}" type="slidenum">
               <a:rPr lang="ko-KR" altLang="en-US" smtClean="0"/>
               <a:t>6</a:t>
+            </a:fld>
+            <a:endParaRPr lang="ko-KR" altLang="en-US"/>
+          </a:p>
+        </p:txBody>
+      </p:sp>
+      <p:sp>
+        <p:nvSpPr>
+          <p:cNvPr id="12" name="실행 단추: 문서 11">
+            <a:hlinkClick r:id="rId2" action="ppaction://hlinksldjump" highlightClick="1"/>
+            <a:extLst>
+              <a:ext uri="{FF2B5EF4-FFF2-40B4-BE49-F238E27FC236}">
+                <a16:creationId xmlns:a16="http://schemas.microsoft.com/office/drawing/2014/main" id="{7AD477DD-8631-4C5B-BC0A-0418748584E9}"/>
+              </a:ext>
+            </a:extLst>
+          </p:cNvPr>
+          <p:cNvSpPr/>
+          <p:nvPr/>
+        </p:nvSpPr>
+        <p:spPr>
+          <a:xfrm>
+            <a:off x="11353800" y="6416674"/>
+            <a:ext cx="646113" cy="441325"/>
+          </a:xfrm>
+          <a:prstGeom prst="actionButtonDocument">
+            <a:avLst/>
+          </a:prstGeom>
+          <a:ln>
+            <a:noFill/>
+          </a:ln>
+        </p:spPr>
+        <p:style>
+          <a:lnRef idx="2">
+            <a:schemeClr val="accent1">
+              <a:shade val="50000"/>
+            </a:schemeClr>
+          </a:lnRef>
+          <a:fillRef idx="1">
+            <a:schemeClr val="accent1"/>
+          </a:fillRef>
+          <a:effectRef idx="0">
+            <a:schemeClr val="accent1"/>
+          </a:effectRef>
+          <a:fontRef idx="minor">
+            <a:schemeClr val="lt1"/>
+          </a:fontRef>
+        </p:style>
+        <p:txBody>
+          <a:bodyPr rtlCol="0" anchor="ctr"/>
+          <a:lstStyle/>
+          <a:p>
+            <a:pPr algn="ctr"/>
+            <a:endParaRPr lang="en-US" altLang="ko-KR" sz="800" dirty="0"/>
+          </a:p>
+          <a:p>
+            <a:pPr algn="ctr"/>
+            <a:endParaRPr lang="en-US" altLang="ko-KR" sz="800" dirty="0"/>
+          </a:p>
+          <a:p>
+            <a:pPr algn="ctr"/>
+            <a:r>
+              <a:rPr lang="ko-KR" altLang="en-US" sz="800" dirty="0"/>
+              <a:t>문서 개요</a:t>
+            </a:r>
+          </a:p>
+        </p:txBody>
+      </p:sp>
+      <p:graphicFrame>
+        <p:nvGraphicFramePr>
+          <p:cNvPr id="14" name="표 4">
+            <a:extLst>
+              <a:ext uri="{FF2B5EF4-FFF2-40B4-BE49-F238E27FC236}">
+                <a16:creationId xmlns:a16="http://schemas.microsoft.com/office/drawing/2014/main" id="{6470C45B-A901-4F87-A022-5E51A58CF0F8}"/>
+              </a:ext>
+            </a:extLst>
+          </p:cNvPr>
+          <p:cNvGraphicFramePr>
+            <a:graphicFrameLocks noGrp="1"/>
+          </p:cNvGraphicFramePr>
+          <p:nvPr>
+            <p:extLst>
+              <p:ext uri="{D42A27DB-BD31-4B8C-83A1-F6EECF244321}">
+                <p14:modId xmlns:p14="http://schemas.microsoft.com/office/powerpoint/2010/main" val="4221164973"/>
+              </p:ext>
+            </p:extLst>
+          </p:nvPr>
+        </p:nvGraphicFramePr>
+        <p:xfrm>
+          <a:off x="192088" y="1075308"/>
+          <a:ext cx="6824174" cy="1693326"/>
+        </p:xfrm>
+        <a:graphic>
+          <a:graphicData uri="http://schemas.openxmlformats.org/drawingml/2006/table">
+            <a:tbl>
+              <a:tblPr firstRow="1" bandRow="1">
+                <a:tableStyleId>{5C22544A-7EE6-4342-B048-85BDC9FD1C3A}</a:tableStyleId>
+              </a:tblPr>
+              <a:tblGrid>
+                <a:gridCol w="889366">
+                  <a:extLst>
+                    <a:ext uri="{9D8B030D-6E8A-4147-A177-3AD203B41FA5}">
+                      <a16:colId xmlns:a16="http://schemas.microsoft.com/office/drawing/2014/main" val="3960585485"/>
+                    </a:ext>
+                  </a:extLst>
+                </a:gridCol>
+                <a:gridCol w="5934808">
+                  <a:extLst>
+                    <a:ext uri="{9D8B030D-6E8A-4147-A177-3AD203B41FA5}">
+                      <a16:colId xmlns:a16="http://schemas.microsoft.com/office/drawing/2014/main" val="3506115744"/>
+                    </a:ext>
+                  </a:extLst>
+                </a:gridCol>
+              </a:tblGrid>
+              <a:tr h="454459">
+                <a:tc gridSpan="2">
+                  <a:txBody>
+                    <a:bodyPr/>
+                    <a:lstStyle/>
+                    <a:p>
+                      <a:pPr latinLnBrk="1"/>
+                      <a:r>
+                        <a:rPr lang="ko-KR" altLang="en-US" dirty="0"/>
+                        <a:t>세계관</a:t>
+                      </a:r>
+                    </a:p>
+                  </a:txBody>
+                  <a:tcPr/>
+                </a:tc>
+                <a:tc hMerge="1">
+                  <a:txBody>
+                    <a:bodyPr/>
+                    <a:lstStyle/>
+                    <a:p>
+                      <a:pPr latinLnBrk="1"/>
+                      <a:endParaRPr lang="ko-KR" altLang="en-US" dirty="0"/>
+                    </a:p>
+                  </a:txBody>
+                  <a:tcPr/>
+                </a:tc>
+                <a:extLst>
+                  <a:ext uri="{0D108BD9-81ED-4DB2-BD59-A6C34878D82A}">
+                    <a16:rowId xmlns:a16="http://schemas.microsoft.com/office/drawing/2014/main" val="4207271768"/>
+                  </a:ext>
+                </a:extLst>
+              </a:tr>
+              <a:tr h="454459">
+                <a:tc>
+                  <a:txBody>
+                    <a:bodyPr/>
+                    <a:lstStyle/>
+                    <a:p>
+                      <a:pPr algn="ctr" latinLnBrk="1"/>
+                      <a:r>
+                        <a:rPr lang="ko-KR" altLang="en-US" dirty="0"/>
+                        <a:t>시기</a:t>
+                      </a:r>
+                    </a:p>
+                  </a:txBody>
+                  <a:tcPr anchor="ctr"/>
+                </a:tc>
+                <a:tc>
+                  <a:txBody>
+                    <a:bodyPr/>
+                    <a:lstStyle/>
+                    <a:p>
+                      <a:pPr latinLnBrk="1"/>
+                      <a:r>
+                        <a:rPr lang="ko-KR" altLang="en-US" dirty="0"/>
+                        <a:t>정파와 </a:t>
+                      </a:r>
+                      <a:r>
+                        <a:rPr lang="ko-KR" altLang="en-US" dirty="0" err="1"/>
+                        <a:t>사파의</a:t>
+                      </a:r>
+                      <a:r>
+                        <a:rPr lang="ko-KR" altLang="en-US" dirty="0"/>
+                        <a:t> 전쟁이 끝나고 약 </a:t>
+                      </a:r>
+                      <a:r>
+                        <a:rPr lang="en-US" altLang="ko-KR" dirty="0"/>
+                        <a:t>1</a:t>
+                      </a:r>
+                      <a:r>
+                        <a:rPr lang="ko-KR" altLang="en-US" dirty="0"/>
+                        <a:t>년 뒤</a:t>
+                      </a:r>
+                    </a:p>
+                  </a:txBody>
+                  <a:tcPr anchor="ctr"/>
+                </a:tc>
+                <a:extLst>
+                  <a:ext uri="{0D108BD9-81ED-4DB2-BD59-A6C34878D82A}">
+                    <a16:rowId xmlns:a16="http://schemas.microsoft.com/office/drawing/2014/main" val="1125263149"/>
+                  </a:ext>
+                </a:extLst>
+              </a:tr>
+              <a:tr h="784408">
+                <a:tc>
+                  <a:txBody>
+                    <a:bodyPr/>
+                    <a:lstStyle/>
+                    <a:p>
+                      <a:pPr algn="ctr" latinLnBrk="1"/>
+                      <a:r>
+                        <a:rPr lang="ko-KR" altLang="en-US" dirty="0"/>
+                        <a:t>공간적 배경</a:t>
+                      </a:r>
+                    </a:p>
+                  </a:txBody>
+                  <a:tcPr anchor="ctr"/>
+                </a:tc>
+                <a:tc>
+                  <a:txBody>
+                    <a:bodyPr/>
+                    <a:lstStyle/>
+                    <a:p>
+                      <a:pPr latinLnBrk="1"/>
+                      <a:r>
+                        <a:rPr lang="ko-KR" altLang="en-US" dirty="0"/>
+                        <a:t>원령</a:t>
+                      </a:r>
+                      <a:r>
+                        <a:rPr lang="en-US" altLang="ko-KR" dirty="0"/>
+                        <a:t>, </a:t>
+                      </a:r>
+                      <a:r>
+                        <a:rPr lang="ko-KR" altLang="en-US" dirty="0"/>
+                        <a:t>요괴</a:t>
+                      </a:r>
+                      <a:r>
+                        <a:rPr lang="en-US" altLang="ko-KR" dirty="0"/>
+                        <a:t>, </a:t>
+                      </a:r>
+                      <a:r>
+                        <a:rPr lang="ko-KR" altLang="en-US" dirty="0"/>
+                        <a:t>요물 같은 괴물이 있고 무협과 술법이 있는 대륙에 동쪽 끝의 작은 나라</a:t>
+                      </a:r>
+                    </a:p>
+                  </a:txBody>
+                  <a:tcPr anchor="ctr"/>
+                </a:tc>
+                <a:extLst>
+                  <a:ext uri="{0D108BD9-81ED-4DB2-BD59-A6C34878D82A}">
+                    <a16:rowId xmlns:a16="http://schemas.microsoft.com/office/drawing/2014/main" val="2259910941"/>
+                  </a:ext>
+                </a:extLst>
+              </a:tr>
+            </a:tbl>
+          </a:graphicData>
+        </a:graphic>
+      </p:graphicFrame>
+      <p:pic>
+        <p:nvPicPr>
+          <p:cNvPr id="15" name="WordPictureWatermark18">
+            <a:extLst>
+              <a:ext uri="{FF2B5EF4-FFF2-40B4-BE49-F238E27FC236}">
+                <a16:creationId xmlns:a16="http://schemas.microsoft.com/office/drawing/2014/main" id="{8167FB20-2499-4E30-B31C-40A425E2EE81}"/>
+              </a:ext>
+            </a:extLst>
+          </p:cNvPr>
+          <p:cNvPicPr>
+            <a:picLocks noChangeAspect="1" noChangeArrowheads="1"/>
+          </p:cNvPicPr>
+          <p:nvPr/>
+        </p:nvPicPr>
+        <p:blipFill>
+          <a:blip r:embed="rId3">
+            <a:extLst>
+              <a:ext uri="{28A0092B-C50C-407E-A947-70E740481C1C}">
+                <a14:useLocalDpi xmlns:a14="http://schemas.microsoft.com/office/drawing/2010/main" val="0"/>
+              </a:ext>
+            </a:extLst>
+          </a:blip>
+          <a:srcRect/>
+          <a:stretch>
+            <a:fillRect/>
+          </a:stretch>
+        </p:blipFill>
+        <p:spPr bwMode="auto">
+          <a:xfrm>
+            <a:off x="7576040" y="1075309"/>
+            <a:ext cx="4423873" cy="2371220"/>
+          </a:xfrm>
+          <a:prstGeom prst="rect">
+            <a:avLst/>
+          </a:prstGeom>
+          <a:solidFill>
+            <a:srgbClr val="FFFFFF"/>
+          </a:solidFill>
+          <a:ln>
+            <a:noFill/>
+          </a:ln>
+          <a:extLst>
+            <a:ext uri="{91240B29-F687-4F45-9708-019B960494DF}">
+              <a14:hiddenLine xmlns:a14="http://schemas.microsoft.com/office/drawing/2010/main" w="9525">
+                <a:solidFill>
+                  <a:srgbClr val="000000"/>
+                </a:solidFill>
+                <a:miter lim="800000"/>
+                <a:headEnd/>
+                <a:tailEnd/>
+              </a14:hiddenLine>
+            </a:ext>
+          </a:extLst>
+        </p:spPr>
+      </p:pic>
+      <p:graphicFrame>
+        <p:nvGraphicFramePr>
+          <p:cNvPr id="16" name="표 4">
+            <a:extLst>
+              <a:ext uri="{FF2B5EF4-FFF2-40B4-BE49-F238E27FC236}">
+                <a16:creationId xmlns:a16="http://schemas.microsoft.com/office/drawing/2014/main" id="{DB97CCC1-EE74-4F6C-A0E7-60221E42F83B}"/>
+              </a:ext>
+            </a:extLst>
+          </p:cNvPr>
+          <p:cNvGraphicFramePr>
+            <a:graphicFrameLocks noGrp="1"/>
+          </p:cNvGraphicFramePr>
+          <p:nvPr>
+            <p:extLst>
+              <p:ext uri="{D42A27DB-BD31-4B8C-83A1-F6EECF244321}">
+                <p14:modId xmlns:p14="http://schemas.microsoft.com/office/powerpoint/2010/main" val="4223063063"/>
+              </p:ext>
+            </p:extLst>
+          </p:nvPr>
+        </p:nvGraphicFramePr>
+        <p:xfrm>
+          <a:off x="192088" y="3535603"/>
+          <a:ext cx="11807825" cy="1193800"/>
+        </p:xfrm>
+        <a:graphic>
+          <a:graphicData uri="http://schemas.openxmlformats.org/drawingml/2006/table">
+            <a:tbl>
+              <a:tblPr firstRow="1" bandRow="1">
+                <a:tableStyleId>{5C22544A-7EE6-4342-B048-85BDC9FD1C3A}</a:tableStyleId>
+              </a:tblPr>
+              <a:tblGrid>
+                <a:gridCol w="11807825">
+                  <a:extLst>
+                    <a:ext uri="{9D8B030D-6E8A-4147-A177-3AD203B41FA5}">
+                      <a16:colId xmlns:a16="http://schemas.microsoft.com/office/drawing/2014/main" val="4084172700"/>
+                    </a:ext>
+                  </a:extLst>
+                </a:gridCol>
+              </a:tblGrid>
+              <a:tr h="370840">
+                <a:tc>
+                  <a:txBody>
+                    <a:bodyPr/>
+                    <a:lstStyle/>
+                    <a:p>
+                      <a:pPr latinLnBrk="1"/>
+                      <a:r>
+                        <a:rPr lang="ko-KR" altLang="en-US" dirty="0"/>
+                        <a:t>무림</a:t>
+                      </a:r>
+                    </a:p>
+                  </a:txBody>
+                  <a:tcPr/>
+                </a:tc>
+                <a:extLst>
+                  <a:ext uri="{0D108BD9-81ED-4DB2-BD59-A6C34878D82A}">
+                    <a16:rowId xmlns:a16="http://schemas.microsoft.com/office/drawing/2014/main" val="704871238"/>
+                  </a:ext>
+                </a:extLst>
+              </a:tr>
+              <a:tr h="370840">
+                <a:tc>
+                  <a:txBody>
+                    <a:bodyPr/>
+                    <a:lstStyle/>
+                    <a:p>
+                      <a:pPr marL="0" marR="0" lvl="0" indent="0" algn="l" defTabSz="914400" rtl="0" eaLnBrk="1" fontAlgn="auto" latinLnBrk="1" hangingPunct="1">
+                        <a:lnSpc>
+                          <a:spcPct val="100000"/>
+                        </a:lnSpc>
+                        <a:spcBef>
+                          <a:spcPts val="0"/>
+                        </a:spcBef>
+                        <a:spcAft>
+                          <a:spcPts val="0"/>
+                        </a:spcAft>
+                        <a:buClrTx/>
+                        <a:buSzTx/>
+                        <a:buFontTx/>
+                        <a:buNone/>
+                        <a:tabLst/>
+                        <a:defRPr/>
+                      </a:pPr>
+                      <a:r>
+                        <a:rPr lang="ko-KR" altLang="ko-KR" sz="1600" dirty="0">
+                          <a:latin typeface="맑은 고딕" charset="0"/>
+                          <a:ea typeface="맑은 고딕" charset="0"/>
+                          <a:cs typeface="Times New Roman" charset="0"/>
+                        </a:rPr>
+                        <a:t>무림계에 정파는 협을 중요시하여  올바른 길을 중요시 하고 </a:t>
+                      </a:r>
+                      <a:r>
+                        <a:rPr lang="ko-KR" altLang="ko-KR" sz="1600" dirty="0" err="1">
+                          <a:latin typeface="맑은 고딕" charset="0"/>
+                          <a:ea typeface="맑은 고딕" charset="0"/>
+                          <a:cs typeface="Times New Roman" charset="0"/>
+                        </a:rPr>
+                        <a:t>사파는</a:t>
+                      </a:r>
+                      <a:r>
+                        <a:rPr lang="ko-KR" altLang="ko-KR" sz="1600" dirty="0">
+                          <a:latin typeface="맑은 고딕" charset="0"/>
+                          <a:ea typeface="맑은 고딕" charset="0"/>
+                          <a:cs typeface="Times New Roman" charset="0"/>
+                        </a:rPr>
+                        <a:t> 무를 중요시하여 수단을 가리지 않기에 서로</a:t>
+                      </a:r>
+                      <a:r>
+                        <a:rPr lang="en-US" altLang="ko-KR" sz="1600" dirty="0">
+                          <a:latin typeface="맑은 고딕" charset="0"/>
+                          <a:ea typeface="맑은 고딕" charset="0"/>
+                          <a:cs typeface="Times New Roman" charset="0"/>
+                        </a:rPr>
+                        <a:t> </a:t>
+                      </a:r>
+                      <a:r>
+                        <a:rPr lang="ko-KR" altLang="ko-KR" sz="1600" dirty="0">
+                          <a:latin typeface="맑은 고딕" charset="0"/>
+                          <a:ea typeface="맑은 고딕" charset="0"/>
+                          <a:cs typeface="Times New Roman" charset="0"/>
+                        </a:rPr>
+                        <a:t>간의 대립은 언제나 존재해 왔다. 크고 작은 충돌은 언제나 있었지만 얼마전 정체 모를 세력의 개입으로 정파와 </a:t>
+                      </a:r>
+                      <a:r>
+                        <a:rPr lang="ko-KR" altLang="ko-KR" sz="1600" dirty="0" err="1">
+                          <a:latin typeface="맑은 고딕" charset="0"/>
+                          <a:ea typeface="맑은 고딕" charset="0"/>
+                          <a:cs typeface="Times New Roman" charset="0"/>
+                        </a:rPr>
+                        <a:t>사파</a:t>
+                      </a:r>
+                      <a:r>
+                        <a:rPr lang="en-US" altLang="ko-KR" sz="1600" dirty="0">
+                          <a:latin typeface="맑은 고딕" charset="0"/>
+                          <a:ea typeface="맑은 고딕" charset="0"/>
+                          <a:cs typeface="Times New Roman" charset="0"/>
+                        </a:rPr>
+                        <a:t> </a:t>
+                      </a:r>
+                      <a:r>
+                        <a:rPr lang="ko-KR" altLang="ko-KR" sz="1600" dirty="0">
+                          <a:latin typeface="맑은 고딕" charset="0"/>
+                          <a:ea typeface="맑은 고딕" charset="0"/>
+                          <a:cs typeface="Times New Roman" charset="0"/>
+                        </a:rPr>
+                        <a:t>간에 큰 전쟁이 일어나고 무림 세력 자체가 크게 축소 되었다.</a:t>
+                      </a:r>
+                      <a:r>
+                        <a:rPr lang="en-US" altLang="ko-KR" sz="1600" dirty="0">
+                          <a:latin typeface="맑은 고딕" charset="0"/>
+                          <a:ea typeface="맑은 고딕" charset="0"/>
+                          <a:cs typeface="Times New Roman" charset="0"/>
+                        </a:rPr>
+                        <a:t> </a:t>
+                      </a:r>
+                      <a:r>
+                        <a:rPr lang="ko-KR" altLang="en-US" sz="1600" dirty="0">
+                          <a:latin typeface="맑은 고딕" charset="0"/>
+                          <a:ea typeface="맑은 고딕" charset="0"/>
+                          <a:cs typeface="Times New Roman" charset="0"/>
+                        </a:rPr>
+                        <a:t>또한 도사들은 본래에도 숫자 자체가 많지 않아 큰 도움은 되지 못하고 있다</a:t>
+                      </a:r>
+                      <a:r>
+                        <a:rPr lang="en-US" altLang="ko-KR" sz="1600" dirty="0">
+                          <a:latin typeface="맑은 고딕" charset="0"/>
+                          <a:ea typeface="맑은 고딕" charset="0"/>
+                          <a:cs typeface="Times New Roman" charset="0"/>
+                        </a:rPr>
+                        <a:t>.</a:t>
+                      </a:r>
+                      <a:endParaRPr lang="ko-KR" altLang="en-US" sz="1600" dirty="0">
+                        <a:latin typeface="맑은 고딕" charset="0"/>
+                        <a:ea typeface="맑은 고딕" charset="0"/>
+                        <a:cs typeface="Times New Roman" charset="0"/>
+                      </a:endParaRPr>
+                    </a:p>
+                  </a:txBody>
+                  <a:tcPr/>
+                </a:tc>
+                <a:extLst>
+                  <a:ext uri="{0D108BD9-81ED-4DB2-BD59-A6C34878D82A}">
+                    <a16:rowId xmlns:a16="http://schemas.microsoft.com/office/drawing/2014/main" val="728689"/>
+                  </a:ext>
+                </a:extLst>
+              </a:tr>
+            </a:tbl>
+          </a:graphicData>
+        </a:graphic>
+      </p:graphicFrame>
+      <p:graphicFrame>
+        <p:nvGraphicFramePr>
+          <p:cNvPr id="9" name="표 4">
+            <a:extLst>
+              <a:ext uri="{FF2B5EF4-FFF2-40B4-BE49-F238E27FC236}">
+                <a16:creationId xmlns:a16="http://schemas.microsoft.com/office/drawing/2014/main" id="{DDF85FD3-CCC6-44B2-892A-22E87ACDECD9}"/>
+              </a:ext>
+            </a:extLst>
+          </p:cNvPr>
+          <p:cNvGraphicFramePr>
+            <a:graphicFrameLocks noGrp="1"/>
+          </p:cNvGraphicFramePr>
+          <p:nvPr>
+            <p:extLst>
+              <p:ext uri="{D42A27DB-BD31-4B8C-83A1-F6EECF244321}">
+                <p14:modId xmlns:p14="http://schemas.microsoft.com/office/powerpoint/2010/main" val="4078834120"/>
+              </p:ext>
+            </p:extLst>
+          </p:nvPr>
+        </p:nvGraphicFramePr>
+        <p:xfrm>
+          <a:off x="192088" y="4906934"/>
+          <a:ext cx="11807825" cy="1548507"/>
+        </p:xfrm>
+        <a:graphic>
+          <a:graphicData uri="http://schemas.openxmlformats.org/drawingml/2006/table">
+            <a:tbl>
+              <a:tblPr firstRow="1" bandRow="1">
+                <a:tableStyleId>{5C22544A-7EE6-4342-B048-85BDC9FD1C3A}</a:tableStyleId>
+              </a:tblPr>
+              <a:tblGrid>
+                <a:gridCol w="11807825">
+                  <a:extLst>
+                    <a:ext uri="{9D8B030D-6E8A-4147-A177-3AD203B41FA5}">
+                      <a16:colId xmlns:a16="http://schemas.microsoft.com/office/drawing/2014/main" val="4084172700"/>
+                    </a:ext>
+                  </a:extLst>
+                </a:gridCol>
+              </a:tblGrid>
+              <a:tr h="399438">
+                <a:tc>
+                  <a:txBody>
+                    <a:bodyPr/>
+                    <a:lstStyle/>
+                    <a:p>
+                      <a:pPr latinLnBrk="1"/>
+                      <a:r>
+                        <a:rPr lang="ko-KR" altLang="en-US" dirty="0" err="1"/>
+                        <a:t>토벌단</a:t>
+                      </a:r>
+                      <a:endParaRPr lang="ko-KR" altLang="en-US" dirty="0"/>
+                    </a:p>
+                  </a:txBody>
+                  <a:tcPr/>
+                </a:tc>
+                <a:extLst>
+                  <a:ext uri="{0D108BD9-81ED-4DB2-BD59-A6C34878D82A}">
+                    <a16:rowId xmlns:a16="http://schemas.microsoft.com/office/drawing/2014/main" val="704871238"/>
+                  </a:ext>
+                </a:extLst>
+              </a:tr>
+              <a:tr h="1149069">
+                <a:tc>
+                  <a:txBody>
+                    <a:bodyPr/>
+                    <a:lstStyle/>
+                    <a:p>
+                      <a:pPr marL="0" marR="0" lvl="0" indent="0" algn="l" defTabSz="914400" rtl="0" eaLnBrk="1" fontAlgn="auto" latinLnBrk="1" hangingPunct="1">
+                        <a:lnSpc>
+                          <a:spcPct val="100000"/>
+                        </a:lnSpc>
+                        <a:spcBef>
+                          <a:spcPts val="0"/>
+                        </a:spcBef>
+                        <a:spcAft>
+                          <a:spcPts val="0"/>
+                        </a:spcAft>
+                        <a:buClrTx/>
+                        <a:buSzTx/>
+                        <a:buFontTx/>
+                        <a:buNone/>
+                        <a:tabLst/>
+                        <a:defRPr/>
+                      </a:pPr>
+                      <a:r>
+                        <a:rPr lang="ko-KR" altLang="en-US" sz="1600" dirty="0">
+                          <a:latin typeface="맑은 고딕" charset="0"/>
+                          <a:ea typeface="맑은 고딕" charset="0"/>
+                        </a:rPr>
+                        <a:t>현재 </a:t>
+                      </a:r>
+                      <a:r>
+                        <a:rPr lang="ko-KR" altLang="ko-KR" sz="1600" dirty="0">
+                          <a:latin typeface="맑은 고딕" charset="0"/>
+                          <a:ea typeface="맑은 고딕" charset="0"/>
+                        </a:rPr>
+                        <a:t>무림 세력</a:t>
+                      </a:r>
+                      <a:r>
+                        <a:rPr lang="ko-KR" altLang="en-US" sz="1600" dirty="0">
+                          <a:latin typeface="맑은 고딕" charset="0"/>
+                          <a:ea typeface="맑은 고딕" charset="0"/>
+                        </a:rPr>
+                        <a:t>은 전쟁으로 세력이 크게</a:t>
+                      </a:r>
+                      <a:r>
+                        <a:rPr lang="ko-KR" altLang="ko-KR" sz="1600" dirty="0">
+                          <a:latin typeface="맑은 고딕" charset="0"/>
+                          <a:ea typeface="맑은 고딕" charset="0"/>
+                        </a:rPr>
+                        <a:t> 약화</a:t>
+                      </a:r>
+                      <a:r>
+                        <a:rPr lang="ko-KR" altLang="en-US" sz="1600" dirty="0">
+                          <a:latin typeface="맑은 고딕" charset="0"/>
+                          <a:ea typeface="맑은 고딕" charset="0"/>
+                        </a:rPr>
+                        <a:t>되어 괴물을 상대할 여력이 없고 군대는 이웃 나라에서 반란이 일어나 국경에 많은 병력을 집중하여 괴물 토벌에 많은 수의 병사를 배치할 수 없는 상황이다</a:t>
+                      </a:r>
+                      <a:r>
+                        <a:rPr lang="en-US" altLang="ko-KR" sz="1600" dirty="0">
+                          <a:latin typeface="맑은 고딕" charset="0"/>
+                          <a:ea typeface="맑은 고딕" charset="0"/>
+                        </a:rPr>
+                        <a:t>.</a:t>
+                      </a:r>
+                      <a:r>
+                        <a:rPr lang="ko-KR" altLang="en-US" sz="1600" dirty="0">
+                          <a:latin typeface="맑은 고딕" charset="0"/>
+                          <a:ea typeface="맑은 고딕" charset="0"/>
+                          <a:cs typeface="Times New Roman" charset="0"/>
+                        </a:rPr>
+                        <a:t>괴물들을 처리하던 가장 큰 </a:t>
+                      </a:r>
+                      <a:r>
+                        <a:rPr lang="en-US" altLang="ko-KR" sz="1600" dirty="0">
+                          <a:latin typeface="맑은 고딕" charset="0"/>
+                          <a:ea typeface="맑은 고딕" charset="0"/>
+                          <a:cs typeface="Times New Roman" charset="0"/>
+                        </a:rPr>
+                        <a:t>2</a:t>
+                      </a:r>
+                      <a:r>
+                        <a:rPr lang="ko-KR" altLang="en-US" sz="1600" dirty="0">
+                          <a:latin typeface="맑은 고딕" charset="0"/>
+                          <a:ea typeface="맑은 고딕" charset="0"/>
+                          <a:cs typeface="Times New Roman" charset="0"/>
+                        </a:rPr>
+                        <a:t>개의 세력들의 개입이 없어져 현재 나라에 괴물들이 창궐하여 전국 곳곳에서 괴물들로 인한 사건</a:t>
+                      </a:r>
+                      <a:r>
+                        <a:rPr lang="en-US" altLang="ko-KR" sz="1600" dirty="0">
+                          <a:latin typeface="맑은 고딕" charset="0"/>
+                          <a:ea typeface="맑은 고딕" charset="0"/>
+                          <a:cs typeface="Times New Roman" charset="0"/>
+                        </a:rPr>
+                        <a:t>, </a:t>
+                      </a:r>
+                      <a:r>
+                        <a:rPr lang="ko-KR" altLang="en-US" sz="1600" dirty="0">
+                          <a:latin typeface="맑은 고딕" charset="0"/>
+                          <a:ea typeface="맑은 고딕" charset="0"/>
+                          <a:cs typeface="Times New Roman" charset="0"/>
+                        </a:rPr>
+                        <a:t>사고의 숫자가 크게 늘어나 백성들과 일부 무림 세력들이 힘을 모아 괴물들을 상대하기 위한 사냥꾼 단체 토벌단을 만들었다</a:t>
+                      </a:r>
+                      <a:r>
+                        <a:rPr lang="en-US" altLang="ko-KR" sz="1600" dirty="0">
+                          <a:latin typeface="맑은 고딕" charset="0"/>
+                          <a:ea typeface="맑은 고딕" charset="0"/>
+                          <a:cs typeface="Times New Roman" charset="0"/>
+                        </a:rPr>
+                        <a:t>.</a:t>
+                      </a:r>
+                      <a:endParaRPr lang="ko-KR" altLang="en-US" sz="1600" dirty="0">
+                        <a:latin typeface="맑은 고딕" charset="0"/>
+                        <a:ea typeface="맑은 고딕" charset="0"/>
+                        <a:cs typeface="Times New Roman" charset="0"/>
+                      </a:endParaRPr>
+                    </a:p>
+                  </a:txBody>
+                  <a:tcPr/>
+                </a:tc>
+                <a:extLst>
+                  <a:ext uri="{0D108BD9-81ED-4DB2-BD59-A6C34878D82A}">
+                    <a16:rowId xmlns:a16="http://schemas.microsoft.com/office/drawing/2014/main" val="728689"/>
+                  </a:ext>
+                </a:extLst>
+              </a:tr>
+            </a:tbl>
+          </a:graphicData>
+        </a:graphic>
+      </p:graphicFrame>
+    </p:spTree>
+    <p:extLst>
+      <p:ext uri="{BB962C8B-B14F-4D97-AF65-F5344CB8AC3E}">
+        <p14:creationId xmlns:p14="http://schemas.microsoft.com/office/powerpoint/2010/main" val="948734723"/>
+      </p:ext>
+    </p:extLst>
+  </p:cSld>
+  <p:clrMapOvr>
+    <a:masterClrMapping/>
+  </p:clrMapOvr>
+  <mc:AlternateContent xmlns:mc="http://schemas.openxmlformats.org/markup-compatibility/2006" xmlns:p159="http://schemas.microsoft.com/office/powerpoint/2015/09/main">
+    <mc:Choice Requires="p159">
+      <p:transition xmlns:p14="http://schemas.microsoft.com/office/powerpoint/2010/main" spd="slow" p14:dur="2000">
+        <p159:morph option="byObject"/>
+      </p:transition>
+    </mc:Choice>
+    <mc:Fallback xmlns="">
+      <p:transition spd="slow">
+        <p:fade/>
+      </p:transition>
+    </mc:Fallback>
+  </mc:AlternateContent>
+</p:sld>
+</file>
+
+<file path=ppt/slides/slide7.xml><?xml version="1.0" encoding="utf-8"?>
+<p:sld xmlns:a="http://schemas.openxmlformats.org/drawingml/2006/main" xmlns:r="http://schemas.openxmlformats.org/officeDocument/2006/relationships" xmlns:p="http://schemas.openxmlformats.org/presentationml/2006/main">
+  <p:cSld>
+    <p:spTree>
+      <p:nvGrpSpPr>
+        <p:cNvPr id="1" name=""/>
+        <p:cNvGrpSpPr/>
+        <p:nvPr/>
+      </p:nvGrpSpPr>
+      <p:grpSpPr>
+        <a:xfrm>
+          <a:off x="0" y="0"/>
+          <a:ext cx="0" cy="0"/>
+          <a:chOff x="0" y="0"/>
+          <a:chExt cx="0" cy="0"/>
+        </a:xfrm>
+      </p:grpSpPr>
+      <p:cxnSp>
+        <p:nvCxnSpPr>
+          <p:cNvPr id="4" name="Rect 0"/>
+          <p:cNvCxnSpPr/>
+          <p:nvPr/>
+        </p:nvCxnSpPr>
+        <p:spPr>
+          <a:xfrm>
+            <a:off x="0" y="975360"/>
+            <a:ext cx="12192635" cy="635"/>
+          </a:xfrm>
+          <a:prstGeom prst="line">
+            <a:avLst/>
+          </a:prstGeom>
+        </p:spPr>
+        <p:style>
+          <a:lnRef idx="1">
+            <a:schemeClr val="accent1"/>
+          </a:lnRef>
+          <a:fillRef idx="0">
+            <a:schemeClr val="accent1"/>
+          </a:fillRef>
+          <a:effectRef idx="0">
+            <a:schemeClr val="accent1"/>
+          </a:effectRef>
+          <a:fontRef idx="minor">
+            <a:schemeClr val="tx1"/>
+          </a:fontRef>
+        </p:style>
+      </p:cxnSp>
+      <p:sp>
+        <p:nvSpPr>
+          <p:cNvPr id="6" name="Rect 0"/>
+          <p:cNvSpPr txBox="1">
+            <a:spLocks/>
+          </p:cNvSpPr>
+          <p:nvPr/>
+        </p:nvSpPr>
+        <p:spPr>
+          <a:xfrm flipH="1">
+            <a:off x="192088" y="329565"/>
+            <a:ext cx="3764915" cy="645795"/>
+          </a:xfrm>
+          <a:prstGeom prst="rect">
+            <a:avLst/>
+          </a:prstGeom>
+          <a:noFill/>
+        </p:spPr>
+        <p:txBody>
+          <a:bodyPr vert="horz" wrap="square" lIns="91440" tIns="45720" rIns="91440" bIns="45720" numCol="1" anchor="t">
+            <a:spAutoFit/>
+          </a:bodyPr>
+          <a:lstStyle/>
+          <a:p>
+            <a:pPr marL="0" indent="0" latinLnBrk="0">
+              <a:buFontTx/>
+              <a:buNone/>
+            </a:pPr>
+            <a:r>
+              <a:rPr lang="ko-KR" altLang="en-US" sz="3600" b="1" dirty="0">
+                <a:solidFill>
+                  <a:schemeClr val="accent1">
+                    <a:lumMod val="50000"/>
+                  </a:schemeClr>
+                </a:solidFill>
+                <a:latin typeface="나눔스퀘어 ExtraBold" charset="0"/>
+                <a:ea typeface="나눔스퀘어 ExtraBold" charset="0"/>
+              </a:rPr>
+              <a:t>4.세계관 확립</a:t>
+            </a:r>
+            <a:r>
+              <a:rPr lang="en-US" altLang="ko-KR" sz="3600" b="1" dirty="0">
+                <a:solidFill>
+                  <a:schemeClr val="accent1">
+                    <a:lumMod val="50000"/>
+                  </a:schemeClr>
+                </a:solidFill>
+                <a:latin typeface="나눔스퀘어 ExtraBold" charset="0"/>
+                <a:ea typeface="나눔스퀘어 ExtraBold" charset="0"/>
+              </a:rPr>
+              <a:t>-2</a:t>
+            </a:r>
+            <a:endParaRPr lang="ko-KR" altLang="en-US" sz="3600" b="1" dirty="0">
+              <a:solidFill>
+                <a:schemeClr val="accent1">
+                  <a:lumMod val="50000"/>
+                </a:schemeClr>
+              </a:solidFill>
+              <a:latin typeface="나눔스퀘어 ExtraBold" charset="0"/>
+              <a:ea typeface="나눔스퀘어 ExtraBold" charset="0"/>
+            </a:endParaRPr>
+          </a:p>
+        </p:txBody>
+      </p:sp>
+      <p:sp>
+        <p:nvSpPr>
+          <p:cNvPr id="2" name="슬라이드 번호 개체 틀 1">
+            <a:extLst>
+              <a:ext uri="{FF2B5EF4-FFF2-40B4-BE49-F238E27FC236}">
+                <a16:creationId xmlns:a16="http://schemas.microsoft.com/office/drawing/2014/main" id="{1BB7C789-F395-4291-9A2D-44F126A98C91}"/>
+              </a:ext>
+            </a:extLst>
+          </p:cNvPr>
+          <p:cNvSpPr>
+            <a:spLocks noGrp="1"/>
+          </p:cNvSpPr>
+          <p:nvPr>
+            <p:ph type="sldNum" sz="quarter" idx="12"/>
+          </p:nvPr>
+        </p:nvSpPr>
+        <p:spPr/>
+        <p:txBody>
+          <a:bodyPr/>
+          <a:lstStyle/>
+          <a:p>
+            <a:fld id="{E887A479-1FB4-4076-82AD-4520E3445CF4}" type="slidenum">
+              <a:rPr lang="ko-KR" altLang="en-US" smtClean="0"/>
+              <a:t>7</a:t>
             </a:fld>
             <a:endParaRPr lang="ko-KR" altLang="en-US"/>
           </a:p>
@@ -8927,14 +9203,14 @@
           <p:nvPr>
             <p:extLst>
               <p:ext uri="{D42A27DB-BD31-4B8C-83A1-F6EECF244321}">
-                <p14:modId xmlns:p14="http://schemas.microsoft.com/office/powerpoint/2010/main" val="3348023871"/>
+                <p14:modId xmlns:p14="http://schemas.microsoft.com/office/powerpoint/2010/main" val="2139631354"/>
               </p:ext>
             </p:extLst>
           </p:nvPr>
         </p:nvGraphicFramePr>
         <p:xfrm>
-          <a:off x="192087" y="2671529"/>
-          <a:ext cx="11807825" cy="3684185"/>
+          <a:off x="1401885" y="1231658"/>
+          <a:ext cx="9378706" cy="4070472"/>
         </p:xfrm>
         <a:graphic>
           <a:graphicData uri="http://schemas.openxmlformats.org/drawingml/2006/table">
@@ -8943,7 +9219,7 @@
                 <a:tableStyleId>{5C22544A-7EE6-4342-B048-85BDC9FD1C3A}</a:tableStyleId>
               </a:tblPr>
               <a:tblGrid>
-                <a:gridCol w="11807825">
+                <a:gridCol w="9378706">
                   <a:extLst>
                     <a:ext uri="{9D8B030D-6E8A-4147-A177-3AD203B41FA5}">
                       <a16:colId xmlns:a16="http://schemas.microsoft.com/office/drawing/2014/main" val="4084172700"/>
@@ -8951,7 +9227,7 @@
                   </a:extLst>
                 </a:gridCol>
               </a:tblGrid>
-              <a:tr h="383957">
+              <a:tr h="412513">
                 <a:tc>
                   <a:txBody>
                     <a:bodyPr/>
@@ -8972,7 +9248,7 @@
                   </a:ext>
                 </a:extLst>
               </a:tr>
-              <a:tr h="3300228">
+              <a:tr h="3657959">
                 <a:tc>
                   <a:txBody>
                     <a:bodyPr/>
@@ -9313,199 +9589,6 @@
                           <a:cs typeface="Times New Roman" charset="0"/>
                         </a:rPr>
                         <a:t>들을 해결하며 모든 사건의 배후에 어떠한 세력이 있다는 것을 눈치채고 추적 끝에 모든 사건의 흑막 달기를 처단하여 대륙에 평화를 가져온다</a:t>
-                      </a:r>
-                      <a:r>
-                        <a:rPr lang="en-US" altLang="ko-KR" sz="1600" dirty="0">
-                          <a:latin typeface="맑은 고딕" charset="0"/>
-                          <a:ea typeface="맑은 고딕" charset="0"/>
-                          <a:cs typeface="Times New Roman" charset="0"/>
-                        </a:rPr>
-                        <a:t>.</a:t>
-                      </a:r>
-                      <a:endParaRPr lang="ko-KR" altLang="en-US" sz="1600" dirty="0">
-                        <a:latin typeface="맑은 고딕" charset="0"/>
-                        <a:ea typeface="맑은 고딕" charset="0"/>
-                        <a:cs typeface="Times New Roman" charset="0"/>
-                      </a:endParaRPr>
-                    </a:p>
-                  </a:txBody>
-                  <a:tcPr/>
-                </a:tc>
-                <a:extLst>
-                  <a:ext uri="{0D108BD9-81ED-4DB2-BD59-A6C34878D82A}">
-                    <a16:rowId xmlns:a16="http://schemas.microsoft.com/office/drawing/2014/main" val="728689"/>
-                  </a:ext>
-                </a:extLst>
-              </a:tr>
-            </a:tbl>
-          </a:graphicData>
-        </a:graphic>
-      </p:graphicFrame>
-      <p:graphicFrame>
-        <p:nvGraphicFramePr>
-          <p:cNvPr id="10" name="표 4">
-            <a:extLst>
-              <a:ext uri="{FF2B5EF4-FFF2-40B4-BE49-F238E27FC236}">
-                <a16:creationId xmlns:a16="http://schemas.microsoft.com/office/drawing/2014/main" id="{44D703D4-3D1A-4089-9FE4-E65A48A7414E}"/>
-              </a:ext>
-            </a:extLst>
-          </p:cNvPr>
-          <p:cNvGraphicFramePr>
-            <a:graphicFrameLocks noGrp="1"/>
-          </p:cNvGraphicFramePr>
-          <p:nvPr>
-            <p:extLst>
-              <p:ext uri="{D42A27DB-BD31-4B8C-83A1-F6EECF244321}">
-                <p14:modId xmlns:p14="http://schemas.microsoft.com/office/powerpoint/2010/main" val="1496227250"/>
-              </p:ext>
-            </p:extLst>
-          </p:nvPr>
-        </p:nvGraphicFramePr>
-        <p:xfrm>
-          <a:off x="192088" y="1070268"/>
-          <a:ext cx="11807825" cy="1548507"/>
-        </p:xfrm>
-        <a:graphic>
-          <a:graphicData uri="http://schemas.openxmlformats.org/drawingml/2006/table">
-            <a:tbl>
-              <a:tblPr firstRow="1" bandRow="1">
-                <a:tableStyleId>{5C22544A-7EE6-4342-B048-85BDC9FD1C3A}</a:tableStyleId>
-              </a:tblPr>
-              <a:tblGrid>
-                <a:gridCol w="11807825">
-                  <a:extLst>
-                    <a:ext uri="{9D8B030D-6E8A-4147-A177-3AD203B41FA5}">
-                      <a16:colId xmlns:a16="http://schemas.microsoft.com/office/drawing/2014/main" val="4084172700"/>
-                    </a:ext>
-                  </a:extLst>
-                </a:gridCol>
-              </a:tblGrid>
-              <a:tr h="399438">
-                <a:tc>
-                  <a:txBody>
-                    <a:bodyPr/>
-                    <a:lstStyle/>
-                    <a:p>
-                      <a:pPr latinLnBrk="1"/>
-                      <a:r>
-                        <a:rPr lang="ko-KR" altLang="en-US" dirty="0" err="1"/>
-                        <a:t>토벌단</a:t>
-                      </a:r>
-                      <a:endParaRPr lang="ko-KR" altLang="en-US" dirty="0"/>
-                    </a:p>
-                  </a:txBody>
-                  <a:tcPr/>
-                </a:tc>
-                <a:extLst>
-                  <a:ext uri="{0D108BD9-81ED-4DB2-BD59-A6C34878D82A}">
-                    <a16:rowId xmlns:a16="http://schemas.microsoft.com/office/drawing/2014/main" val="704871238"/>
-                  </a:ext>
-                </a:extLst>
-              </a:tr>
-              <a:tr h="1149069">
-                <a:tc>
-                  <a:txBody>
-                    <a:bodyPr/>
-                    <a:lstStyle/>
-                    <a:p>
-                      <a:pPr marL="0" marR="0" lvl="0" indent="0" algn="l" defTabSz="914400" rtl="0" eaLnBrk="1" fontAlgn="auto" latinLnBrk="1" hangingPunct="1">
-                        <a:lnSpc>
-                          <a:spcPct val="100000"/>
-                        </a:lnSpc>
-                        <a:spcBef>
-                          <a:spcPts val="0"/>
-                        </a:spcBef>
-                        <a:spcAft>
-                          <a:spcPts val="0"/>
-                        </a:spcAft>
-                        <a:buClrTx/>
-                        <a:buSzTx/>
-                        <a:buFontTx/>
-                        <a:buNone/>
-                        <a:tabLst/>
-                        <a:defRPr/>
-                      </a:pPr>
-                      <a:r>
-                        <a:rPr lang="ko-KR" altLang="en-US" sz="1600" dirty="0">
-                          <a:latin typeface="맑은 고딕" charset="0"/>
-                          <a:ea typeface="맑은 고딕" charset="0"/>
-                        </a:rPr>
-                        <a:t>현재 </a:t>
-                      </a:r>
-                      <a:r>
-                        <a:rPr lang="ko-KR" altLang="ko-KR" sz="1600" dirty="0">
-                          <a:latin typeface="맑은 고딕" charset="0"/>
-                          <a:ea typeface="맑은 고딕" charset="0"/>
-                        </a:rPr>
-                        <a:t>무림 세력</a:t>
-                      </a:r>
-                      <a:r>
-                        <a:rPr lang="ko-KR" altLang="en-US" sz="1600" dirty="0">
-                          <a:latin typeface="맑은 고딕" charset="0"/>
-                          <a:ea typeface="맑은 고딕" charset="0"/>
-                        </a:rPr>
-                        <a:t>은 전쟁으로 세력이 크게</a:t>
-                      </a:r>
-                      <a:r>
-                        <a:rPr lang="ko-KR" altLang="ko-KR" sz="1600" dirty="0">
-                          <a:latin typeface="맑은 고딕" charset="0"/>
-                          <a:ea typeface="맑은 고딕" charset="0"/>
-                        </a:rPr>
-                        <a:t> 약화</a:t>
-                      </a:r>
-                      <a:r>
-                        <a:rPr lang="ko-KR" altLang="en-US" sz="1600" dirty="0">
-                          <a:latin typeface="맑은 고딕" charset="0"/>
-                          <a:ea typeface="맑은 고딕" charset="0"/>
-                        </a:rPr>
-                        <a:t>되어 괴물을 상대할 여력이 없고 군대는 이웃 나라에서 반란이 일어나 국경에 많은 병력을 집중하여 괴물 토벌에 많은 수의 병사를 배치할 수 없는 상황이다</a:t>
-                      </a:r>
-                      <a:r>
-                        <a:rPr lang="en-US" altLang="ko-KR" sz="1600" dirty="0">
-                          <a:latin typeface="맑은 고딕" charset="0"/>
-                          <a:ea typeface="맑은 고딕" charset="0"/>
-                        </a:rPr>
-                        <a:t>.</a:t>
-                      </a:r>
-                      <a:r>
-                        <a:rPr lang="ko-KR" altLang="en-US" sz="1600" dirty="0">
-                          <a:latin typeface="맑은 고딕" charset="0"/>
-                          <a:ea typeface="맑은 고딕" charset="0"/>
-                          <a:cs typeface="Times New Roman" charset="0"/>
-                        </a:rPr>
-                        <a:t>괴물들을 처리하던 가장 큰 </a:t>
-                      </a:r>
-                      <a:r>
-                        <a:rPr lang="en-US" altLang="ko-KR" sz="1600" dirty="0">
-                          <a:latin typeface="맑은 고딕" charset="0"/>
-                          <a:ea typeface="맑은 고딕" charset="0"/>
-                          <a:cs typeface="Times New Roman" charset="0"/>
-                        </a:rPr>
-                        <a:t>2</a:t>
-                      </a:r>
-                      <a:r>
-                        <a:rPr lang="ko-KR" altLang="en-US" sz="1600" dirty="0">
-                          <a:latin typeface="맑은 고딕" charset="0"/>
-                          <a:ea typeface="맑은 고딕" charset="0"/>
-                          <a:cs typeface="Times New Roman" charset="0"/>
-                        </a:rPr>
-                        <a:t>개의 세력들의 개입이 없어져 현재 나라에 괴물들이 창궐하여 전국 곳곳에서 괴물들로 인한 사건</a:t>
-                      </a:r>
-                      <a:r>
-                        <a:rPr lang="en-US" altLang="ko-KR" sz="1600" dirty="0">
-                          <a:latin typeface="맑은 고딕" charset="0"/>
-                          <a:ea typeface="맑은 고딕" charset="0"/>
-                          <a:cs typeface="Times New Roman" charset="0"/>
-                        </a:rPr>
-                        <a:t>, </a:t>
-                      </a:r>
-                      <a:r>
-                        <a:rPr lang="ko-KR" altLang="en-US" sz="1600" dirty="0">
-                          <a:latin typeface="맑은 고딕" charset="0"/>
-                          <a:ea typeface="맑은 고딕" charset="0"/>
-                          <a:cs typeface="Times New Roman" charset="0"/>
-                        </a:rPr>
-                        <a:t>사고의 숫자가 크게 늘어나 백성들과 일부 무림 세력들이 힘을 모아 괴물들을 상대하기 위한 사냥꾼 단체 토벌단을 만들었다</a:t>
                       </a:r>
                       <a:r>
                         <a:rPr lang="en-US" altLang="ko-KR" sz="1600" dirty="0">
@@ -9554,8 +9637,8 @@
 </p:sld>
 </file>
 
-<file path=ppt/slides/slide7.xml><?xml version="1.0" encoding="utf-8"?>
-<p:sld xmlns:a="http://schemas.openxmlformats.org/drawingml/2006/main" xmlns:r="http://schemas.openxmlformats.org/officeDocument/2006/relationships" xmlns:p="http://schemas.openxmlformats.org/presentationml/2006/main" xmlns:p14="http://schemas.microsoft.com/office/powerpoint/2010/main">
+<file path=ppt/slides/slide8.xml><?xml version="1.0" encoding="utf-8"?>
+<p:sld xmlns:a="http://schemas.openxmlformats.org/drawingml/2006/main" xmlns:r="http://schemas.openxmlformats.org/officeDocument/2006/relationships" xmlns:p="http://schemas.openxmlformats.org/presentationml/2006/main">
   <p:cSld>
     <p:spTree>
       <p:nvGrpSpPr>
@@ -9620,7 +9703,7 @@
           <a:noFill/>
         </p:spPr>
         <p:txBody>
-          <a:bodyPr wrap="square" lIns="91440" tIns="45720" rIns="91440" bIns="45720" numCol="1" vert="horz" anchor="t">
+          <a:bodyPr vert="horz" wrap="square" lIns="91440" tIns="45720" rIns="91440" bIns="45720" numCol="1" anchor="t">
             <a:spAutoFit/>
           </a:bodyPr>
           <a:lstStyle/>
@@ -9653,15 +9736,826 @@
               </a:rPr>
               <a:t>.</a:t>
             </a:r>
-            <a:endParaRPr lang="ko-KR" altLang="en-US" sz="3600" b="1">
-              <a:solidFill>
-                <a:schemeClr val="accent1">
-                  <a:lumMod val="50000"/>
-                </a:schemeClr>
-              </a:solidFill>
-              <a:latin typeface="나눔스퀘어 ExtraBold" charset="0"/>
-              <a:ea typeface="나눔스퀘어 ExtraBold" charset="0"/>
-            </a:endParaRPr>
+          </a:p>
+        </p:txBody>
+      </p:sp>
+      <p:graphicFrame>
+        <p:nvGraphicFramePr>
+          <p:cNvPr id="3" name="표 4">
+            <a:extLst>
+              <a:ext uri="{FF2B5EF4-FFF2-40B4-BE49-F238E27FC236}">
+                <a16:creationId xmlns:a16="http://schemas.microsoft.com/office/drawing/2014/main" id="{743970AC-39B9-4D0E-9693-107CC777F20C}"/>
+              </a:ext>
+            </a:extLst>
+          </p:cNvPr>
+          <p:cNvGraphicFramePr>
+            <a:graphicFrameLocks noGrp="1"/>
+          </p:cNvGraphicFramePr>
+          <p:nvPr>
+            <p:extLst>
+              <p:ext uri="{D42A27DB-BD31-4B8C-83A1-F6EECF244321}">
+                <p14:modId xmlns:p14="http://schemas.microsoft.com/office/powerpoint/2010/main" val="1684596623"/>
+              </p:ext>
+            </p:extLst>
+          </p:nvPr>
+        </p:nvGraphicFramePr>
+        <p:xfrm>
+          <a:off x="296131" y="1083061"/>
+          <a:ext cx="11590216" cy="3474720"/>
+        </p:xfrm>
+        <a:graphic>
+          <a:graphicData uri="http://schemas.openxmlformats.org/drawingml/2006/table">
+            <a:tbl>
+              <a:tblPr firstRow="1" bandRow="1">
+                <a:tableStyleId>{5C22544A-7EE6-4342-B048-85BDC9FD1C3A}</a:tableStyleId>
+              </a:tblPr>
+              <a:tblGrid>
+                <a:gridCol w="1459271">
+                  <a:extLst>
+                    <a:ext uri="{9D8B030D-6E8A-4147-A177-3AD203B41FA5}">
+                      <a16:colId xmlns:a16="http://schemas.microsoft.com/office/drawing/2014/main" val="1962715034"/>
+                    </a:ext>
+                  </a:extLst>
+                </a:gridCol>
+                <a:gridCol w="10130945">
+                  <a:extLst>
+                    <a:ext uri="{9D8B030D-6E8A-4147-A177-3AD203B41FA5}">
+                      <a16:colId xmlns:a16="http://schemas.microsoft.com/office/drawing/2014/main" val="880432268"/>
+                    </a:ext>
+                  </a:extLst>
+                </a:gridCol>
+              </a:tblGrid>
+              <a:tr h="233562">
+                <a:tc gridSpan="2">
+                  <a:txBody>
+                    <a:bodyPr/>
+                    <a:lstStyle/>
+                    <a:p>
+                      <a:pPr latinLnBrk="1"/>
+                      <a:r>
+                        <a:rPr lang="ko-KR" altLang="en-US" dirty="0"/>
+                        <a:t>캐릭터 </a:t>
+                      </a:r>
+                    </a:p>
+                  </a:txBody>
+                  <a:tcPr/>
+                </a:tc>
+                <a:tc hMerge="1">
+                  <a:txBody>
+                    <a:bodyPr/>
+                    <a:lstStyle/>
+                    <a:p>
+                      <a:pPr latinLnBrk="1"/>
+                      <a:endParaRPr lang="ko-KR" altLang="en-US" dirty="0"/>
+                    </a:p>
+                  </a:txBody>
+                  <a:tcPr/>
+                </a:tc>
+                <a:extLst>
+                  <a:ext uri="{0D108BD9-81ED-4DB2-BD59-A6C34878D82A}">
+                    <a16:rowId xmlns:a16="http://schemas.microsoft.com/office/drawing/2014/main" val="2016425741"/>
+                  </a:ext>
+                </a:extLst>
+              </a:tr>
+              <a:tr h="408733">
+                <a:tc>
+                  <a:txBody>
+                    <a:bodyPr/>
+                    <a:lstStyle/>
+                    <a:p>
+                      <a:pPr latinLnBrk="1"/>
+                      <a:r>
+                        <a:rPr lang="ko-KR" altLang="en-US" dirty="0"/>
+                        <a:t>이름</a:t>
+                      </a:r>
+                      <a:endParaRPr lang="en-US" altLang="ko-KR" dirty="0"/>
+                    </a:p>
+                    <a:p>
+                      <a:pPr latinLnBrk="1"/>
+                      <a:r>
+                        <a:rPr lang="en-US" altLang="ko-KR" dirty="0"/>
+                        <a:t>(</a:t>
+                      </a:r>
+                      <a:r>
+                        <a:rPr lang="ko-KR" altLang="en-US" dirty="0"/>
+                        <a:t>닉네임</a:t>
+                      </a:r>
+                      <a:r>
+                        <a:rPr lang="en-US" altLang="ko-KR" dirty="0"/>
+                        <a:t>)</a:t>
+                      </a:r>
+                      <a:endParaRPr lang="ko-KR" altLang="en-US" dirty="0"/>
+                    </a:p>
+                  </a:txBody>
+                  <a:tcPr anchor="ctr"/>
+                </a:tc>
+                <a:tc>
+                  <a:txBody>
+                    <a:bodyPr/>
+                    <a:lstStyle/>
+                    <a:p>
+                      <a:pPr latinLnBrk="1"/>
+                      <a:r>
+                        <a:rPr lang="ko-KR" altLang="en-US" dirty="0"/>
+                        <a:t>플레이어 임의 설정</a:t>
+                      </a:r>
+                      <a:endParaRPr lang="en-US" altLang="ko-KR" dirty="0"/>
+                    </a:p>
+                    <a:p>
+                      <a:pPr latinLnBrk="1"/>
+                      <a:r>
+                        <a:rPr lang="ko-KR" altLang="en-US" dirty="0"/>
+                        <a:t>기본적으로 방랑자라고 불린다</a:t>
+                      </a:r>
+                      <a:r>
+                        <a:rPr lang="en-US" altLang="ko-KR" dirty="0"/>
+                        <a:t>.</a:t>
+                      </a:r>
+                      <a:endParaRPr lang="ko-KR" altLang="en-US" dirty="0"/>
+                    </a:p>
+                  </a:txBody>
+                  <a:tcPr anchor="ctr"/>
+                </a:tc>
+                <a:extLst>
+                  <a:ext uri="{0D108BD9-81ED-4DB2-BD59-A6C34878D82A}">
+                    <a16:rowId xmlns:a16="http://schemas.microsoft.com/office/drawing/2014/main" val="2889335262"/>
+                  </a:ext>
+                </a:extLst>
+              </a:tr>
+              <a:tr h="246363">
+                <a:tc>
+                  <a:txBody>
+                    <a:bodyPr/>
+                    <a:lstStyle/>
+                    <a:p>
+                      <a:pPr latinLnBrk="1"/>
+                      <a:r>
+                        <a:rPr lang="ko-KR" altLang="en-US" dirty="0"/>
+                        <a:t>성격</a:t>
+                      </a:r>
+                    </a:p>
+                  </a:txBody>
+                  <a:tcPr anchor="ctr"/>
+                </a:tc>
+                <a:tc>
+                  <a:txBody>
+                    <a:bodyPr/>
+                    <a:lstStyle/>
+                    <a:p>
+                      <a:pPr latinLnBrk="1"/>
+                      <a:r>
+                        <a:rPr lang="ko-KR" altLang="en-US" dirty="0"/>
+                        <a:t>전체적으로 냉정하지만 괴물에 대한 일이라면 </a:t>
+                      </a:r>
+                      <a:r>
+                        <a:rPr lang="ko-KR" altLang="en-US" dirty="0" err="1"/>
+                        <a:t>복수귀적</a:t>
+                      </a:r>
+                      <a:r>
+                        <a:rPr lang="ko-KR" altLang="en-US" dirty="0"/>
+                        <a:t> 면모를 보인다</a:t>
+                      </a:r>
+                      <a:r>
+                        <a:rPr lang="en-US" altLang="ko-KR" dirty="0"/>
+                        <a:t>.</a:t>
+                      </a:r>
+                    </a:p>
+                  </a:txBody>
+                  <a:tcPr anchor="ctr"/>
+                </a:tc>
+                <a:extLst>
+                  <a:ext uri="{0D108BD9-81ED-4DB2-BD59-A6C34878D82A}">
+                    <a16:rowId xmlns:a16="http://schemas.microsoft.com/office/drawing/2014/main" val="2348319481"/>
+                  </a:ext>
+                </a:extLst>
+              </a:tr>
+              <a:tr h="233562">
+                <a:tc>
+                  <a:txBody>
+                    <a:bodyPr/>
+                    <a:lstStyle/>
+                    <a:p>
+                      <a:pPr latinLnBrk="1"/>
+                      <a:r>
+                        <a:rPr lang="ko-KR" altLang="en-US" dirty="0"/>
+                        <a:t>배경</a:t>
+                      </a:r>
+                    </a:p>
+                  </a:txBody>
+                  <a:tcPr anchor="ctr"/>
+                </a:tc>
+                <a:tc>
+                  <a:txBody>
+                    <a:bodyPr/>
+                    <a:lstStyle/>
+                    <a:p>
+                      <a:pPr latinLnBrk="1"/>
+                      <a:r>
+                        <a:rPr lang="ko-KR" altLang="en-US" dirty="0"/>
+                        <a:t>과거 괴물들로 인해 가족과 친구를 잃은 방랑자</a:t>
+                      </a:r>
+                      <a:r>
+                        <a:rPr lang="en-US" altLang="ko-KR" dirty="0"/>
+                        <a:t>.</a:t>
+                      </a:r>
+                    </a:p>
+                  </a:txBody>
+                  <a:tcPr anchor="ctr"/>
+                </a:tc>
+                <a:extLst>
+                  <a:ext uri="{0D108BD9-81ED-4DB2-BD59-A6C34878D82A}">
+                    <a16:rowId xmlns:a16="http://schemas.microsoft.com/office/drawing/2014/main" val="3876907631"/>
+                  </a:ext>
+                </a:extLst>
+              </a:tr>
+              <a:tr h="1109419">
+                <a:tc>
+                  <a:txBody>
+                    <a:bodyPr/>
+                    <a:lstStyle/>
+                    <a:p>
+                      <a:pPr latinLnBrk="1"/>
+                      <a:r>
+                        <a:rPr lang="ko-KR" altLang="en-US" dirty="0"/>
+                        <a:t>캐릭터 </a:t>
+                      </a:r>
+                      <a:endParaRPr lang="en-US" altLang="ko-KR" dirty="0"/>
+                    </a:p>
+                    <a:p>
+                      <a:pPr latinLnBrk="1"/>
+                      <a:r>
+                        <a:rPr lang="ko-KR" altLang="en-US" dirty="0"/>
+                        <a:t>규칙</a:t>
+                      </a:r>
+                      <a:endParaRPr lang="en-US" altLang="ko-KR" dirty="0"/>
+                    </a:p>
+                  </a:txBody>
+                  <a:tcPr anchor="ctr"/>
+                </a:tc>
+                <a:tc>
+                  <a:txBody>
+                    <a:bodyPr/>
+                    <a:lstStyle/>
+                    <a:p>
+                      <a:pPr latinLnBrk="1"/>
+                      <a:r>
+                        <a:rPr lang="ko-KR" altLang="en-US" dirty="0"/>
+                        <a:t>캐릭터 생성시 플레이어의 선택의 따라 성별이 바뀜</a:t>
+                      </a:r>
+                      <a:r>
+                        <a:rPr lang="en-US" altLang="ko-KR" dirty="0"/>
+                        <a:t>.</a:t>
+                      </a:r>
+                    </a:p>
+                    <a:p>
+                      <a:pPr latinLnBrk="1"/>
+                      <a:r>
+                        <a:rPr lang="ko-KR" altLang="en-US" dirty="0"/>
+                        <a:t>최초 생성시 낡은 단도 </a:t>
+                      </a:r>
+                      <a:r>
+                        <a:rPr lang="en-US" altLang="ko-KR" dirty="0"/>
+                        <a:t>1</a:t>
+                      </a:r>
+                      <a:r>
+                        <a:rPr lang="ko-KR" altLang="en-US" dirty="0"/>
+                        <a:t>자루와 나무로 대충 만든 활 </a:t>
+                      </a:r>
+                      <a:r>
+                        <a:rPr lang="en-US" altLang="ko-KR" dirty="0"/>
+                        <a:t>1</a:t>
+                      </a:r>
+                      <a:r>
+                        <a:rPr lang="ko-KR" altLang="en-US" dirty="0"/>
+                        <a:t>개를 사용</a:t>
+                      </a:r>
+                      <a:r>
+                        <a:rPr lang="en-US" altLang="ko-KR" dirty="0"/>
+                        <a:t>.</a:t>
+                      </a:r>
+                    </a:p>
+                    <a:p>
+                      <a:pPr latinLnBrk="1"/>
+                      <a:r>
+                        <a:rPr lang="ko-KR" altLang="en-US" dirty="0"/>
+                        <a:t>현재 가지고 있는 무기가 저것 밖에 없기에 사용하는 것으로 기본적으로 다양한 무기를 사용한다</a:t>
+                      </a:r>
+                      <a:r>
+                        <a:rPr lang="en-US" altLang="ko-KR" dirty="0"/>
+                        <a:t>.</a:t>
+                      </a:r>
+                    </a:p>
+                    <a:p>
+                      <a:pPr latinLnBrk="1"/>
+                      <a:r>
+                        <a:rPr lang="ko-KR" altLang="en-US" dirty="0"/>
+                        <a:t>하지만 사용하는 무기의 대한 숙련도가 없는 무기를 사용할 경우 몽둥이처럼 사용한다</a:t>
+                      </a:r>
+                      <a:r>
+                        <a:rPr lang="en-US" altLang="ko-KR" dirty="0"/>
+                        <a:t>.</a:t>
+                      </a:r>
+                    </a:p>
+                    <a:p>
+                      <a:pPr latinLnBrk="1"/>
+                      <a:r>
+                        <a:rPr lang="ko-KR" altLang="en-US" dirty="0"/>
+                        <a:t>후에 토벌단이나 무림 세력과 같은 곳에서 배우는 것으로 무기에 대한 </a:t>
+                      </a:r>
+                      <a:r>
+                        <a:rPr lang="ko-KR" altLang="en-US" dirty="0" err="1"/>
+                        <a:t>숙력도를</a:t>
+                      </a:r>
+                      <a:r>
+                        <a:rPr lang="ko-KR" altLang="en-US" dirty="0"/>
+                        <a:t> 높이고 능숙하게 사용할 수 있다</a:t>
+                      </a:r>
+                      <a:r>
+                        <a:rPr lang="en-US" altLang="ko-KR" dirty="0"/>
+                        <a:t>.</a:t>
+                      </a:r>
+                    </a:p>
+                  </a:txBody>
+                  <a:tcPr anchor="ctr"/>
+                </a:tc>
+                <a:extLst>
+                  <a:ext uri="{0D108BD9-81ED-4DB2-BD59-A6C34878D82A}">
+                    <a16:rowId xmlns:a16="http://schemas.microsoft.com/office/drawing/2014/main" val="2151351800"/>
+                  </a:ext>
+                </a:extLst>
+              </a:tr>
+            </a:tbl>
+          </a:graphicData>
+        </a:graphic>
+      </p:graphicFrame>
+      <p:graphicFrame>
+        <p:nvGraphicFramePr>
+          <p:cNvPr id="17" name="표 17">
+            <a:extLst>
+              <a:ext uri="{FF2B5EF4-FFF2-40B4-BE49-F238E27FC236}">
+                <a16:creationId xmlns:a16="http://schemas.microsoft.com/office/drawing/2014/main" id="{CC95AB7B-3CB1-4BF8-BFF2-3B13C6CE8EED}"/>
+              </a:ext>
+            </a:extLst>
+          </p:cNvPr>
+          <p:cNvGraphicFramePr>
+            <a:graphicFrameLocks noGrp="1"/>
+          </p:cNvGraphicFramePr>
+          <p:nvPr>
+            <p:extLst>
+              <p:ext uri="{D42A27DB-BD31-4B8C-83A1-F6EECF244321}">
+                <p14:modId xmlns:p14="http://schemas.microsoft.com/office/powerpoint/2010/main" val="3531760001"/>
+              </p:ext>
+            </p:extLst>
+          </p:nvPr>
+        </p:nvGraphicFramePr>
+        <p:xfrm>
+          <a:off x="192405" y="2406617"/>
+          <a:ext cx="12000522" cy="2489200"/>
+        </p:xfrm>
+        <a:graphic>
+          <a:graphicData uri="http://schemas.openxmlformats.org/drawingml/2006/table">
+            <a:tbl>
+              <a:tblPr firstRow="1" bandRow="1">
+                <a:tableStyleId>{5C22544A-7EE6-4342-B048-85BDC9FD1C3A}</a:tableStyleId>
+              </a:tblPr>
+              <a:tblGrid>
+                <a:gridCol w="974969">
+                  <a:extLst>
+                    <a:ext uri="{9D8B030D-6E8A-4147-A177-3AD203B41FA5}">
+                      <a16:colId xmlns:a16="http://schemas.microsoft.com/office/drawing/2014/main" val="598891867"/>
+                    </a:ext>
+                  </a:extLst>
+                </a:gridCol>
+                <a:gridCol w="7754815">
+                  <a:extLst>
+                    <a:ext uri="{9D8B030D-6E8A-4147-A177-3AD203B41FA5}">
+                      <a16:colId xmlns:a16="http://schemas.microsoft.com/office/drawing/2014/main" val="2975222413"/>
+                    </a:ext>
+                  </a:extLst>
+                </a:gridCol>
+                <a:gridCol w="3270738">
+                  <a:extLst>
+                    <a:ext uri="{9D8B030D-6E8A-4147-A177-3AD203B41FA5}">
+                      <a16:colId xmlns:a16="http://schemas.microsoft.com/office/drawing/2014/main" val="2551591265"/>
+                    </a:ext>
+                  </a:extLst>
+                </a:gridCol>
+              </a:tblGrid>
+              <a:tr h="166011">
+                <a:tc gridSpan="2">
+                  <a:txBody>
+                    <a:bodyPr/>
+                    <a:lstStyle/>
+                    <a:p>
+                      <a:pPr latinLnBrk="1"/>
+                      <a:r>
+                        <a:rPr lang="ko-KR" altLang="en-US" dirty="0"/>
+                        <a:t>능력치</a:t>
+                      </a:r>
+                    </a:p>
+                  </a:txBody>
+                  <a:tcPr/>
+                </a:tc>
+                <a:tc hMerge="1">
+                  <a:txBody>
+                    <a:bodyPr/>
+                    <a:lstStyle/>
+                    <a:p>
+                      <a:pPr latinLnBrk="1"/>
+                      <a:endParaRPr lang="ko-KR" altLang="en-US" dirty="0"/>
+                    </a:p>
+                  </a:txBody>
+                  <a:tcPr/>
+                </a:tc>
+                <a:tc>
+                  <a:txBody>
+                    <a:bodyPr/>
+                    <a:lstStyle/>
+                    <a:p>
+                      <a:pPr latinLnBrk="1"/>
+                      <a:r>
+                        <a:rPr lang="ko-KR" altLang="en-US" dirty="0"/>
+                        <a:t>기본 값</a:t>
+                      </a:r>
+                    </a:p>
+                  </a:txBody>
+                  <a:tcPr/>
+                </a:tc>
+                <a:extLst>
+                  <a:ext uri="{0D108BD9-81ED-4DB2-BD59-A6C34878D82A}">
+                    <a16:rowId xmlns:a16="http://schemas.microsoft.com/office/drawing/2014/main" val="2225188959"/>
+                  </a:ext>
+                </a:extLst>
+              </a:tr>
+              <a:tr h="370840">
+                <a:tc>
+                  <a:txBody>
+                    <a:bodyPr/>
+                    <a:lstStyle/>
+                    <a:p>
+                      <a:pPr latinLnBrk="1"/>
+                      <a:r>
+                        <a:rPr lang="ko-KR" altLang="en-US" dirty="0"/>
+                        <a:t>체력</a:t>
+                      </a:r>
+                    </a:p>
+                  </a:txBody>
+                  <a:tcPr/>
+                </a:tc>
+                <a:tc>
+                  <a:txBody>
+                    <a:bodyPr/>
+                    <a:lstStyle/>
+                    <a:p>
+                      <a:pPr latinLnBrk="1"/>
+                      <a:r>
+                        <a:rPr lang="ko-KR" altLang="en-US" dirty="0"/>
+                        <a:t>캐릭터의 생존에 대한 자원이다</a:t>
+                      </a:r>
+                      <a:r>
+                        <a:rPr lang="en-US" altLang="ko-KR" dirty="0"/>
+                        <a:t>.</a:t>
+                      </a:r>
+                      <a:r>
+                        <a:rPr lang="ko-KR" altLang="en-US" dirty="0"/>
+                        <a:t> 해당 수치가 </a:t>
+                      </a:r>
+                      <a:r>
+                        <a:rPr lang="en-US" altLang="ko-KR" dirty="0"/>
+                        <a:t>0</a:t>
+                      </a:r>
+                      <a:r>
+                        <a:rPr lang="ko-KR" altLang="en-US" dirty="0"/>
+                        <a:t>일 될 경우 사망한다</a:t>
+                      </a:r>
+                      <a:r>
+                        <a:rPr lang="en-US" altLang="ko-KR" dirty="0"/>
+                        <a:t>. </a:t>
+                      </a:r>
+                      <a:endParaRPr lang="ko-KR" altLang="en-US" dirty="0"/>
+                    </a:p>
+                  </a:txBody>
+                  <a:tcPr/>
+                </a:tc>
+                <a:tc>
+                  <a:txBody>
+                    <a:bodyPr/>
+                    <a:lstStyle/>
+                    <a:p>
+                      <a:pPr latinLnBrk="1"/>
+                      <a:r>
+                        <a:rPr lang="en-US" altLang="ko-KR" dirty="0"/>
+                        <a:t>100</a:t>
+                      </a:r>
+                      <a:endParaRPr lang="ko-KR" altLang="en-US" dirty="0"/>
+                    </a:p>
+                  </a:txBody>
+                  <a:tcPr/>
+                </a:tc>
+                <a:extLst>
+                  <a:ext uri="{0D108BD9-81ED-4DB2-BD59-A6C34878D82A}">
+                    <a16:rowId xmlns:a16="http://schemas.microsoft.com/office/drawing/2014/main" val="1487907184"/>
+                  </a:ext>
+                </a:extLst>
+              </a:tr>
+              <a:tr h="370840">
+                <a:tc>
+                  <a:txBody>
+                    <a:bodyPr/>
+                    <a:lstStyle/>
+                    <a:p>
+                      <a:pPr latinLnBrk="1"/>
+                      <a:r>
+                        <a:rPr lang="ko-KR" altLang="en-US" dirty="0"/>
+                        <a:t>지구력</a:t>
+                      </a:r>
+                    </a:p>
+                  </a:txBody>
+                  <a:tcPr/>
+                </a:tc>
+                <a:tc>
+                  <a:txBody>
+                    <a:bodyPr/>
+                    <a:lstStyle/>
+                    <a:p>
+                      <a:pPr latinLnBrk="1"/>
+                      <a:r>
+                        <a:rPr lang="ko-KR" altLang="en-US" dirty="0"/>
+                        <a:t>공격 및 달리기</a:t>
+                      </a:r>
+                      <a:r>
+                        <a:rPr lang="en-US" altLang="ko-KR" dirty="0"/>
+                        <a:t>, </a:t>
+                      </a:r>
+                      <a:r>
+                        <a:rPr lang="ko-KR" altLang="en-US" dirty="0"/>
+                        <a:t>구르기 등의 동작에 사용되는 자원이다</a:t>
+                      </a:r>
+                      <a:r>
+                        <a:rPr lang="en-US" altLang="ko-KR" dirty="0"/>
+                        <a:t>.</a:t>
+                      </a:r>
+                      <a:r>
+                        <a:rPr lang="ko-KR" altLang="en-US" dirty="0"/>
+                        <a:t> </a:t>
+                      </a:r>
+                      <a:endParaRPr lang="en-US" altLang="ko-KR" dirty="0"/>
+                    </a:p>
+                    <a:p>
+                      <a:pPr latinLnBrk="1"/>
+                      <a:r>
+                        <a:rPr lang="ko-KR" altLang="en-US" dirty="0"/>
+                        <a:t>해당 수치가 </a:t>
+                      </a:r>
+                      <a:r>
+                        <a:rPr lang="en-US" altLang="ko-KR" dirty="0"/>
+                        <a:t>0</a:t>
+                      </a:r>
+                      <a:r>
+                        <a:rPr lang="ko-KR" altLang="en-US" dirty="0"/>
+                        <a:t>일 될 경우 행동에 제한이 걸린다</a:t>
+                      </a:r>
+                      <a:r>
+                        <a:rPr lang="en-US" altLang="ko-KR" dirty="0"/>
+                        <a:t>.</a:t>
+                      </a:r>
+                      <a:endParaRPr lang="ko-KR" altLang="en-US" dirty="0"/>
+                    </a:p>
+                  </a:txBody>
+                  <a:tcPr/>
+                </a:tc>
+                <a:tc>
+                  <a:txBody>
+                    <a:bodyPr/>
+                    <a:lstStyle/>
+                    <a:p>
+                      <a:pPr latinLnBrk="1"/>
+                      <a:endParaRPr lang="ko-KR" altLang="en-US" dirty="0"/>
+                    </a:p>
+                  </a:txBody>
+                  <a:tcPr/>
+                </a:tc>
+                <a:extLst>
+                  <a:ext uri="{0D108BD9-81ED-4DB2-BD59-A6C34878D82A}">
+                    <a16:rowId xmlns:a16="http://schemas.microsoft.com/office/drawing/2014/main" val="3998140633"/>
+                  </a:ext>
+                </a:extLst>
+              </a:tr>
+              <a:tr h="370840">
+                <a:tc>
+                  <a:txBody>
+                    <a:bodyPr/>
+                    <a:lstStyle/>
+                    <a:p>
+                      <a:pPr latinLnBrk="1"/>
+                      <a:r>
+                        <a:rPr lang="ko-KR" altLang="en-US" dirty="0"/>
+                        <a:t>공격력</a:t>
+                      </a:r>
+                    </a:p>
+                  </a:txBody>
+                  <a:tcPr/>
+                </a:tc>
+                <a:tc>
+                  <a:txBody>
+                    <a:bodyPr/>
+                    <a:lstStyle/>
+                    <a:p>
+                      <a:pPr latinLnBrk="1"/>
+                      <a:endParaRPr lang="ko-KR" altLang="en-US" dirty="0"/>
+                    </a:p>
+                  </a:txBody>
+                  <a:tcPr/>
+                </a:tc>
+                <a:tc>
+                  <a:txBody>
+                    <a:bodyPr/>
+                    <a:lstStyle/>
+                    <a:p>
+                      <a:pPr latinLnBrk="1"/>
+                      <a:endParaRPr lang="ko-KR" altLang="en-US" dirty="0"/>
+                    </a:p>
+                  </a:txBody>
+                  <a:tcPr/>
+                </a:tc>
+                <a:extLst>
+                  <a:ext uri="{0D108BD9-81ED-4DB2-BD59-A6C34878D82A}">
+                    <a16:rowId xmlns:a16="http://schemas.microsoft.com/office/drawing/2014/main" val="4294289520"/>
+                  </a:ext>
+                </a:extLst>
+              </a:tr>
+              <a:tr h="370840">
+                <a:tc>
+                  <a:txBody>
+                    <a:bodyPr/>
+                    <a:lstStyle/>
+                    <a:p>
+                      <a:pPr latinLnBrk="1"/>
+                      <a:r>
+                        <a:rPr lang="ko-KR" altLang="en-US" dirty="0"/>
+                        <a:t>방어력</a:t>
+                      </a:r>
+                    </a:p>
+                  </a:txBody>
+                  <a:tcPr/>
+                </a:tc>
+                <a:tc>
+                  <a:txBody>
+                    <a:bodyPr/>
+                    <a:lstStyle/>
+                    <a:p>
+                      <a:pPr latinLnBrk="1"/>
+                      <a:endParaRPr lang="ko-KR" altLang="en-US" dirty="0"/>
+                    </a:p>
+                  </a:txBody>
+                  <a:tcPr/>
+                </a:tc>
+                <a:tc>
+                  <a:txBody>
+                    <a:bodyPr/>
+                    <a:lstStyle/>
+                    <a:p>
+                      <a:pPr latinLnBrk="1"/>
+                      <a:endParaRPr lang="ko-KR" altLang="en-US" dirty="0"/>
+                    </a:p>
+                  </a:txBody>
+                  <a:tcPr/>
+                </a:tc>
+                <a:extLst>
+                  <a:ext uri="{0D108BD9-81ED-4DB2-BD59-A6C34878D82A}">
+                    <a16:rowId xmlns:a16="http://schemas.microsoft.com/office/drawing/2014/main" val="2990443684"/>
+                  </a:ext>
+                </a:extLst>
+              </a:tr>
+              <a:tr h="370840">
+                <a:tc>
+                  <a:txBody>
+                    <a:bodyPr/>
+                    <a:lstStyle/>
+                    <a:p>
+                      <a:pPr latinLnBrk="1"/>
+                      <a:r>
+                        <a:rPr lang="ko-KR" altLang="en-US" dirty="0"/>
+                        <a:t>내공</a:t>
+                      </a:r>
+                    </a:p>
+                  </a:txBody>
+                  <a:tcPr/>
+                </a:tc>
+                <a:tc>
+                  <a:txBody>
+                    <a:bodyPr/>
+                    <a:lstStyle/>
+                    <a:p>
+                      <a:pPr latinLnBrk="1"/>
+                      <a:endParaRPr lang="ko-KR" altLang="en-US" dirty="0"/>
+                    </a:p>
+                  </a:txBody>
+                  <a:tcPr/>
+                </a:tc>
+                <a:tc>
+                  <a:txBody>
+                    <a:bodyPr/>
+                    <a:lstStyle/>
+                    <a:p>
+                      <a:pPr latinLnBrk="1"/>
+                      <a:endParaRPr lang="ko-KR" altLang="en-US" dirty="0"/>
+                    </a:p>
+                  </a:txBody>
+                  <a:tcPr/>
+                </a:tc>
+                <a:extLst>
+                  <a:ext uri="{0D108BD9-81ED-4DB2-BD59-A6C34878D82A}">
+                    <a16:rowId xmlns:a16="http://schemas.microsoft.com/office/drawing/2014/main" val="3521697989"/>
+                  </a:ext>
+                </a:extLst>
+              </a:tr>
+            </a:tbl>
+          </a:graphicData>
+        </a:graphic>
+      </p:graphicFrame>
+    </p:spTree>
+    <p:extLst>
+      <p:ext uri="{BB962C8B-B14F-4D97-AF65-F5344CB8AC3E}">
+        <p14:creationId xmlns:p14="http://schemas.microsoft.com/office/powerpoint/2010/main" val="2276641823"/>
+      </p:ext>
+    </p:extLst>
+  </p:cSld>
+  <p:clrMapOvr>
+    <a:masterClrMapping/>
+  </p:clrMapOvr>
+  <mc:AlternateContent xmlns:mc="http://schemas.openxmlformats.org/markup-compatibility/2006" xmlns:p159="http://schemas.microsoft.com/office/powerpoint/2015/09/main">
+    <mc:Choice Requires="p159">
+      <p:transition xmlns:p14="http://schemas.microsoft.com/office/powerpoint/2010/main" spd="slow" p14:dur="2000">
+        <p159:morph option="byObject"/>
+      </p:transition>
+    </mc:Choice>
+    <mc:Fallback xmlns:p14="http://schemas.microsoft.com/office/powerpoint/2010/main" xmlns="">
+      <p:transition spd="slow">
+        <p:fade/>
+      </p:transition>
+    </mc:Fallback>
+  </mc:AlternateContent>
+</p:sld>
+</file>
+
+<file path=ppt/slides/slide9.xml><?xml version="1.0" encoding="utf-8"?>
+<p:sld xmlns:a="http://schemas.openxmlformats.org/drawingml/2006/main" xmlns:r="http://schemas.openxmlformats.org/officeDocument/2006/relationships" xmlns:p="http://schemas.openxmlformats.org/presentationml/2006/main">
+  <p:cSld>
+    <p:spTree>
+      <p:nvGrpSpPr>
+        <p:cNvPr id="1" name=""/>
+        <p:cNvGrpSpPr/>
+        <p:nvPr/>
+      </p:nvGrpSpPr>
+      <p:grpSpPr>
+        <a:xfrm>
+          <a:off x="0" y="0"/>
+          <a:ext cx="0" cy="0"/>
+          <a:chOff x="0" y="0"/>
+          <a:chExt cx="0" cy="0"/>
+        </a:xfrm>
+      </p:grpSpPr>
+      <p:sp>
+        <p:nvSpPr>
+          <p:cNvPr id="6" name="Rect 0"/>
+          <p:cNvSpPr txBox="1">
+            <a:spLocks/>
+          </p:cNvSpPr>
+          <p:nvPr/>
+        </p:nvSpPr>
+        <p:spPr>
+          <a:xfrm flipH="1">
+            <a:off x="192405" y="335280"/>
+            <a:ext cx="3765550" cy="645795"/>
+          </a:xfrm>
+          <a:prstGeom prst="rect">
+            <a:avLst/>
+          </a:prstGeom>
+          <a:noFill/>
+        </p:spPr>
+        <p:txBody>
+          <a:bodyPr vert="horz" wrap="square" lIns="91440" tIns="45720" rIns="91440" bIns="45720" numCol="1" anchor="t">
+            <a:spAutoFit/>
+          </a:bodyPr>
+          <a:lstStyle/>
+          <a:p>
+            <a:pPr marL="0" indent="0" latinLnBrk="0">
+              <a:buFontTx/>
+              <a:buNone/>
+            </a:pPr>
+            <a:r>
+              <a:rPr lang="ko-KR" altLang="en-US" sz="3600" b="1">
+                <a:solidFill>
+                  <a:schemeClr val="accent1">
+                    <a:lumMod val="50000"/>
+                  </a:schemeClr>
+                </a:solidFill>
+                <a:latin typeface="나눔스퀘어 ExtraBold" charset="0"/>
+                <a:ea typeface="나눔스퀘어 ExtraBold" charset="0"/>
+              </a:rPr>
+              <a:t>6.</a:t>
+            </a:r>
           </a:p>
         </p:txBody>
       </p:sp>
@@ -9693,7 +10587,7 @@
           <a:p>
             <a:fld id="{E887A479-1FB4-4076-82AD-4520E3445CF4}" type="slidenum">
               <a:rPr lang="ko-KR" altLang="en-US" smtClean="0"/>
-              <a:t>7</a:t>
+              <a:t>9</a:t>
             </a:fld>
             <a:endParaRPr lang="ko-KR" altLang="en-US"/>
           </a:p>
@@ -9702,1071 +10596,7 @@
       <p:sp>
         <p:nvSpPr>
           <p:cNvPr id="8" name="실행 단추: 문서 7">
-            <a:hlinkClick r:id="rId5" action="ppaction://hlinksldjump"/>
-            <a:extLst>
-              <a:ext uri="{FF2B5EF4-FFF2-40B4-BE49-F238E27FC236}">
-                <a16:creationId xmlns:a16="http://schemas.microsoft.com/office/drawing/2014/main" id="{E79EFE45-9EDC-4459-B815-4422F9B6F4AD}"/>
-              </a:ext>
-            </a:extLst>
-          </p:cNvPr>
-          <p:cNvSpPr/>
-          <p:nvPr/>
-        </p:nvSpPr>
-        <p:spPr>
-          <a:xfrm>
-            <a:off x="11353800" y="6416675"/>
-            <a:ext cx="646430" cy="441325"/>
-          </a:xfrm>
-          <a:prstGeom prst="actionButtonDocument">
-            <a:avLst/>
-          </a:prstGeom>
-          <a:ln>
-            <a:noFill/>
-          </a:ln>
-        </p:spPr>
-        <p:style>
-          <a:lnRef idx="2">
-            <a:schemeClr val="accent1">
-              <a:shade val="50000"/>
-            </a:schemeClr>
-          </a:lnRef>
-          <a:fillRef idx="1">
-            <a:schemeClr val="accent1"/>
-          </a:fillRef>
-          <a:effectRef idx="0">
-            <a:schemeClr val="accent1"/>
-          </a:effectRef>
-          <a:fontRef idx="minor">
-            <a:schemeClr val="lt1"/>
-          </a:fontRef>
-        </p:style>
-        <p:txBody>
-          <a:bodyPr rtlCol="0" anchor="ctr"/>
-          <a:lstStyle/>
-          <a:p>
-            <a:pPr algn="ctr"/>
-            <a:endParaRPr lang="en-US" altLang="ko-KR" sz="800" dirty="0"/>
-          </a:p>
-          <a:p>
-            <a:pPr algn="ctr"/>
-            <a:endParaRPr lang="en-US" altLang="ko-KR" sz="800" dirty="0"/>
-          </a:p>
-          <a:p>
-            <a:pPr algn="ctr"/>
-            <a:r>
-              <a:rPr lang="ko-KR" altLang="en-US" sz="800" dirty="0"/>
-              <a:t>문서 개요</a:t>
-            </a:r>
-          </a:p>
-        </p:txBody>
-      </p:sp>
-      <p:graphicFrame>
-        <p:nvGraphicFramePr>
-          <p:cNvPr id="9" name="표 4"/>
-          <p:cNvGraphicFramePr>
-            <a:graphicFrameLocks noGrp="1"/>
-          </p:cNvGraphicFramePr>
-          <p:nvPr/>
-        </p:nvGraphicFramePr>
-        <p:xfrm>
-          <a:off x="183515" y="1056005"/>
-          <a:ext cx="11849100" cy="1112520"/>
-        </p:xfrm>
-        <a:graphic>
-          <a:graphicData uri="http://schemas.openxmlformats.org/drawingml/2006/table">
-            <a:tbl>
-              <a:tblPr firstRow="1" bandRow="1">
-                <a:tableStyleId>{5C22544A-7EE6-4342-B048-85BDC9FD1C3A}</a:tableStyleId>
-              </a:tblPr>
-              <a:tblGrid>
-                <a:gridCol w="1154430"/>
-                <a:gridCol w="10694670"/>
-              </a:tblGrid>
-              <a:tr h="370840">
-                <a:tc gridSpan="2">
-                  <a:txBody>
-                    <a:bodyPr/>
-                    <a:lstStyle/>
-                    <a:p>
-                      <a:pPr marL="0" indent="0" latinLnBrk="0" hangingPunct="1" lvl="1">
-                        <a:buFontTx/>
-                        <a:buNone/>
-                      </a:pPr>
-                      <a:r>
-                        <a:rPr lang="ko-KR" altLang="en-US" sz="1800" kern="1200" i="0" b="1">
-                          <a:solidFill>
-                            <a:schemeClr val="lt1"/>
-                          </a:solidFill>
-                          <a:latin typeface="맑은 고딕" charset="0"/>
-                          <a:ea typeface="맑은 고딕" charset="0"/>
-                        </a:rPr>
-                        <a:t>초반</a:t>
-                      </a:r>
-                      <a:endParaRPr lang="ko-KR" altLang="en-US" sz="1800" kern="1200" i="0" b="1">
-                        <a:solidFill>
-                          <a:schemeClr val="lt1"/>
-                        </a:solidFill>
-                        <a:latin typeface="맑은 고딕" charset="0"/>
-                        <a:ea typeface="맑은 고딕" charset="0"/>
-                      </a:endParaRPr>
-                    </a:p>
-                  </a:txBody>
-                  <a:tcPr marL="90170" marR="90170" marT="46990" marB="46990" anchor="t"/>
-                </a:tc>
-                <a:tc hMerge="1">
-                  <a:txBody>
-                    <a:bodyPr/>
-                    <a:lstStyle/>
-                    <a:p>
-                      <a:pPr/>
-                      <a:endParaRPr lang="ko-KR" altLang="en-US" kern="1200"/>
-                    </a:p>
-                  </a:txBody>
-                </a:tc>
-              </a:tr>
-              <a:tr h="370840">
-                <a:tc>
-                  <a:txBody>
-                    <a:bodyPr/>
-                    <a:lstStyle/>
-                    <a:p>
-                      <a:pPr marL="0" indent="0" latinLnBrk="0" hangingPunct="1" lvl="1">
-                        <a:buFontTx/>
-                        <a:buNone/>
-                      </a:pPr>
-                      <a:r>
-                        <a:rPr lang="ko-KR" altLang="en-US" sz="1800" kern="1200" i="0" b="0">
-                          <a:solidFill>
-                            <a:schemeClr val="dk1"/>
-                          </a:solidFill>
-                          <a:latin typeface="맑은 고딕" charset="0"/>
-                          <a:ea typeface="맑은 고딕" charset="0"/>
-                        </a:rPr>
-                        <a:t>컨텐츠</a:t>
-                      </a:r>
-                      <a:endParaRPr lang="ko-KR" altLang="en-US" sz="1800" kern="1200" i="0" b="0">
-                        <a:solidFill>
-                          <a:schemeClr val="dk1"/>
-                        </a:solidFill>
-                        <a:latin typeface="맑은 고딕" charset="0"/>
-                        <a:ea typeface="맑은 고딕" charset="0"/>
-                      </a:endParaRPr>
-                    </a:p>
-                  </a:txBody>
-                  <a:tcPr marL="90170" marR="90170" marT="46990" marB="46990" anchor="t"/>
-                </a:tc>
-                <a:tc>
-                  <a:txBody>
-                    <a:bodyPr/>
-                    <a:lstStyle/>
-                    <a:p>
-                      <a:pPr marL="0" indent="0" latinLnBrk="0" hangingPunct="1" lvl="1">
-                        <a:buFontTx/>
-                        <a:buNone/>
-                      </a:pPr>
-                      <a:r>
-                        <a:rPr lang="ko-KR" altLang="en-US" sz="1800" kern="1200" i="0" b="0">
-                          <a:solidFill>
-                            <a:schemeClr val="dk1"/>
-                          </a:solidFill>
-                          <a:latin typeface="맑은 고딕" charset="0"/>
-                          <a:ea typeface="맑은 고딕" charset="0"/>
-                        </a:rPr>
-                        <a:t>캐릭터 생성</a:t>
-                      </a:r>
-                      <a:endParaRPr lang="ko-KR" altLang="en-US" sz="1800" kern="1200" i="0" b="0">
-                        <a:solidFill>
-                          <a:schemeClr val="dk1"/>
-                        </a:solidFill>
-                        <a:latin typeface="맑은 고딕" charset="0"/>
-                        <a:ea typeface="맑은 고딕" charset="0"/>
-                      </a:endParaRPr>
-                    </a:p>
-                  </a:txBody>
-                  <a:tcPr marL="90170" marR="90170" marT="46990" marB="46990" anchor="t"/>
-                </a:tc>
-              </a:tr>
-              <a:tr h="370840">
-                <a:tc>
-                  <a:txBody>
-                    <a:bodyPr/>
-                    <a:lstStyle/>
-                    <a:p>
-                      <a:pPr marL="0" indent="0" latinLnBrk="0" hangingPunct="1" lvl="1">
-                        <a:buFontTx/>
-                        <a:buNone/>
-                      </a:pPr>
-                      <a:r>
-                        <a:rPr lang="ko-KR" altLang="en-US" sz="1800" kern="1200" i="0" b="0">
-                          <a:solidFill>
-                            <a:schemeClr val="dk1"/>
-                          </a:solidFill>
-                          <a:latin typeface="맑은 고딕" charset="0"/>
-                          <a:ea typeface="맑은 고딕" charset="0"/>
-                        </a:rPr>
-                        <a:t>시스템</a:t>
-                      </a:r>
-                      <a:endParaRPr lang="ko-KR" altLang="en-US" sz="1800" kern="1200" i="0" b="0">
-                        <a:solidFill>
-                          <a:schemeClr val="dk1"/>
-                        </a:solidFill>
-                        <a:latin typeface="맑은 고딕" charset="0"/>
-                        <a:ea typeface="맑은 고딕" charset="0"/>
-                      </a:endParaRPr>
-                    </a:p>
-                  </a:txBody>
-                  <a:tcPr marL="90170" marR="90170" marT="46990" marB="46990" anchor="t"/>
-                </a:tc>
-                <a:tc>
-                  <a:txBody>
-                    <a:bodyPr/>
-                    <a:lstStyle/>
-                    <a:p>
-                      <a:pPr marL="0" indent="0" latinLnBrk="0" hangingPunct="1" lvl="1">
-                        <a:buFontTx/>
-                        <a:buNone/>
-                      </a:pPr>
-                      <a:r>
-                        <a:rPr lang="ko-KR" altLang="en-US" sz="1800" kern="1200" i="0" b="0">
-                          <a:solidFill>
-                            <a:schemeClr val="dk1"/>
-                          </a:solidFill>
-                          <a:latin typeface="맑은 고딕" charset="0"/>
-                          <a:ea typeface="맑은 고딕" charset="0"/>
-                        </a:rPr>
-                        <a:t>튜토리얼</a:t>
-                      </a:r>
-                      <a:endParaRPr lang="ko-KR" altLang="en-US" sz="1800" kern="1200" i="0" b="0">
-                        <a:solidFill>
-                          <a:schemeClr val="dk1"/>
-                        </a:solidFill>
-                        <a:latin typeface="맑은 고딕" charset="0"/>
-                        <a:ea typeface="맑은 고딕" charset="0"/>
-                      </a:endParaRPr>
-                    </a:p>
-                  </a:txBody>
-                  <a:tcPr marL="90170" marR="90170" marT="46990" marB="46990" anchor="t"/>
-                </a:tc>
-              </a:tr>
-            </a:tbl>
-          </a:graphicData>
-        </a:graphic>
-      </p:graphicFrame>
-      <p:graphicFrame>
-        <p:nvGraphicFramePr>
-          <p:cNvPr id="10" name="표 3"/>
-          <p:cNvGraphicFramePr>
-            <a:graphicFrameLocks noGrp="1"/>
-          </p:cNvGraphicFramePr>
-          <p:nvPr/>
-        </p:nvGraphicFramePr>
-        <p:xfrm>
-          <a:off x="194310" y="2234565"/>
-          <a:ext cx="11849100" cy="1112520"/>
-        </p:xfrm>
-        <a:graphic>
-          <a:graphicData uri="http://schemas.openxmlformats.org/drawingml/2006/table">
-            <a:tbl>
-              <a:tblPr firstRow="1" bandRow="1">
-                <a:tableStyleId>{5C22544A-7EE6-4342-B048-85BDC9FD1C3A}</a:tableStyleId>
-              </a:tblPr>
-              <a:tblGrid>
-                <a:gridCol w="1154430"/>
-                <a:gridCol w="10694670"/>
-              </a:tblGrid>
-              <a:tr h="370840">
-                <a:tc gridSpan="2">
-                  <a:txBody>
-                    <a:bodyPr/>
-                    <a:lstStyle/>
-                    <a:p>
-                      <a:pPr marL="0" indent="0" latinLnBrk="0" hangingPunct="1" lvl="1">
-                        <a:buFontTx/>
-                        <a:buNone/>
-                      </a:pPr>
-                      <a:r>
-                        <a:rPr lang="ko-KR" altLang="en-US" sz="1800" kern="1200" i="0" b="1">
-                          <a:solidFill>
-                            <a:schemeClr val="lt1"/>
-                          </a:solidFill>
-                          <a:latin typeface="맑은 고딕" charset="0"/>
-                          <a:ea typeface="맑은 고딕" charset="0"/>
-                        </a:rPr>
-                        <a:t>중반</a:t>
-                      </a:r>
-                      <a:endParaRPr lang="ko-KR" altLang="en-US" sz="1800" kern="1200" i="0" b="1">
-                        <a:solidFill>
-                          <a:schemeClr val="lt1"/>
-                        </a:solidFill>
-                        <a:latin typeface="맑은 고딕" charset="0"/>
-                        <a:ea typeface="맑은 고딕" charset="0"/>
-                      </a:endParaRPr>
-                    </a:p>
-                  </a:txBody>
-                  <a:tcPr marL="90170" marR="90170" marT="46990" marB="46990" anchor="t"/>
-                </a:tc>
-                <a:tc hMerge="1">
-                  <a:txBody>
-                    <a:bodyPr/>
-                    <a:lstStyle/>
-                    <a:p>
-                      <a:pPr/>
-                      <a:endParaRPr lang="ko-KR" altLang="en-US" kern="1200"/>
-                    </a:p>
-                  </a:txBody>
-                </a:tc>
-              </a:tr>
-              <a:tr h="370840">
-                <a:tc>
-                  <a:txBody>
-                    <a:bodyPr/>
-                    <a:lstStyle/>
-                    <a:p>
-                      <a:pPr marL="0" indent="0" latinLnBrk="0" hangingPunct="1" lvl="1">
-                        <a:buFontTx/>
-                        <a:buNone/>
-                      </a:pPr>
-                      <a:r>
-                        <a:rPr lang="ko-KR" altLang="en-US" sz="1800" kern="1200" i="0" b="0">
-                          <a:solidFill>
-                            <a:schemeClr val="dk1"/>
-                          </a:solidFill>
-                          <a:latin typeface="맑은 고딕" charset="0"/>
-                          <a:ea typeface="맑은 고딕" charset="0"/>
-                        </a:rPr>
-                        <a:t>컨텐츠</a:t>
-                      </a:r>
-                      <a:endParaRPr lang="ko-KR" altLang="en-US" sz="1800" kern="1200" i="0" b="0">
-                        <a:solidFill>
-                          <a:schemeClr val="dk1"/>
-                        </a:solidFill>
-                        <a:latin typeface="맑은 고딕" charset="0"/>
-                        <a:ea typeface="맑은 고딕" charset="0"/>
-                      </a:endParaRPr>
-                    </a:p>
-                  </a:txBody>
-                  <a:tcPr marL="90170" marR="90170" marT="46990" marB="46990" anchor="t"/>
-                </a:tc>
-                <a:tc>
-                  <a:txBody>
-                    <a:bodyPr/>
-                    <a:lstStyle/>
-                    <a:p>
-                      <a:pPr marL="0" indent="0" latinLnBrk="0" hangingPunct="1" lvl="1">
-                        <a:buFontTx/>
-                        <a:buNone/>
-                      </a:pPr>
-                      <a:r>
-                        <a:rPr lang="ko-KR" altLang="en-US" sz="1800" kern="1200" i="0" b="0">
-                          <a:solidFill>
-                            <a:schemeClr val="dk1"/>
-                          </a:solidFill>
-                          <a:latin typeface="맑은 고딕" charset="0"/>
-                          <a:ea typeface="맑은 고딕" charset="0"/>
-                        </a:rPr>
-                        <a:t>메인 스토리, 몬스터, 맵, 던전</a:t>
-                      </a:r>
-                      <a:endParaRPr lang="ko-KR" altLang="en-US" sz="1800" kern="1200" i="0" b="0">
-                        <a:solidFill>
-                          <a:schemeClr val="dk1"/>
-                        </a:solidFill>
-                        <a:latin typeface="맑은 고딕" charset="0"/>
-                        <a:ea typeface="맑은 고딕" charset="0"/>
-                      </a:endParaRPr>
-                    </a:p>
-                  </a:txBody>
-                  <a:tcPr marL="90170" marR="90170" marT="46990" marB="46990" anchor="t"/>
-                </a:tc>
-              </a:tr>
-              <a:tr h="370840">
-                <a:tc>
-                  <a:txBody>
-                    <a:bodyPr/>
-                    <a:lstStyle/>
-                    <a:p>
-                      <a:pPr marL="0" indent="0" latinLnBrk="0" hangingPunct="1" lvl="1">
-                        <a:buFontTx/>
-                        <a:buNone/>
-                      </a:pPr>
-                      <a:r>
-                        <a:rPr lang="ko-KR" altLang="en-US" sz="1800" kern="1200" i="0" b="0">
-                          <a:solidFill>
-                            <a:schemeClr val="dk1"/>
-                          </a:solidFill>
-                          <a:latin typeface="맑은 고딕" charset="0"/>
-                          <a:ea typeface="맑은 고딕" charset="0"/>
-                        </a:rPr>
-                        <a:t>시스템</a:t>
-                      </a:r>
-                      <a:endParaRPr lang="ko-KR" altLang="en-US" sz="1800" kern="1200" i="0" b="0">
-                        <a:solidFill>
-                          <a:schemeClr val="dk1"/>
-                        </a:solidFill>
-                        <a:latin typeface="맑은 고딕" charset="0"/>
-                        <a:ea typeface="맑은 고딕" charset="0"/>
-                      </a:endParaRPr>
-                    </a:p>
-                  </a:txBody>
-                  <a:tcPr marL="90170" marR="90170" marT="46990" marB="46990" anchor="t"/>
-                </a:tc>
-                <a:tc>
-                  <a:txBody>
-                    <a:bodyPr/>
-                    <a:lstStyle/>
-                    <a:p>
-                      <a:pPr marL="0" indent="0" latinLnBrk="0" hangingPunct="1" lvl="1">
-                        <a:buFontTx/>
-                        <a:buNone/>
-                      </a:pPr>
-                      <a:r>
-                        <a:rPr lang="ko-KR" altLang="en-US" sz="1800" kern="1200" i="0" b="0">
-                          <a:solidFill>
-                            <a:schemeClr val="dk1"/>
-                          </a:solidFill>
-                          <a:latin typeface="맑은 고딕" charset="0"/>
-                          <a:ea typeface="맑은 고딕" charset="0"/>
-                        </a:rPr>
-                        <a:t>아이템</a:t>
-                      </a:r>
-                      <a:endParaRPr lang="ko-KR" altLang="en-US" sz="1800" kern="1200" i="0" b="0">
-                        <a:solidFill>
-                          <a:schemeClr val="dk1"/>
-                        </a:solidFill>
-                        <a:latin typeface="맑은 고딕" charset="0"/>
-                        <a:ea typeface="맑은 고딕" charset="0"/>
-                      </a:endParaRPr>
-                    </a:p>
-                  </a:txBody>
-                  <a:tcPr marL="90170" marR="90170" marT="46990" marB="46990" anchor="t"/>
-                </a:tc>
-              </a:tr>
-            </a:tbl>
-          </a:graphicData>
-        </a:graphic>
-      </p:graphicFrame>
-      <p:graphicFrame>
-        <p:nvGraphicFramePr>
-          <p:cNvPr id="11" name="표 4"/>
-          <p:cNvGraphicFramePr>
-            <a:graphicFrameLocks noGrp="1"/>
-          </p:cNvGraphicFramePr>
-          <p:nvPr/>
-        </p:nvGraphicFramePr>
-        <p:xfrm>
-          <a:off x="194310" y="3445510"/>
-          <a:ext cx="11849100" cy="1112520"/>
-        </p:xfrm>
-        <a:graphic>
-          <a:graphicData uri="http://schemas.openxmlformats.org/drawingml/2006/table">
-            <a:tbl>
-              <a:tblPr firstRow="1" bandRow="1">
-                <a:tableStyleId>{5C22544A-7EE6-4342-B048-85BDC9FD1C3A}</a:tableStyleId>
-              </a:tblPr>
-              <a:tblGrid>
-                <a:gridCol w="1154430"/>
-                <a:gridCol w="10694670"/>
-              </a:tblGrid>
-              <a:tr h="370840">
-                <a:tc gridSpan="2">
-                  <a:txBody>
-                    <a:bodyPr/>
-                    <a:lstStyle/>
-                    <a:p>
-                      <a:pPr marL="0" indent="0" latinLnBrk="0" hangingPunct="1" lvl="1">
-                        <a:buFontTx/>
-                        <a:buNone/>
-                      </a:pPr>
-                      <a:r>
-                        <a:rPr lang="ko-KR" altLang="en-US" sz="1800" kern="1200" i="0" b="1">
-                          <a:solidFill>
-                            <a:schemeClr val="lt1"/>
-                          </a:solidFill>
-                          <a:latin typeface="맑은 고딕" charset="0"/>
-                          <a:ea typeface="맑은 고딕" charset="0"/>
-                        </a:rPr>
-                        <a:t>후반</a:t>
-                      </a:r>
-                      <a:endParaRPr lang="ko-KR" altLang="en-US" sz="1800" kern="1200" i="0" b="1">
-                        <a:solidFill>
-                          <a:schemeClr val="lt1"/>
-                        </a:solidFill>
-                        <a:latin typeface="맑은 고딕" charset="0"/>
-                        <a:ea typeface="맑은 고딕" charset="0"/>
-                      </a:endParaRPr>
-                    </a:p>
-                  </a:txBody>
-                  <a:tcPr marL="90170" marR="90170" marT="46990" marB="46990" anchor="t"/>
-                </a:tc>
-                <a:tc hMerge="1">
-                  <a:txBody>
-                    <a:bodyPr/>
-                    <a:lstStyle/>
-                    <a:p>
-                      <a:pPr/>
-                      <a:endParaRPr lang="ko-KR" altLang="en-US" kern="1200"/>
-                    </a:p>
-                  </a:txBody>
-                </a:tc>
-              </a:tr>
-              <a:tr h="370840">
-                <a:tc>
-                  <a:txBody>
-                    <a:bodyPr/>
-                    <a:lstStyle/>
-                    <a:p>
-                      <a:pPr marL="0" indent="0" latinLnBrk="0" hangingPunct="1" lvl="1">
-                        <a:buFontTx/>
-                        <a:buNone/>
-                      </a:pPr>
-                      <a:r>
-                        <a:rPr lang="ko-KR" altLang="en-US" sz="1800" kern="1200" i="0" b="0">
-                          <a:solidFill>
-                            <a:schemeClr val="dk1"/>
-                          </a:solidFill>
-                          <a:latin typeface="맑은 고딕" charset="0"/>
-                          <a:ea typeface="맑은 고딕" charset="0"/>
-                        </a:rPr>
-                        <a:t>컨텐츠</a:t>
-                      </a:r>
-                      <a:endParaRPr lang="ko-KR" altLang="en-US" sz="1800" kern="1200" i="0" b="0">
-                        <a:solidFill>
-                          <a:schemeClr val="dk1"/>
-                        </a:solidFill>
-                        <a:latin typeface="맑은 고딕" charset="0"/>
-                        <a:ea typeface="맑은 고딕" charset="0"/>
-                      </a:endParaRPr>
-                    </a:p>
-                  </a:txBody>
-                  <a:tcPr marL="90170" marR="90170" marT="46990" marB="46990" anchor="t"/>
-                </a:tc>
-                <a:tc>
-                  <a:txBody>
-                    <a:bodyPr/>
-                    <a:lstStyle/>
-                    <a:p>
-                      <a:pPr marL="0" indent="0" latinLnBrk="0" hangingPunct="1" lvl="1">
-                        <a:buFontTx/>
-                        <a:buNone/>
-                      </a:pPr>
-                      <a:r>
-                        <a:rPr lang="ko-KR" altLang="en-US" sz="1800" kern="1200" i="0" b="0">
-                          <a:solidFill>
-                            <a:schemeClr val="dk1"/>
-                          </a:solidFill>
-                          <a:latin typeface="맑은 고딕" charset="0"/>
-                          <a:ea typeface="맑은 고딕" charset="0"/>
-                        </a:rPr>
-                        <a:t>서브 스토리, 제작, 영양, 강화, 수련</a:t>
-                      </a:r>
-                      <a:endParaRPr lang="ko-KR" altLang="en-US" sz="1800" kern="1200" i="0" b="0">
-                        <a:solidFill>
-                          <a:schemeClr val="dk1"/>
-                        </a:solidFill>
-                        <a:latin typeface="맑은 고딕" charset="0"/>
-                        <a:ea typeface="맑은 고딕" charset="0"/>
-                      </a:endParaRPr>
-                    </a:p>
-                  </a:txBody>
-                  <a:tcPr marL="90170" marR="90170" marT="46990" marB="46990" anchor="t"/>
-                </a:tc>
-              </a:tr>
-              <a:tr h="370840">
-                <a:tc>
-                  <a:txBody>
-                    <a:bodyPr/>
-                    <a:lstStyle/>
-                    <a:p>
-                      <a:pPr marL="0" indent="0" latinLnBrk="0" hangingPunct="1" lvl="1">
-                        <a:buFontTx/>
-                        <a:buNone/>
-                      </a:pPr>
-                      <a:r>
-                        <a:rPr lang="ko-KR" altLang="en-US" sz="1800" kern="1200" i="0" b="0">
-                          <a:solidFill>
-                            <a:schemeClr val="dk1"/>
-                          </a:solidFill>
-                          <a:latin typeface="맑은 고딕" charset="0"/>
-                          <a:ea typeface="맑은 고딕" charset="0"/>
-                        </a:rPr>
-                        <a:t>시스템</a:t>
-                      </a:r>
-                      <a:endParaRPr lang="ko-KR" altLang="en-US" sz="1800" kern="1200" i="0" b="0">
-                        <a:solidFill>
-                          <a:schemeClr val="dk1"/>
-                        </a:solidFill>
-                        <a:latin typeface="맑은 고딕" charset="0"/>
-                        <a:ea typeface="맑은 고딕" charset="0"/>
-                      </a:endParaRPr>
-                    </a:p>
-                  </a:txBody>
-                  <a:tcPr marL="90170" marR="90170" marT="46990" marB="46990" anchor="t"/>
-                </a:tc>
-                <a:tc>
-                  <a:txBody>
-                    <a:bodyPr/>
-                    <a:lstStyle/>
-                    <a:p>
-                      <a:pPr marL="0" indent="0" latinLnBrk="0" hangingPunct="1" lvl="1">
-                        <a:buFontTx/>
-                        <a:buNone/>
-                      </a:pPr>
-                      <a:r>
-                        <a:rPr lang="ko-KR" altLang="en-US" sz="1800" kern="1200" i="0" b="0">
-                          <a:solidFill>
-                            <a:schemeClr val="dk1"/>
-                          </a:solidFill>
-                          <a:latin typeface="맑은 고딕" charset="0"/>
-                          <a:ea typeface="맑은 고딕" charset="0"/>
-                        </a:rPr>
-                        <a:t>다회차 플레이</a:t>
-                      </a:r>
-                      <a:endParaRPr lang="ko-KR" altLang="en-US" sz="1800" kern="1200" i="0" b="0">
-                        <a:solidFill>
-                          <a:schemeClr val="dk1"/>
-                        </a:solidFill>
-                        <a:latin typeface="맑은 고딕" charset="0"/>
-                        <a:ea typeface="맑은 고딕" charset="0"/>
-                      </a:endParaRPr>
-                    </a:p>
-                  </a:txBody>
-                  <a:tcPr marL="90170" marR="90170" marT="46990" marB="46990" anchor="t"/>
-                </a:tc>
-              </a:tr>
-            </a:tbl>
-          </a:graphicData>
-        </a:graphic>
-      </p:graphicFrame>
-      <p:graphicFrame>
-        <p:nvGraphicFramePr>
-          <p:cNvPr id="12" name="표 5"/>
-          <p:cNvGraphicFramePr>
-            <a:graphicFrameLocks noGrp="1"/>
-          </p:cNvGraphicFramePr>
-          <p:nvPr/>
-        </p:nvGraphicFramePr>
-        <p:xfrm>
-          <a:off x="194310" y="4666615"/>
-          <a:ext cx="11849100" cy="1112520"/>
-        </p:xfrm>
-        <a:graphic>
-          <a:graphicData uri="http://schemas.openxmlformats.org/drawingml/2006/table">
-            <a:tbl>
-              <a:tblPr firstRow="1" bandRow="1">
-                <a:tableStyleId>{5C22544A-7EE6-4342-B048-85BDC9FD1C3A}</a:tableStyleId>
-              </a:tblPr>
-              <a:tblGrid>
-                <a:gridCol w="1154430"/>
-                <a:gridCol w="10694670"/>
-              </a:tblGrid>
-              <a:tr h="370840">
-                <a:tc gridSpan="2">
-                  <a:txBody>
-                    <a:bodyPr/>
-                    <a:lstStyle/>
-                    <a:p>
-                      <a:pPr marL="0" indent="0" latinLnBrk="0" hangingPunct="1" lvl="1">
-                        <a:buFontTx/>
-                        <a:buNone/>
-                      </a:pPr>
-                      <a:r>
-                        <a:rPr lang="ko-KR" altLang="en-US" sz="1800" kern="1200" i="0" b="1">
-                          <a:solidFill>
-                            <a:schemeClr val="lt1"/>
-                          </a:solidFill>
-                          <a:latin typeface="맑은 고딕" charset="0"/>
-                          <a:ea typeface="맑은 고딕" charset="0"/>
-                        </a:rPr>
-                        <a:t>후일담</a:t>
-                      </a:r>
-                      <a:endParaRPr lang="ko-KR" altLang="en-US" sz="1800" kern="1200" i="0" b="1">
-                        <a:solidFill>
-                          <a:schemeClr val="lt1"/>
-                        </a:solidFill>
-                        <a:latin typeface="맑은 고딕" charset="0"/>
-                        <a:ea typeface="맑은 고딕" charset="0"/>
-                      </a:endParaRPr>
-                    </a:p>
-                  </a:txBody>
-                  <a:tcPr marL="90170" marR="90170" marT="46990" marB="46990" anchor="t"/>
-                </a:tc>
-                <a:tc hMerge="1">
-                  <a:txBody>
-                    <a:bodyPr/>
-                    <a:lstStyle/>
-                    <a:p>
-                      <a:pPr/>
-                      <a:endParaRPr lang="ko-KR" altLang="en-US" kern="1200"/>
-                    </a:p>
-                  </a:txBody>
-                </a:tc>
-              </a:tr>
-              <a:tr h="370840">
-                <a:tc>
-                  <a:txBody>
-                    <a:bodyPr/>
-                    <a:lstStyle/>
-                    <a:p>
-                      <a:pPr marL="0" indent="0" latinLnBrk="0" hangingPunct="1" lvl="1">
-                        <a:buFontTx/>
-                        <a:buNone/>
-                      </a:pPr>
-                      <a:r>
-                        <a:rPr lang="ko-KR" altLang="en-US" sz="1800" kern="1200" i="0" b="0">
-                          <a:solidFill>
-                            <a:schemeClr val="dk1"/>
-                          </a:solidFill>
-                          <a:latin typeface="맑은 고딕" charset="0"/>
-                          <a:ea typeface="맑은 고딕" charset="0"/>
-                        </a:rPr>
-                        <a:t>컨텐츠</a:t>
-                      </a:r>
-                      <a:endParaRPr lang="ko-KR" altLang="en-US" sz="1800" kern="1200" i="0" b="0">
-                        <a:solidFill>
-                          <a:schemeClr val="dk1"/>
-                        </a:solidFill>
-                        <a:latin typeface="맑은 고딕" charset="0"/>
-                        <a:ea typeface="맑은 고딕" charset="0"/>
-                      </a:endParaRPr>
-                    </a:p>
-                  </a:txBody>
-                  <a:tcPr marL="90170" marR="90170" marT="46990" marB="46990" anchor="t"/>
-                </a:tc>
-                <a:tc>
-                  <a:txBody>
-                    <a:bodyPr/>
-                    <a:lstStyle/>
-                    <a:p>
-                      <a:pPr marL="0" indent="0" latinLnBrk="0" hangingPunct="1" lvl="1">
-                        <a:buFontTx/>
-                        <a:buNone/>
-                      </a:pPr>
-                      <a:r>
-                        <a:rPr lang="ko-KR" altLang="en-US" sz="1800" kern="1200" i="0" b="0">
-                          <a:solidFill>
-                            <a:schemeClr val="dk1"/>
-                          </a:solidFill>
-                          <a:latin typeface="맑은 고딕" charset="0"/>
-                          <a:ea typeface="맑은 고딕" charset="0"/>
-                        </a:rPr>
-                        <a:t>히든 스토리</a:t>
-                      </a:r>
-                      <a:r>
-                        <a:rPr lang="en-US" altLang="ko-KR" sz="1800" kern="1200" i="0" b="0">
-                          <a:solidFill>
-                            <a:schemeClr val="dk1"/>
-                          </a:solidFill>
-                          <a:latin typeface="맑은 고딕" charset="0"/>
-                          <a:ea typeface="맑은 고딕" charset="0"/>
-                        </a:rPr>
-                        <a:t>, </a:t>
-                      </a:r>
-                      <a:r>
-                        <a:rPr lang="ko-KR" sz="1800" kern="1200" i="0" b="0">
-                          <a:solidFill>
-                            <a:schemeClr val="dk1"/>
-                          </a:solidFill>
-                          <a:latin typeface="맑은 고딕" charset="0"/>
-                          <a:ea typeface="맑은 고딕" charset="0"/>
-                        </a:rPr>
-                        <a:t>강화 보스, 멀티 플레이, Pvp, 도장 깨기, 비무, 무도회</a:t>
-                      </a:r>
-                      <a:endParaRPr lang="ko-KR" altLang="en-US" sz="1800" kern="1200" i="0" b="0">
-                        <a:solidFill>
-                          <a:schemeClr val="dk1"/>
-                        </a:solidFill>
-                        <a:latin typeface="맑은 고딕" charset="0"/>
-                        <a:ea typeface="맑은 고딕" charset="0"/>
-                      </a:endParaRPr>
-                    </a:p>
-                  </a:txBody>
-                  <a:tcPr marL="90170" marR="90170" marT="46990" marB="46990" anchor="t"/>
-                </a:tc>
-              </a:tr>
-              <a:tr h="370840">
-                <a:tc>
-                  <a:txBody>
-                    <a:bodyPr/>
-                    <a:lstStyle/>
-                    <a:p>
-                      <a:pPr marL="0" indent="0" latinLnBrk="0" hangingPunct="1" lvl="1">
-                        <a:buFontTx/>
-                        <a:buNone/>
-                      </a:pPr>
-                      <a:r>
-                        <a:rPr lang="ko-KR" altLang="en-US" sz="1800" kern="1200" i="0" b="0">
-                          <a:solidFill>
-                            <a:schemeClr val="dk1"/>
-                          </a:solidFill>
-                          <a:latin typeface="맑은 고딕" charset="0"/>
-                          <a:ea typeface="맑은 고딕" charset="0"/>
-                        </a:rPr>
-                        <a:t>시스템</a:t>
-                      </a:r>
-                      <a:endParaRPr lang="ko-KR" altLang="en-US" sz="1800" kern="1200" i="0" b="0">
-                        <a:solidFill>
-                          <a:schemeClr val="dk1"/>
-                        </a:solidFill>
-                        <a:latin typeface="맑은 고딕" charset="0"/>
-                        <a:ea typeface="맑은 고딕" charset="0"/>
-                      </a:endParaRPr>
-                    </a:p>
-                  </a:txBody>
-                  <a:tcPr marL="90170" marR="90170" marT="46990" marB="46990" anchor="t"/>
-                </a:tc>
-                <a:tc>
-                  <a:txBody>
-                    <a:bodyPr/>
-                    <a:lstStyle/>
-                    <a:p>
-                      <a:pPr marL="0" indent="0" latinLnBrk="0" hangingPunct="1" lvl="1">
-                        <a:buFontTx/>
-                        <a:buNone/>
-                      </a:pPr>
-                      <a:r>
-                        <a:rPr lang="ko-KR" sz="1800" kern="1200" i="0" b="0">
-                          <a:solidFill>
-                            <a:schemeClr val="dk1"/>
-                          </a:solidFill>
-                          <a:latin typeface="맑은 고딕" charset="0"/>
-                          <a:ea typeface="맑은 고딕" charset="0"/>
-                        </a:rPr>
-                        <a:t>업적</a:t>
-                      </a:r>
-                      <a:endParaRPr lang="ko-KR" altLang="en-US" sz="1800" kern="1200" i="0" b="0">
-                        <a:solidFill>
-                          <a:schemeClr val="dk1"/>
-                        </a:solidFill>
-                        <a:latin typeface="맑은 고딕" charset="0"/>
-                        <a:ea typeface="맑은 고딕" charset="0"/>
-                      </a:endParaRPr>
-                    </a:p>
-                  </a:txBody>
-                  <a:tcPr marL="90170" marR="90170" marT="46990" marB="46990" anchor="t"/>
-                </a:tc>
-              </a:tr>
-            </a:tbl>
-          </a:graphicData>
-        </a:graphic>
-      </p:graphicFrame>
-    </p:spTree>
-    <p:extLst>
-      <p:ext uri="{BB962C8B-B14F-4D97-AF65-F5344CB8AC3E}">
-        <p14:creationId xmlns:p14="http://schemas.microsoft.com/office/powerpoint/2010/main" val="2276641823"/>
-      </p:ext>
-    </p:extLst>
-  </p:cSld>
-  <p:clrMapOvr>
-    <a:masterClrMapping/>
-  </p:clrMapOvr>
-  <mc:AlternateContent xmlns:mc="http://schemas.openxmlformats.org/markup-compatibility/2006">
-    <mc:Choice xmlns:p159="http://schemas.microsoft.com/office/powerpoint/2015/09/main" Requires="p159">
-      <p:transition xmlns:p14="http://schemas.microsoft.com/office/powerpoint/2010/main" spd="slow" p14:dur="2000">
-        <p159:morph option="byObject"/>
-      </p:transition>
-    </mc:Choice>
-    <mc:Fallback>
-      <p:transition spd="slow">
-        <p:fade/>
-      </p:transition>
-    </mc:Fallback>
-  </mc:AlternateContent>
-  <p:timing>
-    <p:tnLst>
-      <p:par>
-        <p:cTn id="1" dur="indefinite" restart="never" nodeType="tmRoot"/>
-      </p:par>
-    </p:tnLst>
-  </p:timing>
-</p:sld>
-</file>
-
-<file path=ppt/slides/slide8.xml><?xml version="1.0" encoding="utf-8"?>
-<p:sld xmlns:a="http://schemas.openxmlformats.org/drawingml/2006/main" xmlns:r="http://schemas.openxmlformats.org/officeDocument/2006/relationships" xmlns:p="http://schemas.openxmlformats.org/presentationml/2006/main" xmlns:p14="http://schemas.microsoft.com/office/powerpoint/2010/main">
-  <p:cSld>
-    <p:spTree>
-      <p:nvGrpSpPr>
-        <p:cNvPr id="1" name=""/>
-        <p:cNvGrpSpPr/>
-        <p:nvPr/>
-      </p:nvGrpSpPr>
-      <p:grpSpPr>
-        <a:xfrm>
-          <a:off x="0" y="0"/>
-          <a:ext cx="0" cy="0"/>
-          <a:chOff x="0" y="0"/>
-          <a:chExt cx="0" cy="0"/>
-        </a:xfrm>
-      </p:grpSpPr>
-      <p:cxnSp>
-        <p:nvCxnSpPr>
-          <p:cNvPr id="4" name="Rect 0"/>
-          <p:cNvCxnSpPr/>
-          <p:nvPr/>
-        </p:nvCxnSpPr>
-        <p:spPr>
-          <a:xfrm>
-            <a:off x="0" y="975360"/>
-            <a:ext cx="12192635" cy="635"/>
-          </a:xfrm>
-          <a:prstGeom prst="line">
-            <a:avLst/>
-          </a:prstGeom>
-        </p:spPr>
-        <p:style>
-          <a:lnRef idx="1">
-            <a:schemeClr val="accent1"/>
-          </a:lnRef>
-          <a:fillRef idx="0">
-            <a:schemeClr val="accent1"/>
-          </a:fillRef>
-          <a:effectRef idx="0">
-            <a:schemeClr val="accent1"/>
-          </a:effectRef>
-          <a:fontRef idx="minor">
-            <a:schemeClr val="tx1"/>
-          </a:fontRef>
-        </p:style>
-      </p:cxnSp>
-      <p:sp>
-        <p:nvSpPr>
-          <p:cNvPr id="6" name="Rect 0"/>
-          <p:cNvSpPr txBox="1">
-            <a:spLocks/>
-          </p:cNvSpPr>
-          <p:nvPr/>
-        </p:nvSpPr>
-        <p:spPr>
-          <a:xfrm flipH="1">
-            <a:off x="192405" y="335280"/>
-            <a:ext cx="3765550" cy="645795"/>
-          </a:xfrm>
-          <a:prstGeom prst="rect">
-            <a:avLst/>
-          </a:prstGeom>
-          <a:noFill/>
-        </p:spPr>
-        <p:txBody>
-          <a:bodyPr wrap="square" lIns="91440" tIns="45720" rIns="91440" bIns="45720" numCol="1" vert="horz" anchor="t">
-            <a:spAutoFit/>
-          </a:bodyPr>
-          <a:lstStyle/>
-          <a:p>
-            <a:pPr marL="0" indent="0" latinLnBrk="0">
-              <a:buFontTx/>
-              <a:buNone/>
-            </a:pPr>
-            <a:r>
-              <a:rPr lang="ko-KR" altLang="en-US" sz="3600" b="1">
-                <a:solidFill>
-                  <a:schemeClr val="accent1">
-                    <a:lumMod val="50000"/>
-                  </a:schemeClr>
-                </a:solidFill>
-                <a:latin typeface="나눔스퀘어 ExtraBold" charset="0"/>
-                <a:ea typeface="나눔스퀘어 ExtraBold" charset="0"/>
-              </a:rPr>
-              <a:t>6.</a:t>
-            </a:r>
-            <a:endParaRPr lang="ko-KR" altLang="en-US" sz="3600" b="1">
-              <a:solidFill>
-                <a:schemeClr val="accent1">
-                  <a:lumMod val="50000"/>
-                </a:schemeClr>
-              </a:solidFill>
-              <a:latin typeface="나눔스퀘어 ExtraBold" charset="0"/>
-              <a:ea typeface="나눔스퀘어 ExtraBold" charset="0"/>
-            </a:endParaRPr>
-          </a:p>
-        </p:txBody>
-      </p:sp>
-      <p:sp>
-        <p:nvSpPr>
-          <p:cNvPr id="7" name="텍스트 상자 27"/>
-          <p:cNvSpPr txBox="1">
-            <a:spLocks/>
-          </p:cNvSpPr>
-          <p:nvPr/>
-        </p:nvSpPr>
-        <p:spPr>
-          <a:xfrm>
-            <a:off x="312420" y="981075"/>
-            <a:ext cx="11687810" cy="365125"/>
-          </a:xfrm>
-          <a:prstGeom prst="rect">
-            <a:avLst/>
-          </a:prstGeom>
-          <a:noFill/>
-        </p:spPr>
-        <p:txBody>
-          <a:bodyPr vert="horz" wrap="square" lIns="91440" tIns="45720" rIns="91440" bIns="45720" numCol="1" anchor="t">
-            <a:spAutoFit/>
-          </a:bodyPr>
-          <a:lstStyle/>
-          <a:p>
-            <a:pPr marL="0" indent="0" algn="just" latinLnBrk="1">
-              <a:lnSpc>
-                <a:spcPct val="107000"/>
-              </a:lnSpc>
-              <a:spcAft>
-                <a:spcPts val="800"/>
-              </a:spcAft>
-              <a:buFontTx/>
-              <a:buNone/>
-            </a:pPr>
-            <a:r>
-              <a:rPr lang="ko-KR" altLang="ko-KR" sz="1800">
-                <a:latin typeface="맑은 고딕" charset="0"/>
-                <a:ea typeface="맑은 고딕" charset="0"/>
-                <a:cs typeface="Times New Roman" charset="0"/>
-              </a:rPr>
-              <a:t>텍스트</a:t>
-            </a:r>
-            <a:endParaRPr lang="ko-KR" altLang="en-US" sz="1800">
-              <a:latin typeface="맑은 고딕" charset="0"/>
-              <a:ea typeface="맑은 고딕" charset="0"/>
-              <a:cs typeface="Times New Roman" charset="0"/>
-            </a:endParaRPr>
-          </a:p>
-        </p:txBody>
-      </p:sp>
-      <p:sp>
-        <p:nvSpPr>
-          <p:cNvPr id="2" name="슬라이드 번호 개체 틀 1">
-            <a:extLst>
-              <a:ext uri="{FF2B5EF4-FFF2-40B4-BE49-F238E27FC236}">
-                <a16:creationId xmlns:a16="http://schemas.microsoft.com/office/drawing/2014/main" id="{12097A5C-65DA-42A1-9F6D-09DE0D179DE5}"/>
-              </a:ext>
-            </a:extLst>
-          </p:cNvPr>
-          <p:cNvSpPr>
-            <a:spLocks noGrp="1"/>
-          </p:cNvSpPr>
-          <p:nvPr>
-            <p:ph type="sldNum" sz="quarter" idx="12"/>
-          </p:nvPr>
-        </p:nvSpPr>
-        <p:spPr>
-          <a:xfrm>
-            <a:off x="8610600" y="6356350"/>
-            <a:ext cx="2743835" cy="365760"/>
-          </a:xfrm>
-        </p:spPr>
-        <p:txBody>
-          <a:bodyPr/>
-          <a:lstStyle/>
-          <a:p>
-            <a:fld id="{E887A479-1FB4-4076-82AD-4520E3445CF4}" type="slidenum">
-              <a:rPr lang="ko-KR" altLang="en-US" smtClean="0"/>
-              <a:t>8</a:t>
-            </a:fld>
-            <a:endParaRPr lang="ko-KR" altLang="en-US"/>
-          </a:p>
-        </p:txBody>
-      </p:sp>
-      <p:sp>
-        <p:nvSpPr>
-          <p:cNvPr id="8" name="실행 단추: 문서 7">
-            <a:hlinkClick r:id="rId5" action="ppaction://hlinksldjump"/>
+            <a:hlinkClick r:id="rId2" action="ppaction://hlinksldjump"/>
             <a:extLst>
               <a:ext uri="{FF2B5EF4-FFF2-40B4-BE49-F238E27FC236}">
                 <a16:creationId xmlns:a16="http://schemas.microsoft.com/office/drawing/2014/main" id="{B5112F00-038E-45A9-9EF4-2253F2E230F8}"/>
@@ -10824,126 +10654,15 @@
           </a:p>
         </p:txBody>
       </p:sp>
-    </p:spTree>
-  </p:cSld>
-  <p:clrMapOvr>
-    <a:masterClrMapping/>
-  </p:clrMapOvr>
-  <mc:AlternateContent xmlns:mc="http://schemas.openxmlformats.org/markup-compatibility/2006">
-    <mc:Choice xmlns:p159="http://schemas.microsoft.com/office/powerpoint/2015/09/main" Requires="p159">
-      <p:transition xmlns:p14="http://schemas.microsoft.com/office/powerpoint/2010/main" spd="slow" p14:dur="2000">
-        <p159:morph option="byObject"/>
-      </p:transition>
-    </mc:Choice>
-    <mc:Fallback>
-      <p:transition spd="slow">
-        <p:fade/>
-      </p:transition>
-    </mc:Fallback>
-  </mc:AlternateContent>
-  <p:timing>
-    <p:tnLst>
-      <p:par>
-        <p:cTn id="1" dur="indefinite" restart="never" nodeType="tmRoot"/>
-      </p:par>
-    </p:tnLst>
-  </p:timing>
-</p:sld>
-</file>
-
-<file path=ppt/slides/slide9.xml><?xml version="1.0" encoding="utf-8"?>
-<p:sld xmlns:a="http://schemas.openxmlformats.org/drawingml/2006/main" xmlns:r="http://schemas.openxmlformats.org/officeDocument/2006/relationships" xmlns:p="http://schemas.openxmlformats.org/presentationml/2006/main">
-  <p:cSld>
-    <p:spTree>
-      <p:nvGrpSpPr>
-        <p:cNvPr id="1" name=""/>
-        <p:cNvGrpSpPr/>
-        <p:nvPr/>
-      </p:nvGrpSpPr>
-      <p:grpSpPr>
-        <a:xfrm>
-          <a:off x="0" y="0"/>
-          <a:ext cx="0" cy="0"/>
-          <a:chOff x="0" y="0"/>
-          <a:chExt cx="0" cy="0"/>
-        </a:xfrm>
-      </p:grpSpPr>
-      <p:cxnSp>
-        <p:nvCxnSpPr>
-          <p:cNvPr id="4" name="Rect 0"/>
-          <p:cNvCxnSpPr/>
-          <p:nvPr/>
-        </p:nvCxnSpPr>
-        <p:spPr>
-          <a:xfrm>
-            <a:off x="0" y="975360"/>
-            <a:ext cx="12192635" cy="635"/>
-          </a:xfrm>
-          <a:prstGeom prst="line">
-            <a:avLst/>
-          </a:prstGeom>
-        </p:spPr>
-        <p:style>
-          <a:lnRef idx="1">
-            <a:schemeClr val="accent1"/>
-          </a:lnRef>
-          <a:fillRef idx="0">
-            <a:schemeClr val="accent1"/>
-          </a:fillRef>
-          <a:effectRef idx="0">
-            <a:schemeClr val="accent1"/>
-          </a:effectRef>
-          <a:fontRef idx="minor">
-            <a:schemeClr val="tx1"/>
-          </a:fontRef>
-        </p:style>
-      </p:cxnSp>
       <p:sp>
         <p:nvSpPr>
-          <p:cNvPr id="6" name="Rect 0"/>
-          <p:cNvSpPr txBox="1">
-            <a:spLocks/>
-          </p:cNvSpPr>
-          <p:nvPr/>
-        </p:nvSpPr>
-        <p:spPr>
-          <a:xfrm flipH="1">
-            <a:off x="192088" y="305679"/>
-            <a:ext cx="3764915" cy="645795"/>
-          </a:xfrm>
-          <a:prstGeom prst="rect">
-            <a:avLst/>
-          </a:prstGeom>
-          <a:noFill/>
-        </p:spPr>
-        <p:txBody>
-          <a:bodyPr vert="horz" wrap="square" lIns="91440" tIns="45720" rIns="91440" bIns="45720" numCol="1" anchor="t">
-            <a:spAutoFit/>
-          </a:bodyPr>
-          <a:lstStyle/>
-          <a:p>
-            <a:pPr marL="0" indent="0" latinLnBrk="0">
-              <a:buFontTx/>
-              <a:buNone/>
-            </a:pPr>
-            <a:r>
-              <a:rPr lang="ko-KR" altLang="en-US" sz="3600" b="1" dirty="0">
-                <a:solidFill>
-                  <a:schemeClr val="accent1">
-                    <a:lumMod val="50000"/>
-                  </a:schemeClr>
-                </a:solidFill>
-                <a:latin typeface="나눔스퀘어 ExtraBold" charset="0"/>
-                <a:ea typeface="나눔스퀘어 ExtraBold" charset="0"/>
-              </a:rPr>
-              <a:t>7.유료화 모델</a:t>
-            </a:r>
-          </a:p>
-        </p:txBody>
-      </p:sp>
-      <p:sp>
-        <p:nvSpPr>
-          <p:cNvPr id="7" name="텍스트 상자 28"/>
+          <p:cNvPr id="9" name="슬라이드 번호 개체 틀 1">
+            <a:extLst>
+              <a:ext uri="{FF2B5EF4-FFF2-40B4-BE49-F238E27FC236}">
+                <a16:creationId xmlns:a16="http://schemas.microsoft.com/office/drawing/2014/main" id="{830462B4-61D2-4C54-9B09-C3AB0FBCD56B}"/>
+              </a:ext>
+            </a:extLst>
+          </p:cNvPr>
           <p:cNvSpPr txBox="1">
             <a:spLocks/>
           </p:cNvSpPr>
@@ -10951,82 +10670,129 @@
         </p:nvSpPr>
         <p:spPr>
           <a:xfrm>
-            <a:off x="192088" y="981075"/>
-            <a:ext cx="11807825" cy="364972"/>
+            <a:off x="8610600" y="6356350"/>
+            <a:ext cx="2743835" cy="365760"/>
           </a:xfrm>
           <a:prstGeom prst="rect">
             <a:avLst/>
           </a:prstGeom>
-          <a:noFill/>
         </p:spPr>
         <p:txBody>
-          <a:bodyPr vert="horz" wrap="square" lIns="91440" tIns="45720" rIns="91440" bIns="45720" numCol="1" anchor="t">
-            <a:spAutoFit/>
-          </a:bodyPr>
-          <a:lstStyle/>
-          <a:p>
-            <a:pPr marL="0" indent="0" algn="just" latinLnBrk="1">
-              <a:lnSpc>
-                <a:spcPct val="107000"/>
-              </a:lnSpc>
-              <a:spcAft>
-                <a:spcPts val="800"/>
-              </a:spcAft>
-              <a:buFontTx/>
-              <a:buNone/>
-            </a:pPr>
-            <a:r>
-              <a:rPr lang="ko-KR" altLang="ko-KR" sz="1800">
-                <a:latin typeface="맑은 고딕" charset="0"/>
-                <a:ea typeface="맑은 고딕" charset="0"/>
-                <a:cs typeface="Times New Roman" charset="0"/>
-              </a:rPr>
-              <a:t>텍스트</a:t>
-            </a:r>
-            <a:endParaRPr lang="ko-KR" altLang="en-US" sz="1800">
-              <a:latin typeface="맑은 고딕" charset="0"/>
-              <a:ea typeface="맑은 고딕" charset="0"/>
-              <a:cs typeface="Times New Roman" charset="0"/>
-            </a:endParaRPr>
+          <a:bodyPr vert="horz" lIns="91440" tIns="45720" rIns="91440" bIns="45720" rtlCol="0" anchor="ctr"/>
+          <a:lstStyle>
+            <a:defPPr>
+              <a:defRPr lang="ko-KR"/>
+            </a:defPPr>
+            <a:lvl1pPr marL="0" algn="r" defTabSz="914400" rtl="0" eaLnBrk="1" latinLnBrk="1" hangingPunct="1">
+              <a:defRPr sz="1200" kern="1200">
+                <a:solidFill>
+                  <a:schemeClr val="tx1">
+                    <a:tint val="75000"/>
+                  </a:schemeClr>
+                </a:solidFill>
+                <a:latin typeface="+mn-lt"/>
+                <a:ea typeface="+mn-ea"/>
+                <a:cs typeface="+mn-cs"/>
+              </a:defRPr>
+            </a:lvl1pPr>
+            <a:lvl2pPr marL="457200" algn="l" defTabSz="914400" rtl="0" eaLnBrk="1" latinLnBrk="1" hangingPunct="1">
+              <a:defRPr sz="1800" kern="1200">
+                <a:solidFill>
+                  <a:schemeClr val="tx1"/>
+                </a:solidFill>
+                <a:latin typeface="+mn-lt"/>
+                <a:ea typeface="+mn-ea"/>
+                <a:cs typeface="+mn-cs"/>
+              </a:defRPr>
+            </a:lvl2pPr>
+            <a:lvl3pPr marL="914400" algn="l" defTabSz="914400" rtl="0" eaLnBrk="1" latinLnBrk="1" hangingPunct="1">
+              <a:defRPr sz="1800" kern="1200">
+                <a:solidFill>
+                  <a:schemeClr val="tx1"/>
+                </a:solidFill>
+                <a:latin typeface="+mn-lt"/>
+                <a:ea typeface="+mn-ea"/>
+                <a:cs typeface="+mn-cs"/>
+              </a:defRPr>
+            </a:lvl3pPr>
+            <a:lvl4pPr marL="1371600" algn="l" defTabSz="914400" rtl="0" eaLnBrk="1" latinLnBrk="1" hangingPunct="1">
+              <a:defRPr sz="1800" kern="1200">
+                <a:solidFill>
+                  <a:schemeClr val="tx1"/>
+                </a:solidFill>
+                <a:latin typeface="+mn-lt"/>
+                <a:ea typeface="+mn-ea"/>
+                <a:cs typeface="+mn-cs"/>
+              </a:defRPr>
+            </a:lvl4pPr>
+            <a:lvl5pPr marL="1828800" algn="l" defTabSz="914400" rtl="0" eaLnBrk="1" latinLnBrk="1" hangingPunct="1">
+              <a:defRPr sz="1800" kern="1200">
+                <a:solidFill>
+                  <a:schemeClr val="tx1"/>
+                </a:solidFill>
+                <a:latin typeface="+mn-lt"/>
+                <a:ea typeface="+mn-ea"/>
+                <a:cs typeface="+mn-cs"/>
+              </a:defRPr>
+            </a:lvl5pPr>
+            <a:lvl6pPr marL="2286000" algn="l" defTabSz="914400" rtl="0" eaLnBrk="1" latinLnBrk="1" hangingPunct="1">
+              <a:defRPr sz="1800" kern="1200">
+                <a:solidFill>
+                  <a:schemeClr val="tx1"/>
+                </a:solidFill>
+                <a:latin typeface="+mn-lt"/>
+                <a:ea typeface="+mn-ea"/>
+                <a:cs typeface="+mn-cs"/>
+              </a:defRPr>
+            </a:lvl6pPr>
+            <a:lvl7pPr marL="2743200" algn="l" defTabSz="914400" rtl="0" eaLnBrk="1" latinLnBrk="1" hangingPunct="1">
+              <a:defRPr sz="1800" kern="1200">
+                <a:solidFill>
+                  <a:schemeClr val="tx1"/>
+                </a:solidFill>
+                <a:latin typeface="+mn-lt"/>
+                <a:ea typeface="+mn-ea"/>
+                <a:cs typeface="+mn-cs"/>
+              </a:defRPr>
+            </a:lvl7pPr>
+            <a:lvl8pPr marL="3200400" algn="l" defTabSz="914400" rtl="0" eaLnBrk="1" latinLnBrk="1" hangingPunct="1">
+              <a:defRPr sz="1800" kern="1200">
+                <a:solidFill>
+                  <a:schemeClr val="tx1"/>
+                </a:solidFill>
+                <a:latin typeface="+mn-lt"/>
+                <a:ea typeface="+mn-ea"/>
+                <a:cs typeface="+mn-cs"/>
+              </a:defRPr>
+            </a:lvl8pPr>
+            <a:lvl9pPr marL="3657600" algn="l" defTabSz="914400" rtl="0" eaLnBrk="1" latinLnBrk="1" hangingPunct="1">
+              <a:defRPr sz="1800" kern="1200">
+                <a:solidFill>
+                  <a:schemeClr val="tx1"/>
+                </a:solidFill>
+                <a:latin typeface="+mn-lt"/>
+                <a:ea typeface="+mn-ea"/>
+                <a:cs typeface="+mn-cs"/>
+              </a:defRPr>
+            </a:lvl9pPr>
+          </a:lstStyle>
+          <a:p>
+            <a:fld id="{E887A479-1FB4-4076-82AD-4520E3445CF4}" type="slidenum">
+              <a:rPr lang="ko-KR" altLang="en-US" smtClean="0"/>
+              <a:pPr/>
+              <a:t>9</a:t>
+            </a:fld>
+            <a:endParaRPr lang="ko-KR" altLang="en-US"/>
           </a:p>
         </p:txBody>
       </p:sp>
       <p:sp>
         <p:nvSpPr>
-          <p:cNvPr id="2" name="슬라이드 번호 개체 틀 1">
+          <p:cNvPr id="10" name="실행 단추: 문서 9">
+            <a:hlinkClick r:id="rId2" action="ppaction://hlinksldjump"/>
             <a:extLst>
               <a:ext uri="{FF2B5EF4-FFF2-40B4-BE49-F238E27FC236}">
-                <a16:creationId xmlns:a16="http://schemas.microsoft.com/office/drawing/2014/main" id="{31DCF911-0AE4-4745-B7E1-08FF6AABF44F}"/>
-              </a:ext>
-            </a:extLst>
-          </p:cNvPr>
-          <p:cNvSpPr>
-            <a:spLocks noGrp="1"/>
-          </p:cNvSpPr>
-          <p:nvPr>
-            <p:ph type="sldNum" sz="quarter" idx="12"/>
-          </p:nvPr>
-        </p:nvSpPr>
-        <p:spPr/>
-        <p:txBody>
-          <a:bodyPr/>
-          <a:lstStyle/>
-          <a:p>
-            <a:fld id="{E887A479-1FB4-4076-82AD-4520E3445CF4}" type="slidenum">
-              <a:rPr lang="ko-KR" altLang="en-US" smtClean="0"/>
-              <a:t>9</a:t>
-            </a:fld>
-            <a:endParaRPr lang="ko-KR" altLang="en-US"/>
-          </a:p>
-        </p:txBody>
-      </p:sp>
-      <p:sp>
-        <p:nvSpPr>
-          <p:cNvPr id="8" name="실행 단추: 문서 7">
-            <a:hlinkClick r:id="rId2" action="ppaction://hlinksldjump" highlightClick="1"/>
-            <a:extLst>
-              <a:ext uri="{FF2B5EF4-FFF2-40B4-BE49-F238E27FC236}">
-                <a16:creationId xmlns:a16="http://schemas.microsoft.com/office/drawing/2014/main" id="{8D35763B-1845-4045-83E3-3478275AE03A}"/>
+                <a16:creationId xmlns:a16="http://schemas.microsoft.com/office/drawing/2014/main" id="{D3B51300-8D01-42BA-8971-946BD61EBD1D}"/>
               </a:ext>
             </a:extLst>
           </p:cNvPr>
@@ -11035,8 +10801,8 @@
         </p:nvSpPr>
         <p:spPr>
           <a:xfrm>
-            <a:off x="11353800" y="6416674"/>
-            <a:ext cx="646113" cy="441325"/>
+            <a:off x="11353800" y="6416675"/>
+            <a:ext cx="646430" cy="441325"/>
           </a:xfrm>
           <a:prstGeom prst="actionButtonDocument">
             <a:avLst/>
@@ -11081,6 +10847,78 @@
           </a:p>
         </p:txBody>
       </p:sp>
+      <p:pic>
+        <p:nvPicPr>
+          <p:cNvPr id="17" name="그림 16">
+            <a:extLst>
+              <a:ext uri="{FF2B5EF4-FFF2-40B4-BE49-F238E27FC236}">
+                <a16:creationId xmlns:a16="http://schemas.microsoft.com/office/drawing/2014/main" id="{C933E163-64ED-47CF-A48F-E732FC921651}"/>
+              </a:ext>
+            </a:extLst>
+          </p:cNvPr>
+          <p:cNvPicPr>
+            <a:picLocks noChangeAspect="1"/>
+          </p:cNvPicPr>
+          <p:nvPr/>
+        </p:nvPicPr>
+        <p:blipFill>
+          <a:blip r:embed="rId3" cstate="print">
+            <a:extLst>
+              <a:ext uri="{28A0092B-C50C-407E-A947-70E740481C1C}">
+                <a14:useLocalDpi xmlns:a14="http://schemas.microsoft.com/office/drawing/2010/main" val="0"/>
+              </a:ext>
+            </a:extLst>
+          </a:blip>
+          <a:stretch>
+            <a:fillRect/>
+          </a:stretch>
+        </p:blipFill>
+        <p:spPr>
+          <a:xfrm>
+            <a:off x="296131" y="4131174"/>
+            <a:ext cx="1574849" cy="2213379"/>
+          </a:xfrm>
+          <a:prstGeom prst="rect">
+            <a:avLst/>
+          </a:prstGeom>
+        </p:spPr>
+      </p:pic>
+      <p:pic>
+        <p:nvPicPr>
+          <p:cNvPr id="18" name="그림 17">
+            <a:extLst>
+              <a:ext uri="{FF2B5EF4-FFF2-40B4-BE49-F238E27FC236}">
+                <a16:creationId xmlns:a16="http://schemas.microsoft.com/office/drawing/2014/main" id="{4A63CE9D-A499-460F-83E5-F44D4925937A}"/>
+              </a:ext>
+            </a:extLst>
+          </p:cNvPr>
+          <p:cNvPicPr>
+            <a:picLocks noChangeAspect="1"/>
+          </p:cNvPicPr>
+          <p:nvPr/>
+        </p:nvPicPr>
+        <p:blipFill>
+          <a:blip r:embed="rId4" cstate="print">
+            <a:extLst>
+              <a:ext uri="{28A0092B-C50C-407E-A947-70E740481C1C}">
+                <a14:useLocalDpi xmlns:a14="http://schemas.microsoft.com/office/drawing/2010/main" val="0"/>
+              </a:ext>
+            </a:extLst>
+          </a:blip>
+          <a:stretch>
+            <a:fillRect/>
+          </a:stretch>
+        </p:blipFill>
+        <p:spPr>
+          <a:xfrm>
+            <a:off x="1963443" y="4131174"/>
+            <a:ext cx="1579929" cy="2213379"/>
+          </a:xfrm>
+          <a:prstGeom prst="rect">
+            <a:avLst/>
+          </a:prstGeom>
+        </p:spPr>
+      </p:pic>
     </p:spTree>
   </p:cSld>
   <p:clrMapOvr>
@@ -11092,7 +10930,7 @@
         <p159:morph option="byObject"/>
       </p:transition>
     </mc:Choice>
-    <mc:Fallback xmlns="">
+    <mc:Fallback xmlns:p14="http://schemas.microsoft.com/office/powerpoint/2010/main" xmlns="">
       <p:transition spd="slow">
         <p:fade/>
       </p:transition>

--- a/기획/메인 기획서.pptx
+++ b/기획/메인 기획서.pptx
@@ -1,23 +1,23 @@
 
 <file path=ppt/presentation.xml><?xml version="1.0" encoding="utf-8"?>
-<p:presentation xmlns:a="http://schemas.openxmlformats.org/drawingml/2006/main" xmlns:r="http://schemas.openxmlformats.org/officeDocument/2006/relationships" xmlns:p="http://schemas.openxmlformats.org/presentationml/2006/main" showSpecialPlsOnTitleSld="0" saveSubsetFonts="1">
+<p:presentation xmlns:a="http://schemas.openxmlformats.org/drawingml/2006/main" xmlns:r="http://schemas.openxmlformats.org/officeDocument/2006/relationships" xmlns:p="http://schemas.openxmlformats.org/presentationml/2006/main" xmlns:p14="http://schemas.microsoft.com/office/powerpoint/2010/main" showSpecialPlsOnTitleSld="0" saveSubsetFonts="1">
   <p:sldMasterIdLst>
-    <p:sldMasterId id="2147483678" r:id="rId1"/>
+    <p:sldMasterId id="2147483684" r:id="rId14"/>
   </p:sldMasterIdLst>
   <p:notesMasterIdLst>
-    <p:notesMasterId r:id="rId12"/>
+    <p:notesMasterId r:id="rId16"/>
   </p:notesMasterIdLst>
   <p:sldIdLst>
-    <p:sldId id="278" r:id="rId2"/>
-    <p:sldId id="294" r:id="rId3"/>
-    <p:sldId id="279" r:id="rId4"/>
-    <p:sldId id="285" r:id="rId5"/>
-    <p:sldId id="287" r:id="rId6"/>
-    <p:sldId id="292" r:id="rId7"/>
-    <p:sldId id="288" r:id="rId8"/>
-    <p:sldId id="293" r:id="rId9"/>
-    <p:sldId id="290" r:id="rId10"/>
-    <p:sldId id="291" r:id="rId11"/>
+    <p:sldId id="278" r:id="rId18"/>
+    <p:sldId id="294" r:id="rId19"/>
+    <p:sldId id="279" r:id="rId20"/>
+    <p:sldId id="285" r:id="rId21"/>
+    <p:sldId id="287" r:id="rId22"/>
+    <p:sldId id="292" r:id="rId23"/>
+    <p:sldId id="288" r:id="rId24"/>
+    <p:sldId id="293" r:id="rId25"/>
+    <p:sldId id="290" r:id="rId26"/>
+    <p:sldId id="291" r:id="rId27"/>
   </p:sldIdLst>
   <p:sldSz cx="12192000" cy="6858000"/>
   <p:notesSz cx="6858000" cy="9144000"/>
@@ -119,32 +119,32 @@
   <p:extLst>
     <p:ext uri="{EFAFB233-063F-42B5-8137-9DF3F51BA10A}">
       <p15:sldGuideLst xmlns:p15="http://schemas.microsoft.com/office/powerpoint/2012/main">
-        <p15:guide id="1" orient="horz" pos="2160" userDrawn="1">
+        <p15:guide id="1" orient="horz" pos="2159" userDrawn="1">
           <p15:clr>
             <a:srgbClr val="A4A3A4"/>
           </p15:clr>
         </p15:guide>
-        <p15:guide id="2" pos="3837" userDrawn="1">
+        <p15:guide id="2" pos="3836" userDrawn="1">
           <p15:clr>
             <a:srgbClr val="A4A3A4"/>
           </p15:clr>
         </p15:guide>
-        <p15:guide id="3" pos="118" userDrawn="1">
+        <p15:guide id="3" pos="117" userDrawn="1">
           <p15:clr>
             <a:srgbClr val="A4A3A4"/>
           </p15:clr>
         </p15:guide>
-        <p15:guide id="4" orient="horz" pos="615" userDrawn="1">
+        <p15:guide id="4" orient="horz" pos="610" userDrawn="1">
           <p15:clr>
             <a:srgbClr val="A4A3A4"/>
           </p15:clr>
         </p15:guide>
-        <p15:guide id="5" pos="7559" userDrawn="1">
+        <p15:guide id="5" pos="7558" userDrawn="1">
           <p15:clr>
             <a:srgbClr val="A4A3A4"/>
           </p15:clr>
         </p15:guide>
-        <p15:guide id="6" orient="horz" pos="4042" userDrawn="1">
+        <p15:guide id="6" orient="horz" pos="4041" userDrawn="1">
           <p15:clr>
             <a:srgbClr val="A4A3A4"/>
           </p15:clr>
@@ -4153,7 +4153,7 @@
 </file>
 
 <file path=ppt/slides/slide10.xml><?xml version="1.0" encoding="utf-8"?>
-<p:sld xmlns:a="http://schemas.openxmlformats.org/drawingml/2006/main" xmlns:r="http://schemas.openxmlformats.org/officeDocument/2006/relationships" xmlns:p="http://schemas.openxmlformats.org/presentationml/2006/main">
+<p:sld xmlns:a="http://schemas.openxmlformats.org/drawingml/2006/main" xmlns:r="http://schemas.openxmlformats.org/officeDocument/2006/relationships" xmlns:p="http://schemas.openxmlformats.org/presentationml/2006/main" xmlns:p14="http://schemas.microsoft.com/office/powerpoint/2010/main">
   <p:cSld>
     <p:spTree>
       <p:nvGrpSpPr>
@@ -4209,7 +4209,7 @@
         </p:nvSpPr>
         <p:spPr>
           <a:xfrm flipH="1">
-            <a:off x="192088" y="305679"/>
+            <a:off x="192405" y="305435"/>
             <a:ext cx="3764915" cy="645795"/>
           </a:xfrm>
           <a:prstGeom prst="rect">
@@ -4252,8 +4252,8 @@
         </p:nvSpPr>
         <p:spPr>
           <a:xfrm>
-            <a:off x="192088" y="981075"/>
-            <a:ext cx="11807825" cy="364972"/>
+            <a:off x="192405" y="981075"/>
+            <a:ext cx="11807825" cy="365125"/>
           </a:xfrm>
           <a:prstGeom prst="rect">
             <a:avLst/>
@@ -4308,7 +4308,12 @@
             <p:ph type="sldNum" sz="quarter" idx="12"/>
           </p:nvPr>
         </p:nvSpPr>
-        <p:spPr/>
+        <p:spPr>
+          <a:xfrm>
+            <a:off x="8610600" y="6356350"/>
+            <a:ext cx="2743835" cy="365760"/>
+          </a:xfrm>
+        </p:spPr>
         <p:txBody>
           <a:bodyPr/>
           <a:lstStyle/>
@@ -4324,7 +4329,7 @@
       <p:sp>
         <p:nvSpPr>
           <p:cNvPr id="8" name="실행 단추: 문서 7">
-            <a:hlinkClick r:id="rId2" action="ppaction://hlinksldjump" highlightClick="1"/>
+            <a:hlinkClick r:id="rId3" action="ppaction://hlinksldjump"/>
             <a:extLst>
               <a:ext uri="{FF2B5EF4-FFF2-40B4-BE49-F238E27FC236}">
                 <a16:creationId xmlns:a16="http://schemas.microsoft.com/office/drawing/2014/main" id="{8D35763B-1845-4045-83E3-3478275AE03A}"/>
@@ -4336,8 +4341,8 @@
         </p:nvSpPr>
         <p:spPr>
           <a:xfrm>
-            <a:off x="11353800" y="6416674"/>
-            <a:ext cx="646113" cy="441325"/>
+            <a:off x="11353800" y="6416675"/>
+            <a:ext cx="646430" cy="441325"/>
           </a:xfrm>
           <a:prstGeom prst="actionButtonDocument">
             <a:avLst/>
@@ -4387,18 +4392,25 @@
   <p:clrMapOvr>
     <a:masterClrMapping/>
   </p:clrMapOvr>
-  <mc:AlternateContent xmlns:mc="http://schemas.openxmlformats.org/markup-compatibility/2006" xmlns:p159="http://schemas.microsoft.com/office/powerpoint/2015/09/main">
-    <mc:Choice Requires="p159">
+  <mc:AlternateContent xmlns:mc="http://schemas.openxmlformats.org/markup-compatibility/2006">
+    <mc:Choice xmlns:p159="http://schemas.microsoft.com/office/powerpoint/2015/09/main" Requires="p159">
       <p:transition xmlns:p14="http://schemas.microsoft.com/office/powerpoint/2010/main" spd="slow" p14:dur="2000">
         <p159:morph option="byObject"/>
       </p:transition>
     </mc:Choice>
-    <mc:Fallback xmlns="">
+    <mc:Fallback>
       <p:transition spd="slow">
         <p:fade/>
       </p:transition>
     </mc:Fallback>
   </mc:AlternateContent>
+  <p:timing>
+    <p:tnLst>
+      <p:par>
+        <p:cTn id="1" dur="indefinite" restart="never" nodeType="tmRoot"/>
+      </p:par>
+    </p:tnLst>
+  </p:timing>
 </p:sld>
 </file>
 
@@ -9638,7 +9650,7 @@
 </file>
 
 <file path=ppt/slides/slide8.xml><?xml version="1.0" encoding="utf-8"?>
-<p:sld xmlns:a="http://schemas.openxmlformats.org/drawingml/2006/main" xmlns:r="http://schemas.openxmlformats.org/officeDocument/2006/relationships" xmlns:p="http://schemas.openxmlformats.org/presentationml/2006/main">
+<p:sld xmlns:a="http://schemas.openxmlformats.org/drawingml/2006/main" xmlns:r="http://schemas.openxmlformats.org/officeDocument/2006/relationships" xmlns:p="http://schemas.openxmlformats.org/presentationml/2006/main" xmlns:p14="http://schemas.microsoft.com/office/powerpoint/2010/main">
   <p:cSld>
     <p:spTree>
       <p:nvGrpSpPr>
@@ -9661,13 +9673,11 @@
           <p:nvPr/>
         </p:nvCxnSpPr>
         <p:spPr>
-          <a:xfrm>
+          <a:xfrm rot="0">
             <a:off x="0" y="975360"/>
-            <a:ext cx="12192635" cy="635"/>
+            <a:ext cx="12193270" cy="1270"/>
           </a:xfrm>
-          <a:prstGeom prst="line">
-            <a:avLst/>
-          </a:prstGeom>
+          <a:prstGeom prst="line"/>
         </p:spPr>
         <p:style>
           <a:lnRef idx="1">
@@ -9741,27 +9751,15 @@
       </p:sp>
       <p:graphicFrame>
         <p:nvGraphicFramePr>
-          <p:cNvPr id="3" name="표 4">
-            <a:extLst>
-              <a:ext uri="{FF2B5EF4-FFF2-40B4-BE49-F238E27FC236}">
-                <a16:creationId xmlns:a16="http://schemas.microsoft.com/office/drawing/2014/main" id="{743970AC-39B9-4D0E-9693-107CC777F20C}"/>
-              </a:ext>
-            </a:extLst>
-          </p:cNvPr>
+          <p:cNvPr id="3" name="표 4"/>
           <p:cNvGraphicFramePr>
             <a:graphicFrameLocks noGrp="1"/>
           </p:cNvGraphicFramePr>
-          <p:nvPr>
-            <p:extLst>
-              <p:ext uri="{D42A27DB-BD31-4B8C-83A1-F6EECF244321}">
-                <p14:modId xmlns:p14="http://schemas.microsoft.com/office/powerpoint/2010/main" val="1684596623"/>
-              </p:ext>
-            </p:extLst>
-          </p:nvPr>
+          <p:nvPr/>
         </p:nvGraphicFramePr>
         <p:xfrm>
-          <a:off x="296131" y="1083061"/>
-          <a:ext cx="11590216" cy="3474720"/>
+          <a:off x="187325" y="1720215"/>
+          <a:ext cx="8272145" cy="3502660"/>
         </p:xfrm>
         <a:graphic>
           <a:graphicData uri="http://schemas.openxmlformats.org/drawingml/2006/table">
@@ -9770,710 +9768,615 @@
                 <a:tableStyleId>{5C22544A-7EE6-4342-B048-85BDC9FD1C3A}</a:tableStyleId>
               </a:tblPr>
               <a:tblGrid>
-                <a:gridCol w="1459271">
-                  <a:extLst>
-                    <a:ext uri="{9D8B030D-6E8A-4147-A177-3AD203B41FA5}">
-                      <a16:colId xmlns:a16="http://schemas.microsoft.com/office/drawing/2014/main" val="1962715034"/>
-                    </a:ext>
-                  </a:extLst>
-                </a:gridCol>
-                <a:gridCol w="10130945">
-                  <a:extLst>
-                    <a:ext uri="{9D8B030D-6E8A-4147-A177-3AD203B41FA5}">
-                      <a16:colId xmlns:a16="http://schemas.microsoft.com/office/drawing/2014/main" val="880432268"/>
-                    </a:ext>
-                  </a:extLst>
-                </a:gridCol>
+                <a:gridCol w="1459230"/>
+                <a:gridCol w="6812915"/>
               </a:tblGrid>
-              <a:tr h="233562">
+              <a:tr h="368300">
                 <a:tc gridSpan="2">
                   <a:txBody>
                     <a:bodyPr/>
                     <a:lstStyle/>
                     <a:p>
-                      <a:pPr latinLnBrk="1"/>
-                      <a:r>
-                        <a:rPr lang="ko-KR" altLang="en-US" dirty="0"/>
+                      <a:pPr marL="0" indent="0" latinLnBrk="1" lvl="1">
+                        <a:buFontTx/>
+                        <a:buNone/>
+                      </a:pPr>
+                      <a:r>
+                        <a:rPr lang="ko-KR" altLang="en-US" kern="1200" b="1">
+                          <a:solidFill>
+                            <a:srgbClr val="FFFFFF"/>
+                          </a:solidFill>
+                        </a:rPr>
                         <a:t>캐릭터 </a:t>
                       </a:r>
+                      <a:endParaRPr lang="ko-KR" altLang="en-US" kern="1200" b="1">
+                        <a:solidFill>
+                          <a:srgbClr val="FFFFFF"/>
+                        </a:solidFill>
+                      </a:endParaRPr>
                     </a:p>
                   </a:txBody>
-                  <a:tcPr/>
+                  <a:tcPr marL="91440" marR="91440" marT="45720" marB="45720" anchor="t"/>
                 </a:tc>
                 <a:tc hMerge="1">
                   <a:txBody>
                     <a:bodyPr/>
                     <a:lstStyle/>
                     <a:p>
-                      <a:pPr latinLnBrk="1"/>
-                      <a:endParaRPr lang="ko-KR" altLang="en-US" dirty="0"/>
+                      <a:pPr/>
+                      <a:endParaRPr lang="ko-KR" altLang="en-US" kern="1200"/>
                     </a:p>
                   </a:txBody>
-                  <a:tcPr/>
                 </a:tc>
-                <a:extLst>
-                  <a:ext uri="{0D108BD9-81ED-4DB2-BD59-A6C34878D82A}">
-                    <a16:rowId xmlns:a16="http://schemas.microsoft.com/office/drawing/2014/main" val="2016425741"/>
-                  </a:ext>
-                </a:extLst>
               </a:tr>
-              <a:tr h="408733">
+              <a:tr h="645160">
                 <a:tc>
                   <a:txBody>
                     <a:bodyPr/>
                     <a:lstStyle/>
                     <a:p>
-                      <a:pPr latinLnBrk="1"/>
-                      <a:r>
-                        <a:rPr lang="ko-KR" altLang="en-US" dirty="0"/>
+                      <a:pPr marL="0" indent="0" latinLnBrk="1" lvl="1">
+                        <a:buFontTx/>
+                        <a:buNone/>
+                      </a:pPr>
+                      <a:r>
+                        <a:rPr lang="ko-KR" altLang="en-US" kern="1200">
+                          <a:solidFill>
+                            <a:srgbClr val="000000"/>
+                          </a:solidFill>
+                        </a:rPr>
                         <a:t>이름</a:t>
                       </a:r>
-                      <a:endParaRPr lang="en-US" altLang="ko-KR" dirty="0"/>
+                      <a:endParaRPr lang="ko-KR" altLang="en-US" kern="1200">
+                        <a:solidFill>
+                          <a:srgbClr val="000000"/>
+                        </a:solidFill>
+                      </a:endParaRPr>
                     </a:p>
                     <a:p>
-                      <a:pPr latinLnBrk="1"/>
-                      <a:r>
-                        <a:rPr lang="en-US" altLang="ko-KR" dirty="0"/>
+                      <a:pPr marL="0" indent="0" latinLnBrk="1" lvl="1">
+                        <a:buFontTx/>
+                        <a:buNone/>
+                      </a:pPr>
+                      <a:r>
+                        <a:rPr lang="en-US" altLang="ko-KR" kern="1200">
+                          <a:solidFill>
+                            <a:srgbClr val="000000"/>
+                          </a:solidFill>
+                        </a:rPr>
                         <a:t>(</a:t>
                       </a:r>
                       <a:r>
-                        <a:rPr lang="ko-KR" altLang="en-US" dirty="0"/>
+                        <a:rPr lang="ko-KR" altLang="en-US" kern="1200">
+                          <a:solidFill>
+                            <a:srgbClr val="000000"/>
+                          </a:solidFill>
+                        </a:rPr>
                         <a:t>닉네임</a:t>
                       </a:r>
                       <a:r>
-                        <a:rPr lang="en-US" altLang="ko-KR" dirty="0"/>
+                        <a:rPr lang="en-US" altLang="ko-KR" kern="1200">
+                          <a:solidFill>
+                            <a:srgbClr val="000000"/>
+                          </a:solidFill>
+                        </a:rPr>
                         <a:t>)</a:t>
                       </a:r>
-                      <a:endParaRPr lang="ko-KR" altLang="en-US" dirty="0"/>
+                      <a:endParaRPr lang="ko-KR" altLang="en-US" kern="1200">
+                        <a:solidFill>
+                          <a:srgbClr val="000000"/>
+                        </a:solidFill>
+                      </a:endParaRPr>
                     </a:p>
                   </a:txBody>
-                  <a:tcPr anchor="ctr"/>
+                  <a:tcPr marL="91440" marR="91440" marT="45720" marB="45720" anchor="ctr"/>
                 </a:tc>
                 <a:tc>
                   <a:txBody>
                     <a:bodyPr/>
                     <a:lstStyle/>
                     <a:p>
-                      <a:pPr latinLnBrk="1"/>
-                      <a:r>
-                        <a:rPr lang="ko-KR" altLang="en-US" dirty="0"/>
+                      <a:pPr marL="0" indent="0" latinLnBrk="1" lvl="1">
+                        <a:buFontTx/>
+                        <a:buNone/>
+                      </a:pPr>
+                      <a:r>
+                        <a:rPr lang="ko-KR" altLang="en-US" kern="1200">
+                          <a:solidFill>
+                            <a:srgbClr val="000000"/>
+                          </a:solidFill>
+                        </a:rPr>
                         <a:t>플레이어 임의 설정</a:t>
                       </a:r>
-                      <a:endParaRPr lang="en-US" altLang="ko-KR" dirty="0"/>
+                      <a:endParaRPr lang="ko-KR" altLang="en-US" kern="1200">
+                        <a:solidFill>
+                          <a:srgbClr val="000000"/>
+                        </a:solidFill>
+                      </a:endParaRPr>
                     </a:p>
                     <a:p>
-                      <a:pPr latinLnBrk="1"/>
-                      <a:r>
-                        <a:rPr lang="ko-KR" altLang="en-US" dirty="0"/>
+                      <a:pPr marL="0" indent="0" latinLnBrk="1" lvl="1">
+                        <a:buFontTx/>
+                        <a:buNone/>
+                      </a:pPr>
+                      <a:r>
+                        <a:rPr lang="ko-KR" altLang="en-US" kern="1200">
+                          <a:solidFill>
+                            <a:srgbClr val="000000"/>
+                          </a:solidFill>
+                        </a:rPr>
                         <a:t>기본적으로 방랑자라고 불린다</a:t>
                       </a:r>
                       <a:r>
-                        <a:rPr lang="en-US" altLang="ko-KR" dirty="0"/>
+                        <a:rPr lang="en-US" altLang="ko-KR" kern="1200">
+                          <a:solidFill>
+                            <a:srgbClr val="000000"/>
+                          </a:solidFill>
+                        </a:rPr>
                         <a:t>.</a:t>
                       </a:r>
-                      <a:endParaRPr lang="ko-KR" altLang="en-US" dirty="0"/>
+                      <a:endParaRPr lang="ko-KR" altLang="en-US" kern="1200">
+                        <a:solidFill>
+                          <a:srgbClr val="000000"/>
+                        </a:solidFill>
+                      </a:endParaRPr>
                     </a:p>
                   </a:txBody>
-                  <a:tcPr anchor="ctr"/>
+                  <a:tcPr marL="91440" marR="91440" marT="45720" marB="45720" anchor="ctr"/>
                 </a:tc>
-                <a:extLst>
-                  <a:ext uri="{0D108BD9-81ED-4DB2-BD59-A6C34878D82A}">
-                    <a16:rowId xmlns:a16="http://schemas.microsoft.com/office/drawing/2014/main" val="2889335262"/>
-                  </a:ext>
-                </a:extLst>
               </a:tr>
-              <a:tr h="246363">
+              <a:tr h="645160">
                 <a:tc>
                   <a:txBody>
                     <a:bodyPr/>
                     <a:lstStyle/>
                     <a:p>
-                      <a:pPr latinLnBrk="1"/>
-                      <a:r>
-                        <a:rPr lang="ko-KR" altLang="en-US" dirty="0"/>
+                      <a:pPr marL="0" indent="0" latinLnBrk="1" lvl="1">
+                        <a:buFontTx/>
+                        <a:buNone/>
+                      </a:pPr>
+                      <a:r>
+                        <a:rPr lang="ko-KR" altLang="en-US" kern="1200">
+                          <a:solidFill>
+                            <a:srgbClr val="000000"/>
+                          </a:solidFill>
+                        </a:rPr>
                         <a:t>성격</a:t>
                       </a:r>
+                      <a:endParaRPr lang="ko-KR" altLang="en-US" kern="1200">
+                        <a:solidFill>
+                          <a:srgbClr val="000000"/>
+                        </a:solidFill>
+                      </a:endParaRPr>
                     </a:p>
                   </a:txBody>
-                  <a:tcPr anchor="ctr"/>
+                  <a:tcPr marL="91440" marR="91440" marT="45720" marB="45720" anchor="ctr"/>
                 </a:tc>
                 <a:tc>
                   <a:txBody>
                     <a:bodyPr/>
                     <a:lstStyle/>
                     <a:p>
-                      <a:pPr latinLnBrk="1"/>
-                      <a:r>
-                        <a:rPr lang="ko-KR" altLang="en-US" dirty="0"/>
-                        <a:t>전체적으로 냉정하지만 괴물에 대한 일이라면 </a:t>
-                      </a:r>
-                      <a:r>
-                        <a:rPr lang="ko-KR" altLang="en-US" dirty="0" err="1"/>
-                        <a:t>복수귀적</a:t>
-                      </a:r>
-                      <a:r>
-                        <a:rPr lang="ko-KR" altLang="en-US" dirty="0"/>
-                        <a:t> 면모를 보인다</a:t>
-                      </a:r>
-                      <a:r>
-                        <a:rPr lang="en-US" altLang="ko-KR" dirty="0"/>
+                      <a:pPr marL="0" indent="0" latinLnBrk="1" lvl="1">
+                        <a:buFontTx/>
+                        <a:buNone/>
+                      </a:pPr>
+                      <a:r>
+                        <a:rPr lang="ko-KR" altLang="en-US" kern="1200">
+                          <a:solidFill>
+                            <a:srgbClr val="000000"/>
+                          </a:solidFill>
+                        </a:rPr>
+                        <a:t>전체적으로 냉정</a:t>
+                      </a:r>
+                      <a:r>
+                        <a:rPr lang="ko-KR" altLang="en-US" kern="1200">
+                          <a:solidFill>
+                            <a:srgbClr val="000000"/>
+                          </a:solidFill>
+                        </a:rPr>
+                        <a:t> </a:t>
+                      </a:r>
+                      <a:r>
+                        <a:rPr lang="ko-KR" altLang="en-US" kern="1200">
+                          <a:solidFill>
+                            <a:srgbClr val="000000"/>
+                          </a:solidFill>
+                        </a:rPr>
+                        <a:t>하지만 괴물에 </a:t>
+                      </a:r>
+                      <a:r>
+                        <a:rPr lang="ko-KR" altLang="en-US" kern="1200">
+                          <a:solidFill>
+                            <a:srgbClr val="000000"/>
+                          </a:solidFill>
+                        </a:rPr>
+                        <a:t>관련된</a:t>
+                      </a:r>
+                      <a:r>
+                        <a:rPr lang="ko-KR" altLang="en-US" kern="1200">
+                          <a:solidFill>
+                            <a:srgbClr val="000000"/>
+                          </a:solidFill>
+                        </a:rPr>
+                        <a:t> </a:t>
+                      </a:r>
+                      <a:endParaRPr lang="ko-KR" altLang="en-US" kern="1200">
+                        <a:solidFill>
+                          <a:srgbClr val="000000"/>
+                        </a:solidFill>
+                      </a:endParaRPr>
+                    </a:p>
+                    <a:p>
+                      <a:pPr marL="0" indent="0" latinLnBrk="1" lvl="1">
+                        <a:buFontTx/>
+                        <a:buNone/>
+                      </a:pPr>
+                      <a:r>
+                        <a:rPr lang="ko-KR" altLang="en-US" kern="1200">
+                          <a:solidFill>
+                            <a:srgbClr val="000000"/>
+                          </a:solidFill>
+                        </a:rPr>
+                        <a:t>일에는</a:t>
+                      </a:r>
+                      <a:r>
+                        <a:rPr lang="ko-KR" altLang="en-US" kern="1200">
+                          <a:solidFill>
+                            <a:srgbClr val="000000"/>
+                          </a:solidFill>
+                        </a:rPr>
+                        <a:t> 복수귀적 면모를 보인다</a:t>
+                      </a:r>
+                      <a:r>
+                        <a:rPr lang="en-US" altLang="ko-KR" kern="1200">
+                          <a:solidFill>
+                            <a:srgbClr val="000000"/>
+                          </a:solidFill>
+                        </a:rPr>
                         <a:t>.</a:t>
                       </a:r>
+                      <a:endParaRPr lang="ko-KR" altLang="en-US" kern="1200">
+                        <a:solidFill>
+                          <a:srgbClr val="000000"/>
+                        </a:solidFill>
+                      </a:endParaRPr>
                     </a:p>
                   </a:txBody>
-                  <a:tcPr anchor="ctr"/>
+                  <a:tcPr marL="91440" marR="91440" marT="45720" marB="45720" anchor="ctr"/>
                 </a:tc>
-                <a:extLst>
-                  <a:ext uri="{0D108BD9-81ED-4DB2-BD59-A6C34878D82A}">
-                    <a16:rowId xmlns:a16="http://schemas.microsoft.com/office/drawing/2014/main" val="2348319481"/>
-                  </a:ext>
-                </a:extLst>
               </a:tr>
-              <a:tr h="233562">
+              <a:tr h="368300">
                 <a:tc>
                   <a:txBody>
                     <a:bodyPr/>
                     <a:lstStyle/>
                     <a:p>
-                      <a:pPr latinLnBrk="1"/>
-                      <a:r>
-                        <a:rPr lang="ko-KR" altLang="en-US" dirty="0"/>
+                      <a:pPr marL="0" indent="0" latinLnBrk="1" lvl="1">
+                        <a:buFontTx/>
+                        <a:buNone/>
+                      </a:pPr>
+                      <a:r>
+                        <a:rPr lang="ko-KR" altLang="en-US" kern="1200">
+                          <a:solidFill>
+                            <a:srgbClr val="000000"/>
+                          </a:solidFill>
+                        </a:rPr>
                         <a:t>배경</a:t>
                       </a:r>
+                      <a:endParaRPr lang="ko-KR" altLang="en-US" kern="1200">
+                        <a:solidFill>
+                          <a:srgbClr val="000000"/>
+                        </a:solidFill>
+                      </a:endParaRPr>
                     </a:p>
                   </a:txBody>
-                  <a:tcPr anchor="ctr"/>
+                  <a:tcPr marL="91440" marR="91440" marT="45720" marB="45720" anchor="ctr"/>
                 </a:tc>
                 <a:tc>
                   <a:txBody>
                     <a:bodyPr/>
                     <a:lstStyle/>
                     <a:p>
-                      <a:pPr latinLnBrk="1"/>
-                      <a:r>
-                        <a:rPr lang="ko-KR" altLang="en-US" dirty="0"/>
+                      <a:pPr marL="0" indent="0" latinLnBrk="1" lvl="1">
+                        <a:buFontTx/>
+                        <a:buNone/>
+                      </a:pPr>
+                      <a:r>
+                        <a:rPr lang="ko-KR" altLang="en-US" kern="1200">
+                          <a:solidFill>
+                            <a:srgbClr val="000000"/>
+                          </a:solidFill>
+                        </a:rPr>
                         <a:t>과거 괴물들로 인해 가족과 친구를 잃은 방랑자</a:t>
                       </a:r>
                       <a:r>
-                        <a:rPr lang="en-US" altLang="ko-KR" dirty="0"/>
+                        <a:rPr lang="en-US" altLang="ko-KR" kern="1200">
+                          <a:solidFill>
+                            <a:srgbClr val="000000"/>
+                          </a:solidFill>
+                        </a:rPr>
                         <a:t>.</a:t>
                       </a:r>
+                      <a:endParaRPr lang="ko-KR" altLang="en-US" kern="1200">
+                        <a:solidFill>
+                          <a:srgbClr val="000000"/>
+                        </a:solidFill>
+                      </a:endParaRPr>
                     </a:p>
                   </a:txBody>
-                  <a:tcPr anchor="ctr"/>
+                  <a:tcPr marL="91440" marR="91440" marT="45720" marB="45720" anchor="ctr"/>
                 </a:tc>
-                <a:extLst>
-                  <a:ext uri="{0D108BD9-81ED-4DB2-BD59-A6C34878D82A}">
-                    <a16:rowId xmlns:a16="http://schemas.microsoft.com/office/drawing/2014/main" val="3876907631"/>
-                  </a:ext>
-                </a:extLst>
               </a:tr>
-              <a:tr h="1109419">
+              <a:tr h="1475740">
                 <a:tc>
                   <a:txBody>
                     <a:bodyPr/>
                     <a:lstStyle/>
                     <a:p>
-                      <a:pPr latinLnBrk="1"/>
-                      <a:r>
-                        <a:rPr lang="ko-KR" altLang="en-US" dirty="0"/>
+                      <a:pPr marL="0" indent="0" latinLnBrk="1" lvl="1">
+                        <a:buFontTx/>
+                        <a:buNone/>
+                      </a:pPr>
+                      <a:r>
+                        <a:rPr lang="ko-KR" altLang="en-US" kern="1200">
+                          <a:solidFill>
+                            <a:srgbClr val="000000"/>
+                          </a:solidFill>
+                        </a:rPr>
                         <a:t>캐릭터 </a:t>
                       </a:r>
-                      <a:endParaRPr lang="en-US" altLang="ko-KR" dirty="0"/>
+                      <a:endParaRPr lang="ko-KR" altLang="en-US" kern="1200">
+                        <a:solidFill>
+                          <a:srgbClr val="000000"/>
+                        </a:solidFill>
+                      </a:endParaRPr>
                     </a:p>
                     <a:p>
-                      <a:pPr latinLnBrk="1"/>
-                      <a:r>
-                        <a:rPr lang="ko-KR" altLang="en-US" dirty="0"/>
+                      <a:pPr marL="0" indent="0" latinLnBrk="1" lvl="1">
+                        <a:buFontTx/>
+                        <a:buNone/>
+                      </a:pPr>
+                      <a:r>
+                        <a:rPr lang="ko-KR" altLang="en-US" kern="1200">
+                          <a:solidFill>
+                            <a:srgbClr val="000000"/>
+                          </a:solidFill>
+                        </a:rPr>
                         <a:t>규칙</a:t>
                       </a:r>
-                      <a:endParaRPr lang="en-US" altLang="ko-KR" dirty="0"/>
+                      <a:endParaRPr lang="ko-KR" altLang="en-US" kern="1200">
+                        <a:solidFill>
+                          <a:srgbClr val="000000"/>
+                        </a:solidFill>
+                      </a:endParaRPr>
                     </a:p>
                   </a:txBody>
-                  <a:tcPr anchor="ctr"/>
+                  <a:tcPr marL="91440" marR="91440" marT="45720" marB="45720" anchor="ctr"/>
                 </a:tc>
                 <a:tc>
                   <a:txBody>
                     <a:bodyPr/>
                     <a:lstStyle/>
                     <a:p>
-                      <a:pPr latinLnBrk="1"/>
-                      <a:r>
-                        <a:rPr lang="ko-KR" altLang="en-US" dirty="0"/>
+                      <a:pPr marL="0" indent="0" latinLnBrk="1" lvl="1">
+                        <a:buFontTx/>
+                        <a:buNone/>
+                      </a:pPr>
+                      <a:r>
+                        <a:rPr lang="ko-KR" altLang="en-US" kern="1200">
+                          <a:solidFill>
+                            <a:srgbClr val="000000"/>
+                          </a:solidFill>
+                        </a:rPr>
                         <a:t>캐릭터 생성시 플레이어의 선택의 따라 성별이 바뀜</a:t>
                       </a:r>
                       <a:r>
-                        <a:rPr lang="en-US" altLang="ko-KR" dirty="0"/>
+                        <a:rPr lang="en-US" altLang="ko-KR" kern="1200">
+                          <a:solidFill>
+                            <a:srgbClr val="000000"/>
+                          </a:solidFill>
+                        </a:rPr>
                         <a:t>.</a:t>
                       </a:r>
+                      <a:endParaRPr lang="ko-KR" altLang="en-US" kern="1200">
+                        <a:solidFill>
+                          <a:srgbClr val="000000"/>
+                        </a:solidFill>
+                      </a:endParaRPr>
                     </a:p>
                     <a:p>
-                      <a:pPr latinLnBrk="1"/>
-                      <a:r>
-                        <a:rPr lang="ko-KR" altLang="en-US" dirty="0"/>
-                        <a:t>최초 생성시 낡은 단도 </a:t>
-                      </a:r>
-                      <a:r>
-                        <a:rPr lang="en-US" altLang="ko-KR" dirty="0"/>
-                        <a:t>1</a:t>
-                      </a:r>
-                      <a:r>
-                        <a:rPr lang="ko-KR" altLang="en-US" dirty="0"/>
-                        <a:t>자루와 나무로 대충 만든 활 </a:t>
-                      </a:r>
-                      <a:r>
-                        <a:rPr lang="en-US" altLang="ko-KR" dirty="0"/>
-                        <a:t>1</a:t>
-                      </a:r>
-                      <a:r>
-                        <a:rPr lang="ko-KR" altLang="en-US" dirty="0"/>
-                        <a:t>개를 사용</a:t>
-                      </a:r>
-                      <a:r>
-                        <a:rPr lang="en-US" altLang="ko-KR" dirty="0"/>
-                        <a:t>.</a:t>
-                      </a:r>
+                      <a:pPr marL="0" indent="0" latinLnBrk="1" lvl="1">
+                        <a:buFontTx/>
+                        <a:buNone/>
+                      </a:pPr>
+                      <a:r>
+                        <a:rPr lang="ko-KR" altLang="en-US" kern="1200">
+                          <a:solidFill>
+                            <a:srgbClr val="000000"/>
+                          </a:solidFill>
+                        </a:rPr>
+                        <a:t>다양한 무기를 사용</a:t>
+                      </a:r>
+                      <a:r>
+                        <a:rPr lang="ko-KR" altLang="en-US" kern="1200">
+                          <a:solidFill>
+                            <a:srgbClr val="000000"/>
+                          </a:solidFill>
+                        </a:rPr>
+                        <a:t>할 수 있다. </a:t>
+                      </a:r>
+                      <a:endParaRPr lang="ko-KR" altLang="en-US" kern="1200">
+                        <a:solidFill>
+                          <a:srgbClr val="000000"/>
+                        </a:solidFill>
+                      </a:endParaRPr>
                     </a:p>
                     <a:p>
-                      <a:pPr latinLnBrk="1"/>
-                      <a:r>
-                        <a:rPr lang="ko-KR" altLang="en-US" dirty="0"/>
-                        <a:t>현재 가지고 있는 무기가 저것 밖에 없기에 사용하는 것으로 기본적으로 다양한 무기를 사용한다</a:t>
-                      </a:r>
-                      <a:r>
-                        <a:rPr lang="en-US" altLang="ko-KR" dirty="0"/>
+                      <a:pPr marL="0" indent="0" latinLnBrk="1" lvl="1">
+                        <a:buFontTx/>
+                        <a:buNone/>
+                      </a:pPr>
+                      <a:r>
+                        <a:rPr lang="ko-KR" altLang="en-US" kern="1200">
+                          <a:solidFill>
+                            <a:srgbClr val="000000"/>
+                          </a:solidFill>
+                        </a:rPr>
+                        <a:t>최초 생성시 낡은 단도 </a:t>
+                      </a:r>
+                      <a:r>
+                        <a:rPr lang="en-US" altLang="ko-KR" kern="1200">
+                          <a:solidFill>
+                            <a:srgbClr val="000000"/>
+                          </a:solidFill>
+                        </a:rPr>
+                        <a:t>1</a:t>
+                      </a:r>
+                      <a:r>
+                        <a:rPr lang="ko-KR" altLang="en-US" kern="1200">
+                          <a:solidFill>
+                            <a:srgbClr val="000000"/>
+                          </a:solidFill>
+                        </a:rPr>
+                        <a:t>자루와 나무로 대충 만든 활 </a:t>
+                      </a:r>
+                      <a:r>
+                        <a:rPr lang="en-US" altLang="ko-KR" kern="1200">
+                          <a:solidFill>
+                            <a:srgbClr val="000000"/>
+                          </a:solidFill>
+                        </a:rPr>
+                        <a:t>1</a:t>
+                      </a:r>
+                      <a:r>
+                        <a:rPr lang="ko-KR" altLang="en-US" kern="1200">
+                          <a:solidFill>
+                            <a:srgbClr val="000000"/>
+                          </a:solidFill>
+                        </a:rPr>
+                        <a:t>개를 사용</a:t>
+                      </a:r>
+                      <a:r>
+                        <a:rPr lang="en-US" altLang="ko-KR" kern="1200">
+                          <a:solidFill>
+                            <a:srgbClr val="000000"/>
+                          </a:solidFill>
+                        </a:rPr>
                         <a:t>.</a:t>
                       </a:r>
+                      <a:endParaRPr lang="ko-KR" altLang="en-US" kern="1200">
+                        <a:solidFill>
+                          <a:srgbClr val="000000"/>
+                        </a:solidFill>
+                      </a:endParaRPr>
                     </a:p>
                     <a:p>
-                      <a:pPr latinLnBrk="1"/>
-                      <a:r>
-                        <a:rPr lang="ko-KR" altLang="en-US" dirty="0"/>
-                        <a:t>하지만 사용하는 무기의 대한 숙련도가 없는 무기를 사용할 경우 몽둥이처럼 사용한다</a:t>
-                      </a:r>
-                      <a:r>
-                        <a:rPr lang="en-US" altLang="ko-KR" dirty="0"/>
-                        <a:t>.</a:t>
-                      </a:r>
+                      <a:pPr marL="0" indent="0" latinLnBrk="1" lvl="1">
+                        <a:buFontTx/>
+                        <a:buNone/>
+                      </a:pPr>
+                      <a:r>
+                        <a:rPr lang="ko-KR" altLang="ko-KR" kern="1200">
+                          <a:solidFill>
+                            <a:srgbClr val="000000"/>
+                          </a:solidFill>
+                        </a:rPr>
+                        <a:t>숙련도가 없는 무기 사용 시 어설픈 동작으로 사용.</a:t>
+                      </a:r>
+                      <a:endParaRPr lang="ko-KR" altLang="en-US" kern="1200">
+                        <a:solidFill>
+                          <a:srgbClr val="000000"/>
+                        </a:solidFill>
+                      </a:endParaRPr>
                     </a:p>
                     <a:p>
-                      <a:pPr latinLnBrk="1"/>
-                      <a:r>
-                        <a:rPr lang="ko-KR" altLang="en-US" dirty="0"/>
-                        <a:t>후에 토벌단이나 무림 세력과 같은 곳에서 배우는 것으로 무기에 대한 </a:t>
-                      </a:r>
-                      <a:r>
-                        <a:rPr lang="ko-KR" altLang="en-US" dirty="0" err="1"/>
-                        <a:t>숙력도를</a:t>
-                      </a:r>
-                      <a:r>
-                        <a:rPr lang="ko-KR" altLang="en-US" dirty="0"/>
-                        <a:t> 높이고 능숙하게 사용할 수 있다</a:t>
-                      </a:r>
-                      <a:r>
-                        <a:rPr lang="en-US" altLang="ko-KR" dirty="0"/>
-                        <a:t>.</a:t>
-                      </a:r>
+                      <a:pPr marL="0" indent="0" latinLnBrk="1" lvl="1">
+                        <a:buFontTx/>
+                        <a:buNone/>
+                      </a:pPr>
+                      <a:r>
+                        <a:rPr lang="ko-KR" altLang="ko-KR" kern="1200">
+                          <a:solidFill>
+                            <a:srgbClr val="000000"/>
+                          </a:solidFill>
+                        </a:rPr>
+                        <a:t>무기술 수련을 하는 것으로 무기 숙련도 상승 가능. </a:t>
+                      </a:r>
+                      <a:endParaRPr lang="ko-KR" altLang="en-US" kern="1200">
+                        <a:solidFill>
+                          <a:srgbClr val="000000"/>
+                        </a:solidFill>
+                      </a:endParaRPr>
                     </a:p>
                   </a:txBody>
-                  <a:tcPr anchor="ctr"/>
+                  <a:tcPr marL="91440" marR="91440" marT="45720" marB="45720" anchor="ctr"/>
                 </a:tc>
-                <a:extLst>
-                  <a:ext uri="{0D108BD9-81ED-4DB2-BD59-A6C34878D82A}">
-                    <a16:rowId xmlns:a16="http://schemas.microsoft.com/office/drawing/2014/main" val="2151351800"/>
-                  </a:ext>
-                </a:extLst>
               </a:tr>
             </a:tbl>
           </a:graphicData>
         </a:graphic>
       </p:graphicFrame>
-      <p:graphicFrame>
-        <p:nvGraphicFramePr>
-          <p:cNvPr id="17" name="표 17">
+      <p:pic>
+        <p:nvPicPr>
+          <p:cNvPr id="7" name="그림 11" descr="C:/Users/yhgki/AppData/Roaming/PolarisOffice/ETemp/39384_16957640/image2.png"/>
+          <p:cNvPicPr>
+            <a:picLocks noChangeAspect="1"/>
+          </p:cNvPicPr>
+          <p:nvPr/>
+        </p:nvPicPr>
+        <p:blipFill rotWithShape="1">
+          <a:blip r:embed="rId1" cstate="hqprint">
             <a:extLst>
-              <a:ext uri="{FF2B5EF4-FFF2-40B4-BE49-F238E27FC236}">
-                <a16:creationId xmlns:a16="http://schemas.microsoft.com/office/drawing/2014/main" id="{CC95AB7B-3CB1-4BF8-BFF2-3B13C6CE8EED}"/>
+              <a:ext uri="{28A0092B-C50C-407E-A947-70E740481C1C}">
+                <a14:useLocalDpi xmlns:a14="http://schemas.microsoft.com/office/drawing/2010/main"/>
               </a:ext>
             </a:extLst>
-          </p:cNvPr>
-          <p:cNvGraphicFramePr>
-            <a:graphicFrameLocks noGrp="1"/>
-          </p:cNvGraphicFramePr>
-          <p:nvPr>
-            <p:extLst>
-              <p:ext uri="{D42A27DB-BD31-4B8C-83A1-F6EECF244321}">
-                <p14:modId xmlns:p14="http://schemas.microsoft.com/office/powerpoint/2010/main" val="3531760001"/>
-              </p:ext>
-            </p:extLst>
-          </p:nvPr>
-        </p:nvGraphicFramePr>
-        <p:xfrm>
-          <a:off x="192405" y="2406617"/>
-          <a:ext cx="12000522" cy="2489200"/>
-        </p:xfrm>
-        <a:graphic>
-          <a:graphicData uri="http://schemas.openxmlformats.org/drawingml/2006/table">
-            <a:tbl>
-              <a:tblPr firstRow="1" bandRow="1">
-                <a:tableStyleId>{5C22544A-7EE6-4342-B048-85BDC9FD1C3A}</a:tableStyleId>
-              </a:tblPr>
-              <a:tblGrid>
-                <a:gridCol w="974969">
-                  <a:extLst>
-                    <a:ext uri="{9D8B030D-6E8A-4147-A177-3AD203B41FA5}">
-                      <a16:colId xmlns:a16="http://schemas.microsoft.com/office/drawing/2014/main" val="598891867"/>
-                    </a:ext>
-                  </a:extLst>
-                </a:gridCol>
-                <a:gridCol w="7754815">
-                  <a:extLst>
-                    <a:ext uri="{9D8B030D-6E8A-4147-A177-3AD203B41FA5}">
-                      <a16:colId xmlns:a16="http://schemas.microsoft.com/office/drawing/2014/main" val="2975222413"/>
-                    </a:ext>
-                  </a:extLst>
-                </a:gridCol>
-                <a:gridCol w="3270738">
-                  <a:extLst>
-                    <a:ext uri="{9D8B030D-6E8A-4147-A177-3AD203B41FA5}">
-                      <a16:colId xmlns:a16="http://schemas.microsoft.com/office/drawing/2014/main" val="2551591265"/>
-                    </a:ext>
-                  </a:extLst>
-                </a:gridCol>
-              </a:tblGrid>
-              <a:tr h="166011">
-                <a:tc gridSpan="2">
-                  <a:txBody>
-                    <a:bodyPr/>
-                    <a:lstStyle/>
-                    <a:p>
-                      <a:pPr latinLnBrk="1"/>
-                      <a:r>
-                        <a:rPr lang="ko-KR" altLang="en-US" dirty="0"/>
-                        <a:t>능력치</a:t>
-                      </a:r>
-                    </a:p>
-                  </a:txBody>
-                  <a:tcPr/>
-                </a:tc>
-                <a:tc hMerge="1">
-                  <a:txBody>
-                    <a:bodyPr/>
-                    <a:lstStyle/>
-                    <a:p>
-                      <a:pPr latinLnBrk="1"/>
-                      <a:endParaRPr lang="ko-KR" altLang="en-US" dirty="0"/>
-                    </a:p>
-                  </a:txBody>
-                  <a:tcPr/>
-                </a:tc>
-                <a:tc>
-                  <a:txBody>
-                    <a:bodyPr/>
-                    <a:lstStyle/>
-                    <a:p>
-                      <a:pPr latinLnBrk="1"/>
-                      <a:r>
-                        <a:rPr lang="ko-KR" altLang="en-US" dirty="0"/>
-                        <a:t>기본 값</a:t>
-                      </a:r>
-                    </a:p>
-                  </a:txBody>
-                  <a:tcPr/>
-                </a:tc>
-                <a:extLst>
-                  <a:ext uri="{0D108BD9-81ED-4DB2-BD59-A6C34878D82A}">
-                    <a16:rowId xmlns:a16="http://schemas.microsoft.com/office/drawing/2014/main" val="2225188959"/>
-                  </a:ext>
-                </a:extLst>
-              </a:tr>
-              <a:tr h="370840">
-                <a:tc>
-                  <a:txBody>
-                    <a:bodyPr/>
-                    <a:lstStyle/>
-                    <a:p>
-                      <a:pPr latinLnBrk="1"/>
-                      <a:r>
-                        <a:rPr lang="ko-KR" altLang="en-US" dirty="0"/>
-                        <a:t>체력</a:t>
-                      </a:r>
-                    </a:p>
-                  </a:txBody>
-                  <a:tcPr/>
-                </a:tc>
-                <a:tc>
-                  <a:txBody>
-                    <a:bodyPr/>
-                    <a:lstStyle/>
-                    <a:p>
-                      <a:pPr latinLnBrk="1"/>
-                      <a:r>
-                        <a:rPr lang="ko-KR" altLang="en-US" dirty="0"/>
-                        <a:t>캐릭터의 생존에 대한 자원이다</a:t>
-                      </a:r>
-                      <a:r>
-                        <a:rPr lang="en-US" altLang="ko-KR" dirty="0"/>
-                        <a:t>.</a:t>
-                      </a:r>
-                      <a:r>
-                        <a:rPr lang="ko-KR" altLang="en-US" dirty="0"/>
-                        <a:t> 해당 수치가 </a:t>
-                      </a:r>
-                      <a:r>
-                        <a:rPr lang="en-US" altLang="ko-KR" dirty="0"/>
-                        <a:t>0</a:t>
-                      </a:r>
-                      <a:r>
-                        <a:rPr lang="ko-KR" altLang="en-US" dirty="0"/>
-                        <a:t>일 될 경우 사망한다</a:t>
-                      </a:r>
-                      <a:r>
-                        <a:rPr lang="en-US" altLang="ko-KR" dirty="0"/>
-                        <a:t>. </a:t>
-                      </a:r>
-                      <a:endParaRPr lang="ko-KR" altLang="en-US" dirty="0"/>
-                    </a:p>
-                  </a:txBody>
-                  <a:tcPr/>
-                </a:tc>
-                <a:tc>
-                  <a:txBody>
-                    <a:bodyPr/>
-                    <a:lstStyle/>
-                    <a:p>
-                      <a:pPr latinLnBrk="1"/>
-                      <a:r>
-                        <a:rPr lang="en-US" altLang="ko-KR" dirty="0"/>
-                        <a:t>100</a:t>
-                      </a:r>
-                      <a:endParaRPr lang="ko-KR" altLang="en-US" dirty="0"/>
-                    </a:p>
-                  </a:txBody>
-                  <a:tcPr/>
-                </a:tc>
-                <a:extLst>
-                  <a:ext uri="{0D108BD9-81ED-4DB2-BD59-A6C34878D82A}">
-                    <a16:rowId xmlns:a16="http://schemas.microsoft.com/office/drawing/2014/main" val="1487907184"/>
-                  </a:ext>
-                </a:extLst>
-              </a:tr>
-              <a:tr h="370840">
-                <a:tc>
-                  <a:txBody>
-                    <a:bodyPr/>
-                    <a:lstStyle/>
-                    <a:p>
-                      <a:pPr latinLnBrk="1"/>
-                      <a:r>
-                        <a:rPr lang="ko-KR" altLang="en-US" dirty="0"/>
-                        <a:t>지구력</a:t>
-                      </a:r>
-                    </a:p>
-                  </a:txBody>
-                  <a:tcPr/>
-                </a:tc>
-                <a:tc>
-                  <a:txBody>
-                    <a:bodyPr/>
-                    <a:lstStyle/>
-                    <a:p>
-                      <a:pPr latinLnBrk="1"/>
-                      <a:r>
-                        <a:rPr lang="ko-KR" altLang="en-US" dirty="0"/>
-                        <a:t>공격 및 달리기</a:t>
-                      </a:r>
-                      <a:r>
-                        <a:rPr lang="en-US" altLang="ko-KR" dirty="0"/>
-                        <a:t>, </a:t>
-                      </a:r>
-                      <a:r>
-                        <a:rPr lang="ko-KR" altLang="en-US" dirty="0"/>
-                        <a:t>구르기 등의 동작에 사용되는 자원이다</a:t>
-                      </a:r>
-                      <a:r>
-                        <a:rPr lang="en-US" altLang="ko-KR" dirty="0"/>
-                        <a:t>.</a:t>
-                      </a:r>
-                      <a:r>
-                        <a:rPr lang="ko-KR" altLang="en-US" dirty="0"/>
-                        <a:t> </a:t>
-                      </a:r>
-                      <a:endParaRPr lang="en-US" altLang="ko-KR" dirty="0"/>
-                    </a:p>
-                    <a:p>
-                      <a:pPr latinLnBrk="1"/>
-                      <a:r>
-                        <a:rPr lang="ko-KR" altLang="en-US" dirty="0"/>
-                        <a:t>해당 수치가 </a:t>
-                      </a:r>
-                      <a:r>
-                        <a:rPr lang="en-US" altLang="ko-KR" dirty="0"/>
-                        <a:t>0</a:t>
-                      </a:r>
-                      <a:r>
-                        <a:rPr lang="ko-KR" altLang="en-US" dirty="0"/>
-                        <a:t>일 될 경우 행동에 제한이 걸린다</a:t>
-                      </a:r>
-                      <a:r>
-                        <a:rPr lang="en-US" altLang="ko-KR" dirty="0"/>
-                        <a:t>.</a:t>
-                      </a:r>
-                      <a:endParaRPr lang="ko-KR" altLang="en-US" dirty="0"/>
-                    </a:p>
-                  </a:txBody>
-                  <a:tcPr/>
-                </a:tc>
-                <a:tc>
-                  <a:txBody>
-                    <a:bodyPr/>
-                    <a:lstStyle/>
-                    <a:p>
-                      <a:pPr latinLnBrk="1"/>
-                      <a:endParaRPr lang="ko-KR" altLang="en-US" dirty="0"/>
-                    </a:p>
-                  </a:txBody>
-                  <a:tcPr/>
-                </a:tc>
-                <a:extLst>
-                  <a:ext uri="{0D108BD9-81ED-4DB2-BD59-A6C34878D82A}">
-                    <a16:rowId xmlns:a16="http://schemas.microsoft.com/office/drawing/2014/main" val="3998140633"/>
-                  </a:ext>
-                </a:extLst>
-              </a:tr>
-              <a:tr h="370840">
-                <a:tc>
-                  <a:txBody>
-                    <a:bodyPr/>
-                    <a:lstStyle/>
-                    <a:p>
-                      <a:pPr latinLnBrk="1"/>
-                      <a:r>
-                        <a:rPr lang="ko-KR" altLang="en-US" dirty="0"/>
-                        <a:t>공격력</a:t>
-                      </a:r>
-                    </a:p>
-                  </a:txBody>
-                  <a:tcPr/>
-                </a:tc>
-                <a:tc>
-                  <a:txBody>
-                    <a:bodyPr/>
-                    <a:lstStyle/>
-                    <a:p>
-                      <a:pPr latinLnBrk="1"/>
-                      <a:endParaRPr lang="ko-KR" altLang="en-US" dirty="0"/>
-                    </a:p>
-                  </a:txBody>
-                  <a:tcPr/>
-                </a:tc>
-                <a:tc>
-                  <a:txBody>
-                    <a:bodyPr/>
-                    <a:lstStyle/>
-                    <a:p>
-                      <a:pPr latinLnBrk="1"/>
-                      <a:endParaRPr lang="ko-KR" altLang="en-US" dirty="0"/>
-                    </a:p>
-                  </a:txBody>
-                  <a:tcPr/>
-                </a:tc>
-                <a:extLst>
-                  <a:ext uri="{0D108BD9-81ED-4DB2-BD59-A6C34878D82A}">
-                    <a16:rowId xmlns:a16="http://schemas.microsoft.com/office/drawing/2014/main" val="4294289520"/>
-                  </a:ext>
-                </a:extLst>
-              </a:tr>
-              <a:tr h="370840">
-                <a:tc>
-                  <a:txBody>
-                    <a:bodyPr/>
-                    <a:lstStyle/>
-                    <a:p>
-                      <a:pPr latinLnBrk="1"/>
-                      <a:r>
-                        <a:rPr lang="ko-KR" altLang="en-US" dirty="0"/>
-                        <a:t>방어력</a:t>
-                      </a:r>
-                    </a:p>
-                  </a:txBody>
-                  <a:tcPr/>
-                </a:tc>
-                <a:tc>
-                  <a:txBody>
-                    <a:bodyPr/>
-                    <a:lstStyle/>
-                    <a:p>
-                      <a:pPr latinLnBrk="1"/>
-                      <a:endParaRPr lang="ko-KR" altLang="en-US" dirty="0"/>
-                    </a:p>
-                  </a:txBody>
-                  <a:tcPr/>
-                </a:tc>
-                <a:tc>
-                  <a:txBody>
-                    <a:bodyPr/>
-                    <a:lstStyle/>
-                    <a:p>
-                      <a:pPr latinLnBrk="1"/>
-                      <a:endParaRPr lang="ko-KR" altLang="en-US" dirty="0"/>
-                    </a:p>
-                  </a:txBody>
-                  <a:tcPr/>
-                </a:tc>
-                <a:extLst>
-                  <a:ext uri="{0D108BD9-81ED-4DB2-BD59-A6C34878D82A}">
-                    <a16:rowId xmlns:a16="http://schemas.microsoft.com/office/drawing/2014/main" val="2990443684"/>
-                  </a:ext>
-                </a:extLst>
-              </a:tr>
-              <a:tr h="370840">
-                <a:tc>
-                  <a:txBody>
-                    <a:bodyPr/>
-                    <a:lstStyle/>
-                    <a:p>
-                      <a:pPr latinLnBrk="1"/>
-                      <a:r>
-                        <a:rPr lang="ko-KR" altLang="en-US" dirty="0"/>
-                        <a:t>내공</a:t>
-                      </a:r>
-                    </a:p>
-                  </a:txBody>
-                  <a:tcPr/>
-                </a:tc>
-                <a:tc>
-                  <a:txBody>
-                    <a:bodyPr/>
-                    <a:lstStyle/>
-                    <a:p>
-                      <a:pPr latinLnBrk="1"/>
-                      <a:endParaRPr lang="ko-KR" altLang="en-US" dirty="0"/>
-                    </a:p>
-                  </a:txBody>
-                  <a:tcPr/>
-                </a:tc>
-                <a:tc>
-                  <a:txBody>
-                    <a:bodyPr/>
-                    <a:lstStyle/>
-                    <a:p>
-                      <a:pPr latinLnBrk="1"/>
-                      <a:endParaRPr lang="ko-KR" altLang="en-US" dirty="0"/>
-                    </a:p>
-                  </a:txBody>
-                  <a:tcPr/>
-                </a:tc>
-                <a:extLst>
-                  <a:ext uri="{0D108BD9-81ED-4DB2-BD59-A6C34878D82A}">
-                    <a16:rowId xmlns:a16="http://schemas.microsoft.com/office/drawing/2014/main" val="3521697989"/>
-                  </a:ext>
-                </a:extLst>
-              </a:tr>
-            </a:tbl>
-          </a:graphicData>
-        </a:graphic>
-      </p:graphicFrame>
+          </a:blip>
+          <a:srcRect l="4605" r="20814"/>
+          <a:stretch>
+            <a:fillRect/>
+          </a:stretch>
+        </p:blipFill>
+        <p:spPr>
+          <a:xfrm rot="0">
+            <a:off x="8526780" y="1717040"/>
+            <a:ext cx="1861820" cy="3506470"/>
+          </a:xfrm>
+          <a:prstGeom prst="rect"/>
+          <a:noFill/>
+        </p:spPr>
+      </p:pic>
+      <p:pic>
+        <p:nvPicPr>
+          <p:cNvPr id="8" name="그림 12" descr="C:/Users/yhgki/AppData/Roaming/PolarisOffice/ETemp/39384_16957640/image3.jpeg"/>
+          <p:cNvPicPr>
+            <a:picLocks noChangeAspect="1"/>
+          </p:cNvPicPr>
+          <p:nvPr/>
+        </p:nvPicPr>
+        <p:blipFill rotWithShape="1">
+          <a:blip r:embed="rId2" cstate="hqprint">
+            <a:extLst>
+              <a:ext uri="{28A0092B-C50C-407E-A947-70E740481C1C}">
+                <a14:useLocalDpi xmlns:a14="http://schemas.microsoft.com/office/drawing/2010/main"/>
+              </a:ext>
+            </a:extLst>
+          </a:blip>
+          <a:srcRect r="40264"/>
+          <a:stretch>
+            <a:fillRect/>
+          </a:stretch>
+        </p:blipFill>
+        <p:spPr>
+          <a:xfrm rot="0">
+            <a:off x="10463530" y="1700530"/>
+            <a:ext cx="1492885" cy="3498215"/>
+          </a:xfrm>
+          <a:prstGeom prst="rect"/>
+          <a:noFill/>
+        </p:spPr>
+      </p:pic>
     </p:spTree>
     <p:extLst>
       <p:ext uri="{BB962C8B-B14F-4D97-AF65-F5344CB8AC3E}">
@@ -10484,23 +10387,30 @@
   <p:clrMapOvr>
     <a:masterClrMapping/>
   </p:clrMapOvr>
-  <mc:AlternateContent xmlns:mc="http://schemas.openxmlformats.org/markup-compatibility/2006" xmlns:p159="http://schemas.microsoft.com/office/powerpoint/2015/09/main">
-    <mc:Choice Requires="p159">
+  <mc:AlternateContent xmlns:mc="http://schemas.openxmlformats.org/markup-compatibility/2006">
+    <mc:Choice xmlns:p159="http://schemas.microsoft.com/office/powerpoint/2015/09/main" Requires="p159">
       <p:transition xmlns:p14="http://schemas.microsoft.com/office/powerpoint/2010/main" spd="slow" p14:dur="2000">
         <p159:morph option="byObject"/>
       </p:transition>
     </mc:Choice>
-    <mc:Fallback xmlns:p14="http://schemas.microsoft.com/office/powerpoint/2010/main" xmlns="">
+    <mc:Fallback>
       <p:transition spd="slow">
         <p:fade/>
       </p:transition>
     </mc:Fallback>
   </mc:AlternateContent>
+  <p:timing>
+    <p:tnLst>
+      <p:par>
+        <p:cTn id="1" dur="indefinite" restart="never" nodeType="tmRoot"/>
+      </p:par>
+    </p:tnLst>
+  </p:timing>
 </p:sld>
 </file>
 
 <file path=ppt/slides/slide9.xml><?xml version="1.0" encoding="utf-8"?>
-<p:sld xmlns:a="http://schemas.openxmlformats.org/drawingml/2006/main" xmlns:r="http://schemas.openxmlformats.org/officeDocument/2006/relationships" xmlns:p="http://schemas.openxmlformats.org/presentationml/2006/main">
+<p:sld xmlns:a="http://schemas.openxmlformats.org/drawingml/2006/main" xmlns:r="http://schemas.openxmlformats.org/officeDocument/2006/relationships" xmlns:p="http://schemas.openxmlformats.org/presentationml/2006/main" xmlns:p14="http://schemas.microsoft.com/office/powerpoint/2010/main">
   <p:cSld>
     <p:spTree>
       <p:nvGrpSpPr>
@@ -10596,7 +10506,7 @@
       <p:sp>
         <p:nvSpPr>
           <p:cNvPr id="8" name="실행 단추: 문서 7">
-            <a:hlinkClick r:id="rId2" action="ppaction://hlinksldjump"/>
+            <a:hlinkClick r:id="rId5" action="ppaction://hlinksldjump"/>
             <a:extLst>
               <a:ext uri="{FF2B5EF4-FFF2-40B4-BE49-F238E27FC236}">
                 <a16:creationId xmlns:a16="http://schemas.microsoft.com/office/drawing/2014/main" id="{B5112F00-038E-45A9-9EF4-2253F2E230F8}"/>
@@ -10789,7 +10699,7 @@
       <p:sp>
         <p:nvSpPr>
           <p:cNvPr id="10" name="실행 단추: 문서 9">
-            <a:hlinkClick r:id="rId2" action="ppaction://hlinksldjump"/>
+            <a:hlinkClick r:id="rId6" action="ppaction://hlinksldjump"/>
             <a:extLst>
               <a:ext uri="{FF2B5EF4-FFF2-40B4-BE49-F238E27FC236}">
                 <a16:creationId xmlns:a16="http://schemas.microsoft.com/office/drawing/2014/main" id="{D3B51300-8D01-42BA-8971-946BD61EBD1D}"/>
@@ -10847,95 +10757,731 @@
           </a:p>
         </p:txBody>
       </p:sp>
-      <p:pic>
-        <p:nvPicPr>
-          <p:cNvPr id="17" name="그림 16">
-            <a:extLst>
-              <a:ext uri="{FF2B5EF4-FFF2-40B4-BE49-F238E27FC236}">
-                <a16:creationId xmlns:a16="http://schemas.microsoft.com/office/drawing/2014/main" id="{C933E163-64ED-47CF-A48F-E732FC921651}"/>
-              </a:ext>
-            </a:extLst>
-          </p:cNvPr>
-          <p:cNvPicPr>
-            <a:picLocks noChangeAspect="1"/>
-          </p:cNvPicPr>
+      <p:graphicFrame>
+        <p:nvGraphicFramePr>
+          <p:cNvPr id="19" name="표 4"/>
+          <p:cNvGraphicFramePr>
+            <a:graphicFrameLocks noGrp="1"/>
+          </p:cNvGraphicFramePr>
           <p:nvPr/>
-        </p:nvPicPr>
-        <p:blipFill>
-          <a:blip r:embed="rId3" cstate="print">
-            <a:extLst>
-              <a:ext uri="{28A0092B-C50C-407E-A947-70E740481C1C}">
-                <a14:useLocalDpi xmlns:a14="http://schemas.microsoft.com/office/drawing/2010/main" val="0"/>
-              </a:ext>
-            </a:extLst>
-          </a:blip>
-          <a:stretch>
-            <a:fillRect/>
-          </a:stretch>
-        </p:blipFill>
-        <p:spPr>
-          <a:xfrm>
-            <a:off x="296131" y="4131174"/>
-            <a:ext cx="1574849" cy="2213379"/>
-          </a:xfrm>
-          <a:prstGeom prst="rect">
-            <a:avLst/>
-          </a:prstGeom>
-        </p:spPr>
-      </p:pic>
-      <p:pic>
-        <p:nvPicPr>
-          <p:cNvPr id="18" name="그림 17">
-            <a:extLst>
-              <a:ext uri="{FF2B5EF4-FFF2-40B4-BE49-F238E27FC236}">
-                <a16:creationId xmlns:a16="http://schemas.microsoft.com/office/drawing/2014/main" id="{4A63CE9D-A499-460F-83E5-F44D4925937A}"/>
-              </a:ext>
-            </a:extLst>
-          </p:cNvPr>
-          <p:cNvPicPr>
-            <a:picLocks noChangeAspect="1"/>
-          </p:cNvPicPr>
-          <p:nvPr/>
-        </p:nvPicPr>
-        <p:blipFill>
-          <a:blip r:embed="rId4" cstate="print">
-            <a:extLst>
-              <a:ext uri="{28A0092B-C50C-407E-A947-70E740481C1C}">
-                <a14:useLocalDpi xmlns:a14="http://schemas.microsoft.com/office/drawing/2010/main" val="0"/>
-              </a:ext>
-            </a:extLst>
-          </a:blip>
-          <a:stretch>
-            <a:fillRect/>
-          </a:stretch>
-        </p:blipFill>
-        <p:spPr>
-          <a:xfrm>
-            <a:off x="1963443" y="4131174"/>
-            <a:ext cx="1579929" cy="2213379"/>
-          </a:xfrm>
-          <a:prstGeom prst="rect">
-            <a:avLst/>
-          </a:prstGeom>
-        </p:spPr>
-      </p:pic>
+        </p:nvGraphicFramePr>
+        <p:xfrm>
+          <a:off x="2129155" y="1543050"/>
+          <a:ext cx="7940040" cy="3870960"/>
+        </p:xfrm>
+        <a:graphic>
+          <a:graphicData uri="http://schemas.openxmlformats.org/drawingml/2006/table">
+            <a:tbl>
+              <a:tblPr firstRow="1" bandRow="1">
+                <a:tableStyleId>{5C22544A-7EE6-4342-B048-85BDC9FD1C3A}</a:tableStyleId>
+              </a:tblPr>
+              <a:tblGrid>
+                <a:gridCol w="974725"/>
+                <a:gridCol w="5925185"/>
+                <a:gridCol w="1040130"/>
+              </a:tblGrid>
+              <a:tr h="368300">
+                <a:tc gridSpan="2">
+                  <a:txBody>
+                    <a:bodyPr/>
+                    <a:lstStyle/>
+                    <a:p>
+                      <a:pPr marL="0" indent="0" latinLnBrk="1" lvl="1">
+                        <a:buFontTx/>
+                        <a:buNone/>
+                      </a:pPr>
+                      <a:r>
+                        <a:rPr lang="ko-KR" altLang="en-US" kern="1200" b="1">
+                          <a:solidFill>
+                            <a:srgbClr val="FFFFFF"/>
+                          </a:solidFill>
+                        </a:rPr>
+                        <a:t>능력치</a:t>
+                      </a:r>
+                      <a:endParaRPr lang="ko-KR" altLang="en-US" kern="1200" b="1">
+                        <a:solidFill>
+                          <a:srgbClr val="FFFFFF"/>
+                        </a:solidFill>
+                      </a:endParaRPr>
+                    </a:p>
+                  </a:txBody>
+                  <a:tcPr marL="91440" marR="91440" marT="45720" marB="45720" anchor="t"/>
+                </a:tc>
+                <a:tc hMerge="1">
+                  <a:txBody>
+                    <a:bodyPr/>
+                    <a:lstStyle/>
+                    <a:p>
+                      <a:pPr/>
+                      <a:endParaRPr lang="ko-KR" altLang="en-US" kern="1200"/>
+                    </a:p>
+                  </a:txBody>
+                </a:tc>
+                <a:tc>
+                  <a:txBody>
+                    <a:bodyPr/>
+                    <a:lstStyle/>
+                    <a:p>
+                      <a:pPr marL="0" indent="0" latinLnBrk="1" lvl="1">
+                        <a:buFontTx/>
+                        <a:buNone/>
+                      </a:pPr>
+                      <a:r>
+                        <a:rPr lang="ko-KR" altLang="en-US" kern="1200" b="1">
+                          <a:solidFill>
+                            <a:srgbClr val="FFFFFF"/>
+                          </a:solidFill>
+                        </a:rPr>
+                        <a:t>기본 값</a:t>
+                      </a:r>
+                      <a:endParaRPr lang="ko-KR" altLang="en-US" kern="1200" b="1">
+                        <a:solidFill>
+                          <a:srgbClr val="FFFFFF"/>
+                        </a:solidFill>
+                      </a:endParaRPr>
+                    </a:p>
+                  </a:txBody>
+                  <a:tcPr marL="91440" marR="91440" marT="45720" marB="45720" anchor="t"/>
+                </a:tc>
+              </a:tr>
+              <a:tr h="645160">
+                <a:tc>
+                  <a:txBody>
+                    <a:bodyPr/>
+                    <a:lstStyle/>
+                    <a:p>
+                      <a:pPr marL="0" indent="0" latinLnBrk="1" lvl="1">
+                        <a:buFontTx/>
+                        <a:buNone/>
+                      </a:pPr>
+                      <a:r>
+                        <a:rPr lang="ko-KR" altLang="en-US" kern="1200">
+                          <a:solidFill>
+                            <a:srgbClr val="000000"/>
+                          </a:solidFill>
+                        </a:rPr>
+                        <a:t>체력</a:t>
+                      </a:r>
+                      <a:endParaRPr lang="ko-KR" altLang="en-US" kern="1200">
+                        <a:solidFill>
+                          <a:srgbClr val="000000"/>
+                        </a:solidFill>
+                      </a:endParaRPr>
+                    </a:p>
+                  </a:txBody>
+                  <a:tcPr marL="91440" marR="91440" marT="45720" marB="45720" anchor="ctr"/>
+                </a:tc>
+                <a:tc>
+                  <a:txBody>
+                    <a:bodyPr/>
+                    <a:lstStyle/>
+                    <a:p>
+                      <a:pPr marL="0" indent="0" latinLnBrk="1" lvl="1">
+                        <a:buFontTx/>
+                        <a:buNone/>
+                      </a:pPr>
+                      <a:r>
+                        <a:rPr lang="ko-KR" altLang="en-US" kern="1200">
+                          <a:solidFill>
+                            <a:srgbClr val="000000"/>
+                          </a:solidFill>
+                        </a:rPr>
+                        <a:t>캐릭터의 생존에 대한 자원이다</a:t>
+                      </a:r>
+                      <a:r>
+                        <a:rPr lang="en-US" altLang="ko-KR" kern="1200">
+                          <a:solidFill>
+                            <a:srgbClr val="000000"/>
+                          </a:solidFill>
+                        </a:rPr>
+                        <a:t>.</a:t>
+                      </a:r>
+                      <a:r>
+                        <a:rPr lang="ko-KR" altLang="en-US" kern="1200">
+                          <a:solidFill>
+                            <a:srgbClr val="000000"/>
+                          </a:solidFill>
+                        </a:rPr>
+                        <a:t> </a:t>
+                      </a:r>
+                      <a:endParaRPr lang="ko-KR" altLang="en-US" kern="1200">
+                        <a:solidFill>
+                          <a:srgbClr val="000000"/>
+                        </a:solidFill>
+                      </a:endParaRPr>
+                    </a:p>
+                    <a:p>
+                      <a:pPr marL="0" indent="0" latinLnBrk="1" lvl="1">
+                        <a:buFontTx/>
+                        <a:buNone/>
+                      </a:pPr>
+                      <a:r>
+                        <a:rPr lang="ko-KR" altLang="en-US" kern="1200">
+                          <a:solidFill>
+                            <a:srgbClr val="000000"/>
+                          </a:solidFill>
+                        </a:rPr>
+                        <a:t>해당 수치가 </a:t>
+                      </a:r>
+                      <a:r>
+                        <a:rPr lang="en-US" altLang="ko-KR" kern="1200">
+                          <a:solidFill>
+                            <a:srgbClr val="000000"/>
+                          </a:solidFill>
+                        </a:rPr>
+                        <a:t>0</a:t>
+                      </a:r>
+                      <a:r>
+                        <a:rPr lang="ko-KR" altLang="en-US" kern="1200">
+                          <a:solidFill>
+                            <a:srgbClr val="000000"/>
+                          </a:solidFill>
+                        </a:rPr>
+                        <a:t>일 될 경우 사망한다</a:t>
+                      </a:r>
+                      <a:r>
+                        <a:rPr lang="en-US" altLang="ko-KR" kern="1200">
+                          <a:solidFill>
+                            <a:srgbClr val="000000"/>
+                          </a:solidFill>
+                        </a:rPr>
+                        <a:t>. </a:t>
+                      </a:r>
+                      <a:endParaRPr lang="ko-KR" altLang="en-US" kern="1200">
+                        <a:solidFill>
+                          <a:srgbClr val="000000"/>
+                        </a:solidFill>
+                      </a:endParaRPr>
+                    </a:p>
+                  </a:txBody>
+                  <a:tcPr marL="91440" marR="91440" marT="45720" marB="45720" anchor="t"/>
+                </a:tc>
+                <a:tc>
+                  <a:txBody>
+                    <a:bodyPr/>
+                    <a:lstStyle/>
+                    <a:p>
+                      <a:pPr marL="0" indent="0" latinLnBrk="1" lvl="1">
+                        <a:buFontTx/>
+                        <a:buNone/>
+                      </a:pPr>
+                      <a:r>
+                        <a:rPr lang="en-US" altLang="ko-KR" kern="1200">
+                          <a:solidFill>
+                            <a:srgbClr val="000000"/>
+                          </a:solidFill>
+                        </a:rPr>
+                        <a:t>100</a:t>
+                      </a:r>
+                      <a:endParaRPr lang="ko-KR" altLang="en-US" kern="1200">
+                        <a:solidFill>
+                          <a:srgbClr val="000000"/>
+                        </a:solidFill>
+                      </a:endParaRPr>
+                    </a:p>
+                  </a:txBody>
+                  <a:tcPr marL="91440" marR="91440" marT="45720" marB="45720" anchor="ctr"/>
+                </a:tc>
+              </a:tr>
+              <a:tr h="922020">
+                <a:tc>
+                  <a:txBody>
+                    <a:bodyPr/>
+                    <a:lstStyle/>
+                    <a:p>
+                      <a:pPr marL="0" indent="0" latinLnBrk="1" lvl="1">
+                        <a:buFontTx/>
+                        <a:buNone/>
+                      </a:pPr>
+                      <a:r>
+                        <a:rPr lang="ko-KR" altLang="en-US" kern="1200">
+                          <a:solidFill>
+                            <a:srgbClr val="000000"/>
+                          </a:solidFill>
+                        </a:rPr>
+                        <a:t>지구력</a:t>
+                      </a:r>
+                      <a:endParaRPr lang="ko-KR" altLang="en-US" kern="1200">
+                        <a:solidFill>
+                          <a:srgbClr val="000000"/>
+                        </a:solidFill>
+                      </a:endParaRPr>
+                    </a:p>
+                  </a:txBody>
+                  <a:tcPr marL="91440" marR="91440" marT="45720" marB="45720" anchor="ctr"/>
+                </a:tc>
+                <a:tc>
+                  <a:txBody>
+                    <a:bodyPr/>
+                    <a:lstStyle/>
+                    <a:p>
+                      <a:pPr marL="0" indent="0" latinLnBrk="1" lvl="1">
+                        <a:buFontTx/>
+                        <a:buNone/>
+                      </a:pPr>
+                      <a:r>
+                        <a:rPr lang="ko-KR" altLang="en-US" kern="1200">
+                          <a:solidFill>
+                            <a:srgbClr val="000000"/>
+                          </a:solidFill>
+                        </a:rPr>
+                        <a:t>공격 및 달리기</a:t>
+                      </a:r>
+                      <a:r>
+                        <a:rPr lang="en-US" altLang="ko-KR" kern="1200">
+                          <a:solidFill>
+                            <a:srgbClr val="000000"/>
+                          </a:solidFill>
+                        </a:rPr>
+                        <a:t>, </a:t>
+                      </a:r>
+                      <a:r>
+                        <a:rPr lang="ko-KR" altLang="en-US" kern="1200">
+                          <a:solidFill>
+                            <a:srgbClr val="000000"/>
+                          </a:solidFill>
+                        </a:rPr>
+                        <a:t>구르기 등의 동작에 사용되는 자원이다</a:t>
+                      </a:r>
+                      <a:r>
+                        <a:rPr lang="en-US" altLang="ko-KR" kern="1200">
+                          <a:solidFill>
+                            <a:srgbClr val="000000"/>
+                          </a:solidFill>
+                        </a:rPr>
+                        <a:t>.</a:t>
+                      </a:r>
+                      <a:r>
+                        <a:rPr lang="ko-KR" altLang="en-US" kern="1200">
+                          <a:solidFill>
+                            <a:srgbClr val="000000"/>
+                          </a:solidFill>
+                        </a:rPr>
+                        <a:t> </a:t>
+                      </a:r>
+                      <a:endParaRPr lang="ko-KR" altLang="en-US" kern="1200">
+                        <a:solidFill>
+                          <a:srgbClr val="000000"/>
+                        </a:solidFill>
+                      </a:endParaRPr>
+                    </a:p>
+                    <a:p>
+                      <a:pPr marL="0" indent="0" latinLnBrk="1" lvl="1">
+                        <a:buFontTx/>
+                        <a:buNone/>
+                      </a:pPr>
+                      <a:r>
+                        <a:rPr lang="ko-KR" altLang="en-US" kern="1200">
+                          <a:solidFill>
+                            <a:srgbClr val="000000"/>
+                          </a:solidFill>
+                        </a:rPr>
+                        <a:t>해당 수치가 </a:t>
+                      </a:r>
+                      <a:r>
+                        <a:rPr lang="en-US" altLang="ko-KR" kern="1200">
+                          <a:solidFill>
+                            <a:srgbClr val="000000"/>
+                          </a:solidFill>
+                        </a:rPr>
+                        <a:t>0</a:t>
+                      </a:r>
+                      <a:r>
+                        <a:rPr lang="ko-KR" altLang="en-US" kern="1200">
+                          <a:solidFill>
+                            <a:srgbClr val="000000"/>
+                          </a:solidFill>
+                        </a:rPr>
+                        <a:t>일 될 경우 행동에 제한이 걸</a:t>
+                      </a:r>
+                      <a:r>
+                        <a:rPr lang="ko-KR" altLang="en-US" kern="1200">
+                          <a:solidFill>
+                            <a:srgbClr val="000000"/>
+                          </a:solidFill>
+                        </a:rPr>
+                        <a:t>리며 시간이 </a:t>
+                      </a:r>
+                      <a:endParaRPr lang="ko-KR" altLang="en-US" kern="1200">
+                        <a:solidFill>
+                          <a:srgbClr val="000000"/>
+                        </a:solidFill>
+                      </a:endParaRPr>
+                    </a:p>
+                    <a:p>
+                      <a:pPr marL="0" indent="0" latinLnBrk="1" lvl="1">
+                        <a:buFontTx/>
+                        <a:buNone/>
+                      </a:pPr>
+                      <a:r>
+                        <a:rPr lang="ko-KR" altLang="en-US" kern="1200">
+                          <a:solidFill>
+                            <a:srgbClr val="000000"/>
+                          </a:solidFill>
+                        </a:rPr>
+                        <a:t>지날시 다시 회복 된다.</a:t>
+                      </a:r>
+                      <a:endParaRPr lang="ko-KR" altLang="en-US" kern="1200">
+                        <a:solidFill>
+                          <a:srgbClr val="000000"/>
+                        </a:solidFill>
+                      </a:endParaRPr>
+                    </a:p>
+                  </a:txBody>
+                  <a:tcPr marL="91440" marR="91440" marT="45720" marB="45720" anchor="t"/>
+                </a:tc>
+                <a:tc>
+                  <a:txBody>
+                    <a:bodyPr/>
+                    <a:lstStyle/>
+                    <a:p>
+                      <a:pPr marL="0" indent="0" latinLnBrk="1" lvl="1">
+                        <a:buFontTx/>
+                        <a:buNone/>
+                      </a:pPr>
+                      <a:r>
+                        <a:rPr lang="ko-KR" altLang="en-US" kern="1200">
+                          <a:solidFill>
+                            <a:srgbClr val="000000"/>
+                          </a:solidFill>
+                        </a:rPr>
+                        <a:t>50</a:t>
+                      </a:r>
+                      <a:endParaRPr lang="ko-KR" altLang="en-US" kern="1200">
+                        <a:solidFill>
+                          <a:srgbClr val="000000"/>
+                        </a:solidFill>
+                      </a:endParaRPr>
+                    </a:p>
+                  </a:txBody>
+                  <a:tcPr marL="91440" marR="91440" marT="45720" marB="45720" anchor="ctr"/>
+                </a:tc>
+              </a:tr>
+              <a:tr h="645160">
+                <a:tc>
+                  <a:txBody>
+                    <a:bodyPr/>
+                    <a:lstStyle/>
+                    <a:p>
+                      <a:pPr marL="0" indent="0" latinLnBrk="1" lvl="1">
+                        <a:buFontTx/>
+                        <a:buNone/>
+                      </a:pPr>
+                      <a:r>
+                        <a:rPr lang="ko-KR" altLang="en-US" kern="1200">
+                          <a:solidFill>
+                            <a:srgbClr val="000000"/>
+                          </a:solidFill>
+                        </a:rPr>
+                        <a:t>공격력</a:t>
+                      </a:r>
+                      <a:endParaRPr lang="ko-KR" altLang="en-US" kern="1200">
+                        <a:solidFill>
+                          <a:srgbClr val="000000"/>
+                        </a:solidFill>
+                      </a:endParaRPr>
+                    </a:p>
+                  </a:txBody>
+                  <a:tcPr marL="91440" marR="91440" marT="45720" marB="45720" anchor="ctr"/>
+                </a:tc>
+                <a:tc>
+                  <a:txBody>
+                    <a:bodyPr/>
+                    <a:lstStyle/>
+                    <a:p>
+                      <a:pPr marL="0" indent="0" latinLnBrk="1" lvl="1">
+                        <a:buFontTx/>
+                        <a:buNone/>
+                      </a:pPr>
+                      <a:r>
+                        <a:rPr lang="ko-KR" altLang="en-US" kern="1200">
+                          <a:solidFill>
+                            <a:srgbClr val="000000"/>
+                          </a:solidFill>
+                        </a:rPr>
+                        <a:t>캐릭터가 공격시 데미지에 관여하는 수치. </a:t>
+                      </a:r>
+                      <a:endParaRPr lang="ko-KR" altLang="en-US" kern="1200">
+                        <a:solidFill>
+                          <a:srgbClr val="000000"/>
+                        </a:solidFill>
+                      </a:endParaRPr>
+                    </a:p>
+                    <a:p>
+                      <a:pPr marL="0" indent="0" latinLnBrk="1" lvl="1">
+                        <a:buFontTx/>
+                        <a:buNone/>
+                      </a:pPr>
+                      <a:r>
+                        <a:rPr lang="ko-KR" altLang="en-US" kern="1200">
+                          <a:solidFill>
+                            <a:srgbClr val="000000"/>
+                          </a:solidFill>
+                        </a:rPr>
+                        <a:t>무기를 착용할 시 올라간다.</a:t>
+                      </a:r>
+                      <a:endParaRPr lang="ko-KR" altLang="en-US" kern="1200">
+                        <a:solidFill>
+                          <a:srgbClr val="000000"/>
+                        </a:solidFill>
+                      </a:endParaRPr>
+                    </a:p>
+                  </a:txBody>
+                  <a:tcPr marL="91440" marR="91440" marT="45720" marB="45720" anchor="t"/>
+                </a:tc>
+                <a:tc>
+                  <a:txBody>
+                    <a:bodyPr/>
+                    <a:lstStyle/>
+                    <a:p>
+                      <a:pPr marL="0" indent="0" latinLnBrk="1" lvl="1">
+                        <a:buFontTx/>
+                        <a:buNone/>
+                      </a:pPr>
+                      <a:r>
+                        <a:rPr lang="ko-KR" altLang="en-US" kern="1200">
+                          <a:solidFill>
+                            <a:srgbClr val="000000"/>
+                          </a:solidFill>
+                        </a:rPr>
+                        <a:t>5</a:t>
+                      </a:r>
+                      <a:endParaRPr lang="ko-KR" altLang="en-US" kern="1200">
+                        <a:solidFill>
+                          <a:srgbClr val="000000"/>
+                        </a:solidFill>
+                      </a:endParaRPr>
+                    </a:p>
+                  </a:txBody>
+                  <a:tcPr marL="91440" marR="91440" marT="45720" marB="45720" anchor="ctr"/>
+                </a:tc>
+              </a:tr>
+              <a:tr h="645160">
+                <a:tc>
+                  <a:txBody>
+                    <a:bodyPr/>
+                    <a:lstStyle/>
+                    <a:p>
+                      <a:pPr marL="0" indent="0" latinLnBrk="1" lvl="1">
+                        <a:buFontTx/>
+                        <a:buNone/>
+                      </a:pPr>
+                      <a:r>
+                        <a:rPr lang="ko-KR" altLang="en-US" kern="1200">
+                          <a:solidFill>
+                            <a:srgbClr val="000000"/>
+                          </a:solidFill>
+                        </a:rPr>
+                        <a:t>방어력</a:t>
+                      </a:r>
+                      <a:endParaRPr lang="ko-KR" altLang="en-US" kern="1200">
+                        <a:solidFill>
+                          <a:srgbClr val="000000"/>
+                        </a:solidFill>
+                      </a:endParaRPr>
+                    </a:p>
+                  </a:txBody>
+                  <a:tcPr marL="91440" marR="91440" marT="45720" marB="45720" anchor="ctr"/>
+                </a:tc>
+                <a:tc>
+                  <a:txBody>
+                    <a:bodyPr/>
+                    <a:lstStyle/>
+                    <a:p>
+                      <a:pPr marL="0" indent="0" latinLnBrk="1" lvl="1">
+                        <a:buFontTx/>
+                        <a:buNone/>
+                      </a:pPr>
+                      <a:r>
+                        <a:rPr lang="ko-KR" altLang="en-US" kern="1200">
+                          <a:solidFill>
+                            <a:srgbClr val="000000"/>
+                          </a:solidFill>
+                        </a:rPr>
+                        <a:t>캐릭터가 피해를 받을 경우 관여하는 수치. </a:t>
+                      </a:r>
+                      <a:endParaRPr lang="ko-KR" altLang="en-US" kern="1200">
+                        <a:solidFill>
+                          <a:srgbClr val="000000"/>
+                        </a:solidFill>
+                      </a:endParaRPr>
+                    </a:p>
+                    <a:p>
+                      <a:pPr marL="0" indent="0" latinLnBrk="1" lvl="1">
+                        <a:buFontTx/>
+                        <a:buNone/>
+                      </a:pPr>
+                      <a:r>
+                        <a:rPr lang="ko-KR" altLang="en-US" kern="1200">
+                          <a:solidFill>
+                            <a:srgbClr val="000000"/>
+                          </a:solidFill>
+                        </a:rPr>
+                        <a:t>방어무를 착용할 시 올라간다.</a:t>
+                      </a:r>
+                      <a:endParaRPr lang="ko-KR" altLang="en-US" kern="1200">
+                        <a:solidFill>
+                          <a:srgbClr val="000000"/>
+                        </a:solidFill>
+                      </a:endParaRPr>
+                    </a:p>
+                  </a:txBody>
+                  <a:tcPr marL="91440" marR="91440" marT="45720" marB="45720" anchor="t"/>
+                </a:tc>
+                <a:tc>
+                  <a:txBody>
+                    <a:bodyPr/>
+                    <a:lstStyle/>
+                    <a:p>
+                      <a:pPr marL="0" indent="0" latinLnBrk="1" lvl="1">
+                        <a:buFontTx/>
+                        <a:buNone/>
+                      </a:pPr>
+                      <a:r>
+                        <a:rPr lang="ko-KR" altLang="en-US" kern="1200">
+                          <a:solidFill>
+                            <a:srgbClr val="000000"/>
+                          </a:solidFill>
+                        </a:rPr>
+                        <a:t>0</a:t>
+                      </a:r>
+                      <a:endParaRPr lang="ko-KR" altLang="en-US" kern="1200">
+                        <a:solidFill>
+                          <a:srgbClr val="000000"/>
+                        </a:solidFill>
+                      </a:endParaRPr>
+                    </a:p>
+                  </a:txBody>
+                  <a:tcPr marL="91440" marR="91440" marT="45720" marB="45720" anchor="ctr"/>
+                </a:tc>
+              </a:tr>
+              <a:tr h="645160">
+                <a:tc>
+                  <a:txBody>
+                    <a:bodyPr/>
+                    <a:lstStyle/>
+                    <a:p>
+                      <a:pPr marL="0" indent="0" latinLnBrk="1" lvl="1">
+                        <a:buFontTx/>
+                        <a:buNone/>
+                      </a:pPr>
+                      <a:r>
+                        <a:rPr lang="ko-KR" altLang="en-US" kern="1200">
+                          <a:solidFill>
+                            <a:srgbClr val="000000"/>
+                          </a:solidFill>
+                        </a:rPr>
+                        <a:t>내공</a:t>
+                      </a:r>
+                      <a:endParaRPr lang="ko-KR" altLang="en-US" kern="1200">
+                        <a:solidFill>
+                          <a:srgbClr val="000000"/>
+                        </a:solidFill>
+                      </a:endParaRPr>
+                    </a:p>
+                  </a:txBody>
+                  <a:tcPr marL="91440" marR="91440" marT="45720" marB="45720" anchor="ctr"/>
+                </a:tc>
+                <a:tc>
+                  <a:txBody>
+                    <a:bodyPr/>
+                    <a:lstStyle/>
+                    <a:p>
+                      <a:pPr marL="0" indent="0" latinLnBrk="1" lvl="1">
+                        <a:buFontTx/>
+                        <a:buNone/>
+                      </a:pPr>
+                      <a:r>
+                        <a:rPr lang="ko-KR" altLang="en-US" kern="1200">
+                          <a:solidFill>
+                            <a:srgbClr val="000000"/>
+                          </a:solidFill>
+                        </a:rPr>
+                        <a:t>캐릭터가 특정 스킬을 사용할 </a:t>
+                      </a:r>
+                      <a:endParaRPr lang="ko-KR" altLang="en-US" kern="1200">
+                        <a:solidFill>
+                          <a:srgbClr val="000000"/>
+                        </a:solidFill>
+                      </a:endParaRPr>
+                    </a:p>
+                    <a:p>
+                      <a:pPr marL="0" indent="0" latinLnBrk="1" lvl="1">
+                        <a:buFontTx/>
+                        <a:buNone/>
+                      </a:pPr>
+                      <a:r>
+                        <a:rPr lang="ko-KR" altLang="en-US" kern="1200">
+                          <a:solidFill>
+                            <a:srgbClr val="000000"/>
+                          </a:solidFill>
+                        </a:rPr>
+                        <a:t>경우 사용되는 자원이다.</a:t>
+                      </a:r>
+                      <a:endParaRPr lang="ko-KR" altLang="en-US" kern="1200">
+                        <a:solidFill>
+                          <a:srgbClr val="000000"/>
+                        </a:solidFill>
+                      </a:endParaRPr>
+                    </a:p>
+                  </a:txBody>
+                  <a:tcPr marL="91440" marR="91440" marT="45720" marB="45720" anchor="t"/>
+                </a:tc>
+                <a:tc>
+                  <a:txBody>
+                    <a:bodyPr/>
+                    <a:lstStyle/>
+                    <a:p>
+                      <a:pPr marL="0" indent="0" latinLnBrk="1" lvl="1">
+                        <a:buFontTx/>
+                        <a:buNone/>
+                      </a:pPr>
+                      <a:r>
+                        <a:rPr lang="ko-KR" altLang="en-US" kern="1200">
+                          <a:solidFill>
+                            <a:srgbClr val="000000"/>
+                          </a:solidFill>
+                        </a:rPr>
+                        <a:t>0</a:t>
+                      </a:r>
+                      <a:endParaRPr lang="ko-KR" altLang="en-US" kern="1200">
+                        <a:solidFill>
+                          <a:srgbClr val="000000"/>
+                        </a:solidFill>
+                      </a:endParaRPr>
+                    </a:p>
+                  </a:txBody>
+                  <a:tcPr marL="91440" marR="91440" marT="45720" marB="45720" anchor="ctr"/>
+                </a:tc>
+              </a:tr>
+            </a:tbl>
+          </a:graphicData>
+        </a:graphic>
+      </p:graphicFrame>
     </p:spTree>
   </p:cSld>
   <p:clrMapOvr>
     <a:masterClrMapping/>
   </p:clrMapOvr>
-  <mc:AlternateContent xmlns:mc="http://schemas.openxmlformats.org/markup-compatibility/2006" xmlns:p159="http://schemas.microsoft.com/office/powerpoint/2015/09/main">
-    <mc:Choice Requires="p159">
+  <mc:AlternateContent xmlns:mc="http://schemas.openxmlformats.org/markup-compatibility/2006">
+    <mc:Choice xmlns:p159="http://schemas.microsoft.com/office/powerpoint/2015/09/main" Requires="p159">
       <p:transition xmlns:p14="http://schemas.microsoft.com/office/powerpoint/2010/main" spd="slow" p14:dur="2000">
         <p159:morph option="byObject"/>
       </p:transition>
     </mc:Choice>
-    <mc:Fallback xmlns:p14="http://schemas.microsoft.com/office/powerpoint/2010/main" xmlns="">
+    <mc:Fallback>
       <p:transition spd="slow">
         <p:fade/>
       </p:transition>
     </mc:Fallback>
   </mc:AlternateContent>
+  <p:timing>
+    <p:tnLst>
+      <p:par>
+        <p:cTn id="1" dur="indefinite" restart="never" nodeType="tmRoot"/>
+      </p:par>
+    </p:tnLst>
+  </p:timing>
 </p:sld>
 </file>
 

--- a/기획/메인 기획서.pptx
+++ b/기획/메인 기획서.pptx
@@ -1,23 +1,25 @@
 
 <file path=ppt/presentation.xml><?xml version="1.0" encoding="utf-8"?>
-<p:presentation xmlns:a="http://schemas.openxmlformats.org/drawingml/2006/main" xmlns:r="http://schemas.openxmlformats.org/officeDocument/2006/relationships" xmlns:p="http://schemas.openxmlformats.org/presentationml/2006/main" xmlns:p14="http://schemas.microsoft.com/office/powerpoint/2010/main" showSpecialPlsOnTitleSld="0" saveSubsetFonts="1">
+<p:presentation xmlns:a="http://schemas.openxmlformats.org/drawingml/2006/main" xmlns:r="http://schemas.openxmlformats.org/officeDocument/2006/relationships" xmlns:p="http://schemas.openxmlformats.org/presentationml/2006/main" showSpecialPlsOnTitleSld="0" saveSubsetFonts="1">
   <p:sldMasterIdLst>
-    <p:sldMasterId id="2147483684" r:id="rId14"/>
+    <p:sldMasterId id="2147483684" r:id="rId1"/>
   </p:sldMasterIdLst>
   <p:notesMasterIdLst>
-    <p:notesMasterId r:id="rId16"/>
+    <p:notesMasterId r:id="rId14"/>
   </p:notesMasterIdLst>
   <p:sldIdLst>
-    <p:sldId id="278" r:id="rId18"/>
-    <p:sldId id="294" r:id="rId19"/>
-    <p:sldId id="279" r:id="rId20"/>
-    <p:sldId id="285" r:id="rId21"/>
-    <p:sldId id="287" r:id="rId22"/>
-    <p:sldId id="292" r:id="rId23"/>
-    <p:sldId id="288" r:id="rId24"/>
-    <p:sldId id="293" r:id="rId25"/>
-    <p:sldId id="290" r:id="rId26"/>
-    <p:sldId id="291" r:id="rId27"/>
+    <p:sldId id="278" r:id="rId2"/>
+    <p:sldId id="295" r:id="rId3"/>
+    <p:sldId id="296" r:id="rId4"/>
+    <p:sldId id="285" r:id="rId5"/>
+    <p:sldId id="287" r:id="rId6"/>
+    <p:sldId id="292" r:id="rId7"/>
+    <p:sldId id="288" r:id="rId8"/>
+    <p:sldId id="293" r:id="rId9"/>
+    <p:sldId id="290" r:id="rId10"/>
+    <p:sldId id="298" r:id="rId11"/>
+    <p:sldId id="297" r:id="rId12"/>
+    <p:sldId id="291" r:id="rId13"/>
   </p:sldIdLst>
   <p:sldSz cx="12192000" cy="6858000"/>
   <p:notesSz cx="6858000" cy="9144000"/>
@@ -237,7 +239,7 @@
           <a:p>
             <a:fld id="{C60A41CB-61FA-4019-A4B0-427C8889D692}" type="datetimeFigureOut">
               <a:rPr lang="ko-KR" altLang="en-US" smtClean="0"/>
-              <a:t>2023-11-02</a:t>
+              <a:t>2023-11-03</a:t>
             </a:fld>
             <a:endParaRPr lang="ko-KR" altLang="en-US"/>
           </a:p>
@@ -651,7 +653,7 @@
           <a:p>
             <a:fld id="{3E575BB6-E5B3-4504-A1BD-6017DEED7613}" type="datetime1">
               <a:rPr lang="ko-KR" altLang="en-US" smtClean="0"/>
-              <a:t>2023-11-02</a:t>
+              <a:t>2023-11-03</a:t>
             </a:fld>
             <a:endParaRPr lang="ko-KR" altLang="en-US"/>
           </a:p>
@@ -939,7 +941,7 @@
           <a:p>
             <a:fld id="{48DFB8A8-7915-45BD-AD65-C3D084B22E9B}" type="datetime1">
               <a:rPr lang="ko-KR" altLang="en-US" smtClean="0"/>
-              <a:t>2023-11-02</a:t>
+              <a:t>2023-11-03</a:t>
             </a:fld>
             <a:endParaRPr lang="ko-KR" altLang="en-US"/>
           </a:p>
@@ -1137,7 +1139,7 @@
           <a:p>
             <a:fld id="{27AED4DE-6637-4B3C-91FE-F05CE44CBBFD}" type="datetime1">
               <a:rPr lang="ko-KR" altLang="en-US" smtClean="0"/>
-              <a:t>2023-11-02</a:t>
+              <a:t>2023-11-03</a:t>
             </a:fld>
             <a:endParaRPr lang="ko-KR" altLang="en-US"/>
           </a:p>
@@ -1345,7 +1347,7 @@
           <a:p>
             <a:fld id="{4AF7FE54-5D5F-4A3A-8B3F-4829D71391E0}" type="datetime1">
               <a:rPr lang="ko-KR" altLang="en-US" smtClean="0"/>
-              <a:t>2023-11-02</a:t>
+              <a:t>2023-11-03</a:t>
             </a:fld>
             <a:endParaRPr lang="ko-KR" altLang="en-US"/>
           </a:p>
@@ -1543,7 +1545,7 @@
           <a:p>
             <a:fld id="{75673C36-7E72-4192-A2B9-B4AB936290B5}" type="datetime1">
               <a:rPr lang="ko-KR" altLang="en-US" smtClean="0"/>
-              <a:t>2023-11-02</a:t>
+              <a:t>2023-11-03</a:t>
             </a:fld>
             <a:endParaRPr lang="ko-KR" altLang="en-US"/>
           </a:p>
@@ -1818,7 +1820,7 @@
           <a:p>
             <a:fld id="{C81D6C71-6BD3-43E4-97BA-B0DE4EA31951}" type="datetime1">
               <a:rPr lang="ko-KR" altLang="en-US" smtClean="0"/>
-              <a:t>2023-11-02</a:t>
+              <a:t>2023-11-03</a:t>
             </a:fld>
             <a:endParaRPr lang="ko-KR" altLang="en-US"/>
           </a:p>
@@ -2083,7 +2085,7 @@
           <a:p>
             <a:fld id="{04CD0557-08E3-40B5-9A90-AC12974B8819}" type="datetime1">
               <a:rPr lang="ko-KR" altLang="en-US" smtClean="0"/>
-              <a:t>2023-11-02</a:t>
+              <a:t>2023-11-03</a:t>
             </a:fld>
             <a:endParaRPr lang="ko-KR" altLang="en-US"/>
           </a:p>
@@ -2495,7 +2497,7 @@
           <a:p>
             <a:fld id="{D629B70C-30BC-4061-A360-A2ED2C2B536C}" type="datetime1">
               <a:rPr lang="ko-KR" altLang="en-US" smtClean="0"/>
-              <a:t>2023-11-02</a:t>
+              <a:t>2023-11-03</a:t>
             </a:fld>
             <a:endParaRPr lang="ko-KR" altLang="en-US"/>
           </a:p>
@@ -2636,7 +2638,7 @@
           <a:p>
             <a:fld id="{DEBCEC54-258E-41DB-A8CB-301AB5466904}" type="datetime1">
               <a:rPr lang="ko-KR" altLang="en-US" smtClean="0"/>
-              <a:t>2023-11-02</a:t>
+              <a:t>2023-11-03</a:t>
             </a:fld>
             <a:endParaRPr lang="ko-KR" altLang="en-US"/>
           </a:p>
@@ -2749,7 +2751,7 @@
           <a:p>
             <a:fld id="{CD0EBA57-5240-4A25-A388-5D04FF3A03DC}" type="datetime1">
               <a:rPr lang="ko-KR" altLang="en-US" smtClean="0"/>
-              <a:t>2023-11-02</a:t>
+              <a:t>2023-11-03</a:t>
             </a:fld>
             <a:endParaRPr lang="ko-KR" altLang="en-US"/>
           </a:p>
@@ -3009,7 +3011,7 @@
           <a:p>
             <a:fld id="{11391D84-4E24-498E-8117-9332CC137479}" type="datetime1">
               <a:rPr lang="ko-KR" altLang="en-US" smtClean="0"/>
-              <a:t>2023-11-02</a:t>
+              <a:t>2023-11-03</a:t>
             </a:fld>
             <a:endParaRPr lang="ko-KR" altLang="en-US"/>
           </a:p>
@@ -3320,7 +3322,7 @@
           <a:p>
             <a:fld id="{A9169B5D-494E-405E-B1DB-7DB63C2661E0}" type="datetime1">
               <a:rPr lang="ko-KR" altLang="en-US" smtClean="0"/>
-              <a:t>2023-11-02</a:t>
+              <a:t>2023-11-03</a:t>
             </a:fld>
             <a:endParaRPr lang="ko-KR" altLang="en-US"/>
           </a:p>
@@ -3561,7 +3563,7 @@
           <a:p>
             <a:fld id="{CDA0B6B0-6457-4CCD-80FB-28D37649507F}" type="datetime1">
               <a:rPr lang="ko-KR" altLang="en-US" smtClean="0"/>
-              <a:t>2023-11-02</a:t>
+              <a:t>2023-11-03</a:t>
             </a:fld>
             <a:endParaRPr lang="ko-KR" altLang="en-US"/>
           </a:p>
@@ -4143,6 +4145,719 @@
         <p159:morph option="byObject"/>
       </p:transition>
     </mc:Choice>
+    <mc:Fallback xmlns="" xmlns:p14="http://schemas.microsoft.com/office/powerpoint/2010/main">
+      <p:transition spd="slow">
+        <p:fade/>
+      </p:transition>
+    </mc:Fallback>
+  </mc:AlternateContent>
+</p:sld>
+</file>
+
+<file path=ppt/slides/slide10.xml><?xml version="1.0" encoding="utf-8"?>
+<p:sld xmlns:a="http://schemas.openxmlformats.org/drawingml/2006/main" xmlns:r="http://schemas.openxmlformats.org/officeDocument/2006/relationships" xmlns:p="http://schemas.openxmlformats.org/presentationml/2006/main">
+  <p:cSld>
+    <p:spTree>
+      <p:nvGrpSpPr>
+        <p:cNvPr id="1" name=""/>
+        <p:cNvGrpSpPr/>
+        <p:nvPr/>
+      </p:nvGrpSpPr>
+      <p:grpSpPr>
+        <a:xfrm>
+          <a:off x="0" y="0"/>
+          <a:ext cx="0" cy="0"/>
+          <a:chOff x="0" y="0"/>
+          <a:chExt cx="0" cy="0"/>
+        </a:xfrm>
+      </p:grpSpPr>
+      <p:sp>
+        <p:nvSpPr>
+          <p:cNvPr id="6" name="Rect 0"/>
+          <p:cNvSpPr txBox="1">
+            <a:spLocks/>
+          </p:cNvSpPr>
+          <p:nvPr/>
+        </p:nvSpPr>
+        <p:spPr>
+          <a:xfrm flipH="1">
+            <a:off x="192405" y="335280"/>
+            <a:ext cx="3765550" cy="645795"/>
+          </a:xfrm>
+          <a:prstGeom prst="rect">
+            <a:avLst/>
+          </a:prstGeom>
+          <a:noFill/>
+        </p:spPr>
+        <p:txBody>
+          <a:bodyPr vert="horz" wrap="square" lIns="91440" tIns="45720" rIns="91440" bIns="45720" numCol="1" anchor="t">
+            <a:spAutoFit/>
+          </a:bodyPr>
+          <a:lstStyle/>
+          <a:p>
+            <a:pPr marL="0" indent="0" latinLnBrk="0">
+              <a:buFontTx/>
+              <a:buNone/>
+            </a:pPr>
+            <a:r>
+              <a:rPr lang="ko-KR" altLang="en-US" sz="3600" b="1">
+                <a:solidFill>
+                  <a:schemeClr val="accent1">
+                    <a:lumMod val="50000"/>
+                  </a:schemeClr>
+                </a:solidFill>
+                <a:latin typeface="나눔스퀘어 ExtraBold" charset="0"/>
+                <a:ea typeface="나눔스퀘어 ExtraBold" charset="0"/>
+              </a:rPr>
+              <a:t>6.</a:t>
+            </a:r>
+          </a:p>
+        </p:txBody>
+      </p:sp>
+      <p:sp>
+        <p:nvSpPr>
+          <p:cNvPr id="2" name="슬라이드 번호 개체 틀 1">
+            <a:extLst>
+              <a:ext uri="{FF2B5EF4-FFF2-40B4-BE49-F238E27FC236}">
+                <a16:creationId xmlns:a16="http://schemas.microsoft.com/office/drawing/2014/main" id="{12097A5C-65DA-42A1-9F6D-09DE0D179DE5}"/>
+              </a:ext>
+            </a:extLst>
+          </p:cNvPr>
+          <p:cNvSpPr>
+            <a:spLocks noGrp="1"/>
+          </p:cNvSpPr>
+          <p:nvPr>
+            <p:ph type="sldNum" sz="quarter" idx="12"/>
+          </p:nvPr>
+        </p:nvSpPr>
+        <p:spPr>
+          <a:xfrm>
+            <a:off x="8610600" y="6356350"/>
+            <a:ext cx="2743835" cy="365760"/>
+          </a:xfrm>
+        </p:spPr>
+        <p:txBody>
+          <a:bodyPr/>
+          <a:lstStyle/>
+          <a:p>
+            <a:fld id="{E887A479-1FB4-4076-82AD-4520E3445CF4}" type="slidenum">
+              <a:rPr lang="ko-KR" altLang="en-US" smtClean="0"/>
+              <a:t>10</a:t>
+            </a:fld>
+            <a:endParaRPr lang="ko-KR" altLang="en-US"/>
+          </a:p>
+        </p:txBody>
+      </p:sp>
+      <p:sp>
+        <p:nvSpPr>
+          <p:cNvPr id="8" name="실행 단추: 문서 7">
+            <a:hlinkClick r:id="rId2" action="ppaction://hlinksldjump"/>
+            <a:extLst>
+              <a:ext uri="{FF2B5EF4-FFF2-40B4-BE49-F238E27FC236}">
+                <a16:creationId xmlns:a16="http://schemas.microsoft.com/office/drawing/2014/main" id="{B5112F00-038E-45A9-9EF4-2253F2E230F8}"/>
+              </a:ext>
+            </a:extLst>
+          </p:cNvPr>
+          <p:cNvSpPr/>
+          <p:nvPr/>
+        </p:nvSpPr>
+        <p:spPr>
+          <a:xfrm>
+            <a:off x="11353800" y="6416675"/>
+            <a:ext cx="646430" cy="441325"/>
+          </a:xfrm>
+          <a:prstGeom prst="actionButtonDocument">
+            <a:avLst/>
+          </a:prstGeom>
+          <a:ln>
+            <a:noFill/>
+          </a:ln>
+        </p:spPr>
+        <p:style>
+          <a:lnRef idx="2">
+            <a:schemeClr val="accent1">
+              <a:shade val="50000"/>
+            </a:schemeClr>
+          </a:lnRef>
+          <a:fillRef idx="1">
+            <a:schemeClr val="accent1"/>
+          </a:fillRef>
+          <a:effectRef idx="0">
+            <a:schemeClr val="accent1"/>
+          </a:effectRef>
+          <a:fontRef idx="minor">
+            <a:schemeClr val="lt1"/>
+          </a:fontRef>
+        </p:style>
+        <p:txBody>
+          <a:bodyPr rtlCol="0" anchor="ctr"/>
+          <a:lstStyle/>
+          <a:p>
+            <a:pPr algn="ctr"/>
+            <a:endParaRPr lang="en-US" altLang="ko-KR" sz="800" dirty="0"/>
+          </a:p>
+          <a:p>
+            <a:pPr algn="ctr"/>
+            <a:endParaRPr lang="en-US" altLang="ko-KR" sz="800" dirty="0"/>
+          </a:p>
+          <a:p>
+            <a:pPr algn="ctr"/>
+            <a:r>
+              <a:rPr lang="ko-KR" altLang="en-US" sz="800" dirty="0"/>
+              <a:t>문서 개요</a:t>
+            </a:r>
+          </a:p>
+        </p:txBody>
+      </p:sp>
+      <p:sp>
+        <p:nvSpPr>
+          <p:cNvPr id="9" name="슬라이드 번호 개체 틀 1">
+            <a:extLst>
+              <a:ext uri="{FF2B5EF4-FFF2-40B4-BE49-F238E27FC236}">
+                <a16:creationId xmlns:a16="http://schemas.microsoft.com/office/drawing/2014/main" id="{830462B4-61D2-4C54-9B09-C3AB0FBCD56B}"/>
+              </a:ext>
+            </a:extLst>
+          </p:cNvPr>
+          <p:cNvSpPr txBox="1">
+            <a:spLocks/>
+          </p:cNvSpPr>
+          <p:nvPr/>
+        </p:nvSpPr>
+        <p:spPr>
+          <a:xfrm>
+            <a:off x="8610600" y="6356350"/>
+            <a:ext cx="2743835" cy="365760"/>
+          </a:xfrm>
+          <a:prstGeom prst="rect">
+            <a:avLst/>
+          </a:prstGeom>
+        </p:spPr>
+        <p:txBody>
+          <a:bodyPr vert="horz" lIns="91440" tIns="45720" rIns="91440" bIns="45720" rtlCol="0" anchor="ctr"/>
+          <a:lstStyle>
+            <a:defPPr>
+              <a:defRPr lang="ko-KR"/>
+            </a:defPPr>
+            <a:lvl1pPr marL="0" algn="r" defTabSz="914400" rtl="0" eaLnBrk="1" latinLnBrk="1" hangingPunct="1">
+              <a:defRPr sz="1200" kern="1200">
+                <a:solidFill>
+                  <a:schemeClr val="tx1">
+                    <a:tint val="75000"/>
+                  </a:schemeClr>
+                </a:solidFill>
+                <a:latin typeface="+mn-lt"/>
+                <a:ea typeface="+mn-ea"/>
+                <a:cs typeface="+mn-cs"/>
+              </a:defRPr>
+            </a:lvl1pPr>
+            <a:lvl2pPr marL="457200" algn="l" defTabSz="914400" rtl="0" eaLnBrk="1" latinLnBrk="1" hangingPunct="1">
+              <a:defRPr sz="1800" kern="1200">
+                <a:solidFill>
+                  <a:schemeClr val="tx1"/>
+                </a:solidFill>
+                <a:latin typeface="+mn-lt"/>
+                <a:ea typeface="+mn-ea"/>
+                <a:cs typeface="+mn-cs"/>
+              </a:defRPr>
+            </a:lvl2pPr>
+            <a:lvl3pPr marL="914400" algn="l" defTabSz="914400" rtl="0" eaLnBrk="1" latinLnBrk="1" hangingPunct="1">
+              <a:defRPr sz="1800" kern="1200">
+                <a:solidFill>
+                  <a:schemeClr val="tx1"/>
+                </a:solidFill>
+                <a:latin typeface="+mn-lt"/>
+                <a:ea typeface="+mn-ea"/>
+                <a:cs typeface="+mn-cs"/>
+              </a:defRPr>
+            </a:lvl3pPr>
+            <a:lvl4pPr marL="1371600" algn="l" defTabSz="914400" rtl="0" eaLnBrk="1" latinLnBrk="1" hangingPunct="1">
+              <a:defRPr sz="1800" kern="1200">
+                <a:solidFill>
+                  <a:schemeClr val="tx1"/>
+                </a:solidFill>
+                <a:latin typeface="+mn-lt"/>
+                <a:ea typeface="+mn-ea"/>
+                <a:cs typeface="+mn-cs"/>
+              </a:defRPr>
+            </a:lvl4pPr>
+            <a:lvl5pPr marL="1828800" algn="l" defTabSz="914400" rtl="0" eaLnBrk="1" latinLnBrk="1" hangingPunct="1">
+              <a:defRPr sz="1800" kern="1200">
+                <a:solidFill>
+                  <a:schemeClr val="tx1"/>
+                </a:solidFill>
+                <a:latin typeface="+mn-lt"/>
+                <a:ea typeface="+mn-ea"/>
+                <a:cs typeface="+mn-cs"/>
+              </a:defRPr>
+            </a:lvl5pPr>
+            <a:lvl6pPr marL="2286000" algn="l" defTabSz="914400" rtl="0" eaLnBrk="1" latinLnBrk="1" hangingPunct="1">
+              <a:defRPr sz="1800" kern="1200">
+                <a:solidFill>
+                  <a:schemeClr val="tx1"/>
+                </a:solidFill>
+                <a:latin typeface="+mn-lt"/>
+                <a:ea typeface="+mn-ea"/>
+                <a:cs typeface="+mn-cs"/>
+              </a:defRPr>
+            </a:lvl6pPr>
+            <a:lvl7pPr marL="2743200" algn="l" defTabSz="914400" rtl="0" eaLnBrk="1" latinLnBrk="1" hangingPunct="1">
+              <a:defRPr sz="1800" kern="1200">
+                <a:solidFill>
+                  <a:schemeClr val="tx1"/>
+                </a:solidFill>
+                <a:latin typeface="+mn-lt"/>
+                <a:ea typeface="+mn-ea"/>
+                <a:cs typeface="+mn-cs"/>
+              </a:defRPr>
+            </a:lvl7pPr>
+            <a:lvl8pPr marL="3200400" algn="l" defTabSz="914400" rtl="0" eaLnBrk="1" latinLnBrk="1" hangingPunct="1">
+              <a:defRPr sz="1800" kern="1200">
+                <a:solidFill>
+                  <a:schemeClr val="tx1"/>
+                </a:solidFill>
+                <a:latin typeface="+mn-lt"/>
+                <a:ea typeface="+mn-ea"/>
+                <a:cs typeface="+mn-cs"/>
+              </a:defRPr>
+            </a:lvl8pPr>
+            <a:lvl9pPr marL="3657600" algn="l" defTabSz="914400" rtl="0" eaLnBrk="1" latinLnBrk="1" hangingPunct="1">
+              <a:defRPr sz="1800" kern="1200">
+                <a:solidFill>
+                  <a:schemeClr val="tx1"/>
+                </a:solidFill>
+                <a:latin typeface="+mn-lt"/>
+                <a:ea typeface="+mn-ea"/>
+                <a:cs typeface="+mn-cs"/>
+              </a:defRPr>
+            </a:lvl9pPr>
+          </a:lstStyle>
+          <a:p>
+            <a:fld id="{E887A479-1FB4-4076-82AD-4520E3445CF4}" type="slidenum">
+              <a:rPr lang="ko-KR" altLang="en-US" smtClean="0"/>
+              <a:pPr/>
+              <a:t>10</a:t>
+            </a:fld>
+            <a:endParaRPr lang="ko-KR" altLang="en-US"/>
+          </a:p>
+        </p:txBody>
+      </p:sp>
+      <p:sp>
+        <p:nvSpPr>
+          <p:cNvPr id="10" name="실행 단추: 문서 9">
+            <a:hlinkClick r:id="rId2" action="ppaction://hlinksldjump"/>
+            <a:extLst>
+              <a:ext uri="{FF2B5EF4-FFF2-40B4-BE49-F238E27FC236}">
+                <a16:creationId xmlns:a16="http://schemas.microsoft.com/office/drawing/2014/main" id="{D3B51300-8D01-42BA-8971-946BD61EBD1D}"/>
+              </a:ext>
+            </a:extLst>
+          </p:cNvPr>
+          <p:cNvSpPr/>
+          <p:nvPr/>
+        </p:nvSpPr>
+        <p:spPr>
+          <a:xfrm>
+            <a:off x="11353800" y="6416675"/>
+            <a:ext cx="646430" cy="441325"/>
+          </a:xfrm>
+          <a:prstGeom prst="actionButtonDocument">
+            <a:avLst/>
+          </a:prstGeom>
+          <a:ln>
+            <a:noFill/>
+          </a:ln>
+        </p:spPr>
+        <p:style>
+          <a:lnRef idx="2">
+            <a:schemeClr val="accent1">
+              <a:shade val="50000"/>
+            </a:schemeClr>
+          </a:lnRef>
+          <a:fillRef idx="1">
+            <a:schemeClr val="accent1"/>
+          </a:fillRef>
+          <a:effectRef idx="0">
+            <a:schemeClr val="accent1"/>
+          </a:effectRef>
+          <a:fontRef idx="minor">
+            <a:schemeClr val="lt1"/>
+          </a:fontRef>
+        </p:style>
+        <p:txBody>
+          <a:bodyPr rtlCol="0" anchor="ctr"/>
+          <a:lstStyle/>
+          <a:p>
+            <a:pPr algn="ctr"/>
+            <a:endParaRPr lang="en-US" altLang="ko-KR" sz="800" dirty="0"/>
+          </a:p>
+          <a:p>
+            <a:pPr algn="ctr"/>
+            <a:endParaRPr lang="en-US" altLang="ko-KR" sz="800" dirty="0"/>
+          </a:p>
+          <a:p>
+            <a:pPr algn="ctr"/>
+            <a:r>
+              <a:rPr lang="ko-KR" altLang="en-US" sz="800" dirty="0"/>
+              <a:t>문서 개요</a:t>
+            </a:r>
+          </a:p>
+        </p:txBody>
+      </p:sp>
+      <p:graphicFrame>
+        <p:nvGraphicFramePr>
+          <p:cNvPr id="3" name="표 3">
+            <a:extLst>
+              <a:ext uri="{FF2B5EF4-FFF2-40B4-BE49-F238E27FC236}">
+                <a16:creationId xmlns:a16="http://schemas.microsoft.com/office/drawing/2014/main" id="{893434BC-9A4E-4353-88A5-9E713776C0DD}"/>
+              </a:ext>
+            </a:extLst>
+          </p:cNvPr>
+          <p:cNvGraphicFramePr>
+            <a:graphicFrameLocks noGrp="1"/>
+          </p:cNvGraphicFramePr>
+          <p:nvPr>
+            <p:extLst>
+              <p:ext uri="{D42A27DB-BD31-4B8C-83A1-F6EECF244321}">
+                <p14:modId xmlns:p14="http://schemas.microsoft.com/office/powerpoint/2010/main" val="4283750955"/>
+              </p:ext>
+            </p:extLst>
+          </p:nvPr>
+        </p:nvGraphicFramePr>
+        <p:xfrm>
+          <a:off x="197974" y="1041400"/>
+          <a:ext cx="11156461" cy="2468880"/>
+        </p:xfrm>
+        <a:graphic>
+          <a:graphicData uri="http://schemas.openxmlformats.org/drawingml/2006/table">
+            <a:tbl>
+              <a:tblPr firstRow="1" bandRow="1">
+                <a:tableStyleId>{5C22544A-7EE6-4342-B048-85BDC9FD1C3A}</a:tableStyleId>
+              </a:tblPr>
+              <a:tblGrid>
+                <a:gridCol w="1059326">
+                  <a:extLst>
+                    <a:ext uri="{9D8B030D-6E8A-4147-A177-3AD203B41FA5}">
+                      <a16:colId xmlns:a16="http://schemas.microsoft.com/office/drawing/2014/main" val="515544403"/>
+                    </a:ext>
+                  </a:extLst>
+                </a:gridCol>
+                <a:gridCol w="5407269">
+                  <a:extLst>
+                    <a:ext uri="{9D8B030D-6E8A-4147-A177-3AD203B41FA5}">
+                      <a16:colId xmlns:a16="http://schemas.microsoft.com/office/drawing/2014/main" val="1718809965"/>
+                    </a:ext>
+                  </a:extLst>
+                </a:gridCol>
+                <a:gridCol w="4689866">
+                  <a:extLst>
+                    <a:ext uri="{9D8B030D-6E8A-4147-A177-3AD203B41FA5}">
+                      <a16:colId xmlns:a16="http://schemas.microsoft.com/office/drawing/2014/main" val="2931955143"/>
+                    </a:ext>
+                  </a:extLst>
+                </a:gridCol>
+              </a:tblGrid>
+              <a:tr h="245029">
+                <a:tc gridSpan="3">
+                  <a:txBody>
+                    <a:bodyPr/>
+                    <a:lstStyle/>
+                    <a:p>
+                      <a:pPr latinLnBrk="1"/>
+                      <a:r>
+                        <a:rPr lang="ko-KR" altLang="en-US" dirty="0"/>
+                        <a:t>메인 스토리</a:t>
+                      </a:r>
+                    </a:p>
+                  </a:txBody>
+                  <a:tcPr/>
+                </a:tc>
+                <a:tc hMerge="1">
+                  <a:txBody>
+                    <a:bodyPr/>
+                    <a:lstStyle/>
+                    <a:p>
+                      <a:pPr latinLnBrk="1"/>
+                      <a:endParaRPr lang="ko-KR" altLang="en-US" dirty="0"/>
+                    </a:p>
+                  </a:txBody>
+                  <a:tcPr/>
+                </a:tc>
+                <a:tc hMerge="1">
+                  <a:txBody>
+                    <a:bodyPr/>
+                    <a:lstStyle/>
+                    <a:p>
+                      <a:pPr latinLnBrk="1"/>
+                      <a:endParaRPr lang="ko-KR" altLang="en-US" dirty="0"/>
+                    </a:p>
+                  </a:txBody>
+                  <a:tcPr/>
+                </a:tc>
+                <a:extLst>
+                  <a:ext uri="{0D108BD9-81ED-4DB2-BD59-A6C34878D82A}">
+                    <a16:rowId xmlns:a16="http://schemas.microsoft.com/office/drawing/2014/main" val="1503020092"/>
+                  </a:ext>
+                </a:extLst>
+              </a:tr>
+              <a:tr h="151338">
+                <a:tc>
+                  <a:txBody>
+                    <a:bodyPr/>
+                    <a:lstStyle/>
+                    <a:p>
+                      <a:pPr latinLnBrk="1"/>
+                      <a:r>
+                        <a:rPr lang="ko-KR" altLang="en-US" dirty="0"/>
+                        <a:t>이름</a:t>
+                      </a:r>
+                    </a:p>
+                  </a:txBody>
+                  <a:tcPr/>
+                </a:tc>
+                <a:tc>
+                  <a:txBody>
+                    <a:bodyPr/>
+                    <a:lstStyle/>
+                    <a:p>
+                      <a:pPr latinLnBrk="1"/>
+                      <a:r>
+                        <a:rPr lang="ko-KR" altLang="en-US" dirty="0"/>
+                        <a:t>내용</a:t>
+                      </a:r>
+                    </a:p>
+                  </a:txBody>
+                  <a:tcPr/>
+                </a:tc>
+                <a:tc>
+                  <a:txBody>
+                    <a:bodyPr/>
+                    <a:lstStyle/>
+                    <a:p>
+                      <a:pPr latinLnBrk="1"/>
+                      <a:r>
+                        <a:rPr lang="ko-KR" altLang="en-US" dirty="0"/>
+                        <a:t>퀘스트</a:t>
+                      </a:r>
+                    </a:p>
+                  </a:txBody>
+                  <a:tcPr/>
+                </a:tc>
+                <a:extLst>
+                  <a:ext uri="{0D108BD9-81ED-4DB2-BD59-A6C34878D82A}">
+                    <a16:rowId xmlns:a16="http://schemas.microsoft.com/office/drawing/2014/main" val="7395675"/>
+                  </a:ext>
+                </a:extLst>
+              </a:tr>
+              <a:tr h="245029">
+                <a:tc>
+                  <a:txBody>
+                    <a:bodyPr/>
+                    <a:lstStyle/>
+                    <a:p>
+                      <a:pPr latinLnBrk="1"/>
+                      <a:r>
+                        <a:rPr lang="ko-KR" altLang="en-US" dirty="0"/>
+                        <a:t>원귀</a:t>
+                      </a:r>
+                    </a:p>
+                  </a:txBody>
+                  <a:tcPr/>
+                </a:tc>
+                <a:tc>
+                  <a:txBody>
+                    <a:bodyPr/>
+                    <a:lstStyle/>
+                    <a:p>
+                      <a:pPr latinLnBrk="1"/>
+                      <a:r>
+                        <a:rPr lang="ko-KR" altLang="en-US" dirty="0"/>
+                        <a:t>동쪽 해안가에 작은 마을에서 원귀가 나타나 문제가 되고 있어 토벌단에 의뢰가 들어왔다</a:t>
+                      </a:r>
+                      <a:r>
+                        <a:rPr lang="en-US" altLang="ko-KR" dirty="0"/>
+                        <a:t>.</a:t>
+                      </a:r>
+                    </a:p>
+                  </a:txBody>
+                  <a:tcPr/>
+                </a:tc>
+                <a:tc>
+                  <a:txBody>
+                    <a:bodyPr/>
+                    <a:lstStyle/>
+                    <a:p>
+                      <a:pPr latinLnBrk="1"/>
+                      <a:r>
+                        <a:rPr lang="ko-KR" altLang="en-US" dirty="0"/>
+                        <a:t>원귀 토벌</a:t>
+                      </a:r>
+                      <a:r>
+                        <a:rPr lang="en-US" altLang="ko-KR" dirty="0"/>
+                        <a:t>, </a:t>
+                      </a:r>
+                      <a:r>
+                        <a:rPr lang="ko-KR" altLang="en-US" dirty="0"/>
+                        <a:t>원귀 제령</a:t>
+                      </a:r>
+                    </a:p>
+                  </a:txBody>
+                  <a:tcPr/>
+                </a:tc>
+                <a:extLst>
+                  <a:ext uri="{0D108BD9-81ED-4DB2-BD59-A6C34878D82A}">
+                    <a16:rowId xmlns:a16="http://schemas.microsoft.com/office/drawing/2014/main" val="2227763353"/>
+                  </a:ext>
+                </a:extLst>
+              </a:tr>
+              <a:tr h="245029">
+                <a:tc>
+                  <a:txBody>
+                    <a:bodyPr/>
+                    <a:lstStyle/>
+                    <a:p>
+                      <a:pPr latinLnBrk="1"/>
+                      <a:r>
+                        <a:rPr lang="ko-KR" altLang="en-US" dirty="0" err="1"/>
+                        <a:t>산군</a:t>
+                      </a:r>
+                      <a:endParaRPr lang="ko-KR" altLang="en-US" dirty="0"/>
+                    </a:p>
+                  </a:txBody>
+                  <a:tcPr/>
+                </a:tc>
+                <a:tc>
+                  <a:txBody>
+                    <a:bodyPr/>
+                    <a:lstStyle/>
+                    <a:p>
+                      <a:pPr latinLnBrk="1"/>
+                      <a:endParaRPr lang="ko-KR" altLang="en-US" dirty="0"/>
+                    </a:p>
+                  </a:txBody>
+                  <a:tcPr/>
+                </a:tc>
+                <a:tc>
+                  <a:txBody>
+                    <a:bodyPr/>
+                    <a:lstStyle/>
+                    <a:p>
+                      <a:pPr latinLnBrk="1"/>
+                      <a:endParaRPr lang="ko-KR" altLang="en-US" dirty="0"/>
+                    </a:p>
+                  </a:txBody>
+                  <a:tcPr/>
+                </a:tc>
+                <a:extLst>
+                  <a:ext uri="{0D108BD9-81ED-4DB2-BD59-A6C34878D82A}">
+                    <a16:rowId xmlns:a16="http://schemas.microsoft.com/office/drawing/2014/main" val="502861429"/>
+                  </a:ext>
+                </a:extLst>
+              </a:tr>
+              <a:tr h="245029">
+                <a:tc>
+                  <a:txBody>
+                    <a:bodyPr/>
+                    <a:lstStyle/>
+                    <a:p>
+                      <a:pPr latinLnBrk="1"/>
+                      <a:r>
+                        <a:rPr lang="ko-KR" altLang="en-US" dirty="0"/>
+                        <a:t>서생원</a:t>
+                      </a:r>
+                    </a:p>
+                  </a:txBody>
+                  <a:tcPr/>
+                </a:tc>
+                <a:tc>
+                  <a:txBody>
+                    <a:bodyPr/>
+                    <a:lstStyle/>
+                    <a:p>
+                      <a:pPr latinLnBrk="1"/>
+                      <a:endParaRPr lang="ko-KR" altLang="en-US" dirty="0"/>
+                    </a:p>
+                  </a:txBody>
+                  <a:tcPr/>
+                </a:tc>
+                <a:tc>
+                  <a:txBody>
+                    <a:bodyPr/>
+                    <a:lstStyle/>
+                    <a:p>
+                      <a:pPr latinLnBrk="1"/>
+                      <a:endParaRPr lang="ko-KR" altLang="en-US" dirty="0"/>
+                    </a:p>
+                  </a:txBody>
+                  <a:tcPr/>
+                </a:tc>
+                <a:extLst>
+                  <a:ext uri="{0D108BD9-81ED-4DB2-BD59-A6C34878D82A}">
+                    <a16:rowId xmlns:a16="http://schemas.microsoft.com/office/drawing/2014/main" val="1162307497"/>
+                  </a:ext>
+                </a:extLst>
+              </a:tr>
+              <a:tr h="245029">
+                <a:tc>
+                  <a:txBody>
+                    <a:bodyPr/>
+                    <a:lstStyle/>
+                    <a:p>
+                      <a:pPr latinLnBrk="1"/>
+                      <a:r>
+                        <a:rPr lang="ko-KR" altLang="en-US" dirty="0"/>
+                        <a:t>망령</a:t>
+                      </a:r>
+                    </a:p>
+                  </a:txBody>
+                  <a:tcPr/>
+                </a:tc>
+                <a:tc>
+                  <a:txBody>
+                    <a:bodyPr/>
+                    <a:lstStyle/>
+                    <a:p>
+                      <a:pPr latinLnBrk="1"/>
+                      <a:endParaRPr lang="ko-KR" altLang="en-US" dirty="0"/>
+                    </a:p>
+                  </a:txBody>
+                  <a:tcPr/>
+                </a:tc>
+                <a:tc>
+                  <a:txBody>
+                    <a:bodyPr/>
+                    <a:lstStyle/>
+                    <a:p>
+                      <a:pPr latinLnBrk="1"/>
+                      <a:endParaRPr lang="ko-KR" altLang="en-US" dirty="0"/>
+                    </a:p>
+                  </a:txBody>
+                  <a:tcPr/>
+                </a:tc>
+                <a:extLst>
+                  <a:ext uri="{0D108BD9-81ED-4DB2-BD59-A6C34878D82A}">
+                    <a16:rowId xmlns:a16="http://schemas.microsoft.com/office/drawing/2014/main" val="1162199590"/>
+                  </a:ext>
+                </a:extLst>
+              </a:tr>
+            </a:tbl>
+          </a:graphicData>
+        </a:graphic>
+      </p:graphicFrame>
+    </p:spTree>
+    <p:extLst>
+      <p:ext uri="{BB962C8B-B14F-4D97-AF65-F5344CB8AC3E}">
+        <p14:creationId xmlns:p14="http://schemas.microsoft.com/office/powerpoint/2010/main" val="2874665979"/>
+      </p:ext>
+    </p:extLst>
+  </p:cSld>
+  <p:clrMapOvr>
+    <a:masterClrMapping/>
+  </p:clrMapOvr>
+  <mc:AlternateContent xmlns:mc="http://schemas.openxmlformats.org/markup-compatibility/2006" xmlns:p159="http://schemas.microsoft.com/office/powerpoint/2015/09/main">
+    <mc:Choice Requires="p159">
+      <p:transition xmlns:p14="http://schemas.microsoft.com/office/powerpoint/2010/main" spd="slow" p14:dur="2000">
+        <p159:morph option="byObject"/>
+      </p:transition>
+    </mc:Choice>
     <mc:Fallback xmlns:p14="http://schemas.microsoft.com/office/powerpoint/2010/main" xmlns="">
       <p:transition spd="slow">
         <p:fade/>
@@ -4152,8 +4867,1266 @@
 </p:sld>
 </file>
 
-<file path=ppt/slides/slide10.xml><?xml version="1.0" encoding="utf-8"?>
-<p:sld xmlns:a="http://schemas.openxmlformats.org/drawingml/2006/main" xmlns:r="http://schemas.openxmlformats.org/officeDocument/2006/relationships" xmlns:p="http://schemas.openxmlformats.org/presentationml/2006/main" xmlns:p14="http://schemas.microsoft.com/office/powerpoint/2010/main">
+<file path=ppt/slides/slide11.xml><?xml version="1.0" encoding="utf-8"?>
+<p:sld xmlns:a="http://schemas.openxmlformats.org/drawingml/2006/main" xmlns:r="http://schemas.openxmlformats.org/officeDocument/2006/relationships" xmlns:p="http://schemas.openxmlformats.org/presentationml/2006/main">
+  <p:cSld>
+    <p:spTree>
+      <p:nvGrpSpPr>
+        <p:cNvPr id="1" name=""/>
+        <p:cNvGrpSpPr/>
+        <p:nvPr/>
+      </p:nvGrpSpPr>
+      <p:grpSpPr>
+        <a:xfrm>
+          <a:off x="0" y="0"/>
+          <a:ext cx="0" cy="0"/>
+          <a:chOff x="0" y="0"/>
+          <a:chExt cx="0" cy="0"/>
+        </a:xfrm>
+      </p:grpSpPr>
+      <p:sp>
+        <p:nvSpPr>
+          <p:cNvPr id="6" name="Rect 0"/>
+          <p:cNvSpPr txBox="1">
+            <a:spLocks/>
+          </p:cNvSpPr>
+          <p:nvPr/>
+        </p:nvSpPr>
+        <p:spPr>
+          <a:xfrm flipH="1">
+            <a:off x="192405" y="335280"/>
+            <a:ext cx="3765550" cy="645795"/>
+          </a:xfrm>
+          <a:prstGeom prst="rect">
+            <a:avLst/>
+          </a:prstGeom>
+          <a:noFill/>
+        </p:spPr>
+        <p:txBody>
+          <a:bodyPr vert="horz" wrap="square" lIns="91440" tIns="45720" rIns="91440" bIns="45720" numCol="1" anchor="t">
+            <a:spAutoFit/>
+          </a:bodyPr>
+          <a:lstStyle/>
+          <a:p>
+            <a:pPr marL="0" indent="0" latinLnBrk="0">
+              <a:buFontTx/>
+              <a:buNone/>
+            </a:pPr>
+            <a:r>
+              <a:rPr lang="ko-KR" altLang="en-US" sz="3600" b="1" dirty="0">
+                <a:solidFill>
+                  <a:schemeClr val="accent1">
+                    <a:lumMod val="50000"/>
+                  </a:schemeClr>
+                </a:solidFill>
+                <a:latin typeface="나눔스퀘어 ExtraBold" charset="0"/>
+                <a:ea typeface="나눔스퀘어 ExtraBold" charset="0"/>
+              </a:rPr>
+              <a:t>6.</a:t>
+            </a:r>
+          </a:p>
+        </p:txBody>
+      </p:sp>
+      <p:sp>
+        <p:nvSpPr>
+          <p:cNvPr id="2" name="슬라이드 번호 개체 틀 1">
+            <a:extLst>
+              <a:ext uri="{FF2B5EF4-FFF2-40B4-BE49-F238E27FC236}">
+                <a16:creationId xmlns:a16="http://schemas.microsoft.com/office/drawing/2014/main" id="{12097A5C-65DA-42A1-9F6D-09DE0D179DE5}"/>
+              </a:ext>
+            </a:extLst>
+          </p:cNvPr>
+          <p:cNvSpPr>
+            <a:spLocks noGrp="1"/>
+          </p:cNvSpPr>
+          <p:nvPr>
+            <p:ph type="sldNum" sz="quarter" idx="12"/>
+          </p:nvPr>
+        </p:nvSpPr>
+        <p:spPr>
+          <a:xfrm>
+            <a:off x="8610600" y="6356350"/>
+            <a:ext cx="2743835" cy="365760"/>
+          </a:xfrm>
+        </p:spPr>
+        <p:txBody>
+          <a:bodyPr/>
+          <a:lstStyle/>
+          <a:p>
+            <a:fld id="{E887A479-1FB4-4076-82AD-4520E3445CF4}" type="slidenum">
+              <a:rPr lang="ko-KR" altLang="en-US" smtClean="0"/>
+              <a:t>11</a:t>
+            </a:fld>
+            <a:endParaRPr lang="ko-KR" altLang="en-US"/>
+          </a:p>
+        </p:txBody>
+      </p:sp>
+      <p:sp>
+        <p:nvSpPr>
+          <p:cNvPr id="8" name="실행 단추: 문서 7">
+            <a:hlinkClick r:id="rId2" action="ppaction://hlinksldjump"/>
+            <a:extLst>
+              <a:ext uri="{FF2B5EF4-FFF2-40B4-BE49-F238E27FC236}">
+                <a16:creationId xmlns:a16="http://schemas.microsoft.com/office/drawing/2014/main" id="{B5112F00-038E-45A9-9EF4-2253F2E230F8}"/>
+              </a:ext>
+            </a:extLst>
+          </p:cNvPr>
+          <p:cNvSpPr/>
+          <p:nvPr/>
+        </p:nvSpPr>
+        <p:spPr>
+          <a:xfrm>
+            <a:off x="11353800" y="6416675"/>
+            <a:ext cx="646430" cy="441325"/>
+          </a:xfrm>
+          <a:prstGeom prst="actionButtonDocument">
+            <a:avLst/>
+          </a:prstGeom>
+          <a:ln>
+            <a:noFill/>
+          </a:ln>
+        </p:spPr>
+        <p:style>
+          <a:lnRef idx="2">
+            <a:schemeClr val="accent1">
+              <a:shade val="50000"/>
+            </a:schemeClr>
+          </a:lnRef>
+          <a:fillRef idx="1">
+            <a:schemeClr val="accent1"/>
+          </a:fillRef>
+          <a:effectRef idx="0">
+            <a:schemeClr val="accent1"/>
+          </a:effectRef>
+          <a:fontRef idx="minor">
+            <a:schemeClr val="lt1"/>
+          </a:fontRef>
+        </p:style>
+        <p:txBody>
+          <a:bodyPr rtlCol="0" anchor="ctr"/>
+          <a:lstStyle/>
+          <a:p>
+            <a:pPr algn="ctr"/>
+            <a:endParaRPr lang="en-US" altLang="ko-KR" sz="800" dirty="0"/>
+          </a:p>
+          <a:p>
+            <a:pPr algn="ctr"/>
+            <a:endParaRPr lang="en-US" altLang="ko-KR" sz="800" dirty="0"/>
+          </a:p>
+          <a:p>
+            <a:pPr algn="ctr"/>
+            <a:r>
+              <a:rPr lang="ko-KR" altLang="en-US" sz="800" dirty="0"/>
+              <a:t>문서 개요</a:t>
+            </a:r>
+          </a:p>
+        </p:txBody>
+      </p:sp>
+      <p:sp>
+        <p:nvSpPr>
+          <p:cNvPr id="9" name="슬라이드 번호 개체 틀 1">
+            <a:extLst>
+              <a:ext uri="{FF2B5EF4-FFF2-40B4-BE49-F238E27FC236}">
+                <a16:creationId xmlns:a16="http://schemas.microsoft.com/office/drawing/2014/main" id="{830462B4-61D2-4C54-9B09-C3AB0FBCD56B}"/>
+              </a:ext>
+            </a:extLst>
+          </p:cNvPr>
+          <p:cNvSpPr txBox="1">
+            <a:spLocks/>
+          </p:cNvSpPr>
+          <p:nvPr/>
+        </p:nvSpPr>
+        <p:spPr>
+          <a:xfrm>
+            <a:off x="8610600" y="6356350"/>
+            <a:ext cx="2743835" cy="365760"/>
+          </a:xfrm>
+          <a:prstGeom prst="rect">
+            <a:avLst/>
+          </a:prstGeom>
+        </p:spPr>
+        <p:txBody>
+          <a:bodyPr vert="horz" lIns="91440" tIns="45720" rIns="91440" bIns="45720" rtlCol="0" anchor="ctr"/>
+          <a:lstStyle>
+            <a:defPPr>
+              <a:defRPr lang="ko-KR"/>
+            </a:defPPr>
+            <a:lvl1pPr marL="0" algn="r" defTabSz="914400" rtl="0" eaLnBrk="1" latinLnBrk="1" hangingPunct="1">
+              <a:defRPr sz="1200" kern="1200">
+                <a:solidFill>
+                  <a:schemeClr val="tx1">
+                    <a:tint val="75000"/>
+                  </a:schemeClr>
+                </a:solidFill>
+                <a:latin typeface="+mn-lt"/>
+                <a:ea typeface="+mn-ea"/>
+                <a:cs typeface="+mn-cs"/>
+              </a:defRPr>
+            </a:lvl1pPr>
+            <a:lvl2pPr marL="457200" algn="l" defTabSz="914400" rtl="0" eaLnBrk="1" latinLnBrk="1" hangingPunct="1">
+              <a:defRPr sz="1800" kern="1200">
+                <a:solidFill>
+                  <a:schemeClr val="tx1"/>
+                </a:solidFill>
+                <a:latin typeface="+mn-lt"/>
+                <a:ea typeface="+mn-ea"/>
+                <a:cs typeface="+mn-cs"/>
+              </a:defRPr>
+            </a:lvl2pPr>
+            <a:lvl3pPr marL="914400" algn="l" defTabSz="914400" rtl="0" eaLnBrk="1" latinLnBrk="1" hangingPunct="1">
+              <a:defRPr sz="1800" kern="1200">
+                <a:solidFill>
+                  <a:schemeClr val="tx1"/>
+                </a:solidFill>
+                <a:latin typeface="+mn-lt"/>
+                <a:ea typeface="+mn-ea"/>
+                <a:cs typeface="+mn-cs"/>
+              </a:defRPr>
+            </a:lvl3pPr>
+            <a:lvl4pPr marL="1371600" algn="l" defTabSz="914400" rtl="0" eaLnBrk="1" latinLnBrk="1" hangingPunct="1">
+              <a:defRPr sz="1800" kern="1200">
+                <a:solidFill>
+                  <a:schemeClr val="tx1"/>
+                </a:solidFill>
+                <a:latin typeface="+mn-lt"/>
+                <a:ea typeface="+mn-ea"/>
+                <a:cs typeface="+mn-cs"/>
+              </a:defRPr>
+            </a:lvl4pPr>
+            <a:lvl5pPr marL="1828800" algn="l" defTabSz="914400" rtl="0" eaLnBrk="1" latinLnBrk="1" hangingPunct="1">
+              <a:defRPr sz="1800" kern="1200">
+                <a:solidFill>
+                  <a:schemeClr val="tx1"/>
+                </a:solidFill>
+                <a:latin typeface="+mn-lt"/>
+                <a:ea typeface="+mn-ea"/>
+                <a:cs typeface="+mn-cs"/>
+              </a:defRPr>
+            </a:lvl5pPr>
+            <a:lvl6pPr marL="2286000" algn="l" defTabSz="914400" rtl="0" eaLnBrk="1" latinLnBrk="1" hangingPunct="1">
+              <a:defRPr sz="1800" kern="1200">
+                <a:solidFill>
+                  <a:schemeClr val="tx1"/>
+                </a:solidFill>
+                <a:latin typeface="+mn-lt"/>
+                <a:ea typeface="+mn-ea"/>
+                <a:cs typeface="+mn-cs"/>
+              </a:defRPr>
+            </a:lvl6pPr>
+            <a:lvl7pPr marL="2743200" algn="l" defTabSz="914400" rtl="0" eaLnBrk="1" latinLnBrk="1" hangingPunct="1">
+              <a:defRPr sz="1800" kern="1200">
+                <a:solidFill>
+                  <a:schemeClr val="tx1"/>
+                </a:solidFill>
+                <a:latin typeface="+mn-lt"/>
+                <a:ea typeface="+mn-ea"/>
+                <a:cs typeface="+mn-cs"/>
+              </a:defRPr>
+            </a:lvl7pPr>
+            <a:lvl8pPr marL="3200400" algn="l" defTabSz="914400" rtl="0" eaLnBrk="1" latinLnBrk="1" hangingPunct="1">
+              <a:defRPr sz="1800" kern="1200">
+                <a:solidFill>
+                  <a:schemeClr val="tx1"/>
+                </a:solidFill>
+                <a:latin typeface="+mn-lt"/>
+                <a:ea typeface="+mn-ea"/>
+                <a:cs typeface="+mn-cs"/>
+              </a:defRPr>
+            </a:lvl8pPr>
+            <a:lvl9pPr marL="3657600" algn="l" defTabSz="914400" rtl="0" eaLnBrk="1" latinLnBrk="1" hangingPunct="1">
+              <a:defRPr sz="1800" kern="1200">
+                <a:solidFill>
+                  <a:schemeClr val="tx1"/>
+                </a:solidFill>
+                <a:latin typeface="+mn-lt"/>
+                <a:ea typeface="+mn-ea"/>
+                <a:cs typeface="+mn-cs"/>
+              </a:defRPr>
+            </a:lvl9pPr>
+          </a:lstStyle>
+          <a:p>
+            <a:fld id="{E887A479-1FB4-4076-82AD-4520E3445CF4}" type="slidenum">
+              <a:rPr lang="ko-KR" altLang="en-US" smtClean="0"/>
+              <a:pPr/>
+              <a:t>11</a:t>
+            </a:fld>
+            <a:endParaRPr lang="ko-KR" altLang="en-US"/>
+          </a:p>
+        </p:txBody>
+      </p:sp>
+      <p:sp>
+        <p:nvSpPr>
+          <p:cNvPr id="10" name="실행 단추: 문서 9">
+            <a:hlinkClick r:id="rId2" action="ppaction://hlinksldjump"/>
+            <a:extLst>
+              <a:ext uri="{FF2B5EF4-FFF2-40B4-BE49-F238E27FC236}">
+                <a16:creationId xmlns:a16="http://schemas.microsoft.com/office/drawing/2014/main" id="{D3B51300-8D01-42BA-8971-946BD61EBD1D}"/>
+              </a:ext>
+            </a:extLst>
+          </p:cNvPr>
+          <p:cNvSpPr/>
+          <p:nvPr/>
+        </p:nvSpPr>
+        <p:spPr>
+          <a:xfrm>
+            <a:off x="11353800" y="6416675"/>
+            <a:ext cx="646430" cy="441325"/>
+          </a:xfrm>
+          <a:prstGeom prst="actionButtonDocument">
+            <a:avLst/>
+          </a:prstGeom>
+          <a:ln>
+            <a:noFill/>
+          </a:ln>
+        </p:spPr>
+        <p:style>
+          <a:lnRef idx="2">
+            <a:schemeClr val="accent1">
+              <a:shade val="50000"/>
+            </a:schemeClr>
+          </a:lnRef>
+          <a:fillRef idx="1">
+            <a:schemeClr val="accent1"/>
+          </a:fillRef>
+          <a:effectRef idx="0">
+            <a:schemeClr val="accent1"/>
+          </a:effectRef>
+          <a:fontRef idx="minor">
+            <a:schemeClr val="lt1"/>
+          </a:fontRef>
+        </p:style>
+        <p:txBody>
+          <a:bodyPr rtlCol="0" anchor="ctr"/>
+          <a:lstStyle/>
+          <a:p>
+            <a:pPr algn="ctr"/>
+            <a:endParaRPr lang="en-US" altLang="ko-KR" sz="800" dirty="0"/>
+          </a:p>
+          <a:p>
+            <a:pPr algn="ctr"/>
+            <a:endParaRPr lang="en-US" altLang="ko-KR" sz="800" dirty="0"/>
+          </a:p>
+          <a:p>
+            <a:pPr algn="ctr"/>
+            <a:r>
+              <a:rPr lang="ko-KR" altLang="en-US" sz="800" dirty="0"/>
+              <a:t>문서 개요</a:t>
+            </a:r>
+          </a:p>
+        </p:txBody>
+      </p:sp>
+      <p:graphicFrame>
+        <p:nvGraphicFramePr>
+          <p:cNvPr id="3" name="표 3">
+            <a:extLst>
+              <a:ext uri="{FF2B5EF4-FFF2-40B4-BE49-F238E27FC236}">
+                <a16:creationId xmlns:a16="http://schemas.microsoft.com/office/drawing/2014/main" id="{B5905AE3-86B4-462A-A9F7-EE3E2C992F95}"/>
+              </a:ext>
+            </a:extLst>
+          </p:cNvPr>
+          <p:cNvGraphicFramePr>
+            <a:graphicFrameLocks noGrp="1"/>
+          </p:cNvGraphicFramePr>
+          <p:nvPr>
+            <p:extLst>
+              <p:ext uri="{D42A27DB-BD31-4B8C-83A1-F6EECF244321}">
+                <p14:modId xmlns:p14="http://schemas.microsoft.com/office/powerpoint/2010/main" val="1745304513"/>
+              </p:ext>
+            </p:extLst>
+          </p:nvPr>
+        </p:nvGraphicFramePr>
+        <p:xfrm>
+          <a:off x="570278" y="1202373"/>
+          <a:ext cx="1680553" cy="4389120"/>
+        </p:xfrm>
+        <a:graphic>
+          <a:graphicData uri="http://schemas.openxmlformats.org/drawingml/2006/table">
+            <a:tbl>
+              <a:tblPr firstRow="1" bandRow="1">
+                <a:tableStyleId>{5C22544A-7EE6-4342-B048-85BDC9FD1C3A}</a:tableStyleId>
+              </a:tblPr>
+              <a:tblGrid>
+                <a:gridCol w="528760">
+                  <a:extLst>
+                    <a:ext uri="{9D8B030D-6E8A-4147-A177-3AD203B41FA5}">
+                      <a16:colId xmlns:a16="http://schemas.microsoft.com/office/drawing/2014/main" val="239060046"/>
+                    </a:ext>
+                  </a:extLst>
+                </a:gridCol>
+                <a:gridCol w="1151793">
+                  <a:extLst>
+                    <a:ext uri="{9D8B030D-6E8A-4147-A177-3AD203B41FA5}">
+                      <a16:colId xmlns:a16="http://schemas.microsoft.com/office/drawing/2014/main" val="82867442"/>
+                    </a:ext>
+                  </a:extLst>
+                </a:gridCol>
+              </a:tblGrid>
+              <a:tr h="234643">
+                <a:tc gridSpan="2">
+                  <a:txBody>
+                    <a:bodyPr/>
+                    <a:lstStyle/>
+                    <a:p>
+                      <a:pPr latinLnBrk="1"/>
+                      <a:r>
+                        <a:rPr lang="ko-KR" altLang="en-US" dirty="0" err="1"/>
+                        <a:t>한손</a:t>
+                      </a:r>
+                      <a:r>
+                        <a:rPr lang="ko-KR" altLang="en-US" dirty="0"/>
+                        <a:t> 무기</a:t>
+                      </a:r>
+                    </a:p>
+                  </a:txBody>
+                  <a:tcPr/>
+                </a:tc>
+                <a:tc hMerge="1">
+                  <a:txBody>
+                    <a:bodyPr/>
+                    <a:lstStyle/>
+                    <a:p>
+                      <a:pPr latinLnBrk="1"/>
+                      <a:endParaRPr lang="ko-KR" altLang="en-US" dirty="0"/>
+                    </a:p>
+                  </a:txBody>
+                  <a:tcPr/>
+                </a:tc>
+                <a:extLst>
+                  <a:ext uri="{0D108BD9-81ED-4DB2-BD59-A6C34878D82A}">
+                    <a16:rowId xmlns:a16="http://schemas.microsoft.com/office/drawing/2014/main" val="3346701247"/>
+                  </a:ext>
+                </a:extLst>
+              </a:tr>
+              <a:tr h="234643">
+                <a:tc gridSpan="2">
+                  <a:txBody>
+                    <a:bodyPr/>
+                    <a:lstStyle/>
+                    <a:p>
+                      <a:pPr latinLnBrk="1"/>
+                      <a:r>
+                        <a:rPr lang="ko-KR" altLang="en-US" dirty="0"/>
+                        <a:t>종류</a:t>
+                      </a:r>
+                    </a:p>
+                  </a:txBody>
+                  <a:tcPr/>
+                </a:tc>
+                <a:tc hMerge="1">
+                  <a:txBody>
+                    <a:bodyPr/>
+                    <a:lstStyle/>
+                    <a:p>
+                      <a:pPr latinLnBrk="1"/>
+                      <a:endParaRPr lang="ko-KR" altLang="en-US"/>
+                    </a:p>
+                  </a:txBody>
+                  <a:tcPr/>
+                </a:tc>
+                <a:extLst>
+                  <a:ext uri="{0D108BD9-81ED-4DB2-BD59-A6C34878D82A}">
+                    <a16:rowId xmlns:a16="http://schemas.microsoft.com/office/drawing/2014/main" val="981070671"/>
+                  </a:ext>
+                </a:extLst>
+              </a:tr>
+              <a:tr h="234643">
+                <a:tc rowSpan="2">
+                  <a:txBody>
+                    <a:bodyPr/>
+                    <a:lstStyle/>
+                    <a:p>
+                      <a:pPr algn="ctr" latinLnBrk="1"/>
+                      <a:r>
+                        <a:rPr lang="ko-KR" altLang="en-US" dirty="0"/>
+                        <a:t>도검</a:t>
+                      </a:r>
+                    </a:p>
+                  </a:txBody>
+                  <a:tcPr anchor="ctr"/>
+                </a:tc>
+                <a:tc>
+                  <a:txBody>
+                    <a:bodyPr/>
+                    <a:lstStyle/>
+                    <a:p>
+                      <a:pPr algn="ctr" latinLnBrk="1"/>
+                      <a:r>
+                        <a:rPr lang="ko-KR" altLang="en-US" dirty="0"/>
+                        <a:t>검</a:t>
+                      </a:r>
+                    </a:p>
+                  </a:txBody>
+                  <a:tcPr anchor="ctr"/>
+                </a:tc>
+                <a:extLst>
+                  <a:ext uri="{0D108BD9-81ED-4DB2-BD59-A6C34878D82A}">
+                    <a16:rowId xmlns:a16="http://schemas.microsoft.com/office/drawing/2014/main" val="305739087"/>
+                  </a:ext>
+                </a:extLst>
+              </a:tr>
+              <a:tr h="234643">
+                <a:tc vMerge="1">
+                  <a:txBody>
+                    <a:bodyPr/>
+                    <a:lstStyle/>
+                    <a:p>
+                      <a:pPr latinLnBrk="1"/>
+                      <a:endParaRPr lang="ko-KR" altLang="en-US" dirty="0"/>
+                    </a:p>
+                  </a:txBody>
+                  <a:tcPr/>
+                </a:tc>
+                <a:tc>
+                  <a:txBody>
+                    <a:bodyPr/>
+                    <a:lstStyle/>
+                    <a:p>
+                      <a:pPr algn="ctr" latinLnBrk="1"/>
+                      <a:r>
+                        <a:rPr lang="ko-KR" altLang="en-US" dirty="0"/>
+                        <a:t>도</a:t>
+                      </a:r>
+                    </a:p>
+                  </a:txBody>
+                  <a:tcPr anchor="ctr"/>
+                </a:tc>
+                <a:extLst>
+                  <a:ext uri="{0D108BD9-81ED-4DB2-BD59-A6C34878D82A}">
+                    <a16:rowId xmlns:a16="http://schemas.microsoft.com/office/drawing/2014/main" val="1896920252"/>
+                  </a:ext>
+                </a:extLst>
+              </a:tr>
+              <a:tr h="234643">
+                <a:tc rowSpan="2">
+                  <a:txBody>
+                    <a:bodyPr/>
+                    <a:lstStyle/>
+                    <a:p>
+                      <a:pPr algn="ctr" latinLnBrk="1"/>
+                      <a:r>
+                        <a:rPr lang="ko-KR" altLang="en-US" dirty="0"/>
+                        <a:t>둔기</a:t>
+                      </a:r>
+                    </a:p>
+                  </a:txBody>
+                  <a:tcPr anchor="ctr"/>
+                </a:tc>
+                <a:tc>
+                  <a:txBody>
+                    <a:bodyPr/>
+                    <a:lstStyle/>
+                    <a:p>
+                      <a:pPr algn="ctr" latinLnBrk="1"/>
+                      <a:r>
+                        <a:rPr lang="ko-KR" altLang="en-US" dirty="0"/>
+                        <a:t>몽둥이</a:t>
+                      </a:r>
+                      <a:endParaRPr lang="en-US" altLang="ko-KR" dirty="0"/>
+                    </a:p>
+                  </a:txBody>
+                  <a:tcPr anchor="ctr"/>
+                </a:tc>
+                <a:extLst>
+                  <a:ext uri="{0D108BD9-81ED-4DB2-BD59-A6C34878D82A}">
+                    <a16:rowId xmlns:a16="http://schemas.microsoft.com/office/drawing/2014/main" val="1984329945"/>
+                  </a:ext>
+                </a:extLst>
+              </a:tr>
+              <a:tr h="234643">
+                <a:tc vMerge="1">
+                  <a:txBody>
+                    <a:bodyPr/>
+                    <a:lstStyle/>
+                    <a:p>
+                      <a:pPr latinLnBrk="1"/>
+                      <a:endParaRPr lang="ko-KR" altLang="en-US" dirty="0"/>
+                    </a:p>
+                  </a:txBody>
+                  <a:tcPr/>
+                </a:tc>
+                <a:tc>
+                  <a:txBody>
+                    <a:bodyPr/>
+                    <a:lstStyle/>
+                    <a:p>
+                      <a:pPr algn="ctr" latinLnBrk="1"/>
+                      <a:r>
+                        <a:rPr lang="ko-KR" altLang="en-US" dirty="0"/>
+                        <a:t>망치</a:t>
+                      </a:r>
+                    </a:p>
+                  </a:txBody>
+                  <a:tcPr anchor="ctr"/>
+                </a:tc>
+                <a:extLst>
+                  <a:ext uri="{0D108BD9-81ED-4DB2-BD59-A6C34878D82A}">
+                    <a16:rowId xmlns:a16="http://schemas.microsoft.com/office/drawing/2014/main" val="1559929234"/>
+                  </a:ext>
+                </a:extLst>
+              </a:tr>
+              <a:tr h="234643">
+                <a:tc gridSpan="2">
+                  <a:txBody>
+                    <a:bodyPr/>
+                    <a:lstStyle/>
+                    <a:p>
+                      <a:pPr algn="ctr" latinLnBrk="1"/>
+                      <a:r>
+                        <a:rPr lang="ko-KR" altLang="en-US" dirty="0"/>
+                        <a:t>단창</a:t>
+                      </a:r>
+                    </a:p>
+                  </a:txBody>
+                  <a:tcPr anchor="ctr"/>
+                </a:tc>
+                <a:tc hMerge="1">
+                  <a:txBody>
+                    <a:bodyPr/>
+                    <a:lstStyle/>
+                    <a:p>
+                      <a:pPr latinLnBrk="1"/>
+                      <a:endParaRPr lang="ko-KR" altLang="en-US" dirty="0"/>
+                    </a:p>
+                  </a:txBody>
+                  <a:tcPr/>
+                </a:tc>
+                <a:extLst>
+                  <a:ext uri="{0D108BD9-81ED-4DB2-BD59-A6C34878D82A}">
+                    <a16:rowId xmlns:a16="http://schemas.microsoft.com/office/drawing/2014/main" val="3643695837"/>
+                  </a:ext>
+                </a:extLst>
+              </a:tr>
+              <a:tr h="234643">
+                <a:tc gridSpan="2">
+                  <a:txBody>
+                    <a:bodyPr/>
+                    <a:lstStyle/>
+                    <a:p>
+                      <a:pPr algn="ctr" latinLnBrk="1"/>
+                      <a:r>
+                        <a:rPr lang="ko-KR" altLang="en-US" dirty="0"/>
+                        <a:t>절곤</a:t>
+                      </a:r>
+                    </a:p>
+                  </a:txBody>
+                  <a:tcPr anchor="ctr"/>
+                </a:tc>
+                <a:tc hMerge="1">
+                  <a:txBody>
+                    <a:bodyPr/>
+                    <a:lstStyle/>
+                    <a:p>
+                      <a:pPr latinLnBrk="1"/>
+                      <a:endParaRPr lang="ko-KR" altLang="en-US" dirty="0"/>
+                    </a:p>
+                  </a:txBody>
+                  <a:tcPr/>
+                </a:tc>
+                <a:extLst>
+                  <a:ext uri="{0D108BD9-81ED-4DB2-BD59-A6C34878D82A}">
+                    <a16:rowId xmlns:a16="http://schemas.microsoft.com/office/drawing/2014/main" val="501715476"/>
+                  </a:ext>
+                </a:extLst>
+              </a:tr>
+              <a:tr h="234643">
+                <a:tc gridSpan="2">
+                  <a:txBody>
+                    <a:bodyPr/>
+                    <a:lstStyle/>
+                    <a:p>
+                      <a:pPr algn="ctr" latinLnBrk="1"/>
+                      <a:r>
+                        <a:rPr lang="ko-KR" altLang="en-US" dirty="0"/>
+                        <a:t>낫</a:t>
+                      </a:r>
+                    </a:p>
+                  </a:txBody>
+                  <a:tcPr anchor="ctr"/>
+                </a:tc>
+                <a:tc hMerge="1">
+                  <a:txBody>
+                    <a:bodyPr/>
+                    <a:lstStyle/>
+                    <a:p>
+                      <a:pPr latinLnBrk="1"/>
+                      <a:endParaRPr lang="ko-KR" altLang="en-US" dirty="0"/>
+                    </a:p>
+                  </a:txBody>
+                  <a:tcPr/>
+                </a:tc>
+                <a:extLst>
+                  <a:ext uri="{0D108BD9-81ED-4DB2-BD59-A6C34878D82A}">
+                    <a16:rowId xmlns:a16="http://schemas.microsoft.com/office/drawing/2014/main" val="2097191894"/>
+                  </a:ext>
+                </a:extLst>
+              </a:tr>
+              <a:tr h="234643">
+                <a:tc gridSpan="2">
+                  <a:txBody>
+                    <a:bodyPr/>
+                    <a:lstStyle/>
+                    <a:p>
+                      <a:pPr algn="ctr" latinLnBrk="1"/>
+                      <a:r>
+                        <a:rPr lang="ko-KR" altLang="en-US" dirty="0"/>
+                        <a:t>륜</a:t>
+                      </a:r>
+                    </a:p>
+                  </a:txBody>
+                  <a:tcPr anchor="ctr"/>
+                </a:tc>
+                <a:tc hMerge="1">
+                  <a:txBody>
+                    <a:bodyPr/>
+                    <a:lstStyle/>
+                    <a:p>
+                      <a:pPr latinLnBrk="1"/>
+                      <a:endParaRPr lang="ko-KR" altLang="en-US" dirty="0"/>
+                    </a:p>
+                  </a:txBody>
+                  <a:tcPr/>
+                </a:tc>
+                <a:extLst>
+                  <a:ext uri="{0D108BD9-81ED-4DB2-BD59-A6C34878D82A}">
+                    <a16:rowId xmlns:a16="http://schemas.microsoft.com/office/drawing/2014/main" val="1084847585"/>
+                  </a:ext>
+                </a:extLst>
+              </a:tr>
+              <a:tr h="234643">
+                <a:tc gridSpan="2">
+                  <a:txBody>
+                    <a:bodyPr/>
+                    <a:lstStyle/>
+                    <a:p>
+                      <a:pPr algn="ctr" latinLnBrk="1"/>
+                      <a:r>
+                        <a:rPr lang="ko-KR" altLang="en-US" dirty="0"/>
+                        <a:t>편</a:t>
+                      </a:r>
+                    </a:p>
+                  </a:txBody>
+                  <a:tcPr anchor="ctr"/>
+                </a:tc>
+                <a:tc hMerge="1">
+                  <a:txBody>
+                    <a:bodyPr/>
+                    <a:lstStyle/>
+                    <a:p>
+                      <a:pPr latinLnBrk="1"/>
+                      <a:endParaRPr lang="ko-KR" altLang="en-US" dirty="0"/>
+                    </a:p>
+                  </a:txBody>
+                  <a:tcPr/>
+                </a:tc>
+                <a:extLst>
+                  <a:ext uri="{0D108BD9-81ED-4DB2-BD59-A6C34878D82A}">
+                    <a16:rowId xmlns:a16="http://schemas.microsoft.com/office/drawing/2014/main" val="2867343301"/>
+                  </a:ext>
+                </a:extLst>
+              </a:tr>
+              <a:tr h="234643">
+                <a:tc gridSpan="2">
+                  <a:txBody>
+                    <a:bodyPr/>
+                    <a:lstStyle/>
+                    <a:p>
+                      <a:pPr algn="ctr" latinLnBrk="1"/>
+                      <a:r>
+                        <a:rPr lang="ko-KR" altLang="en-US" dirty="0"/>
+                        <a:t>부채</a:t>
+                      </a:r>
+                    </a:p>
+                  </a:txBody>
+                  <a:tcPr anchor="ctr"/>
+                </a:tc>
+                <a:tc hMerge="1">
+                  <a:txBody>
+                    <a:bodyPr/>
+                    <a:lstStyle/>
+                    <a:p>
+                      <a:pPr latinLnBrk="1"/>
+                      <a:endParaRPr lang="ko-KR" altLang="en-US" dirty="0"/>
+                    </a:p>
+                  </a:txBody>
+                  <a:tcPr/>
+                </a:tc>
+                <a:extLst>
+                  <a:ext uri="{0D108BD9-81ED-4DB2-BD59-A6C34878D82A}">
+                    <a16:rowId xmlns:a16="http://schemas.microsoft.com/office/drawing/2014/main" val="894996309"/>
+                  </a:ext>
+                </a:extLst>
+              </a:tr>
+            </a:tbl>
+          </a:graphicData>
+        </a:graphic>
+      </p:graphicFrame>
+      <p:graphicFrame>
+        <p:nvGraphicFramePr>
+          <p:cNvPr id="11" name="표 3">
+            <a:extLst>
+              <a:ext uri="{FF2B5EF4-FFF2-40B4-BE49-F238E27FC236}">
+                <a16:creationId xmlns:a16="http://schemas.microsoft.com/office/drawing/2014/main" id="{B558E9C5-2D87-4D8D-8288-DA9BA1F07D99}"/>
+              </a:ext>
+            </a:extLst>
+          </p:cNvPr>
+          <p:cNvGraphicFramePr>
+            <a:graphicFrameLocks noGrp="1"/>
+          </p:cNvGraphicFramePr>
+          <p:nvPr>
+            <p:extLst>
+              <p:ext uri="{D42A27DB-BD31-4B8C-83A1-F6EECF244321}">
+                <p14:modId xmlns:p14="http://schemas.microsoft.com/office/powerpoint/2010/main" val="1492663223"/>
+              </p:ext>
+            </p:extLst>
+          </p:nvPr>
+        </p:nvGraphicFramePr>
+        <p:xfrm>
+          <a:off x="2250831" y="1200200"/>
+          <a:ext cx="1858596" cy="4397490"/>
+        </p:xfrm>
+        <a:graphic>
+          <a:graphicData uri="http://schemas.openxmlformats.org/drawingml/2006/table">
+            <a:tbl>
+              <a:tblPr firstRow="1" bandRow="1">
+                <a:tableStyleId>{5C22544A-7EE6-4342-B048-85BDC9FD1C3A}</a:tableStyleId>
+              </a:tblPr>
+              <a:tblGrid>
+                <a:gridCol w="915621">
+                  <a:extLst>
+                    <a:ext uri="{9D8B030D-6E8A-4147-A177-3AD203B41FA5}">
+                      <a16:colId xmlns:a16="http://schemas.microsoft.com/office/drawing/2014/main" val="239060046"/>
+                    </a:ext>
+                  </a:extLst>
+                </a:gridCol>
+                <a:gridCol w="942975">
+                  <a:extLst>
+                    <a:ext uri="{9D8B030D-6E8A-4147-A177-3AD203B41FA5}">
+                      <a16:colId xmlns:a16="http://schemas.microsoft.com/office/drawing/2014/main" val="82867442"/>
+                    </a:ext>
+                  </a:extLst>
+                </a:gridCol>
+              </a:tblGrid>
+              <a:tr h="361575">
+                <a:tc gridSpan="2">
+                  <a:txBody>
+                    <a:bodyPr/>
+                    <a:lstStyle/>
+                    <a:p>
+                      <a:pPr latinLnBrk="1"/>
+                      <a:r>
+                        <a:rPr lang="ko-KR" altLang="en-US" dirty="0"/>
+                        <a:t>양손 무기</a:t>
+                      </a:r>
+                    </a:p>
+                  </a:txBody>
+                  <a:tcPr/>
+                </a:tc>
+                <a:tc hMerge="1">
+                  <a:txBody>
+                    <a:bodyPr/>
+                    <a:lstStyle/>
+                    <a:p>
+                      <a:pPr latinLnBrk="1"/>
+                      <a:endParaRPr lang="ko-KR" altLang="en-US" dirty="0"/>
+                    </a:p>
+                  </a:txBody>
+                  <a:tcPr/>
+                </a:tc>
+                <a:extLst>
+                  <a:ext uri="{0D108BD9-81ED-4DB2-BD59-A6C34878D82A}">
+                    <a16:rowId xmlns:a16="http://schemas.microsoft.com/office/drawing/2014/main" val="3346701247"/>
+                  </a:ext>
+                </a:extLst>
+              </a:tr>
+              <a:tr h="361575">
+                <a:tc gridSpan="2">
+                  <a:txBody>
+                    <a:bodyPr/>
+                    <a:lstStyle/>
+                    <a:p>
+                      <a:pPr latinLnBrk="1"/>
+                      <a:endParaRPr lang="ko-KR" altLang="en-US" dirty="0"/>
+                    </a:p>
+                  </a:txBody>
+                  <a:tcPr/>
+                </a:tc>
+                <a:tc hMerge="1">
+                  <a:txBody>
+                    <a:bodyPr/>
+                    <a:lstStyle/>
+                    <a:p>
+                      <a:pPr latinLnBrk="1"/>
+                      <a:endParaRPr lang="ko-KR" altLang="en-US"/>
+                    </a:p>
+                  </a:txBody>
+                  <a:tcPr/>
+                </a:tc>
+                <a:extLst>
+                  <a:ext uri="{0D108BD9-81ED-4DB2-BD59-A6C34878D82A}">
+                    <a16:rowId xmlns:a16="http://schemas.microsoft.com/office/drawing/2014/main" val="1128281595"/>
+                  </a:ext>
+                </a:extLst>
+              </a:tr>
+              <a:tr h="366597">
+                <a:tc rowSpan="2">
+                  <a:txBody>
+                    <a:bodyPr/>
+                    <a:lstStyle/>
+                    <a:p>
+                      <a:pPr algn="ctr" latinLnBrk="1"/>
+                      <a:r>
+                        <a:rPr lang="ko-KR" altLang="en-US" dirty="0"/>
+                        <a:t>도검</a:t>
+                      </a:r>
+                    </a:p>
+                  </a:txBody>
+                  <a:tcPr anchor="ctr"/>
+                </a:tc>
+                <a:tc>
+                  <a:txBody>
+                    <a:bodyPr/>
+                    <a:lstStyle/>
+                    <a:p>
+                      <a:pPr algn="ctr" latinLnBrk="1"/>
+                      <a:r>
+                        <a:rPr lang="ko-KR" altLang="en-US" dirty="0"/>
+                        <a:t>검</a:t>
+                      </a:r>
+                    </a:p>
+                  </a:txBody>
+                  <a:tcPr anchor="ctr"/>
+                </a:tc>
+                <a:extLst>
+                  <a:ext uri="{0D108BD9-81ED-4DB2-BD59-A6C34878D82A}">
+                    <a16:rowId xmlns:a16="http://schemas.microsoft.com/office/drawing/2014/main" val="305739087"/>
+                  </a:ext>
+                </a:extLst>
+              </a:tr>
+              <a:tr h="366597">
+                <a:tc vMerge="1">
+                  <a:txBody>
+                    <a:bodyPr/>
+                    <a:lstStyle/>
+                    <a:p>
+                      <a:pPr latinLnBrk="1"/>
+                      <a:endParaRPr lang="ko-KR" altLang="en-US" dirty="0"/>
+                    </a:p>
+                  </a:txBody>
+                  <a:tcPr/>
+                </a:tc>
+                <a:tc>
+                  <a:txBody>
+                    <a:bodyPr/>
+                    <a:lstStyle/>
+                    <a:p>
+                      <a:pPr algn="ctr" latinLnBrk="1"/>
+                      <a:r>
+                        <a:rPr lang="ko-KR" altLang="en-US" dirty="0"/>
+                        <a:t>도</a:t>
+                      </a:r>
+                    </a:p>
+                  </a:txBody>
+                  <a:tcPr anchor="ctr"/>
+                </a:tc>
+                <a:extLst>
+                  <a:ext uri="{0D108BD9-81ED-4DB2-BD59-A6C34878D82A}">
+                    <a16:rowId xmlns:a16="http://schemas.microsoft.com/office/drawing/2014/main" val="1896920252"/>
+                  </a:ext>
+                </a:extLst>
+              </a:tr>
+              <a:tr h="366597">
+                <a:tc rowSpan="2">
+                  <a:txBody>
+                    <a:bodyPr/>
+                    <a:lstStyle/>
+                    <a:p>
+                      <a:pPr algn="ctr" latinLnBrk="1"/>
+                      <a:r>
+                        <a:rPr lang="ko-KR" altLang="en-US" dirty="0"/>
+                        <a:t>둔기</a:t>
+                      </a:r>
+                    </a:p>
+                  </a:txBody>
+                  <a:tcPr anchor="ctr"/>
+                </a:tc>
+                <a:tc>
+                  <a:txBody>
+                    <a:bodyPr/>
+                    <a:lstStyle/>
+                    <a:p>
+                      <a:pPr algn="ctr" latinLnBrk="1"/>
+                      <a:r>
+                        <a:rPr lang="ko-KR" altLang="en-US" dirty="0"/>
+                        <a:t>몽둥이</a:t>
+                      </a:r>
+                    </a:p>
+                  </a:txBody>
+                  <a:tcPr anchor="ctr"/>
+                </a:tc>
+                <a:extLst>
+                  <a:ext uri="{0D108BD9-81ED-4DB2-BD59-A6C34878D82A}">
+                    <a16:rowId xmlns:a16="http://schemas.microsoft.com/office/drawing/2014/main" val="1984329945"/>
+                  </a:ext>
+                </a:extLst>
+              </a:tr>
+              <a:tr h="366597">
+                <a:tc vMerge="1">
+                  <a:txBody>
+                    <a:bodyPr/>
+                    <a:lstStyle/>
+                    <a:p>
+                      <a:pPr latinLnBrk="1"/>
+                      <a:endParaRPr lang="ko-KR" altLang="en-US" dirty="0"/>
+                    </a:p>
+                  </a:txBody>
+                  <a:tcPr/>
+                </a:tc>
+                <a:tc>
+                  <a:txBody>
+                    <a:bodyPr/>
+                    <a:lstStyle/>
+                    <a:p>
+                      <a:pPr algn="ctr" latinLnBrk="1"/>
+                      <a:r>
+                        <a:rPr lang="ko-KR" altLang="en-US" dirty="0"/>
+                        <a:t>망치</a:t>
+                      </a:r>
+                    </a:p>
+                  </a:txBody>
+                  <a:tcPr anchor="ctr"/>
+                </a:tc>
+                <a:extLst>
+                  <a:ext uri="{0D108BD9-81ED-4DB2-BD59-A6C34878D82A}">
+                    <a16:rowId xmlns:a16="http://schemas.microsoft.com/office/drawing/2014/main" val="1559929234"/>
+                  </a:ext>
+                </a:extLst>
+              </a:tr>
+              <a:tr h="366597">
+                <a:tc rowSpan="2">
+                  <a:txBody>
+                    <a:bodyPr/>
+                    <a:lstStyle/>
+                    <a:p>
+                      <a:pPr algn="ctr" latinLnBrk="1"/>
+                      <a:r>
+                        <a:rPr lang="ko-KR" altLang="en-US" dirty="0"/>
+                        <a:t>장병기</a:t>
+                      </a:r>
+                    </a:p>
+                  </a:txBody>
+                  <a:tcPr anchor="ctr"/>
+                </a:tc>
+                <a:tc>
+                  <a:txBody>
+                    <a:bodyPr/>
+                    <a:lstStyle/>
+                    <a:p>
+                      <a:pPr algn="ctr" latinLnBrk="1"/>
+                      <a:r>
+                        <a:rPr lang="ko-KR" altLang="en-US" dirty="0"/>
+                        <a:t>창</a:t>
+                      </a:r>
+                    </a:p>
+                  </a:txBody>
+                  <a:tcPr anchor="ctr"/>
+                </a:tc>
+                <a:extLst>
+                  <a:ext uri="{0D108BD9-81ED-4DB2-BD59-A6C34878D82A}">
+                    <a16:rowId xmlns:a16="http://schemas.microsoft.com/office/drawing/2014/main" val="3643695837"/>
+                  </a:ext>
+                </a:extLst>
+              </a:tr>
+              <a:tr h="366597">
+                <a:tc vMerge="1">
+                  <a:txBody>
+                    <a:bodyPr/>
+                    <a:lstStyle/>
+                    <a:p>
+                      <a:pPr algn="ctr" latinLnBrk="1"/>
+                      <a:endParaRPr lang="ko-KR" altLang="en-US" dirty="0"/>
+                    </a:p>
+                  </a:txBody>
+                  <a:tcPr anchor="ctr"/>
+                </a:tc>
+                <a:tc>
+                  <a:txBody>
+                    <a:bodyPr/>
+                    <a:lstStyle/>
+                    <a:p>
+                      <a:pPr algn="ctr" latinLnBrk="1"/>
+                      <a:r>
+                        <a:rPr lang="ko-KR" altLang="en-US" dirty="0"/>
+                        <a:t>봉</a:t>
+                      </a:r>
+                    </a:p>
+                  </a:txBody>
+                  <a:tcPr anchor="ctr"/>
+                </a:tc>
+                <a:extLst>
+                  <a:ext uri="{0D108BD9-81ED-4DB2-BD59-A6C34878D82A}">
+                    <a16:rowId xmlns:a16="http://schemas.microsoft.com/office/drawing/2014/main" val="3808019483"/>
+                  </a:ext>
+                </a:extLst>
+              </a:tr>
+              <a:tr h="366597">
+                <a:tc gridSpan="2">
+                  <a:txBody>
+                    <a:bodyPr/>
+                    <a:lstStyle/>
+                    <a:p>
+                      <a:pPr algn="ctr" latinLnBrk="1"/>
+                      <a:r>
+                        <a:rPr lang="ko-KR" altLang="en-US" dirty="0"/>
+                        <a:t>절곤</a:t>
+                      </a:r>
+                    </a:p>
+                  </a:txBody>
+                  <a:tcPr anchor="ctr"/>
+                </a:tc>
+                <a:tc hMerge="1">
+                  <a:txBody>
+                    <a:bodyPr/>
+                    <a:lstStyle/>
+                    <a:p>
+                      <a:pPr latinLnBrk="1"/>
+                      <a:endParaRPr lang="ko-KR" altLang="en-US" dirty="0"/>
+                    </a:p>
+                  </a:txBody>
+                  <a:tcPr anchor="ctr"/>
+                </a:tc>
+                <a:extLst>
+                  <a:ext uri="{0D108BD9-81ED-4DB2-BD59-A6C34878D82A}">
+                    <a16:rowId xmlns:a16="http://schemas.microsoft.com/office/drawing/2014/main" val="501715476"/>
+                  </a:ext>
+                </a:extLst>
+              </a:tr>
+              <a:tr h="366597">
+                <a:tc gridSpan="2">
+                  <a:txBody>
+                    <a:bodyPr/>
+                    <a:lstStyle/>
+                    <a:p>
+                      <a:pPr algn="ctr" latinLnBrk="1"/>
+                      <a:r>
+                        <a:rPr lang="ko-KR" altLang="en-US" dirty="0"/>
+                        <a:t>철권</a:t>
+                      </a:r>
+                    </a:p>
+                  </a:txBody>
+                  <a:tcPr anchor="ctr"/>
+                </a:tc>
+                <a:tc hMerge="1">
+                  <a:txBody>
+                    <a:bodyPr/>
+                    <a:lstStyle/>
+                    <a:p>
+                      <a:pPr latinLnBrk="1"/>
+                      <a:endParaRPr lang="ko-KR" altLang="en-US" dirty="0"/>
+                    </a:p>
+                  </a:txBody>
+                  <a:tcPr anchor="ctr"/>
+                </a:tc>
+                <a:extLst>
+                  <a:ext uri="{0D108BD9-81ED-4DB2-BD59-A6C34878D82A}">
+                    <a16:rowId xmlns:a16="http://schemas.microsoft.com/office/drawing/2014/main" val="2097191894"/>
+                  </a:ext>
+                </a:extLst>
+              </a:tr>
+              <a:tr h="366597">
+                <a:tc gridSpan="2">
+                  <a:txBody>
+                    <a:bodyPr/>
+                    <a:lstStyle/>
+                    <a:p>
+                      <a:pPr algn="ctr" latinLnBrk="1"/>
+                      <a:r>
+                        <a:rPr lang="ko-KR" altLang="en-US" dirty="0"/>
+                        <a:t>괴</a:t>
+                      </a:r>
+                    </a:p>
+                  </a:txBody>
+                  <a:tcPr anchor="ctr"/>
+                </a:tc>
+                <a:tc hMerge="1">
+                  <a:txBody>
+                    <a:bodyPr/>
+                    <a:lstStyle/>
+                    <a:p>
+                      <a:pPr latinLnBrk="1"/>
+                      <a:endParaRPr lang="ko-KR" altLang="en-US" dirty="0"/>
+                    </a:p>
+                  </a:txBody>
+                  <a:tcPr anchor="ctr"/>
+                </a:tc>
+                <a:extLst>
+                  <a:ext uri="{0D108BD9-81ED-4DB2-BD59-A6C34878D82A}">
+                    <a16:rowId xmlns:a16="http://schemas.microsoft.com/office/drawing/2014/main" val="1084847585"/>
+                  </a:ext>
+                </a:extLst>
+              </a:tr>
+              <a:tr h="366597">
+                <a:tc gridSpan="2">
+                  <a:txBody>
+                    <a:bodyPr/>
+                    <a:lstStyle/>
+                    <a:p>
+                      <a:pPr algn="ctr" latinLnBrk="1"/>
+                      <a:r>
+                        <a:rPr lang="ko-KR" altLang="en-US" dirty="0"/>
+                        <a:t>활</a:t>
+                      </a:r>
+                    </a:p>
+                  </a:txBody>
+                  <a:tcPr anchor="ctr"/>
+                </a:tc>
+                <a:tc hMerge="1">
+                  <a:txBody>
+                    <a:bodyPr/>
+                    <a:lstStyle/>
+                    <a:p>
+                      <a:pPr latinLnBrk="1"/>
+                      <a:endParaRPr lang="ko-KR" altLang="en-US" dirty="0"/>
+                    </a:p>
+                  </a:txBody>
+                  <a:tcPr anchor="ctr"/>
+                </a:tc>
+                <a:extLst>
+                  <a:ext uri="{0D108BD9-81ED-4DB2-BD59-A6C34878D82A}">
+                    <a16:rowId xmlns:a16="http://schemas.microsoft.com/office/drawing/2014/main" val="2867343301"/>
+                  </a:ext>
+                </a:extLst>
+              </a:tr>
+            </a:tbl>
+          </a:graphicData>
+        </a:graphic>
+      </p:graphicFrame>
+    </p:spTree>
+    <p:extLst>
+      <p:ext uri="{BB962C8B-B14F-4D97-AF65-F5344CB8AC3E}">
+        <p14:creationId xmlns:p14="http://schemas.microsoft.com/office/powerpoint/2010/main" val="3444594788"/>
+      </p:ext>
+    </p:extLst>
+  </p:cSld>
+  <p:clrMapOvr>
+    <a:masterClrMapping/>
+  </p:clrMapOvr>
+  <mc:AlternateContent xmlns:mc="http://schemas.openxmlformats.org/markup-compatibility/2006" xmlns:p159="http://schemas.microsoft.com/office/powerpoint/2015/09/main">
+    <mc:Choice Requires="p159">
+      <p:transition xmlns:p14="http://schemas.microsoft.com/office/powerpoint/2010/main" spd="slow" p14:dur="2000">
+        <p159:morph option="byObject"/>
+      </p:transition>
+    </mc:Choice>
+    <mc:Fallback xmlns:p14="http://schemas.microsoft.com/office/powerpoint/2010/main" xmlns="">
+      <p:transition spd="slow">
+        <p:fade/>
+      </p:transition>
+    </mc:Fallback>
+  </mc:AlternateContent>
+</p:sld>
+</file>
+
+<file path=ppt/slides/slide12.xml><?xml version="1.0" encoding="utf-8"?>
+<p:sld xmlns:a="http://schemas.openxmlformats.org/drawingml/2006/main" xmlns:r="http://schemas.openxmlformats.org/officeDocument/2006/relationships" xmlns:p="http://schemas.openxmlformats.org/presentationml/2006/main">
   <p:cSld>
     <p:spTree>
       <p:nvGrpSpPr>
@@ -4320,7 +6293,7 @@
           <a:p>
             <a:fld id="{E887A479-1FB4-4076-82AD-4520E3445CF4}" type="slidenum">
               <a:rPr lang="ko-KR" altLang="en-US" smtClean="0"/>
-              <a:t>10</a:t>
+              <a:t>12</a:t>
             </a:fld>
             <a:endParaRPr lang="ko-KR" altLang="en-US"/>
           </a:p>
@@ -4329,7 +6302,7 @@
       <p:sp>
         <p:nvSpPr>
           <p:cNvPr id="8" name="실행 단추: 문서 7">
-            <a:hlinkClick r:id="rId3" action="ppaction://hlinksldjump"/>
+            <a:hlinkClick r:id="rId2" action="ppaction://hlinksldjump"/>
             <a:extLst>
               <a:ext uri="{FF2B5EF4-FFF2-40B4-BE49-F238E27FC236}">
                 <a16:creationId xmlns:a16="http://schemas.microsoft.com/office/drawing/2014/main" id="{8D35763B-1845-4045-83E3-3478275AE03A}"/>
@@ -4392,602 +6365,22 @@
   <p:clrMapOvr>
     <a:masterClrMapping/>
   </p:clrMapOvr>
-  <mc:AlternateContent xmlns:mc="http://schemas.openxmlformats.org/markup-compatibility/2006">
-    <mc:Choice xmlns:p159="http://schemas.microsoft.com/office/powerpoint/2015/09/main" Requires="p159">
+  <mc:AlternateContent xmlns:mc="http://schemas.openxmlformats.org/markup-compatibility/2006" xmlns:p159="http://schemas.microsoft.com/office/powerpoint/2015/09/main">
+    <mc:Choice Requires="p159">
       <p:transition xmlns:p14="http://schemas.microsoft.com/office/powerpoint/2010/main" spd="slow" p14:dur="2000">
         <p159:morph option="byObject"/>
       </p:transition>
     </mc:Choice>
-    <mc:Fallback>
+    <mc:Fallback xmlns:p14="http://schemas.microsoft.com/office/powerpoint/2010/main" xmlns="">
       <p:transition spd="slow">
         <p:fade/>
       </p:transition>
     </mc:Fallback>
   </mc:AlternateContent>
-  <p:timing>
-    <p:tnLst>
-      <p:par>
-        <p:cTn id="1" dur="indefinite" restart="never" nodeType="tmRoot"/>
-      </p:par>
-    </p:tnLst>
-  </p:timing>
 </p:sld>
 </file>
 
 <file path=ppt/slides/slide2.xml><?xml version="1.0" encoding="utf-8"?>
-<p:sld xmlns:a="http://schemas.openxmlformats.org/drawingml/2006/main" xmlns:r="http://schemas.openxmlformats.org/officeDocument/2006/relationships" xmlns:p="http://schemas.openxmlformats.org/presentationml/2006/main">
-  <p:cSld>
-    <p:spTree>
-      <p:nvGrpSpPr>
-        <p:cNvPr id="1" name=""/>
-        <p:cNvGrpSpPr/>
-        <p:nvPr/>
-      </p:nvGrpSpPr>
-      <p:grpSpPr>
-        <a:xfrm>
-          <a:off x="0" y="0"/>
-          <a:ext cx="0" cy="0"/>
-          <a:chOff x="0" y="0"/>
-          <a:chExt cx="0" cy="0"/>
-        </a:xfrm>
-      </p:grpSpPr>
-      <p:sp>
-        <p:nvSpPr>
-          <p:cNvPr id="2" name="슬라이드 번호 개체 틀 1">
-            <a:extLst>
-              <a:ext uri="{FF2B5EF4-FFF2-40B4-BE49-F238E27FC236}">
-                <a16:creationId xmlns:a16="http://schemas.microsoft.com/office/drawing/2014/main" id="{C4EA2F0E-001B-4B87-BC46-0D019BD9EEF2}"/>
-              </a:ext>
-            </a:extLst>
-          </p:cNvPr>
-          <p:cNvSpPr>
-            <a:spLocks noGrp="1"/>
-          </p:cNvSpPr>
-          <p:nvPr>
-            <p:ph type="sldNum" sz="quarter" idx="12"/>
-          </p:nvPr>
-        </p:nvSpPr>
-        <p:spPr/>
-        <p:txBody>
-          <a:bodyPr/>
-          <a:lstStyle/>
-          <a:p>
-            <a:fld id="{E887A479-1FB4-4076-82AD-4520E3445CF4}" type="slidenum">
-              <a:rPr lang="ko-KR" altLang="en-US" smtClean="0"/>
-              <a:t>2</a:t>
-            </a:fld>
-            <a:endParaRPr lang="ko-KR" altLang="en-US"/>
-          </a:p>
-        </p:txBody>
-      </p:sp>
-      <p:graphicFrame>
-        <p:nvGraphicFramePr>
-          <p:cNvPr id="3" name="표 23">
-            <a:extLst>
-              <a:ext uri="{FF2B5EF4-FFF2-40B4-BE49-F238E27FC236}">
-                <a16:creationId xmlns:a16="http://schemas.microsoft.com/office/drawing/2014/main" id="{EBE03048-EDB2-4E54-80ED-0BF33459EB88}"/>
-              </a:ext>
-            </a:extLst>
-          </p:cNvPr>
-          <p:cNvGraphicFramePr>
-            <a:graphicFrameLocks noGrp="1"/>
-          </p:cNvGraphicFramePr>
-          <p:nvPr>
-            <p:extLst>
-              <p:ext uri="{D42A27DB-BD31-4B8C-83A1-F6EECF244321}">
-                <p14:modId xmlns:p14="http://schemas.microsoft.com/office/powerpoint/2010/main" val="3408803924"/>
-              </p:ext>
-            </p:extLst>
-          </p:nvPr>
-        </p:nvGraphicFramePr>
-        <p:xfrm>
-          <a:off x="192088" y="5304155"/>
-          <a:ext cx="3148330" cy="1112520"/>
-        </p:xfrm>
-        <a:graphic>
-          <a:graphicData uri="http://schemas.openxmlformats.org/drawingml/2006/table">
-            <a:tbl>
-              <a:tblPr firstRow="1" bandRow="1">
-                <a:tableStyleId>{5C22544A-7EE6-4342-B048-85BDC9FD1C3A}</a:tableStyleId>
-              </a:tblPr>
-              <a:tblGrid>
-                <a:gridCol w="1574165">
-                  <a:extLst>
-                    <a:ext uri="{9D8B030D-6E8A-4147-A177-3AD203B41FA5}">
-                      <a16:colId xmlns:a16="http://schemas.microsoft.com/office/drawing/2014/main" val="20000"/>
-                    </a:ext>
-                  </a:extLst>
-                </a:gridCol>
-                <a:gridCol w="1574165">
-                  <a:extLst>
-                    <a:ext uri="{9D8B030D-6E8A-4147-A177-3AD203B41FA5}">
-                      <a16:colId xmlns:a16="http://schemas.microsoft.com/office/drawing/2014/main" val="20001"/>
-                    </a:ext>
-                  </a:extLst>
-                </a:gridCol>
-              </a:tblGrid>
-              <a:tr h="370840">
-                <a:tc>
-                  <a:txBody>
-                    <a:bodyPr/>
-                    <a:lstStyle/>
-                    <a:p>
-                      <a:pPr marL="0" indent="0" hangingPunct="1"/>
-                      <a:r>
-                        <a:rPr sz="1800" b="0" i="0" kern="1200" dirty="0">
-                          <a:solidFill>
-                            <a:schemeClr val="tx1">
-                              <a:lumMod val="65000"/>
-                              <a:lumOff val="35000"/>
-                            </a:schemeClr>
-                          </a:solidFill>
-                          <a:latin typeface="맑은 고딕" charset="0"/>
-                          <a:ea typeface="맑은 고딕" charset="0"/>
-                          <a:hlinkClick r:id="rId2" action="ppaction://hlinksldjump"/>
-                        </a:rPr>
-                        <a:t>게</a:t>
-                      </a:r>
-                      <a:r>
-                        <a:rPr lang="ko-KR" sz="1800" b="0" i="0" kern="1200" dirty="0">
-                          <a:solidFill>
-                            <a:schemeClr val="tx1">
-                              <a:lumMod val="65000"/>
-                              <a:lumOff val="35000"/>
-                            </a:schemeClr>
-                          </a:solidFill>
-                          <a:latin typeface="맑은 고딕" charset="0"/>
-                          <a:ea typeface="맑은 고딕" charset="0"/>
-                          <a:hlinkClick r:id="rId2" action="ppaction://hlinksldjump"/>
-                        </a:rPr>
-                        <a:t>임 개요</a:t>
-                      </a:r>
-                      <a:endParaRPr lang="ko-KR" altLang="en-US" sz="1800" b="0" i="0" kern="1200" dirty="0">
-                        <a:solidFill>
-                          <a:schemeClr val="tx1">
-                            <a:lumMod val="65000"/>
-                            <a:lumOff val="35000"/>
-                          </a:schemeClr>
-                        </a:solidFill>
-                        <a:latin typeface="맑은 고딕" charset="0"/>
-                        <a:ea typeface="맑은 고딕" charset="0"/>
-                      </a:endParaRPr>
-                    </a:p>
-                  </a:txBody>
-                  <a:tcPr marL="90170" marR="90170" marT="46990" marB="46990">
-                    <a:lnL w="12700" cap="flat" cmpd="sng" algn="ctr">
-                      <a:noFill/>
-                      <a:prstDash/>
-                      <a:round/>
-                      <a:headEnd type="none" w="med" len="med"/>
-                      <a:tailEnd type="none" w="med" len="med"/>
-                    </a:lnL>
-                    <a:lnR w="12700" cap="flat" cmpd="sng" algn="ctr">
-                      <a:noFill/>
-                      <a:prstDash/>
-                      <a:round/>
-                      <a:headEnd type="none" w="med" len="med"/>
-                      <a:tailEnd type="none" w="med" len="med"/>
-                    </a:lnR>
-                    <a:lnT w="12700" cap="flat" cmpd="sng" algn="ctr">
-                      <a:noFill/>
-                      <a:prstDash/>
-                      <a:round/>
-                      <a:headEnd type="none" w="med" len="med"/>
-                      <a:tailEnd type="none" w="med" len="med"/>
-                    </a:lnT>
-                    <a:lnB w="12700" cap="flat" cmpd="sng" algn="ctr">
-                      <a:noFill/>
-                      <a:prstDash/>
-                      <a:round/>
-                      <a:headEnd type="none" w="med" len="med"/>
-                      <a:tailEnd type="none" w="med" len="med"/>
-                    </a:lnB>
-                    <a:solidFill>
-                      <a:schemeClr val="accent6">
-                        <a:lumMod val="40000"/>
-                        <a:lumOff val="60000"/>
-                      </a:schemeClr>
-                    </a:solidFill>
-                  </a:tcPr>
-                </a:tc>
-                <a:tc>
-                  <a:txBody>
-                    <a:bodyPr/>
-                    <a:lstStyle/>
-                    <a:p>
-                      <a:pPr marL="0" indent="0" hangingPunct="1"/>
-                      <a:r>
-                        <a:rPr lang="ko-KR" altLang="en-US" sz="1800" b="0" i="0" kern="1200" dirty="0">
-                          <a:solidFill>
-                            <a:schemeClr val="tx1">
-                              <a:lumMod val="65000"/>
-                              <a:lumOff val="35000"/>
-                            </a:schemeClr>
-                          </a:solidFill>
-                          <a:latin typeface="맑은 고딕" charset="0"/>
-                          <a:ea typeface="맑은 고딕" charset="0"/>
-                          <a:hlinkClick r:id="rId3" action="ppaction://hlinksldjump"/>
-                        </a:rPr>
-                        <a:t>컨텐츠 정립</a:t>
-                      </a:r>
-                      <a:endParaRPr lang="ko-KR" altLang="en-US" sz="1800" b="0" i="0" kern="1200" dirty="0">
-                        <a:solidFill>
-                          <a:schemeClr val="tx1">
-                            <a:lumMod val="65000"/>
-                            <a:lumOff val="35000"/>
-                          </a:schemeClr>
-                        </a:solidFill>
-                        <a:latin typeface="맑은 고딕" charset="0"/>
-                        <a:ea typeface="맑은 고딕" charset="0"/>
-                      </a:endParaRPr>
-                    </a:p>
-                  </a:txBody>
-                  <a:tcPr marL="90170" marR="90170" marT="46990" marB="46990">
-                    <a:lnL w="12700" cap="flat" cmpd="sng" algn="ctr">
-                      <a:noFill/>
-                      <a:prstDash/>
-                      <a:round/>
-                      <a:headEnd type="none" w="med" len="med"/>
-                      <a:tailEnd type="none" w="med" len="med"/>
-                    </a:lnL>
-                    <a:lnR w="12700" cap="flat" cmpd="sng" algn="ctr">
-                      <a:noFill/>
-                      <a:prstDash/>
-                      <a:round/>
-                      <a:headEnd type="none" w="med" len="med"/>
-                      <a:tailEnd type="none" w="med" len="med"/>
-                    </a:lnR>
-                    <a:lnT w="12700" cap="flat" cmpd="sng" algn="ctr">
-                      <a:noFill/>
-                      <a:prstDash/>
-                      <a:round/>
-                      <a:headEnd type="none" w="med" len="med"/>
-                      <a:tailEnd type="none" w="med" len="med"/>
-                    </a:lnT>
-                    <a:lnB w="12700" cap="flat" cmpd="sng" algn="ctr">
-                      <a:noFill/>
-                      <a:prstDash/>
-                      <a:round/>
-                      <a:headEnd type="none" w="med" len="med"/>
-                      <a:tailEnd type="none" w="med" len="med"/>
-                    </a:lnB>
-                    <a:solidFill>
-                      <a:srgbClr val="DFE8F4"/>
-                    </a:solidFill>
-                  </a:tcPr>
-                </a:tc>
-                <a:extLst>
-                  <a:ext uri="{0D108BD9-81ED-4DB2-BD59-A6C34878D82A}">
-                    <a16:rowId xmlns:a16="http://schemas.microsoft.com/office/drawing/2014/main" val="10000"/>
-                  </a:ext>
-                </a:extLst>
-              </a:tr>
-              <a:tr h="370840">
-                <a:tc>
-                  <a:txBody>
-                    <a:bodyPr/>
-                    <a:lstStyle/>
-                    <a:p>
-                      <a:pPr marL="0" indent="0" hangingPunct="1"/>
-                      <a:r>
-                        <a:rPr lang="ko-KR" altLang="en-US" sz="1800" b="0" i="0" kern="1200" dirty="0">
-                          <a:solidFill>
-                            <a:schemeClr val="tx1">
-                              <a:lumMod val="65000"/>
-                              <a:lumOff val="35000"/>
-                            </a:schemeClr>
-                          </a:solidFill>
-                          <a:latin typeface="맑은 고딕" charset="0"/>
-                          <a:ea typeface="맑은 고딕" charset="0"/>
-                          <a:hlinkClick r:id="rId4" action="ppaction://hlinksldjump"/>
-                        </a:rPr>
-                        <a:t>방향성 정립</a:t>
-                      </a:r>
-                      <a:endParaRPr lang="ko-KR" altLang="en-US" sz="1800" b="0" i="0" kern="1200" dirty="0">
-                        <a:solidFill>
-                          <a:schemeClr val="tx1">
-                            <a:lumMod val="65000"/>
-                            <a:lumOff val="35000"/>
-                          </a:schemeClr>
-                        </a:solidFill>
-                        <a:latin typeface="맑은 고딕" charset="0"/>
-                        <a:ea typeface="맑은 고딕" charset="0"/>
-                      </a:endParaRPr>
-                    </a:p>
-                  </a:txBody>
-                  <a:tcPr marL="90170" marR="90170" marT="46990" marB="46990">
-                    <a:lnL w="12700" cap="flat" cmpd="sng" algn="ctr">
-                      <a:noFill/>
-                      <a:prstDash/>
-                      <a:round/>
-                      <a:headEnd type="none" w="med" len="med"/>
-                      <a:tailEnd type="none" w="med" len="med"/>
-                    </a:lnL>
-                    <a:lnR w="12700" cap="flat" cmpd="sng" algn="ctr">
-                      <a:noFill/>
-                      <a:prstDash/>
-                      <a:round/>
-                      <a:headEnd type="none" w="med" len="med"/>
-                      <a:tailEnd type="none" w="med" len="med"/>
-                    </a:lnR>
-                    <a:lnT w="12700" cap="flat" cmpd="sng" algn="ctr">
-                      <a:noFill/>
-                      <a:prstDash/>
-                      <a:round/>
-                      <a:headEnd type="none" w="med" len="med"/>
-                      <a:tailEnd type="none" w="med" len="med"/>
-                    </a:lnT>
-                    <a:lnB w="12700" cap="flat" cmpd="sng" algn="ctr">
-                      <a:noFill/>
-                      <a:prstDash/>
-                      <a:round/>
-                      <a:headEnd type="none" w="med" len="med"/>
-                      <a:tailEnd type="none" w="med" len="med"/>
-                    </a:lnB>
-                    <a:solidFill>
-                      <a:schemeClr val="accent6">
-                        <a:lumMod val="20000"/>
-                        <a:lumOff val="80000"/>
-                      </a:schemeClr>
-                    </a:solidFill>
-                  </a:tcPr>
-                </a:tc>
-                <a:tc>
-                  <a:txBody>
-                    <a:bodyPr/>
-                    <a:lstStyle/>
-                    <a:p>
-                      <a:pPr marL="0" indent="0" hangingPunct="1"/>
-                      <a:r>
-                        <a:rPr lang="ko-KR" altLang="en-US" sz="1800" b="0" i="0" kern="1200" dirty="0">
-                          <a:solidFill>
-                            <a:schemeClr val="tx1">
-                              <a:lumMod val="65000"/>
-                              <a:lumOff val="35000"/>
-                            </a:schemeClr>
-                          </a:solidFill>
-                          <a:latin typeface="맑은 고딕" charset="0"/>
-                          <a:ea typeface="맑은 고딕" charset="0"/>
-                          <a:hlinkClick r:id="rId5" action="ppaction://hlinksldjump"/>
-                        </a:rPr>
-                        <a:t>시스템 정립</a:t>
-                      </a:r>
-                      <a:endParaRPr lang="ko-KR" altLang="en-US" sz="1800" b="0" i="0" kern="1200" dirty="0">
-                        <a:solidFill>
-                          <a:schemeClr val="tx1">
-                            <a:lumMod val="65000"/>
-                            <a:lumOff val="35000"/>
-                          </a:schemeClr>
-                        </a:solidFill>
-                        <a:latin typeface="맑은 고딕" charset="0"/>
-                        <a:ea typeface="맑은 고딕" charset="0"/>
-                      </a:endParaRPr>
-                    </a:p>
-                  </a:txBody>
-                  <a:tcPr marL="90170" marR="90170" marT="46990" marB="46990">
-                    <a:lnL w="12700" cap="flat" cmpd="sng" algn="ctr">
-                      <a:noFill/>
-                      <a:prstDash/>
-                      <a:round/>
-                      <a:headEnd type="none" w="med" len="med"/>
-                      <a:tailEnd type="none" w="med" len="med"/>
-                    </a:lnL>
-                    <a:lnR w="12700" cap="flat" cmpd="sng" algn="ctr">
-                      <a:noFill/>
-                      <a:prstDash/>
-                      <a:round/>
-                      <a:headEnd type="none" w="med" len="med"/>
-                      <a:tailEnd type="none" w="med" len="med"/>
-                    </a:lnR>
-                    <a:lnT w="12700" cap="flat" cmpd="sng" algn="ctr">
-                      <a:noFill/>
-                      <a:prstDash/>
-                      <a:round/>
-                      <a:headEnd type="none" w="med" len="med"/>
-                      <a:tailEnd type="none" w="med" len="med"/>
-                    </a:lnT>
-                    <a:lnB w="12700" cap="flat" cmpd="sng" algn="ctr">
-                      <a:noFill/>
-                      <a:prstDash/>
-                      <a:round/>
-                      <a:headEnd type="none" w="med" len="med"/>
-                      <a:tailEnd type="none" w="med" len="med"/>
-                    </a:lnB>
-                    <a:solidFill>
-                      <a:srgbClr val="BFD0E9"/>
-                    </a:solidFill>
-                  </a:tcPr>
-                </a:tc>
-                <a:extLst>
-                  <a:ext uri="{0D108BD9-81ED-4DB2-BD59-A6C34878D82A}">
-                    <a16:rowId xmlns:a16="http://schemas.microsoft.com/office/drawing/2014/main" val="10001"/>
-                  </a:ext>
-                </a:extLst>
-              </a:tr>
-              <a:tr h="370840">
-                <a:tc>
-                  <a:txBody>
-                    <a:bodyPr/>
-                    <a:lstStyle/>
-                    <a:p>
-                      <a:pPr marL="0" indent="0" hangingPunct="1"/>
-                      <a:r>
-                        <a:rPr lang="ko-KR" altLang="en-US" sz="1800" b="0" i="0" kern="1200" dirty="0">
-                          <a:solidFill>
-                            <a:schemeClr val="tx1">
-                              <a:lumMod val="65000"/>
-                              <a:lumOff val="35000"/>
-                            </a:schemeClr>
-                          </a:solidFill>
-                          <a:latin typeface="맑은 고딕" charset="0"/>
-                          <a:ea typeface="맑은 고딕" charset="0"/>
-                          <a:hlinkClick r:id="rId6" action="ppaction://hlinksldjump"/>
-                        </a:rPr>
-                        <a:t>세계관</a:t>
-                      </a:r>
-                      <a:r>
-                        <a:rPr lang="ko-KR" altLang="en-US" sz="1800" b="0" i="0" kern="1200" dirty="0">
-                          <a:solidFill>
-                            <a:schemeClr val="tx1">
-                              <a:lumMod val="65000"/>
-                              <a:lumOff val="35000"/>
-                            </a:schemeClr>
-                          </a:solidFill>
-                          <a:latin typeface="맑은 고딕" charset="0"/>
-                          <a:ea typeface="맑은 고딕" charset="0"/>
-                        </a:rPr>
-                        <a:t> </a:t>
-                      </a:r>
-                      <a:r>
-                        <a:rPr lang="ko-KR" altLang="en-US" sz="1800" b="0" i="0" kern="1200" dirty="0">
-                          <a:solidFill>
-                            <a:schemeClr val="tx1">
-                              <a:lumMod val="65000"/>
-                              <a:lumOff val="35000"/>
-                            </a:schemeClr>
-                          </a:solidFill>
-                          <a:latin typeface="맑은 고딕" charset="0"/>
-                          <a:ea typeface="맑은 고딕" charset="0"/>
-                          <a:hlinkClick r:id="rId7" action="ppaction://hlinksldjump"/>
-                        </a:rPr>
-                        <a:t>확립</a:t>
-                      </a:r>
-                      <a:endParaRPr lang="ko-KR" altLang="en-US" sz="1800" b="0" i="0" kern="1200" dirty="0">
-                        <a:solidFill>
-                          <a:schemeClr val="tx1">
-                            <a:lumMod val="65000"/>
-                            <a:lumOff val="35000"/>
-                          </a:schemeClr>
-                        </a:solidFill>
-                        <a:latin typeface="맑은 고딕" charset="0"/>
-                        <a:ea typeface="맑은 고딕" charset="0"/>
-                      </a:endParaRPr>
-                    </a:p>
-                  </a:txBody>
-                  <a:tcPr marL="90170" marR="90170" marT="46990" marB="46990">
-                    <a:lnL w="12700" cap="flat" cmpd="sng" algn="ctr">
-                      <a:noFill/>
-                      <a:prstDash/>
-                      <a:round/>
-                      <a:headEnd type="none" w="med" len="med"/>
-                      <a:tailEnd type="none" w="med" len="med"/>
-                    </a:lnL>
-                    <a:lnR w="12700" cap="flat" cmpd="sng" algn="ctr">
-                      <a:noFill/>
-                      <a:prstDash/>
-                      <a:round/>
-                      <a:headEnd type="none" w="med" len="med"/>
-                      <a:tailEnd type="none" w="med" len="med"/>
-                    </a:lnR>
-                    <a:lnT w="12700" cap="flat" cmpd="sng" algn="ctr">
-                      <a:noFill/>
-                      <a:prstDash/>
-                      <a:round/>
-                      <a:headEnd type="none" w="med" len="med"/>
-                      <a:tailEnd type="none" w="med" len="med"/>
-                    </a:lnT>
-                    <a:lnB w="12700" cap="flat" cmpd="sng" algn="ctr">
-                      <a:noFill/>
-                      <a:prstDash/>
-                      <a:round/>
-                      <a:headEnd type="none" w="med" len="med"/>
-                      <a:tailEnd type="none" w="med" len="med"/>
-                    </a:lnB>
-                    <a:solidFill>
-                      <a:srgbClr val="BFD0E9"/>
-                    </a:solidFill>
-                  </a:tcPr>
-                </a:tc>
-                <a:tc>
-                  <a:txBody>
-                    <a:bodyPr/>
-                    <a:lstStyle/>
-                    <a:p>
-                      <a:pPr marL="0" indent="0" hangingPunct="1"/>
-                      <a:r>
-                        <a:rPr lang="ko-KR" altLang="en-US" sz="1800" b="0" i="0" kern="1200" dirty="0">
-                          <a:solidFill>
-                            <a:schemeClr val="tx1">
-                              <a:lumMod val="65000"/>
-                              <a:lumOff val="35000"/>
-                            </a:schemeClr>
-                          </a:solidFill>
-                          <a:latin typeface="맑은 고딕" charset="0"/>
-                          <a:ea typeface="맑은 고딕" charset="0"/>
-                          <a:hlinkClick r:id="rId8" action="ppaction://hlinksldjump"/>
-                        </a:rPr>
-                        <a:t>유료화 모델</a:t>
-                      </a:r>
-                      <a:endParaRPr lang="ko-KR" altLang="en-US" sz="1800" b="0" i="0" kern="1200" dirty="0">
-                        <a:solidFill>
-                          <a:schemeClr val="tx1">
-                            <a:lumMod val="65000"/>
-                            <a:lumOff val="35000"/>
-                          </a:schemeClr>
-                        </a:solidFill>
-                        <a:latin typeface="맑은 고딕" charset="0"/>
-                        <a:ea typeface="맑은 고딕" charset="0"/>
-                      </a:endParaRPr>
-                    </a:p>
-                  </a:txBody>
-                  <a:tcPr marL="90170" marR="90170" marT="46990" marB="46990">
-                    <a:lnL w="12700" cap="flat" cmpd="sng" algn="ctr">
-                      <a:noFill/>
-                      <a:prstDash/>
-                      <a:round/>
-                      <a:headEnd type="none" w="med" len="med"/>
-                      <a:tailEnd type="none" w="med" len="med"/>
-                    </a:lnL>
-                    <a:lnR w="12700" cap="flat" cmpd="sng" algn="ctr">
-                      <a:noFill/>
-                      <a:prstDash/>
-                      <a:round/>
-                      <a:headEnd type="none" w="med" len="med"/>
-                      <a:tailEnd type="none" w="med" len="med"/>
-                    </a:lnR>
-                    <a:lnT w="12700" cap="flat" cmpd="sng" algn="ctr">
-                      <a:noFill/>
-                      <a:prstDash/>
-                      <a:round/>
-                      <a:headEnd type="none" w="med" len="med"/>
-                      <a:tailEnd type="none" w="med" len="med"/>
-                    </a:lnT>
-                    <a:lnB w="12700" cap="flat" cmpd="sng" algn="ctr">
-                      <a:noFill/>
-                      <a:prstDash/>
-                      <a:round/>
-                      <a:headEnd type="none" w="med" len="med"/>
-                      <a:tailEnd type="none" w="med" len="med"/>
-                    </a:lnB>
-                    <a:solidFill>
-                      <a:srgbClr val="DFE8F4"/>
-                    </a:solidFill>
-                  </a:tcPr>
-                </a:tc>
-                <a:extLst>
-                  <a:ext uri="{0D108BD9-81ED-4DB2-BD59-A6C34878D82A}">
-                    <a16:rowId xmlns:a16="http://schemas.microsoft.com/office/drawing/2014/main" val="10002"/>
-                  </a:ext>
-                </a:extLst>
-              </a:tr>
-            </a:tbl>
-          </a:graphicData>
-        </a:graphic>
-      </p:graphicFrame>
-    </p:spTree>
-    <p:extLst>
-      <p:ext uri="{BB962C8B-B14F-4D97-AF65-F5344CB8AC3E}">
-        <p14:creationId xmlns:p14="http://schemas.microsoft.com/office/powerpoint/2010/main" val="145948081"/>
-      </p:ext>
-    </p:extLst>
-  </p:cSld>
-  <p:clrMapOvr>
-    <a:masterClrMapping/>
-  </p:clrMapOvr>
-</p:sld>
-</file>
-
-<file path=ppt/slides/slide3.xml><?xml version="1.0" encoding="utf-8"?>
 <p:sld xmlns:a="http://schemas.openxmlformats.org/drawingml/2006/main" xmlns:r="http://schemas.openxmlformats.org/officeDocument/2006/relationships" xmlns:p="http://schemas.openxmlformats.org/presentationml/2006/main">
   <p:cSld>
     <p:spTree>
@@ -5273,6 +6666,16 @@
               <a:buNone/>
             </a:pPr>
             <a:r>
+              <a:rPr lang="en-US" altLang="ko-KR" sz="3600" b="1" dirty="0">
+                <a:solidFill>
+                  <a:schemeClr val="bg1"/>
+                </a:solidFill>
+                <a:latin typeface="나눔스퀘어 ExtraBold" charset="0"/>
+                <a:ea typeface="나눔스퀘어 ExtraBold" charset="0"/>
+              </a:rPr>
+              <a:t>0</a:t>
+            </a:r>
+            <a:r>
               <a:rPr lang="ko-KR" altLang="en-US" sz="3600" b="1" dirty="0">
                 <a:solidFill>
                   <a:schemeClr val="bg1"/>
@@ -5280,7 +6683,7 @@
                 <a:latin typeface="나눔스퀘어 ExtraBold" charset="0"/>
                 <a:ea typeface="나눔스퀘어 ExtraBold" charset="0"/>
               </a:rPr>
-              <a:t>1.문서 개요</a:t>
+              <a:t>.문서 목차</a:t>
             </a:r>
           </a:p>
         </p:txBody>
@@ -5623,7 +7026,7 @@
           <a:p>
             <a:fld id="{E887A479-1FB4-4076-82AD-4520E3445CF4}" type="slidenum">
               <a:rPr lang="ko-KR" altLang="en-US" smtClean="0"/>
-              <a:t>3</a:t>
+              <a:t>2</a:t>
             </a:fld>
             <a:endParaRPr lang="ko-KR" altLang="en-US"/>
           </a:p>
@@ -5631,10 +7034,10 @@
       </p:sp>
       <p:graphicFrame>
         <p:nvGraphicFramePr>
-          <p:cNvPr id="6" name="표 6">
+          <p:cNvPr id="17" name="표 23">
             <a:extLst>
               <a:ext uri="{FF2B5EF4-FFF2-40B4-BE49-F238E27FC236}">
-                <a16:creationId xmlns:a16="http://schemas.microsoft.com/office/drawing/2014/main" id="{034885B6-9A3A-49FB-B289-0A0BB60FD57D}"/>
+                <a16:creationId xmlns:a16="http://schemas.microsoft.com/office/drawing/2014/main" id="{6B933A3F-116D-49FD-A6D2-060BD9FD92A2}"/>
               </a:ext>
             </a:extLst>
           </p:cNvPr>
@@ -5644,7 +7047,1394 @@
           <p:nvPr>
             <p:extLst>
               <p:ext uri="{D42A27DB-BD31-4B8C-83A1-F6EECF244321}">
-                <p14:modId xmlns:p14="http://schemas.microsoft.com/office/powerpoint/2010/main" val="1820931911"/>
+                <p14:modId xmlns:p14="http://schemas.microsoft.com/office/powerpoint/2010/main" val="2987134960"/>
+              </p:ext>
+            </p:extLst>
+          </p:nvPr>
+        </p:nvGraphicFramePr>
+        <p:xfrm>
+          <a:off x="3751333" y="1944053"/>
+          <a:ext cx="2108302" cy="2966720"/>
+        </p:xfrm>
+        <a:graphic>
+          <a:graphicData uri="http://schemas.openxmlformats.org/drawingml/2006/table">
+            <a:tbl>
+              <a:tblPr firstRow="1" bandRow="1">
+                <a:tableStyleId>{5C22544A-7EE6-4342-B048-85BDC9FD1C3A}</a:tableStyleId>
+              </a:tblPr>
+              <a:tblGrid>
+                <a:gridCol w="659423">
+                  <a:extLst>
+                    <a:ext uri="{9D8B030D-6E8A-4147-A177-3AD203B41FA5}">
+                      <a16:colId xmlns:a16="http://schemas.microsoft.com/office/drawing/2014/main" val="20000"/>
+                    </a:ext>
+                  </a:extLst>
+                </a:gridCol>
+                <a:gridCol w="1448879">
+                  <a:extLst>
+                    <a:ext uri="{9D8B030D-6E8A-4147-A177-3AD203B41FA5}">
+                      <a16:colId xmlns:a16="http://schemas.microsoft.com/office/drawing/2014/main" val="20001"/>
+                    </a:ext>
+                  </a:extLst>
+                </a:gridCol>
+              </a:tblGrid>
+              <a:tr h="370840">
+                <a:tc>
+                  <a:txBody>
+                    <a:bodyPr/>
+                    <a:lstStyle/>
+                    <a:p>
+                      <a:pPr marL="0" indent="0" hangingPunct="1"/>
+                      <a:r>
+                        <a:rPr lang="ko-KR" altLang="en-US" sz="1800" b="0" i="0" kern="1200" dirty="0">
+                          <a:solidFill>
+                            <a:schemeClr val="bg1"/>
+                          </a:solidFill>
+                          <a:latin typeface="맑은 고딕" charset="0"/>
+                          <a:ea typeface="맑은 고딕" charset="0"/>
+                        </a:rPr>
+                        <a:t>번호</a:t>
+                      </a:r>
+                    </a:p>
+                  </a:txBody>
+                  <a:tcPr marL="90170" marR="90170" marT="46990" marB="46990">
+                    <a:lnL w="12700" cap="flat" cmpd="sng" algn="ctr">
+                      <a:noFill/>
+                      <a:prstDash/>
+                      <a:round/>
+                      <a:headEnd type="none" w="med" len="med"/>
+                      <a:tailEnd type="none" w="med" len="med"/>
+                    </a:lnL>
+                    <a:lnR w="12700" cap="flat" cmpd="sng" algn="ctr">
+                      <a:noFill/>
+                      <a:prstDash/>
+                      <a:round/>
+                      <a:headEnd type="none" w="med" len="med"/>
+                      <a:tailEnd type="none" w="med" len="med"/>
+                    </a:lnR>
+                    <a:lnT w="12700" cap="flat" cmpd="sng" algn="ctr">
+                      <a:noFill/>
+                      <a:prstDash/>
+                      <a:round/>
+                      <a:headEnd type="none" w="med" len="med"/>
+                      <a:tailEnd type="none" w="med" len="med"/>
+                    </a:lnT>
+                    <a:lnB w="12700" cap="flat" cmpd="sng" algn="ctr">
+                      <a:noFill/>
+                      <a:prstDash/>
+                      <a:round/>
+                      <a:headEnd type="none" w="med" len="med"/>
+                      <a:tailEnd type="none" w="med" len="med"/>
+                    </a:lnB>
+                    <a:solidFill>
+                      <a:srgbClr val="024B80"/>
+                    </a:solidFill>
+                  </a:tcPr>
+                </a:tc>
+                <a:tc>
+                  <a:txBody>
+                    <a:bodyPr/>
+                    <a:lstStyle/>
+                    <a:p>
+                      <a:pPr marL="0" indent="0" hangingPunct="1"/>
+                      <a:r>
+                        <a:rPr lang="ko-KR" altLang="en-US" sz="1800" b="0" i="0" kern="1200" dirty="0">
+                          <a:solidFill>
+                            <a:schemeClr val="bg1"/>
+                          </a:solidFill>
+                          <a:latin typeface="맑은 고딕" charset="0"/>
+                          <a:ea typeface="맑은 고딕" charset="0"/>
+                        </a:rPr>
+                        <a:t>이름</a:t>
+                      </a:r>
+                    </a:p>
+                  </a:txBody>
+                  <a:tcPr marL="90170" marR="90170" marT="46990" marB="46990">
+                    <a:lnL w="12700" cap="flat" cmpd="sng" algn="ctr">
+                      <a:noFill/>
+                      <a:prstDash/>
+                      <a:round/>
+                      <a:headEnd type="none" w="med" len="med"/>
+                      <a:tailEnd type="none" w="med" len="med"/>
+                    </a:lnL>
+                    <a:lnR w="12700" cap="flat" cmpd="sng" algn="ctr">
+                      <a:noFill/>
+                      <a:prstDash/>
+                      <a:round/>
+                      <a:headEnd type="none" w="med" len="med"/>
+                      <a:tailEnd type="none" w="med" len="med"/>
+                    </a:lnR>
+                    <a:lnT w="12700" cap="flat" cmpd="sng" algn="ctr">
+                      <a:noFill/>
+                      <a:prstDash/>
+                      <a:round/>
+                      <a:headEnd type="none" w="med" len="med"/>
+                      <a:tailEnd type="none" w="med" len="med"/>
+                    </a:lnT>
+                    <a:lnB w="12700" cap="flat" cmpd="sng" algn="ctr">
+                      <a:noFill/>
+                      <a:prstDash/>
+                      <a:round/>
+                      <a:headEnd type="none" w="med" len="med"/>
+                      <a:tailEnd type="none" w="med" len="med"/>
+                    </a:lnB>
+                    <a:solidFill>
+                      <a:srgbClr val="024B80"/>
+                    </a:solidFill>
+                  </a:tcPr>
+                </a:tc>
+                <a:extLst>
+                  <a:ext uri="{0D108BD9-81ED-4DB2-BD59-A6C34878D82A}">
+                    <a16:rowId xmlns:a16="http://schemas.microsoft.com/office/drawing/2014/main" val="10000"/>
+                  </a:ext>
+                </a:extLst>
+              </a:tr>
+              <a:tr h="370840">
+                <a:tc>
+                  <a:txBody>
+                    <a:bodyPr/>
+                    <a:lstStyle/>
+                    <a:p>
+                      <a:pPr marL="0" indent="0" algn="ctr" hangingPunct="1"/>
+                      <a:r>
+                        <a:rPr lang="en-US" altLang="ko-KR" sz="1800" b="0" i="0" kern="1200" dirty="0">
+                          <a:solidFill>
+                            <a:schemeClr val="tx1">
+                              <a:lumMod val="65000"/>
+                              <a:lumOff val="35000"/>
+                            </a:schemeClr>
+                          </a:solidFill>
+                          <a:latin typeface="맑은 고딕" charset="0"/>
+                          <a:ea typeface="맑은 고딕" charset="0"/>
+                        </a:rPr>
+                        <a:t>1</a:t>
+                      </a:r>
+                      <a:endParaRPr lang="ko-KR" altLang="en-US" sz="1800" b="0" i="0" kern="1200" dirty="0">
+                        <a:solidFill>
+                          <a:schemeClr val="tx1">
+                            <a:lumMod val="65000"/>
+                            <a:lumOff val="35000"/>
+                          </a:schemeClr>
+                        </a:solidFill>
+                        <a:latin typeface="맑은 고딕" charset="0"/>
+                        <a:ea typeface="맑은 고딕" charset="0"/>
+                      </a:endParaRPr>
+                    </a:p>
+                  </a:txBody>
+                  <a:tcPr marL="90170" marR="90170" marT="46990" marB="46990" anchor="ctr">
+                    <a:lnL w="12700" cap="flat" cmpd="sng" algn="ctr">
+                      <a:noFill/>
+                      <a:prstDash/>
+                      <a:round/>
+                      <a:headEnd type="none" w="med" len="med"/>
+                      <a:tailEnd type="none" w="med" len="med"/>
+                    </a:lnL>
+                    <a:lnR w="12700" cap="flat" cmpd="sng" algn="ctr">
+                      <a:noFill/>
+                      <a:prstDash/>
+                      <a:round/>
+                      <a:headEnd type="none" w="med" len="med"/>
+                      <a:tailEnd type="none" w="med" len="med"/>
+                    </a:lnR>
+                    <a:lnT w="12700" cap="flat" cmpd="sng" algn="ctr">
+                      <a:noFill/>
+                      <a:prstDash/>
+                      <a:round/>
+                      <a:headEnd type="none" w="med" len="med"/>
+                      <a:tailEnd type="none" w="med" len="med"/>
+                    </a:lnT>
+                    <a:lnB w="12700" cap="flat" cmpd="sng" algn="ctr">
+                      <a:noFill/>
+                      <a:prstDash/>
+                      <a:round/>
+                      <a:headEnd type="none" w="med" len="med"/>
+                      <a:tailEnd type="none" w="med" len="med"/>
+                    </a:lnB>
+                    <a:solidFill>
+                      <a:schemeClr val="accent6">
+                        <a:lumMod val="20000"/>
+                        <a:lumOff val="80000"/>
+                      </a:schemeClr>
+                    </a:solidFill>
+                  </a:tcPr>
+                </a:tc>
+                <a:tc>
+                  <a:txBody>
+                    <a:bodyPr/>
+                    <a:lstStyle/>
+                    <a:p>
+                      <a:pPr marL="0" indent="0" hangingPunct="1"/>
+                      <a:r>
+                        <a:rPr lang="ko-KR" altLang="en-US" sz="1800" b="0" i="0" kern="1200" dirty="0">
+                          <a:solidFill>
+                            <a:schemeClr val="tx1">
+                              <a:lumMod val="65000"/>
+                              <a:lumOff val="35000"/>
+                            </a:schemeClr>
+                          </a:solidFill>
+                          <a:latin typeface="맑은 고딕" charset="0"/>
+                          <a:ea typeface="맑은 고딕" charset="0"/>
+                        </a:rPr>
+                        <a:t>문서 개요</a:t>
+                      </a:r>
+                    </a:p>
+                  </a:txBody>
+                  <a:tcPr marL="90170" marR="90170" marT="46990" marB="46990">
+                    <a:lnL w="12700" cap="flat" cmpd="sng" algn="ctr">
+                      <a:noFill/>
+                      <a:prstDash/>
+                      <a:round/>
+                      <a:headEnd type="none" w="med" len="med"/>
+                      <a:tailEnd type="none" w="med" len="med"/>
+                    </a:lnL>
+                    <a:lnR w="12700" cap="flat" cmpd="sng" algn="ctr">
+                      <a:noFill/>
+                      <a:prstDash/>
+                      <a:round/>
+                      <a:headEnd type="none" w="med" len="med"/>
+                      <a:tailEnd type="none" w="med" len="med"/>
+                    </a:lnR>
+                    <a:lnT w="12700" cap="flat" cmpd="sng" algn="ctr">
+                      <a:noFill/>
+                      <a:prstDash/>
+                      <a:round/>
+                      <a:headEnd type="none" w="med" len="med"/>
+                      <a:tailEnd type="none" w="med" len="med"/>
+                    </a:lnT>
+                    <a:lnB w="12700" cap="flat" cmpd="sng" algn="ctr">
+                      <a:noFill/>
+                      <a:prstDash/>
+                      <a:round/>
+                      <a:headEnd type="none" w="med" len="med"/>
+                      <a:tailEnd type="none" w="med" len="med"/>
+                    </a:lnB>
+                    <a:solidFill>
+                      <a:srgbClr val="BFD0E9"/>
+                    </a:solidFill>
+                  </a:tcPr>
+                </a:tc>
+                <a:extLst>
+                  <a:ext uri="{0D108BD9-81ED-4DB2-BD59-A6C34878D82A}">
+                    <a16:rowId xmlns:a16="http://schemas.microsoft.com/office/drawing/2014/main" val="10001"/>
+                  </a:ext>
+                </a:extLst>
+              </a:tr>
+              <a:tr h="370840">
+                <a:tc>
+                  <a:txBody>
+                    <a:bodyPr/>
+                    <a:lstStyle/>
+                    <a:p>
+                      <a:pPr marL="0" indent="0" algn="ctr" hangingPunct="1"/>
+                      <a:r>
+                        <a:rPr lang="en-US" altLang="ko-KR" sz="1800" b="0" i="0" kern="1200" dirty="0">
+                          <a:solidFill>
+                            <a:schemeClr val="tx1">
+                              <a:lumMod val="65000"/>
+                              <a:lumOff val="35000"/>
+                            </a:schemeClr>
+                          </a:solidFill>
+                          <a:latin typeface="맑은 고딕" charset="0"/>
+                          <a:ea typeface="맑은 고딕" charset="0"/>
+                        </a:rPr>
+                        <a:t>2</a:t>
+                      </a:r>
+                      <a:endParaRPr lang="ko-KR" altLang="en-US" sz="1800" b="0" i="0" kern="1200" dirty="0">
+                        <a:solidFill>
+                          <a:schemeClr val="tx1">
+                            <a:lumMod val="65000"/>
+                            <a:lumOff val="35000"/>
+                          </a:schemeClr>
+                        </a:solidFill>
+                        <a:latin typeface="맑은 고딕" charset="0"/>
+                        <a:ea typeface="맑은 고딕" charset="0"/>
+                      </a:endParaRPr>
+                    </a:p>
+                  </a:txBody>
+                  <a:tcPr marL="90170" marR="90170" marT="46990" marB="46990" anchor="ctr">
+                    <a:lnL w="12700" cap="flat" cmpd="sng" algn="ctr">
+                      <a:noFill/>
+                      <a:prstDash/>
+                      <a:round/>
+                      <a:headEnd type="none" w="med" len="med"/>
+                      <a:tailEnd type="none" w="med" len="med"/>
+                    </a:lnL>
+                    <a:lnR w="12700" cap="flat" cmpd="sng" algn="ctr">
+                      <a:noFill/>
+                      <a:prstDash/>
+                      <a:round/>
+                      <a:headEnd type="none" w="med" len="med"/>
+                      <a:tailEnd type="none" w="med" len="med"/>
+                    </a:lnR>
+                    <a:lnT w="12700" cap="flat" cmpd="sng" algn="ctr">
+                      <a:noFill/>
+                      <a:prstDash/>
+                      <a:round/>
+                      <a:headEnd type="none" w="med" len="med"/>
+                      <a:tailEnd type="none" w="med" len="med"/>
+                    </a:lnT>
+                    <a:lnB w="12700" cap="flat" cmpd="sng" algn="ctr">
+                      <a:noFill/>
+                      <a:prstDash/>
+                      <a:round/>
+                      <a:headEnd type="none" w="med" len="med"/>
+                      <a:tailEnd type="none" w="med" len="med"/>
+                    </a:lnB>
+                    <a:solidFill>
+                      <a:srgbClr val="BFD0E9"/>
+                    </a:solidFill>
+                  </a:tcPr>
+                </a:tc>
+                <a:tc>
+                  <a:txBody>
+                    <a:bodyPr/>
+                    <a:lstStyle/>
+                    <a:p>
+                      <a:pPr marL="0" indent="0" hangingPunct="1"/>
+                      <a:r>
+                        <a:rPr sz="1800" b="0" i="0" kern="1200" dirty="0">
+                          <a:solidFill>
+                            <a:schemeClr val="tx1">
+                              <a:lumMod val="65000"/>
+                              <a:lumOff val="35000"/>
+                            </a:schemeClr>
+                          </a:solidFill>
+                          <a:latin typeface="맑은 고딕" charset="0"/>
+                          <a:ea typeface="맑은 고딕" charset="0"/>
+                          <a:hlinkClick r:id="rId2" action="ppaction://hlinksldjump"/>
+                        </a:rPr>
+                        <a:t>게</a:t>
+                      </a:r>
+                      <a:r>
+                        <a:rPr lang="ko-KR" sz="1800" b="0" i="0" kern="1200" dirty="0">
+                          <a:solidFill>
+                            <a:schemeClr val="tx1">
+                              <a:lumMod val="65000"/>
+                              <a:lumOff val="35000"/>
+                            </a:schemeClr>
+                          </a:solidFill>
+                          <a:latin typeface="맑은 고딕" charset="0"/>
+                          <a:ea typeface="맑은 고딕" charset="0"/>
+                          <a:hlinkClick r:id="rId2" action="ppaction://hlinksldjump"/>
+                        </a:rPr>
+                        <a:t>임 개요</a:t>
+                      </a:r>
+                      <a:endParaRPr lang="ko-KR" altLang="en-US" sz="1800" b="0" i="0" kern="1200" dirty="0">
+                        <a:solidFill>
+                          <a:schemeClr val="tx1">
+                            <a:lumMod val="65000"/>
+                            <a:lumOff val="35000"/>
+                          </a:schemeClr>
+                        </a:solidFill>
+                        <a:latin typeface="맑은 고딕" charset="0"/>
+                        <a:ea typeface="맑은 고딕" charset="0"/>
+                      </a:endParaRPr>
+                    </a:p>
+                  </a:txBody>
+                  <a:tcPr marL="90170" marR="90170" marT="46990" marB="46990">
+                    <a:lnL w="12700" cap="flat" cmpd="sng" algn="ctr">
+                      <a:noFill/>
+                      <a:prstDash/>
+                      <a:round/>
+                      <a:headEnd type="none" w="med" len="med"/>
+                      <a:tailEnd type="none" w="med" len="med"/>
+                    </a:lnL>
+                    <a:lnR w="12700" cap="flat" cmpd="sng" algn="ctr">
+                      <a:noFill/>
+                      <a:prstDash/>
+                      <a:round/>
+                      <a:headEnd type="none" w="med" len="med"/>
+                      <a:tailEnd type="none" w="med" len="med"/>
+                    </a:lnR>
+                    <a:lnT w="12700" cap="flat" cmpd="sng" algn="ctr">
+                      <a:noFill/>
+                      <a:prstDash/>
+                      <a:round/>
+                      <a:headEnd type="none" w="med" len="med"/>
+                      <a:tailEnd type="none" w="med" len="med"/>
+                    </a:lnT>
+                    <a:lnB w="12700" cap="flat" cmpd="sng" algn="ctr">
+                      <a:noFill/>
+                      <a:prstDash/>
+                      <a:round/>
+                      <a:headEnd type="none" w="med" len="med"/>
+                      <a:tailEnd type="none" w="med" len="med"/>
+                    </a:lnB>
+                    <a:solidFill>
+                      <a:srgbClr val="DFE8F4"/>
+                    </a:solidFill>
+                  </a:tcPr>
+                </a:tc>
+                <a:extLst>
+                  <a:ext uri="{0D108BD9-81ED-4DB2-BD59-A6C34878D82A}">
+                    <a16:rowId xmlns:a16="http://schemas.microsoft.com/office/drawing/2014/main" val="10002"/>
+                  </a:ext>
+                </a:extLst>
+              </a:tr>
+              <a:tr h="370840">
+                <a:tc>
+                  <a:txBody>
+                    <a:bodyPr/>
+                    <a:lstStyle/>
+                    <a:p>
+                      <a:pPr marL="0" indent="0" algn="ctr" hangingPunct="1"/>
+                      <a:r>
+                        <a:rPr lang="en-US" altLang="ko-KR" sz="1800" b="0" i="0" kern="1200" dirty="0">
+                          <a:solidFill>
+                            <a:schemeClr val="tx1">
+                              <a:lumMod val="65000"/>
+                              <a:lumOff val="35000"/>
+                            </a:schemeClr>
+                          </a:solidFill>
+                          <a:latin typeface="맑은 고딕" charset="0"/>
+                          <a:ea typeface="맑은 고딕" charset="0"/>
+                        </a:rPr>
+                        <a:t>3</a:t>
+                      </a:r>
+                      <a:endParaRPr lang="ko-KR" altLang="en-US" sz="1800" b="0" i="0" kern="1200" dirty="0">
+                        <a:solidFill>
+                          <a:schemeClr val="tx1">
+                            <a:lumMod val="65000"/>
+                            <a:lumOff val="35000"/>
+                          </a:schemeClr>
+                        </a:solidFill>
+                        <a:latin typeface="맑은 고딕" charset="0"/>
+                        <a:ea typeface="맑은 고딕" charset="0"/>
+                      </a:endParaRPr>
+                    </a:p>
+                  </a:txBody>
+                  <a:tcPr marL="90170" marR="90170" marT="46990" marB="46990" anchor="ctr">
+                    <a:lnL w="12700" cap="flat" cmpd="sng" algn="ctr">
+                      <a:noFill/>
+                      <a:prstDash/>
+                      <a:round/>
+                      <a:headEnd type="none" w="med" len="med"/>
+                      <a:tailEnd type="none" w="med" len="med"/>
+                    </a:lnL>
+                    <a:lnR w="12700" cap="flat" cmpd="sng" algn="ctr">
+                      <a:noFill/>
+                      <a:prstDash/>
+                      <a:round/>
+                      <a:headEnd type="none" w="med" len="med"/>
+                      <a:tailEnd type="none" w="med" len="med"/>
+                    </a:lnR>
+                    <a:lnT w="12700" cap="flat" cmpd="sng" algn="ctr">
+                      <a:noFill/>
+                      <a:prstDash/>
+                      <a:round/>
+                      <a:headEnd type="none" w="med" len="med"/>
+                      <a:tailEnd type="none" w="med" len="med"/>
+                    </a:lnT>
+                    <a:lnB w="12700" cap="flat" cmpd="sng" algn="ctr">
+                      <a:noFill/>
+                      <a:prstDash/>
+                      <a:round/>
+                      <a:headEnd type="none" w="med" len="med"/>
+                      <a:tailEnd type="none" w="med" len="med"/>
+                    </a:lnB>
+                    <a:solidFill>
+                      <a:srgbClr val="DFE8F4"/>
+                    </a:solidFill>
+                  </a:tcPr>
+                </a:tc>
+                <a:tc>
+                  <a:txBody>
+                    <a:bodyPr/>
+                    <a:lstStyle/>
+                    <a:p>
+                      <a:pPr marL="0" indent="0" hangingPunct="1"/>
+                      <a:r>
+                        <a:rPr lang="ko-KR" altLang="en-US" sz="1800" b="0" i="0" kern="1200" dirty="0">
+                          <a:solidFill>
+                            <a:schemeClr val="tx1">
+                              <a:lumMod val="65000"/>
+                              <a:lumOff val="35000"/>
+                            </a:schemeClr>
+                          </a:solidFill>
+                          <a:latin typeface="맑은 고딕" charset="0"/>
+                          <a:ea typeface="맑은 고딕" charset="0"/>
+                          <a:hlinkClick r:id="rId3" action="ppaction://hlinksldjump"/>
+                        </a:rPr>
+                        <a:t>방향성 정립</a:t>
+                      </a:r>
+                      <a:endParaRPr lang="ko-KR" altLang="en-US" sz="1800" b="0" i="0" kern="1200" dirty="0">
+                        <a:solidFill>
+                          <a:schemeClr val="tx1">
+                            <a:lumMod val="65000"/>
+                            <a:lumOff val="35000"/>
+                          </a:schemeClr>
+                        </a:solidFill>
+                        <a:latin typeface="맑은 고딕" charset="0"/>
+                        <a:ea typeface="맑은 고딕" charset="0"/>
+                      </a:endParaRPr>
+                    </a:p>
+                  </a:txBody>
+                  <a:tcPr marL="90170" marR="90170" marT="46990" marB="46990">
+                    <a:lnL w="12700" cap="flat" cmpd="sng" algn="ctr">
+                      <a:noFill/>
+                      <a:prstDash/>
+                      <a:round/>
+                      <a:headEnd type="none" w="med" len="med"/>
+                      <a:tailEnd type="none" w="med" len="med"/>
+                    </a:lnL>
+                    <a:lnR w="12700" cap="flat" cmpd="sng" algn="ctr">
+                      <a:noFill/>
+                      <a:prstDash/>
+                      <a:round/>
+                      <a:headEnd type="none" w="med" len="med"/>
+                      <a:tailEnd type="none" w="med" len="med"/>
+                    </a:lnR>
+                    <a:lnT w="12700" cap="flat" cmpd="sng" algn="ctr">
+                      <a:noFill/>
+                      <a:prstDash/>
+                      <a:round/>
+                      <a:headEnd type="none" w="med" len="med"/>
+                      <a:tailEnd type="none" w="med" len="med"/>
+                    </a:lnT>
+                    <a:lnB w="12700" cap="flat" cmpd="sng" algn="ctr">
+                      <a:noFill/>
+                      <a:prstDash/>
+                      <a:round/>
+                      <a:headEnd type="none" w="med" len="med"/>
+                      <a:tailEnd type="none" w="med" len="med"/>
+                    </a:lnB>
+                    <a:solidFill>
+                      <a:srgbClr val="BFD0E9"/>
+                    </a:solidFill>
+                  </a:tcPr>
+                </a:tc>
+                <a:extLst>
+                  <a:ext uri="{0D108BD9-81ED-4DB2-BD59-A6C34878D82A}">
+                    <a16:rowId xmlns:a16="http://schemas.microsoft.com/office/drawing/2014/main" val="260776835"/>
+                  </a:ext>
+                </a:extLst>
+              </a:tr>
+              <a:tr h="370840">
+                <a:tc>
+                  <a:txBody>
+                    <a:bodyPr/>
+                    <a:lstStyle/>
+                    <a:p>
+                      <a:pPr marL="0" indent="0" algn="ctr" hangingPunct="1"/>
+                      <a:r>
+                        <a:rPr lang="en-US" altLang="ko-KR" sz="1800" b="0" i="0" kern="1200" dirty="0">
+                          <a:solidFill>
+                            <a:schemeClr val="tx1">
+                              <a:lumMod val="65000"/>
+                              <a:lumOff val="35000"/>
+                            </a:schemeClr>
+                          </a:solidFill>
+                          <a:latin typeface="맑은 고딕" charset="0"/>
+                          <a:ea typeface="맑은 고딕" charset="0"/>
+                        </a:rPr>
+                        <a:t>4</a:t>
+                      </a:r>
+                      <a:endParaRPr lang="ko-KR" altLang="en-US" sz="1800" b="0" i="0" kern="1200" dirty="0">
+                        <a:solidFill>
+                          <a:schemeClr val="tx1">
+                            <a:lumMod val="65000"/>
+                            <a:lumOff val="35000"/>
+                          </a:schemeClr>
+                        </a:solidFill>
+                        <a:latin typeface="맑은 고딕" charset="0"/>
+                        <a:ea typeface="맑은 고딕" charset="0"/>
+                      </a:endParaRPr>
+                    </a:p>
+                  </a:txBody>
+                  <a:tcPr marL="90170" marR="90170" marT="46990" marB="46990" anchor="ctr">
+                    <a:lnL w="12700" cap="flat" cmpd="sng" algn="ctr">
+                      <a:noFill/>
+                      <a:prstDash/>
+                      <a:round/>
+                      <a:headEnd type="none" w="med" len="med"/>
+                      <a:tailEnd type="none" w="med" len="med"/>
+                    </a:lnL>
+                    <a:lnR w="12700" cap="flat" cmpd="sng" algn="ctr">
+                      <a:noFill/>
+                      <a:prstDash/>
+                      <a:round/>
+                      <a:headEnd type="none" w="med" len="med"/>
+                      <a:tailEnd type="none" w="med" len="med"/>
+                    </a:lnR>
+                    <a:lnT w="12700" cap="flat" cmpd="sng" algn="ctr">
+                      <a:noFill/>
+                      <a:prstDash/>
+                      <a:round/>
+                      <a:headEnd type="none" w="med" len="med"/>
+                      <a:tailEnd type="none" w="med" len="med"/>
+                    </a:lnT>
+                    <a:lnB w="12700" cap="flat" cmpd="sng" algn="ctr">
+                      <a:noFill/>
+                      <a:prstDash/>
+                      <a:round/>
+                      <a:headEnd type="none" w="med" len="med"/>
+                      <a:tailEnd type="none" w="med" len="med"/>
+                    </a:lnB>
+                    <a:solidFill>
+                      <a:srgbClr val="BFD0E9"/>
+                    </a:solidFill>
+                  </a:tcPr>
+                </a:tc>
+                <a:tc>
+                  <a:txBody>
+                    <a:bodyPr/>
+                    <a:lstStyle/>
+                    <a:p>
+                      <a:pPr marL="0" indent="0" hangingPunct="1"/>
+                      <a:r>
+                        <a:rPr lang="ko-KR" altLang="en-US" sz="1800" b="0" i="0" kern="1200" dirty="0">
+                          <a:solidFill>
+                            <a:schemeClr val="tx1">
+                              <a:lumMod val="65000"/>
+                              <a:lumOff val="35000"/>
+                            </a:schemeClr>
+                          </a:solidFill>
+                          <a:latin typeface="맑은 고딕" charset="0"/>
+                          <a:ea typeface="맑은 고딕" charset="0"/>
+                          <a:hlinkClick r:id="rId4" action="ppaction://hlinksldjump"/>
+                        </a:rPr>
+                        <a:t>세계관</a:t>
+                      </a:r>
+                      <a:r>
+                        <a:rPr lang="ko-KR" altLang="en-US" sz="1800" b="0" i="0" kern="1200" dirty="0">
+                          <a:solidFill>
+                            <a:schemeClr val="tx1">
+                              <a:lumMod val="65000"/>
+                              <a:lumOff val="35000"/>
+                            </a:schemeClr>
+                          </a:solidFill>
+                          <a:latin typeface="맑은 고딕" charset="0"/>
+                          <a:ea typeface="맑은 고딕" charset="0"/>
+                        </a:rPr>
+                        <a:t> </a:t>
+                      </a:r>
+                      <a:r>
+                        <a:rPr lang="ko-KR" altLang="en-US" sz="1800" b="0" i="0" kern="1200" dirty="0">
+                          <a:solidFill>
+                            <a:schemeClr val="tx1">
+                              <a:lumMod val="65000"/>
+                              <a:lumOff val="35000"/>
+                            </a:schemeClr>
+                          </a:solidFill>
+                          <a:latin typeface="맑은 고딕" charset="0"/>
+                          <a:ea typeface="맑은 고딕" charset="0"/>
+                          <a:hlinkClick r:id="rId5" action="ppaction://hlinksldjump"/>
+                        </a:rPr>
+                        <a:t>확립</a:t>
+                      </a:r>
+                      <a:endParaRPr lang="ko-KR" altLang="en-US" sz="1800" b="0" i="0" kern="1200" dirty="0">
+                        <a:solidFill>
+                          <a:schemeClr val="tx1">
+                            <a:lumMod val="65000"/>
+                            <a:lumOff val="35000"/>
+                          </a:schemeClr>
+                        </a:solidFill>
+                        <a:latin typeface="맑은 고딕" charset="0"/>
+                        <a:ea typeface="맑은 고딕" charset="0"/>
+                      </a:endParaRPr>
+                    </a:p>
+                  </a:txBody>
+                  <a:tcPr marL="90170" marR="90170" marT="46990" marB="46990">
+                    <a:lnL w="12700" cap="flat" cmpd="sng" algn="ctr">
+                      <a:noFill/>
+                      <a:prstDash/>
+                      <a:round/>
+                      <a:headEnd type="none" w="med" len="med"/>
+                      <a:tailEnd type="none" w="med" len="med"/>
+                    </a:lnL>
+                    <a:lnR w="12700" cap="flat" cmpd="sng" algn="ctr">
+                      <a:noFill/>
+                      <a:prstDash/>
+                      <a:round/>
+                      <a:headEnd type="none" w="med" len="med"/>
+                      <a:tailEnd type="none" w="med" len="med"/>
+                    </a:lnR>
+                    <a:lnT w="12700" cap="flat" cmpd="sng" algn="ctr">
+                      <a:noFill/>
+                      <a:prstDash/>
+                      <a:round/>
+                      <a:headEnd type="none" w="med" len="med"/>
+                      <a:tailEnd type="none" w="med" len="med"/>
+                    </a:lnT>
+                    <a:lnB w="12700" cap="flat" cmpd="sng" algn="ctr">
+                      <a:noFill/>
+                      <a:prstDash/>
+                      <a:round/>
+                      <a:headEnd type="none" w="med" len="med"/>
+                      <a:tailEnd type="none" w="med" len="med"/>
+                    </a:lnB>
+                    <a:solidFill>
+                      <a:srgbClr val="DFE8F4"/>
+                    </a:solidFill>
+                  </a:tcPr>
+                </a:tc>
+                <a:extLst>
+                  <a:ext uri="{0D108BD9-81ED-4DB2-BD59-A6C34878D82A}">
+                    <a16:rowId xmlns:a16="http://schemas.microsoft.com/office/drawing/2014/main" val="3383704587"/>
+                  </a:ext>
+                </a:extLst>
+              </a:tr>
+              <a:tr h="370840">
+                <a:tc>
+                  <a:txBody>
+                    <a:bodyPr/>
+                    <a:lstStyle/>
+                    <a:p>
+                      <a:pPr marL="0" indent="0" algn="ctr" hangingPunct="1"/>
+                      <a:r>
+                        <a:rPr lang="en-US" altLang="ko-KR" sz="1800" b="0" i="0" kern="1200" dirty="0">
+                          <a:solidFill>
+                            <a:schemeClr val="tx1">
+                              <a:lumMod val="65000"/>
+                              <a:lumOff val="35000"/>
+                            </a:schemeClr>
+                          </a:solidFill>
+                          <a:latin typeface="맑은 고딕" charset="0"/>
+                          <a:ea typeface="맑은 고딕" charset="0"/>
+                        </a:rPr>
+                        <a:t>5</a:t>
+                      </a:r>
+                      <a:endParaRPr lang="ko-KR" altLang="en-US" sz="1800" b="0" i="0" kern="1200" dirty="0">
+                        <a:solidFill>
+                          <a:schemeClr val="tx1">
+                            <a:lumMod val="65000"/>
+                            <a:lumOff val="35000"/>
+                          </a:schemeClr>
+                        </a:solidFill>
+                        <a:latin typeface="맑은 고딕" charset="0"/>
+                        <a:ea typeface="맑은 고딕" charset="0"/>
+                      </a:endParaRPr>
+                    </a:p>
+                  </a:txBody>
+                  <a:tcPr marL="90170" marR="90170" marT="46990" marB="46990" anchor="ctr">
+                    <a:lnL w="12700" cap="flat" cmpd="sng" algn="ctr">
+                      <a:noFill/>
+                      <a:prstDash/>
+                      <a:round/>
+                      <a:headEnd type="none" w="med" len="med"/>
+                      <a:tailEnd type="none" w="med" len="med"/>
+                    </a:lnL>
+                    <a:lnR w="12700" cap="flat" cmpd="sng" algn="ctr">
+                      <a:noFill/>
+                      <a:prstDash/>
+                      <a:round/>
+                      <a:headEnd type="none" w="med" len="med"/>
+                      <a:tailEnd type="none" w="med" len="med"/>
+                    </a:lnR>
+                    <a:lnT w="12700" cap="flat" cmpd="sng" algn="ctr">
+                      <a:noFill/>
+                      <a:prstDash/>
+                      <a:round/>
+                      <a:headEnd type="none" w="med" len="med"/>
+                      <a:tailEnd type="none" w="med" len="med"/>
+                    </a:lnT>
+                    <a:lnB w="12700" cap="flat" cmpd="sng" algn="ctr">
+                      <a:noFill/>
+                      <a:prstDash/>
+                      <a:round/>
+                      <a:headEnd type="none" w="med" len="med"/>
+                      <a:tailEnd type="none" w="med" len="med"/>
+                    </a:lnB>
+                    <a:solidFill>
+                      <a:srgbClr val="DFE8F4"/>
+                    </a:solidFill>
+                  </a:tcPr>
+                </a:tc>
+                <a:tc>
+                  <a:txBody>
+                    <a:bodyPr/>
+                    <a:lstStyle/>
+                    <a:p>
+                      <a:pPr marL="0" indent="0" hangingPunct="1"/>
+                      <a:r>
+                        <a:rPr lang="ko-KR" altLang="en-US" sz="1800" b="0" i="0" kern="1200" dirty="0">
+                          <a:solidFill>
+                            <a:schemeClr val="tx1">
+                              <a:lumMod val="65000"/>
+                              <a:lumOff val="35000"/>
+                            </a:schemeClr>
+                          </a:solidFill>
+                          <a:latin typeface="맑은 고딕" charset="0"/>
+                          <a:ea typeface="맑은 고딕" charset="0"/>
+                          <a:hlinkClick r:id="rId6" action="ppaction://hlinksldjump"/>
+                        </a:rPr>
+                        <a:t>컨텐츠 정립</a:t>
+                      </a:r>
+                      <a:endParaRPr lang="ko-KR" altLang="en-US" sz="1800" b="0" i="0" kern="1200" dirty="0">
+                        <a:solidFill>
+                          <a:schemeClr val="tx1">
+                            <a:lumMod val="65000"/>
+                            <a:lumOff val="35000"/>
+                          </a:schemeClr>
+                        </a:solidFill>
+                        <a:latin typeface="맑은 고딕" charset="0"/>
+                        <a:ea typeface="맑은 고딕" charset="0"/>
+                      </a:endParaRPr>
+                    </a:p>
+                  </a:txBody>
+                  <a:tcPr marL="90170" marR="90170" marT="46990" marB="46990">
+                    <a:lnL w="12700" cap="flat" cmpd="sng" algn="ctr">
+                      <a:noFill/>
+                      <a:prstDash/>
+                      <a:round/>
+                      <a:headEnd type="none" w="med" len="med"/>
+                      <a:tailEnd type="none" w="med" len="med"/>
+                    </a:lnL>
+                    <a:lnR w="12700" cap="flat" cmpd="sng" algn="ctr">
+                      <a:noFill/>
+                      <a:prstDash/>
+                      <a:round/>
+                      <a:headEnd type="none" w="med" len="med"/>
+                      <a:tailEnd type="none" w="med" len="med"/>
+                    </a:lnR>
+                    <a:lnT w="12700" cap="flat" cmpd="sng" algn="ctr">
+                      <a:noFill/>
+                      <a:prstDash/>
+                      <a:round/>
+                      <a:headEnd type="none" w="med" len="med"/>
+                      <a:tailEnd type="none" w="med" len="med"/>
+                    </a:lnT>
+                    <a:lnB w="12700" cap="flat" cmpd="sng" algn="ctr">
+                      <a:noFill/>
+                      <a:prstDash/>
+                      <a:round/>
+                      <a:headEnd type="none" w="med" len="med"/>
+                      <a:tailEnd type="none" w="med" len="med"/>
+                    </a:lnB>
+                    <a:solidFill>
+                      <a:srgbClr val="BFD0E9"/>
+                    </a:solidFill>
+                  </a:tcPr>
+                </a:tc>
+                <a:extLst>
+                  <a:ext uri="{0D108BD9-81ED-4DB2-BD59-A6C34878D82A}">
+                    <a16:rowId xmlns:a16="http://schemas.microsoft.com/office/drawing/2014/main" val="4050364240"/>
+                  </a:ext>
+                </a:extLst>
+              </a:tr>
+              <a:tr h="370840">
+                <a:tc>
+                  <a:txBody>
+                    <a:bodyPr/>
+                    <a:lstStyle/>
+                    <a:p>
+                      <a:pPr marL="0" indent="0" algn="ctr" hangingPunct="1"/>
+                      <a:r>
+                        <a:rPr lang="en-US" altLang="ko-KR" sz="1800" b="0" i="0" kern="1200" dirty="0">
+                          <a:solidFill>
+                            <a:schemeClr val="tx1">
+                              <a:lumMod val="65000"/>
+                              <a:lumOff val="35000"/>
+                            </a:schemeClr>
+                          </a:solidFill>
+                          <a:latin typeface="맑은 고딕" charset="0"/>
+                          <a:ea typeface="맑은 고딕" charset="0"/>
+                        </a:rPr>
+                        <a:t>6</a:t>
+                      </a:r>
+                      <a:endParaRPr lang="ko-KR" altLang="en-US" sz="1800" b="0" i="0" kern="1200" dirty="0">
+                        <a:solidFill>
+                          <a:schemeClr val="tx1">
+                            <a:lumMod val="65000"/>
+                            <a:lumOff val="35000"/>
+                          </a:schemeClr>
+                        </a:solidFill>
+                        <a:latin typeface="맑은 고딕" charset="0"/>
+                        <a:ea typeface="맑은 고딕" charset="0"/>
+                      </a:endParaRPr>
+                    </a:p>
+                  </a:txBody>
+                  <a:tcPr marL="90170" marR="90170" marT="46990" marB="46990" anchor="ctr">
+                    <a:lnL w="12700" cap="flat" cmpd="sng" algn="ctr">
+                      <a:noFill/>
+                      <a:prstDash/>
+                      <a:round/>
+                      <a:headEnd type="none" w="med" len="med"/>
+                      <a:tailEnd type="none" w="med" len="med"/>
+                    </a:lnL>
+                    <a:lnR w="12700" cap="flat" cmpd="sng" algn="ctr">
+                      <a:noFill/>
+                      <a:prstDash/>
+                      <a:round/>
+                      <a:headEnd type="none" w="med" len="med"/>
+                      <a:tailEnd type="none" w="med" len="med"/>
+                    </a:lnR>
+                    <a:lnT w="12700" cap="flat" cmpd="sng" algn="ctr">
+                      <a:noFill/>
+                      <a:prstDash/>
+                      <a:round/>
+                      <a:headEnd type="none" w="med" len="med"/>
+                      <a:tailEnd type="none" w="med" len="med"/>
+                    </a:lnT>
+                    <a:lnB w="12700" cap="flat" cmpd="sng" algn="ctr">
+                      <a:noFill/>
+                      <a:prstDash/>
+                      <a:round/>
+                      <a:headEnd type="none" w="med" len="med"/>
+                      <a:tailEnd type="none" w="med" len="med"/>
+                    </a:lnB>
+                    <a:solidFill>
+                      <a:srgbClr val="BFD0E9"/>
+                    </a:solidFill>
+                  </a:tcPr>
+                </a:tc>
+                <a:tc>
+                  <a:txBody>
+                    <a:bodyPr/>
+                    <a:lstStyle/>
+                    <a:p>
+                      <a:pPr marL="0" indent="0" hangingPunct="1"/>
+                      <a:r>
+                        <a:rPr lang="ko-KR" altLang="en-US" sz="1800" b="0" i="0" kern="1200" dirty="0">
+                          <a:solidFill>
+                            <a:schemeClr val="tx1">
+                              <a:lumMod val="65000"/>
+                              <a:lumOff val="35000"/>
+                            </a:schemeClr>
+                          </a:solidFill>
+                          <a:latin typeface="맑은 고딕" charset="0"/>
+                          <a:ea typeface="맑은 고딕" charset="0"/>
+                          <a:hlinkClick r:id="rId7" action="ppaction://hlinksldjump"/>
+                        </a:rPr>
+                        <a:t>시스템 정립</a:t>
+                      </a:r>
+                      <a:endParaRPr lang="ko-KR" altLang="en-US" sz="1800" b="0" i="0" kern="1200" dirty="0">
+                        <a:solidFill>
+                          <a:schemeClr val="tx1">
+                            <a:lumMod val="65000"/>
+                            <a:lumOff val="35000"/>
+                          </a:schemeClr>
+                        </a:solidFill>
+                        <a:latin typeface="맑은 고딕" charset="0"/>
+                        <a:ea typeface="맑은 고딕" charset="0"/>
+                      </a:endParaRPr>
+                    </a:p>
+                  </a:txBody>
+                  <a:tcPr marL="90170" marR="90170" marT="46990" marB="46990">
+                    <a:lnL w="12700" cap="flat" cmpd="sng" algn="ctr">
+                      <a:noFill/>
+                      <a:prstDash/>
+                      <a:round/>
+                      <a:headEnd type="none" w="med" len="med"/>
+                      <a:tailEnd type="none" w="med" len="med"/>
+                    </a:lnL>
+                    <a:lnR w="12700" cap="flat" cmpd="sng" algn="ctr">
+                      <a:noFill/>
+                      <a:prstDash/>
+                      <a:round/>
+                      <a:headEnd type="none" w="med" len="med"/>
+                      <a:tailEnd type="none" w="med" len="med"/>
+                    </a:lnR>
+                    <a:lnT w="12700" cap="flat" cmpd="sng" algn="ctr">
+                      <a:noFill/>
+                      <a:prstDash/>
+                      <a:round/>
+                      <a:headEnd type="none" w="med" len="med"/>
+                      <a:tailEnd type="none" w="med" len="med"/>
+                    </a:lnT>
+                    <a:lnB w="12700" cap="flat" cmpd="sng" algn="ctr">
+                      <a:noFill/>
+                      <a:prstDash/>
+                      <a:round/>
+                      <a:headEnd type="none" w="med" len="med"/>
+                      <a:tailEnd type="none" w="med" len="med"/>
+                    </a:lnB>
+                    <a:solidFill>
+                      <a:srgbClr val="DFE8F4"/>
+                    </a:solidFill>
+                  </a:tcPr>
+                </a:tc>
+                <a:extLst>
+                  <a:ext uri="{0D108BD9-81ED-4DB2-BD59-A6C34878D82A}">
+                    <a16:rowId xmlns:a16="http://schemas.microsoft.com/office/drawing/2014/main" val="4017742186"/>
+                  </a:ext>
+                </a:extLst>
+              </a:tr>
+              <a:tr h="370840">
+                <a:tc>
+                  <a:txBody>
+                    <a:bodyPr/>
+                    <a:lstStyle/>
+                    <a:p>
+                      <a:pPr marL="0" indent="0" algn="ctr" hangingPunct="1"/>
+                      <a:r>
+                        <a:rPr lang="en-US" altLang="ko-KR" sz="1800" b="0" i="0" kern="1200" dirty="0">
+                          <a:solidFill>
+                            <a:schemeClr val="tx1">
+                              <a:lumMod val="65000"/>
+                              <a:lumOff val="35000"/>
+                            </a:schemeClr>
+                          </a:solidFill>
+                          <a:latin typeface="맑은 고딕" charset="0"/>
+                          <a:ea typeface="맑은 고딕" charset="0"/>
+                        </a:rPr>
+                        <a:t>7</a:t>
+                      </a:r>
+                      <a:endParaRPr lang="ko-KR" altLang="en-US" sz="1800" b="0" i="0" kern="1200" dirty="0">
+                        <a:solidFill>
+                          <a:schemeClr val="tx1">
+                            <a:lumMod val="65000"/>
+                            <a:lumOff val="35000"/>
+                          </a:schemeClr>
+                        </a:solidFill>
+                        <a:latin typeface="맑은 고딕" charset="0"/>
+                        <a:ea typeface="맑은 고딕" charset="0"/>
+                      </a:endParaRPr>
+                    </a:p>
+                  </a:txBody>
+                  <a:tcPr marL="90170" marR="90170" marT="46990" marB="46990" anchor="ctr">
+                    <a:lnL w="12700" cap="flat" cmpd="sng" algn="ctr">
+                      <a:noFill/>
+                      <a:prstDash/>
+                      <a:round/>
+                      <a:headEnd type="none" w="med" len="med"/>
+                      <a:tailEnd type="none" w="med" len="med"/>
+                    </a:lnL>
+                    <a:lnR w="12700" cap="flat" cmpd="sng" algn="ctr">
+                      <a:noFill/>
+                      <a:prstDash/>
+                      <a:round/>
+                      <a:headEnd type="none" w="med" len="med"/>
+                      <a:tailEnd type="none" w="med" len="med"/>
+                    </a:lnR>
+                    <a:lnT w="12700" cap="flat" cmpd="sng" algn="ctr">
+                      <a:noFill/>
+                      <a:prstDash/>
+                      <a:round/>
+                      <a:headEnd type="none" w="med" len="med"/>
+                      <a:tailEnd type="none" w="med" len="med"/>
+                    </a:lnT>
+                    <a:lnB w="12700" cap="flat" cmpd="sng" algn="ctr">
+                      <a:noFill/>
+                      <a:prstDash/>
+                      <a:round/>
+                      <a:headEnd type="none" w="med" len="med"/>
+                      <a:tailEnd type="none" w="med" len="med"/>
+                    </a:lnB>
+                    <a:solidFill>
+                      <a:srgbClr val="DFE8F4"/>
+                    </a:solidFill>
+                  </a:tcPr>
+                </a:tc>
+                <a:tc>
+                  <a:txBody>
+                    <a:bodyPr/>
+                    <a:lstStyle/>
+                    <a:p>
+                      <a:pPr marL="0" indent="0" hangingPunct="1"/>
+                      <a:r>
+                        <a:rPr lang="ko-KR" altLang="en-US" sz="1800" b="0" i="0" kern="1200" dirty="0">
+                          <a:solidFill>
+                            <a:schemeClr val="tx1">
+                              <a:lumMod val="65000"/>
+                              <a:lumOff val="35000"/>
+                            </a:schemeClr>
+                          </a:solidFill>
+                          <a:latin typeface="맑은 고딕" charset="0"/>
+                          <a:ea typeface="맑은 고딕" charset="0"/>
+                          <a:hlinkClick r:id="rId8" action="ppaction://hlinksldjump"/>
+                        </a:rPr>
+                        <a:t>유료화 모델</a:t>
+                      </a:r>
+                      <a:endParaRPr lang="ko-KR" altLang="en-US" sz="1800" b="0" i="0" kern="1200" dirty="0">
+                        <a:solidFill>
+                          <a:schemeClr val="tx1">
+                            <a:lumMod val="65000"/>
+                            <a:lumOff val="35000"/>
+                          </a:schemeClr>
+                        </a:solidFill>
+                        <a:latin typeface="맑은 고딕" charset="0"/>
+                        <a:ea typeface="맑은 고딕" charset="0"/>
+                      </a:endParaRPr>
+                    </a:p>
+                  </a:txBody>
+                  <a:tcPr marL="90170" marR="90170" marT="46990" marB="46990">
+                    <a:lnL w="12700" cap="flat" cmpd="sng" algn="ctr">
+                      <a:noFill/>
+                      <a:prstDash/>
+                      <a:round/>
+                      <a:headEnd type="none" w="med" len="med"/>
+                      <a:tailEnd type="none" w="med" len="med"/>
+                    </a:lnL>
+                    <a:lnR w="12700" cap="flat" cmpd="sng" algn="ctr">
+                      <a:noFill/>
+                      <a:prstDash/>
+                      <a:round/>
+                      <a:headEnd type="none" w="med" len="med"/>
+                      <a:tailEnd type="none" w="med" len="med"/>
+                    </a:lnR>
+                    <a:lnT w="12700" cap="flat" cmpd="sng" algn="ctr">
+                      <a:noFill/>
+                      <a:prstDash/>
+                      <a:round/>
+                      <a:headEnd type="none" w="med" len="med"/>
+                      <a:tailEnd type="none" w="med" len="med"/>
+                    </a:lnT>
+                    <a:lnB w="12700" cap="flat" cmpd="sng" algn="ctr">
+                      <a:noFill/>
+                      <a:prstDash/>
+                      <a:round/>
+                      <a:headEnd type="none" w="med" len="med"/>
+                      <a:tailEnd type="none" w="med" len="med"/>
+                    </a:lnB>
+                    <a:solidFill>
+                      <a:srgbClr val="BFD0E9"/>
+                    </a:solidFill>
+                  </a:tcPr>
+                </a:tc>
+                <a:extLst>
+                  <a:ext uri="{0D108BD9-81ED-4DB2-BD59-A6C34878D82A}">
+                    <a16:rowId xmlns:a16="http://schemas.microsoft.com/office/drawing/2014/main" val="1998275374"/>
+                  </a:ext>
+                </a:extLst>
+              </a:tr>
+            </a:tbl>
+          </a:graphicData>
+        </a:graphic>
+      </p:graphicFrame>
+    </p:spTree>
+    <p:extLst>
+      <p:ext uri="{BB962C8B-B14F-4D97-AF65-F5344CB8AC3E}">
+        <p14:creationId xmlns:p14="http://schemas.microsoft.com/office/powerpoint/2010/main" val="1339791962"/>
+      </p:ext>
+    </p:extLst>
+  </p:cSld>
+  <p:clrMapOvr>
+    <a:masterClrMapping/>
+  </p:clrMapOvr>
+  <mc:AlternateContent xmlns:mc="http://schemas.openxmlformats.org/markup-compatibility/2006" xmlns:p159="http://schemas.microsoft.com/office/powerpoint/2015/09/main">
+    <mc:Choice Requires="p159">
+      <p:transition xmlns:p14="http://schemas.microsoft.com/office/powerpoint/2010/main" spd="slow" p14:dur="2000">
+        <p159:morph option="byObject"/>
+      </p:transition>
+    </mc:Choice>
+    <mc:Fallback xmlns="" xmlns:p14="http://schemas.microsoft.com/office/powerpoint/2010/main">
+      <p:transition spd="slow">
+        <p:fade/>
+      </p:transition>
+    </mc:Fallback>
+  </mc:AlternateContent>
+</p:sld>
+</file>
+
+<file path=ppt/slides/slide3.xml><?xml version="1.0" encoding="utf-8"?>
+<p:sld xmlns:a="http://schemas.openxmlformats.org/drawingml/2006/main" xmlns:r="http://schemas.openxmlformats.org/officeDocument/2006/relationships" xmlns:p="http://schemas.openxmlformats.org/presentationml/2006/main">
+  <p:cSld>
+    <p:spTree>
+      <p:nvGrpSpPr>
+        <p:cNvPr id="1" name=""/>
+        <p:cNvGrpSpPr/>
+        <p:nvPr/>
+      </p:nvGrpSpPr>
+      <p:grpSpPr>
+        <a:xfrm>
+          <a:off x="0" y="0"/>
+          <a:ext cx="0" cy="0"/>
+          <a:chOff x="0" y="0"/>
+          <a:chExt cx="0" cy="0"/>
+        </a:xfrm>
+      </p:grpSpPr>
+      <p:cxnSp>
+        <p:nvCxnSpPr>
+          <p:cNvPr id="4" name="직선 연결선 3">
+            <a:extLst>
+              <a:ext uri="{FF2B5EF4-FFF2-40B4-BE49-F238E27FC236}">
+                <a16:creationId xmlns:a16="http://schemas.microsoft.com/office/drawing/2014/main" id="{91783D2F-737E-4797-9853-8C85BE37E236}"/>
+              </a:ext>
+            </a:extLst>
+          </p:cNvPr>
+          <p:cNvCxnSpPr/>
+          <p:nvPr/>
+        </p:nvCxnSpPr>
+        <p:spPr>
+          <a:xfrm>
+            <a:off x="0" y="975360"/>
+            <a:ext cx="12192000" cy="0"/>
+          </a:xfrm>
+          <a:prstGeom prst="line">
+            <a:avLst/>
+          </a:prstGeom>
+        </p:spPr>
+        <p:style>
+          <a:lnRef idx="1">
+            <a:schemeClr val="accent1"/>
+          </a:lnRef>
+          <a:fillRef idx="0">
+            <a:schemeClr val="accent1"/>
+          </a:fillRef>
+          <a:effectRef idx="0">
+            <a:schemeClr val="accent1"/>
+          </a:effectRef>
+          <a:fontRef idx="minor">
+            <a:schemeClr val="tx1"/>
+          </a:fontRef>
+        </p:style>
+      </p:cxnSp>
+      <p:sp>
+        <p:nvSpPr>
+          <p:cNvPr id="6" name="TextBox 5">
+            <a:extLst>
+              <a:ext uri="{FF2B5EF4-FFF2-40B4-BE49-F238E27FC236}">
+                <a16:creationId xmlns:a16="http://schemas.microsoft.com/office/drawing/2014/main" id="{E9E4E03B-DC2B-4AB1-AA88-841F77488FB8}"/>
+              </a:ext>
+            </a:extLst>
+          </p:cNvPr>
+          <p:cNvSpPr txBox="1"/>
+          <p:nvPr/>
+        </p:nvSpPr>
+        <p:spPr>
+          <a:xfrm flipH="1">
+            <a:off x="192088" y="303188"/>
+            <a:ext cx="3764915" cy="645795"/>
+          </a:xfrm>
+          <a:prstGeom prst="rect">
+            <a:avLst/>
+          </a:prstGeom>
+          <a:noFill/>
+        </p:spPr>
+        <p:txBody>
+          <a:bodyPr vert="horz" wrap="square" lIns="91440" tIns="45720" rIns="91440" bIns="45720" numCol="1" anchor="t">
+            <a:spAutoFit/>
+          </a:bodyPr>
+          <a:lstStyle/>
+          <a:p>
+            <a:pPr marL="0" indent="0" latinLnBrk="0">
+              <a:buFontTx/>
+              <a:buNone/>
+            </a:pPr>
+            <a:r>
+              <a:rPr lang="en-US" altLang="ko-KR" sz="3600" b="1" dirty="0">
+                <a:solidFill>
+                  <a:schemeClr val="accent1">
+                    <a:lumMod val="50000"/>
+                  </a:schemeClr>
+                </a:solidFill>
+                <a:latin typeface="나눔스퀘어 ExtraBold" charset="0"/>
+                <a:ea typeface="나눔스퀘어 ExtraBold" charset="0"/>
+              </a:rPr>
+              <a:t>1. </a:t>
+            </a:r>
+            <a:r>
+              <a:rPr lang="ko-KR" altLang="en-US" sz="3600" b="1" dirty="0">
+                <a:solidFill>
+                  <a:schemeClr val="accent1">
+                    <a:lumMod val="50000"/>
+                  </a:schemeClr>
+                </a:solidFill>
+                <a:latin typeface="나눔스퀘어 ExtraBold" charset="0"/>
+                <a:ea typeface="나눔스퀘어 ExtraBold" charset="0"/>
+              </a:rPr>
+              <a:t>문서 개요</a:t>
+            </a:r>
+          </a:p>
+        </p:txBody>
+      </p:sp>
+      <p:sp>
+        <p:nvSpPr>
+          <p:cNvPr id="2" name="실행 단추: 문서 1">
+            <a:hlinkClick r:id="rId2" action="ppaction://hlinksldjump" highlightClick="1"/>
+            <a:extLst>
+              <a:ext uri="{FF2B5EF4-FFF2-40B4-BE49-F238E27FC236}">
+                <a16:creationId xmlns:a16="http://schemas.microsoft.com/office/drawing/2014/main" id="{940017BD-51C7-4F75-8805-49D1987A7B70}"/>
+              </a:ext>
+            </a:extLst>
+          </p:cNvPr>
+          <p:cNvSpPr/>
+          <p:nvPr/>
+        </p:nvSpPr>
+        <p:spPr>
+          <a:xfrm>
+            <a:off x="11353800" y="6416674"/>
+            <a:ext cx="646113" cy="441325"/>
+          </a:xfrm>
+          <a:prstGeom prst="actionButtonDocument">
+            <a:avLst/>
+          </a:prstGeom>
+          <a:ln>
+            <a:noFill/>
+          </a:ln>
+        </p:spPr>
+        <p:style>
+          <a:lnRef idx="2">
+            <a:schemeClr val="accent1">
+              <a:shade val="50000"/>
+            </a:schemeClr>
+          </a:lnRef>
+          <a:fillRef idx="1">
+            <a:schemeClr val="accent1"/>
+          </a:fillRef>
+          <a:effectRef idx="0">
+            <a:schemeClr val="accent1"/>
+          </a:effectRef>
+          <a:fontRef idx="minor">
+            <a:schemeClr val="lt1"/>
+          </a:fontRef>
+        </p:style>
+        <p:txBody>
+          <a:bodyPr rtlCol="0" anchor="ctr"/>
+          <a:lstStyle/>
+          <a:p>
+            <a:pPr algn="ctr"/>
+            <a:endParaRPr lang="en-US" altLang="ko-KR" sz="800" dirty="0"/>
+          </a:p>
+          <a:p>
+            <a:pPr algn="ctr"/>
+            <a:endParaRPr lang="en-US" altLang="ko-KR" sz="800" dirty="0"/>
+          </a:p>
+          <a:p>
+            <a:pPr algn="ctr"/>
+            <a:r>
+              <a:rPr lang="ko-KR" altLang="en-US" sz="800" dirty="0"/>
+              <a:t>문서 개요</a:t>
+            </a:r>
+          </a:p>
+        </p:txBody>
+      </p:sp>
+      <p:sp>
+        <p:nvSpPr>
+          <p:cNvPr id="5" name="슬라이드 번호 개체 틀 4">
+            <a:extLst>
+              <a:ext uri="{FF2B5EF4-FFF2-40B4-BE49-F238E27FC236}">
+                <a16:creationId xmlns:a16="http://schemas.microsoft.com/office/drawing/2014/main" id="{8B5D4CA9-CB04-4EDF-A666-0FD518F43160}"/>
+              </a:ext>
+            </a:extLst>
+          </p:cNvPr>
+          <p:cNvSpPr>
+            <a:spLocks noGrp="1"/>
+          </p:cNvSpPr>
+          <p:nvPr>
+            <p:ph type="sldNum" sz="quarter" idx="12"/>
+          </p:nvPr>
+        </p:nvSpPr>
+        <p:spPr/>
+        <p:txBody>
+          <a:bodyPr/>
+          <a:lstStyle/>
+          <a:p>
+            <a:fld id="{E887A479-1FB4-4076-82AD-4520E3445CF4}" type="slidenum">
+              <a:rPr lang="ko-KR" altLang="en-US" smtClean="0"/>
+              <a:t>3</a:t>
+            </a:fld>
+            <a:endParaRPr lang="ko-KR" altLang="en-US"/>
+          </a:p>
+        </p:txBody>
+      </p:sp>
+      <p:graphicFrame>
+        <p:nvGraphicFramePr>
+          <p:cNvPr id="8" name="표 6">
+            <a:extLst>
+              <a:ext uri="{FF2B5EF4-FFF2-40B4-BE49-F238E27FC236}">
+                <a16:creationId xmlns:a16="http://schemas.microsoft.com/office/drawing/2014/main" id="{9C5EC432-AFA5-4957-B7A3-455B45FFED69}"/>
+              </a:ext>
+            </a:extLst>
+          </p:cNvPr>
+          <p:cNvGraphicFramePr>
+            <a:graphicFrameLocks noGrp="1"/>
+          </p:cNvGraphicFramePr>
+          <p:nvPr>
+            <p:extLst>
+              <p:ext uri="{D42A27DB-BD31-4B8C-83A1-F6EECF244321}">
+                <p14:modId xmlns:p14="http://schemas.microsoft.com/office/powerpoint/2010/main" val="1924069307"/>
               </p:ext>
             </p:extLst>
           </p:nvPr>
@@ -5895,7 +8685,7 @@
     </p:spTree>
     <p:extLst>
       <p:ext uri="{BB962C8B-B14F-4D97-AF65-F5344CB8AC3E}">
-        <p14:creationId xmlns:p14="http://schemas.microsoft.com/office/powerpoint/2010/main" val="1893159904"/>
+        <p14:creationId xmlns:p14="http://schemas.microsoft.com/office/powerpoint/2010/main" val="3515613415"/>
       </p:ext>
     </p:extLst>
   </p:cSld>
@@ -5908,7 +8698,7 @@
         <p159:morph option="byObject"/>
       </p:transition>
     </mc:Choice>
-    <mc:Fallback xmlns:p14="http://schemas.microsoft.com/office/powerpoint/2010/main" xmlns="">
+    <mc:Fallback xmlns="" xmlns:p14="http://schemas.microsoft.com/office/powerpoint/2010/main">
       <p:transition spd="slow">
         <p:fade/>
       </p:transition>
@@ -6837,7 +9627,7 @@
         <p159:morph option="byObject"/>
       </p:transition>
     </mc:Choice>
-    <mc:Fallback xmlns:p14="http://schemas.microsoft.com/office/powerpoint/2010/main" xmlns="">
+    <mc:Fallback xmlns="" xmlns:p14="http://schemas.microsoft.com/office/powerpoint/2010/main">
       <p:transition spd="slow">
         <p:fade/>
       </p:transition>
@@ -8142,7 +10932,7 @@
         <p159:morph option="byObject"/>
       </p:transition>
     </mc:Choice>
-    <mc:Fallback xmlns:p14="http://schemas.microsoft.com/office/powerpoint/2010/main" xmlns="">
+    <mc:Fallback xmlns="" xmlns:p14="http://schemas.microsoft.com/office/powerpoint/2010/main">
       <p:transition spd="slow">
         <p:fade/>
       </p:transition>
@@ -9650,7 +12440,7 @@
 </file>
 
 <file path=ppt/slides/slide8.xml><?xml version="1.0" encoding="utf-8"?>
-<p:sld xmlns:a="http://schemas.openxmlformats.org/drawingml/2006/main" xmlns:r="http://schemas.openxmlformats.org/officeDocument/2006/relationships" xmlns:p="http://schemas.openxmlformats.org/presentationml/2006/main" xmlns:p14="http://schemas.microsoft.com/office/powerpoint/2010/main">
+<p:sld xmlns:a="http://schemas.openxmlformats.org/drawingml/2006/main" xmlns:r="http://schemas.openxmlformats.org/officeDocument/2006/relationships" xmlns:p="http://schemas.openxmlformats.org/presentationml/2006/main">
   <p:cSld>
     <p:spTree>
       <p:nvGrpSpPr>
@@ -9673,11 +12463,13 @@
           <p:nvPr/>
         </p:nvCxnSpPr>
         <p:spPr>
-          <a:xfrm rot="0">
+          <a:xfrm>
             <a:off x="0" y="975360"/>
             <a:ext cx="12193270" cy="1270"/>
           </a:xfrm>
-          <a:prstGeom prst="line"/>
+          <a:prstGeom prst="line">
+            <a:avLst/>
+          </a:prstGeom>
         </p:spPr>
         <p:style>
           <a:lnRef idx="1">
@@ -9723,7 +12515,7 @@
               <a:buNone/>
             </a:pPr>
             <a:r>
-              <a:rPr lang="en-US" altLang="ko-KR" sz="3600" b="1">
+              <a:rPr lang="en-US" altLang="ko-KR" sz="3600" b="1" dirty="0">
                 <a:solidFill>
                   <a:schemeClr val="accent1">
                     <a:lumMod val="50000"/>
@@ -9735,7 +12527,7 @@
               <a:t>5</a:t>
             </a:r>
             <a:r>
-              <a:rPr lang="ko-KR" altLang="en-US" sz="3600" b="1">
+              <a:rPr lang="ko-KR" altLang="en-US" sz="3600" b="1" dirty="0">
                 <a:solidFill>
                   <a:schemeClr val="accent1">
                     <a:lumMod val="50000"/>
@@ -9744,7 +12536,7 @@
                 <a:latin typeface="나눔스퀘어 ExtraBold" charset="0"/>
                 <a:ea typeface="나눔스퀘어 ExtraBold" charset="0"/>
               </a:rPr>
-              <a:t>.</a:t>
+              <a:t>.캐릭터</a:t>
             </a:r>
           </a:p>
         </p:txBody>
@@ -9755,11 +12547,17 @@
           <p:cNvGraphicFramePr>
             <a:graphicFrameLocks noGrp="1"/>
           </p:cNvGraphicFramePr>
-          <p:nvPr/>
+          <p:nvPr>
+            <p:extLst>
+              <p:ext uri="{D42A27DB-BD31-4B8C-83A1-F6EECF244321}">
+                <p14:modId xmlns:p14="http://schemas.microsoft.com/office/powerpoint/2010/main" val="2892006751"/>
+              </p:ext>
+            </p:extLst>
+          </p:nvPr>
         </p:nvGraphicFramePr>
         <p:xfrm>
           <a:off x="187325" y="1720215"/>
-          <a:ext cx="8272145" cy="3502660"/>
+          <a:ext cx="8272145" cy="3749040"/>
         </p:xfrm>
         <a:graphic>
           <a:graphicData uri="http://schemas.openxmlformats.org/drawingml/2006/table">
@@ -9768,54 +12566,66 @@
                 <a:tableStyleId>{5C22544A-7EE6-4342-B048-85BDC9FD1C3A}</a:tableStyleId>
               </a:tblPr>
               <a:tblGrid>
-                <a:gridCol w="1459230"/>
-                <a:gridCol w="6812915"/>
+                <a:gridCol w="1459230">
+                  <a:extLst>
+                    <a:ext uri="{9D8B030D-6E8A-4147-A177-3AD203B41FA5}">
+                      <a16:colId xmlns:a16="http://schemas.microsoft.com/office/drawing/2014/main" val="20000"/>
+                    </a:ext>
+                  </a:extLst>
+                </a:gridCol>
+                <a:gridCol w="6812915">
+                  <a:extLst>
+                    <a:ext uri="{9D8B030D-6E8A-4147-A177-3AD203B41FA5}">
+                      <a16:colId xmlns:a16="http://schemas.microsoft.com/office/drawing/2014/main" val="20001"/>
+                    </a:ext>
+                  </a:extLst>
+                </a:gridCol>
               </a:tblGrid>
-              <a:tr h="368300">
+              <a:tr h="299194">
                 <a:tc gridSpan="2">
                   <a:txBody>
                     <a:bodyPr/>
                     <a:lstStyle/>
                     <a:p>
-                      <a:pPr marL="0" indent="0" latinLnBrk="1" lvl="1">
+                      <a:pPr marL="0" lvl="1" indent="0" latinLnBrk="1">
                         <a:buFontTx/>
                         <a:buNone/>
                       </a:pPr>
                       <a:r>
-                        <a:rPr lang="ko-KR" altLang="en-US" kern="1200" b="1">
+                        <a:rPr lang="ko-KR" altLang="en-US" b="1" kern="1200">
                           <a:solidFill>
                             <a:srgbClr val="FFFFFF"/>
                           </a:solidFill>
                         </a:rPr>
                         <a:t>캐릭터 </a:t>
                       </a:r>
-                      <a:endParaRPr lang="ko-KR" altLang="en-US" kern="1200" b="1">
-                        <a:solidFill>
-                          <a:srgbClr val="FFFFFF"/>
-                        </a:solidFill>
-                      </a:endParaRPr>
-                    </a:p>
-                  </a:txBody>
-                  <a:tcPr marL="91440" marR="91440" marT="45720" marB="45720" anchor="t"/>
+                    </a:p>
+                  </a:txBody>
+                  <a:tcPr/>
                 </a:tc>
                 <a:tc hMerge="1">
                   <a:txBody>
                     <a:bodyPr/>
                     <a:lstStyle/>
                     <a:p>
-                      <a:pPr/>
                       <a:endParaRPr lang="ko-KR" altLang="en-US" kern="1200"/>
                     </a:p>
                   </a:txBody>
-                </a:tc>
+                  <a:tcPr/>
+                </a:tc>
+                <a:extLst>
+                  <a:ext uri="{0D108BD9-81ED-4DB2-BD59-A6C34878D82A}">
+                    <a16:rowId xmlns:a16="http://schemas.microsoft.com/office/drawing/2014/main" val="10000"/>
+                  </a:ext>
+                </a:extLst>
               </a:tr>
-              <a:tr h="645160">
+              <a:tr h="523590">
                 <a:tc>
                   <a:txBody>
                     <a:bodyPr/>
                     <a:lstStyle/>
                     <a:p>
-                      <a:pPr marL="0" indent="0" latinLnBrk="1" lvl="1">
+                      <a:pPr marL="0" lvl="1" indent="0" latinLnBrk="1">
                         <a:buFontTx/>
                         <a:buNone/>
                       </a:pPr>
@@ -9826,6 +12636,36 @@
                           </a:solidFill>
                         </a:rPr>
                         <a:t>이름</a:t>
+                      </a:r>
+                    </a:p>
+                    <a:p>
+                      <a:pPr marL="0" lvl="1" indent="0" latinLnBrk="1">
+                        <a:buFontTx/>
+                        <a:buNone/>
+                      </a:pPr>
+                      <a:r>
+                        <a:rPr lang="en-US" altLang="ko-KR" kern="1200">
+                          <a:solidFill>
+                            <a:srgbClr val="000000"/>
+                          </a:solidFill>
+                        </a:rPr>
+                        <a:t>(</a:t>
+                      </a:r>
+                      <a:r>
+                        <a:rPr lang="ko-KR" altLang="en-US" kern="1200">
+                          <a:solidFill>
+                            <a:srgbClr val="000000"/>
+                          </a:solidFill>
+                        </a:rPr>
+                        <a:t>닉네임</a:t>
+                      </a:r>
+                      <a:r>
+                        <a:rPr lang="en-US" altLang="ko-KR" kern="1200">
+                          <a:solidFill>
+                            <a:srgbClr val="000000"/>
+                          </a:solidFill>
+                        </a:rPr>
+                        <a:t>)</a:t>
                       </a:r>
                       <a:endParaRPr lang="ko-KR" altLang="en-US" kern="1200">
                         <a:solidFill>
@@ -9833,34 +12673,47 @@
                         </a:solidFill>
                       </a:endParaRPr>
                     </a:p>
-                    <a:p>
-                      <a:pPr marL="0" indent="0" latinLnBrk="1" lvl="1">
+                  </a:txBody>
+                  <a:tcPr anchor="ctr"/>
+                </a:tc>
+                <a:tc>
+                  <a:txBody>
+                    <a:bodyPr/>
+                    <a:lstStyle/>
+                    <a:p>
+                      <a:pPr marL="0" lvl="1" indent="0" latinLnBrk="1">
                         <a:buFontTx/>
                         <a:buNone/>
                       </a:pPr>
                       <a:r>
+                        <a:rPr lang="ko-KR" altLang="en-US" kern="1200">
+                          <a:solidFill>
+                            <a:srgbClr val="000000"/>
+                          </a:solidFill>
+                        </a:rPr>
+                        <a:t>플레이어 임의 설정</a:t>
+                      </a:r>
+                    </a:p>
+                    <a:p>
+                      <a:pPr marL="0" lvl="1" indent="0" latinLnBrk="1">
+                        <a:buFontTx/>
+                        <a:buNone/>
+                      </a:pPr>
+                      <a:r>
+                        <a:rPr lang="ko-KR" altLang="en-US" kern="1200">
+                          <a:solidFill>
+                            <a:srgbClr val="000000"/>
+                          </a:solidFill>
+                        </a:rPr>
+                        <a:t>기본적으로 방랑자라고 불린다</a:t>
+                      </a:r>
+                      <a:r>
                         <a:rPr lang="en-US" altLang="ko-KR" kern="1200">
                           <a:solidFill>
                             <a:srgbClr val="000000"/>
                           </a:solidFill>
                         </a:rPr>
-                        <a:t>(</a:t>
-                      </a:r>
-                      <a:r>
-                        <a:rPr lang="ko-KR" altLang="en-US" kern="1200">
-                          <a:solidFill>
-                            <a:srgbClr val="000000"/>
-                          </a:solidFill>
-                        </a:rPr>
-                        <a:t>닉네임</a:t>
-                      </a:r>
-                      <a:r>
-                        <a:rPr lang="en-US" altLang="ko-KR" kern="1200">
-                          <a:solidFill>
-                            <a:srgbClr val="000000"/>
-                          </a:solidFill>
-                        </a:rPr>
-                        <a:t>)</a:t>
+                        <a:t>.</a:t>
                       </a:r>
                       <a:endParaRPr lang="ko-KR" altLang="en-US" kern="1200">
                         <a:solidFill>
@@ -9869,14 +12722,21 @@
                       </a:endParaRPr>
                     </a:p>
                   </a:txBody>
-                  <a:tcPr marL="91440" marR="91440" marT="45720" marB="45720" anchor="ctr"/>
-                </a:tc>
+                  <a:tcPr anchor="ctr"/>
+                </a:tc>
+                <a:extLst>
+                  <a:ext uri="{0D108BD9-81ED-4DB2-BD59-A6C34878D82A}">
+                    <a16:rowId xmlns:a16="http://schemas.microsoft.com/office/drawing/2014/main" val="10001"/>
+                  </a:ext>
+                </a:extLst>
+              </a:tr>
+              <a:tr h="523590">
                 <a:tc>
                   <a:txBody>
                     <a:bodyPr/>
                     <a:lstStyle/>
                     <a:p>
-                      <a:pPr marL="0" indent="0" latinLnBrk="1" lvl="1">
+                      <a:pPr marL="0" lvl="1" indent="0" latinLnBrk="1">
                         <a:buFontTx/>
                         <a:buNone/>
                       </a:pPr>
@@ -9886,7 +12746,50 @@
                             <a:srgbClr val="000000"/>
                           </a:solidFill>
                         </a:rPr>
-                        <a:t>플레이어 임의 설정</a:t>
+                        <a:t>성격</a:t>
+                      </a:r>
+                    </a:p>
+                  </a:txBody>
+                  <a:tcPr anchor="ctr"/>
+                </a:tc>
+                <a:tc>
+                  <a:txBody>
+                    <a:bodyPr/>
+                    <a:lstStyle/>
+                    <a:p>
+                      <a:pPr marL="0" lvl="1" indent="0" latinLnBrk="1">
+                        <a:buFontTx/>
+                        <a:buNone/>
+                      </a:pPr>
+                      <a:r>
+                        <a:rPr lang="ko-KR" altLang="en-US" kern="1200">
+                          <a:solidFill>
+                            <a:srgbClr val="000000"/>
+                          </a:solidFill>
+                        </a:rPr>
+                        <a:t>전체적으로 냉정 하지만 괴물에 관련된 </a:t>
+                      </a:r>
+                    </a:p>
+                    <a:p>
+                      <a:pPr marL="0" lvl="1" indent="0" latinLnBrk="1">
+                        <a:buFontTx/>
+                        <a:buNone/>
+                      </a:pPr>
+                      <a:r>
+                        <a:rPr lang="ko-KR" altLang="en-US" kern="1200">
+                          <a:solidFill>
+                            <a:srgbClr val="000000"/>
+                          </a:solidFill>
+                        </a:rPr>
+                        <a:t>일에는 복수귀적 면모를 보인다</a:t>
+                      </a:r>
+                      <a:r>
+                        <a:rPr lang="en-US" altLang="ko-KR" kern="1200">
+                          <a:solidFill>
+                            <a:srgbClr val="000000"/>
+                          </a:solidFill>
+                        </a:rPr>
+                        <a:t>.</a:t>
                       </a:r>
                       <a:endParaRPr lang="ko-KR" altLang="en-US" kern="1200">
                         <a:solidFill>
@@ -9894,8 +12797,22 @@
                         </a:solidFill>
                       </a:endParaRPr>
                     </a:p>
-                    <a:p>
-                      <a:pPr marL="0" indent="0" latinLnBrk="1" lvl="1">
+                  </a:txBody>
+                  <a:tcPr anchor="ctr"/>
+                </a:tc>
+                <a:extLst>
+                  <a:ext uri="{0D108BD9-81ED-4DB2-BD59-A6C34878D82A}">
+                    <a16:rowId xmlns:a16="http://schemas.microsoft.com/office/drawing/2014/main" val="10002"/>
+                  </a:ext>
+                </a:extLst>
+              </a:tr>
+              <a:tr h="299194">
+                <a:tc>
+                  <a:txBody>
+                    <a:bodyPr/>
+                    <a:lstStyle/>
+                    <a:p>
+                      <a:pPr marL="0" lvl="1" indent="0" latinLnBrk="1">
                         <a:buFontTx/>
                         <a:buNone/>
                       </a:pPr>
@@ -9905,7 +12822,28 @@
                             <a:srgbClr val="000000"/>
                           </a:solidFill>
                         </a:rPr>
-                        <a:t>기본적으로 방랑자라고 불린다</a:t>
+                        <a:t>배경</a:t>
+                      </a:r>
+                    </a:p>
+                  </a:txBody>
+                  <a:tcPr anchor="ctr"/>
+                </a:tc>
+                <a:tc>
+                  <a:txBody>
+                    <a:bodyPr/>
+                    <a:lstStyle/>
+                    <a:p>
+                      <a:pPr marL="0" lvl="1" indent="0" latinLnBrk="1">
+                        <a:buFontTx/>
+                        <a:buNone/>
+                      </a:pPr>
+                      <a:r>
+                        <a:rPr lang="ko-KR" altLang="en-US" kern="1200">
+                          <a:solidFill>
+                            <a:srgbClr val="000000"/>
+                          </a:solidFill>
+                        </a:rPr>
+                        <a:t>과거 괴물들로 인해 가족과 친구를 잃은 방랑자</a:t>
                       </a:r>
                       <a:r>
                         <a:rPr lang="en-US" altLang="ko-KR" kern="1200">
@@ -9922,16 +12860,21 @@
                       </a:endParaRPr>
                     </a:p>
                   </a:txBody>
-                  <a:tcPr marL="91440" marR="91440" marT="45720" marB="45720" anchor="ctr"/>
-                </a:tc>
+                  <a:tcPr anchor="ctr"/>
+                </a:tc>
+                <a:extLst>
+                  <a:ext uri="{0D108BD9-81ED-4DB2-BD59-A6C34878D82A}">
+                    <a16:rowId xmlns:a16="http://schemas.microsoft.com/office/drawing/2014/main" val="10003"/>
+                  </a:ext>
+                </a:extLst>
               </a:tr>
-              <a:tr h="645160">
+              <a:tr h="564380">
                 <a:tc>
                   <a:txBody>
                     <a:bodyPr/>
                     <a:lstStyle/>
                     <a:p>
-                      <a:pPr marL="0" indent="0" latinLnBrk="1" lvl="1">
+                      <a:pPr marL="0" lvl="1" indent="0" latinLnBrk="1">
                         <a:buFontTx/>
                         <a:buNone/>
                       </a:pPr>
@@ -9941,377 +12884,166 @@
                             <a:srgbClr val="000000"/>
                           </a:solidFill>
                         </a:rPr>
-                        <a:t>성격</a:t>
-                      </a:r>
-                      <a:endParaRPr lang="ko-KR" altLang="en-US" kern="1200">
+                        <a:t>캐릭터 </a:t>
+                      </a:r>
+                    </a:p>
+                    <a:p>
+                      <a:pPr marL="0" lvl="1" indent="0" latinLnBrk="1">
+                        <a:buFontTx/>
+                        <a:buNone/>
+                      </a:pPr>
+                      <a:r>
+                        <a:rPr lang="ko-KR" altLang="en-US" kern="1200">
+                          <a:solidFill>
+                            <a:srgbClr val="000000"/>
+                          </a:solidFill>
+                        </a:rPr>
+                        <a:t>규칙</a:t>
+                      </a:r>
+                    </a:p>
+                  </a:txBody>
+                  <a:tcPr anchor="ctr"/>
+                </a:tc>
+                <a:tc>
+                  <a:txBody>
+                    <a:bodyPr/>
+                    <a:lstStyle/>
+                    <a:p>
+                      <a:pPr marL="0" lvl="1" indent="0" latinLnBrk="1">
+                        <a:buFontTx/>
+                        <a:buNone/>
+                      </a:pPr>
+                      <a:r>
+                        <a:rPr lang="ko-KR" altLang="en-US" kern="1200" dirty="0">
+                          <a:solidFill>
+                            <a:srgbClr val="000000"/>
+                          </a:solidFill>
+                        </a:rPr>
+                        <a:t>캐릭터에는 인간 남자와 여자가 있다</a:t>
+                      </a:r>
+                      <a:r>
+                        <a:rPr lang="en-US" altLang="ko-KR" kern="1200" dirty="0">
+                          <a:solidFill>
+                            <a:srgbClr val="000000"/>
+                          </a:solidFill>
+                        </a:rPr>
+                        <a:t>.</a:t>
+                      </a:r>
+                      <a:endParaRPr lang="ko-KR" altLang="en-US" kern="1200" dirty="0">
                         <a:solidFill>
                           <a:srgbClr val="000000"/>
                         </a:solidFill>
                       </a:endParaRPr>
                     </a:p>
-                  </a:txBody>
-                  <a:tcPr marL="91440" marR="91440" marT="45720" marB="45720" anchor="ctr"/>
-                </a:tc>
-                <a:tc>
-                  <a:txBody>
-                    <a:bodyPr/>
-                    <a:lstStyle/>
-                    <a:p>
-                      <a:pPr marL="0" indent="0" latinLnBrk="1" lvl="1">
+                    <a:p>
+                      <a:pPr marL="0" lvl="1" indent="0" latinLnBrk="1">
                         <a:buFontTx/>
                         <a:buNone/>
                       </a:pPr>
                       <a:r>
-                        <a:rPr lang="ko-KR" altLang="en-US" kern="1200">
+                        <a:rPr lang="ko-KR" altLang="en-US" kern="1200" dirty="0">
                           <a:solidFill>
                             <a:srgbClr val="000000"/>
                           </a:solidFill>
                         </a:rPr>
-                        <a:t>전체적으로 냉정</a:t>
-                      </a:r>
-                      <a:r>
-                        <a:rPr lang="ko-KR" altLang="en-US" kern="1200">
-                          <a:solidFill>
-                            <a:srgbClr val="000000"/>
-                          </a:solidFill>
-                        </a:rPr>
-                        <a:t> </a:t>
-                      </a:r>
-                      <a:r>
-                        <a:rPr lang="ko-KR" altLang="en-US" kern="1200">
-                          <a:solidFill>
-                            <a:srgbClr val="000000"/>
-                          </a:solidFill>
-                        </a:rPr>
-                        <a:t>하지만 괴물에 </a:t>
-                      </a:r>
-                      <a:r>
-                        <a:rPr lang="ko-KR" altLang="en-US" kern="1200">
-                          <a:solidFill>
-                            <a:srgbClr val="000000"/>
-                          </a:solidFill>
-                        </a:rPr>
-                        <a:t>관련된</a:t>
-                      </a:r>
-                      <a:r>
-                        <a:rPr lang="ko-KR" altLang="en-US" kern="1200">
-                          <a:solidFill>
-                            <a:srgbClr val="000000"/>
-                          </a:solidFill>
-                        </a:rPr>
-                        <a:t> </a:t>
-                      </a:r>
-                      <a:endParaRPr lang="ko-KR" altLang="en-US" kern="1200">
+                        <a:t>모든 무기를 사용할 수 있다. </a:t>
+                      </a:r>
+                      <a:endParaRPr lang="en-US" altLang="ko-KR" kern="1200" dirty="0">
                         <a:solidFill>
                           <a:srgbClr val="000000"/>
                         </a:solidFill>
                       </a:endParaRPr>
                     </a:p>
                     <a:p>
-                      <a:pPr marL="0" indent="0" latinLnBrk="1" lvl="1">
+                      <a:pPr marL="0" lvl="1" indent="0" latinLnBrk="1">
                         <a:buFontTx/>
                         <a:buNone/>
                       </a:pPr>
                       <a:r>
-                        <a:rPr lang="ko-KR" altLang="en-US" kern="1200">
+                        <a:rPr lang="ko-KR" altLang="en-US" kern="1200" dirty="0">
                           <a:solidFill>
                             <a:srgbClr val="000000"/>
                           </a:solidFill>
                         </a:rPr>
-                        <a:t>일에는</a:t>
-                      </a:r>
-                      <a:r>
-                        <a:rPr lang="ko-KR" altLang="en-US" kern="1200">
+                        <a:t>다양한 방법으로 경험치를 얻어 레벨을 올릴 수 있다</a:t>
+                      </a:r>
+                      <a:r>
+                        <a:rPr lang="en-US" altLang="ko-KR" kern="1200" dirty="0">
                           <a:solidFill>
                             <a:srgbClr val="000000"/>
                           </a:solidFill>
                         </a:rPr>
-                        <a:t> 복수귀적 면모를 보인다</a:t>
-                      </a:r>
-                      <a:r>
-                        <a:rPr lang="en-US" altLang="ko-KR" kern="1200">
+                        <a:t>.(</a:t>
+                      </a:r>
+                      <a:r>
+                        <a:rPr lang="ko-KR" altLang="en-US" kern="1200" dirty="0">
                           <a:solidFill>
                             <a:srgbClr val="000000"/>
                           </a:solidFill>
                         </a:rPr>
-                        <a:t>.</a:t>
-                      </a:r>
-                      <a:endParaRPr lang="ko-KR" altLang="en-US" kern="1200">
-                        <a:solidFill>
-                          <a:srgbClr val="000000"/>
-                        </a:solidFill>
-                      </a:endParaRPr>
-                    </a:p>
-                  </a:txBody>
-                  <a:tcPr marL="91440" marR="91440" marT="45720" marB="45720" anchor="ctr"/>
-                </a:tc>
-              </a:tr>
-              <a:tr h="368300">
-                <a:tc>
-                  <a:txBody>
-                    <a:bodyPr/>
-                    <a:lstStyle/>
-                    <a:p>
-                      <a:pPr marL="0" indent="0" latinLnBrk="1" lvl="1">
+                        <a:t>최대 </a:t>
+                      </a:r>
+                      <a:r>
+                        <a:rPr lang="en-US" altLang="ko-KR" kern="1200" dirty="0">
+                          <a:solidFill>
+                            <a:srgbClr val="000000"/>
+                          </a:solidFill>
+                        </a:rPr>
+                        <a:t>25)</a:t>
+                      </a:r>
+                    </a:p>
+                    <a:p>
+                      <a:pPr marL="0" lvl="1" indent="0" latinLnBrk="1">
                         <a:buFontTx/>
                         <a:buNone/>
                       </a:pPr>
                       <a:r>
-                        <a:rPr lang="ko-KR" altLang="en-US" kern="1200">
+                        <a:rPr lang="ko-KR" altLang="en-US" kern="1200" dirty="0">
                           <a:solidFill>
                             <a:srgbClr val="000000"/>
                           </a:solidFill>
                         </a:rPr>
-                        <a:t>배경</a:t>
-                      </a:r>
-                      <a:endParaRPr lang="ko-KR" altLang="en-US" kern="1200">
-                        <a:solidFill>
-                          <a:srgbClr val="000000"/>
-                        </a:solidFill>
-                      </a:endParaRPr>
-                    </a:p>
-                  </a:txBody>
-                  <a:tcPr marL="91440" marR="91440" marT="45720" marB="45720" anchor="ctr"/>
-                </a:tc>
-                <a:tc>
-                  <a:txBody>
-                    <a:bodyPr/>
-                    <a:lstStyle/>
-                    <a:p>
-                      <a:pPr marL="0" indent="0" latinLnBrk="1" lvl="1">
+                        <a:t>캐릭터의 능력치는 레벨에 비례하여 최대 성장치가 존재한다</a:t>
+                      </a:r>
+                      <a:r>
+                        <a:rPr lang="en-US" altLang="ko-KR" kern="1200" dirty="0">
+                          <a:solidFill>
+                            <a:srgbClr val="000000"/>
+                          </a:solidFill>
+                        </a:rPr>
+                        <a:t>.</a:t>
+                      </a:r>
+                    </a:p>
+                    <a:p>
+                      <a:pPr marL="0" lvl="1" indent="0" latinLnBrk="1">
                         <a:buFontTx/>
                         <a:buNone/>
                       </a:pPr>
                       <a:r>
-                        <a:rPr lang="ko-KR" altLang="en-US" kern="1200">
+                        <a:rPr lang="ko-KR" altLang="en-US" kern="1200" dirty="0">
                           <a:solidFill>
                             <a:srgbClr val="000000"/>
                           </a:solidFill>
                         </a:rPr>
-                        <a:t>과거 괴물들로 인해 가족과 친구를 잃은 방랑자</a:t>
-                      </a:r>
-                      <a:r>
-                        <a:rPr lang="en-US" altLang="ko-KR" kern="1200">
+                        <a:t>캐릭터의 레벨 상승 시 체력과 지구력이 일정량 상승하며 추가적인 수련 등의 방법으로 능력치들을 상승 시킬 수 있다</a:t>
+                      </a:r>
+                      <a:r>
+                        <a:rPr lang="en-US" altLang="ko-KR" kern="1200" dirty="0">
                           <a:solidFill>
                             <a:srgbClr val="000000"/>
                           </a:solidFill>
                         </a:rPr>
                         <a:t>.</a:t>
                       </a:r>
-                      <a:endParaRPr lang="ko-KR" altLang="en-US" kern="1200">
-                        <a:solidFill>
-                          <a:srgbClr val="000000"/>
-                        </a:solidFill>
-                      </a:endParaRPr>
-                    </a:p>
-                  </a:txBody>
-                  <a:tcPr marL="91440" marR="91440" marT="45720" marB="45720" anchor="ctr"/>
-                </a:tc>
-              </a:tr>
-              <a:tr h="1475740">
-                <a:tc>
-                  <a:txBody>
-                    <a:bodyPr/>
-                    <a:lstStyle/>
-                    <a:p>
-                      <a:pPr marL="0" indent="0" latinLnBrk="1" lvl="1">
-                        <a:buFontTx/>
-                        <a:buNone/>
-                      </a:pPr>
-                      <a:r>
-                        <a:rPr lang="ko-KR" altLang="en-US" kern="1200">
-                          <a:solidFill>
-                            <a:srgbClr val="000000"/>
-                          </a:solidFill>
-                        </a:rPr>
-                        <a:t>캐릭터 </a:t>
-                      </a:r>
-                      <a:endParaRPr lang="ko-KR" altLang="en-US" kern="1200">
-                        <a:solidFill>
-                          <a:srgbClr val="000000"/>
-                        </a:solidFill>
-                      </a:endParaRPr>
-                    </a:p>
-                    <a:p>
-                      <a:pPr marL="0" indent="0" latinLnBrk="1" lvl="1">
-                        <a:buFontTx/>
-                        <a:buNone/>
-                      </a:pPr>
-                      <a:r>
-                        <a:rPr lang="ko-KR" altLang="en-US" kern="1200">
-                          <a:solidFill>
-                            <a:srgbClr val="000000"/>
-                          </a:solidFill>
-                        </a:rPr>
-                        <a:t>규칙</a:t>
-                      </a:r>
-                      <a:endParaRPr lang="ko-KR" altLang="en-US" kern="1200">
-                        <a:solidFill>
-                          <a:srgbClr val="000000"/>
-                        </a:solidFill>
-                      </a:endParaRPr>
-                    </a:p>
-                  </a:txBody>
-                  <a:tcPr marL="91440" marR="91440" marT="45720" marB="45720" anchor="ctr"/>
-                </a:tc>
-                <a:tc>
-                  <a:txBody>
-                    <a:bodyPr/>
-                    <a:lstStyle/>
-                    <a:p>
-                      <a:pPr marL="0" indent="0" latinLnBrk="1" lvl="1">
-                        <a:buFontTx/>
-                        <a:buNone/>
-                      </a:pPr>
-                      <a:r>
-                        <a:rPr lang="ko-KR" altLang="en-US" kern="1200">
-                          <a:solidFill>
-                            <a:srgbClr val="000000"/>
-                          </a:solidFill>
-                        </a:rPr>
-                        <a:t>캐릭터 생성시 플레이어의 선택의 따라 성별이 바뀜</a:t>
-                      </a:r>
-                      <a:r>
-                        <a:rPr lang="en-US" altLang="ko-KR" kern="1200">
-                          <a:solidFill>
-                            <a:srgbClr val="000000"/>
-                          </a:solidFill>
-                        </a:rPr>
-                        <a:t>.</a:t>
-                      </a:r>
-                      <a:endParaRPr lang="ko-KR" altLang="en-US" kern="1200">
-                        <a:solidFill>
-                          <a:srgbClr val="000000"/>
-                        </a:solidFill>
-                      </a:endParaRPr>
-                    </a:p>
-                    <a:p>
-                      <a:pPr marL="0" indent="0" latinLnBrk="1" lvl="1">
-                        <a:buFontTx/>
-                        <a:buNone/>
-                      </a:pPr>
-                      <a:r>
-                        <a:rPr lang="ko-KR" altLang="en-US" kern="1200">
-                          <a:solidFill>
-                            <a:srgbClr val="000000"/>
-                          </a:solidFill>
-                        </a:rPr>
-                        <a:t>다양한 무기를 사용</a:t>
-                      </a:r>
-                      <a:r>
-                        <a:rPr lang="ko-KR" altLang="en-US" kern="1200">
-                          <a:solidFill>
-                            <a:srgbClr val="000000"/>
-                          </a:solidFill>
-                        </a:rPr>
-                        <a:t>할 수 있다. </a:t>
-                      </a:r>
-                      <a:endParaRPr lang="ko-KR" altLang="en-US" kern="1200">
-                        <a:solidFill>
-                          <a:srgbClr val="000000"/>
-                        </a:solidFill>
-                      </a:endParaRPr>
-                    </a:p>
-                    <a:p>
-                      <a:pPr marL="0" indent="0" latinLnBrk="1" lvl="1">
-                        <a:buFontTx/>
-                        <a:buNone/>
-                      </a:pPr>
-                      <a:r>
-                        <a:rPr lang="ko-KR" altLang="en-US" kern="1200">
-                          <a:solidFill>
-                            <a:srgbClr val="000000"/>
-                          </a:solidFill>
-                        </a:rPr>
-                        <a:t>최초 생성시 낡은 단도 </a:t>
-                      </a:r>
-                      <a:r>
-                        <a:rPr lang="en-US" altLang="ko-KR" kern="1200">
-                          <a:solidFill>
-                            <a:srgbClr val="000000"/>
-                          </a:solidFill>
-                        </a:rPr>
-                        <a:t>1</a:t>
-                      </a:r>
-                      <a:r>
-                        <a:rPr lang="ko-KR" altLang="en-US" kern="1200">
-                          <a:solidFill>
-                            <a:srgbClr val="000000"/>
-                          </a:solidFill>
-                        </a:rPr>
-                        <a:t>자루와 나무로 대충 만든 활 </a:t>
-                      </a:r>
-                      <a:r>
-                        <a:rPr lang="en-US" altLang="ko-KR" kern="1200">
-                          <a:solidFill>
-                            <a:srgbClr val="000000"/>
-                          </a:solidFill>
-                        </a:rPr>
-                        <a:t>1</a:t>
-                      </a:r>
-                      <a:r>
-                        <a:rPr lang="ko-KR" altLang="en-US" kern="1200">
-                          <a:solidFill>
-                            <a:srgbClr val="000000"/>
-                          </a:solidFill>
-                        </a:rPr>
-                        <a:t>개를 사용</a:t>
-                      </a:r>
-                      <a:r>
-                        <a:rPr lang="en-US" altLang="ko-KR" kern="1200">
-                          <a:solidFill>
-                            <a:srgbClr val="000000"/>
-                          </a:solidFill>
-                        </a:rPr>
-                        <a:t>.</a:t>
-                      </a:r>
-                      <a:endParaRPr lang="ko-KR" altLang="en-US" kern="1200">
-                        <a:solidFill>
-                          <a:srgbClr val="000000"/>
-                        </a:solidFill>
-                      </a:endParaRPr>
-                    </a:p>
-                    <a:p>
-                      <a:pPr marL="0" indent="0" latinLnBrk="1" lvl="1">
-                        <a:buFontTx/>
-                        <a:buNone/>
-                      </a:pPr>
-                      <a:r>
-                        <a:rPr lang="ko-KR" altLang="ko-KR" kern="1200">
-                          <a:solidFill>
-                            <a:srgbClr val="000000"/>
-                          </a:solidFill>
-                        </a:rPr>
-                        <a:t>숙련도가 없는 무기 사용 시 어설픈 동작으로 사용.</a:t>
-                      </a:r>
-                      <a:endParaRPr lang="ko-KR" altLang="en-US" kern="1200">
-                        <a:solidFill>
-                          <a:srgbClr val="000000"/>
-                        </a:solidFill>
-                      </a:endParaRPr>
-                    </a:p>
-                    <a:p>
-                      <a:pPr marL="0" indent="0" latinLnBrk="1" lvl="1">
-                        <a:buFontTx/>
-                        <a:buNone/>
-                      </a:pPr>
-                      <a:r>
-                        <a:rPr lang="ko-KR" altLang="ko-KR" kern="1200">
-                          <a:solidFill>
-                            <a:srgbClr val="000000"/>
-                          </a:solidFill>
-                        </a:rPr>
-                        <a:t>무기술 수련을 하는 것으로 무기 숙련도 상승 가능. </a:t>
-                      </a:r>
-                      <a:endParaRPr lang="ko-KR" altLang="en-US" kern="1200">
-                        <a:solidFill>
-                          <a:srgbClr val="000000"/>
-                        </a:solidFill>
-                      </a:endParaRPr>
-                    </a:p>
-                  </a:txBody>
-                  <a:tcPr marL="91440" marR="91440" marT="45720" marB="45720" anchor="ctr"/>
-                </a:tc>
+                    </a:p>
+                  </a:txBody>
+                  <a:tcPr anchor="ctr"/>
+                </a:tc>
+                <a:extLst>
+                  <a:ext uri="{0D108BD9-81ED-4DB2-BD59-A6C34878D82A}">
+                    <a16:rowId xmlns:a16="http://schemas.microsoft.com/office/drawing/2014/main" val="10004"/>
+                  </a:ext>
+                </a:extLst>
               </a:tr>
             </a:tbl>
           </a:graphicData>
@@ -10326,7 +13058,7 @@
           <p:nvPr/>
         </p:nvPicPr>
         <p:blipFill rotWithShape="1">
-          <a:blip r:embed="rId1" cstate="hqprint">
+          <a:blip r:embed="rId2" cstate="hqprint">
             <a:extLst>
               <a:ext uri="{28A0092B-C50C-407E-A947-70E740481C1C}">
                 <a14:useLocalDpi xmlns:a14="http://schemas.microsoft.com/office/drawing/2010/main"/>
@@ -10339,11 +13071,13 @@
           </a:stretch>
         </p:blipFill>
         <p:spPr>
-          <a:xfrm rot="0">
+          <a:xfrm>
             <a:off x="8526780" y="1717040"/>
             <a:ext cx="1861820" cy="3506470"/>
           </a:xfrm>
-          <a:prstGeom prst="rect"/>
+          <a:prstGeom prst="rect">
+            <a:avLst/>
+          </a:prstGeom>
           <a:noFill/>
         </p:spPr>
       </p:pic>
@@ -10356,7 +13090,7 @@
           <p:nvPr/>
         </p:nvPicPr>
         <p:blipFill rotWithShape="1">
-          <a:blip r:embed="rId2" cstate="hqprint">
+          <a:blip r:embed="rId3" cstate="hqprint">
             <a:extLst>
               <a:ext uri="{28A0092B-C50C-407E-A947-70E740481C1C}">
                 <a14:useLocalDpi xmlns:a14="http://schemas.microsoft.com/office/drawing/2010/main"/>
@@ -10369,11 +13103,13 @@
           </a:stretch>
         </p:blipFill>
         <p:spPr>
-          <a:xfrm rot="0">
+          <a:xfrm>
             <a:off x="10463530" y="1700530"/>
             <a:ext cx="1492885" cy="3498215"/>
           </a:xfrm>
-          <a:prstGeom prst="rect"/>
+          <a:prstGeom prst="rect">
+            <a:avLst/>
+          </a:prstGeom>
           <a:noFill/>
         </p:spPr>
       </p:pic>
@@ -10387,30 +13123,23 @@
   <p:clrMapOvr>
     <a:masterClrMapping/>
   </p:clrMapOvr>
-  <mc:AlternateContent xmlns:mc="http://schemas.openxmlformats.org/markup-compatibility/2006">
-    <mc:Choice xmlns:p159="http://schemas.microsoft.com/office/powerpoint/2015/09/main" Requires="p159">
+  <mc:AlternateContent xmlns:mc="http://schemas.openxmlformats.org/markup-compatibility/2006" xmlns:p159="http://schemas.microsoft.com/office/powerpoint/2015/09/main">
+    <mc:Choice Requires="p159">
       <p:transition xmlns:p14="http://schemas.microsoft.com/office/powerpoint/2010/main" spd="slow" p14:dur="2000">
         <p159:morph option="byObject"/>
       </p:transition>
     </mc:Choice>
-    <mc:Fallback>
+    <mc:Fallback xmlns:p14="http://schemas.microsoft.com/office/powerpoint/2010/main" xmlns="">
       <p:transition spd="slow">
         <p:fade/>
       </p:transition>
     </mc:Fallback>
   </mc:AlternateContent>
-  <p:timing>
-    <p:tnLst>
-      <p:par>
-        <p:cTn id="1" dur="indefinite" restart="never" nodeType="tmRoot"/>
-      </p:par>
-    </p:tnLst>
-  </p:timing>
 </p:sld>
 </file>
 
 <file path=ppt/slides/slide9.xml><?xml version="1.0" encoding="utf-8"?>
-<p:sld xmlns:a="http://schemas.openxmlformats.org/drawingml/2006/main" xmlns:r="http://schemas.openxmlformats.org/officeDocument/2006/relationships" xmlns:p="http://schemas.openxmlformats.org/presentationml/2006/main" xmlns:p14="http://schemas.microsoft.com/office/powerpoint/2010/main">
+<p:sld xmlns:a="http://schemas.openxmlformats.org/drawingml/2006/main" xmlns:r="http://schemas.openxmlformats.org/officeDocument/2006/relationships" xmlns:p="http://schemas.openxmlformats.org/presentationml/2006/main">
   <p:cSld>
     <p:spTree>
       <p:nvGrpSpPr>
@@ -10455,7 +13184,7 @@
               <a:buNone/>
             </a:pPr>
             <a:r>
-              <a:rPr lang="ko-KR" altLang="en-US" sz="3600" b="1">
+              <a:rPr lang="ko-KR" altLang="en-US" sz="3600" b="1" dirty="0">
                 <a:solidFill>
                   <a:schemeClr val="accent1">
                     <a:lumMod val="50000"/>
@@ -10464,7 +13193,31 @@
                 <a:latin typeface="나눔스퀘어 ExtraBold" charset="0"/>
                 <a:ea typeface="나눔스퀘어 ExtraBold" charset="0"/>
               </a:rPr>
-              <a:t>6.</a:t>
+              <a:t>6.캐릭터</a:t>
+            </a:r>
+            <a:r>
+              <a:rPr lang="en-US" altLang="ko-KR" sz="3600" b="1" dirty="0">
+                <a:solidFill>
+                  <a:schemeClr val="accent1">
+                    <a:lumMod val="50000"/>
+                  </a:schemeClr>
+                </a:solidFill>
+                <a:latin typeface="나눔스퀘어 ExtraBold" charset="0"/>
+                <a:ea typeface="나눔스퀘어 ExtraBold" charset="0"/>
+              </a:rPr>
+              <a:t>-</a:t>
+            </a:r>
+            <a:r>
+              <a:rPr lang="ko-KR" altLang="en-US" sz="3600" b="1" dirty="0">
+                <a:solidFill>
+                  <a:schemeClr val="accent1">
+                    <a:lumMod val="50000"/>
+                  </a:schemeClr>
+                </a:solidFill>
+                <a:latin typeface="나눔스퀘어 ExtraBold" charset="0"/>
+                <a:ea typeface="나눔스퀘어 ExtraBold" charset="0"/>
+              </a:rPr>
+              <a:t>능력치</a:t>
             </a:r>
           </a:p>
         </p:txBody>
@@ -10506,7 +13259,7 @@
       <p:sp>
         <p:nvSpPr>
           <p:cNvPr id="8" name="실행 단추: 문서 7">
-            <a:hlinkClick r:id="rId5" action="ppaction://hlinksldjump"/>
+            <a:hlinkClick r:id="rId2" action="ppaction://hlinksldjump"/>
             <a:extLst>
               <a:ext uri="{FF2B5EF4-FFF2-40B4-BE49-F238E27FC236}">
                 <a16:creationId xmlns:a16="http://schemas.microsoft.com/office/drawing/2014/main" id="{B5112F00-038E-45A9-9EF4-2253F2E230F8}"/>
@@ -10699,7 +13452,7 @@
       <p:sp>
         <p:nvSpPr>
           <p:cNvPr id="10" name="실행 단추: 문서 9">
-            <a:hlinkClick r:id="rId6" action="ppaction://hlinksldjump"/>
+            <a:hlinkClick r:id="rId2" action="ppaction://hlinksldjump"/>
             <a:extLst>
               <a:ext uri="{FF2B5EF4-FFF2-40B4-BE49-F238E27FC236}">
                 <a16:creationId xmlns:a16="http://schemas.microsoft.com/office/drawing/2014/main" id="{D3B51300-8D01-42BA-8971-946BD61EBD1D}"/>
@@ -10763,11 +13516,17 @@
           <p:cNvGraphicFramePr>
             <a:graphicFrameLocks noGrp="1"/>
           </p:cNvGraphicFramePr>
-          <p:nvPr/>
+          <p:nvPr>
+            <p:extLst>
+              <p:ext uri="{D42A27DB-BD31-4B8C-83A1-F6EECF244321}">
+                <p14:modId xmlns:p14="http://schemas.microsoft.com/office/powerpoint/2010/main" val="2204041313"/>
+              </p:ext>
+            </p:extLst>
+          </p:nvPr>
         </p:nvGraphicFramePr>
         <p:xfrm>
-          <a:off x="2129155" y="1543050"/>
-          <a:ext cx="7940040" cy="3870960"/>
+          <a:off x="185738" y="981075"/>
+          <a:ext cx="7940040" cy="4206240"/>
         </p:xfrm>
         <a:graphic>
           <a:graphicData uri="http://schemas.openxmlformats.org/drawingml/2006/table">
@@ -10776,155 +13535,308 @@
                 <a:tableStyleId>{5C22544A-7EE6-4342-B048-85BDC9FD1C3A}</a:tableStyleId>
               </a:tblPr>
               <a:tblGrid>
-                <a:gridCol w="974725"/>
-                <a:gridCol w="5925185"/>
-                <a:gridCol w="1040130"/>
+                <a:gridCol w="974725">
+                  <a:extLst>
+                    <a:ext uri="{9D8B030D-6E8A-4147-A177-3AD203B41FA5}">
+                      <a16:colId xmlns:a16="http://schemas.microsoft.com/office/drawing/2014/main" val="20000"/>
+                    </a:ext>
+                  </a:extLst>
+                </a:gridCol>
+                <a:gridCol w="5925185">
+                  <a:extLst>
+                    <a:ext uri="{9D8B030D-6E8A-4147-A177-3AD203B41FA5}">
+                      <a16:colId xmlns:a16="http://schemas.microsoft.com/office/drawing/2014/main" val="20001"/>
+                    </a:ext>
+                  </a:extLst>
+                </a:gridCol>
+                <a:gridCol w="1040130">
+                  <a:extLst>
+                    <a:ext uri="{9D8B030D-6E8A-4147-A177-3AD203B41FA5}">
+                      <a16:colId xmlns:a16="http://schemas.microsoft.com/office/drawing/2014/main" val="20002"/>
+                    </a:ext>
+                  </a:extLst>
+                </a:gridCol>
               </a:tblGrid>
-              <a:tr h="368300">
+              <a:tr h="196491">
                 <a:tc gridSpan="2">
                   <a:txBody>
                     <a:bodyPr/>
                     <a:lstStyle/>
                     <a:p>
-                      <a:pPr marL="0" indent="0" latinLnBrk="1" lvl="1">
+                      <a:pPr marL="0" lvl="1" indent="0" latinLnBrk="1">
                         <a:buFontTx/>
                         <a:buNone/>
                       </a:pPr>
                       <a:r>
-                        <a:rPr lang="ko-KR" altLang="en-US" kern="1200" b="1">
+                        <a:rPr lang="ko-KR" altLang="en-US" b="1" kern="1200" dirty="0">
                           <a:solidFill>
                             <a:srgbClr val="FFFFFF"/>
                           </a:solidFill>
                         </a:rPr>
                         <a:t>능력치</a:t>
                       </a:r>
-                      <a:endParaRPr lang="ko-KR" altLang="en-US" kern="1200" b="1">
-                        <a:solidFill>
-                          <a:srgbClr val="FFFFFF"/>
-                        </a:solidFill>
-                      </a:endParaRPr>
-                    </a:p>
-                  </a:txBody>
-                  <a:tcPr marL="91440" marR="91440" marT="45720" marB="45720" anchor="t"/>
+                    </a:p>
+                  </a:txBody>
+                  <a:tcPr/>
                 </a:tc>
                 <a:tc hMerge="1">
                   <a:txBody>
                     <a:bodyPr/>
                     <a:lstStyle/>
                     <a:p>
-                      <a:pPr/>
                       <a:endParaRPr lang="ko-KR" altLang="en-US" kern="1200"/>
                     </a:p>
                   </a:txBody>
+                  <a:tcPr/>
                 </a:tc>
                 <a:tc>
                   <a:txBody>
                     <a:bodyPr/>
                     <a:lstStyle/>
                     <a:p>
-                      <a:pPr marL="0" indent="0" latinLnBrk="1" lvl="1">
+                      <a:pPr marL="0" lvl="1" indent="0" latinLnBrk="1">
                         <a:buFontTx/>
                         <a:buNone/>
                       </a:pPr>
                       <a:r>
-                        <a:rPr lang="ko-KR" altLang="en-US" kern="1200" b="1">
+                        <a:rPr lang="ko-KR" altLang="en-US" b="1" kern="1200">
                           <a:solidFill>
                             <a:srgbClr val="FFFFFF"/>
                           </a:solidFill>
                         </a:rPr>
                         <a:t>기본 값</a:t>
                       </a:r>
-                      <a:endParaRPr lang="ko-KR" altLang="en-US" kern="1200" b="1">
-                        <a:solidFill>
-                          <a:srgbClr val="FFFFFF"/>
-                        </a:solidFill>
-                      </a:endParaRPr>
-                    </a:p>
-                  </a:txBody>
-                  <a:tcPr marL="91440" marR="91440" marT="45720" marB="45720" anchor="t"/>
-                </a:tc>
+                    </a:p>
+                  </a:txBody>
+                  <a:tcPr/>
+                </a:tc>
+                <a:extLst>
+                  <a:ext uri="{0D108BD9-81ED-4DB2-BD59-A6C34878D82A}">
+                    <a16:rowId xmlns:a16="http://schemas.microsoft.com/office/drawing/2014/main" val="10000"/>
+                  </a:ext>
+                </a:extLst>
               </a:tr>
-              <a:tr h="645160">
+              <a:tr h="343859">
                 <a:tc>
                   <a:txBody>
                     <a:bodyPr/>
                     <a:lstStyle/>
                     <a:p>
-                      <a:pPr marL="0" indent="0" latinLnBrk="1" lvl="1">
+                      <a:pPr marL="0" lvl="1" indent="0" algn="ctr" latinLnBrk="1">
                         <a:buFontTx/>
                         <a:buNone/>
                       </a:pPr>
                       <a:r>
-                        <a:rPr lang="ko-KR" altLang="en-US" kern="1200">
+                        <a:rPr lang="ko-KR" altLang="en-US" kern="1200" dirty="0">
                           <a:solidFill>
                             <a:srgbClr val="000000"/>
                           </a:solidFill>
                         </a:rPr>
                         <a:t>체력</a:t>
                       </a:r>
-                      <a:endParaRPr lang="ko-KR" altLang="en-US" kern="1200">
+                    </a:p>
+                  </a:txBody>
+                  <a:tcPr anchor="ctr"/>
+                </a:tc>
+                <a:tc>
+                  <a:txBody>
+                    <a:bodyPr/>
+                    <a:lstStyle/>
+                    <a:p>
+                      <a:pPr marL="0" lvl="1" indent="0" latinLnBrk="1">
+                        <a:buFontTx/>
+                        <a:buNone/>
+                      </a:pPr>
+                      <a:r>
+                        <a:rPr lang="ko-KR" altLang="en-US" kern="1200" dirty="0">
+                          <a:solidFill>
+                            <a:srgbClr val="000000"/>
+                          </a:solidFill>
+                        </a:rPr>
+                        <a:t>캐릭터의 생존에 대한 자원이다</a:t>
+                      </a:r>
+                      <a:r>
+                        <a:rPr lang="en-US" altLang="ko-KR" kern="1200" dirty="0">
+                          <a:solidFill>
+                            <a:srgbClr val="000000"/>
+                          </a:solidFill>
+                        </a:rPr>
+                        <a:t>.</a:t>
+                      </a:r>
+                      <a:r>
+                        <a:rPr lang="ko-KR" altLang="en-US" kern="1200" dirty="0">
+                          <a:solidFill>
+                            <a:srgbClr val="000000"/>
+                          </a:solidFill>
+                        </a:rPr>
+                        <a:t> </a:t>
+                      </a:r>
+                    </a:p>
+                    <a:p>
+                      <a:pPr marL="0" lvl="1" indent="0" latinLnBrk="1">
+                        <a:buFontTx/>
+                        <a:buNone/>
+                      </a:pPr>
+                      <a:r>
+                        <a:rPr lang="ko-KR" altLang="en-US" kern="1200" dirty="0">
+                          <a:solidFill>
+                            <a:srgbClr val="000000"/>
+                          </a:solidFill>
+                        </a:rPr>
+                        <a:t>해당 수치가 </a:t>
+                      </a:r>
+                      <a:r>
+                        <a:rPr lang="en-US" altLang="ko-KR" kern="1200" dirty="0">
+                          <a:solidFill>
+                            <a:srgbClr val="000000"/>
+                          </a:solidFill>
+                        </a:rPr>
+                        <a:t>0</a:t>
+                      </a:r>
+                      <a:r>
+                        <a:rPr lang="ko-KR" altLang="en-US" kern="1200" dirty="0">
+                          <a:solidFill>
+                            <a:srgbClr val="000000"/>
+                          </a:solidFill>
+                        </a:rPr>
+                        <a:t>일 될 경우 사망한다</a:t>
+                      </a:r>
+                      <a:r>
+                        <a:rPr lang="en-US" altLang="ko-KR" kern="1200" dirty="0">
+                          <a:solidFill>
+                            <a:srgbClr val="000000"/>
+                          </a:solidFill>
+                        </a:rPr>
+                        <a:t>. </a:t>
+                      </a:r>
+                      <a:endParaRPr lang="ko-KR" altLang="en-US" kern="1200" dirty="0">
                         <a:solidFill>
                           <a:srgbClr val="000000"/>
                         </a:solidFill>
                       </a:endParaRPr>
                     </a:p>
                   </a:txBody>
-                  <a:tcPr marL="91440" marR="91440" marT="45720" marB="45720" anchor="ctr"/>
+                  <a:tcPr anchor="ctr"/>
                 </a:tc>
                 <a:tc>
                   <a:txBody>
                     <a:bodyPr/>
                     <a:lstStyle/>
                     <a:p>
-                      <a:pPr marL="0" indent="0" latinLnBrk="1" lvl="1">
+                      <a:pPr marL="0" lvl="1" indent="0" algn="ctr" latinLnBrk="1">
                         <a:buFontTx/>
                         <a:buNone/>
                       </a:pPr>
                       <a:r>
-                        <a:rPr lang="ko-KR" altLang="en-US" kern="1200">
+                        <a:rPr lang="en-US" altLang="ko-KR" kern="1200" dirty="0">
                           <a:solidFill>
                             <a:srgbClr val="000000"/>
                           </a:solidFill>
                         </a:rPr>
-                        <a:t>캐릭터의 생존에 대한 자원이다</a:t>
-                      </a:r>
-                      <a:r>
-                        <a:rPr lang="en-US" altLang="ko-KR" kern="1200">
-                          <a:solidFill>
-                            <a:srgbClr val="000000"/>
-                          </a:solidFill>
-                        </a:rPr>
-                        <a:t>.</a:t>
-                      </a:r>
-                      <a:r>
-                        <a:rPr lang="ko-KR" altLang="en-US" kern="1200">
-                          <a:solidFill>
-                            <a:srgbClr val="000000"/>
-                          </a:solidFill>
-                        </a:rPr>
-                        <a:t> </a:t>
-                      </a:r>
-                      <a:endParaRPr lang="ko-KR" altLang="en-US" kern="1200">
+                        <a:t>100</a:t>
+                      </a:r>
+                      <a:endParaRPr lang="ko-KR" altLang="en-US" kern="1200" dirty="0">
                         <a:solidFill>
                           <a:srgbClr val="000000"/>
                         </a:solidFill>
                       </a:endParaRPr>
                     </a:p>
-                    <a:p>
-                      <a:pPr marL="0" indent="0" latinLnBrk="1" lvl="1">
+                  </a:txBody>
+                  <a:tcPr anchor="ctr"/>
+                </a:tc>
+                <a:extLst>
+                  <a:ext uri="{0D108BD9-81ED-4DB2-BD59-A6C34878D82A}">
+                    <a16:rowId xmlns:a16="http://schemas.microsoft.com/office/drawing/2014/main" val="10001"/>
+                  </a:ext>
+                </a:extLst>
+              </a:tr>
+              <a:tr h="343859">
+                <a:tc>
+                  <a:txBody>
+                    <a:bodyPr/>
+                    <a:lstStyle/>
+                    <a:p>
+                      <a:pPr marL="0" lvl="1" indent="0" algn="ctr" latinLnBrk="1">
                         <a:buFontTx/>
                         <a:buNone/>
                       </a:pPr>
                       <a:r>
-                        <a:rPr lang="ko-KR" altLang="en-US" kern="1200">
+                        <a:rPr lang="ko-KR" altLang="en-US" kern="1200" dirty="0">
                           <a:solidFill>
                             <a:srgbClr val="000000"/>
                           </a:solidFill>
                         </a:rPr>
+                        <a:t>지구력</a:t>
+                      </a:r>
+                    </a:p>
+                  </a:txBody>
+                  <a:tcPr anchor="ctr"/>
+                </a:tc>
+                <a:tc>
+                  <a:txBody>
+                    <a:bodyPr/>
+                    <a:lstStyle/>
+                    <a:p>
+                      <a:pPr marL="0" lvl="1" indent="0" latinLnBrk="1">
+                        <a:buFontTx/>
+                        <a:buNone/>
+                      </a:pPr>
+                      <a:r>
+                        <a:rPr lang="ko-KR" altLang="en-US" kern="1200" dirty="0">
+                          <a:solidFill>
+                            <a:srgbClr val="000000"/>
+                          </a:solidFill>
+                        </a:rPr>
+                        <a:t>공격 및 달리기</a:t>
+                      </a:r>
+                      <a:r>
+                        <a:rPr lang="en-US" altLang="ko-KR" kern="1200" dirty="0">
+                          <a:solidFill>
+                            <a:srgbClr val="000000"/>
+                          </a:solidFill>
+                        </a:rPr>
+                        <a:t>, </a:t>
+                      </a:r>
+                      <a:r>
+                        <a:rPr lang="ko-KR" altLang="en-US" kern="1200" dirty="0">
+                          <a:solidFill>
+                            <a:srgbClr val="000000"/>
+                          </a:solidFill>
+                        </a:rPr>
+                        <a:t>구르기 등의 동작에 사용되는 자원이다</a:t>
+                      </a:r>
+                      <a:r>
+                        <a:rPr lang="en-US" altLang="ko-KR" kern="1200" dirty="0">
+                          <a:solidFill>
+                            <a:srgbClr val="000000"/>
+                          </a:solidFill>
+                        </a:rPr>
+                        <a:t>.</a:t>
+                      </a:r>
+                      <a:r>
+                        <a:rPr lang="ko-KR" altLang="en-US" kern="1200" dirty="0">
+                          <a:solidFill>
+                            <a:srgbClr val="000000"/>
+                          </a:solidFill>
+                        </a:rPr>
+                        <a:t> </a:t>
+                      </a:r>
+                    </a:p>
+                    <a:p>
+                      <a:pPr marL="0" lvl="1" indent="0" latinLnBrk="1">
+                        <a:buFontTx/>
+                        <a:buNone/>
+                      </a:pPr>
+                      <a:r>
+                        <a:rPr lang="ko-KR" altLang="en-US" kern="1200" dirty="0">
+                          <a:solidFill>
+                            <a:srgbClr val="000000"/>
+                          </a:solidFill>
+                        </a:rPr>
                         <a:t>해당 수치가 </a:t>
                       </a:r>
                       <a:r>
-                        <a:rPr lang="en-US" altLang="ko-KR" kern="1200">
+                        <a:rPr lang="en-US" altLang="ko-KR" kern="1200" dirty="0">
                           <a:solidFill>
                             <a:srgbClr val="000000"/>
                           </a:solidFill>
@@ -10932,527 +13844,431 @@
                         <a:t>0</a:t>
                       </a:r>
                       <a:r>
-                        <a:rPr lang="ko-KR" altLang="en-US" kern="1200">
+                        <a:rPr lang="ko-KR" altLang="en-US" kern="1200" dirty="0">
                           <a:solidFill>
                             <a:srgbClr val="000000"/>
                           </a:solidFill>
                         </a:rPr>
-                        <a:t>일 될 경우 사망한다</a:t>
-                      </a:r>
-                      <a:r>
-                        <a:rPr lang="en-US" altLang="ko-KR" kern="1200">
+                        <a:t>일 될 경우 행동에 제한이 걸린다</a:t>
+                      </a:r>
+                      <a:r>
+                        <a:rPr lang="en-US" altLang="ko-KR" kern="1200" dirty="0">
                           <a:solidFill>
                             <a:srgbClr val="000000"/>
                           </a:solidFill>
                         </a:rPr>
-                        <a:t>. </a:t>
-                      </a:r>
-                      <a:endParaRPr lang="ko-KR" altLang="en-US" kern="1200">
+                        <a:t>.</a:t>
+                      </a:r>
+                      <a:endParaRPr lang="ko-KR" altLang="en-US" kern="1200" dirty="0">
                         <a:solidFill>
                           <a:srgbClr val="000000"/>
                         </a:solidFill>
                       </a:endParaRPr>
                     </a:p>
                   </a:txBody>
-                  <a:tcPr marL="91440" marR="91440" marT="45720" marB="45720" anchor="t"/>
+                  <a:tcPr anchor="ctr"/>
                 </a:tc>
                 <a:tc>
                   <a:txBody>
                     <a:bodyPr/>
                     <a:lstStyle/>
                     <a:p>
-                      <a:pPr marL="0" indent="0" latinLnBrk="1" lvl="1">
+                      <a:pPr marL="0" lvl="1" indent="0" algn="ctr" latinLnBrk="1">
                         <a:buFontTx/>
                         <a:buNone/>
                       </a:pPr>
                       <a:r>
-                        <a:rPr lang="en-US" altLang="ko-KR" kern="1200">
+                        <a:rPr lang="ko-KR" altLang="en-US" kern="1200" dirty="0">
                           <a:solidFill>
                             <a:srgbClr val="000000"/>
                           </a:solidFill>
                         </a:rPr>
-                        <a:t>100</a:t>
-                      </a:r>
-                      <a:endParaRPr lang="ko-KR" altLang="en-US" kern="1200">
+                        <a:t>50</a:t>
+                      </a:r>
+                    </a:p>
+                  </a:txBody>
+                  <a:tcPr anchor="ctr"/>
+                </a:tc>
+                <a:extLst>
+                  <a:ext uri="{0D108BD9-81ED-4DB2-BD59-A6C34878D82A}">
+                    <a16:rowId xmlns:a16="http://schemas.microsoft.com/office/drawing/2014/main" val="10002"/>
+                  </a:ext>
+                </a:extLst>
+              </a:tr>
+              <a:tr h="343859">
+                <a:tc>
+                  <a:txBody>
+                    <a:bodyPr/>
+                    <a:lstStyle/>
+                    <a:p>
+                      <a:pPr marL="0" lvl="1" indent="0" algn="ctr" latinLnBrk="1">
+                        <a:buFontTx/>
+                        <a:buNone/>
+                      </a:pPr>
+                      <a:r>
+                        <a:rPr lang="ko-KR" altLang="en-US" kern="1200" dirty="0">
+                          <a:solidFill>
+                            <a:srgbClr val="000000"/>
+                          </a:solidFill>
+                        </a:rPr>
+                        <a:t>공격력</a:t>
+                      </a:r>
+                    </a:p>
+                  </a:txBody>
+                  <a:tcPr anchor="ctr"/>
+                </a:tc>
+                <a:tc>
+                  <a:txBody>
+                    <a:bodyPr/>
+                    <a:lstStyle/>
+                    <a:p>
+                      <a:pPr marL="0" lvl="1" indent="0" latinLnBrk="1">
+                        <a:buFontTx/>
+                        <a:buNone/>
+                      </a:pPr>
+                      <a:r>
+                        <a:rPr lang="ko-KR" altLang="en-US" kern="1200" dirty="0">
+                          <a:solidFill>
+                            <a:srgbClr val="000000"/>
+                          </a:solidFill>
+                        </a:rPr>
+                        <a:t>캐릭터가 </a:t>
+                      </a:r>
+                      <a:r>
+                        <a:rPr lang="ko-KR" altLang="en-US" kern="1200" dirty="0" err="1">
+                          <a:solidFill>
+                            <a:srgbClr val="000000"/>
+                          </a:solidFill>
+                        </a:rPr>
+                        <a:t>공격시</a:t>
+                      </a:r>
+                      <a:r>
+                        <a:rPr lang="ko-KR" altLang="en-US" kern="1200" dirty="0">
+                          <a:solidFill>
+                            <a:srgbClr val="000000"/>
+                          </a:solidFill>
+                        </a:rPr>
+                        <a:t> 데미지에 비례하는 수치. </a:t>
+                      </a:r>
+                    </a:p>
+                    <a:p>
+                      <a:pPr marL="0" lvl="1" indent="0" latinLnBrk="1">
+                        <a:buFontTx/>
+                        <a:buNone/>
+                      </a:pPr>
+                      <a:r>
+                        <a:rPr lang="ko-KR" altLang="en-US" kern="1200" dirty="0">
+                          <a:solidFill>
+                            <a:srgbClr val="000000"/>
+                          </a:solidFill>
+                        </a:rPr>
+                        <a:t>무기를 착용할 시 올라간다.</a:t>
+                      </a:r>
+                    </a:p>
+                  </a:txBody>
+                  <a:tcPr anchor="ctr"/>
+                </a:tc>
+                <a:tc>
+                  <a:txBody>
+                    <a:bodyPr/>
+                    <a:lstStyle/>
+                    <a:p>
+                      <a:pPr marL="0" lvl="1" indent="0" algn="ctr" latinLnBrk="1">
+                        <a:buFontTx/>
+                        <a:buNone/>
+                      </a:pPr>
+                      <a:r>
+                        <a:rPr lang="ko-KR" altLang="en-US" kern="1200" dirty="0">
+                          <a:solidFill>
+                            <a:srgbClr val="000000"/>
+                          </a:solidFill>
+                        </a:rPr>
+                        <a:t>5</a:t>
+                      </a:r>
+                    </a:p>
+                  </a:txBody>
+                  <a:tcPr anchor="ctr"/>
+                </a:tc>
+                <a:extLst>
+                  <a:ext uri="{0D108BD9-81ED-4DB2-BD59-A6C34878D82A}">
+                    <a16:rowId xmlns:a16="http://schemas.microsoft.com/office/drawing/2014/main" val="10003"/>
+                  </a:ext>
+                </a:extLst>
+              </a:tr>
+              <a:tr h="343859">
+                <a:tc>
+                  <a:txBody>
+                    <a:bodyPr/>
+                    <a:lstStyle/>
+                    <a:p>
+                      <a:pPr marL="0" lvl="1" indent="0" algn="ctr" latinLnBrk="1">
+                        <a:buFontTx/>
+                        <a:buNone/>
+                      </a:pPr>
+                      <a:r>
+                        <a:rPr lang="ko-KR" altLang="en-US" kern="1200" dirty="0">
+                          <a:solidFill>
+                            <a:srgbClr val="000000"/>
+                          </a:solidFill>
+                        </a:rPr>
+                        <a:t>방어력</a:t>
+                      </a:r>
+                    </a:p>
+                  </a:txBody>
+                  <a:tcPr anchor="ctr"/>
+                </a:tc>
+                <a:tc>
+                  <a:txBody>
+                    <a:bodyPr/>
+                    <a:lstStyle/>
+                    <a:p>
+                      <a:pPr marL="0" lvl="1" indent="0" latinLnBrk="1">
+                        <a:buFontTx/>
+                        <a:buNone/>
+                      </a:pPr>
+                      <a:r>
+                        <a:rPr lang="ko-KR" altLang="en-US" kern="1200" dirty="0">
+                          <a:solidFill>
+                            <a:srgbClr val="000000"/>
+                          </a:solidFill>
+                        </a:rPr>
+                        <a:t>캐릭터가 받는 데미지에 반비례하는 수치. </a:t>
+                      </a:r>
+                    </a:p>
+                    <a:p>
+                      <a:pPr marL="0" lvl="1" indent="0" latinLnBrk="1">
+                        <a:buFontTx/>
+                        <a:buNone/>
+                      </a:pPr>
+                      <a:r>
+                        <a:rPr lang="ko-KR" altLang="en-US" kern="1200" dirty="0">
+                          <a:solidFill>
+                            <a:srgbClr val="000000"/>
+                          </a:solidFill>
+                        </a:rPr>
+                        <a:t>방어구를 착용할 시 올라간다.</a:t>
+                      </a:r>
+                    </a:p>
+                  </a:txBody>
+                  <a:tcPr anchor="ctr"/>
+                </a:tc>
+                <a:tc>
+                  <a:txBody>
+                    <a:bodyPr/>
+                    <a:lstStyle/>
+                    <a:p>
+                      <a:pPr marL="0" lvl="1" indent="0" algn="ctr" latinLnBrk="1">
+                        <a:buFontTx/>
+                        <a:buNone/>
+                      </a:pPr>
+                      <a:r>
+                        <a:rPr lang="ko-KR" altLang="en-US" kern="1200" dirty="0">
+                          <a:solidFill>
+                            <a:srgbClr val="000000"/>
+                          </a:solidFill>
+                        </a:rPr>
+                        <a:t>0</a:t>
+                      </a:r>
+                    </a:p>
+                  </a:txBody>
+                  <a:tcPr anchor="ctr"/>
+                </a:tc>
+                <a:extLst>
+                  <a:ext uri="{0D108BD9-81ED-4DB2-BD59-A6C34878D82A}">
+                    <a16:rowId xmlns:a16="http://schemas.microsoft.com/office/drawing/2014/main" val="10004"/>
+                  </a:ext>
+                </a:extLst>
+              </a:tr>
+              <a:tr h="343859">
+                <a:tc>
+                  <a:txBody>
+                    <a:bodyPr/>
+                    <a:lstStyle/>
+                    <a:p>
+                      <a:pPr marL="0" lvl="1" indent="0" algn="ctr" latinLnBrk="1">
+                        <a:buFontTx/>
+                        <a:buNone/>
+                      </a:pPr>
+                      <a:r>
+                        <a:rPr lang="ko-KR" altLang="en-US" kern="1200" dirty="0">
+                          <a:solidFill>
+                            <a:srgbClr val="000000"/>
+                          </a:solidFill>
+                        </a:rPr>
+                        <a:t>내공</a:t>
+                      </a:r>
+                    </a:p>
+                  </a:txBody>
+                  <a:tcPr anchor="ctr"/>
+                </a:tc>
+                <a:tc>
+                  <a:txBody>
+                    <a:bodyPr/>
+                    <a:lstStyle/>
+                    <a:p>
+                      <a:pPr marL="0" lvl="1" indent="0" latinLnBrk="1">
+                        <a:buFontTx/>
+                        <a:buNone/>
+                      </a:pPr>
+                      <a:r>
+                        <a:rPr lang="ko-KR" altLang="en-US" kern="1200" dirty="0">
+                          <a:solidFill>
+                            <a:srgbClr val="000000"/>
+                          </a:solidFill>
+                        </a:rPr>
+                        <a:t>캐릭터가 특정 스킬을 사용할 </a:t>
+                      </a:r>
+                    </a:p>
+                    <a:p>
+                      <a:pPr marL="0" lvl="1" indent="0" latinLnBrk="1">
+                        <a:buFontTx/>
+                        <a:buNone/>
+                      </a:pPr>
+                      <a:r>
+                        <a:rPr lang="ko-KR" altLang="en-US" kern="1200" dirty="0">
+                          <a:solidFill>
+                            <a:srgbClr val="000000"/>
+                          </a:solidFill>
+                        </a:rPr>
+                        <a:t>경우 사용되는 자원이다.</a:t>
+                      </a:r>
+                    </a:p>
+                  </a:txBody>
+                  <a:tcPr anchor="ctr"/>
+                </a:tc>
+                <a:tc>
+                  <a:txBody>
+                    <a:bodyPr/>
+                    <a:lstStyle/>
+                    <a:p>
+                      <a:pPr marL="0" lvl="1" indent="0" algn="ctr" latinLnBrk="1">
+                        <a:buFontTx/>
+                        <a:buNone/>
+                      </a:pPr>
+                      <a:r>
+                        <a:rPr lang="ko-KR" altLang="en-US" kern="1200" dirty="0">
+                          <a:solidFill>
+                            <a:srgbClr val="000000"/>
+                          </a:solidFill>
+                        </a:rPr>
+                        <a:t>0</a:t>
+                      </a:r>
+                    </a:p>
+                  </a:txBody>
+                  <a:tcPr anchor="ctr"/>
+                </a:tc>
+                <a:extLst>
+                  <a:ext uri="{0D108BD9-81ED-4DB2-BD59-A6C34878D82A}">
+                    <a16:rowId xmlns:a16="http://schemas.microsoft.com/office/drawing/2014/main" val="10005"/>
+                  </a:ext>
+                </a:extLst>
+              </a:tr>
+              <a:tr h="343859">
+                <a:tc>
+                  <a:txBody>
+                    <a:bodyPr/>
+                    <a:lstStyle/>
+                    <a:p>
+                      <a:pPr marL="0" lvl="1" indent="0" algn="ctr" latinLnBrk="1">
+                        <a:buFontTx/>
+                        <a:buNone/>
+                      </a:pPr>
+                      <a:r>
+                        <a:rPr lang="ko-KR" altLang="en-US" kern="1200" dirty="0">
+                          <a:solidFill>
+                            <a:srgbClr val="000000"/>
+                          </a:solidFill>
+                        </a:rPr>
+                        <a:t>이동</a:t>
+                      </a:r>
+                      <a:endParaRPr lang="en-US" altLang="ko-KR" kern="1200" dirty="0">
                         <a:solidFill>
                           <a:srgbClr val="000000"/>
                         </a:solidFill>
                       </a:endParaRPr>
                     </a:p>
-                  </a:txBody>
-                  <a:tcPr marL="91440" marR="91440" marT="45720" marB="45720" anchor="ctr"/>
-                </a:tc>
-              </a:tr>
-              <a:tr h="922020">
-                <a:tc>
-                  <a:txBody>
-                    <a:bodyPr/>
-                    <a:lstStyle/>
-                    <a:p>
-                      <a:pPr marL="0" indent="0" latinLnBrk="1" lvl="1">
+                    <a:p>
+                      <a:pPr marL="0" lvl="1" indent="0" algn="ctr" latinLnBrk="1">
                         <a:buFontTx/>
                         <a:buNone/>
                       </a:pPr>
                       <a:r>
-                        <a:rPr lang="ko-KR" altLang="en-US" kern="1200">
+                        <a:rPr lang="ko-KR" altLang="en-US" kern="1200" dirty="0">
                           <a:solidFill>
                             <a:srgbClr val="000000"/>
                           </a:solidFill>
                         </a:rPr>
-                        <a:t>지구력</a:t>
-                      </a:r>
-                      <a:endParaRPr lang="ko-KR" altLang="en-US" kern="1200">
+                        <a:t>속도</a:t>
+                      </a:r>
+                    </a:p>
+                  </a:txBody>
+                  <a:tcPr anchor="ctr"/>
+                </a:tc>
+                <a:tc>
+                  <a:txBody>
+                    <a:bodyPr/>
+                    <a:lstStyle/>
+                    <a:p>
+                      <a:pPr marL="0" lvl="1" indent="0" latinLnBrk="1">
+                        <a:buFontTx/>
+                        <a:buNone/>
+                      </a:pPr>
+                      <a:r>
+                        <a:rPr lang="ko-KR" altLang="en-US" kern="1200" dirty="0">
+                          <a:solidFill>
+                            <a:srgbClr val="000000"/>
+                          </a:solidFill>
+                        </a:rPr>
+                        <a:t>캐릭터가 이동시 관여하는 수치</a:t>
+                      </a:r>
+                      <a:r>
+                        <a:rPr lang="en-US" altLang="ko-KR" kern="1200" dirty="0">
+                          <a:solidFill>
+                            <a:srgbClr val="000000"/>
+                          </a:solidFill>
+                        </a:rPr>
+                        <a:t>.</a:t>
+                      </a:r>
+                      <a:endParaRPr lang="ko-KR" altLang="en-US" kern="1200" dirty="0">
                         <a:solidFill>
                           <a:srgbClr val="000000"/>
                         </a:solidFill>
                       </a:endParaRPr>
                     </a:p>
                   </a:txBody>
-                  <a:tcPr marL="91440" marR="91440" marT="45720" marB="45720" anchor="ctr"/>
+                  <a:tcPr anchor="ctr"/>
                 </a:tc>
                 <a:tc>
                   <a:txBody>
                     <a:bodyPr/>
                     <a:lstStyle/>
                     <a:p>
-                      <a:pPr marL="0" indent="0" latinLnBrk="1" lvl="1">
+                      <a:pPr marL="0" lvl="1" indent="0" algn="ctr" latinLnBrk="1">
                         <a:buFontTx/>
                         <a:buNone/>
                       </a:pPr>
                       <a:r>
-                        <a:rPr lang="ko-KR" altLang="en-US" kern="1200">
+                        <a:rPr lang="en-US" altLang="ko-KR" kern="1200" dirty="0">
                           <a:solidFill>
                             <a:srgbClr val="000000"/>
                           </a:solidFill>
                         </a:rPr>
-                        <a:t>공격 및 달리기</a:t>
-                      </a:r>
-                      <a:r>
-                        <a:rPr lang="en-US" altLang="ko-KR" kern="1200">
-                          <a:solidFill>
-                            <a:srgbClr val="000000"/>
-                          </a:solidFill>
-                        </a:rPr>
-                        <a:t>, </a:t>
-                      </a:r>
-                      <a:r>
-                        <a:rPr lang="ko-KR" altLang="en-US" kern="1200">
-                          <a:solidFill>
-                            <a:srgbClr val="000000"/>
-                          </a:solidFill>
-                        </a:rPr>
-                        <a:t>구르기 등의 동작에 사용되는 자원이다</a:t>
-                      </a:r>
-                      <a:r>
-                        <a:rPr lang="en-US" altLang="ko-KR" kern="1200">
-                          <a:solidFill>
-                            <a:srgbClr val="000000"/>
-                          </a:solidFill>
-                        </a:rPr>
-                        <a:t>.</a:t>
-                      </a:r>
-                      <a:r>
-                        <a:rPr lang="ko-KR" altLang="en-US" kern="1200">
-                          <a:solidFill>
-                            <a:srgbClr val="000000"/>
-                          </a:solidFill>
-                        </a:rPr>
-                        <a:t> </a:t>
-                      </a:r>
-                      <a:endParaRPr lang="ko-KR" altLang="en-US" kern="1200">
+                        <a:t>100</a:t>
+                      </a:r>
+                      <a:endParaRPr lang="ko-KR" altLang="en-US" kern="1200" dirty="0">
                         <a:solidFill>
                           <a:srgbClr val="000000"/>
                         </a:solidFill>
                       </a:endParaRPr>
                     </a:p>
-                    <a:p>
-                      <a:pPr marL="0" indent="0" latinLnBrk="1" lvl="1">
-                        <a:buFontTx/>
-                        <a:buNone/>
-                      </a:pPr>
-                      <a:r>
-                        <a:rPr lang="ko-KR" altLang="en-US" kern="1200">
-                          <a:solidFill>
-                            <a:srgbClr val="000000"/>
-                          </a:solidFill>
-                        </a:rPr>
-                        <a:t>해당 수치가 </a:t>
-                      </a:r>
-                      <a:r>
-                        <a:rPr lang="en-US" altLang="ko-KR" kern="1200">
-                          <a:solidFill>
-                            <a:srgbClr val="000000"/>
-                          </a:solidFill>
-                        </a:rPr>
-                        <a:t>0</a:t>
-                      </a:r>
-                      <a:r>
-                        <a:rPr lang="ko-KR" altLang="en-US" kern="1200">
-                          <a:solidFill>
-                            <a:srgbClr val="000000"/>
-                          </a:solidFill>
-                        </a:rPr>
-                        <a:t>일 될 경우 행동에 제한이 걸</a:t>
-                      </a:r>
-                      <a:r>
-                        <a:rPr lang="ko-KR" altLang="en-US" kern="1200">
-                          <a:solidFill>
-                            <a:srgbClr val="000000"/>
-                          </a:solidFill>
-                        </a:rPr>
-                        <a:t>리며 시간이 </a:t>
-                      </a:r>
-                      <a:endParaRPr lang="ko-KR" altLang="en-US" kern="1200">
-                        <a:solidFill>
-                          <a:srgbClr val="000000"/>
-                        </a:solidFill>
-                      </a:endParaRPr>
-                    </a:p>
-                    <a:p>
-                      <a:pPr marL="0" indent="0" latinLnBrk="1" lvl="1">
-                        <a:buFontTx/>
-                        <a:buNone/>
-                      </a:pPr>
-                      <a:r>
-                        <a:rPr lang="ko-KR" altLang="en-US" kern="1200">
-                          <a:solidFill>
-                            <a:srgbClr val="000000"/>
-                          </a:solidFill>
-                        </a:rPr>
-                        <a:t>지날시 다시 회복 된다.</a:t>
-                      </a:r>
-                      <a:endParaRPr lang="ko-KR" altLang="en-US" kern="1200">
-                        <a:solidFill>
-                          <a:srgbClr val="000000"/>
-                        </a:solidFill>
-                      </a:endParaRPr>
-                    </a:p>
-                  </a:txBody>
-                  <a:tcPr marL="91440" marR="91440" marT="45720" marB="45720" anchor="t"/>
-                </a:tc>
-                <a:tc>
-                  <a:txBody>
-                    <a:bodyPr/>
-                    <a:lstStyle/>
-                    <a:p>
-                      <a:pPr marL="0" indent="0" latinLnBrk="1" lvl="1">
-                        <a:buFontTx/>
-                        <a:buNone/>
-                      </a:pPr>
-                      <a:r>
-                        <a:rPr lang="ko-KR" altLang="en-US" kern="1200">
-                          <a:solidFill>
-                            <a:srgbClr val="000000"/>
-                          </a:solidFill>
-                        </a:rPr>
-                        <a:t>50</a:t>
-                      </a:r>
-                      <a:endParaRPr lang="ko-KR" altLang="en-US" kern="1200">
-                        <a:solidFill>
-                          <a:srgbClr val="000000"/>
-                        </a:solidFill>
-                      </a:endParaRPr>
-                    </a:p>
-                  </a:txBody>
-                  <a:tcPr marL="91440" marR="91440" marT="45720" marB="45720" anchor="ctr"/>
-                </a:tc>
-              </a:tr>
-              <a:tr h="645160">
-                <a:tc>
-                  <a:txBody>
-                    <a:bodyPr/>
-                    <a:lstStyle/>
-                    <a:p>
-                      <a:pPr marL="0" indent="0" latinLnBrk="1" lvl="1">
-                        <a:buFontTx/>
-                        <a:buNone/>
-                      </a:pPr>
-                      <a:r>
-                        <a:rPr lang="ko-KR" altLang="en-US" kern="1200">
-                          <a:solidFill>
-                            <a:srgbClr val="000000"/>
-                          </a:solidFill>
-                        </a:rPr>
-                        <a:t>공격력</a:t>
-                      </a:r>
-                      <a:endParaRPr lang="ko-KR" altLang="en-US" kern="1200">
-                        <a:solidFill>
-                          <a:srgbClr val="000000"/>
-                        </a:solidFill>
-                      </a:endParaRPr>
-                    </a:p>
-                  </a:txBody>
-                  <a:tcPr marL="91440" marR="91440" marT="45720" marB="45720" anchor="ctr"/>
-                </a:tc>
-                <a:tc>
-                  <a:txBody>
-                    <a:bodyPr/>
-                    <a:lstStyle/>
-                    <a:p>
-                      <a:pPr marL="0" indent="0" latinLnBrk="1" lvl="1">
-                        <a:buFontTx/>
-                        <a:buNone/>
-                      </a:pPr>
-                      <a:r>
-                        <a:rPr lang="ko-KR" altLang="en-US" kern="1200">
-                          <a:solidFill>
-                            <a:srgbClr val="000000"/>
-                          </a:solidFill>
-                        </a:rPr>
-                        <a:t>캐릭터가 공격시 데미지에 관여하는 수치. </a:t>
-                      </a:r>
-                      <a:endParaRPr lang="ko-KR" altLang="en-US" kern="1200">
-                        <a:solidFill>
-                          <a:srgbClr val="000000"/>
-                        </a:solidFill>
-                      </a:endParaRPr>
-                    </a:p>
-                    <a:p>
-                      <a:pPr marL="0" indent="0" latinLnBrk="1" lvl="1">
-                        <a:buFontTx/>
-                        <a:buNone/>
-                      </a:pPr>
-                      <a:r>
-                        <a:rPr lang="ko-KR" altLang="en-US" kern="1200">
-                          <a:solidFill>
-                            <a:srgbClr val="000000"/>
-                          </a:solidFill>
-                        </a:rPr>
-                        <a:t>무기를 착용할 시 올라간다.</a:t>
-                      </a:r>
-                      <a:endParaRPr lang="ko-KR" altLang="en-US" kern="1200">
-                        <a:solidFill>
-                          <a:srgbClr val="000000"/>
-                        </a:solidFill>
-                      </a:endParaRPr>
-                    </a:p>
-                  </a:txBody>
-                  <a:tcPr marL="91440" marR="91440" marT="45720" marB="45720" anchor="t"/>
-                </a:tc>
-                <a:tc>
-                  <a:txBody>
-                    <a:bodyPr/>
-                    <a:lstStyle/>
-                    <a:p>
-                      <a:pPr marL="0" indent="0" latinLnBrk="1" lvl="1">
-                        <a:buFontTx/>
-                        <a:buNone/>
-                      </a:pPr>
-                      <a:r>
-                        <a:rPr lang="ko-KR" altLang="en-US" kern="1200">
-                          <a:solidFill>
-                            <a:srgbClr val="000000"/>
-                          </a:solidFill>
-                        </a:rPr>
-                        <a:t>5</a:t>
-                      </a:r>
-                      <a:endParaRPr lang="ko-KR" altLang="en-US" kern="1200">
-                        <a:solidFill>
-                          <a:srgbClr val="000000"/>
-                        </a:solidFill>
-                      </a:endParaRPr>
-                    </a:p>
-                  </a:txBody>
-                  <a:tcPr marL="91440" marR="91440" marT="45720" marB="45720" anchor="ctr"/>
-                </a:tc>
-              </a:tr>
-              <a:tr h="645160">
-                <a:tc>
-                  <a:txBody>
-                    <a:bodyPr/>
-                    <a:lstStyle/>
-                    <a:p>
-                      <a:pPr marL="0" indent="0" latinLnBrk="1" lvl="1">
-                        <a:buFontTx/>
-                        <a:buNone/>
-                      </a:pPr>
-                      <a:r>
-                        <a:rPr lang="ko-KR" altLang="en-US" kern="1200">
-                          <a:solidFill>
-                            <a:srgbClr val="000000"/>
-                          </a:solidFill>
-                        </a:rPr>
-                        <a:t>방어력</a:t>
-                      </a:r>
-                      <a:endParaRPr lang="ko-KR" altLang="en-US" kern="1200">
-                        <a:solidFill>
-                          <a:srgbClr val="000000"/>
-                        </a:solidFill>
-                      </a:endParaRPr>
-                    </a:p>
-                  </a:txBody>
-                  <a:tcPr marL="91440" marR="91440" marT="45720" marB="45720" anchor="ctr"/>
-                </a:tc>
-                <a:tc>
-                  <a:txBody>
-                    <a:bodyPr/>
-                    <a:lstStyle/>
-                    <a:p>
-                      <a:pPr marL="0" indent="0" latinLnBrk="1" lvl="1">
-                        <a:buFontTx/>
-                        <a:buNone/>
-                      </a:pPr>
-                      <a:r>
-                        <a:rPr lang="ko-KR" altLang="en-US" kern="1200">
-                          <a:solidFill>
-                            <a:srgbClr val="000000"/>
-                          </a:solidFill>
-                        </a:rPr>
-                        <a:t>캐릭터가 피해를 받을 경우 관여하는 수치. </a:t>
-                      </a:r>
-                      <a:endParaRPr lang="ko-KR" altLang="en-US" kern="1200">
-                        <a:solidFill>
-                          <a:srgbClr val="000000"/>
-                        </a:solidFill>
-                      </a:endParaRPr>
-                    </a:p>
-                    <a:p>
-                      <a:pPr marL="0" indent="0" latinLnBrk="1" lvl="1">
-                        <a:buFontTx/>
-                        <a:buNone/>
-                      </a:pPr>
-                      <a:r>
-                        <a:rPr lang="ko-KR" altLang="en-US" kern="1200">
-                          <a:solidFill>
-                            <a:srgbClr val="000000"/>
-                          </a:solidFill>
-                        </a:rPr>
-                        <a:t>방어무를 착용할 시 올라간다.</a:t>
-                      </a:r>
-                      <a:endParaRPr lang="ko-KR" altLang="en-US" kern="1200">
-                        <a:solidFill>
-                          <a:srgbClr val="000000"/>
-                        </a:solidFill>
-                      </a:endParaRPr>
-                    </a:p>
-                  </a:txBody>
-                  <a:tcPr marL="91440" marR="91440" marT="45720" marB="45720" anchor="t"/>
-                </a:tc>
-                <a:tc>
-                  <a:txBody>
-                    <a:bodyPr/>
-                    <a:lstStyle/>
-                    <a:p>
-                      <a:pPr marL="0" indent="0" latinLnBrk="1" lvl="1">
-                        <a:buFontTx/>
-                        <a:buNone/>
-                      </a:pPr>
-                      <a:r>
-                        <a:rPr lang="ko-KR" altLang="en-US" kern="1200">
-                          <a:solidFill>
-                            <a:srgbClr val="000000"/>
-                          </a:solidFill>
-                        </a:rPr>
-                        <a:t>0</a:t>
-                      </a:r>
-                      <a:endParaRPr lang="ko-KR" altLang="en-US" kern="1200">
-                        <a:solidFill>
-                          <a:srgbClr val="000000"/>
-                        </a:solidFill>
-                      </a:endParaRPr>
-                    </a:p>
-                  </a:txBody>
-                  <a:tcPr marL="91440" marR="91440" marT="45720" marB="45720" anchor="ctr"/>
-                </a:tc>
-              </a:tr>
-              <a:tr h="645160">
-                <a:tc>
-                  <a:txBody>
-                    <a:bodyPr/>
-                    <a:lstStyle/>
-                    <a:p>
-                      <a:pPr marL="0" indent="0" latinLnBrk="1" lvl="1">
-                        <a:buFontTx/>
-                        <a:buNone/>
-                      </a:pPr>
-                      <a:r>
-                        <a:rPr lang="ko-KR" altLang="en-US" kern="1200">
-                          <a:solidFill>
-                            <a:srgbClr val="000000"/>
-                          </a:solidFill>
-                        </a:rPr>
-                        <a:t>내공</a:t>
-                      </a:r>
-                      <a:endParaRPr lang="ko-KR" altLang="en-US" kern="1200">
-                        <a:solidFill>
-                          <a:srgbClr val="000000"/>
-                        </a:solidFill>
-                      </a:endParaRPr>
-                    </a:p>
-                  </a:txBody>
-                  <a:tcPr marL="91440" marR="91440" marT="45720" marB="45720" anchor="ctr"/>
-                </a:tc>
-                <a:tc>
-                  <a:txBody>
-                    <a:bodyPr/>
-                    <a:lstStyle/>
-                    <a:p>
-                      <a:pPr marL="0" indent="0" latinLnBrk="1" lvl="1">
-                        <a:buFontTx/>
-                        <a:buNone/>
-                      </a:pPr>
-                      <a:r>
-                        <a:rPr lang="ko-KR" altLang="en-US" kern="1200">
-                          <a:solidFill>
-                            <a:srgbClr val="000000"/>
-                          </a:solidFill>
-                        </a:rPr>
-                        <a:t>캐릭터가 특정 스킬을 사용할 </a:t>
-                      </a:r>
-                      <a:endParaRPr lang="ko-KR" altLang="en-US" kern="1200">
-                        <a:solidFill>
-                          <a:srgbClr val="000000"/>
-                        </a:solidFill>
-                      </a:endParaRPr>
-                    </a:p>
-                    <a:p>
-                      <a:pPr marL="0" indent="0" latinLnBrk="1" lvl="1">
-                        <a:buFontTx/>
-                        <a:buNone/>
-                      </a:pPr>
-                      <a:r>
-                        <a:rPr lang="ko-KR" altLang="en-US" kern="1200">
-                          <a:solidFill>
-                            <a:srgbClr val="000000"/>
-                          </a:solidFill>
-                        </a:rPr>
-                        <a:t>경우 사용되는 자원이다.</a:t>
-                      </a:r>
-                      <a:endParaRPr lang="ko-KR" altLang="en-US" kern="1200">
-                        <a:solidFill>
-                          <a:srgbClr val="000000"/>
-                        </a:solidFill>
-                      </a:endParaRPr>
-                    </a:p>
-                  </a:txBody>
-                  <a:tcPr marL="91440" marR="91440" marT="45720" marB="45720" anchor="t"/>
-                </a:tc>
-                <a:tc>
-                  <a:txBody>
-                    <a:bodyPr/>
-                    <a:lstStyle/>
-                    <a:p>
-                      <a:pPr marL="0" indent="0" latinLnBrk="1" lvl="1">
-                        <a:buFontTx/>
-                        <a:buNone/>
-                      </a:pPr>
-                      <a:r>
-                        <a:rPr lang="ko-KR" altLang="en-US" kern="1200">
-                          <a:solidFill>
-                            <a:srgbClr val="000000"/>
-                          </a:solidFill>
-                        </a:rPr>
-                        <a:t>0</a:t>
-                      </a:r>
-                      <a:endParaRPr lang="ko-KR" altLang="en-US" kern="1200">
-                        <a:solidFill>
-                          <a:srgbClr val="000000"/>
-                        </a:solidFill>
-                      </a:endParaRPr>
-                    </a:p>
-                  </a:txBody>
-                  <a:tcPr marL="91440" marR="91440" marT="45720" marB="45720" anchor="ctr"/>
-                </a:tc>
+                  </a:txBody>
+                  <a:tcPr anchor="ctr"/>
+                </a:tc>
+                <a:extLst>
+                  <a:ext uri="{0D108BD9-81ED-4DB2-BD59-A6C34878D82A}">
+                    <a16:rowId xmlns:a16="http://schemas.microsoft.com/office/drawing/2014/main" val="841629796"/>
+                  </a:ext>
+                </a:extLst>
               </a:tr>
             </a:tbl>
           </a:graphicData>
@@ -11463,25 +14279,18 @@
   <p:clrMapOvr>
     <a:masterClrMapping/>
   </p:clrMapOvr>
-  <mc:AlternateContent xmlns:mc="http://schemas.openxmlformats.org/markup-compatibility/2006">
-    <mc:Choice xmlns:p159="http://schemas.microsoft.com/office/powerpoint/2015/09/main" Requires="p159">
+  <mc:AlternateContent xmlns:mc="http://schemas.openxmlformats.org/markup-compatibility/2006" xmlns:p159="http://schemas.microsoft.com/office/powerpoint/2015/09/main">
+    <mc:Choice Requires="p159">
       <p:transition xmlns:p14="http://schemas.microsoft.com/office/powerpoint/2010/main" spd="slow" p14:dur="2000">
         <p159:morph option="byObject"/>
       </p:transition>
     </mc:Choice>
-    <mc:Fallback>
+    <mc:Fallback xmlns:p14="http://schemas.microsoft.com/office/powerpoint/2010/main" xmlns="">
       <p:transition spd="slow">
         <p:fade/>
       </p:transition>
     </mc:Fallback>
   </mc:AlternateContent>
-  <p:timing>
-    <p:tnLst>
-      <p:par>
-        <p:cTn id="1" dur="indefinite" restart="never" nodeType="tmRoot"/>
-      </p:par>
-    </p:tnLst>
-  </p:timing>
 </p:sld>
 </file>
 
